--- a/Report Dir/WOX7001_assignment2_zouting(24201617).pptx
+++ b/Report Dir/WOX7001_assignment2_zouting(24201617).pptx
@@ -13,14 +13,22 @@
     <p:sldId id="257" r:id="rId6"/>
     <p:sldId id="319" r:id="rId7"/>
     <p:sldId id="320" r:id="rId8"/>
-    <p:sldId id="296" r:id="rId9"/>
+    <p:sldId id="321" r:id="rId9"/>
+    <p:sldId id="322" r:id="rId10"/>
+    <p:sldId id="323" r:id="rId11"/>
+    <p:sldId id="324" r:id="rId12"/>
+    <p:sldId id="296" r:id="rId13"/>
   </p:sldIdLst>
   <p:sldSz cx="9144000" cy="5143500" type="screen16x9"/>
   <p:notesSz cx="6858000" cy="9144000"/>
   <p:embeddedFontLst>
     <p:embeddedFont>
       <p:font typeface="Calibri" panose="020F0502020204030204"/>
-      <p:regular r:id="rId13"/>
+      <p:regular r:id="rId17"/>
+    </p:embeddedFont>
+    <p:embeddedFont>
+      <p:font typeface="Arial Unicode MS" panose="020B0604020202020204" charset="-122"/>
+      <p:regular r:id="rId18"/>
     </p:embeddedFont>
   </p:embeddedFontLst>
   <p:defaultTextStyle>
@@ -255,7 +263,7 @@
   <p:extLst>
     <p:ext uri="{EFAFB233-063F-42B5-8137-9DF3F51BA10A}">
       <p15:sldGuideLst xmlns:p15="http://schemas.microsoft.com/office/powerpoint/2012/main">
-        <p15:guide id="1" orient="horz" pos="1576" userDrawn="1">
+        <p15:guide id="1" orient="horz" pos="1556" userDrawn="1">
           <p15:clr>
             <a:srgbClr val="A4A3A4"/>
           </p15:clr>
@@ -1385,6 +1393,558 @@
 </file>
 
 <file path=ppt/notesSlides/notesSlide5.xml><?xml version="1.0" encoding="utf-8"?>
+<p:notes xmlns:a="http://schemas.openxmlformats.org/drawingml/2006/main" xmlns:r="http://schemas.openxmlformats.org/officeDocument/2006/relationships" xmlns:p="http://schemas.openxmlformats.org/presentationml/2006/main" showMasterPhAnim="0" showMasterSp="0">
+  <p:cSld>
+    <p:spTree>
+      <p:nvGrpSpPr>
+        <p:cNvPr id="1" name="Shape 74"/>
+        <p:cNvGrpSpPr/>
+        <p:nvPr/>
+      </p:nvGrpSpPr>
+      <p:grpSpPr>
+        <a:xfrm>
+          <a:off x="0" y="0"/>
+          <a:ext cx="0" cy="0"/>
+          <a:chOff x="0" y="0"/>
+          <a:chExt cx="0" cy="0"/>
+        </a:xfrm>
+      </p:grpSpPr>
+      <p:sp>
+        <p:nvSpPr>
+          <p:cNvPr id="75" name="Google Shape;75;p2:notes"/>
+          <p:cNvSpPr>
+            <a:spLocks noGrp="1" noRot="1" noChangeAspect="1"/>
+          </p:cNvSpPr>
+          <p:nvPr>
+            <p:ph type="sldImg" idx="2"/>
+          </p:nvPr>
+        </p:nvSpPr>
+        <p:spPr>
+          <a:xfrm>
+            <a:off x="381000" y="685800"/>
+            <a:ext cx="6096000" cy="3429000"/>
+          </a:xfrm>
+          <a:custGeom>
+            <a:avLst/>
+            <a:gdLst/>
+            <a:ahLst/>
+            <a:cxnLst/>
+            <a:rect l="l" t="t" r="r" b="b"/>
+            <a:pathLst>
+              <a:path w="120000" h="120000" extrusionOk="0">
+                <a:moveTo>
+                  <a:pt x="0" y="0"/>
+                </a:moveTo>
+                <a:lnTo>
+                  <a:pt x="120000" y="0"/>
+                </a:lnTo>
+                <a:lnTo>
+                  <a:pt x="120000" y="120000"/>
+                </a:lnTo>
+                <a:lnTo>
+                  <a:pt x="0" y="120000"/>
+                </a:lnTo>
+                <a:close/>
+              </a:path>
+            </a:pathLst>
+          </a:custGeom>
+          <a:noFill/>
+          <a:ln w="9525" cap="flat" cmpd="sng">
+            <a:solidFill>
+              <a:srgbClr val="000000"/>
+            </a:solidFill>
+            <a:prstDash val="solid"/>
+            <a:round/>
+            <a:headEnd type="none" w="sm" len="sm"/>
+            <a:tailEnd type="none" w="sm" len="sm"/>
+          </a:ln>
+        </p:spPr>
+      </p:sp>
+      <p:sp>
+        <p:nvSpPr>
+          <p:cNvPr id="76" name="Google Shape;76;p2:notes"/>
+          <p:cNvSpPr txBox="1">
+            <a:spLocks noGrp="1"/>
+          </p:cNvSpPr>
+          <p:nvPr>
+            <p:ph type="body" idx="1"/>
+          </p:nvPr>
+        </p:nvSpPr>
+        <p:spPr>
+          <a:xfrm>
+            <a:off x="685800" y="4343400"/>
+            <a:ext cx="5486400" cy="4114800"/>
+          </a:xfrm>
+          <a:prstGeom prst="rect">
+            <a:avLst/>
+          </a:prstGeom>
+          <a:noFill/>
+          <a:ln>
+            <a:noFill/>
+          </a:ln>
+        </p:spPr>
+        <p:txBody>
+          <a:bodyPr spcFirstLastPara="1" wrap="square" lIns="91425" tIns="91425" rIns="91425" bIns="91425" anchor="t" anchorCtr="0">
+            <a:noAutofit/>
+          </a:bodyPr>
+          <a:lstStyle/>
+          <a:p>
+            <a:pPr marL="457200" lvl="0" indent="-228600" algn="l" rtl="0">
+              <a:lnSpc>
+                <a:spcPct val="100000"/>
+              </a:lnSpc>
+              <a:spcBef>
+                <a:spcPts val="0"/>
+              </a:spcBef>
+              <a:spcAft>
+                <a:spcPts val="0"/>
+              </a:spcAft>
+              <a:buSzPts val="1100"/>
+              <a:buNone/>
+            </a:pPr>
+            <a:r>
+              <a:rPr lang="en-US" altLang="zh-CN" dirty="0" smtClean="0"/>
+              <a:t>we </a:t>
+            </a:r>
+            <a:r>
+              <a:rPr lang="en-US" altLang="zh-CN" dirty="0" smtClean="0"/>
+              <a:t>will address this topic through the following four aspects, and will </a:t>
+            </a:r>
+            <a:r>
+              <a:rPr lang="en-US" altLang="zh-CN" dirty="0" smtClean="0"/>
+              <a:t>discuss several </a:t>
+            </a:r>
+            <a:r>
+              <a:rPr lang="en-US" altLang="zh-CN" dirty="0" smtClean="0"/>
+              <a:t>key questions among them.</a:t>
+            </a:r>
+            <a:endParaRPr lang="en-US" altLang="zh-CN" dirty="0" smtClean="0"/>
+          </a:p>
+        </p:txBody>
+      </p:sp>
+    </p:spTree>
+  </p:cSld>
+  <p:clrMapOvr>
+    <a:masterClrMapping/>
+  </p:clrMapOvr>
+</p:notes>
+</file>
+
+<file path=ppt/notesSlides/notesSlide6.xml><?xml version="1.0" encoding="utf-8"?>
+<p:notes xmlns:a="http://schemas.openxmlformats.org/drawingml/2006/main" xmlns:r="http://schemas.openxmlformats.org/officeDocument/2006/relationships" xmlns:p="http://schemas.openxmlformats.org/presentationml/2006/main" showMasterPhAnim="0" showMasterSp="0">
+  <p:cSld>
+    <p:spTree>
+      <p:nvGrpSpPr>
+        <p:cNvPr id="1" name="Shape 74"/>
+        <p:cNvGrpSpPr/>
+        <p:nvPr/>
+      </p:nvGrpSpPr>
+      <p:grpSpPr>
+        <a:xfrm>
+          <a:off x="0" y="0"/>
+          <a:ext cx="0" cy="0"/>
+          <a:chOff x="0" y="0"/>
+          <a:chExt cx="0" cy="0"/>
+        </a:xfrm>
+      </p:grpSpPr>
+      <p:sp>
+        <p:nvSpPr>
+          <p:cNvPr id="75" name="Google Shape;75;p2:notes"/>
+          <p:cNvSpPr>
+            <a:spLocks noGrp="1" noRot="1" noChangeAspect="1"/>
+          </p:cNvSpPr>
+          <p:nvPr>
+            <p:ph type="sldImg" idx="2"/>
+          </p:nvPr>
+        </p:nvSpPr>
+        <p:spPr>
+          <a:xfrm>
+            <a:off x="381000" y="685800"/>
+            <a:ext cx="6096000" cy="3429000"/>
+          </a:xfrm>
+          <a:custGeom>
+            <a:avLst/>
+            <a:gdLst/>
+            <a:ahLst/>
+            <a:cxnLst/>
+            <a:rect l="l" t="t" r="r" b="b"/>
+            <a:pathLst>
+              <a:path w="120000" h="120000" extrusionOk="0">
+                <a:moveTo>
+                  <a:pt x="0" y="0"/>
+                </a:moveTo>
+                <a:lnTo>
+                  <a:pt x="120000" y="0"/>
+                </a:lnTo>
+                <a:lnTo>
+                  <a:pt x="120000" y="120000"/>
+                </a:lnTo>
+                <a:lnTo>
+                  <a:pt x="0" y="120000"/>
+                </a:lnTo>
+                <a:close/>
+              </a:path>
+            </a:pathLst>
+          </a:custGeom>
+          <a:noFill/>
+          <a:ln w="9525" cap="flat" cmpd="sng">
+            <a:solidFill>
+              <a:srgbClr val="000000"/>
+            </a:solidFill>
+            <a:prstDash val="solid"/>
+            <a:round/>
+            <a:headEnd type="none" w="sm" len="sm"/>
+            <a:tailEnd type="none" w="sm" len="sm"/>
+          </a:ln>
+        </p:spPr>
+      </p:sp>
+      <p:sp>
+        <p:nvSpPr>
+          <p:cNvPr id="76" name="Google Shape;76;p2:notes"/>
+          <p:cNvSpPr txBox="1">
+            <a:spLocks noGrp="1"/>
+          </p:cNvSpPr>
+          <p:nvPr>
+            <p:ph type="body" idx="1"/>
+          </p:nvPr>
+        </p:nvSpPr>
+        <p:spPr>
+          <a:xfrm>
+            <a:off x="685800" y="4343400"/>
+            <a:ext cx="5486400" cy="4114800"/>
+          </a:xfrm>
+          <a:prstGeom prst="rect">
+            <a:avLst/>
+          </a:prstGeom>
+          <a:noFill/>
+          <a:ln>
+            <a:noFill/>
+          </a:ln>
+        </p:spPr>
+        <p:txBody>
+          <a:bodyPr spcFirstLastPara="1" wrap="square" lIns="91425" tIns="91425" rIns="91425" bIns="91425" anchor="t" anchorCtr="0">
+            <a:noAutofit/>
+          </a:bodyPr>
+          <a:lstStyle/>
+          <a:p>
+            <a:pPr marL="457200" lvl="0" indent="-228600" algn="l" rtl="0">
+              <a:lnSpc>
+                <a:spcPct val="100000"/>
+              </a:lnSpc>
+              <a:spcBef>
+                <a:spcPts val="0"/>
+              </a:spcBef>
+              <a:spcAft>
+                <a:spcPts val="0"/>
+              </a:spcAft>
+              <a:buSzPts val="1100"/>
+              <a:buNone/>
+            </a:pPr>
+            <a:r>
+              <a:rPr lang="en-US" altLang="zh-CN" dirty="0" smtClean="0"/>
+              <a:t>we </a:t>
+            </a:r>
+            <a:r>
+              <a:rPr lang="en-US" altLang="zh-CN" dirty="0" smtClean="0"/>
+              <a:t>will address this topic through the following four aspects, and will </a:t>
+            </a:r>
+            <a:r>
+              <a:rPr lang="en-US" altLang="zh-CN" dirty="0" smtClean="0"/>
+              <a:t>discuss several </a:t>
+            </a:r>
+            <a:r>
+              <a:rPr lang="en-US" altLang="zh-CN" dirty="0" smtClean="0"/>
+              <a:t>key questions among them.</a:t>
+            </a:r>
+            <a:endParaRPr lang="en-US" altLang="zh-CN" dirty="0" smtClean="0"/>
+          </a:p>
+        </p:txBody>
+      </p:sp>
+    </p:spTree>
+  </p:cSld>
+  <p:clrMapOvr>
+    <a:masterClrMapping/>
+  </p:clrMapOvr>
+</p:notes>
+</file>
+
+<file path=ppt/notesSlides/notesSlide7.xml><?xml version="1.0" encoding="utf-8"?>
+<p:notes xmlns:a="http://schemas.openxmlformats.org/drawingml/2006/main" xmlns:r="http://schemas.openxmlformats.org/officeDocument/2006/relationships" xmlns:p="http://schemas.openxmlformats.org/presentationml/2006/main" showMasterPhAnim="0" showMasterSp="0">
+  <p:cSld>
+    <p:spTree>
+      <p:nvGrpSpPr>
+        <p:cNvPr id="1" name="Shape 74"/>
+        <p:cNvGrpSpPr/>
+        <p:nvPr/>
+      </p:nvGrpSpPr>
+      <p:grpSpPr>
+        <a:xfrm>
+          <a:off x="0" y="0"/>
+          <a:ext cx="0" cy="0"/>
+          <a:chOff x="0" y="0"/>
+          <a:chExt cx="0" cy="0"/>
+        </a:xfrm>
+      </p:grpSpPr>
+      <p:sp>
+        <p:nvSpPr>
+          <p:cNvPr id="75" name="Google Shape;75;p2:notes"/>
+          <p:cNvSpPr>
+            <a:spLocks noGrp="1" noRot="1" noChangeAspect="1"/>
+          </p:cNvSpPr>
+          <p:nvPr>
+            <p:ph type="sldImg" idx="2"/>
+          </p:nvPr>
+        </p:nvSpPr>
+        <p:spPr>
+          <a:xfrm>
+            <a:off x="381000" y="685800"/>
+            <a:ext cx="6096000" cy="3429000"/>
+          </a:xfrm>
+          <a:custGeom>
+            <a:avLst/>
+            <a:gdLst/>
+            <a:ahLst/>
+            <a:cxnLst/>
+            <a:rect l="l" t="t" r="r" b="b"/>
+            <a:pathLst>
+              <a:path w="120000" h="120000" extrusionOk="0">
+                <a:moveTo>
+                  <a:pt x="0" y="0"/>
+                </a:moveTo>
+                <a:lnTo>
+                  <a:pt x="120000" y="0"/>
+                </a:lnTo>
+                <a:lnTo>
+                  <a:pt x="120000" y="120000"/>
+                </a:lnTo>
+                <a:lnTo>
+                  <a:pt x="0" y="120000"/>
+                </a:lnTo>
+                <a:close/>
+              </a:path>
+            </a:pathLst>
+          </a:custGeom>
+          <a:noFill/>
+          <a:ln w="9525" cap="flat" cmpd="sng">
+            <a:solidFill>
+              <a:srgbClr val="000000"/>
+            </a:solidFill>
+            <a:prstDash val="solid"/>
+            <a:round/>
+            <a:headEnd type="none" w="sm" len="sm"/>
+            <a:tailEnd type="none" w="sm" len="sm"/>
+          </a:ln>
+        </p:spPr>
+      </p:sp>
+      <p:sp>
+        <p:nvSpPr>
+          <p:cNvPr id="76" name="Google Shape;76;p2:notes"/>
+          <p:cNvSpPr txBox="1">
+            <a:spLocks noGrp="1"/>
+          </p:cNvSpPr>
+          <p:nvPr>
+            <p:ph type="body" idx="1"/>
+          </p:nvPr>
+        </p:nvSpPr>
+        <p:spPr>
+          <a:xfrm>
+            <a:off x="685800" y="4343400"/>
+            <a:ext cx="5486400" cy="4114800"/>
+          </a:xfrm>
+          <a:prstGeom prst="rect">
+            <a:avLst/>
+          </a:prstGeom>
+          <a:noFill/>
+          <a:ln>
+            <a:noFill/>
+          </a:ln>
+        </p:spPr>
+        <p:txBody>
+          <a:bodyPr spcFirstLastPara="1" wrap="square" lIns="91425" tIns="91425" rIns="91425" bIns="91425" anchor="t" anchorCtr="0">
+            <a:noAutofit/>
+          </a:bodyPr>
+          <a:lstStyle/>
+          <a:p>
+            <a:pPr marL="457200" lvl="0" indent="-228600" algn="l" rtl="0">
+              <a:lnSpc>
+                <a:spcPct val="100000"/>
+              </a:lnSpc>
+              <a:spcBef>
+                <a:spcPts val="0"/>
+              </a:spcBef>
+              <a:spcAft>
+                <a:spcPts val="0"/>
+              </a:spcAft>
+              <a:buSzPts val="1100"/>
+              <a:buNone/>
+            </a:pPr>
+            <a:r>
+              <a:rPr lang="en-US" altLang="zh-CN" dirty="0" smtClean="0"/>
+              <a:t>we </a:t>
+            </a:r>
+            <a:r>
+              <a:rPr lang="en-US" altLang="zh-CN" dirty="0" smtClean="0"/>
+              <a:t>will address this topic through the following four aspects, and will </a:t>
+            </a:r>
+            <a:r>
+              <a:rPr lang="en-US" altLang="zh-CN" dirty="0" smtClean="0"/>
+              <a:t>discuss several </a:t>
+            </a:r>
+            <a:r>
+              <a:rPr lang="en-US" altLang="zh-CN" dirty="0" smtClean="0"/>
+              <a:t>key questions among them.</a:t>
+            </a:r>
+            <a:endParaRPr lang="en-US" altLang="zh-CN" dirty="0" smtClean="0"/>
+          </a:p>
+        </p:txBody>
+      </p:sp>
+    </p:spTree>
+  </p:cSld>
+  <p:clrMapOvr>
+    <a:masterClrMapping/>
+  </p:clrMapOvr>
+</p:notes>
+</file>
+
+<file path=ppt/notesSlides/notesSlide8.xml><?xml version="1.0" encoding="utf-8"?>
+<p:notes xmlns:a="http://schemas.openxmlformats.org/drawingml/2006/main" xmlns:r="http://schemas.openxmlformats.org/officeDocument/2006/relationships" xmlns:p="http://schemas.openxmlformats.org/presentationml/2006/main" showMasterPhAnim="0" showMasterSp="0">
+  <p:cSld>
+    <p:spTree>
+      <p:nvGrpSpPr>
+        <p:cNvPr id="1" name="Shape 74"/>
+        <p:cNvGrpSpPr/>
+        <p:nvPr/>
+      </p:nvGrpSpPr>
+      <p:grpSpPr>
+        <a:xfrm>
+          <a:off x="0" y="0"/>
+          <a:ext cx="0" cy="0"/>
+          <a:chOff x="0" y="0"/>
+          <a:chExt cx="0" cy="0"/>
+        </a:xfrm>
+      </p:grpSpPr>
+      <p:sp>
+        <p:nvSpPr>
+          <p:cNvPr id="75" name="Google Shape;75;p2:notes"/>
+          <p:cNvSpPr>
+            <a:spLocks noGrp="1" noRot="1" noChangeAspect="1"/>
+          </p:cNvSpPr>
+          <p:nvPr>
+            <p:ph type="sldImg" idx="2"/>
+          </p:nvPr>
+        </p:nvSpPr>
+        <p:spPr>
+          <a:xfrm>
+            <a:off x="381000" y="685800"/>
+            <a:ext cx="6096000" cy="3429000"/>
+          </a:xfrm>
+          <a:custGeom>
+            <a:avLst/>
+            <a:gdLst/>
+            <a:ahLst/>
+            <a:cxnLst/>
+            <a:rect l="l" t="t" r="r" b="b"/>
+            <a:pathLst>
+              <a:path w="120000" h="120000" extrusionOk="0">
+                <a:moveTo>
+                  <a:pt x="0" y="0"/>
+                </a:moveTo>
+                <a:lnTo>
+                  <a:pt x="120000" y="0"/>
+                </a:lnTo>
+                <a:lnTo>
+                  <a:pt x="120000" y="120000"/>
+                </a:lnTo>
+                <a:lnTo>
+                  <a:pt x="0" y="120000"/>
+                </a:lnTo>
+                <a:close/>
+              </a:path>
+            </a:pathLst>
+          </a:custGeom>
+          <a:noFill/>
+          <a:ln w="9525" cap="flat" cmpd="sng">
+            <a:solidFill>
+              <a:srgbClr val="000000"/>
+            </a:solidFill>
+            <a:prstDash val="solid"/>
+            <a:round/>
+            <a:headEnd type="none" w="sm" len="sm"/>
+            <a:tailEnd type="none" w="sm" len="sm"/>
+          </a:ln>
+        </p:spPr>
+      </p:sp>
+      <p:sp>
+        <p:nvSpPr>
+          <p:cNvPr id="76" name="Google Shape;76;p2:notes"/>
+          <p:cNvSpPr txBox="1">
+            <a:spLocks noGrp="1"/>
+          </p:cNvSpPr>
+          <p:nvPr>
+            <p:ph type="body" idx="1"/>
+          </p:nvPr>
+        </p:nvSpPr>
+        <p:spPr>
+          <a:xfrm>
+            <a:off x="685800" y="4343400"/>
+            <a:ext cx="5486400" cy="4114800"/>
+          </a:xfrm>
+          <a:prstGeom prst="rect">
+            <a:avLst/>
+          </a:prstGeom>
+          <a:noFill/>
+          <a:ln>
+            <a:noFill/>
+          </a:ln>
+        </p:spPr>
+        <p:txBody>
+          <a:bodyPr spcFirstLastPara="1" wrap="square" lIns="91425" tIns="91425" rIns="91425" bIns="91425" anchor="t" anchorCtr="0">
+            <a:noAutofit/>
+          </a:bodyPr>
+          <a:lstStyle/>
+          <a:p>
+            <a:pPr marL="457200" lvl="0" indent="-228600" algn="l" rtl="0">
+              <a:lnSpc>
+                <a:spcPct val="100000"/>
+              </a:lnSpc>
+              <a:spcBef>
+                <a:spcPts val="0"/>
+              </a:spcBef>
+              <a:spcAft>
+                <a:spcPts val="0"/>
+              </a:spcAft>
+              <a:buSzPts val="1100"/>
+              <a:buNone/>
+            </a:pPr>
+            <a:r>
+              <a:rPr lang="en-US" altLang="zh-CN" dirty="0" smtClean="0"/>
+              <a:t>we </a:t>
+            </a:r>
+            <a:r>
+              <a:rPr lang="en-US" altLang="zh-CN" dirty="0" smtClean="0"/>
+              <a:t>will address this topic through the following four aspects, and will </a:t>
+            </a:r>
+            <a:r>
+              <a:rPr lang="en-US" altLang="zh-CN" dirty="0" smtClean="0"/>
+              <a:t>discuss several </a:t>
+            </a:r>
+            <a:r>
+              <a:rPr lang="en-US" altLang="zh-CN" dirty="0" smtClean="0"/>
+              <a:t>key questions among them.</a:t>
+            </a:r>
+            <a:endParaRPr lang="en-US" altLang="zh-CN" dirty="0" smtClean="0"/>
+          </a:p>
+        </p:txBody>
+      </p:sp>
+    </p:spTree>
+  </p:cSld>
+  <p:clrMapOvr>
+    <a:masterClrMapping/>
+  </p:clrMapOvr>
+</p:notes>
+</file>
+
+<file path=ppt/notesSlides/notesSlide9.xml><?xml version="1.0" encoding="utf-8"?>
 <p:notes xmlns:a="http://schemas.openxmlformats.org/drawingml/2006/main" xmlns:r="http://schemas.openxmlformats.org/officeDocument/2006/relationships" xmlns:p="http://schemas.openxmlformats.org/presentationml/2006/main" showMasterPhAnim="0" showMasterSp="0">
   <p:cSld>
     <p:spTree>
@@ -13586,6 +14146,112 @@
           <a:chExt cx="0" cy="0"/>
         </a:xfrm>
       </p:grpSpPr>
+      <p:sp>
+        <p:nvSpPr>
+          <p:cNvPr id="18" name="下弧形箭头 17"/>
+          <p:cNvSpPr/>
+          <p:nvPr/>
+        </p:nvSpPr>
+        <p:spPr>
+          <a:xfrm rot="5400000">
+            <a:off x="3100705" y="2851785"/>
+            <a:ext cx="2065020" cy="671830"/>
+          </a:xfrm>
+          <a:prstGeom prst="curvedUpArrow">
+            <a:avLst>
+              <a:gd name="adj1" fmla="val 25000"/>
+              <a:gd name="adj2" fmla="val 68862"/>
+              <a:gd name="adj3" fmla="val 45085"/>
+            </a:avLst>
+          </a:prstGeom>
+        </p:spPr>
+        <p:style>
+          <a:lnRef idx="0">
+            <a:srgbClr val="FFFFFF"/>
+          </a:lnRef>
+          <a:fillRef idx="1">
+            <a:schemeClr val="accent6"/>
+          </a:fillRef>
+          <a:effectRef idx="0">
+            <a:srgbClr val="FFFFFF"/>
+          </a:effectRef>
+          <a:fontRef idx="minor">
+            <a:schemeClr val="lt1"/>
+          </a:fontRef>
+        </p:style>
+        <p:txBody>
+          <a:bodyPr rtlCol="0" anchor="ctr"/>
+          <a:p>
+            <a:pPr algn="ctr"/>
+            <a:endParaRPr lang="zh-CN" altLang="en-US">
+              <a:solidFill>
+                <a:schemeClr val="tx1"/>
+              </a:solidFill>
+            </a:endParaRPr>
+          </a:p>
+        </p:txBody>
+      </p:sp>
+      <p:sp>
+        <p:nvSpPr>
+          <p:cNvPr id="19" name="文本框 18"/>
+          <p:cNvSpPr txBox="1"/>
+          <p:nvPr/>
+        </p:nvSpPr>
+        <p:spPr>
+          <a:xfrm>
+            <a:off x="4187190" y="3216275"/>
+            <a:ext cx="4770120" cy="1383665"/>
+          </a:xfrm>
+          <a:prstGeom prst="rect">
+            <a:avLst/>
+          </a:prstGeom>
+        </p:spPr>
+        <p:txBody>
+          <a:bodyPr wrap="square">
+            <a:spAutoFit/>
+          </a:bodyPr>
+          <a:p>
+            <a:pPr marL="457200" indent="-457200" defTabSz="266700">
+              <a:lnSpc>
+                <a:spcPct val="150000"/>
+              </a:lnSpc>
+              <a:buFont typeface="Arial" panose="020B0604020202020204" pitchFamily="34" charset="0"/>
+              <a:buChar char="•"/>
+            </a:pPr>
+            <a:r>
+              <a:rPr lang="en-US" altLang="zh-CN" sz="2800">
+                <a:latin typeface="Arial Unicode MS" panose="020B0604020202020204" charset="-122"/>
+                <a:ea typeface="Arial Unicode MS" panose="020B0604020202020204" charset="-122"/>
+              </a:rPr>
+              <a:t>Vocabulary construction</a:t>
+            </a:r>
+            <a:endParaRPr lang="en-US" altLang="zh-CN" sz="2800">
+              <a:latin typeface="Arial Unicode MS" panose="020B0604020202020204" charset="-122"/>
+              <a:ea typeface="Arial Unicode MS" panose="020B0604020202020204" charset="-122"/>
+            </a:endParaRPr>
+          </a:p>
+          <a:p>
+            <a:pPr marL="457200" indent="-457200" defTabSz="266700">
+              <a:lnSpc>
+                <a:spcPct val="150000"/>
+              </a:lnSpc>
+              <a:buFont typeface="Arial" panose="020B0604020202020204" pitchFamily="34" charset="0"/>
+              <a:buChar char="•"/>
+            </a:pPr>
+            <a:r>
+              <a:rPr lang="en-US" altLang="zh-CN" sz="2800">
+                <a:latin typeface="Arial Unicode MS" panose="020B0604020202020204" charset="-122"/>
+                <a:ea typeface="Arial Unicode MS" panose="020B0604020202020204" charset="-122"/>
+              </a:rPr>
+              <a:t>Answer mapping </a:t>
+            </a:r>
+            <a:endParaRPr lang="en-US" altLang="zh-CN" sz="2800">
+              <a:latin typeface="Arial Unicode MS" panose="020B0604020202020204" charset="-122"/>
+              <a:ea typeface="Arial Unicode MS" panose="020B0604020202020204" charset="-122"/>
+            </a:endParaRPr>
+          </a:p>
+        </p:txBody>
+      </p:sp>
       <p:pic>
         <p:nvPicPr>
           <p:cNvPr id="78" name="Google Shape;78;p2"/>
@@ -13664,9 +14330,18 @@
                   <a:schemeClr val="bg1"/>
                 </a:solidFill>
               </a:rPr>
-              <a:t> Methods-</a:t>
+              <a:t> Methods-baseline </a:t>
             </a:r>
-            <a:endParaRPr lang="zh-CN" altLang="en-US" sz="3600" b="1" dirty="0">
+            <a:r>
+              <a:rPr lang="en-US" altLang="zh-CN" sz="3600" b="1" dirty="0">
+                <a:solidFill>
+                  <a:schemeClr val="bg1"/>
+                </a:solidFill>
+                <a:ea typeface="宋体" panose="02010600030101010101" pitchFamily="2" charset="-122"/>
+              </a:rPr>
+              <a:t>architecture</a:t>
+            </a:r>
+            <a:endParaRPr lang="en-US" altLang="zh-CN" sz="3600" b="1" dirty="0">
               <a:solidFill>
                 <a:schemeClr val="bg1"/>
               </a:solidFill>
@@ -13675,16 +14350,41 @@
           </a:p>
         </p:txBody>
       </p:sp>
+      <p:pic>
+        <p:nvPicPr>
+          <p:cNvPr id="2" name="图片 1" descr="报告用图-第 2 页.drawio"/>
+          <p:cNvPicPr>
+            <a:picLocks noChangeAspect="1"/>
+          </p:cNvPicPr>
+          <p:nvPr/>
+        </p:nvPicPr>
+        <p:blipFill>
+          <a:blip r:embed="rId2"/>
+          <a:srcRect l="8260"/>
+          <a:stretch>
+            <a:fillRect/>
+          </a:stretch>
+        </p:blipFill>
+        <p:spPr>
+          <a:xfrm>
+            <a:off x="107315" y="847090"/>
+            <a:ext cx="3568700" cy="4147185"/>
+          </a:xfrm>
+          <a:prstGeom prst="rect">
+            <a:avLst/>
+          </a:prstGeom>
+        </p:spPr>
+      </p:pic>
       <p:sp>
         <p:nvSpPr>
-          <p:cNvPr id="9" name="圆角矩形 8"/>
+          <p:cNvPr id="4" name="圆角矩形 3"/>
           <p:cNvSpPr/>
           <p:nvPr/>
         </p:nvSpPr>
         <p:spPr>
           <a:xfrm>
-            <a:off x="365125" y="1066165"/>
-            <a:ext cx="3915410" cy="1807210"/>
+            <a:off x="4269740" y="1668145"/>
+            <a:ext cx="1272540" cy="1271905"/>
           </a:xfrm>
           <a:prstGeom prst="roundRect">
             <a:avLst/>
@@ -13722,44 +14422,14 @@
           <a:p>
             <a:pPr algn="l"/>
             <a:r>
-              <a:rPr lang="en-US" altLang="zh-CN" sz="1800" b="1">
+              <a:rPr lang="en-US" altLang="zh-CN" sz="3600" b="1">
                 <a:solidFill>
                   <a:schemeClr val="tx1"/>
                 </a:solidFill>
-                <a:highlight>
-                  <a:srgbClr val="FFFF00"/>
-                </a:highlight>
               </a:rPr>
-              <a:t>Which model</a:t>
+              <a:t>70%</a:t>
             </a:r>
-            <a:r>
-              <a:rPr lang="en-US" altLang="zh-CN" sz="1800">
-                <a:solidFill>
-                  <a:schemeClr val="tx1"/>
-                </a:solidFill>
-              </a:rPr>
-              <a:t>, baseline or VLM, </a:t>
-            </a:r>
-            <a:r>
-              <a:rPr lang="en-US" altLang="zh-CN" sz="1800" b="1">
-                <a:solidFill>
-                  <a:schemeClr val="tx1"/>
-                </a:solidFill>
-                <a:highlight>
-                  <a:srgbClr val="FFFF00"/>
-                </a:highlight>
-              </a:rPr>
-              <a:t>performs better</a:t>
-            </a:r>
-            <a:r>
-              <a:rPr lang="en-US" altLang="zh-CN" sz="1800">
-                <a:solidFill>
-                  <a:schemeClr val="tx1"/>
-                </a:solidFill>
-              </a:rPr>
-              <a:t> in answering closed-ended questions about radiology images? How big is the gap between the two models?</a:t>
-            </a:r>
-            <a:endParaRPr lang="en-US" altLang="zh-CN" sz="1800">
+            <a:endParaRPr lang="en-US" altLang="zh-CN" sz="3600" b="1">
               <a:solidFill>
                 <a:schemeClr val="tx1"/>
               </a:solidFill>
@@ -13769,95 +14439,14 @@
       </p:sp>
       <p:sp>
         <p:nvSpPr>
-          <p:cNvPr id="10" name="圆角矩形 9"/>
+          <p:cNvPr id="5" name="圆角矩形 4"/>
           <p:cNvSpPr/>
           <p:nvPr/>
         </p:nvSpPr>
         <p:spPr>
           <a:xfrm>
-            <a:off x="364490" y="3096895"/>
-            <a:ext cx="3916045" cy="1840230"/>
-          </a:xfrm>
-          <a:prstGeom prst="roundRect">
-            <a:avLst/>
-          </a:prstGeom>
-          <a:solidFill>
-            <a:schemeClr val="accent1">
-              <a:lumMod val="20000"/>
-              <a:lumOff val="80000"/>
-            </a:schemeClr>
-          </a:solidFill>
-          <a:ln>
-            <a:solidFill>
-              <a:schemeClr val="bg1"/>
-            </a:solidFill>
-          </a:ln>
-        </p:spPr>
-        <p:style>
-          <a:lnRef idx="2">
-            <a:schemeClr val="accent1">
-              <a:lumMod val="75000"/>
-            </a:schemeClr>
-          </a:lnRef>
-          <a:fillRef idx="1">
-            <a:schemeClr val="accent1"/>
-          </a:fillRef>
-          <a:effectRef idx="0">
-            <a:srgbClr val="FFFFFF"/>
-          </a:effectRef>
-          <a:fontRef idx="minor">
-            <a:schemeClr val="lt1"/>
-          </a:fontRef>
-        </p:style>
-        <p:txBody>
-          <a:bodyPr rtlCol="0" anchor="ctr"/>
-          <a:p>
-            <a:pPr algn="ctr"/>
-            <a:r>
-              <a:rPr lang="en-US" altLang="zh-CN" sz="1800">
-                <a:solidFill>
-                  <a:schemeClr val="tx1"/>
-                </a:solidFill>
-              </a:rPr>
-              <a:t>How is the expression quality of large visual language models(VLM) in medical </a:t>
-            </a:r>
-            <a:r>
-              <a:rPr lang="en-US" altLang="zh-CN" sz="1800" b="1">
-                <a:solidFill>
-                  <a:schemeClr val="tx1"/>
-                </a:solidFill>
-                <a:highlight>
-                  <a:srgbClr val="FFFF00"/>
-                </a:highlight>
-              </a:rPr>
-              <a:t>open-ended question answering?</a:t>
-            </a:r>
-            <a:r>
-              <a:rPr lang="en-US" altLang="zh-CN" sz="1800">
-                <a:solidFill>
-                  <a:schemeClr val="tx1"/>
-                </a:solidFill>
-              </a:rPr>
-              <a:t> What is the risk that the content it generates may cause hallucinations?</a:t>
-            </a:r>
-            <a:endParaRPr lang="en-US" altLang="zh-CN" sz="1800">
-              <a:solidFill>
-                <a:schemeClr val="tx1"/>
-              </a:solidFill>
-            </a:endParaRPr>
-          </a:p>
-        </p:txBody>
-      </p:sp>
-      <p:sp>
-        <p:nvSpPr>
-          <p:cNvPr id="11" name="圆角矩形 10"/>
-          <p:cNvSpPr/>
-          <p:nvPr/>
-        </p:nvSpPr>
-        <p:spPr>
-          <a:xfrm>
-            <a:off x="4674870" y="1028700"/>
-            <a:ext cx="4119245" cy="1989455"/>
+            <a:off x="5851525" y="1668145"/>
+            <a:ext cx="1261110" cy="1271905"/>
           </a:xfrm>
           <a:prstGeom prst="roundRect">
             <a:avLst/>
@@ -13894,30 +14483,14 @@
           <a:p>
             <a:pPr algn="ctr"/>
             <a:r>
-              <a:rPr lang="en-US" altLang="zh-CN" sz="1800">
+              <a:rPr lang="en-US" altLang="zh-CN" sz="3200" b="1">
                 <a:solidFill>
                   <a:schemeClr val="tx1"/>
                 </a:solidFill>
               </a:rPr>
-              <a:t>Construct a unified evaluation framework, calculate closed classification indicators </a:t>
+              <a:t>15%</a:t>
             </a:r>
-            <a:r>
-              <a:rPr lang="en-US" altLang="zh-CN" sz="1800" b="1">
-                <a:solidFill>
-                  <a:schemeClr val="tx1"/>
-                </a:solidFill>
-              </a:rPr>
-              <a:t>(Overall Acc, Macro-F1), calculate the gap</a:t>
-            </a:r>
-            <a:r>
-              <a:rPr lang="en-US" altLang="zh-CN" sz="1800">
-                <a:solidFill>
-                  <a:schemeClr val="tx1"/>
-                </a:solidFill>
-              </a:rPr>
-              <a:t>, and evaluate and output the classification results under the two routes respectively.</a:t>
-            </a:r>
-            <a:endParaRPr lang="en-US" altLang="zh-CN" sz="1800">
+            <a:endParaRPr lang="en-US" altLang="zh-CN" sz="3200" b="1">
               <a:solidFill>
                 <a:schemeClr val="tx1"/>
               </a:solidFill>
@@ -13927,155 +14500,20 @@
       </p:sp>
       <p:sp>
         <p:nvSpPr>
-          <p:cNvPr id="12" name="圆角矩形 11"/>
+          <p:cNvPr id="6" name="圆角矩形 5"/>
           <p:cNvSpPr/>
           <p:nvPr/>
         </p:nvSpPr>
         <p:spPr>
           <a:xfrm>
-            <a:off x="4616450" y="3096895"/>
-            <a:ext cx="4177665" cy="1916430"/>
+            <a:off x="7421880" y="1668145"/>
+            <a:ext cx="1261110" cy="1271905"/>
           </a:xfrm>
           <a:prstGeom prst="roundRect">
             <a:avLst/>
           </a:prstGeom>
           <a:solidFill>
-            <a:schemeClr val="tx2">
-              <a:lumMod val="90000"/>
-            </a:schemeClr>
-          </a:solidFill>
-          <a:ln>
-            <a:solidFill>
-              <a:schemeClr val="bg1"/>
-            </a:solidFill>
-          </a:ln>
-        </p:spPr>
-        <p:style>
-          <a:lnRef idx="2">
-            <a:schemeClr val="accent1">
-              <a:lumMod val="75000"/>
-            </a:schemeClr>
-          </a:lnRef>
-          <a:fillRef idx="1">
-            <a:schemeClr val="accent1"/>
-          </a:fillRef>
-          <a:effectRef idx="0">
-            <a:srgbClr val="FFFFFF"/>
-          </a:effectRef>
-          <a:fontRef idx="minor">
-            <a:schemeClr val="lt1"/>
-          </a:fontRef>
-        </p:style>
-        <p:txBody>
-          <a:bodyPr rtlCol="0" anchor="ctr"/>
-          <a:p>
-            <a:pPr algn="ctr"/>
-            <a:r>
-              <a:rPr lang="en-US" altLang="zh-CN">
-                <a:solidFill>
-                  <a:schemeClr val="tx1"/>
-                </a:solidFill>
-              </a:rPr>
-              <a:t>Use </a:t>
-            </a:r>
-            <a:r>
-              <a:rPr lang="en-US" altLang="zh-CN" b="1">
-                <a:solidFill>
-                  <a:schemeClr val="tx1"/>
-                </a:solidFill>
-              </a:rPr>
-              <a:t>language similarity metrics (BLEU, ROUGE-L, METEOR</a:t>
-            </a:r>
-            <a:r>
-              <a:rPr lang="en-US" altLang="zh-CN">
-                <a:solidFill>
-                  <a:schemeClr val="tx1"/>
-                </a:solidFill>
-              </a:rPr>
-              <a:t>, etc.) and human assistance to evaluate the expression quality of open-ended questions. Conduct sensitivity analysis on repetitive questions, systematically quantify the expression quality and illusion risk of answers generated by vlm, and formulate specific operation guidelines to reduce risks.</a:t>
-            </a:r>
-            <a:endParaRPr lang="en-US" altLang="zh-CN">
-              <a:solidFill>
-                <a:schemeClr val="tx1"/>
-              </a:solidFill>
-            </a:endParaRPr>
-          </a:p>
-        </p:txBody>
-      </p:sp>
-      <p:sp>
-        <p:nvSpPr>
-          <p:cNvPr id="13" name="文本框 12"/>
-          <p:cNvSpPr txBox="1"/>
-          <p:nvPr/>
-        </p:nvSpPr>
-        <p:spPr>
-          <a:xfrm>
-            <a:off x="1805305" y="697865"/>
-            <a:ext cx="809625" cy="368300"/>
-          </a:xfrm>
-          <a:prstGeom prst="rect">
-            <a:avLst/>
-          </a:prstGeom>
-          <a:noFill/>
-        </p:spPr>
-        <p:txBody>
-          <a:bodyPr wrap="square" rtlCol="0">
-            <a:spAutoFit/>
-          </a:bodyPr>
-          <a:p>
-            <a:r>
-              <a:rPr lang="en-US" altLang="zh-CN" sz="1800" b="1"/>
-              <a:t>RQs</a:t>
-            </a:r>
-            <a:endParaRPr lang="en-US" altLang="zh-CN" sz="1800" b="1"/>
-          </a:p>
-        </p:txBody>
-      </p:sp>
-      <p:sp>
-        <p:nvSpPr>
-          <p:cNvPr id="14" name="文本框 13"/>
-          <p:cNvSpPr txBox="1"/>
-          <p:nvPr/>
-        </p:nvSpPr>
-        <p:spPr>
-          <a:xfrm>
-            <a:off x="6329045" y="697865"/>
-            <a:ext cx="809625" cy="368300"/>
-          </a:xfrm>
-          <a:prstGeom prst="rect">
-            <a:avLst/>
-          </a:prstGeom>
-          <a:noFill/>
-        </p:spPr>
-        <p:txBody>
-          <a:bodyPr wrap="square" rtlCol="0">
-            <a:spAutoFit/>
-          </a:bodyPr>
-          <a:p>
-            <a:r>
-              <a:rPr lang="en-US" altLang="zh-CN" sz="1800" b="1"/>
-              <a:t>ROs</a:t>
-            </a:r>
-            <a:endParaRPr lang="en-US" altLang="zh-CN" sz="1800" b="1"/>
-          </a:p>
-        </p:txBody>
-      </p:sp>
-      <p:sp>
-        <p:nvSpPr>
-          <p:cNvPr id="15" name="右箭头 14"/>
-          <p:cNvSpPr/>
-          <p:nvPr/>
-        </p:nvSpPr>
-        <p:spPr>
-          <a:xfrm>
-            <a:off x="4202430" y="1722120"/>
-            <a:ext cx="583565" cy="428625"/>
-          </a:xfrm>
-          <a:prstGeom prst="rightArrow">
-            <a:avLst/>
-          </a:prstGeom>
-          <a:solidFill>
-            <a:schemeClr val="accent4">
+            <a:schemeClr val="accent2">
               <a:lumMod val="20000"/>
               <a:lumOff val="80000"/>
             </a:schemeClr>
@@ -14106,33 +14544,432 @@
           <a:bodyPr rtlCol="0" anchor="ctr"/>
           <a:p>
             <a:pPr algn="ctr"/>
-            <a:endParaRPr lang="zh-CN" altLang="en-US"/>
+            <a:r>
+              <a:rPr lang="en-US" altLang="zh-CN" sz="3200" b="1">
+                <a:solidFill>
+                  <a:schemeClr val="tx1"/>
+                </a:solidFill>
+              </a:rPr>
+              <a:t>15%</a:t>
+            </a:r>
+            <a:endParaRPr lang="en-US" altLang="zh-CN" sz="3200" b="1">
+              <a:solidFill>
+                <a:schemeClr val="tx1"/>
+              </a:solidFill>
+            </a:endParaRPr>
           </a:p>
         </p:txBody>
       </p:sp>
       <p:sp>
         <p:nvSpPr>
-          <p:cNvPr id="16" name="右箭头 15"/>
+          <p:cNvPr id="7" name="文本框 6"/>
+          <p:cNvSpPr txBox="1"/>
+          <p:nvPr/>
+        </p:nvSpPr>
+        <p:spPr>
+          <a:xfrm>
+            <a:off x="4606290" y="1299845"/>
+            <a:ext cx="739140" cy="368300"/>
+          </a:xfrm>
+          <a:prstGeom prst="rect">
+            <a:avLst/>
+          </a:prstGeom>
+          <a:noFill/>
+        </p:spPr>
+        <p:txBody>
+          <a:bodyPr wrap="square" rtlCol="0">
+            <a:spAutoFit/>
+          </a:bodyPr>
+          <a:p>
+            <a:r>
+              <a:rPr lang="en-US" altLang="zh-CN" sz="1800"/>
+              <a:t>train</a:t>
+            </a:r>
+            <a:endParaRPr lang="en-US" altLang="zh-CN" sz="1800"/>
+          </a:p>
+        </p:txBody>
+      </p:sp>
+      <p:sp>
+        <p:nvSpPr>
+          <p:cNvPr id="8" name="文本框 7"/>
+          <p:cNvSpPr txBox="1"/>
+          <p:nvPr/>
+        </p:nvSpPr>
+        <p:spPr>
+          <a:xfrm>
+            <a:off x="5951855" y="1299845"/>
+            <a:ext cx="1059815" cy="368300"/>
+          </a:xfrm>
+          <a:prstGeom prst="rect">
+            <a:avLst/>
+          </a:prstGeom>
+          <a:noFill/>
+        </p:spPr>
+        <p:txBody>
+          <a:bodyPr wrap="square" rtlCol="0">
+            <a:spAutoFit/>
+          </a:bodyPr>
+          <a:p>
+            <a:r>
+              <a:rPr lang="en-US" altLang="zh-CN" sz="1800"/>
+              <a:t>validate</a:t>
+            </a:r>
+            <a:endParaRPr lang="en-US" altLang="zh-CN" sz="1800"/>
+          </a:p>
+        </p:txBody>
+      </p:sp>
+      <p:sp>
+        <p:nvSpPr>
+          <p:cNvPr id="17" name="文本框 16"/>
+          <p:cNvSpPr txBox="1"/>
+          <p:nvPr/>
+        </p:nvSpPr>
+        <p:spPr>
+          <a:xfrm>
+            <a:off x="7682865" y="1299845"/>
+            <a:ext cx="739140" cy="368300"/>
+          </a:xfrm>
+          <a:prstGeom prst="rect">
+            <a:avLst/>
+          </a:prstGeom>
+          <a:noFill/>
+        </p:spPr>
+        <p:txBody>
+          <a:bodyPr wrap="square" rtlCol="0">
+            <a:spAutoFit/>
+          </a:bodyPr>
+          <a:p>
+            <a:r>
+              <a:rPr lang="en-US" altLang="zh-CN" sz="1800"/>
+              <a:t>test</a:t>
+            </a:r>
+            <a:endParaRPr lang="en-US" altLang="zh-CN" sz="1800"/>
+          </a:p>
+        </p:txBody>
+      </p:sp>
+      <p:sp>
+        <p:nvSpPr>
+          <p:cNvPr id="23" name="文本框 22"/>
+          <p:cNvSpPr txBox="1"/>
+          <p:nvPr/>
+        </p:nvSpPr>
+        <p:spPr>
+          <a:xfrm>
+            <a:off x="4957445" y="883920"/>
+            <a:ext cx="3048000" cy="306705"/>
+          </a:xfrm>
+          <a:prstGeom prst="rect">
+            <a:avLst/>
+          </a:prstGeom>
+          <a:solidFill>
+            <a:srgbClr val="D5E8D4"/>
+          </a:solidFill>
+        </p:spPr>
+        <p:txBody>
+          <a:bodyPr wrap="square" rtlCol="0">
+            <a:spAutoFit/>
+          </a:bodyPr>
+          <a:p>
+            <a:pPr algn="ctr"/>
+            <a:r>
+              <a:rPr lang="en-US" altLang="zh-CN" b="1">
+                <a:latin typeface="Arial" panose="020B0604020202020204" pitchFamily="34" charset="0"/>
+                <a:ea typeface="Arial Unicode MS" panose="020B0604020202020204" charset="-122"/>
+                <a:cs typeface="Arial" panose="020B0604020202020204" pitchFamily="34" charset="0"/>
+                <a:sym typeface="+mn-ea"/>
+              </a:rPr>
+              <a:t>Data Preprocessing</a:t>
+            </a:r>
+            <a:endParaRPr lang="zh-CN" altLang="en-US"/>
+          </a:p>
+        </p:txBody>
+      </p:sp>
+    </p:spTree>
+  </p:cSld>
+  <p:clrMapOvr>
+    <a:masterClrMapping/>
+  </p:clrMapOvr>
+  <p:timing>
+    <p:tnLst>
+      <p:par>
+        <p:cTn id="1" dur="indefinite" restart="never" nodeType="tmRoot"/>
+      </p:par>
+    </p:tnLst>
+  </p:timing>
+</p:sld>
+</file>
+
+<file path=ppt/slides/slide5.xml><?xml version="1.0" encoding="utf-8"?>
+<p:sld xmlns:a="http://schemas.openxmlformats.org/drawingml/2006/main" xmlns:r="http://schemas.openxmlformats.org/officeDocument/2006/relationships" xmlns:p="http://schemas.openxmlformats.org/presentationml/2006/main">
+  <p:cSld>
+    <p:spTree>
+      <p:nvGrpSpPr>
+        <p:cNvPr id="1" name="Shape 77"/>
+        <p:cNvGrpSpPr/>
+        <p:nvPr/>
+      </p:nvGrpSpPr>
+      <p:grpSpPr>
+        <a:xfrm>
+          <a:off x="0" y="0"/>
+          <a:ext cx="0" cy="0"/>
+          <a:chOff x="0" y="0"/>
+          <a:chExt cx="0" cy="0"/>
+        </a:xfrm>
+      </p:grpSpPr>
+      <p:pic>
+        <p:nvPicPr>
+          <p:cNvPr id="78" name="Google Shape;78;p2"/>
+          <p:cNvPicPr preferRelativeResize="0"/>
+          <p:nvPr/>
+        </p:nvPicPr>
+        <p:blipFill rotWithShape="1">
+          <a:blip r:embed="rId1"/>
+          <a:srcRect/>
+          <a:stretch>
+            <a:fillRect/>
+          </a:stretch>
+        </p:blipFill>
+        <p:spPr>
+          <a:xfrm>
+            <a:off x="0" y="0"/>
+            <a:ext cx="9144000" cy="697865"/>
+          </a:xfrm>
+          <a:prstGeom prst="rect">
+            <a:avLst/>
+          </a:prstGeom>
+          <a:noFill/>
+          <a:ln>
+            <a:noFill/>
+          </a:ln>
+        </p:spPr>
+      </p:pic>
+      <p:sp>
+        <p:nvSpPr>
+          <p:cNvPr id="79" name="Google Shape;79;p2"/>
+          <p:cNvSpPr txBox="1">
+            <a:spLocks noGrp="1"/>
+          </p:cNvSpPr>
+          <p:nvPr>
+            <p:ph type="title"/>
+          </p:nvPr>
+        </p:nvSpPr>
+        <p:spPr>
+          <a:xfrm>
+            <a:off x="0" y="-76"/>
+            <a:ext cx="7421963" cy="775252"/>
+          </a:xfrm>
+          <a:prstGeom prst="rect">
+            <a:avLst/>
+          </a:prstGeom>
+          <a:noFill/>
+          <a:ln>
+            <a:noFill/>
+          </a:ln>
+        </p:spPr>
+        <p:txBody>
+          <a:bodyPr spcFirstLastPara="1" wrap="square" lIns="68575" tIns="34275" rIns="68575" bIns="34275" anchor="ctr" anchorCtr="0">
+            <a:normAutofit/>
+          </a:bodyPr>
+          <a:lstStyle/>
+          <a:p>
+            <a:pPr marL="0" lvl="0" indent="0" algn="l" rtl="0">
+              <a:lnSpc>
+                <a:spcPct val="90000"/>
+              </a:lnSpc>
+              <a:spcBef>
+                <a:spcPts val="0"/>
+              </a:spcBef>
+              <a:spcAft>
+                <a:spcPts val="0"/>
+              </a:spcAft>
+              <a:buClr>
+                <a:schemeClr val="dk1"/>
+              </a:buClr>
+              <a:buSzPts val="1400"/>
+              <a:buNone/>
+            </a:pPr>
+            <a:r>
+              <a:rPr lang="en-US" altLang="zh-CN" sz="3600" b="1" dirty="0">
+                <a:solidFill>
+                  <a:schemeClr val="bg1"/>
+                </a:solidFill>
+              </a:rPr>
+              <a:t> Methods-baseline </a:t>
+            </a:r>
+            <a:r>
+              <a:rPr lang="en-US" altLang="zh-CN" sz="3600" b="1" dirty="0">
+                <a:solidFill>
+                  <a:schemeClr val="bg1"/>
+                </a:solidFill>
+                <a:ea typeface="宋体" panose="02010600030101010101" pitchFamily="2" charset="-122"/>
+              </a:rPr>
+              <a:t>architecture</a:t>
+            </a:r>
+            <a:endParaRPr lang="en-US" altLang="zh-CN" sz="3600" b="1" dirty="0">
+              <a:solidFill>
+                <a:schemeClr val="bg1"/>
+              </a:solidFill>
+              <a:ea typeface="宋体" panose="02010600030101010101" pitchFamily="2" charset="-122"/>
+            </a:endParaRPr>
+          </a:p>
+        </p:txBody>
+      </p:sp>
+      <p:sp>
+        <p:nvSpPr>
+          <p:cNvPr id="3" name="文本框 2"/>
+          <p:cNvSpPr txBox="1"/>
+          <p:nvPr/>
+        </p:nvSpPr>
+        <p:spPr>
+          <a:xfrm>
+            <a:off x="657225" y="786765"/>
+            <a:ext cx="3048000" cy="306705"/>
+          </a:xfrm>
+          <a:prstGeom prst="rect">
+            <a:avLst/>
+          </a:prstGeom>
+          <a:solidFill>
+            <a:srgbClr val="E1D5E7"/>
+          </a:solidFill>
+        </p:spPr>
+        <p:txBody>
+          <a:bodyPr wrap="square" rtlCol="0">
+            <a:spAutoFit/>
+          </a:bodyPr>
+          <a:p>
+            <a:pPr algn="ctr"/>
+            <a:r>
+              <a:rPr lang="en-US" altLang="zh-CN" b="1"/>
+              <a:t>Data Transformation and Loading</a:t>
+            </a:r>
+            <a:endParaRPr lang="en-US" altLang="zh-CN" b="1"/>
+          </a:p>
+        </p:txBody>
+      </p:sp>
+      <p:sp>
+        <p:nvSpPr>
+          <p:cNvPr id="11" name="文本框 10"/>
+          <p:cNvSpPr txBox="1"/>
+          <p:nvPr/>
+        </p:nvSpPr>
+        <p:spPr>
+          <a:xfrm>
+            <a:off x="775970" y="2895600"/>
+            <a:ext cx="2247900" cy="337185"/>
+          </a:xfrm>
+          <a:prstGeom prst="rect">
+            <a:avLst/>
+          </a:prstGeom>
+        </p:spPr>
+        <p:txBody>
+          <a:bodyPr wrap="square">
+            <a:spAutoFit/>
+          </a:bodyPr>
+          <a:p>
+            <a:pPr defTabSz="266700"/>
+            <a:r>
+              <a:rPr lang="en-US" altLang="zh-CN" sz="1600">
+                <a:latin typeface="Arial" panose="020B0604020202020204" pitchFamily="34" charset="0"/>
+                <a:ea typeface="Arial Unicode MS" panose="020B0604020202020204" charset="-122"/>
+                <a:cs typeface="Arial" panose="020B0604020202020204" pitchFamily="34" charset="0"/>
+                <a:sym typeface="+mn-ea"/>
+              </a:rPr>
+              <a:t>2. Text serialization</a:t>
+            </a:r>
+            <a:endParaRPr lang="en-US" altLang="zh-CN" sz="1600">
+              <a:latin typeface="Arial" panose="020B0604020202020204" pitchFamily="34" charset="0"/>
+              <a:ea typeface="Times New Roman" panose="02020603050405020304"/>
+              <a:cs typeface="Arial" panose="020B0604020202020204" pitchFamily="34" charset="0"/>
+            </a:endParaRPr>
+          </a:p>
+        </p:txBody>
+      </p:sp>
+      <p:grpSp>
+        <p:nvGrpSpPr>
+          <p:cNvPr id="15" name="组合 14"/>
+          <p:cNvGrpSpPr/>
+          <p:nvPr/>
+        </p:nvGrpSpPr>
+        <p:grpSpPr>
+          <a:xfrm>
+            <a:off x="893445" y="1383030"/>
+            <a:ext cx="2575560" cy="1445260"/>
+            <a:chOff x="700" y="2492"/>
+            <a:chExt cx="4056" cy="2276"/>
+          </a:xfrm>
+        </p:grpSpPr>
+        <p:pic>
+          <p:nvPicPr>
+            <p:cNvPr id="9" name="图片 8"/>
+            <p:cNvPicPr>
+              <a:picLocks noChangeAspect="1"/>
+            </p:cNvPicPr>
+            <p:nvPr/>
+          </p:nvPicPr>
+          <p:blipFill>
+            <a:blip r:embed="rId2"/>
+            <a:stretch>
+              <a:fillRect/>
+            </a:stretch>
+          </p:blipFill>
+          <p:spPr>
+            <a:xfrm>
+              <a:off x="700" y="2492"/>
+              <a:ext cx="4056" cy="2277"/>
+            </a:xfrm>
+            <a:prstGeom prst="rect">
+              <a:avLst/>
+            </a:prstGeom>
+          </p:spPr>
+        </p:pic>
+        <p:pic>
+          <p:nvPicPr>
+            <p:cNvPr id="12" name="图片 11"/>
+            <p:cNvPicPr>
+              <a:picLocks noChangeAspect="1"/>
+            </p:cNvPicPr>
+            <p:nvPr/>
+          </p:nvPicPr>
+          <p:blipFill>
+            <a:blip r:embed="rId3"/>
+            <a:stretch>
+              <a:fillRect/>
+            </a:stretch>
+          </p:blipFill>
+          <p:spPr>
+            <a:xfrm>
+              <a:off x="3689" y="4145"/>
+              <a:ext cx="1067" cy="288"/>
+            </a:xfrm>
+            <a:prstGeom prst="rect">
+              <a:avLst/>
+            </a:prstGeom>
+          </p:spPr>
+        </p:pic>
+      </p:grpSp>
+      <p:sp>
+        <p:nvSpPr>
+          <p:cNvPr id="13" name="流程图: 预定义过程 12"/>
           <p:cNvSpPr/>
           <p:nvPr/>
         </p:nvSpPr>
         <p:spPr>
           <a:xfrm>
-            <a:off x="4202430" y="3646805"/>
-            <a:ext cx="583565" cy="428625"/>
+            <a:off x="775970" y="3290570"/>
+            <a:ext cx="2810510" cy="471805"/>
           </a:xfrm>
-          <a:prstGeom prst="rightArrow">
+          <a:prstGeom prst="flowChartPredefinedProcess">
             <a:avLst/>
           </a:prstGeom>
           <a:solidFill>
-            <a:schemeClr val="accent4">
-              <a:lumMod val="20000"/>
-              <a:lumOff val="80000"/>
+            <a:schemeClr val="accent3">
+              <a:lumMod val="40000"/>
+              <a:lumOff val="60000"/>
             </a:schemeClr>
           </a:solidFill>
           <a:ln>
             <a:solidFill>
-              <a:schemeClr val="bg1"/>
+              <a:srgbClr val="D5E8D4"/>
             </a:solidFill>
           </a:ln>
         </p:spPr>
@@ -14156,7 +14993,487 @@
           <a:bodyPr rtlCol="0" anchor="ctr"/>
           <a:p>
             <a:pPr algn="ctr"/>
+            <a:r>
+              <a:rPr lang="en-US" altLang="zh-CN">
+                <a:solidFill>
+                  <a:schemeClr val="tx1"/>
+                </a:solidFill>
+              </a:rPr>
+              <a:t>max_seq_len=25</a:t>
+            </a:r>
+            <a:endParaRPr lang="en-US" altLang="zh-CN">
+              <a:solidFill>
+                <a:schemeClr val="tx1"/>
+              </a:solidFill>
+            </a:endParaRPr>
+          </a:p>
+        </p:txBody>
+      </p:sp>
+      <p:sp>
+        <p:nvSpPr>
+          <p:cNvPr id="14" name="文本框 13"/>
+          <p:cNvSpPr txBox="1"/>
+          <p:nvPr/>
+        </p:nvSpPr>
+        <p:spPr>
+          <a:xfrm>
+            <a:off x="775970" y="3820160"/>
+            <a:ext cx="1647825" cy="337185"/>
+          </a:xfrm>
+          <a:prstGeom prst="rect">
+            <a:avLst/>
+          </a:prstGeom>
+        </p:spPr>
+        <p:txBody>
+          <a:bodyPr wrap="square">
+            <a:spAutoFit/>
+          </a:bodyPr>
+          <a:p>
+            <a:pPr defTabSz="266700"/>
+            <a:r>
+              <a:rPr lang="en-US" altLang="zh-CN" sz="1600">
+                <a:latin typeface="Arial Unicode MS" panose="020B0604020202020204" charset="-122"/>
+                <a:ea typeface="Arial Unicode MS" panose="020B0604020202020204" charset="-122"/>
+                <a:sym typeface="+mn-ea"/>
+              </a:rPr>
+              <a:t>3. DataLoader </a:t>
+            </a:r>
+            <a:endParaRPr lang="en-US" altLang="zh-CN" sz="1600">
+              <a:latin typeface="Arial" panose="020B0604020202020204" pitchFamily="34" charset="0"/>
+              <a:ea typeface="Times New Roman" panose="02020603050405020304"/>
+              <a:cs typeface="Arial" panose="020B0604020202020204" pitchFamily="34" charset="0"/>
+            </a:endParaRPr>
+          </a:p>
+        </p:txBody>
+      </p:sp>
+      <p:sp>
+        <p:nvSpPr>
+          <p:cNvPr id="24" name="文本框 23"/>
+          <p:cNvSpPr txBox="1"/>
+          <p:nvPr/>
+        </p:nvSpPr>
+        <p:spPr>
+          <a:xfrm>
+            <a:off x="4865370" y="800100"/>
+            <a:ext cx="3935095" cy="306705"/>
+          </a:xfrm>
+          <a:prstGeom prst="rect">
+            <a:avLst/>
+          </a:prstGeom>
+          <a:solidFill>
+            <a:srgbClr val="DAE8FC"/>
+          </a:solidFill>
+        </p:spPr>
+        <p:txBody>
+          <a:bodyPr wrap="square" rtlCol="0">
+            <a:spAutoFit/>
+          </a:bodyPr>
+          <a:p>
+            <a:pPr algn="ctr"/>
+            <a:r>
+              <a:rPr lang="en-US" altLang="zh-CN" b="1"/>
+              <a:t>Model Building(MedVQA_ResNet_LSTM)</a:t>
+            </a:r>
+            <a:endParaRPr lang="en-US" altLang="zh-CN" b="1"/>
+          </a:p>
+        </p:txBody>
+      </p:sp>
+      <p:sp>
+        <p:nvSpPr>
+          <p:cNvPr id="10" name="文本框 9"/>
+          <p:cNvSpPr txBox="1"/>
+          <p:nvPr/>
+        </p:nvSpPr>
+        <p:spPr>
+          <a:xfrm>
+            <a:off x="775970" y="1151573"/>
+            <a:ext cx="5080000" cy="337185"/>
+          </a:xfrm>
+          <a:prstGeom prst="rect">
+            <a:avLst/>
+          </a:prstGeom>
+        </p:spPr>
+        <p:txBody>
+          <a:bodyPr>
+            <a:spAutoFit/>
+          </a:bodyPr>
+          <a:p>
+            <a:pPr defTabSz="266700"/>
+            <a:r>
+              <a:rPr lang="en-US" altLang="zh-CN" sz="1600">
+                <a:latin typeface="Arial" panose="020B0604020202020204" pitchFamily="34" charset="0"/>
+                <a:ea typeface="Times New Roman" panose="02020603050405020304"/>
+                <a:cs typeface="Arial" panose="020B0604020202020204" pitchFamily="34" charset="0"/>
+              </a:rPr>
+              <a:t>1. Image transformations</a:t>
+            </a:r>
+            <a:endParaRPr lang="en-US" altLang="zh-CN" sz="1600">
+              <a:latin typeface="Arial" panose="020B0604020202020204" pitchFamily="34" charset="0"/>
+              <a:ea typeface="Times New Roman" panose="02020603050405020304"/>
+              <a:cs typeface="Arial" panose="020B0604020202020204" pitchFamily="34" charset="0"/>
+            </a:endParaRPr>
+          </a:p>
+        </p:txBody>
+      </p:sp>
+      <p:pic>
+        <p:nvPicPr>
+          <p:cNvPr id="16" name="图片 15"/>
+          <p:cNvPicPr>
+            <a:picLocks noChangeAspect="1"/>
+          </p:cNvPicPr>
+          <p:nvPr/>
+        </p:nvPicPr>
+        <p:blipFill>
+          <a:blip r:embed="rId4"/>
+          <a:stretch>
+            <a:fillRect/>
+          </a:stretch>
+        </p:blipFill>
+        <p:spPr>
+          <a:xfrm>
+            <a:off x="775970" y="4157345"/>
+            <a:ext cx="828675" cy="762000"/>
+          </a:xfrm>
+          <a:prstGeom prst="rect">
+            <a:avLst/>
+          </a:prstGeom>
+        </p:spPr>
+      </p:pic>
+      <p:sp>
+        <p:nvSpPr>
+          <p:cNvPr id="20" name="文本框 19"/>
+          <p:cNvSpPr txBox="1"/>
+          <p:nvPr/>
+        </p:nvSpPr>
+        <p:spPr>
+          <a:xfrm>
+            <a:off x="1604645" y="4224020"/>
+            <a:ext cx="2431415" cy="583565"/>
+          </a:xfrm>
+          <a:prstGeom prst="rect">
+            <a:avLst/>
+          </a:prstGeom>
+        </p:spPr>
+        <p:txBody>
+          <a:bodyPr wrap="square">
+            <a:spAutoFit/>
+          </a:bodyPr>
+          <a:p>
+            <a:pPr defTabSz="266700"/>
+            <a:r>
+              <a:rPr lang="en-US" altLang="zh-CN" sz="1600">
+                <a:latin typeface="Times New Roman" panose="02020603050405020304"/>
+                <a:ea typeface="Times New Roman" panose="02020603050405020304"/>
+              </a:rPr>
+              <a:t>batch = 32</a:t>
+            </a:r>
+            <a:endParaRPr lang="en-US" altLang="zh-CN" sz="1600">
+              <a:latin typeface="Times New Roman" panose="02020603050405020304"/>
+              <a:ea typeface="Times New Roman" panose="02020603050405020304"/>
+            </a:endParaRPr>
+          </a:p>
+          <a:p>
+            <a:pPr defTabSz="266700"/>
+            <a:r>
+              <a:rPr lang="en-US" altLang="zh-CN" sz="1600">
+                <a:latin typeface="Times New Roman" panose="02020603050405020304"/>
+                <a:ea typeface="Times New Roman" panose="02020603050405020304"/>
+              </a:rPr>
+              <a:t>processes = 2(GPU)</a:t>
+            </a:r>
+            <a:endParaRPr lang="zh-CN" altLang="en-US" sz="1600">
+              <a:latin typeface="Times New Roman" panose="02020603050405020304"/>
+              <a:ea typeface="宋体" panose="02010600030101010101" pitchFamily="2" charset="-122"/>
+            </a:endParaRPr>
+          </a:p>
+        </p:txBody>
+      </p:sp>
+      <p:pic>
+        <p:nvPicPr>
+          <p:cNvPr id="22" name="图片 21" descr="报告用图-第 1 页.drawio"/>
+          <p:cNvPicPr>
+            <a:picLocks noChangeAspect="1"/>
+          </p:cNvPicPr>
+          <p:nvPr/>
+        </p:nvPicPr>
+        <p:blipFill>
+          <a:blip r:embed="rId5"/>
+          <a:stretch>
+            <a:fillRect/>
+          </a:stretch>
+        </p:blipFill>
+        <p:spPr>
+          <a:xfrm>
+            <a:off x="5606415" y="1209040"/>
+            <a:ext cx="2790825" cy="3705225"/>
+          </a:xfrm>
+          <a:prstGeom prst="rect">
+            <a:avLst/>
+          </a:prstGeom>
+        </p:spPr>
+      </p:pic>
+    </p:spTree>
+  </p:cSld>
+  <p:clrMapOvr>
+    <a:masterClrMapping/>
+  </p:clrMapOvr>
+  <p:timing>
+    <p:tnLst>
+      <p:par>
+        <p:cTn id="1" dur="indefinite" restart="never" nodeType="tmRoot"/>
+      </p:par>
+    </p:tnLst>
+  </p:timing>
+</p:sld>
+</file>
+
+<file path=ppt/slides/slide6.xml><?xml version="1.0" encoding="utf-8"?>
+<p:sld xmlns:a="http://schemas.openxmlformats.org/drawingml/2006/main" xmlns:r="http://schemas.openxmlformats.org/officeDocument/2006/relationships" xmlns:p="http://schemas.openxmlformats.org/presentationml/2006/main">
+  <p:cSld>
+    <p:spTree>
+      <p:nvGrpSpPr>
+        <p:cNvPr id="1" name="Shape 77"/>
+        <p:cNvGrpSpPr/>
+        <p:nvPr/>
+      </p:nvGrpSpPr>
+      <p:grpSpPr>
+        <a:xfrm>
+          <a:off x="0" y="0"/>
+          <a:ext cx="0" cy="0"/>
+          <a:chOff x="0" y="0"/>
+          <a:chExt cx="0" cy="0"/>
+        </a:xfrm>
+      </p:grpSpPr>
+      <p:pic>
+        <p:nvPicPr>
+          <p:cNvPr id="78" name="Google Shape;78;p2"/>
+          <p:cNvPicPr preferRelativeResize="0"/>
+          <p:nvPr/>
+        </p:nvPicPr>
+        <p:blipFill rotWithShape="1">
+          <a:blip r:embed="rId1"/>
+          <a:srcRect/>
+          <a:stretch>
+            <a:fillRect/>
+          </a:stretch>
+        </p:blipFill>
+        <p:spPr>
+          <a:xfrm>
+            <a:off x="0" y="0"/>
+            <a:ext cx="9144000" cy="697865"/>
+          </a:xfrm>
+          <a:prstGeom prst="rect">
+            <a:avLst/>
+          </a:prstGeom>
+          <a:noFill/>
+          <a:ln>
+            <a:noFill/>
+          </a:ln>
+        </p:spPr>
+      </p:pic>
+      <p:sp>
+        <p:nvSpPr>
+          <p:cNvPr id="79" name="Google Shape;79;p2"/>
+          <p:cNvSpPr txBox="1">
+            <a:spLocks noGrp="1"/>
+          </p:cNvSpPr>
+          <p:nvPr>
+            <p:ph type="title"/>
+          </p:nvPr>
+        </p:nvSpPr>
+        <p:spPr>
+          <a:xfrm>
+            <a:off x="0" y="-76"/>
+            <a:ext cx="7421963" cy="775252"/>
+          </a:xfrm>
+          <a:prstGeom prst="rect">
+            <a:avLst/>
+          </a:prstGeom>
+          <a:noFill/>
+          <a:ln>
+            <a:noFill/>
+          </a:ln>
+        </p:spPr>
+        <p:txBody>
+          <a:bodyPr spcFirstLastPara="1" wrap="square" lIns="68575" tIns="34275" rIns="68575" bIns="34275" anchor="ctr" anchorCtr="0">
+            <a:normAutofit/>
+          </a:bodyPr>
+          <a:lstStyle/>
+          <a:p>
+            <a:pPr marL="0" lvl="0" indent="0" algn="l" rtl="0">
+              <a:lnSpc>
+                <a:spcPct val="90000"/>
+              </a:lnSpc>
+              <a:spcBef>
+                <a:spcPts val="0"/>
+              </a:spcBef>
+              <a:spcAft>
+                <a:spcPts val="0"/>
+              </a:spcAft>
+              <a:buClr>
+                <a:schemeClr val="dk1"/>
+              </a:buClr>
+              <a:buSzPts val="1400"/>
+              <a:buNone/>
+            </a:pPr>
+            <a:r>
+              <a:rPr lang="en-US" altLang="zh-CN" sz="3600" b="1" dirty="0">
+                <a:solidFill>
+                  <a:schemeClr val="bg1"/>
+                </a:solidFill>
+              </a:rPr>
+              <a:t> Methods-baseline </a:t>
+            </a:r>
+            <a:r>
+              <a:rPr lang="en-US" altLang="zh-CN" sz="3600" b="1" dirty="0">
+                <a:solidFill>
+                  <a:schemeClr val="bg1"/>
+                </a:solidFill>
+                <a:ea typeface="宋体" panose="02010600030101010101" pitchFamily="2" charset="-122"/>
+              </a:rPr>
+              <a:t>architecture</a:t>
+            </a:r>
+            <a:endParaRPr lang="en-US" altLang="zh-CN" sz="3600" b="1" dirty="0">
+              <a:solidFill>
+                <a:schemeClr val="bg1"/>
+              </a:solidFill>
+              <a:ea typeface="宋体" panose="02010600030101010101" pitchFamily="2" charset="-122"/>
+            </a:endParaRPr>
+          </a:p>
+        </p:txBody>
+      </p:sp>
+      <p:sp>
+        <p:nvSpPr>
+          <p:cNvPr id="25" name="文本框 24"/>
+          <p:cNvSpPr txBox="1"/>
+          <p:nvPr/>
+        </p:nvSpPr>
+        <p:spPr>
+          <a:xfrm>
+            <a:off x="731520" y="775335"/>
+            <a:ext cx="7562215" cy="306705"/>
+          </a:xfrm>
+          <a:prstGeom prst="rect">
+            <a:avLst/>
+          </a:prstGeom>
+          <a:solidFill>
+            <a:srgbClr val="FFE6CC"/>
+          </a:solidFill>
+        </p:spPr>
+        <p:txBody>
+          <a:bodyPr wrap="square" rtlCol="0">
+            <a:spAutoFit/>
+          </a:bodyPr>
+          <a:p>
+            <a:pPr algn="ctr"/>
+            <a:r>
+              <a:rPr lang="en-US" altLang="zh-CN" b="1">
+                <a:latin typeface="Arial" panose="020B0604020202020204" pitchFamily="34" charset="0"/>
+                <a:ea typeface="Arial Unicode MS" panose="020B0604020202020204" charset="-122"/>
+                <a:cs typeface="Arial" panose="020B0604020202020204" pitchFamily="34" charset="0"/>
+                <a:sym typeface="+mn-ea"/>
+              </a:rPr>
+              <a:t>Data Preprocessing</a:t>
+            </a:r>
             <a:endParaRPr lang="zh-CN" altLang="en-US"/>
+          </a:p>
+        </p:txBody>
+      </p:sp>
+      <p:pic>
+        <p:nvPicPr>
+          <p:cNvPr id="4" name="图片 4" descr="报告用图1"/>
+          <p:cNvPicPr>
+            <a:picLocks noChangeAspect="1"/>
+          </p:cNvPicPr>
+          <p:nvPr/>
+        </p:nvPicPr>
+        <p:blipFill>
+          <a:blip r:embed="rId2"/>
+          <a:stretch>
+            <a:fillRect/>
+          </a:stretch>
+        </p:blipFill>
+        <p:spPr>
+          <a:xfrm>
+            <a:off x="673735" y="1082040"/>
+            <a:ext cx="7131685" cy="3869055"/>
+          </a:xfrm>
+          <a:prstGeom prst="rect">
+            <a:avLst/>
+          </a:prstGeom>
+        </p:spPr>
+      </p:pic>
+      <p:sp>
+        <p:nvSpPr>
+          <p:cNvPr id="5" name="文本框 4"/>
+          <p:cNvSpPr txBox="1"/>
+          <p:nvPr/>
+        </p:nvSpPr>
+        <p:spPr>
+          <a:xfrm>
+            <a:off x="1033145" y="1159193"/>
+            <a:ext cx="5080000" cy="337185"/>
+          </a:xfrm>
+          <a:prstGeom prst="rect">
+            <a:avLst/>
+          </a:prstGeom>
+        </p:spPr>
+        <p:txBody>
+          <a:bodyPr>
+            <a:spAutoFit/>
+          </a:bodyPr>
+          <a:p>
+            <a:pPr defTabSz="266700"/>
+            <a:r>
+              <a:rPr lang="en-US" altLang="zh-CN" sz="1600">
+                <a:latin typeface="Arial" panose="020B0604020202020204" pitchFamily="34" charset="0"/>
+                <a:ea typeface="Times New Roman" panose="02020603050405020304"/>
+                <a:cs typeface="Arial" panose="020B0604020202020204" pitchFamily="34" charset="0"/>
+              </a:rPr>
+              <a:t>1. training stage</a:t>
+            </a:r>
+            <a:endParaRPr lang="en-US" altLang="zh-CN" sz="1600">
+              <a:latin typeface="Arial" panose="020B0604020202020204" pitchFamily="34" charset="0"/>
+              <a:ea typeface="Times New Roman" panose="02020603050405020304"/>
+              <a:cs typeface="Arial" panose="020B0604020202020204" pitchFamily="34" charset="0"/>
+            </a:endParaRPr>
+          </a:p>
+        </p:txBody>
+      </p:sp>
+      <p:sp>
+        <p:nvSpPr>
+          <p:cNvPr id="6" name="文本框 5"/>
+          <p:cNvSpPr txBox="1"/>
+          <p:nvPr/>
+        </p:nvSpPr>
+        <p:spPr>
+          <a:xfrm>
+            <a:off x="874395" y="2343468"/>
+            <a:ext cx="5080000" cy="337185"/>
+          </a:xfrm>
+          <a:prstGeom prst="rect">
+            <a:avLst/>
+          </a:prstGeom>
+        </p:spPr>
+        <p:txBody>
+          <a:bodyPr>
+            <a:spAutoFit/>
+          </a:bodyPr>
+          <a:p>
+            <a:pPr defTabSz="266700"/>
+            <a:r>
+              <a:rPr lang="en-US" altLang="zh-CN" sz="1600">
+                <a:latin typeface="Arial" panose="020B0604020202020204" pitchFamily="34" charset="0"/>
+                <a:ea typeface="Times New Roman" panose="02020603050405020304"/>
+                <a:cs typeface="Arial" panose="020B0604020202020204" pitchFamily="34" charset="0"/>
+              </a:rPr>
+              <a:t>2. validation stage</a:t>
+            </a:r>
+            <a:endParaRPr lang="en-US" altLang="zh-CN" sz="1600">
+              <a:latin typeface="Arial" panose="020B0604020202020204" pitchFamily="34" charset="0"/>
+              <a:ea typeface="Times New Roman" panose="02020603050405020304"/>
+              <a:cs typeface="Arial" panose="020B0604020202020204" pitchFamily="34" charset="0"/>
+            </a:endParaRPr>
           </a:p>
         </p:txBody>
       </p:sp>
@@ -14175,7 +15492,2175 @@
 </p:sld>
 </file>
 
-<file path=ppt/slides/slide5.xml><?xml version="1.0" encoding="utf-8"?>
+<file path=ppt/slides/slide7.xml><?xml version="1.0" encoding="utf-8"?>
+<p:sld xmlns:a="http://schemas.openxmlformats.org/drawingml/2006/main" xmlns:r="http://schemas.openxmlformats.org/officeDocument/2006/relationships" xmlns:p="http://schemas.openxmlformats.org/presentationml/2006/main">
+  <p:cSld>
+    <p:spTree>
+      <p:nvGrpSpPr>
+        <p:cNvPr id="1" name="Shape 77"/>
+        <p:cNvGrpSpPr/>
+        <p:nvPr/>
+      </p:nvGrpSpPr>
+      <p:grpSpPr>
+        <a:xfrm>
+          <a:off x="0" y="0"/>
+          <a:ext cx="0" cy="0"/>
+          <a:chOff x="0" y="0"/>
+          <a:chExt cx="0" cy="0"/>
+        </a:xfrm>
+      </p:grpSpPr>
+      <p:pic>
+        <p:nvPicPr>
+          <p:cNvPr id="78" name="Google Shape;78;p2"/>
+          <p:cNvPicPr preferRelativeResize="0"/>
+          <p:nvPr/>
+        </p:nvPicPr>
+        <p:blipFill rotWithShape="1">
+          <a:blip r:embed="rId1"/>
+          <a:srcRect/>
+          <a:stretch>
+            <a:fillRect/>
+          </a:stretch>
+        </p:blipFill>
+        <p:spPr>
+          <a:xfrm>
+            <a:off x="0" y="0"/>
+            <a:ext cx="9144000" cy="697865"/>
+          </a:xfrm>
+          <a:prstGeom prst="rect">
+            <a:avLst/>
+          </a:prstGeom>
+          <a:noFill/>
+          <a:ln>
+            <a:noFill/>
+          </a:ln>
+        </p:spPr>
+      </p:pic>
+      <p:sp>
+        <p:nvSpPr>
+          <p:cNvPr id="79" name="Google Shape;79;p2"/>
+          <p:cNvSpPr txBox="1">
+            <a:spLocks noGrp="1"/>
+          </p:cNvSpPr>
+          <p:nvPr>
+            <p:ph type="title"/>
+          </p:nvPr>
+        </p:nvSpPr>
+        <p:spPr>
+          <a:xfrm>
+            <a:off x="0" y="-76"/>
+            <a:ext cx="7421963" cy="775252"/>
+          </a:xfrm>
+          <a:prstGeom prst="rect">
+            <a:avLst/>
+          </a:prstGeom>
+          <a:noFill/>
+          <a:ln>
+            <a:noFill/>
+          </a:ln>
+        </p:spPr>
+        <p:txBody>
+          <a:bodyPr spcFirstLastPara="1" wrap="square" lIns="68575" tIns="34275" rIns="68575" bIns="34275" anchor="ctr" anchorCtr="0">
+            <a:normAutofit/>
+          </a:bodyPr>
+          <a:lstStyle/>
+          <a:p>
+            <a:pPr marL="0" lvl="0" indent="0" algn="l" rtl="0">
+              <a:lnSpc>
+                <a:spcPct val="90000"/>
+              </a:lnSpc>
+              <a:spcBef>
+                <a:spcPts val="0"/>
+              </a:spcBef>
+              <a:spcAft>
+                <a:spcPts val="0"/>
+              </a:spcAft>
+              <a:buClr>
+                <a:schemeClr val="dk1"/>
+              </a:buClr>
+              <a:buSzPts val="1400"/>
+              <a:buNone/>
+            </a:pPr>
+            <a:r>
+              <a:rPr lang="en-US" altLang="zh-CN" sz="3600" b="1" dirty="0">
+                <a:solidFill>
+                  <a:schemeClr val="bg1"/>
+                </a:solidFill>
+              </a:rPr>
+              <a:t>Result-baseline </a:t>
+            </a:r>
+            <a:endParaRPr lang="en-US" altLang="zh-CN" sz="3600" b="1" dirty="0">
+              <a:solidFill>
+                <a:schemeClr val="bg1"/>
+              </a:solidFill>
+              <a:ea typeface="宋体" panose="02010600030101010101" pitchFamily="2" charset="-122"/>
+            </a:endParaRPr>
+          </a:p>
+        </p:txBody>
+      </p:sp>
+      <p:graphicFrame>
+        <p:nvGraphicFramePr>
+          <p:cNvPr id="2" name="表格 1"/>
+          <p:cNvGraphicFramePr/>
+          <p:nvPr/>
+        </p:nvGraphicFramePr>
+        <p:xfrm>
+          <a:off x="194310" y="775335"/>
+          <a:ext cx="1898650" cy="4022725"/>
+        </p:xfrm>
+        <a:graphic>
+          <a:graphicData uri="http://schemas.openxmlformats.org/drawingml/2006/table">
+            <a:tbl>
+              <a:tblPr/>
+              <a:tblGrid>
+                <a:gridCol w="949325"/>
+                <a:gridCol w="949325"/>
+              </a:tblGrid>
+              <a:tr h="574675">
+                <a:tc>
+                  <a:txBody>
+                    <a:bodyPr/>
+                    <a:p>
+                      <a:pPr marL="0" indent="0">
+                        <a:lnSpc>
+                          <a:spcPct val="200000"/>
+                        </a:lnSpc>
+                        <a:spcBef>
+                          <a:spcPct val="0"/>
+                        </a:spcBef>
+                        <a:spcAft>
+                          <a:spcPct val="0"/>
+                        </a:spcAft>
+                      </a:pPr>
+                      <a:r>
+                        <a:rPr lang="en-US" altLang="zh-CN" sz="1200">
+                          <a:latin typeface="Times New Roman" panose="02020603050405020304"/>
+                          <a:ea typeface="Times New Roman" panose="02020603050405020304"/>
+                        </a:rPr>
+                        <a:t>Parameter</a:t>
+                      </a:r>
+                      <a:endParaRPr lang="en-US" altLang="zh-CN" sz="1200">
+                        <a:latin typeface="Times New Roman" panose="02020603050405020304"/>
+                        <a:ea typeface="Times New Roman" panose="02020603050405020304"/>
+                      </a:endParaRPr>
+                    </a:p>
+                  </a:txBody>
+                  <a:tcPr marL="68580" marR="68580" marT="0" marB="0" anchor="ctr" anchorCtr="0">
+                    <a:lnL>
+                      <a:noFill/>
+                    </a:lnL>
+                    <a:lnR>
+                      <a:noFill/>
+                    </a:lnR>
+                    <a:lnT w="19050" cap="flat" cmpd="sng">
+                      <a:solidFill>
+                        <a:srgbClr val="000008"/>
+                      </a:solidFill>
+                      <a:prstDash val="solid"/>
+                      <a:headEnd type="none" w="med" len="med"/>
+                      <a:tailEnd type="none" w="med" len="med"/>
+                    </a:lnT>
+                    <a:lnB w="6350" cap="flat" cmpd="sng">
+                      <a:solidFill>
+                        <a:srgbClr val="000008"/>
+                      </a:solidFill>
+                      <a:prstDash val="solid"/>
+                      <a:headEnd type="none" w="med" len="med"/>
+                      <a:tailEnd type="none" w="med" len="med"/>
+                    </a:lnB>
+                    <a:noFill/>
+                  </a:tcPr>
+                </a:tc>
+                <a:tc>
+                  <a:txBody>
+                    <a:bodyPr/>
+                    <a:p>
+                      <a:pPr marL="0" indent="0">
+                        <a:lnSpc>
+                          <a:spcPct val="200000"/>
+                        </a:lnSpc>
+                        <a:spcBef>
+                          <a:spcPct val="0"/>
+                        </a:spcBef>
+                        <a:spcAft>
+                          <a:spcPct val="0"/>
+                        </a:spcAft>
+                      </a:pPr>
+                      <a:r>
+                        <a:rPr lang="en-US" altLang="zh-CN" sz="1200">
+                          <a:latin typeface="Times New Roman" panose="02020603050405020304"/>
+                          <a:ea typeface="Times New Roman" panose="02020603050405020304"/>
+                        </a:rPr>
+                        <a:t>Value</a:t>
+                      </a:r>
+                      <a:endParaRPr lang="en-US" altLang="zh-CN" sz="1200">
+                        <a:latin typeface="Times New Roman" panose="02020603050405020304"/>
+                        <a:ea typeface="Times New Roman" panose="02020603050405020304"/>
+                      </a:endParaRPr>
+                    </a:p>
+                  </a:txBody>
+                  <a:tcPr marL="68580" marR="68580" marT="0" marB="0" anchor="ctr" anchorCtr="0">
+                    <a:lnL>
+                      <a:noFill/>
+                    </a:lnL>
+                    <a:lnR>
+                      <a:noFill/>
+                    </a:lnR>
+                    <a:lnT w="19050" cap="flat" cmpd="sng">
+                      <a:solidFill>
+                        <a:srgbClr val="000008"/>
+                      </a:solidFill>
+                      <a:prstDash val="solid"/>
+                      <a:headEnd type="none" w="med" len="med"/>
+                      <a:tailEnd type="none" w="med" len="med"/>
+                    </a:lnT>
+                    <a:lnB w="6350" cap="flat" cmpd="sng">
+                      <a:solidFill>
+                        <a:srgbClr val="000008"/>
+                      </a:solidFill>
+                      <a:prstDash val="solid"/>
+                      <a:headEnd type="none" w="med" len="med"/>
+                      <a:tailEnd type="none" w="med" len="med"/>
+                    </a:lnB>
+                    <a:noFill/>
+                  </a:tcPr>
+                </a:tc>
+              </a:tr>
+              <a:tr h="574675">
+                <a:tc>
+                  <a:txBody>
+                    <a:bodyPr/>
+                    <a:p>
+                      <a:pPr marL="0" indent="0">
+                        <a:lnSpc>
+                          <a:spcPct val="200000"/>
+                        </a:lnSpc>
+                        <a:spcBef>
+                          <a:spcPct val="0"/>
+                        </a:spcBef>
+                        <a:spcAft>
+                          <a:spcPct val="0"/>
+                        </a:spcAft>
+                      </a:pPr>
+                      <a:r>
+                        <a:rPr lang="en-US" altLang="zh-CN" sz="1200">
+                          <a:latin typeface="Times New Roman" panose="02020603050405020304"/>
+                          <a:ea typeface="Times New Roman" panose="02020603050405020304"/>
+                        </a:rPr>
+                        <a:t>Epochs</a:t>
+                      </a:r>
+                      <a:endParaRPr lang="en-US" altLang="zh-CN" sz="1200">
+                        <a:latin typeface="Times New Roman" panose="02020603050405020304"/>
+                        <a:ea typeface="Times New Roman" panose="02020603050405020304"/>
+                      </a:endParaRPr>
+                    </a:p>
+                  </a:txBody>
+                  <a:tcPr marL="68580" marR="68580" marT="0" marB="0" anchor="ctr" anchorCtr="0">
+                    <a:lnL>
+                      <a:noFill/>
+                    </a:lnL>
+                    <a:lnR>
+                      <a:noFill/>
+                    </a:lnR>
+                    <a:lnT w="6350" cap="flat" cmpd="sng">
+                      <a:solidFill>
+                        <a:srgbClr val="000008"/>
+                      </a:solidFill>
+                      <a:prstDash val="solid"/>
+                      <a:headEnd type="none" w="med" len="med"/>
+                      <a:tailEnd type="none" w="med" len="med"/>
+                    </a:lnT>
+                    <a:lnB>
+                      <a:noFill/>
+                    </a:lnB>
+                    <a:noFill/>
+                  </a:tcPr>
+                </a:tc>
+                <a:tc>
+                  <a:txBody>
+                    <a:bodyPr/>
+                    <a:p>
+                      <a:pPr marL="0" indent="0">
+                        <a:lnSpc>
+                          <a:spcPct val="200000"/>
+                        </a:lnSpc>
+                        <a:spcBef>
+                          <a:spcPct val="0"/>
+                        </a:spcBef>
+                        <a:spcAft>
+                          <a:spcPct val="0"/>
+                        </a:spcAft>
+                      </a:pPr>
+                      <a:r>
+                        <a:rPr lang="en-US" altLang="zh-CN" sz="1200">
+                          <a:latin typeface="Times New Roman" panose="02020603050405020304"/>
+                          <a:ea typeface="Times New Roman" panose="02020603050405020304"/>
+                        </a:rPr>
+                        <a:t>35</a:t>
+                      </a:r>
+                      <a:endParaRPr lang="en-US" altLang="zh-CN" sz="1200">
+                        <a:latin typeface="Times New Roman" panose="02020603050405020304"/>
+                        <a:ea typeface="Times New Roman" panose="02020603050405020304"/>
+                      </a:endParaRPr>
+                    </a:p>
+                  </a:txBody>
+                  <a:tcPr marL="68580" marR="68580" marT="0" marB="0" anchor="ctr" anchorCtr="0">
+                    <a:lnL>
+                      <a:noFill/>
+                    </a:lnL>
+                    <a:lnR>
+                      <a:noFill/>
+                    </a:lnR>
+                    <a:lnT w="6350" cap="flat" cmpd="sng">
+                      <a:solidFill>
+                        <a:srgbClr val="000008"/>
+                      </a:solidFill>
+                      <a:prstDash val="solid"/>
+                      <a:headEnd type="none" w="med" len="med"/>
+                      <a:tailEnd type="none" w="med" len="med"/>
+                    </a:lnT>
+                    <a:lnB>
+                      <a:noFill/>
+                    </a:lnB>
+                    <a:noFill/>
+                  </a:tcPr>
+                </a:tc>
+              </a:tr>
+              <a:tr h="574675">
+                <a:tc>
+                  <a:txBody>
+                    <a:bodyPr/>
+                    <a:p>
+                      <a:pPr marL="0" indent="0">
+                        <a:lnSpc>
+                          <a:spcPct val="200000"/>
+                        </a:lnSpc>
+                        <a:spcBef>
+                          <a:spcPct val="0"/>
+                        </a:spcBef>
+                        <a:spcAft>
+                          <a:spcPct val="0"/>
+                        </a:spcAft>
+                      </a:pPr>
+                      <a:r>
+                        <a:rPr lang="en-US" altLang="zh-CN" sz="1200">
+                          <a:latin typeface="Times New Roman" panose="02020603050405020304"/>
+                          <a:ea typeface="Times New Roman" panose="02020603050405020304"/>
+                        </a:rPr>
+                        <a:t>Batch Size</a:t>
+                      </a:r>
+                      <a:endParaRPr lang="en-US" altLang="zh-CN" sz="1200">
+                        <a:latin typeface="Times New Roman" panose="02020603050405020304"/>
+                        <a:ea typeface="Times New Roman" panose="02020603050405020304"/>
+                      </a:endParaRPr>
+                    </a:p>
+                  </a:txBody>
+                  <a:tcPr marL="68580" marR="68580" marT="0" marB="0" anchor="ctr" anchorCtr="0">
+                    <a:lnL>
+                      <a:noFill/>
+                    </a:lnL>
+                    <a:lnR>
+                      <a:noFill/>
+                    </a:lnR>
+                    <a:lnT>
+                      <a:noFill/>
+                    </a:lnT>
+                    <a:lnB>
+                      <a:noFill/>
+                    </a:lnB>
+                    <a:noFill/>
+                  </a:tcPr>
+                </a:tc>
+                <a:tc>
+                  <a:txBody>
+                    <a:bodyPr/>
+                    <a:p>
+                      <a:pPr marL="0" indent="0">
+                        <a:lnSpc>
+                          <a:spcPct val="200000"/>
+                        </a:lnSpc>
+                        <a:spcBef>
+                          <a:spcPct val="0"/>
+                        </a:spcBef>
+                        <a:spcAft>
+                          <a:spcPct val="0"/>
+                        </a:spcAft>
+                      </a:pPr>
+                      <a:r>
+                        <a:rPr lang="en-US" altLang="zh-CN" sz="1200">
+                          <a:latin typeface="Times New Roman" panose="02020603050405020304"/>
+                          <a:ea typeface="Times New Roman" panose="02020603050405020304"/>
+                        </a:rPr>
+                        <a:t>16</a:t>
+                      </a:r>
+                      <a:endParaRPr lang="en-US" altLang="zh-CN" sz="1200">
+                        <a:latin typeface="Times New Roman" panose="02020603050405020304"/>
+                        <a:ea typeface="Times New Roman" panose="02020603050405020304"/>
+                      </a:endParaRPr>
+                    </a:p>
+                  </a:txBody>
+                  <a:tcPr marL="68580" marR="68580" marT="0" marB="0" anchor="ctr" anchorCtr="0">
+                    <a:lnL>
+                      <a:noFill/>
+                    </a:lnL>
+                    <a:lnR>
+                      <a:noFill/>
+                    </a:lnR>
+                    <a:lnT>
+                      <a:noFill/>
+                    </a:lnT>
+                    <a:lnB>
+                      <a:noFill/>
+                    </a:lnB>
+                    <a:noFill/>
+                  </a:tcPr>
+                </a:tc>
+              </a:tr>
+              <a:tr h="574675">
+                <a:tc>
+                  <a:txBody>
+                    <a:bodyPr/>
+                    <a:p>
+                      <a:pPr marL="0" indent="0">
+                        <a:lnSpc>
+                          <a:spcPct val="200000"/>
+                        </a:lnSpc>
+                        <a:spcBef>
+                          <a:spcPct val="0"/>
+                        </a:spcBef>
+                        <a:spcAft>
+                          <a:spcPct val="0"/>
+                        </a:spcAft>
+                      </a:pPr>
+                      <a:r>
+                        <a:rPr lang="en-US" altLang="zh-CN" sz="1200">
+                          <a:latin typeface="Times New Roman" panose="02020603050405020304"/>
+                          <a:ea typeface="Times New Roman" panose="02020603050405020304"/>
+                        </a:rPr>
+                        <a:t>Optimizer</a:t>
+                      </a:r>
+                      <a:endParaRPr lang="en-US" altLang="zh-CN" sz="1200">
+                        <a:latin typeface="Times New Roman" panose="02020603050405020304"/>
+                        <a:ea typeface="Times New Roman" panose="02020603050405020304"/>
+                      </a:endParaRPr>
+                    </a:p>
+                  </a:txBody>
+                  <a:tcPr marL="68580" marR="68580" marT="0" marB="0" anchor="ctr" anchorCtr="0">
+                    <a:lnL>
+                      <a:noFill/>
+                    </a:lnL>
+                    <a:lnR>
+                      <a:noFill/>
+                    </a:lnR>
+                    <a:lnT>
+                      <a:noFill/>
+                    </a:lnT>
+                    <a:lnB>
+                      <a:noFill/>
+                    </a:lnB>
+                    <a:noFill/>
+                  </a:tcPr>
+                </a:tc>
+                <a:tc>
+                  <a:txBody>
+                    <a:bodyPr/>
+                    <a:p>
+                      <a:pPr marL="0" indent="0">
+                        <a:lnSpc>
+                          <a:spcPct val="200000"/>
+                        </a:lnSpc>
+                        <a:spcBef>
+                          <a:spcPct val="0"/>
+                        </a:spcBef>
+                        <a:spcAft>
+                          <a:spcPct val="0"/>
+                        </a:spcAft>
+                      </a:pPr>
+                      <a:r>
+                        <a:rPr lang="en-US" altLang="zh-CN" sz="1200">
+                          <a:latin typeface="Times New Roman" panose="02020603050405020304"/>
+                          <a:ea typeface="Times New Roman" panose="02020603050405020304"/>
+                        </a:rPr>
+                        <a:t>Adam</a:t>
+                      </a:r>
+                      <a:endParaRPr lang="en-US" altLang="zh-CN" sz="1200">
+                        <a:latin typeface="Times New Roman" panose="02020603050405020304"/>
+                        <a:ea typeface="Times New Roman" panose="02020603050405020304"/>
+                      </a:endParaRPr>
+                    </a:p>
+                  </a:txBody>
+                  <a:tcPr marL="68580" marR="68580" marT="0" marB="0" anchor="ctr" anchorCtr="0">
+                    <a:lnL>
+                      <a:noFill/>
+                    </a:lnL>
+                    <a:lnR>
+                      <a:noFill/>
+                    </a:lnR>
+                    <a:lnT>
+                      <a:noFill/>
+                    </a:lnT>
+                    <a:lnB>
+                      <a:noFill/>
+                    </a:lnB>
+                    <a:noFill/>
+                  </a:tcPr>
+                </a:tc>
+              </a:tr>
+              <a:tr h="1149350">
+                <a:tc>
+                  <a:txBody>
+                    <a:bodyPr/>
+                    <a:p>
+                      <a:pPr marL="0" indent="0">
+                        <a:lnSpc>
+                          <a:spcPct val="200000"/>
+                        </a:lnSpc>
+                        <a:spcBef>
+                          <a:spcPct val="0"/>
+                        </a:spcBef>
+                        <a:spcAft>
+                          <a:spcPct val="0"/>
+                        </a:spcAft>
+                      </a:pPr>
+                      <a:r>
+                        <a:rPr lang="en-US" altLang="zh-CN" sz="1200">
+                          <a:latin typeface="Times New Roman" panose="02020603050405020304"/>
+                          <a:ea typeface="Times New Roman" panose="02020603050405020304"/>
+                        </a:rPr>
+                        <a:t>Learning Rate</a:t>
+                      </a:r>
+                      <a:endParaRPr lang="en-US" altLang="zh-CN" sz="1200">
+                        <a:latin typeface="Times New Roman" panose="02020603050405020304"/>
+                        <a:ea typeface="Times New Roman" panose="02020603050405020304"/>
+                      </a:endParaRPr>
+                    </a:p>
+                  </a:txBody>
+                  <a:tcPr marL="68580" marR="68580" marT="0" marB="0" anchor="ctr" anchorCtr="0">
+                    <a:lnL>
+                      <a:noFill/>
+                    </a:lnL>
+                    <a:lnR>
+                      <a:noFill/>
+                    </a:lnR>
+                    <a:lnT>
+                      <a:noFill/>
+                    </a:lnT>
+                    <a:lnB>
+                      <a:noFill/>
+                    </a:lnB>
+                    <a:noFill/>
+                  </a:tcPr>
+                </a:tc>
+                <a:tc>
+                  <a:txBody>
+                    <a:bodyPr/>
+                    <a:p>
+                      <a:pPr marL="0" indent="0">
+                        <a:lnSpc>
+                          <a:spcPct val="200000"/>
+                        </a:lnSpc>
+                        <a:spcBef>
+                          <a:spcPct val="0"/>
+                        </a:spcBef>
+                        <a:spcAft>
+                          <a:spcPct val="0"/>
+                        </a:spcAft>
+                      </a:pPr>
+                      <a:r>
+                        <a:rPr lang="en-US" altLang="zh-CN" sz="1200">
+                          <a:latin typeface="Times New Roman" panose="02020603050405020304"/>
+                          <a:ea typeface="Times New Roman" panose="02020603050405020304"/>
+                        </a:rPr>
+                        <a:t>10^(-4)</a:t>
+                      </a:r>
+                      <a:endParaRPr lang="en-US" altLang="zh-CN" sz="1200">
+                        <a:latin typeface="Times New Roman" panose="02020603050405020304"/>
+                        <a:ea typeface="Times New Roman" panose="02020603050405020304"/>
+                      </a:endParaRPr>
+                    </a:p>
+                  </a:txBody>
+                  <a:tcPr marL="68580" marR="68580" marT="0" marB="0" anchor="ctr" anchorCtr="0">
+                    <a:lnL>
+                      <a:noFill/>
+                    </a:lnL>
+                    <a:lnR>
+                      <a:noFill/>
+                    </a:lnR>
+                    <a:lnT>
+                      <a:noFill/>
+                    </a:lnT>
+                    <a:lnB>
+                      <a:noFill/>
+                    </a:lnB>
+                    <a:noFill/>
+                  </a:tcPr>
+                </a:tc>
+              </a:tr>
+              <a:tr h="574675">
+                <a:tc>
+                  <a:txBody>
+                    <a:bodyPr/>
+                    <a:p>
+                      <a:pPr marL="0" indent="0">
+                        <a:lnSpc>
+                          <a:spcPct val="200000"/>
+                        </a:lnSpc>
+                        <a:spcBef>
+                          <a:spcPct val="0"/>
+                        </a:spcBef>
+                        <a:spcAft>
+                          <a:spcPct val="0"/>
+                        </a:spcAft>
+                      </a:pPr>
+                      <a:r>
+                        <a:rPr lang="en-US" altLang="zh-CN" sz="1200">
+                          <a:latin typeface="Times New Roman" panose="02020603050405020304"/>
+                          <a:ea typeface="Times New Roman" panose="02020603050405020304"/>
+                        </a:rPr>
+                        <a:t>Dropout</a:t>
+                      </a:r>
+                      <a:endParaRPr lang="en-US" altLang="zh-CN" sz="1200">
+                        <a:latin typeface="Times New Roman" panose="02020603050405020304"/>
+                        <a:ea typeface="Times New Roman" panose="02020603050405020304"/>
+                      </a:endParaRPr>
+                    </a:p>
+                  </a:txBody>
+                  <a:tcPr marL="68580" marR="68580" marT="0" marB="0" anchor="ctr" anchorCtr="0">
+                    <a:lnL>
+                      <a:noFill/>
+                    </a:lnL>
+                    <a:lnR>
+                      <a:noFill/>
+                    </a:lnR>
+                    <a:lnT>
+                      <a:noFill/>
+                    </a:lnT>
+                    <a:lnB w="19050" cap="flat" cmpd="sng">
+                      <a:solidFill>
+                        <a:srgbClr val="000008"/>
+                      </a:solidFill>
+                      <a:prstDash val="solid"/>
+                      <a:headEnd type="none" w="med" len="med"/>
+                      <a:tailEnd type="none" w="med" len="med"/>
+                    </a:lnB>
+                    <a:noFill/>
+                  </a:tcPr>
+                </a:tc>
+                <a:tc>
+                  <a:txBody>
+                    <a:bodyPr/>
+                    <a:p>
+                      <a:pPr marL="0" indent="0">
+                        <a:lnSpc>
+                          <a:spcPct val="200000"/>
+                        </a:lnSpc>
+                        <a:spcBef>
+                          <a:spcPct val="0"/>
+                        </a:spcBef>
+                        <a:spcAft>
+                          <a:spcPct val="0"/>
+                        </a:spcAft>
+                      </a:pPr>
+                      <a:r>
+                        <a:rPr lang="en-US" altLang="zh-CN" sz="1200">
+                          <a:latin typeface="Times New Roman" panose="02020603050405020304"/>
+                          <a:ea typeface="Times New Roman" panose="02020603050405020304"/>
+                        </a:rPr>
+                        <a:t>0.3</a:t>
+                      </a:r>
+                      <a:endParaRPr lang="en-US" altLang="zh-CN" sz="1200">
+                        <a:latin typeface="Times New Roman" panose="02020603050405020304"/>
+                        <a:ea typeface="Times New Roman" panose="02020603050405020304"/>
+                      </a:endParaRPr>
+                    </a:p>
+                  </a:txBody>
+                  <a:tcPr marL="68580" marR="68580" marT="0" marB="0" anchor="ctr" anchorCtr="0">
+                    <a:lnL>
+                      <a:noFill/>
+                    </a:lnL>
+                    <a:lnR>
+                      <a:noFill/>
+                    </a:lnR>
+                    <a:lnT>
+                      <a:noFill/>
+                    </a:lnT>
+                    <a:lnB w="19050" cap="flat" cmpd="sng">
+                      <a:solidFill>
+                        <a:srgbClr val="000008"/>
+                      </a:solidFill>
+                      <a:prstDash val="solid"/>
+                      <a:headEnd type="none" w="med" len="med"/>
+                      <a:tailEnd type="none" w="med" len="med"/>
+                    </a:lnB>
+                    <a:noFill/>
+                  </a:tcPr>
+                </a:tc>
+              </a:tr>
+            </a:tbl>
+          </a:graphicData>
+        </a:graphic>
+      </p:graphicFrame>
+      <p:graphicFrame>
+        <p:nvGraphicFramePr>
+          <p:cNvPr id="8" name="表格 7"/>
+          <p:cNvGraphicFramePr/>
+          <p:nvPr/>
+        </p:nvGraphicFramePr>
+        <p:xfrm>
+          <a:off x="2566035" y="763905"/>
+          <a:ext cx="6314440" cy="2155825"/>
+        </p:xfrm>
+        <a:graphic>
+          <a:graphicData uri="http://schemas.openxmlformats.org/drawingml/2006/table">
+            <a:tbl>
+              <a:tblPr/>
+              <a:tblGrid>
+                <a:gridCol w="1064895"/>
+                <a:gridCol w="1871345"/>
+                <a:gridCol w="1620520"/>
+                <a:gridCol w="1757680"/>
+              </a:tblGrid>
+              <a:tr h="353060">
+                <a:tc>
+                  <a:txBody>
+                    <a:bodyPr/>
+                    <a:p>
+                      <a:pPr marL="0" indent="0">
+                        <a:spcBef>
+                          <a:spcPct val="0"/>
+                        </a:spcBef>
+                        <a:spcAft>
+                          <a:spcPct val="0"/>
+                        </a:spcAft>
+                      </a:pPr>
+                      <a:r>
+                        <a:rPr lang="en-US" altLang="zh-CN" sz="1200">
+                          <a:latin typeface="Times New Roman" panose="02020603050405020304"/>
+                          <a:ea typeface="Times New Roman" panose="02020603050405020304"/>
+                        </a:rPr>
+                        <a:t>Metric</a:t>
+                      </a:r>
+                      <a:endParaRPr lang="en-US" altLang="zh-CN" sz="1200">
+                        <a:latin typeface="Times New Roman" panose="02020603050405020304"/>
+                        <a:ea typeface="Times New Roman" panose="02020603050405020304"/>
+                      </a:endParaRPr>
+                    </a:p>
+                  </a:txBody>
+                  <a:tcPr marL="68580" marR="68580" marT="0" marB="0" anchor="ctr" anchorCtr="0">
+                    <a:lnL>
+                      <a:noFill/>
+                    </a:lnL>
+                    <a:lnR>
+                      <a:noFill/>
+                    </a:lnR>
+                    <a:lnT w="19050" cap="flat" cmpd="sng">
+                      <a:solidFill>
+                        <a:srgbClr val="000008"/>
+                      </a:solidFill>
+                      <a:prstDash val="solid"/>
+                      <a:headEnd type="none" w="med" len="med"/>
+                      <a:tailEnd type="none" w="med" len="med"/>
+                    </a:lnT>
+                    <a:lnB w="6350" cap="flat" cmpd="sng">
+                      <a:solidFill>
+                        <a:srgbClr val="000008"/>
+                      </a:solidFill>
+                      <a:prstDash val="solid"/>
+                      <a:headEnd type="none" w="med" len="med"/>
+                      <a:tailEnd type="none" w="med" len="med"/>
+                    </a:lnB>
+                    <a:noFill/>
+                  </a:tcPr>
+                </a:tc>
+                <a:tc>
+                  <a:txBody>
+                    <a:bodyPr/>
+                    <a:p>
+                      <a:pPr marL="0" indent="0">
+                        <a:spcBef>
+                          <a:spcPct val="0"/>
+                        </a:spcBef>
+                        <a:spcAft>
+                          <a:spcPct val="0"/>
+                        </a:spcAft>
+                      </a:pPr>
+                      <a:r>
+                        <a:rPr lang="en-US" altLang="zh-CN" sz="1200">
+                          <a:latin typeface="Times New Roman" panose="02020603050405020304"/>
+                          <a:ea typeface="Times New Roman" panose="02020603050405020304"/>
+                        </a:rPr>
+                        <a:t>Training Set</a:t>
+                      </a:r>
+                      <a:endParaRPr lang="en-US" altLang="zh-CN" sz="1200">
+                        <a:latin typeface="Times New Roman" panose="02020603050405020304"/>
+                        <a:ea typeface="Times New Roman" panose="02020603050405020304"/>
+                      </a:endParaRPr>
+                    </a:p>
+                  </a:txBody>
+                  <a:tcPr marL="68580" marR="68580" marT="0" marB="0" anchor="ctr" anchorCtr="0">
+                    <a:lnL>
+                      <a:noFill/>
+                    </a:lnL>
+                    <a:lnR>
+                      <a:noFill/>
+                    </a:lnR>
+                    <a:lnT w="19050" cap="flat" cmpd="sng">
+                      <a:solidFill>
+                        <a:srgbClr val="000008"/>
+                      </a:solidFill>
+                      <a:prstDash val="solid"/>
+                      <a:headEnd type="none" w="med" len="med"/>
+                      <a:tailEnd type="none" w="med" len="med"/>
+                    </a:lnT>
+                    <a:lnB w="6350" cap="flat" cmpd="sng">
+                      <a:solidFill>
+                        <a:srgbClr val="000008"/>
+                      </a:solidFill>
+                      <a:prstDash val="solid"/>
+                      <a:headEnd type="none" w="med" len="med"/>
+                      <a:tailEnd type="none" w="med" len="med"/>
+                    </a:lnB>
+                    <a:noFill/>
+                  </a:tcPr>
+                </a:tc>
+                <a:tc>
+                  <a:txBody>
+                    <a:bodyPr/>
+                    <a:p>
+                      <a:pPr marL="0" indent="0">
+                        <a:spcBef>
+                          <a:spcPct val="0"/>
+                        </a:spcBef>
+                        <a:spcAft>
+                          <a:spcPct val="0"/>
+                        </a:spcAft>
+                      </a:pPr>
+                      <a:r>
+                        <a:rPr lang="en-US" altLang="zh-CN" sz="1200">
+                          <a:latin typeface="Times New Roman" panose="02020603050405020304"/>
+                          <a:ea typeface="Times New Roman" panose="02020603050405020304"/>
+                        </a:rPr>
+                        <a:t>Validation Set</a:t>
+                      </a:r>
+                      <a:endParaRPr lang="en-US" altLang="zh-CN" sz="1200">
+                        <a:latin typeface="Times New Roman" panose="02020603050405020304"/>
+                        <a:ea typeface="Times New Roman" panose="02020603050405020304"/>
+                      </a:endParaRPr>
+                    </a:p>
+                  </a:txBody>
+                  <a:tcPr marL="68580" marR="68580" marT="0" marB="0" anchor="ctr" anchorCtr="0">
+                    <a:lnL>
+                      <a:noFill/>
+                    </a:lnL>
+                    <a:lnR>
+                      <a:noFill/>
+                    </a:lnR>
+                    <a:lnT w="19050" cap="flat" cmpd="sng">
+                      <a:solidFill>
+                        <a:srgbClr val="000008"/>
+                      </a:solidFill>
+                      <a:prstDash val="solid"/>
+                      <a:headEnd type="none" w="med" len="med"/>
+                      <a:tailEnd type="none" w="med" len="med"/>
+                    </a:lnT>
+                    <a:lnB w="6350" cap="flat" cmpd="sng">
+                      <a:solidFill>
+                        <a:srgbClr val="000008"/>
+                      </a:solidFill>
+                      <a:prstDash val="solid"/>
+                      <a:headEnd type="none" w="med" len="med"/>
+                      <a:tailEnd type="none" w="med" len="med"/>
+                    </a:lnB>
+                    <a:noFill/>
+                  </a:tcPr>
+                </a:tc>
+                <a:tc>
+                  <a:txBody>
+                    <a:bodyPr/>
+                    <a:p>
+                      <a:pPr marL="0" indent="0">
+                        <a:spcBef>
+                          <a:spcPct val="0"/>
+                        </a:spcBef>
+                        <a:spcAft>
+                          <a:spcPct val="0"/>
+                        </a:spcAft>
+                      </a:pPr>
+                      <a:r>
+                        <a:rPr lang="en-US" altLang="zh-CN" sz="1200">
+                          <a:latin typeface="Times New Roman" panose="02020603050405020304"/>
+                          <a:ea typeface="Times New Roman" panose="02020603050405020304"/>
+                        </a:rPr>
+                        <a:t>Test Set</a:t>
+                      </a:r>
+                      <a:endParaRPr lang="en-US" altLang="zh-CN" sz="1200">
+                        <a:latin typeface="Times New Roman" panose="02020603050405020304"/>
+                        <a:ea typeface="Times New Roman" panose="02020603050405020304"/>
+                      </a:endParaRPr>
+                    </a:p>
+                  </a:txBody>
+                  <a:tcPr marL="68580" marR="68580" marT="0" marB="0" anchor="ctr" anchorCtr="0">
+                    <a:lnL>
+                      <a:noFill/>
+                    </a:lnL>
+                    <a:lnR>
+                      <a:noFill/>
+                    </a:lnR>
+                    <a:lnT w="19050" cap="flat" cmpd="sng">
+                      <a:solidFill>
+                        <a:srgbClr val="000008"/>
+                      </a:solidFill>
+                      <a:prstDash val="solid"/>
+                      <a:headEnd type="none" w="med" len="med"/>
+                      <a:tailEnd type="none" w="med" len="med"/>
+                    </a:lnT>
+                    <a:lnB w="6350" cap="flat" cmpd="sng">
+                      <a:solidFill>
+                        <a:srgbClr val="000008"/>
+                      </a:solidFill>
+                      <a:prstDash val="solid"/>
+                      <a:headEnd type="none" w="med" len="med"/>
+                      <a:tailEnd type="none" w="med" len="med"/>
+                    </a:lnB>
+                    <a:noFill/>
+                  </a:tcPr>
+                </a:tc>
+              </a:tr>
+              <a:tr h="363855">
+                <a:tc>
+                  <a:txBody>
+                    <a:bodyPr/>
+                    <a:p>
+                      <a:pPr marL="0" indent="0">
+                        <a:spcBef>
+                          <a:spcPct val="0"/>
+                        </a:spcBef>
+                        <a:spcAft>
+                          <a:spcPct val="0"/>
+                        </a:spcAft>
+                      </a:pPr>
+                      <a:r>
+                        <a:rPr lang="en-US" altLang="zh-CN" sz="1200">
+                          <a:latin typeface="Times New Roman" panose="02020603050405020304"/>
+                          <a:ea typeface="Times New Roman" panose="02020603050405020304"/>
+                        </a:rPr>
+                        <a:t>Accuracy</a:t>
+                      </a:r>
+                      <a:endParaRPr lang="en-US" altLang="zh-CN" sz="1200">
+                        <a:latin typeface="Times New Roman" panose="02020603050405020304"/>
+                        <a:ea typeface="Times New Roman" panose="02020603050405020304"/>
+                      </a:endParaRPr>
+                    </a:p>
+                  </a:txBody>
+                  <a:tcPr marL="68580" marR="68580" marT="0" marB="0" anchor="ctr" anchorCtr="0">
+                    <a:lnL>
+                      <a:noFill/>
+                    </a:lnL>
+                    <a:lnR>
+                      <a:noFill/>
+                    </a:lnR>
+                    <a:lnT w="6350" cap="flat" cmpd="sng">
+                      <a:solidFill>
+                        <a:srgbClr val="000008"/>
+                      </a:solidFill>
+                      <a:prstDash val="solid"/>
+                      <a:headEnd type="none" w="med" len="med"/>
+                      <a:tailEnd type="none" w="med" len="med"/>
+                    </a:lnT>
+                    <a:lnB>
+                      <a:noFill/>
+                    </a:lnB>
+                    <a:noFill/>
+                  </a:tcPr>
+                </a:tc>
+                <a:tc>
+                  <a:txBody>
+                    <a:bodyPr/>
+                    <a:p>
+                      <a:pPr marL="0" indent="0">
+                        <a:spcBef>
+                          <a:spcPct val="0"/>
+                        </a:spcBef>
+                        <a:spcAft>
+                          <a:spcPct val="0"/>
+                        </a:spcAft>
+                      </a:pPr>
+                      <a:r>
+                        <a:rPr lang="en-US" altLang="zh-CN" sz="1200">
+                          <a:latin typeface="Times New Roman" panose="02020603050405020304"/>
+                          <a:ea typeface="Times New Roman" panose="02020603050405020304"/>
+                        </a:rPr>
+                        <a:t>78</a:t>
+                      </a:r>
+                      <a:r>
+                        <a:rPr lang="en-US" altLang="zh-CN" sz="1200">
+                          <a:latin typeface="Times New Roman" panose="02020603050405020304"/>
+                          <a:ea typeface="Times New Roman" panose="02020603050405020304"/>
+                        </a:rPr>
+                        <a:t>.</a:t>
+                      </a:r>
+                      <a:r>
+                        <a:rPr lang="en-US" altLang="zh-CN" sz="1200">
+                          <a:latin typeface="Times New Roman" panose="02020603050405020304"/>
+                          <a:ea typeface="Times New Roman" panose="02020603050405020304"/>
+                        </a:rPr>
+                        <a:t>65</a:t>
+                      </a:r>
+                      <a:r>
+                        <a:rPr lang="en-US" altLang="zh-CN" sz="1200">
+                          <a:latin typeface="Times New Roman" panose="02020603050405020304"/>
+                          <a:ea typeface="Times New Roman" panose="02020603050405020304"/>
+                        </a:rPr>
+                        <a:t>%</a:t>
+                      </a:r>
+                      <a:endParaRPr lang="en-US" altLang="zh-CN" sz="1200">
+                        <a:latin typeface="Times New Roman" panose="02020603050405020304"/>
+                        <a:ea typeface="Times New Roman" panose="02020603050405020304"/>
+                      </a:endParaRPr>
+                    </a:p>
+                  </a:txBody>
+                  <a:tcPr marL="68580" marR="68580" marT="0" marB="0" anchor="ctr" anchorCtr="0">
+                    <a:lnL>
+                      <a:noFill/>
+                    </a:lnL>
+                    <a:lnR>
+                      <a:noFill/>
+                    </a:lnR>
+                    <a:lnT w="6350" cap="flat" cmpd="sng">
+                      <a:solidFill>
+                        <a:srgbClr val="000008"/>
+                      </a:solidFill>
+                      <a:prstDash val="solid"/>
+                      <a:headEnd type="none" w="med" len="med"/>
+                      <a:tailEnd type="none" w="med" len="med"/>
+                    </a:lnT>
+                    <a:lnB>
+                      <a:noFill/>
+                    </a:lnB>
+                    <a:noFill/>
+                  </a:tcPr>
+                </a:tc>
+                <a:tc>
+                  <a:txBody>
+                    <a:bodyPr/>
+                    <a:p>
+                      <a:pPr marL="0" indent="0">
+                        <a:spcBef>
+                          <a:spcPct val="0"/>
+                        </a:spcBef>
+                        <a:spcAft>
+                          <a:spcPct val="0"/>
+                        </a:spcAft>
+                      </a:pPr>
+                      <a:r>
+                        <a:rPr lang="en-US" altLang="zh-CN" sz="1200">
+                          <a:latin typeface="Times New Roman" panose="02020603050405020304"/>
+                          <a:ea typeface="Times New Roman" panose="02020603050405020304"/>
+                        </a:rPr>
+                        <a:t>44</a:t>
+                      </a:r>
+                      <a:r>
+                        <a:rPr lang="en-US" altLang="zh-CN" sz="1200">
+                          <a:latin typeface="Times New Roman" panose="02020603050405020304"/>
+                          <a:ea typeface="Times New Roman" panose="02020603050405020304"/>
+                        </a:rPr>
+                        <a:t>.</a:t>
+                      </a:r>
+                      <a:r>
+                        <a:rPr lang="en-US" altLang="zh-CN" sz="1200">
+                          <a:latin typeface="Times New Roman" panose="02020603050405020304"/>
+                          <a:ea typeface="Times New Roman" panose="02020603050405020304"/>
+                        </a:rPr>
+                        <a:t>21</a:t>
+                      </a:r>
+                      <a:r>
+                        <a:rPr lang="en-US" altLang="zh-CN" sz="1200">
+                          <a:latin typeface="Times New Roman" panose="02020603050405020304"/>
+                          <a:ea typeface="Times New Roman" panose="02020603050405020304"/>
+                        </a:rPr>
+                        <a:t>%</a:t>
+                      </a:r>
+                      <a:endParaRPr lang="en-US" altLang="zh-CN" sz="1200">
+                        <a:latin typeface="Times New Roman" panose="02020603050405020304"/>
+                        <a:ea typeface="Times New Roman" panose="02020603050405020304"/>
+                      </a:endParaRPr>
+                    </a:p>
+                  </a:txBody>
+                  <a:tcPr marL="68580" marR="68580" marT="0" marB="0" anchor="ctr" anchorCtr="0">
+                    <a:lnL>
+                      <a:noFill/>
+                    </a:lnL>
+                    <a:lnR>
+                      <a:noFill/>
+                    </a:lnR>
+                    <a:lnT w="6350" cap="flat" cmpd="sng">
+                      <a:solidFill>
+                        <a:srgbClr val="000008"/>
+                      </a:solidFill>
+                      <a:prstDash val="solid"/>
+                      <a:headEnd type="none" w="med" len="med"/>
+                      <a:tailEnd type="none" w="med" len="med"/>
+                    </a:lnT>
+                    <a:lnB>
+                      <a:noFill/>
+                    </a:lnB>
+                    <a:noFill/>
+                  </a:tcPr>
+                </a:tc>
+                <a:tc>
+                  <a:txBody>
+                    <a:bodyPr/>
+                    <a:p>
+                      <a:pPr marL="0" indent="0">
+                        <a:spcBef>
+                          <a:spcPct val="0"/>
+                        </a:spcBef>
+                        <a:spcAft>
+                          <a:spcPct val="0"/>
+                        </a:spcAft>
+                      </a:pPr>
+                      <a:r>
+                        <a:rPr lang="en-US" altLang="zh-CN" sz="1200">
+                          <a:latin typeface="Times New Roman" panose="02020603050405020304"/>
+                          <a:ea typeface="Times New Roman" panose="02020603050405020304"/>
+                        </a:rPr>
+                        <a:t>33</a:t>
+                      </a:r>
+                      <a:r>
+                        <a:rPr lang="en-US" altLang="zh-CN" sz="1200">
+                          <a:latin typeface="Times New Roman" panose="02020603050405020304"/>
+                          <a:ea typeface="Times New Roman" panose="02020603050405020304"/>
+                        </a:rPr>
+                        <a:t>.</a:t>
+                      </a:r>
+                      <a:r>
+                        <a:rPr lang="en-US" altLang="zh-CN" sz="1200">
+                          <a:latin typeface="Times New Roman" panose="02020603050405020304"/>
+                          <a:ea typeface="Times New Roman" panose="02020603050405020304"/>
+                        </a:rPr>
+                        <a:t>83</a:t>
+                      </a:r>
+                      <a:r>
+                        <a:rPr lang="en-US" altLang="zh-CN" sz="1200">
+                          <a:latin typeface="Times New Roman" panose="02020603050405020304"/>
+                          <a:ea typeface="Times New Roman" panose="02020603050405020304"/>
+                        </a:rPr>
+                        <a:t>%</a:t>
+                      </a:r>
+                      <a:endParaRPr lang="en-US" altLang="zh-CN" sz="1200">
+                        <a:latin typeface="Times New Roman" panose="02020603050405020304"/>
+                        <a:ea typeface="Times New Roman" panose="02020603050405020304"/>
+                      </a:endParaRPr>
+                    </a:p>
+                  </a:txBody>
+                  <a:tcPr marL="68580" marR="68580" marT="0" marB="0" anchor="ctr" anchorCtr="0">
+                    <a:lnL>
+                      <a:noFill/>
+                    </a:lnL>
+                    <a:lnR>
+                      <a:noFill/>
+                    </a:lnR>
+                    <a:lnT w="6350" cap="flat" cmpd="sng">
+                      <a:solidFill>
+                        <a:srgbClr val="000008"/>
+                      </a:solidFill>
+                      <a:prstDash val="solid"/>
+                      <a:headEnd type="none" w="med" len="med"/>
+                      <a:tailEnd type="none" w="med" len="med"/>
+                    </a:lnT>
+                    <a:lnB>
+                      <a:noFill/>
+                    </a:lnB>
+                    <a:noFill/>
+                  </a:tcPr>
+                </a:tc>
+              </a:tr>
+              <a:tr h="355600">
+                <a:tc>
+                  <a:txBody>
+                    <a:bodyPr/>
+                    <a:p>
+                      <a:pPr marL="0" indent="0">
+                        <a:spcBef>
+                          <a:spcPct val="0"/>
+                        </a:spcBef>
+                        <a:spcAft>
+                          <a:spcPct val="0"/>
+                        </a:spcAft>
+                      </a:pPr>
+                      <a:r>
+                        <a:rPr lang="en-US" altLang="zh-CN" sz="1200">
+                          <a:latin typeface="Times New Roman" panose="02020603050405020304"/>
+                          <a:ea typeface="Times New Roman" panose="02020603050405020304"/>
+                        </a:rPr>
+                        <a:t>F1 Score</a:t>
+                      </a:r>
+                      <a:endParaRPr lang="en-US" altLang="zh-CN" sz="1200">
+                        <a:latin typeface="Times New Roman" panose="02020603050405020304"/>
+                        <a:ea typeface="Times New Roman" panose="02020603050405020304"/>
+                      </a:endParaRPr>
+                    </a:p>
+                  </a:txBody>
+                  <a:tcPr marL="68580" marR="68580" marT="0" marB="0" anchor="ctr" anchorCtr="0">
+                    <a:lnL>
+                      <a:noFill/>
+                    </a:lnL>
+                    <a:lnR>
+                      <a:noFill/>
+                    </a:lnR>
+                    <a:lnT>
+                      <a:noFill/>
+                    </a:lnT>
+                    <a:lnB>
+                      <a:noFill/>
+                    </a:lnB>
+                    <a:noFill/>
+                  </a:tcPr>
+                </a:tc>
+                <a:tc>
+                  <a:txBody>
+                    <a:bodyPr/>
+                    <a:p>
+                      <a:pPr marL="0" indent="0">
+                        <a:spcBef>
+                          <a:spcPct val="0"/>
+                        </a:spcBef>
+                        <a:spcAft>
+                          <a:spcPct val="0"/>
+                        </a:spcAft>
+                      </a:pPr>
+                      <a:r>
+                        <a:rPr lang="en-US" altLang="zh-CN" sz="1200">
+                          <a:latin typeface="Times New Roman" panose="02020603050405020304"/>
+                          <a:ea typeface="Times New Roman" panose="02020603050405020304"/>
+                        </a:rPr>
+                        <a:t>-</a:t>
+                      </a:r>
+                      <a:endParaRPr lang="en-US" altLang="zh-CN" sz="1200">
+                        <a:latin typeface="Times New Roman" panose="02020603050405020304"/>
+                        <a:ea typeface="Times New Roman" panose="02020603050405020304"/>
+                      </a:endParaRPr>
+                    </a:p>
+                  </a:txBody>
+                  <a:tcPr marL="68580" marR="68580" marT="0" marB="0" anchor="ctr" anchorCtr="0">
+                    <a:lnL>
+                      <a:noFill/>
+                    </a:lnL>
+                    <a:lnR>
+                      <a:noFill/>
+                    </a:lnR>
+                    <a:lnT>
+                      <a:noFill/>
+                    </a:lnT>
+                    <a:lnB>
+                      <a:noFill/>
+                    </a:lnB>
+                    <a:noFill/>
+                  </a:tcPr>
+                </a:tc>
+                <a:tc>
+                  <a:txBody>
+                    <a:bodyPr/>
+                    <a:p>
+                      <a:pPr marL="0" indent="0">
+                        <a:spcBef>
+                          <a:spcPct val="0"/>
+                        </a:spcBef>
+                        <a:spcAft>
+                          <a:spcPct val="0"/>
+                        </a:spcAft>
+                      </a:pPr>
+                      <a:r>
+                        <a:rPr lang="en-US" altLang="zh-CN" sz="1200">
+                          <a:latin typeface="Times New Roman" panose="02020603050405020304"/>
+                          <a:ea typeface="Times New Roman" panose="02020603050405020304"/>
+                        </a:rPr>
+                        <a:t>16</a:t>
+                      </a:r>
+                      <a:r>
+                        <a:rPr lang="en-US" altLang="zh-CN" sz="1200">
+                          <a:latin typeface="Times New Roman" panose="02020603050405020304"/>
+                          <a:ea typeface="Times New Roman" panose="02020603050405020304"/>
+                        </a:rPr>
+                        <a:t>.</a:t>
+                      </a:r>
+                      <a:r>
+                        <a:rPr lang="en-US" altLang="zh-CN" sz="1200">
+                          <a:latin typeface="Times New Roman" panose="02020603050405020304"/>
+                          <a:ea typeface="Times New Roman" panose="02020603050405020304"/>
+                        </a:rPr>
+                        <a:t>21</a:t>
+                      </a:r>
+                      <a:r>
+                        <a:rPr lang="en-US" altLang="zh-CN" sz="1200">
+                          <a:latin typeface="Times New Roman" panose="02020603050405020304"/>
+                          <a:ea typeface="Times New Roman" panose="02020603050405020304"/>
+                        </a:rPr>
+                        <a:t>%</a:t>
+                      </a:r>
+                      <a:endParaRPr lang="en-US" altLang="zh-CN" sz="1200">
+                        <a:latin typeface="Times New Roman" panose="02020603050405020304"/>
+                        <a:ea typeface="Times New Roman" panose="02020603050405020304"/>
+                      </a:endParaRPr>
+                    </a:p>
+                  </a:txBody>
+                  <a:tcPr marL="68580" marR="68580" marT="0" marB="0" anchor="ctr" anchorCtr="0">
+                    <a:lnL>
+                      <a:noFill/>
+                    </a:lnL>
+                    <a:lnR>
+                      <a:noFill/>
+                    </a:lnR>
+                    <a:lnT>
+                      <a:noFill/>
+                    </a:lnT>
+                    <a:lnB>
+                      <a:noFill/>
+                    </a:lnB>
+                    <a:noFill/>
+                  </a:tcPr>
+                </a:tc>
+                <a:tc>
+                  <a:txBody>
+                    <a:bodyPr/>
+                    <a:p>
+                      <a:pPr marL="0" indent="0">
+                        <a:spcBef>
+                          <a:spcPct val="0"/>
+                        </a:spcBef>
+                        <a:spcAft>
+                          <a:spcPct val="0"/>
+                        </a:spcAft>
+                      </a:pPr>
+                      <a:r>
+                        <a:rPr lang="en-US" altLang="zh-CN" sz="1200">
+                          <a:latin typeface="Times New Roman" panose="02020603050405020304"/>
+                          <a:ea typeface="Times New Roman" panose="02020603050405020304"/>
+                        </a:rPr>
+                        <a:t>13</a:t>
+                      </a:r>
+                      <a:r>
+                        <a:rPr lang="en-US" altLang="zh-CN" sz="1200">
+                          <a:latin typeface="Times New Roman" panose="02020603050405020304"/>
+                          <a:ea typeface="Times New Roman" panose="02020603050405020304"/>
+                        </a:rPr>
+                        <a:t>.</a:t>
+                      </a:r>
+                      <a:r>
+                        <a:rPr lang="en-US" altLang="zh-CN" sz="1200">
+                          <a:latin typeface="Times New Roman" panose="02020603050405020304"/>
+                          <a:ea typeface="Times New Roman" panose="02020603050405020304"/>
+                        </a:rPr>
+                        <a:t>64</a:t>
+                      </a:r>
+                      <a:r>
+                        <a:rPr lang="en-US" altLang="zh-CN" sz="1200">
+                          <a:latin typeface="Times New Roman" panose="02020603050405020304"/>
+                          <a:ea typeface="Times New Roman" panose="02020603050405020304"/>
+                        </a:rPr>
+                        <a:t>%</a:t>
+                      </a:r>
+                      <a:endParaRPr lang="en-US" altLang="zh-CN" sz="1200">
+                        <a:latin typeface="Times New Roman" panose="02020603050405020304"/>
+                        <a:ea typeface="Times New Roman" panose="02020603050405020304"/>
+                      </a:endParaRPr>
+                    </a:p>
+                  </a:txBody>
+                  <a:tcPr marL="68580" marR="68580" marT="0" marB="0" anchor="ctr" anchorCtr="0">
+                    <a:lnL>
+                      <a:noFill/>
+                    </a:lnL>
+                    <a:lnR>
+                      <a:noFill/>
+                    </a:lnR>
+                    <a:lnT>
+                      <a:noFill/>
+                    </a:lnT>
+                    <a:lnB>
+                      <a:noFill/>
+                    </a:lnB>
+                    <a:noFill/>
+                  </a:tcPr>
+                </a:tc>
+              </a:tr>
+              <a:tr h="363855">
+                <a:tc>
+                  <a:txBody>
+                    <a:bodyPr/>
+                    <a:p>
+                      <a:pPr marL="0" indent="0">
+                        <a:spcBef>
+                          <a:spcPct val="0"/>
+                        </a:spcBef>
+                        <a:spcAft>
+                          <a:spcPct val="0"/>
+                        </a:spcAft>
+                      </a:pPr>
+                      <a:r>
+                        <a:rPr lang="en-US" altLang="zh-CN" sz="1200">
+                          <a:latin typeface="Times New Roman" panose="02020603050405020304"/>
+                          <a:ea typeface="Times New Roman" panose="02020603050405020304"/>
+                        </a:rPr>
+                        <a:t>Precision</a:t>
+                      </a:r>
+                      <a:endParaRPr lang="en-US" altLang="zh-CN" sz="1200">
+                        <a:latin typeface="Times New Roman" panose="02020603050405020304"/>
+                        <a:ea typeface="Times New Roman" panose="02020603050405020304"/>
+                      </a:endParaRPr>
+                    </a:p>
+                  </a:txBody>
+                  <a:tcPr marL="68580" marR="68580" marT="0" marB="0" anchor="ctr" anchorCtr="0">
+                    <a:lnL>
+                      <a:noFill/>
+                    </a:lnL>
+                    <a:lnR>
+                      <a:noFill/>
+                    </a:lnR>
+                    <a:lnT>
+                      <a:noFill/>
+                    </a:lnT>
+                    <a:lnB>
+                      <a:noFill/>
+                    </a:lnB>
+                    <a:noFill/>
+                  </a:tcPr>
+                </a:tc>
+                <a:tc>
+                  <a:txBody>
+                    <a:bodyPr/>
+                    <a:p>
+                      <a:pPr marL="0" indent="0">
+                        <a:spcBef>
+                          <a:spcPct val="0"/>
+                        </a:spcBef>
+                        <a:spcAft>
+                          <a:spcPct val="0"/>
+                        </a:spcAft>
+                      </a:pPr>
+                      <a:r>
+                        <a:rPr lang="en-US" altLang="zh-CN" sz="1200">
+                          <a:latin typeface="Times New Roman" panose="02020603050405020304"/>
+                          <a:ea typeface="Times New Roman" panose="02020603050405020304"/>
+                        </a:rPr>
+                        <a:t>-</a:t>
+                      </a:r>
+                      <a:endParaRPr lang="en-US" altLang="zh-CN" sz="1200">
+                        <a:latin typeface="Times New Roman" panose="02020603050405020304"/>
+                        <a:ea typeface="Times New Roman" panose="02020603050405020304"/>
+                      </a:endParaRPr>
+                    </a:p>
+                  </a:txBody>
+                  <a:tcPr marL="68580" marR="68580" marT="0" marB="0" anchor="ctr" anchorCtr="0">
+                    <a:lnL>
+                      <a:noFill/>
+                    </a:lnL>
+                    <a:lnR>
+                      <a:noFill/>
+                    </a:lnR>
+                    <a:lnT>
+                      <a:noFill/>
+                    </a:lnT>
+                    <a:lnB>
+                      <a:noFill/>
+                    </a:lnB>
+                    <a:noFill/>
+                  </a:tcPr>
+                </a:tc>
+                <a:tc>
+                  <a:txBody>
+                    <a:bodyPr/>
+                    <a:p>
+                      <a:pPr marL="0" indent="0">
+                        <a:spcBef>
+                          <a:spcPct val="0"/>
+                        </a:spcBef>
+                        <a:spcAft>
+                          <a:spcPct val="0"/>
+                        </a:spcAft>
+                      </a:pPr>
+                      <a:r>
+                        <a:rPr lang="en-US" altLang="zh-CN" sz="1200">
+                          <a:latin typeface="Times New Roman" panose="02020603050405020304"/>
+                          <a:ea typeface="Times New Roman" panose="02020603050405020304"/>
+                        </a:rPr>
+                        <a:t>16</a:t>
+                      </a:r>
+                      <a:r>
+                        <a:rPr lang="en-US" altLang="zh-CN" sz="1200">
+                          <a:latin typeface="Times New Roman" panose="02020603050405020304"/>
+                          <a:ea typeface="Times New Roman" panose="02020603050405020304"/>
+                        </a:rPr>
+                        <a:t>.</a:t>
+                      </a:r>
+                      <a:r>
+                        <a:rPr lang="en-US" altLang="zh-CN" sz="1200">
+                          <a:latin typeface="Times New Roman" panose="02020603050405020304"/>
+                          <a:ea typeface="Times New Roman" panose="02020603050405020304"/>
+                        </a:rPr>
+                        <a:t>04</a:t>
+                      </a:r>
+                      <a:r>
+                        <a:rPr lang="en-US" altLang="zh-CN" sz="1200">
+                          <a:latin typeface="Times New Roman" panose="02020603050405020304"/>
+                          <a:ea typeface="Times New Roman" panose="02020603050405020304"/>
+                        </a:rPr>
+                        <a:t>%</a:t>
+                      </a:r>
+                      <a:endParaRPr lang="en-US" altLang="zh-CN" sz="1200">
+                        <a:latin typeface="Times New Roman" panose="02020603050405020304"/>
+                        <a:ea typeface="Times New Roman" panose="02020603050405020304"/>
+                      </a:endParaRPr>
+                    </a:p>
+                  </a:txBody>
+                  <a:tcPr marL="68580" marR="68580" marT="0" marB="0" anchor="ctr" anchorCtr="0">
+                    <a:lnL>
+                      <a:noFill/>
+                    </a:lnL>
+                    <a:lnR>
+                      <a:noFill/>
+                    </a:lnR>
+                    <a:lnT>
+                      <a:noFill/>
+                    </a:lnT>
+                    <a:lnB>
+                      <a:noFill/>
+                    </a:lnB>
+                    <a:noFill/>
+                  </a:tcPr>
+                </a:tc>
+                <a:tc>
+                  <a:txBody>
+                    <a:bodyPr/>
+                    <a:p>
+                      <a:pPr marL="0" indent="0">
+                        <a:spcBef>
+                          <a:spcPct val="0"/>
+                        </a:spcBef>
+                        <a:spcAft>
+                          <a:spcPct val="0"/>
+                        </a:spcAft>
+                      </a:pPr>
+                      <a:r>
+                        <a:rPr lang="en-US" altLang="zh-CN" sz="1200">
+                          <a:latin typeface="Times New Roman" panose="02020603050405020304"/>
+                          <a:ea typeface="Times New Roman" panose="02020603050405020304"/>
+                        </a:rPr>
+                        <a:t>14</a:t>
+                      </a:r>
+                      <a:r>
+                        <a:rPr lang="en-US" altLang="zh-CN" sz="1200">
+                          <a:latin typeface="Times New Roman" panose="02020603050405020304"/>
+                          <a:ea typeface="Times New Roman" panose="02020603050405020304"/>
+                        </a:rPr>
+                        <a:t>.</a:t>
+                      </a:r>
+                      <a:r>
+                        <a:rPr lang="en-US" altLang="zh-CN" sz="1200">
+                          <a:latin typeface="Times New Roman" panose="02020603050405020304"/>
+                          <a:ea typeface="Times New Roman" panose="02020603050405020304"/>
+                        </a:rPr>
+                        <a:t>54</a:t>
+                      </a:r>
+                      <a:r>
+                        <a:rPr lang="en-US" altLang="zh-CN" sz="1200">
+                          <a:latin typeface="Times New Roman" panose="02020603050405020304"/>
+                          <a:ea typeface="Times New Roman" panose="02020603050405020304"/>
+                        </a:rPr>
+                        <a:t>%</a:t>
+                      </a:r>
+                      <a:endParaRPr lang="en-US" altLang="zh-CN" sz="1200">
+                        <a:latin typeface="Times New Roman" panose="02020603050405020304"/>
+                        <a:ea typeface="Times New Roman" panose="02020603050405020304"/>
+                      </a:endParaRPr>
+                    </a:p>
+                  </a:txBody>
+                  <a:tcPr marL="68580" marR="68580" marT="0" marB="0" anchor="ctr" anchorCtr="0">
+                    <a:lnL>
+                      <a:noFill/>
+                    </a:lnL>
+                    <a:lnR>
+                      <a:noFill/>
+                    </a:lnR>
+                    <a:lnT>
+                      <a:noFill/>
+                    </a:lnT>
+                    <a:lnB>
+                      <a:noFill/>
+                    </a:lnB>
+                    <a:noFill/>
+                  </a:tcPr>
+                </a:tc>
+              </a:tr>
+              <a:tr h="355600">
+                <a:tc>
+                  <a:txBody>
+                    <a:bodyPr/>
+                    <a:p>
+                      <a:pPr marL="0" indent="0">
+                        <a:spcBef>
+                          <a:spcPct val="0"/>
+                        </a:spcBef>
+                        <a:spcAft>
+                          <a:spcPct val="0"/>
+                        </a:spcAft>
+                      </a:pPr>
+                      <a:r>
+                        <a:rPr lang="en-US" altLang="zh-CN" sz="1200">
+                          <a:latin typeface="Times New Roman" panose="02020603050405020304"/>
+                          <a:ea typeface="Times New Roman" panose="02020603050405020304"/>
+                        </a:rPr>
+                        <a:t>Recall</a:t>
+                      </a:r>
+                      <a:endParaRPr lang="en-US" altLang="zh-CN" sz="1200">
+                        <a:latin typeface="Times New Roman" panose="02020603050405020304"/>
+                        <a:ea typeface="Times New Roman" panose="02020603050405020304"/>
+                      </a:endParaRPr>
+                    </a:p>
+                  </a:txBody>
+                  <a:tcPr marL="68580" marR="68580" marT="0" marB="0" anchor="ctr" anchorCtr="0">
+                    <a:lnL>
+                      <a:noFill/>
+                    </a:lnL>
+                    <a:lnR>
+                      <a:noFill/>
+                    </a:lnR>
+                    <a:lnT>
+                      <a:noFill/>
+                    </a:lnT>
+                    <a:lnB>
+                      <a:noFill/>
+                    </a:lnB>
+                    <a:noFill/>
+                  </a:tcPr>
+                </a:tc>
+                <a:tc>
+                  <a:txBody>
+                    <a:bodyPr/>
+                    <a:p>
+                      <a:pPr marL="0" indent="0">
+                        <a:spcBef>
+                          <a:spcPct val="0"/>
+                        </a:spcBef>
+                        <a:spcAft>
+                          <a:spcPct val="0"/>
+                        </a:spcAft>
+                      </a:pPr>
+                      <a:r>
+                        <a:rPr lang="en-US" altLang="zh-CN" sz="1200">
+                          <a:latin typeface="Times New Roman" panose="02020603050405020304"/>
+                          <a:ea typeface="Times New Roman" panose="02020603050405020304"/>
+                        </a:rPr>
+                        <a:t>-</a:t>
+                      </a:r>
+                      <a:endParaRPr lang="en-US" altLang="zh-CN" sz="1200">
+                        <a:latin typeface="Times New Roman" panose="02020603050405020304"/>
+                        <a:ea typeface="Times New Roman" panose="02020603050405020304"/>
+                      </a:endParaRPr>
+                    </a:p>
+                  </a:txBody>
+                  <a:tcPr marL="68580" marR="68580" marT="0" marB="0" anchor="ctr" anchorCtr="0">
+                    <a:lnL>
+                      <a:noFill/>
+                    </a:lnL>
+                    <a:lnR>
+                      <a:noFill/>
+                    </a:lnR>
+                    <a:lnT>
+                      <a:noFill/>
+                    </a:lnT>
+                    <a:lnB>
+                      <a:noFill/>
+                    </a:lnB>
+                    <a:noFill/>
+                  </a:tcPr>
+                </a:tc>
+                <a:tc>
+                  <a:txBody>
+                    <a:bodyPr/>
+                    <a:p>
+                      <a:pPr marL="0" indent="0">
+                        <a:spcBef>
+                          <a:spcPct val="0"/>
+                        </a:spcBef>
+                        <a:spcAft>
+                          <a:spcPct val="0"/>
+                        </a:spcAft>
+                      </a:pPr>
+                      <a:r>
+                        <a:rPr lang="en-US" altLang="zh-CN" sz="1200">
+                          <a:latin typeface="Times New Roman" panose="02020603050405020304"/>
+                          <a:ea typeface="Times New Roman" panose="02020603050405020304"/>
+                        </a:rPr>
+                        <a:t>-</a:t>
+                      </a:r>
+                      <a:endParaRPr lang="en-US" altLang="zh-CN" sz="1200">
+                        <a:latin typeface="Times New Roman" panose="02020603050405020304"/>
+                        <a:ea typeface="Times New Roman" panose="02020603050405020304"/>
+                      </a:endParaRPr>
+                    </a:p>
+                  </a:txBody>
+                  <a:tcPr marL="68580" marR="68580" marT="0" marB="0" anchor="ctr" anchorCtr="0">
+                    <a:lnL>
+                      <a:noFill/>
+                    </a:lnL>
+                    <a:lnR>
+                      <a:noFill/>
+                    </a:lnR>
+                    <a:lnT>
+                      <a:noFill/>
+                    </a:lnT>
+                    <a:lnB>
+                      <a:noFill/>
+                    </a:lnB>
+                    <a:noFill/>
+                  </a:tcPr>
+                </a:tc>
+                <a:tc>
+                  <a:txBody>
+                    <a:bodyPr/>
+                    <a:p>
+                      <a:pPr marL="0" indent="0">
+                        <a:spcBef>
+                          <a:spcPct val="0"/>
+                        </a:spcBef>
+                        <a:spcAft>
+                          <a:spcPct val="0"/>
+                        </a:spcAft>
+                      </a:pPr>
+                      <a:r>
+                        <a:rPr lang="en-US" altLang="zh-CN" sz="1200">
+                          <a:latin typeface="Times New Roman" panose="02020603050405020304"/>
+                          <a:ea typeface="Times New Roman" panose="02020603050405020304"/>
+                        </a:rPr>
+                        <a:t>13</a:t>
+                      </a:r>
+                      <a:r>
+                        <a:rPr lang="en-US" altLang="zh-CN" sz="1200">
+                          <a:latin typeface="Times New Roman" panose="02020603050405020304"/>
+                          <a:ea typeface="Times New Roman" panose="02020603050405020304"/>
+                        </a:rPr>
+                        <a:t>.</a:t>
+                      </a:r>
+                      <a:r>
+                        <a:rPr lang="en-US" altLang="zh-CN" sz="1200">
+                          <a:latin typeface="Times New Roman" panose="02020603050405020304"/>
+                          <a:ea typeface="Times New Roman" panose="02020603050405020304"/>
+                        </a:rPr>
+                        <a:t>27</a:t>
+                      </a:r>
+                      <a:r>
+                        <a:rPr lang="en-US" altLang="zh-CN" sz="1200">
+                          <a:latin typeface="Times New Roman" panose="02020603050405020304"/>
+                          <a:ea typeface="Times New Roman" panose="02020603050405020304"/>
+                        </a:rPr>
+                        <a:t>%</a:t>
+                      </a:r>
+                      <a:endParaRPr lang="en-US" altLang="zh-CN" sz="1200">
+                        <a:latin typeface="Times New Roman" panose="02020603050405020304"/>
+                        <a:ea typeface="Times New Roman" panose="02020603050405020304"/>
+                      </a:endParaRPr>
+                    </a:p>
+                  </a:txBody>
+                  <a:tcPr marL="68580" marR="68580" marT="0" marB="0" anchor="ctr" anchorCtr="0">
+                    <a:lnL>
+                      <a:noFill/>
+                    </a:lnL>
+                    <a:lnR>
+                      <a:noFill/>
+                    </a:lnR>
+                    <a:lnT>
+                      <a:noFill/>
+                    </a:lnT>
+                    <a:lnB>
+                      <a:noFill/>
+                    </a:lnB>
+                    <a:noFill/>
+                  </a:tcPr>
+                </a:tc>
+              </a:tr>
+              <a:tr h="363855">
+                <a:tc>
+                  <a:txBody>
+                    <a:bodyPr/>
+                    <a:p>
+                      <a:pPr marL="0" indent="0">
+                        <a:spcBef>
+                          <a:spcPct val="0"/>
+                        </a:spcBef>
+                        <a:spcAft>
+                          <a:spcPct val="0"/>
+                        </a:spcAft>
+                      </a:pPr>
+                      <a:r>
+                        <a:rPr lang="en-US" altLang="zh-CN" sz="1200">
+                          <a:latin typeface="Times New Roman" panose="02020603050405020304"/>
+                          <a:ea typeface="Times New Roman" panose="02020603050405020304"/>
+                        </a:rPr>
+                        <a:t>Loss</a:t>
+                      </a:r>
+                      <a:endParaRPr lang="en-US" altLang="zh-CN" sz="1200">
+                        <a:latin typeface="Times New Roman" panose="02020603050405020304"/>
+                        <a:ea typeface="Times New Roman" panose="02020603050405020304"/>
+                      </a:endParaRPr>
+                    </a:p>
+                  </a:txBody>
+                  <a:tcPr marL="68580" marR="68580" marT="0" marB="0" anchor="ctr" anchorCtr="0">
+                    <a:lnL>
+                      <a:noFill/>
+                    </a:lnL>
+                    <a:lnR>
+                      <a:noFill/>
+                    </a:lnR>
+                    <a:lnT>
+                      <a:noFill/>
+                    </a:lnT>
+                    <a:lnB w="19050" cap="flat" cmpd="sng">
+                      <a:solidFill>
+                        <a:srgbClr val="000008"/>
+                      </a:solidFill>
+                      <a:prstDash val="solid"/>
+                      <a:headEnd type="none" w="med" len="med"/>
+                      <a:tailEnd type="none" w="med" len="med"/>
+                    </a:lnB>
+                    <a:noFill/>
+                  </a:tcPr>
+                </a:tc>
+                <a:tc>
+                  <a:txBody>
+                    <a:bodyPr/>
+                    <a:p>
+                      <a:pPr marL="0" indent="0">
+                        <a:spcBef>
+                          <a:spcPct val="0"/>
+                        </a:spcBef>
+                        <a:spcAft>
+                          <a:spcPct val="0"/>
+                        </a:spcAft>
+                      </a:pPr>
+                      <a:r>
+                        <a:rPr lang="en-US" altLang="zh-CN" sz="1200">
+                          <a:latin typeface="Times New Roman" panose="02020603050405020304"/>
+                          <a:ea typeface="Times New Roman" panose="02020603050405020304"/>
+                        </a:rPr>
+                        <a:t>0.6623</a:t>
+                      </a:r>
+                      <a:endParaRPr lang="en-US" altLang="zh-CN" sz="1200">
+                        <a:latin typeface="Times New Roman" panose="02020603050405020304"/>
+                        <a:ea typeface="Times New Roman" panose="02020603050405020304"/>
+                      </a:endParaRPr>
+                    </a:p>
+                  </a:txBody>
+                  <a:tcPr marL="68580" marR="68580" marT="0" marB="0" anchor="ctr" anchorCtr="0">
+                    <a:lnL>
+                      <a:noFill/>
+                    </a:lnL>
+                    <a:lnR>
+                      <a:noFill/>
+                    </a:lnR>
+                    <a:lnT>
+                      <a:noFill/>
+                    </a:lnT>
+                    <a:lnB w="19050" cap="flat" cmpd="sng">
+                      <a:solidFill>
+                        <a:srgbClr val="000008"/>
+                      </a:solidFill>
+                      <a:prstDash val="solid"/>
+                      <a:headEnd type="none" w="med" len="med"/>
+                      <a:tailEnd type="none" w="med" len="med"/>
+                    </a:lnB>
+                    <a:noFill/>
+                  </a:tcPr>
+                </a:tc>
+                <a:tc>
+                  <a:txBody>
+                    <a:bodyPr/>
+                    <a:p>
+                      <a:pPr marL="0" indent="0">
+                        <a:spcBef>
+                          <a:spcPct val="0"/>
+                        </a:spcBef>
+                        <a:spcAft>
+                          <a:spcPct val="0"/>
+                        </a:spcAft>
+                      </a:pPr>
+                      <a:r>
+                        <a:rPr lang="en-US" altLang="zh-CN" sz="1200">
+                          <a:latin typeface="Times New Roman" panose="02020603050405020304"/>
+                          <a:ea typeface="Times New Roman" panose="02020603050405020304"/>
+                        </a:rPr>
+                        <a:t>3.8041</a:t>
+                      </a:r>
+                      <a:endParaRPr lang="en-US" altLang="zh-CN" sz="1200">
+                        <a:latin typeface="Times New Roman" panose="02020603050405020304"/>
+                        <a:ea typeface="Times New Roman" panose="02020603050405020304"/>
+                      </a:endParaRPr>
+                    </a:p>
+                  </a:txBody>
+                  <a:tcPr marL="68580" marR="68580" marT="0" marB="0" anchor="ctr" anchorCtr="0">
+                    <a:lnL>
+                      <a:noFill/>
+                    </a:lnL>
+                    <a:lnR>
+                      <a:noFill/>
+                    </a:lnR>
+                    <a:lnT>
+                      <a:noFill/>
+                    </a:lnT>
+                    <a:lnB w="19050" cap="flat" cmpd="sng">
+                      <a:solidFill>
+                        <a:srgbClr val="000008"/>
+                      </a:solidFill>
+                      <a:prstDash val="solid"/>
+                      <a:headEnd type="none" w="med" len="med"/>
+                      <a:tailEnd type="none" w="med" len="med"/>
+                    </a:lnB>
+                    <a:noFill/>
+                  </a:tcPr>
+                </a:tc>
+                <a:tc>
+                  <a:txBody>
+                    <a:bodyPr/>
+                    <a:p>
+                      <a:pPr marL="0" indent="0">
+                        <a:spcBef>
+                          <a:spcPct val="0"/>
+                        </a:spcBef>
+                        <a:spcAft>
+                          <a:spcPct val="0"/>
+                        </a:spcAft>
+                      </a:pPr>
+                      <a:r>
+                        <a:rPr lang="en-US" altLang="zh-CN" sz="1200">
+                          <a:latin typeface="Times New Roman" panose="02020603050405020304"/>
+                          <a:ea typeface="Times New Roman" panose="02020603050405020304"/>
+                        </a:rPr>
+                        <a:t>-</a:t>
+                      </a:r>
+                      <a:endParaRPr lang="en-US" altLang="zh-CN" sz="1200">
+                        <a:latin typeface="Times New Roman" panose="02020603050405020304"/>
+                        <a:ea typeface="Times New Roman" panose="02020603050405020304"/>
+                      </a:endParaRPr>
+                    </a:p>
+                  </a:txBody>
+                  <a:tcPr marL="68580" marR="68580" marT="0" marB="0" anchor="ctr" anchorCtr="0">
+                    <a:lnL>
+                      <a:noFill/>
+                    </a:lnL>
+                    <a:lnR>
+                      <a:noFill/>
+                    </a:lnR>
+                    <a:lnT>
+                      <a:noFill/>
+                    </a:lnT>
+                    <a:lnB w="19050" cap="flat" cmpd="sng">
+                      <a:solidFill>
+                        <a:srgbClr val="000008"/>
+                      </a:solidFill>
+                      <a:prstDash val="solid"/>
+                      <a:headEnd type="none" w="med" len="med"/>
+                      <a:tailEnd type="none" w="med" len="med"/>
+                    </a:lnB>
+                    <a:noFill/>
+                  </a:tcPr>
+                </a:tc>
+              </a:tr>
+            </a:tbl>
+          </a:graphicData>
+        </a:graphic>
+      </p:graphicFrame>
+      <p:pic>
+        <p:nvPicPr>
+          <p:cNvPr id="9" name="图片 1"/>
+          <p:cNvPicPr>
+            <a:picLocks noChangeAspect="1"/>
+          </p:cNvPicPr>
+          <p:nvPr/>
+        </p:nvPicPr>
+        <p:blipFill>
+          <a:blip r:embed="rId2"/>
+          <a:stretch>
+            <a:fillRect/>
+          </a:stretch>
+        </p:blipFill>
+        <p:spPr>
+          <a:xfrm>
+            <a:off x="2383790" y="3035935"/>
+            <a:ext cx="6496685" cy="1807210"/>
+          </a:xfrm>
+          <a:prstGeom prst="rect">
+            <a:avLst/>
+          </a:prstGeom>
+          <a:noFill/>
+          <a:ln>
+            <a:noFill/>
+          </a:ln>
+        </p:spPr>
+      </p:pic>
+    </p:spTree>
+  </p:cSld>
+  <p:clrMapOvr>
+    <a:masterClrMapping/>
+  </p:clrMapOvr>
+  <p:timing>
+    <p:tnLst>
+      <p:par>
+        <p:cTn id="1" dur="indefinite" restart="never" nodeType="tmRoot"/>
+      </p:par>
+    </p:tnLst>
+  </p:timing>
+</p:sld>
+</file>
+
+<file path=ppt/slides/slide8.xml><?xml version="1.0" encoding="utf-8"?>
+<p:sld xmlns:a="http://schemas.openxmlformats.org/drawingml/2006/main" xmlns:r="http://schemas.openxmlformats.org/officeDocument/2006/relationships" xmlns:p="http://schemas.openxmlformats.org/presentationml/2006/main">
+  <p:cSld>
+    <p:spTree>
+      <p:nvGrpSpPr>
+        <p:cNvPr id="1" name="Shape 77"/>
+        <p:cNvGrpSpPr/>
+        <p:nvPr/>
+      </p:nvGrpSpPr>
+      <p:grpSpPr>
+        <a:xfrm>
+          <a:off x="0" y="0"/>
+          <a:ext cx="0" cy="0"/>
+          <a:chOff x="0" y="0"/>
+          <a:chExt cx="0" cy="0"/>
+        </a:xfrm>
+      </p:grpSpPr>
+      <p:pic>
+        <p:nvPicPr>
+          <p:cNvPr id="78" name="Google Shape;78;p2"/>
+          <p:cNvPicPr preferRelativeResize="0"/>
+          <p:nvPr/>
+        </p:nvPicPr>
+        <p:blipFill rotWithShape="1">
+          <a:blip r:embed="rId1"/>
+          <a:srcRect/>
+          <a:stretch>
+            <a:fillRect/>
+          </a:stretch>
+        </p:blipFill>
+        <p:spPr>
+          <a:xfrm>
+            <a:off x="0" y="0"/>
+            <a:ext cx="9144000" cy="697865"/>
+          </a:xfrm>
+          <a:prstGeom prst="rect">
+            <a:avLst/>
+          </a:prstGeom>
+          <a:noFill/>
+          <a:ln>
+            <a:noFill/>
+          </a:ln>
+        </p:spPr>
+      </p:pic>
+      <p:sp>
+        <p:nvSpPr>
+          <p:cNvPr id="79" name="Google Shape;79;p2"/>
+          <p:cNvSpPr txBox="1">
+            <a:spLocks noGrp="1"/>
+          </p:cNvSpPr>
+          <p:nvPr>
+            <p:ph type="title"/>
+          </p:nvPr>
+        </p:nvSpPr>
+        <p:spPr>
+          <a:xfrm>
+            <a:off x="0" y="-76"/>
+            <a:ext cx="7421963" cy="775252"/>
+          </a:xfrm>
+          <a:prstGeom prst="rect">
+            <a:avLst/>
+          </a:prstGeom>
+          <a:noFill/>
+          <a:ln>
+            <a:noFill/>
+          </a:ln>
+        </p:spPr>
+        <p:txBody>
+          <a:bodyPr spcFirstLastPara="1" wrap="square" lIns="68575" tIns="34275" rIns="68575" bIns="34275" anchor="ctr" anchorCtr="0">
+            <a:normAutofit/>
+          </a:bodyPr>
+          <a:lstStyle/>
+          <a:p>
+            <a:pPr marL="0" lvl="0" indent="0" algn="l" rtl="0">
+              <a:lnSpc>
+                <a:spcPct val="90000"/>
+              </a:lnSpc>
+              <a:spcBef>
+                <a:spcPts val="0"/>
+              </a:spcBef>
+              <a:spcAft>
+                <a:spcPts val="0"/>
+              </a:spcAft>
+              <a:buClr>
+                <a:schemeClr val="dk1"/>
+              </a:buClr>
+              <a:buSzPts val="1400"/>
+              <a:buNone/>
+            </a:pPr>
+            <a:r>
+              <a:rPr lang="en-US" altLang="zh-CN" sz="3600" b="1" dirty="0">
+                <a:solidFill>
+                  <a:schemeClr val="bg1"/>
+                </a:solidFill>
+              </a:rPr>
+              <a:t>Result-baseline </a:t>
+            </a:r>
+            <a:endParaRPr lang="en-US" altLang="zh-CN" sz="3600" b="1" dirty="0">
+              <a:solidFill>
+                <a:schemeClr val="bg1"/>
+              </a:solidFill>
+              <a:ea typeface="宋体" panose="02010600030101010101" pitchFamily="2" charset="-122"/>
+            </a:endParaRPr>
+          </a:p>
+        </p:txBody>
+      </p:sp>
+      <p:pic>
+        <p:nvPicPr>
+          <p:cNvPr id="7" name="图片 3" descr="IMG_256"/>
+          <p:cNvPicPr>
+            <a:picLocks noChangeAspect="1"/>
+          </p:cNvPicPr>
+          <p:nvPr/>
+        </p:nvPicPr>
+        <p:blipFill>
+          <a:blip r:embed="rId2"/>
+          <a:stretch>
+            <a:fillRect/>
+          </a:stretch>
+        </p:blipFill>
+        <p:spPr>
+          <a:xfrm>
+            <a:off x="109855" y="775335"/>
+            <a:ext cx="6553200" cy="2783840"/>
+          </a:xfrm>
+          <a:prstGeom prst="rect">
+            <a:avLst/>
+          </a:prstGeom>
+          <a:noFill/>
+          <a:ln w="9525">
+            <a:noFill/>
+          </a:ln>
+        </p:spPr>
+      </p:pic>
+    </p:spTree>
+  </p:cSld>
+  <p:clrMapOvr>
+    <a:masterClrMapping/>
+  </p:clrMapOvr>
+  <p:timing>
+    <p:tnLst>
+      <p:par>
+        <p:cTn id="1" dur="indefinite" restart="never" nodeType="tmRoot"/>
+      </p:par>
+    </p:tnLst>
+  </p:timing>
+</p:sld>
+</file>
+
+<file path=ppt/slides/slide9.xml><?xml version="1.0" encoding="utf-8"?>
 <p:sld xmlns:a="http://schemas.openxmlformats.org/drawingml/2006/main" xmlns:r="http://schemas.openxmlformats.org/officeDocument/2006/relationships" xmlns:p="http://schemas.openxmlformats.org/presentationml/2006/main">
   <p:cSld>
     <p:spTree>

--- a/Report Dir/WOX7001_assignment2_zouting(24201617).pptx
+++ b/Report Dir/WOX7001_assignment2_zouting(24201617).pptx
@@ -15,20 +15,27 @@
     <p:sldId id="320" r:id="rId8"/>
     <p:sldId id="321" r:id="rId9"/>
     <p:sldId id="322" r:id="rId10"/>
-    <p:sldId id="323" r:id="rId11"/>
-    <p:sldId id="324" r:id="rId12"/>
-    <p:sldId id="296" r:id="rId13"/>
+    <p:sldId id="330" r:id="rId11"/>
+    <p:sldId id="331" r:id="rId12"/>
+    <p:sldId id="323" r:id="rId13"/>
+    <p:sldId id="324" r:id="rId14"/>
+    <p:sldId id="325" r:id="rId15"/>
+    <p:sldId id="326" r:id="rId16"/>
+    <p:sldId id="327" r:id="rId17"/>
+    <p:sldId id="328" r:id="rId18"/>
+    <p:sldId id="329" r:id="rId19"/>
+    <p:sldId id="296" r:id="rId20"/>
   </p:sldIdLst>
   <p:sldSz cx="9144000" cy="5143500" type="screen16x9"/>
   <p:notesSz cx="6858000" cy="9144000"/>
   <p:embeddedFontLst>
     <p:embeddedFont>
       <p:font typeface="Calibri" panose="020F0502020204030204"/>
-      <p:regular r:id="rId17"/>
+      <p:regular r:id="rId24"/>
     </p:embeddedFont>
     <p:embeddedFont>
       <p:font typeface="Arial Unicode MS" panose="020B0604020202020204" charset="-122"/>
-      <p:regular r:id="rId18"/>
+      <p:regular r:id="rId25"/>
     </p:embeddedFont>
   </p:embeddedFontLst>
   <p:defaultTextStyle>
@@ -263,7 +270,7 @@
   <p:extLst>
     <p:ext uri="{EFAFB233-063F-42B5-8137-9DF3F51BA10A}">
       <p15:sldGuideLst xmlns:p15="http://schemas.microsoft.com/office/powerpoint/2012/main">
-        <p15:guide id="1" orient="horz" pos="1556" userDrawn="1">
+        <p15:guide id="1" orient="horz" pos="1521" userDrawn="1">
           <p15:clr>
             <a:srgbClr val="A4A3A4"/>
           </p15:clr>
@@ -978,6 +985,955 @@
 </p:notes>
 </file>
 
+<file path=ppt/notesSlides/notesSlide10.xml><?xml version="1.0" encoding="utf-8"?>
+<p:notes xmlns:a="http://schemas.openxmlformats.org/drawingml/2006/main" xmlns:r="http://schemas.openxmlformats.org/officeDocument/2006/relationships" xmlns:p="http://schemas.openxmlformats.org/presentationml/2006/main" showMasterPhAnim="0" showMasterSp="0">
+  <p:cSld>
+    <p:spTree>
+      <p:nvGrpSpPr>
+        <p:cNvPr id="1" name="Shape 74"/>
+        <p:cNvGrpSpPr/>
+        <p:nvPr/>
+      </p:nvGrpSpPr>
+      <p:grpSpPr>
+        <a:xfrm>
+          <a:off x="0" y="0"/>
+          <a:ext cx="0" cy="0"/>
+          <a:chOff x="0" y="0"/>
+          <a:chExt cx="0" cy="0"/>
+        </a:xfrm>
+      </p:grpSpPr>
+      <p:sp>
+        <p:nvSpPr>
+          <p:cNvPr id="75" name="Google Shape;75;p2:notes"/>
+          <p:cNvSpPr>
+            <a:spLocks noGrp="1" noRot="1" noChangeAspect="1"/>
+          </p:cNvSpPr>
+          <p:nvPr>
+            <p:ph type="sldImg" idx="2"/>
+          </p:nvPr>
+        </p:nvSpPr>
+        <p:spPr>
+          <a:xfrm>
+            <a:off x="381000" y="685800"/>
+            <a:ext cx="6096000" cy="3429000"/>
+          </a:xfrm>
+          <a:custGeom>
+            <a:avLst/>
+            <a:gdLst/>
+            <a:ahLst/>
+            <a:cxnLst/>
+            <a:rect l="l" t="t" r="r" b="b"/>
+            <a:pathLst>
+              <a:path w="120000" h="120000" extrusionOk="0">
+                <a:moveTo>
+                  <a:pt x="0" y="0"/>
+                </a:moveTo>
+                <a:lnTo>
+                  <a:pt x="120000" y="0"/>
+                </a:lnTo>
+                <a:lnTo>
+                  <a:pt x="120000" y="120000"/>
+                </a:lnTo>
+                <a:lnTo>
+                  <a:pt x="0" y="120000"/>
+                </a:lnTo>
+                <a:close/>
+              </a:path>
+            </a:pathLst>
+          </a:custGeom>
+          <a:noFill/>
+          <a:ln w="9525" cap="flat" cmpd="sng">
+            <a:solidFill>
+              <a:srgbClr val="000000"/>
+            </a:solidFill>
+            <a:prstDash val="solid"/>
+            <a:round/>
+            <a:headEnd type="none" w="sm" len="sm"/>
+            <a:tailEnd type="none" w="sm" len="sm"/>
+          </a:ln>
+        </p:spPr>
+      </p:sp>
+      <p:sp>
+        <p:nvSpPr>
+          <p:cNvPr id="76" name="Google Shape;76;p2:notes"/>
+          <p:cNvSpPr txBox="1">
+            <a:spLocks noGrp="1"/>
+          </p:cNvSpPr>
+          <p:nvPr>
+            <p:ph type="body" idx="1"/>
+          </p:nvPr>
+        </p:nvSpPr>
+        <p:spPr>
+          <a:xfrm>
+            <a:off x="685800" y="4343400"/>
+            <a:ext cx="5486400" cy="4114800"/>
+          </a:xfrm>
+          <a:prstGeom prst="rect">
+            <a:avLst/>
+          </a:prstGeom>
+          <a:noFill/>
+          <a:ln>
+            <a:noFill/>
+          </a:ln>
+        </p:spPr>
+        <p:txBody>
+          <a:bodyPr spcFirstLastPara="1" wrap="square" lIns="91425" tIns="91425" rIns="91425" bIns="91425" anchor="t" anchorCtr="0">
+            <a:noAutofit/>
+          </a:bodyPr>
+          <a:lstStyle/>
+          <a:p>
+            <a:pPr marL="457200" lvl="0" indent="-228600" algn="l" rtl="0">
+              <a:lnSpc>
+                <a:spcPct val="100000"/>
+              </a:lnSpc>
+              <a:spcBef>
+                <a:spcPts val="0"/>
+              </a:spcBef>
+              <a:spcAft>
+                <a:spcPts val="0"/>
+              </a:spcAft>
+              <a:buSzPts val="1100"/>
+              <a:buNone/>
+            </a:pPr>
+            <a:r>
+              <a:rPr lang="en-US" altLang="zh-CN" dirty="0" smtClean="0"/>
+              <a:t>we </a:t>
+            </a:r>
+            <a:r>
+              <a:rPr lang="en-US" altLang="zh-CN" dirty="0" smtClean="0"/>
+              <a:t>will address this topic through the following four aspects, and will </a:t>
+            </a:r>
+            <a:r>
+              <a:rPr lang="en-US" altLang="zh-CN" dirty="0" smtClean="0"/>
+              <a:t>discuss several </a:t>
+            </a:r>
+            <a:r>
+              <a:rPr lang="en-US" altLang="zh-CN" dirty="0" smtClean="0"/>
+              <a:t>key questions among them.</a:t>
+            </a:r>
+            <a:endParaRPr lang="en-US" altLang="zh-CN" dirty="0" smtClean="0"/>
+          </a:p>
+        </p:txBody>
+      </p:sp>
+    </p:spTree>
+  </p:cSld>
+  <p:clrMapOvr>
+    <a:masterClrMapping/>
+  </p:clrMapOvr>
+</p:notes>
+</file>
+
+<file path=ppt/notesSlides/notesSlide11.xml><?xml version="1.0" encoding="utf-8"?>
+<p:notes xmlns:a="http://schemas.openxmlformats.org/drawingml/2006/main" xmlns:r="http://schemas.openxmlformats.org/officeDocument/2006/relationships" xmlns:p="http://schemas.openxmlformats.org/presentationml/2006/main" showMasterPhAnim="0" showMasterSp="0">
+  <p:cSld>
+    <p:spTree>
+      <p:nvGrpSpPr>
+        <p:cNvPr id="1" name="Shape 74"/>
+        <p:cNvGrpSpPr/>
+        <p:nvPr/>
+      </p:nvGrpSpPr>
+      <p:grpSpPr>
+        <a:xfrm>
+          <a:off x="0" y="0"/>
+          <a:ext cx="0" cy="0"/>
+          <a:chOff x="0" y="0"/>
+          <a:chExt cx="0" cy="0"/>
+        </a:xfrm>
+      </p:grpSpPr>
+      <p:sp>
+        <p:nvSpPr>
+          <p:cNvPr id="75" name="Google Shape;75;p2:notes"/>
+          <p:cNvSpPr>
+            <a:spLocks noGrp="1" noRot="1" noChangeAspect="1"/>
+          </p:cNvSpPr>
+          <p:nvPr>
+            <p:ph type="sldImg" idx="2"/>
+          </p:nvPr>
+        </p:nvSpPr>
+        <p:spPr>
+          <a:xfrm>
+            <a:off x="381000" y="685800"/>
+            <a:ext cx="6096000" cy="3429000"/>
+          </a:xfrm>
+          <a:custGeom>
+            <a:avLst/>
+            <a:gdLst/>
+            <a:ahLst/>
+            <a:cxnLst/>
+            <a:rect l="l" t="t" r="r" b="b"/>
+            <a:pathLst>
+              <a:path w="120000" h="120000" extrusionOk="0">
+                <a:moveTo>
+                  <a:pt x="0" y="0"/>
+                </a:moveTo>
+                <a:lnTo>
+                  <a:pt x="120000" y="0"/>
+                </a:lnTo>
+                <a:lnTo>
+                  <a:pt x="120000" y="120000"/>
+                </a:lnTo>
+                <a:lnTo>
+                  <a:pt x="0" y="120000"/>
+                </a:lnTo>
+                <a:close/>
+              </a:path>
+            </a:pathLst>
+          </a:custGeom>
+          <a:noFill/>
+          <a:ln w="9525" cap="flat" cmpd="sng">
+            <a:solidFill>
+              <a:srgbClr val="000000"/>
+            </a:solidFill>
+            <a:prstDash val="solid"/>
+            <a:round/>
+            <a:headEnd type="none" w="sm" len="sm"/>
+            <a:tailEnd type="none" w="sm" len="sm"/>
+          </a:ln>
+        </p:spPr>
+      </p:sp>
+      <p:sp>
+        <p:nvSpPr>
+          <p:cNvPr id="76" name="Google Shape;76;p2:notes"/>
+          <p:cNvSpPr txBox="1">
+            <a:spLocks noGrp="1"/>
+          </p:cNvSpPr>
+          <p:nvPr>
+            <p:ph type="body" idx="1"/>
+          </p:nvPr>
+        </p:nvSpPr>
+        <p:spPr>
+          <a:xfrm>
+            <a:off x="685800" y="4343400"/>
+            <a:ext cx="5486400" cy="4114800"/>
+          </a:xfrm>
+          <a:prstGeom prst="rect">
+            <a:avLst/>
+          </a:prstGeom>
+          <a:noFill/>
+          <a:ln>
+            <a:noFill/>
+          </a:ln>
+        </p:spPr>
+        <p:txBody>
+          <a:bodyPr spcFirstLastPara="1" wrap="square" lIns="91425" tIns="91425" rIns="91425" bIns="91425" anchor="t" anchorCtr="0">
+            <a:noAutofit/>
+          </a:bodyPr>
+          <a:lstStyle/>
+          <a:p>
+            <a:pPr marL="457200" lvl="0" indent="-228600" algn="l" rtl="0">
+              <a:lnSpc>
+                <a:spcPct val="100000"/>
+              </a:lnSpc>
+              <a:spcBef>
+                <a:spcPts val="0"/>
+              </a:spcBef>
+              <a:spcAft>
+                <a:spcPts val="0"/>
+              </a:spcAft>
+              <a:buSzPts val="1100"/>
+              <a:buNone/>
+            </a:pPr>
+            <a:r>
+              <a:rPr lang="en-US" altLang="zh-CN" dirty="0" smtClean="0"/>
+              <a:t>we </a:t>
+            </a:r>
+            <a:r>
+              <a:rPr lang="en-US" altLang="zh-CN" dirty="0" smtClean="0"/>
+              <a:t>will address this topic through the following four aspects, and will </a:t>
+            </a:r>
+            <a:r>
+              <a:rPr lang="en-US" altLang="zh-CN" dirty="0" smtClean="0"/>
+              <a:t>discuss several </a:t>
+            </a:r>
+            <a:r>
+              <a:rPr lang="en-US" altLang="zh-CN" dirty="0" smtClean="0"/>
+              <a:t>key questions among them.</a:t>
+            </a:r>
+            <a:endParaRPr lang="en-US" altLang="zh-CN" dirty="0" smtClean="0"/>
+          </a:p>
+        </p:txBody>
+      </p:sp>
+    </p:spTree>
+  </p:cSld>
+  <p:clrMapOvr>
+    <a:masterClrMapping/>
+  </p:clrMapOvr>
+</p:notes>
+</file>
+
+<file path=ppt/notesSlides/notesSlide12.xml><?xml version="1.0" encoding="utf-8"?>
+<p:notes xmlns:a="http://schemas.openxmlformats.org/drawingml/2006/main" xmlns:r="http://schemas.openxmlformats.org/officeDocument/2006/relationships" xmlns:p="http://schemas.openxmlformats.org/presentationml/2006/main" showMasterPhAnim="0" showMasterSp="0">
+  <p:cSld>
+    <p:spTree>
+      <p:nvGrpSpPr>
+        <p:cNvPr id="1" name="Shape 74"/>
+        <p:cNvGrpSpPr/>
+        <p:nvPr/>
+      </p:nvGrpSpPr>
+      <p:grpSpPr>
+        <a:xfrm>
+          <a:off x="0" y="0"/>
+          <a:ext cx="0" cy="0"/>
+          <a:chOff x="0" y="0"/>
+          <a:chExt cx="0" cy="0"/>
+        </a:xfrm>
+      </p:grpSpPr>
+      <p:sp>
+        <p:nvSpPr>
+          <p:cNvPr id="75" name="Google Shape;75;p2:notes"/>
+          <p:cNvSpPr>
+            <a:spLocks noGrp="1" noRot="1" noChangeAspect="1"/>
+          </p:cNvSpPr>
+          <p:nvPr>
+            <p:ph type="sldImg" idx="2"/>
+          </p:nvPr>
+        </p:nvSpPr>
+        <p:spPr>
+          <a:xfrm>
+            <a:off x="381000" y="685800"/>
+            <a:ext cx="6096000" cy="3429000"/>
+          </a:xfrm>
+          <a:custGeom>
+            <a:avLst/>
+            <a:gdLst/>
+            <a:ahLst/>
+            <a:cxnLst/>
+            <a:rect l="l" t="t" r="r" b="b"/>
+            <a:pathLst>
+              <a:path w="120000" h="120000" extrusionOk="0">
+                <a:moveTo>
+                  <a:pt x="0" y="0"/>
+                </a:moveTo>
+                <a:lnTo>
+                  <a:pt x="120000" y="0"/>
+                </a:lnTo>
+                <a:lnTo>
+                  <a:pt x="120000" y="120000"/>
+                </a:lnTo>
+                <a:lnTo>
+                  <a:pt x="0" y="120000"/>
+                </a:lnTo>
+                <a:close/>
+              </a:path>
+            </a:pathLst>
+          </a:custGeom>
+          <a:noFill/>
+          <a:ln w="9525" cap="flat" cmpd="sng">
+            <a:solidFill>
+              <a:srgbClr val="000000"/>
+            </a:solidFill>
+            <a:prstDash val="solid"/>
+            <a:round/>
+            <a:headEnd type="none" w="sm" len="sm"/>
+            <a:tailEnd type="none" w="sm" len="sm"/>
+          </a:ln>
+        </p:spPr>
+      </p:sp>
+      <p:sp>
+        <p:nvSpPr>
+          <p:cNvPr id="76" name="Google Shape;76;p2:notes"/>
+          <p:cNvSpPr txBox="1">
+            <a:spLocks noGrp="1"/>
+          </p:cNvSpPr>
+          <p:nvPr>
+            <p:ph type="body" idx="1"/>
+          </p:nvPr>
+        </p:nvSpPr>
+        <p:spPr>
+          <a:xfrm>
+            <a:off x="685800" y="4343400"/>
+            <a:ext cx="5486400" cy="4114800"/>
+          </a:xfrm>
+          <a:prstGeom prst="rect">
+            <a:avLst/>
+          </a:prstGeom>
+          <a:noFill/>
+          <a:ln>
+            <a:noFill/>
+          </a:ln>
+        </p:spPr>
+        <p:txBody>
+          <a:bodyPr spcFirstLastPara="1" wrap="square" lIns="91425" tIns="91425" rIns="91425" bIns="91425" anchor="t" anchorCtr="0">
+            <a:noAutofit/>
+          </a:bodyPr>
+          <a:lstStyle/>
+          <a:p>
+            <a:pPr marL="457200" lvl="0" indent="-228600" algn="l" rtl="0">
+              <a:lnSpc>
+                <a:spcPct val="100000"/>
+              </a:lnSpc>
+              <a:spcBef>
+                <a:spcPts val="0"/>
+              </a:spcBef>
+              <a:spcAft>
+                <a:spcPts val="0"/>
+              </a:spcAft>
+              <a:buSzPts val="1100"/>
+              <a:buNone/>
+            </a:pPr>
+            <a:r>
+              <a:rPr lang="en-US" altLang="zh-CN" dirty="0" smtClean="0"/>
+              <a:t>we </a:t>
+            </a:r>
+            <a:r>
+              <a:rPr lang="en-US" altLang="zh-CN" dirty="0" smtClean="0"/>
+              <a:t>will address this topic through the following four aspects, and will </a:t>
+            </a:r>
+            <a:r>
+              <a:rPr lang="en-US" altLang="zh-CN" dirty="0" smtClean="0"/>
+              <a:t>discuss several </a:t>
+            </a:r>
+            <a:r>
+              <a:rPr lang="en-US" altLang="zh-CN" dirty="0" smtClean="0"/>
+              <a:t>key questions among them.</a:t>
+            </a:r>
+            <a:endParaRPr lang="en-US" altLang="zh-CN" dirty="0" smtClean="0"/>
+          </a:p>
+        </p:txBody>
+      </p:sp>
+    </p:spTree>
+  </p:cSld>
+  <p:clrMapOvr>
+    <a:masterClrMapping/>
+  </p:clrMapOvr>
+</p:notes>
+</file>
+
+<file path=ppt/notesSlides/notesSlide13.xml><?xml version="1.0" encoding="utf-8"?>
+<p:notes xmlns:a="http://schemas.openxmlformats.org/drawingml/2006/main" xmlns:r="http://schemas.openxmlformats.org/officeDocument/2006/relationships" xmlns:p="http://schemas.openxmlformats.org/presentationml/2006/main" showMasterPhAnim="0" showMasterSp="0">
+  <p:cSld>
+    <p:spTree>
+      <p:nvGrpSpPr>
+        <p:cNvPr id="1" name="Shape 74"/>
+        <p:cNvGrpSpPr/>
+        <p:nvPr/>
+      </p:nvGrpSpPr>
+      <p:grpSpPr>
+        <a:xfrm>
+          <a:off x="0" y="0"/>
+          <a:ext cx="0" cy="0"/>
+          <a:chOff x="0" y="0"/>
+          <a:chExt cx="0" cy="0"/>
+        </a:xfrm>
+      </p:grpSpPr>
+      <p:sp>
+        <p:nvSpPr>
+          <p:cNvPr id="75" name="Google Shape;75;p2:notes"/>
+          <p:cNvSpPr>
+            <a:spLocks noGrp="1" noRot="1" noChangeAspect="1"/>
+          </p:cNvSpPr>
+          <p:nvPr>
+            <p:ph type="sldImg" idx="2"/>
+          </p:nvPr>
+        </p:nvSpPr>
+        <p:spPr>
+          <a:xfrm>
+            <a:off x="381000" y="685800"/>
+            <a:ext cx="6096000" cy="3429000"/>
+          </a:xfrm>
+          <a:custGeom>
+            <a:avLst/>
+            <a:gdLst/>
+            <a:ahLst/>
+            <a:cxnLst/>
+            <a:rect l="l" t="t" r="r" b="b"/>
+            <a:pathLst>
+              <a:path w="120000" h="120000" extrusionOk="0">
+                <a:moveTo>
+                  <a:pt x="0" y="0"/>
+                </a:moveTo>
+                <a:lnTo>
+                  <a:pt x="120000" y="0"/>
+                </a:lnTo>
+                <a:lnTo>
+                  <a:pt x="120000" y="120000"/>
+                </a:lnTo>
+                <a:lnTo>
+                  <a:pt x="0" y="120000"/>
+                </a:lnTo>
+                <a:close/>
+              </a:path>
+            </a:pathLst>
+          </a:custGeom>
+          <a:noFill/>
+          <a:ln w="9525" cap="flat" cmpd="sng">
+            <a:solidFill>
+              <a:srgbClr val="000000"/>
+            </a:solidFill>
+            <a:prstDash val="solid"/>
+            <a:round/>
+            <a:headEnd type="none" w="sm" len="sm"/>
+            <a:tailEnd type="none" w="sm" len="sm"/>
+          </a:ln>
+        </p:spPr>
+      </p:sp>
+      <p:sp>
+        <p:nvSpPr>
+          <p:cNvPr id="76" name="Google Shape;76;p2:notes"/>
+          <p:cNvSpPr txBox="1">
+            <a:spLocks noGrp="1"/>
+          </p:cNvSpPr>
+          <p:nvPr>
+            <p:ph type="body" idx="1"/>
+          </p:nvPr>
+        </p:nvSpPr>
+        <p:spPr>
+          <a:xfrm>
+            <a:off x="685800" y="4343400"/>
+            <a:ext cx="5486400" cy="4114800"/>
+          </a:xfrm>
+          <a:prstGeom prst="rect">
+            <a:avLst/>
+          </a:prstGeom>
+          <a:noFill/>
+          <a:ln>
+            <a:noFill/>
+          </a:ln>
+        </p:spPr>
+        <p:txBody>
+          <a:bodyPr spcFirstLastPara="1" wrap="square" lIns="91425" tIns="91425" rIns="91425" bIns="91425" anchor="t" anchorCtr="0">
+            <a:noAutofit/>
+          </a:bodyPr>
+          <a:lstStyle/>
+          <a:p>
+            <a:pPr marL="457200" lvl="0" indent="-228600" algn="l" rtl="0">
+              <a:lnSpc>
+                <a:spcPct val="100000"/>
+              </a:lnSpc>
+              <a:spcBef>
+                <a:spcPts val="0"/>
+              </a:spcBef>
+              <a:spcAft>
+                <a:spcPts val="0"/>
+              </a:spcAft>
+              <a:buSzPts val="1100"/>
+              <a:buNone/>
+            </a:pPr>
+            <a:r>
+              <a:rPr lang="en-US" altLang="zh-CN" dirty="0" smtClean="0"/>
+              <a:t>we </a:t>
+            </a:r>
+            <a:r>
+              <a:rPr lang="en-US" altLang="zh-CN" dirty="0" smtClean="0"/>
+              <a:t>will address this topic through the following four aspects, and will </a:t>
+            </a:r>
+            <a:r>
+              <a:rPr lang="en-US" altLang="zh-CN" dirty="0" smtClean="0"/>
+              <a:t>discuss several </a:t>
+            </a:r>
+            <a:r>
+              <a:rPr lang="en-US" altLang="zh-CN" dirty="0" smtClean="0"/>
+              <a:t>key questions among them.</a:t>
+            </a:r>
+            <a:endParaRPr lang="en-US" altLang="zh-CN" dirty="0" smtClean="0"/>
+          </a:p>
+        </p:txBody>
+      </p:sp>
+    </p:spTree>
+  </p:cSld>
+  <p:clrMapOvr>
+    <a:masterClrMapping/>
+  </p:clrMapOvr>
+</p:notes>
+</file>
+
+<file path=ppt/notesSlides/notesSlide14.xml><?xml version="1.0" encoding="utf-8"?>
+<p:notes xmlns:a="http://schemas.openxmlformats.org/drawingml/2006/main" xmlns:r="http://schemas.openxmlformats.org/officeDocument/2006/relationships" xmlns:p="http://schemas.openxmlformats.org/presentationml/2006/main" showMasterPhAnim="0" showMasterSp="0">
+  <p:cSld>
+    <p:spTree>
+      <p:nvGrpSpPr>
+        <p:cNvPr id="1" name="Shape 74"/>
+        <p:cNvGrpSpPr/>
+        <p:nvPr/>
+      </p:nvGrpSpPr>
+      <p:grpSpPr>
+        <a:xfrm>
+          <a:off x="0" y="0"/>
+          <a:ext cx="0" cy="0"/>
+          <a:chOff x="0" y="0"/>
+          <a:chExt cx="0" cy="0"/>
+        </a:xfrm>
+      </p:grpSpPr>
+      <p:sp>
+        <p:nvSpPr>
+          <p:cNvPr id="75" name="Google Shape;75;p2:notes"/>
+          <p:cNvSpPr>
+            <a:spLocks noGrp="1" noRot="1" noChangeAspect="1"/>
+          </p:cNvSpPr>
+          <p:nvPr>
+            <p:ph type="sldImg" idx="2"/>
+          </p:nvPr>
+        </p:nvSpPr>
+        <p:spPr>
+          <a:xfrm>
+            <a:off x="381000" y="685800"/>
+            <a:ext cx="6096000" cy="3429000"/>
+          </a:xfrm>
+          <a:custGeom>
+            <a:avLst/>
+            <a:gdLst/>
+            <a:ahLst/>
+            <a:cxnLst/>
+            <a:rect l="l" t="t" r="r" b="b"/>
+            <a:pathLst>
+              <a:path w="120000" h="120000" extrusionOk="0">
+                <a:moveTo>
+                  <a:pt x="0" y="0"/>
+                </a:moveTo>
+                <a:lnTo>
+                  <a:pt x="120000" y="0"/>
+                </a:lnTo>
+                <a:lnTo>
+                  <a:pt x="120000" y="120000"/>
+                </a:lnTo>
+                <a:lnTo>
+                  <a:pt x="0" y="120000"/>
+                </a:lnTo>
+                <a:close/>
+              </a:path>
+            </a:pathLst>
+          </a:custGeom>
+          <a:noFill/>
+          <a:ln w="9525" cap="flat" cmpd="sng">
+            <a:solidFill>
+              <a:srgbClr val="000000"/>
+            </a:solidFill>
+            <a:prstDash val="solid"/>
+            <a:round/>
+            <a:headEnd type="none" w="sm" len="sm"/>
+            <a:tailEnd type="none" w="sm" len="sm"/>
+          </a:ln>
+        </p:spPr>
+      </p:sp>
+      <p:sp>
+        <p:nvSpPr>
+          <p:cNvPr id="76" name="Google Shape;76;p2:notes"/>
+          <p:cNvSpPr txBox="1">
+            <a:spLocks noGrp="1"/>
+          </p:cNvSpPr>
+          <p:nvPr>
+            <p:ph type="body" idx="1"/>
+          </p:nvPr>
+        </p:nvSpPr>
+        <p:spPr>
+          <a:xfrm>
+            <a:off x="685800" y="4343400"/>
+            <a:ext cx="5486400" cy="4114800"/>
+          </a:xfrm>
+          <a:prstGeom prst="rect">
+            <a:avLst/>
+          </a:prstGeom>
+          <a:noFill/>
+          <a:ln>
+            <a:noFill/>
+          </a:ln>
+        </p:spPr>
+        <p:txBody>
+          <a:bodyPr spcFirstLastPara="1" wrap="square" lIns="91425" tIns="91425" rIns="91425" bIns="91425" anchor="t" anchorCtr="0">
+            <a:noAutofit/>
+          </a:bodyPr>
+          <a:lstStyle/>
+          <a:p>
+            <a:pPr marL="457200" lvl="0" indent="-228600" algn="l" rtl="0">
+              <a:lnSpc>
+                <a:spcPct val="100000"/>
+              </a:lnSpc>
+              <a:spcBef>
+                <a:spcPts val="0"/>
+              </a:spcBef>
+              <a:spcAft>
+                <a:spcPts val="0"/>
+              </a:spcAft>
+              <a:buSzPts val="1100"/>
+              <a:buNone/>
+            </a:pPr>
+            <a:r>
+              <a:rPr lang="en-US" altLang="zh-CN" dirty="0" smtClean="0"/>
+              <a:t>we </a:t>
+            </a:r>
+            <a:r>
+              <a:rPr lang="en-US" altLang="zh-CN" dirty="0" smtClean="0"/>
+              <a:t>will address this topic through the following four aspects, and will </a:t>
+            </a:r>
+            <a:r>
+              <a:rPr lang="en-US" altLang="zh-CN" dirty="0" smtClean="0"/>
+              <a:t>discuss several </a:t>
+            </a:r>
+            <a:r>
+              <a:rPr lang="en-US" altLang="zh-CN" dirty="0" smtClean="0"/>
+              <a:t>key questions among them.</a:t>
+            </a:r>
+            <a:endParaRPr lang="en-US" altLang="zh-CN" dirty="0" smtClean="0"/>
+          </a:p>
+        </p:txBody>
+      </p:sp>
+    </p:spTree>
+  </p:cSld>
+  <p:clrMapOvr>
+    <a:masterClrMapping/>
+  </p:clrMapOvr>
+</p:notes>
+</file>
+
+<file path=ppt/notesSlides/notesSlide15.xml><?xml version="1.0" encoding="utf-8"?>
+<p:notes xmlns:a="http://schemas.openxmlformats.org/drawingml/2006/main" xmlns:r="http://schemas.openxmlformats.org/officeDocument/2006/relationships" xmlns:p="http://schemas.openxmlformats.org/presentationml/2006/main" showMasterPhAnim="0" showMasterSp="0">
+  <p:cSld>
+    <p:spTree>
+      <p:nvGrpSpPr>
+        <p:cNvPr id="1" name="Shape 74"/>
+        <p:cNvGrpSpPr/>
+        <p:nvPr/>
+      </p:nvGrpSpPr>
+      <p:grpSpPr>
+        <a:xfrm>
+          <a:off x="0" y="0"/>
+          <a:ext cx="0" cy="0"/>
+          <a:chOff x="0" y="0"/>
+          <a:chExt cx="0" cy="0"/>
+        </a:xfrm>
+      </p:grpSpPr>
+      <p:sp>
+        <p:nvSpPr>
+          <p:cNvPr id="75" name="Google Shape;75;p2:notes"/>
+          <p:cNvSpPr>
+            <a:spLocks noGrp="1" noRot="1" noChangeAspect="1"/>
+          </p:cNvSpPr>
+          <p:nvPr>
+            <p:ph type="sldImg" idx="2"/>
+          </p:nvPr>
+        </p:nvSpPr>
+        <p:spPr>
+          <a:xfrm>
+            <a:off x="381000" y="685800"/>
+            <a:ext cx="6096000" cy="3429000"/>
+          </a:xfrm>
+          <a:custGeom>
+            <a:avLst/>
+            <a:gdLst/>
+            <a:ahLst/>
+            <a:cxnLst/>
+            <a:rect l="l" t="t" r="r" b="b"/>
+            <a:pathLst>
+              <a:path w="120000" h="120000" extrusionOk="0">
+                <a:moveTo>
+                  <a:pt x="0" y="0"/>
+                </a:moveTo>
+                <a:lnTo>
+                  <a:pt x="120000" y="0"/>
+                </a:lnTo>
+                <a:lnTo>
+                  <a:pt x="120000" y="120000"/>
+                </a:lnTo>
+                <a:lnTo>
+                  <a:pt x="0" y="120000"/>
+                </a:lnTo>
+                <a:close/>
+              </a:path>
+            </a:pathLst>
+          </a:custGeom>
+          <a:noFill/>
+          <a:ln w="9525" cap="flat" cmpd="sng">
+            <a:solidFill>
+              <a:srgbClr val="000000"/>
+            </a:solidFill>
+            <a:prstDash val="solid"/>
+            <a:round/>
+            <a:headEnd type="none" w="sm" len="sm"/>
+            <a:tailEnd type="none" w="sm" len="sm"/>
+          </a:ln>
+        </p:spPr>
+      </p:sp>
+      <p:sp>
+        <p:nvSpPr>
+          <p:cNvPr id="76" name="Google Shape;76;p2:notes"/>
+          <p:cNvSpPr txBox="1">
+            <a:spLocks noGrp="1"/>
+          </p:cNvSpPr>
+          <p:nvPr>
+            <p:ph type="body" idx="1"/>
+          </p:nvPr>
+        </p:nvSpPr>
+        <p:spPr>
+          <a:xfrm>
+            <a:off x="685800" y="4343400"/>
+            <a:ext cx="5486400" cy="4114800"/>
+          </a:xfrm>
+          <a:prstGeom prst="rect">
+            <a:avLst/>
+          </a:prstGeom>
+          <a:noFill/>
+          <a:ln>
+            <a:noFill/>
+          </a:ln>
+        </p:spPr>
+        <p:txBody>
+          <a:bodyPr spcFirstLastPara="1" wrap="square" lIns="91425" tIns="91425" rIns="91425" bIns="91425" anchor="t" anchorCtr="0">
+            <a:noAutofit/>
+          </a:bodyPr>
+          <a:lstStyle/>
+          <a:p>
+            <a:pPr marL="457200" lvl="0" indent="-228600" algn="l" rtl="0">
+              <a:lnSpc>
+                <a:spcPct val="100000"/>
+              </a:lnSpc>
+              <a:spcBef>
+                <a:spcPts val="0"/>
+              </a:spcBef>
+              <a:spcAft>
+                <a:spcPts val="0"/>
+              </a:spcAft>
+              <a:buSzPts val="1100"/>
+              <a:buNone/>
+            </a:pPr>
+            <a:r>
+              <a:rPr lang="en-US" altLang="zh-CN" dirty="0" smtClean="0"/>
+              <a:t>we </a:t>
+            </a:r>
+            <a:r>
+              <a:rPr lang="en-US" altLang="zh-CN" dirty="0" smtClean="0"/>
+              <a:t>will address this topic through the following four aspects, and will </a:t>
+            </a:r>
+            <a:r>
+              <a:rPr lang="en-US" altLang="zh-CN" dirty="0" smtClean="0"/>
+              <a:t>discuss several </a:t>
+            </a:r>
+            <a:r>
+              <a:rPr lang="en-US" altLang="zh-CN" dirty="0" smtClean="0"/>
+              <a:t>key questions among them.</a:t>
+            </a:r>
+            <a:endParaRPr lang="en-US" altLang="zh-CN" dirty="0" smtClean="0"/>
+          </a:p>
+        </p:txBody>
+      </p:sp>
+    </p:spTree>
+  </p:cSld>
+  <p:clrMapOvr>
+    <a:masterClrMapping/>
+  </p:clrMapOvr>
+</p:notes>
+</file>
+
+<file path=ppt/notesSlides/notesSlide16.xml><?xml version="1.0" encoding="utf-8"?>
+<p:notes xmlns:a="http://schemas.openxmlformats.org/drawingml/2006/main" xmlns:r="http://schemas.openxmlformats.org/officeDocument/2006/relationships" xmlns:p="http://schemas.openxmlformats.org/presentationml/2006/main" showMasterPhAnim="0" showMasterSp="0">
+  <p:cSld>
+    <p:spTree>
+      <p:nvGrpSpPr>
+        <p:cNvPr id="1" name="Shape 66"/>
+        <p:cNvGrpSpPr/>
+        <p:nvPr/>
+      </p:nvGrpSpPr>
+      <p:grpSpPr>
+        <a:xfrm>
+          <a:off x="0" y="0"/>
+          <a:ext cx="0" cy="0"/>
+          <a:chOff x="0" y="0"/>
+          <a:chExt cx="0" cy="0"/>
+        </a:xfrm>
+      </p:grpSpPr>
+      <p:sp>
+        <p:nvSpPr>
+          <p:cNvPr id="67" name="Google Shape;67;p1:notes"/>
+          <p:cNvSpPr txBox="1">
+            <a:spLocks noGrp="1"/>
+          </p:cNvSpPr>
+          <p:nvPr>
+            <p:ph type="body" idx="1"/>
+          </p:nvPr>
+        </p:nvSpPr>
+        <p:spPr>
+          <a:xfrm>
+            <a:off x="685800" y="4400550"/>
+            <a:ext cx="5486400" cy="3600600"/>
+          </a:xfrm>
+          <a:prstGeom prst="rect">
+            <a:avLst/>
+          </a:prstGeom>
+          <a:noFill/>
+          <a:ln>
+            <a:noFill/>
+          </a:ln>
+        </p:spPr>
+        <p:txBody>
+          <a:bodyPr spcFirstLastPara="1" wrap="square" lIns="91425" tIns="91425" rIns="91425" bIns="91425" anchor="t" anchorCtr="0">
+            <a:noAutofit/>
+          </a:bodyPr>
+          <a:lstStyle/>
+          <a:p>
+            <a:pPr marL="0" lvl="0" indent="0" algn="l" rtl="0">
+              <a:lnSpc>
+                <a:spcPct val="100000"/>
+              </a:lnSpc>
+              <a:spcBef>
+                <a:spcPts val="0"/>
+              </a:spcBef>
+              <a:spcAft>
+                <a:spcPts val="0"/>
+              </a:spcAft>
+              <a:buSzPts val="1100"/>
+              <a:buNone/>
+            </a:pPr>
+          </a:p>
+        </p:txBody>
+      </p:sp>
+      <p:sp>
+        <p:nvSpPr>
+          <p:cNvPr id="68" name="Google Shape;68;p1:notes"/>
+          <p:cNvSpPr>
+            <a:spLocks noGrp="1" noRot="1" noChangeAspect="1"/>
+          </p:cNvSpPr>
+          <p:nvPr>
+            <p:ph type="sldImg" idx="2"/>
+          </p:nvPr>
+        </p:nvSpPr>
+        <p:spPr>
+          <a:xfrm>
+            <a:off x="685800" y="1143000"/>
+            <a:ext cx="5486400" cy="3086100"/>
+          </a:xfrm>
+          <a:custGeom>
+            <a:avLst/>
+            <a:gdLst/>
+            <a:ahLst/>
+            <a:cxnLst/>
+            <a:rect l="l" t="t" r="r" b="b"/>
+            <a:pathLst>
+              <a:path w="120000" h="120000" extrusionOk="0">
+                <a:moveTo>
+                  <a:pt x="0" y="0"/>
+                </a:moveTo>
+                <a:lnTo>
+                  <a:pt x="120000" y="0"/>
+                </a:lnTo>
+                <a:lnTo>
+                  <a:pt x="120000" y="120000"/>
+                </a:lnTo>
+                <a:lnTo>
+                  <a:pt x="0" y="120000"/>
+                </a:lnTo>
+                <a:close/>
+              </a:path>
+            </a:pathLst>
+          </a:custGeom>
+          <a:noFill/>
+          <a:ln w="9525" cap="flat" cmpd="sng">
+            <a:solidFill>
+              <a:srgbClr val="000000"/>
+            </a:solidFill>
+            <a:prstDash val="solid"/>
+            <a:round/>
+            <a:headEnd type="none" w="sm" len="sm"/>
+            <a:tailEnd type="none" w="sm" len="sm"/>
+          </a:ln>
+        </p:spPr>
+      </p:sp>
+    </p:spTree>
+  </p:cSld>
+  <p:clrMapOvr>
+    <a:masterClrMapping/>
+  </p:clrMapOvr>
+</p:notes>
+</file>
+
 <file path=ppt/notesSlides/notesSlide2.xml><?xml version="1.0" encoding="utf-8"?>
 <p:notes xmlns:a="http://schemas.openxmlformats.org/drawingml/2006/main" xmlns:r="http://schemas.openxmlformats.org/officeDocument/2006/relationships" xmlns:p="http://schemas.openxmlformats.org/presentationml/2006/main" showMasterPhAnim="0" showMasterSp="0">
   <p:cSld>
@@ -1949,7 +2905,7 @@
   <p:cSld>
     <p:spTree>
       <p:nvGrpSpPr>
-        <p:cNvPr id="1" name="Shape 66"/>
+        <p:cNvPr id="1" name="Shape 74"/>
         <p:cNvGrpSpPr/>
         <p:nvPr/>
       </p:nvGrpSpPr>
@@ -1963,52 +2919,7 @@
       </p:grpSpPr>
       <p:sp>
         <p:nvSpPr>
-          <p:cNvPr id="67" name="Google Shape;67;p1:notes"/>
-          <p:cNvSpPr txBox="1">
-            <a:spLocks noGrp="1"/>
-          </p:cNvSpPr>
-          <p:nvPr>
-            <p:ph type="body" idx="1"/>
-          </p:nvPr>
-        </p:nvSpPr>
-        <p:spPr>
-          <a:xfrm>
-            <a:off x="685800" y="4400550"/>
-            <a:ext cx="5486400" cy="3600600"/>
-          </a:xfrm>
-          <a:prstGeom prst="rect">
-            <a:avLst/>
-          </a:prstGeom>
-          <a:noFill/>
-          <a:ln>
-            <a:noFill/>
-          </a:ln>
-        </p:spPr>
-        <p:txBody>
-          <a:bodyPr spcFirstLastPara="1" wrap="square" lIns="91425" tIns="91425" rIns="91425" bIns="91425" anchor="t" anchorCtr="0">
-            <a:noAutofit/>
-          </a:bodyPr>
-          <a:lstStyle/>
-          <a:p>
-            <a:pPr marL="0" lvl="0" indent="0" algn="l" rtl="0">
-              <a:lnSpc>
-                <a:spcPct val="100000"/>
-              </a:lnSpc>
-              <a:spcBef>
-                <a:spcPts val="0"/>
-              </a:spcBef>
-              <a:spcAft>
-                <a:spcPts val="0"/>
-              </a:spcAft>
-              <a:buSzPts val="1100"/>
-              <a:buNone/>
-            </a:pPr>
-          </a:p>
-        </p:txBody>
-      </p:sp>
-      <p:sp>
-        <p:nvSpPr>
-          <p:cNvPr id="68" name="Google Shape;68;p1:notes"/>
+          <p:cNvPr id="75" name="Google Shape;75;p2:notes"/>
           <p:cNvSpPr>
             <a:spLocks noGrp="1" noRot="1" noChangeAspect="1"/>
           </p:cNvSpPr>
@@ -2018,8 +2929,8 @@
         </p:nvSpPr>
         <p:spPr>
           <a:xfrm>
-            <a:off x="685800" y="1143000"/>
-            <a:ext cx="5486400" cy="3086100"/>
+            <a:off x="381000" y="685800"/>
+            <a:ext cx="6096000" cy="3429000"/>
           </a:xfrm>
           <a:custGeom>
             <a:avLst/>
@@ -2056,6 +2967,68 @@
             <a:tailEnd type="none" w="sm" len="sm"/>
           </a:ln>
         </p:spPr>
+      </p:sp>
+      <p:sp>
+        <p:nvSpPr>
+          <p:cNvPr id="76" name="Google Shape;76;p2:notes"/>
+          <p:cNvSpPr txBox="1">
+            <a:spLocks noGrp="1"/>
+          </p:cNvSpPr>
+          <p:nvPr>
+            <p:ph type="body" idx="1"/>
+          </p:nvPr>
+        </p:nvSpPr>
+        <p:spPr>
+          <a:xfrm>
+            <a:off x="685800" y="4343400"/>
+            <a:ext cx="5486400" cy="4114800"/>
+          </a:xfrm>
+          <a:prstGeom prst="rect">
+            <a:avLst/>
+          </a:prstGeom>
+          <a:noFill/>
+          <a:ln>
+            <a:noFill/>
+          </a:ln>
+        </p:spPr>
+        <p:txBody>
+          <a:bodyPr spcFirstLastPara="1" wrap="square" lIns="91425" tIns="91425" rIns="91425" bIns="91425" anchor="t" anchorCtr="0">
+            <a:noAutofit/>
+          </a:bodyPr>
+          <a:lstStyle/>
+          <a:p>
+            <a:pPr marL="457200" lvl="0" indent="-228600" algn="l" rtl="0">
+              <a:lnSpc>
+                <a:spcPct val="100000"/>
+              </a:lnSpc>
+              <a:spcBef>
+                <a:spcPts val="0"/>
+              </a:spcBef>
+              <a:spcAft>
+                <a:spcPts val="0"/>
+              </a:spcAft>
+              <a:buSzPts val="1100"/>
+              <a:buNone/>
+            </a:pPr>
+            <a:r>
+              <a:rPr lang="en-US" altLang="zh-CN" dirty="0" smtClean="0"/>
+              <a:t>we </a:t>
+            </a:r>
+            <a:r>
+              <a:rPr lang="en-US" altLang="zh-CN" dirty="0" smtClean="0"/>
+              <a:t>will address this topic through the following four aspects, and will </a:t>
+            </a:r>
+            <a:r>
+              <a:rPr lang="en-US" altLang="zh-CN" dirty="0" smtClean="0"/>
+              <a:t>discuss several </a:t>
+            </a:r>
+            <a:r>
+              <a:rPr lang="en-US" altLang="zh-CN" dirty="0" smtClean="0"/>
+              <a:t>key questions among them.</a:t>
+            </a:r>
+            <a:endParaRPr lang="en-US" altLang="zh-CN" dirty="0" smtClean="0"/>
+          </a:p>
+        </p:txBody>
       </p:sp>
     </p:spTree>
   </p:cSld>
@@ -13217,6 +14190,1314 @@
 </p:sld>
 </file>
 
+<file path=ppt/slides/slide10.xml><?xml version="1.0" encoding="utf-8"?>
+<p:sld xmlns:a="http://schemas.openxmlformats.org/drawingml/2006/main" xmlns:r="http://schemas.openxmlformats.org/officeDocument/2006/relationships" xmlns:p="http://schemas.openxmlformats.org/presentationml/2006/main">
+  <p:cSld>
+    <p:spTree>
+      <p:nvGrpSpPr>
+        <p:cNvPr id="1" name="Shape 77"/>
+        <p:cNvGrpSpPr/>
+        <p:nvPr/>
+      </p:nvGrpSpPr>
+      <p:grpSpPr>
+        <a:xfrm>
+          <a:off x="0" y="0"/>
+          <a:ext cx="0" cy="0"/>
+          <a:chOff x="0" y="0"/>
+          <a:chExt cx="0" cy="0"/>
+        </a:xfrm>
+      </p:grpSpPr>
+      <p:pic>
+        <p:nvPicPr>
+          <p:cNvPr id="78" name="Google Shape;78;p2"/>
+          <p:cNvPicPr preferRelativeResize="0"/>
+          <p:nvPr/>
+        </p:nvPicPr>
+        <p:blipFill rotWithShape="1">
+          <a:blip r:embed="rId1"/>
+          <a:srcRect/>
+          <a:stretch>
+            <a:fillRect/>
+          </a:stretch>
+        </p:blipFill>
+        <p:spPr>
+          <a:xfrm>
+            <a:off x="0" y="0"/>
+            <a:ext cx="9144000" cy="697865"/>
+          </a:xfrm>
+          <a:prstGeom prst="rect">
+            <a:avLst/>
+          </a:prstGeom>
+          <a:noFill/>
+          <a:ln>
+            <a:noFill/>
+          </a:ln>
+        </p:spPr>
+      </p:pic>
+      <p:sp>
+        <p:nvSpPr>
+          <p:cNvPr id="79" name="Google Shape;79;p2"/>
+          <p:cNvSpPr txBox="1">
+            <a:spLocks noGrp="1"/>
+          </p:cNvSpPr>
+          <p:nvPr>
+            <p:ph type="title"/>
+          </p:nvPr>
+        </p:nvSpPr>
+        <p:spPr>
+          <a:xfrm>
+            <a:off x="0" y="-76"/>
+            <a:ext cx="7421963" cy="775252"/>
+          </a:xfrm>
+          <a:prstGeom prst="rect">
+            <a:avLst/>
+          </a:prstGeom>
+          <a:noFill/>
+          <a:ln>
+            <a:noFill/>
+          </a:ln>
+        </p:spPr>
+        <p:txBody>
+          <a:bodyPr spcFirstLastPara="1" wrap="square" lIns="68575" tIns="34275" rIns="68575" bIns="34275" anchor="ctr" anchorCtr="0">
+            <a:normAutofit/>
+          </a:bodyPr>
+          <a:lstStyle/>
+          <a:p>
+            <a:pPr marL="0" lvl="0" indent="0" algn="l" rtl="0">
+              <a:lnSpc>
+                <a:spcPct val="90000"/>
+              </a:lnSpc>
+              <a:spcBef>
+                <a:spcPts val="0"/>
+              </a:spcBef>
+              <a:spcAft>
+                <a:spcPts val="0"/>
+              </a:spcAft>
+              <a:buClr>
+                <a:schemeClr val="dk1"/>
+              </a:buClr>
+              <a:buSzPts val="1400"/>
+              <a:buNone/>
+            </a:pPr>
+            <a:r>
+              <a:rPr lang="en-US" altLang="zh-CN" sz="3600" b="1" dirty="0">
+                <a:solidFill>
+                  <a:schemeClr val="bg1"/>
+                </a:solidFill>
+              </a:rPr>
+              <a:t>Result-baseline </a:t>
+            </a:r>
+            <a:endParaRPr lang="en-US" altLang="zh-CN" sz="3600" b="1" dirty="0">
+              <a:solidFill>
+                <a:schemeClr val="bg1"/>
+              </a:solidFill>
+              <a:ea typeface="宋体" panose="02010600030101010101" pitchFamily="2" charset="-122"/>
+            </a:endParaRPr>
+          </a:p>
+        </p:txBody>
+      </p:sp>
+      <p:pic>
+        <p:nvPicPr>
+          <p:cNvPr id="7" name="图片 3" descr="IMG_256"/>
+          <p:cNvPicPr>
+            <a:picLocks noChangeAspect="1"/>
+          </p:cNvPicPr>
+          <p:nvPr/>
+        </p:nvPicPr>
+        <p:blipFill>
+          <a:blip r:embed="rId2"/>
+          <a:stretch>
+            <a:fillRect/>
+          </a:stretch>
+        </p:blipFill>
+        <p:spPr>
+          <a:xfrm>
+            <a:off x="109855" y="775335"/>
+            <a:ext cx="5779135" cy="2454910"/>
+          </a:xfrm>
+          <a:prstGeom prst="rect">
+            <a:avLst/>
+          </a:prstGeom>
+          <a:noFill/>
+          <a:ln w="9525">
+            <a:noFill/>
+          </a:ln>
+        </p:spPr>
+      </p:pic>
+      <p:sp>
+        <p:nvSpPr>
+          <p:cNvPr id="10" name="文本框 9"/>
+          <p:cNvSpPr txBox="1"/>
+          <p:nvPr/>
+        </p:nvSpPr>
+        <p:spPr>
+          <a:xfrm>
+            <a:off x="4013835" y="895350"/>
+            <a:ext cx="4855845" cy="521970"/>
+          </a:xfrm>
+          <a:prstGeom prst="rect">
+            <a:avLst/>
+          </a:prstGeom>
+          <a:solidFill>
+            <a:schemeClr val="accent3">
+              <a:lumMod val="75000"/>
+            </a:schemeClr>
+          </a:solidFill>
+        </p:spPr>
+        <p:txBody>
+          <a:bodyPr wrap="square" rtlCol="0" anchor="t">
+            <a:spAutoFit/>
+          </a:bodyPr>
+          <a:p>
+            <a:r>
+              <a:rPr lang="en-US" altLang="zh-CN" sz="2800" b="1">
+                <a:solidFill>
+                  <a:schemeClr val="bg1"/>
+                </a:solidFill>
+              </a:rPr>
+              <a:t>CLOSED questiosn </a:t>
+            </a:r>
+            <a:r>
+              <a:rPr lang="en-US" altLang="zh-CN" sz="2800" b="1">
+                <a:solidFill>
+                  <a:schemeClr val="bg1"/>
+                </a:solidFill>
+                <a:sym typeface="+mn-ea"/>
+              </a:rPr>
+              <a:t>better </a:t>
+            </a:r>
+            <a:endParaRPr lang="en-US" altLang="zh-CN" sz="2800" b="1">
+              <a:solidFill>
+                <a:schemeClr val="bg1"/>
+              </a:solidFill>
+            </a:endParaRPr>
+          </a:p>
+        </p:txBody>
+      </p:sp>
+      <p:cxnSp>
+        <p:nvCxnSpPr>
+          <p:cNvPr id="3" name="直接箭头连接符 2"/>
+          <p:cNvCxnSpPr/>
+          <p:nvPr/>
+        </p:nvCxnSpPr>
+        <p:spPr>
+          <a:xfrm flipH="1">
+            <a:off x="1139190" y="1266190"/>
+            <a:ext cx="379730" cy="676910"/>
+          </a:xfrm>
+          <a:prstGeom prst="straightConnector1">
+            <a:avLst/>
+          </a:prstGeom>
+          <a:ln>
+            <a:solidFill>
+              <a:schemeClr val="accent3">
+                <a:lumMod val="75000"/>
+              </a:schemeClr>
+            </a:solidFill>
+            <a:tailEnd type="arrow" w="med" len="med"/>
+          </a:ln>
+        </p:spPr>
+        <p:style>
+          <a:lnRef idx="3">
+            <a:schemeClr val="accent1"/>
+          </a:lnRef>
+          <a:fillRef idx="0">
+            <a:srgbClr val="FFFFFF"/>
+          </a:fillRef>
+          <a:effectRef idx="0">
+            <a:srgbClr val="FFFFFF"/>
+          </a:effectRef>
+          <a:fontRef idx="minor">
+            <a:schemeClr val="tx1"/>
+          </a:fontRef>
+        </p:style>
+      </p:cxnSp>
+      <p:sp>
+        <p:nvSpPr>
+          <p:cNvPr id="17" name="文本框 16"/>
+          <p:cNvSpPr txBox="1"/>
+          <p:nvPr/>
+        </p:nvSpPr>
+        <p:spPr>
+          <a:xfrm>
+            <a:off x="4013835" y="1614805"/>
+            <a:ext cx="4855845" cy="521970"/>
+          </a:xfrm>
+          <a:prstGeom prst="rect">
+            <a:avLst/>
+          </a:prstGeom>
+          <a:solidFill>
+            <a:schemeClr val="accent4">
+              <a:lumMod val="75000"/>
+            </a:schemeClr>
+          </a:solidFill>
+          <a:ln>
+            <a:solidFill>
+              <a:schemeClr val="accent4">
+                <a:lumMod val="75000"/>
+              </a:schemeClr>
+            </a:solidFill>
+          </a:ln>
+        </p:spPr>
+        <p:txBody>
+          <a:bodyPr wrap="square" rtlCol="0" anchor="t">
+            <a:spAutoFit/>
+          </a:bodyPr>
+          <a:p>
+            <a:r>
+              <a:rPr lang="en-US" altLang="zh-CN" sz="2800" b="1">
+                <a:solidFill>
+                  <a:schemeClr val="bg1"/>
+                </a:solidFill>
+              </a:rPr>
+              <a:t>low generalization ability</a:t>
+            </a:r>
+            <a:endParaRPr lang="en-US" altLang="zh-CN" sz="2800" b="1">
+              <a:solidFill>
+                <a:schemeClr val="bg1"/>
+              </a:solidFill>
+            </a:endParaRPr>
+          </a:p>
+        </p:txBody>
+      </p:sp>
+      <p:cxnSp>
+        <p:nvCxnSpPr>
+          <p:cNvPr id="13" name="直接箭头连接符 12"/>
+          <p:cNvCxnSpPr/>
+          <p:nvPr/>
+        </p:nvCxnSpPr>
+        <p:spPr>
+          <a:xfrm>
+            <a:off x="4013835" y="2461895"/>
+            <a:ext cx="1778000" cy="11430"/>
+          </a:xfrm>
+          <a:prstGeom prst="straightConnector1">
+            <a:avLst/>
+          </a:prstGeom>
+          <a:ln>
+            <a:solidFill>
+              <a:schemeClr val="accent4">
+                <a:lumMod val="75000"/>
+              </a:schemeClr>
+            </a:solidFill>
+            <a:headEnd type="arrow" w="med" len="med"/>
+            <a:tailEnd type="arrow" w="med" len="med"/>
+          </a:ln>
+        </p:spPr>
+        <p:style>
+          <a:lnRef idx="3">
+            <a:schemeClr val="accent1"/>
+          </a:lnRef>
+          <a:fillRef idx="0">
+            <a:srgbClr val="FFFFFF"/>
+          </a:fillRef>
+          <a:effectRef idx="0">
+            <a:srgbClr val="FFFFFF"/>
+          </a:effectRef>
+          <a:fontRef idx="minor">
+            <a:schemeClr val="tx1"/>
+          </a:fontRef>
+        </p:style>
+      </p:cxnSp>
+    </p:spTree>
+  </p:cSld>
+  <p:clrMapOvr>
+    <a:masterClrMapping/>
+  </p:clrMapOvr>
+  <p:timing>
+    <p:tnLst>
+      <p:par>
+        <p:cTn id="1" dur="indefinite" restart="never" nodeType="tmRoot"/>
+      </p:par>
+    </p:tnLst>
+  </p:timing>
+</p:sld>
+</file>
+
+<file path=ppt/slides/slide11.xml><?xml version="1.0" encoding="utf-8"?>
+<p:sld xmlns:a="http://schemas.openxmlformats.org/drawingml/2006/main" xmlns:r="http://schemas.openxmlformats.org/officeDocument/2006/relationships" xmlns:p="http://schemas.openxmlformats.org/presentationml/2006/main">
+  <p:cSld>
+    <p:spTree>
+      <p:nvGrpSpPr>
+        <p:cNvPr id="1" name="Shape 77"/>
+        <p:cNvGrpSpPr/>
+        <p:nvPr/>
+      </p:nvGrpSpPr>
+      <p:grpSpPr>
+        <a:xfrm>
+          <a:off x="0" y="0"/>
+          <a:ext cx="0" cy="0"/>
+          <a:chOff x="0" y="0"/>
+          <a:chExt cx="0" cy="0"/>
+        </a:xfrm>
+      </p:grpSpPr>
+      <p:pic>
+        <p:nvPicPr>
+          <p:cNvPr id="78" name="Google Shape;78;p2"/>
+          <p:cNvPicPr preferRelativeResize="0"/>
+          <p:nvPr/>
+        </p:nvPicPr>
+        <p:blipFill rotWithShape="1">
+          <a:blip r:embed="rId1"/>
+          <a:srcRect/>
+          <a:stretch>
+            <a:fillRect/>
+          </a:stretch>
+        </p:blipFill>
+        <p:spPr>
+          <a:xfrm>
+            <a:off x="0" y="0"/>
+            <a:ext cx="9144000" cy="697865"/>
+          </a:xfrm>
+          <a:prstGeom prst="rect">
+            <a:avLst/>
+          </a:prstGeom>
+          <a:noFill/>
+          <a:ln>
+            <a:noFill/>
+          </a:ln>
+        </p:spPr>
+      </p:pic>
+      <p:sp>
+        <p:nvSpPr>
+          <p:cNvPr id="79" name="Google Shape;79;p2"/>
+          <p:cNvSpPr txBox="1">
+            <a:spLocks noGrp="1"/>
+          </p:cNvSpPr>
+          <p:nvPr>
+            <p:ph type="title"/>
+          </p:nvPr>
+        </p:nvSpPr>
+        <p:spPr>
+          <a:xfrm>
+            <a:off x="0" y="-76"/>
+            <a:ext cx="7421963" cy="775252"/>
+          </a:xfrm>
+          <a:prstGeom prst="rect">
+            <a:avLst/>
+          </a:prstGeom>
+          <a:noFill/>
+          <a:ln>
+            <a:noFill/>
+          </a:ln>
+        </p:spPr>
+        <p:txBody>
+          <a:bodyPr spcFirstLastPara="1" wrap="square" lIns="68575" tIns="34275" rIns="68575" bIns="34275" anchor="ctr" anchorCtr="0">
+            <a:normAutofit/>
+          </a:bodyPr>
+          <a:lstStyle/>
+          <a:p>
+            <a:pPr marL="0" lvl="0" indent="0" algn="l" rtl="0">
+              <a:lnSpc>
+                <a:spcPct val="90000"/>
+              </a:lnSpc>
+              <a:spcBef>
+                <a:spcPts val="0"/>
+              </a:spcBef>
+              <a:spcAft>
+                <a:spcPts val="0"/>
+              </a:spcAft>
+              <a:buClr>
+                <a:schemeClr val="dk1"/>
+              </a:buClr>
+              <a:buSzPts val="1400"/>
+              <a:buNone/>
+            </a:pPr>
+            <a:r>
+              <a:rPr lang="en-US" altLang="zh-CN" sz="3600" b="1" dirty="0">
+                <a:solidFill>
+                  <a:schemeClr val="bg1"/>
+                </a:solidFill>
+              </a:rPr>
+              <a:t>Result-</a:t>
+            </a:r>
+            <a:r>
+              <a:rPr lang="en-US" altLang="zh-CN" sz="3600" b="1" dirty="0">
+                <a:solidFill>
+                  <a:schemeClr val="bg1"/>
+                </a:solidFill>
+                <a:ea typeface="宋体" panose="02010600030101010101" pitchFamily="2" charset="-122"/>
+              </a:rPr>
+              <a:t>Generative Model</a:t>
+            </a:r>
+            <a:endParaRPr lang="en-US" altLang="zh-CN" sz="3600" b="1" dirty="0">
+              <a:solidFill>
+                <a:schemeClr val="bg1"/>
+              </a:solidFill>
+              <a:ea typeface="宋体" panose="02010600030101010101" pitchFamily="2" charset="-122"/>
+            </a:endParaRPr>
+          </a:p>
+        </p:txBody>
+      </p:sp>
+      <p:pic>
+        <p:nvPicPr>
+          <p:cNvPr id="93595450" name="Picture 1" descr="A graph with a line&#10;&#10;AI-generated content may be incorrect."/>
+          <p:cNvPicPr>
+            <a:picLocks noChangeAspect="1"/>
+          </p:cNvPicPr>
+          <p:nvPr/>
+        </p:nvPicPr>
+        <p:blipFill>
+          <a:blip r:embed="rId2">
+            <a:extLst>
+              <a:ext uri="{28A0092B-C50C-407E-A947-70E740481C1C}">
+                <a14:useLocalDpi xmlns:a14="http://schemas.microsoft.com/office/drawing/2010/main" val="0"/>
+              </a:ext>
+            </a:extLst>
+          </a:blip>
+          <a:stretch>
+            <a:fillRect/>
+          </a:stretch>
+        </p:blipFill>
+        <p:spPr>
+          <a:xfrm>
+            <a:off x="597535" y="775335"/>
+            <a:ext cx="2705100" cy="2028825"/>
+          </a:xfrm>
+          <a:prstGeom prst="rect">
+            <a:avLst/>
+          </a:prstGeom>
+        </p:spPr>
+      </p:pic>
+    </p:spTree>
+  </p:cSld>
+  <p:clrMapOvr>
+    <a:masterClrMapping/>
+  </p:clrMapOvr>
+  <p:timing>
+    <p:tnLst>
+      <p:par>
+        <p:cTn id="1" dur="indefinite" restart="never" nodeType="tmRoot"/>
+      </p:par>
+    </p:tnLst>
+  </p:timing>
+</p:sld>
+</file>
+
+<file path=ppt/slides/slide12.xml><?xml version="1.0" encoding="utf-8"?>
+<p:sld xmlns:a="http://schemas.openxmlformats.org/drawingml/2006/main" xmlns:r="http://schemas.openxmlformats.org/officeDocument/2006/relationships" xmlns:p="http://schemas.openxmlformats.org/presentationml/2006/main">
+  <p:cSld>
+    <p:spTree>
+      <p:nvGrpSpPr>
+        <p:cNvPr id="1" name="Shape 77"/>
+        <p:cNvGrpSpPr/>
+        <p:nvPr/>
+      </p:nvGrpSpPr>
+      <p:grpSpPr>
+        <a:xfrm>
+          <a:off x="0" y="0"/>
+          <a:ext cx="0" cy="0"/>
+          <a:chOff x="0" y="0"/>
+          <a:chExt cx="0" cy="0"/>
+        </a:xfrm>
+      </p:grpSpPr>
+      <p:pic>
+        <p:nvPicPr>
+          <p:cNvPr id="78" name="Google Shape;78;p2"/>
+          <p:cNvPicPr preferRelativeResize="0"/>
+          <p:nvPr/>
+        </p:nvPicPr>
+        <p:blipFill rotWithShape="1">
+          <a:blip r:embed="rId1"/>
+          <a:srcRect/>
+          <a:stretch>
+            <a:fillRect/>
+          </a:stretch>
+        </p:blipFill>
+        <p:spPr>
+          <a:xfrm>
+            <a:off x="0" y="0"/>
+            <a:ext cx="9144000" cy="697865"/>
+          </a:xfrm>
+          <a:prstGeom prst="rect">
+            <a:avLst/>
+          </a:prstGeom>
+          <a:noFill/>
+          <a:ln>
+            <a:noFill/>
+          </a:ln>
+        </p:spPr>
+      </p:pic>
+      <p:sp>
+        <p:nvSpPr>
+          <p:cNvPr id="79" name="Google Shape;79;p2"/>
+          <p:cNvSpPr txBox="1">
+            <a:spLocks noGrp="1"/>
+          </p:cNvSpPr>
+          <p:nvPr>
+            <p:ph type="title"/>
+          </p:nvPr>
+        </p:nvSpPr>
+        <p:spPr>
+          <a:xfrm>
+            <a:off x="0" y="-76"/>
+            <a:ext cx="7421963" cy="775252"/>
+          </a:xfrm>
+          <a:prstGeom prst="rect">
+            <a:avLst/>
+          </a:prstGeom>
+          <a:noFill/>
+          <a:ln>
+            <a:noFill/>
+          </a:ln>
+        </p:spPr>
+        <p:txBody>
+          <a:bodyPr spcFirstLastPara="1" wrap="square" lIns="68575" tIns="34275" rIns="68575" bIns="34275" anchor="ctr" anchorCtr="0">
+            <a:normAutofit/>
+          </a:bodyPr>
+          <a:lstStyle/>
+          <a:p>
+            <a:pPr marL="0" lvl="0" indent="0" algn="l" rtl="0">
+              <a:lnSpc>
+                <a:spcPct val="90000"/>
+              </a:lnSpc>
+              <a:spcBef>
+                <a:spcPts val="0"/>
+              </a:spcBef>
+              <a:spcAft>
+                <a:spcPts val="0"/>
+              </a:spcAft>
+              <a:buClr>
+                <a:schemeClr val="dk1"/>
+              </a:buClr>
+              <a:buSzPts val="1400"/>
+              <a:buNone/>
+            </a:pPr>
+            <a:r>
+              <a:rPr lang="en-US" altLang="zh-CN" sz="3600" b="1" dirty="0">
+                <a:solidFill>
+                  <a:schemeClr val="bg1"/>
+                </a:solidFill>
+              </a:rPr>
+              <a:t>Result-baseline </a:t>
+            </a:r>
+            <a:endParaRPr lang="en-US" altLang="zh-CN" sz="3600" b="1" dirty="0">
+              <a:solidFill>
+                <a:schemeClr val="bg1"/>
+              </a:solidFill>
+              <a:ea typeface="宋体" panose="02010600030101010101" pitchFamily="2" charset="-122"/>
+            </a:endParaRPr>
+          </a:p>
+        </p:txBody>
+      </p:sp>
+    </p:spTree>
+  </p:cSld>
+  <p:clrMapOvr>
+    <a:masterClrMapping/>
+  </p:clrMapOvr>
+  <p:timing>
+    <p:tnLst>
+      <p:par>
+        <p:cTn id="1" dur="indefinite" restart="never" nodeType="tmRoot"/>
+      </p:par>
+    </p:tnLst>
+  </p:timing>
+</p:sld>
+</file>
+
+<file path=ppt/slides/slide13.xml><?xml version="1.0" encoding="utf-8"?>
+<p:sld xmlns:a="http://schemas.openxmlformats.org/drawingml/2006/main" xmlns:r="http://schemas.openxmlformats.org/officeDocument/2006/relationships" xmlns:p="http://schemas.openxmlformats.org/presentationml/2006/main">
+  <p:cSld>
+    <p:spTree>
+      <p:nvGrpSpPr>
+        <p:cNvPr id="1" name="Shape 77"/>
+        <p:cNvGrpSpPr/>
+        <p:nvPr/>
+      </p:nvGrpSpPr>
+      <p:grpSpPr>
+        <a:xfrm>
+          <a:off x="0" y="0"/>
+          <a:ext cx="0" cy="0"/>
+          <a:chOff x="0" y="0"/>
+          <a:chExt cx="0" cy="0"/>
+        </a:xfrm>
+      </p:grpSpPr>
+      <p:pic>
+        <p:nvPicPr>
+          <p:cNvPr id="78" name="Google Shape;78;p2"/>
+          <p:cNvPicPr preferRelativeResize="0"/>
+          <p:nvPr/>
+        </p:nvPicPr>
+        <p:blipFill rotWithShape="1">
+          <a:blip r:embed="rId1"/>
+          <a:srcRect/>
+          <a:stretch>
+            <a:fillRect/>
+          </a:stretch>
+        </p:blipFill>
+        <p:spPr>
+          <a:xfrm>
+            <a:off x="0" y="0"/>
+            <a:ext cx="9144000" cy="697865"/>
+          </a:xfrm>
+          <a:prstGeom prst="rect">
+            <a:avLst/>
+          </a:prstGeom>
+          <a:noFill/>
+          <a:ln>
+            <a:noFill/>
+          </a:ln>
+        </p:spPr>
+      </p:pic>
+      <p:sp>
+        <p:nvSpPr>
+          <p:cNvPr id="79" name="Google Shape;79;p2"/>
+          <p:cNvSpPr txBox="1">
+            <a:spLocks noGrp="1"/>
+          </p:cNvSpPr>
+          <p:nvPr>
+            <p:ph type="title"/>
+          </p:nvPr>
+        </p:nvSpPr>
+        <p:spPr>
+          <a:xfrm>
+            <a:off x="0" y="-76"/>
+            <a:ext cx="7421963" cy="775252"/>
+          </a:xfrm>
+          <a:prstGeom prst="rect">
+            <a:avLst/>
+          </a:prstGeom>
+          <a:noFill/>
+          <a:ln>
+            <a:noFill/>
+          </a:ln>
+        </p:spPr>
+        <p:txBody>
+          <a:bodyPr spcFirstLastPara="1" wrap="square" lIns="68575" tIns="34275" rIns="68575" bIns="34275" anchor="ctr" anchorCtr="0">
+            <a:normAutofit/>
+          </a:bodyPr>
+          <a:lstStyle/>
+          <a:p>
+            <a:pPr marL="0" lvl="0" indent="0" algn="l" rtl="0">
+              <a:lnSpc>
+                <a:spcPct val="90000"/>
+              </a:lnSpc>
+              <a:spcBef>
+                <a:spcPts val="0"/>
+              </a:spcBef>
+              <a:spcAft>
+                <a:spcPts val="0"/>
+              </a:spcAft>
+              <a:buClr>
+                <a:schemeClr val="dk1"/>
+              </a:buClr>
+              <a:buSzPts val="1400"/>
+              <a:buNone/>
+            </a:pPr>
+            <a:r>
+              <a:rPr lang="en-US" altLang="zh-CN" sz="3600" b="1" dirty="0">
+                <a:solidFill>
+                  <a:schemeClr val="bg1"/>
+                </a:solidFill>
+              </a:rPr>
+              <a:t>Result-baseline </a:t>
+            </a:r>
+            <a:endParaRPr lang="en-US" altLang="zh-CN" sz="3600" b="1" dirty="0">
+              <a:solidFill>
+                <a:schemeClr val="bg1"/>
+              </a:solidFill>
+              <a:ea typeface="宋体" panose="02010600030101010101" pitchFamily="2" charset="-122"/>
+            </a:endParaRPr>
+          </a:p>
+        </p:txBody>
+      </p:sp>
+    </p:spTree>
+  </p:cSld>
+  <p:clrMapOvr>
+    <a:masterClrMapping/>
+  </p:clrMapOvr>
+  <p:timing>
+    <p:tnLst>
+      <p:par>
+        <p:cTn id="1" dur="indefinite" restart="never" nodeType="tmRoot"/>
+      </p:par>
+    </p:tnLst>
+  </p:timing>
+</p:sld>
+</file>
+
+<file path=ppt/slides/slide14.xml><?xml version="1.0" encoding="utf-8"?>
+<p:sld xmlns:a="http://schemas.openxmlformats.org/drawingml/2006/main" xmlns:r="http://schemas.openxmlformats.org/officeDocument/2006/relationships" xmlns:p="http://schemas.openxmlformats.org/presentationml/2006/main">
+  <p:cSld>
+    <p:spTree>
+      <p:nvGrpSpPr>
+        <p:cNvPr id="1" name="Shape 77"/>
+        <p:cNvGrpSpPr/>
+        <p:nvPr/>
+      </p:nvGrpSpPr>
+      <p:grpSpPr>
+        <a:xfrm>
+          <a:off x="0" y="0"/>
+          <a:ext cx="0" cy="0"/>
+          <a:chOff x="0" y="0"/>
+          <a:chExt cx="0" cy="0"/>
+        </a:xfrm>
+      </p:grpSpPr>
+      <p:pic>
+        <p:nvPicPr>
+          <p:cNvPr id="78" name="Google Shape;78;p2"/>
+          <p:cNvPicPr preferRelativeResize="0"/>
+          <p:nvPr/>
+        </p:nvPicPr>
+        <p:blipFill rotWithShape="1">
+          <a:blip r:embed="rId1"/>
+          <a:srcRect/>
+          <a:stretch>
+            <a:fillRect/>
+          </a:stretch>
+        </p:blipFill>
+        <p:spPr>
+          <a:xfrm>
+            <a:off x="0" y="0"/>
+            <a:ext cx="9144000" cy="697865"/>
+          </a:xfrm>
+          <a:prstGeom prst="rect">
+            <a:avLst/>
+          </a:prstGeom>
+          <a:noFill/>
+          <a:ln>
+            <a:noFill/>
+          </a:ln>
+        </p:spPr>
+      </p:pic>
+      <p:sp>
+        <p:nvSpPr>
+          <p:cNvPr id="79" name="Google Shape;79;p2"/>
+          <p:cNvSpPr txBox="1">
+            <a:spLocks noGrp="1"/>
+          </p:cNvSpPr>
+          <p:nvPr>
+            <p:ph type="title"/>
+          </p:nvPr>
+        </p:nvSpPr>
+        <p:spPr>
+          <a:xfrm>
+            <a:off x="0" y="-76"/>
+            <a:ext cx="7421963" cy="775252"/>
+          </a:xfrm>
+          <a:prstGeom prst="rect">
+            <a:avLst/>
+          </a:prstGeom>
+          <a:noFill/>
+          <a:ln>
+            <a:noFill/>
+          </a:ln>
+        </p:spPr>
+        <p:txBody>
+          <a:bodyPr spcFirstLastPara="1" wrap="square" lIns="68575" tIns="34275" rIns="68575" bIns="34275" anchor="ctr" anchorCtr="0">
+            <a:normAutofit/>
+          </a:bodyPr>
+          <a:lstStyle/>
+          <a:p>
+            <a:pPr marL="0" lvl="0" indent="0" algn="l" rtl="0">
+              <a:lnSpc>
+                <a:spcPct val="90000"/>
+              </a:lnSpc>
+              <a:spcBef>
+                <a:spcPts val="0"/>
+              </a:spcBef>
+              <a:spcAft>
+                <a:spcPts val="0"/>
+              </a:spcAft>
+              <a:buClr>
+                <a:schemeClr val="dk1"/>
+              </a:buClr>
+              <a:buSzPts val="1400"/>
+              <a:buNone/>
+            </a:pPr>
+            <a:r>
+              <a:rPr lang="en-US" altLang="zh-CN" sz="3600" b="1" dirty="0">
+                <a:solidFill>
+                  <a:schemeClr val="bg1"/>
+                </a:solidFill>
+              </a:rPr>
+              <a:t>Result-baseline </a:t>
+            </a:r>
+            <a:endParaRPr lang="en-US" altLang="zh-CN" sz="3600" b="1" dirty="0">
+              <a:solidFill>
+                <a:schemeClr val="bg1"/>
+              </a:solidFill>
+              <a:ea typeface="宋体" panose="02010600030101010101" pitchFamily="2" charset="-122"/>
+            </a:endParaRPr>
+          </a:p>
+        </p:txBody>
+      </p:sp>
+    </p:spTree>
+  </p:cSld>
+  <p:clrMapOvr>
+    <a:masterClrMapping/>
+  </p:clrMapOvr>
+  <p:timing>
+    <p:tnLst>
+      <p:par>
+        <p:cTn id="1" dur="indefinite" restart="never" nodeType="tmRoot"/>
+      </p:par>
+    </p:tnLst>
+  </p:timing>
+</p:sld>
+</file>
+
+<file path=ppt/slides/slide15.xml><?xml version="1.0" encoding="utf-8"?>
+<p:sld xmlns:a="http://schemas.openxmlformats.org/drawingml/2006/main" xmlns:r="http://schemas.openxmlformats.org/officeDocument/2006/relationships" xmlns:p="http://schemas.openxmlformats.org/presentationml/2006/main">
+  <p:cSld>
+    <p:spTree>
+      <p:nvGrpSpPr>
+        <p:cNvPr id="1" name="Shape 77"/>
+        <p:cNvGrpSpPr/>
+        <p:nvPr/>
+      </p:nvGrpSpPr>
+      <p:grpSpPr>
+        <a:xfrm>
+          <a:off x="0" y="0"/>
+          <a:ext cx="0" cy="0"/>
+          <a:chOff x="0" y="0"/>
+          <a:chExt cx="0" cy="0"/>
+        </a:xfrm>
+      </p:grpSpPr>
+      <p:pic>
+        <p:nvPicPr>
+          <p:cNvPr id="78" name="Google Shape;78;p2"/>
+          <p:cNvPicPr preferRelativeResize="0"/>
+          <p:nvPr/>
+        </p:nvPicPr>
+        <p:blipFill rotWithShape="1">
+          <a:blip r:embed="rId1"/>
+          <a:srcRect/>
+          <a:stretch>
+            <a:fillRect/>
+          </a:stretch>
+        </p:blipFill>
+        <p:spPr>
+          <a:xfrm>
+            <a:off x="0" y="0"/>
+            <a:ext cx="9144000" cy="697865"/>
+          </a:xfrm>
+          <a:prstGeom prst="rect">
+            <a:avLst/>
+          </a:prstGeom>
+          <a:noFill/>
+          <a:ln>
+            <a:noFill/>
+          </a:ln>
+        </p:spPr>
+      </p:pic>
+      <p:sp>
+        <p:nvSpPr>
+          <p:cNvPr id="79" name="Google Shape;79;p2"/>
+          <p:cNvSpPr txBox="1">
+            <a:spLocks noGrp="1"/>
+          </p:cNvSpPr>
+          <p:nvPr>
+            <p:ph type="title"/>
+          </p:nvPr>
+        </p:nvSpPr>
+        <p:spPr>
+          <a:xfrm>
+            <a:off x="0" y="-76"/>
+            <a:ext cx="7421963" cy="775252"/>
+          </a:xfrm>
+          <a:prstGeom prst="rect">
+            <a:avLst/>
+          </a:prstGeom>
+          <a:noFill/>
+          <a:ln>
+            <a:noFill/>
+          </a:ln>
+        </p:spPr>
+        <p:txBody>
+          <a:bodyPr spcFirstLastPara="1" wrap="square" lIns="68575" tIns="34275" rIns="68575" bIns="34275" anchor="ctr" anchorCtr="0">
+            <a:normAutofit/>
+          </a:bodyPr>
+          <a:lstStyle/>
+          <a:p>
+            <a:pPr marL="0" lvl="0" indent="0" algn="l" rtl="0">
+              <a:lnSpc>
+                <a:spcPct val="90000"/>
+              </a:lnSpc>
+              <a:spcBef>
+                <a:spcPts val="0"/>
+              </a:spcBef>
+              <a:spcAft>
+                <a:spcPts val="0"/>
+              </a:spcAft>
+              <a:buClr>
+                <a:schemeClr val="dk1"/>
+              </a:buClr>
+              <a:buSzPts val="1400"/>
+              <a:buNone/>
+            </a:pPr>
+            <a:r>
+              <a:rPr lang="en-US" altLang="zh-CN" sz="3600" b="1" dirty="0">
+                <a:solidFill>
+                  <a:schemeClr val="bg1"/>
+                </a:solidFill>
+              </a:rPr>
+              <a:t>Result-baseline </a:t>
+            </a:r>
+            <a:endParaRPr lang="en-US" altLang="zh-CN" sz="3600" b="1" dirty="0">
+              <a:solidFill>
+                <a:schemeClr val="bg1"/>
+              </a:solidFill>
+              <a:ea typeface="宋体" panose="02010600030101010101" pitchFamily="2" charset="-122"/>
+            </a:endParaRPr>
+          </a:p>
+        </p:txBody>
+      </p:sp>
+      <p:pic>
+        <p:nvPicPr>
+          <p:cNvPr id="7" name="图片 3" descr="IMG_256"/>
+          <p:cNvPicPr>
+            <a:picLocks noChangeAspect="1"/>
+          </p:cNvPicPr>
+          <p:nvPr/>
+        </p:nvPicPr>
+        <p:blipFill>
+          <a:blip r:embed="rId2"/>
+          <a:stretch>
+            <a:fillRect/>
+          </a:stretch>
+        </p:blipFill>
+        <p:spPr>
+          <a:xfrm>
+            <a:off x="109855" y="775335"/>
+            <a:ext cx="5779135" cy="2454910"/>
+          </a:xfrm>
+          <a:prstGeom prst="rect">
+            <a:avLst/>
+          </a:prstGeom>
+          <a:noFill/>
+          <a:ln w="9525">
+            <a:noFill/>
+          </a:ln>
+        </p:spPr>
+      </p:pic>
+      <p:sp>
+        <p:nvSpPr>
+          <p:cNvPr id="10" name="文本框 9"/>
+          <p:cNvSpPr txBox="1"/>
+          <p:nvPr/>
+        </p:nvSpPr>
+        <p:spPr>
+          <a:xfrm>
+            <a:off x="4013835" y="895350"/>
+            <a:ext cx="4855845" cy="521970"/>
+          </a:xfrm>
+          <a:prstGeom prst="rect">
+            <a:avLst/>
+          </a:prstGeom>
+          <a:solidFill>
+            <a:schemeClr val="accent3">
+              <a:lumMod val="75000"/>
+            </a:schemeClr>
+          </a:solidFill>
+        </p:spPr>
+        <p:txBody>
+          <a:bodyPr wrap="square" rtlCol="0" anchor="t">
+            <a:spAutoFit/>
+          </a:bodyPr>
+          <a:p>
+            <a:r>
+              <a:rPr lang="en-US" altLang="zh-CN" sz="2800" b="1">
+                <a:solidFill>
+                  <a:schemeClr val="bg1"/>
+                </a:solidFill>
+              </a:rPr>
+              <a:t>CLOSED questiosn </a:t>
+            </a:r>
+            <a:r>
+              <a:rPr lang="en-US" altLang="zh-CN" sz="2800" b="1">
+                <a:solidFill>
+                  <a:schemeClr val="bg1"/>
+                </a:solidFill>
+                <a:sym typeface="+mn-ea"/>
+              </a:rPr>
+              <a:t>better </a:t>
+            </a:r>
+            <a:endParaRPr lang="en-US" altLang="zh-CN" sz="2800" b="1">
+              <a:solidFill>
+                <a:schemeClr val="bg1"/>
+              </a:solidFill>
+            </a:endParaRPr>
+          </a:p>
+        </p:txBody>
+      </p:sp>
+      <p:cxnSp>
+        <p:nvCxnSpPr>
+          <p:cNvPr id="3" name="直接箭头连接符 2"/>
+          <p:cNvCxnSpPr/>
+          <p:nvPr/>
+        </p:nvCxnSpPr>
+        <p:spPr>
+          <a:xfrm flipH="1">
+            <a:off x="1139190" y="1266190"/>
+            <a:ext cx="379730" cy="676910"/>
+          </a:xfrm>
+          <a:prstGeom prst="straightConnector1">
+            <a:avLst/>
+          </a:prstGeom>
+          <a:ln>
+            <a:solidFill>
+              <a:schemeClr val="accent3">
+                <a:lumMod val="75000"/>
+              </a:schemeClr>
+            </a:solidFill>
+            <a:tailEnd type="arrow" w="med" len="med"/>
+          </a:ln>
+        </p:spPr>
+        <p:style>
+          <a:lnRef idx="3">
+            <a:schemeClr val="accent1"/>
+          </a:lnRef>
+          <a:fillRef idx="0">
+            <a:srgbClr val="FFFFFF"/>
+          </a:fillRef>
+          <a:effectRef idx="0">
+            <a:srgbClr val="FFFFFF"/>
+          </a:effectRef>
+          <a:fontRef idx="minor">
+            <a:schemeClr val="tx1"/>
+          </a:fontRef>
+        </p:style>
+      </p:cxnSp>
+      <p:sp>
+        <p:nvSpPr>
+          <p:cNvPr id="17" name="文本框 16"/>
+          <p:cNvSpPr txBox="1"/>
+          <p:nvPr/>
+        </p:nvSpPr>
+        <p:spPr>
+          <a:xfrm>
+            <a:off x="4013835" y="1614805"/>
+            <a:ext cx="4855845" cy="521970"/>
+          </a:xfrm>
+          <a:prstGeom prst="rect">
+            <a:avLst/>
+          </a:prstGeom>
+          <a:solidFill>
+            <a:schemeClr val="accent4">
+              <a:lumMod val="75000"/>
+            </a:schemeClr>
+          </a:solidFill>
+          <a:ln>
+            <a:solidFill>
+              <a:schemeClr val="accent4">
+                <a:lumMod val="75000"/>
+              </a:schemeClr>
+            </a:solidFill>
+          </a:ln>
+        </p:spPr>
+        <p:txBody>
+          <a:bodyPr wrap="square" rtlCol="0" anchor="t">
+            <a:spAutoFit/>
+          </a:bodyPr>
+          <a:p>
+            <a:r>
+              <a:rPr lang="en-US" altLang="zh-CN" sz="2800" b="1">
+                <a:solidFill>
+                  <a:schemeClr val="bg1"/>
+                </a:solidFill>
+              </a:rPr>
+              <a:t>low generalization ability</a:t>
+            </a:r>
+            <a:endParaRPr lang="en-US" altLang="zh-CN" sz="2800" b="1">
+              <a:solidFill>
+                <a:schemeClr val="bg1"/>
+              </a:solidFill>
+            </a:endParaRPr>
+          </a:p>
+        </p:txBody>
+      </p:sp>
+      <p:cxnSp>
+        <p:nvCxnSpPr>
+          <p:cNvPr id="13" name="直接箭头连接符 12"/>
+          <p:cNvCxnSpPr/>
+          <p:nvPr/>
+        </p:nvCxnSpPr>
+        <p:spPr>
+          <a:xfrm>
+            <a:off x="4013835" y="2461895"/>
+            <a:ext cx="1778000" cy="11430"/>
+          </a:xfrm>
+          <a:prstGeom prst="straightConnector1">
+            <a:avLst/>
+          </a:prstGeom>
+          <a:ln>
+            <a:solidFill>
+              <a:schemeClr val="accent4">
+                <a:lumMod val="75000"/>
+              </a:schemeClr>
+            </a:solidFill>
+            <a:headEnd type="arrow" w="med" len="med"/>
+            <a:tailEnd type="arrow" w="med" len="med"/>
+          </a:ln>
+        </p:spPr>
+        <p:style>
+          <a:lnRef idx="3">
+            <a:schemeClr val="accent1"/>
+          </a:lnRef>
+          <a:fillRef idx="0">
+            <a:srgbClr val="FFFFFF"/>
+          </a:fillRef>
+          <a:effectRef idx="0">
+            <a:srgbClr val="FFFFFF"/>
+          </a:effectRef>
+          <a:fontRef idx="minor">
+            <a:schemeClr val="tx1"/>
+          </a:fontRef>
+        </p:style>
+      </p:cxnSp>
+    </p:spTree>
+  </p:cSld>
+  <p:clrMapOvr>
+    <a:masterClrMapping/>
+  </p:clrMapOvr>
+  <p:timing>
+    <p:tnLst>
+      <p:par>
+        <p:cTn id="1" dur="indefinite" restart="never" nodeType="tmRoot"/>
+      </p:par>
+    </p:tnLst>
+  </p:timing>
+</p:sld>
+</file>
+
+<file path=ppt/slides/slide16.xml><?xml version="1.0" encoding="utf-8"?>
+<p:sld xmlns:a="http://schemas.openxmlformats.org/drawingml/2006/main" xmlns:r="http://schemas.openxmlformats.org/officeDocument/2006/relationships" xmlns:p="http://schemas.openxmlformats.org/presentationml/2006/main">
+  <p:cSld>
+    <p:spTree>
+      <p:nvGrpSpPr>
+        <p:cNvPr id="1" name="Shape 69"/>
+        <p:cNvGrpSpPr/>
+        <p:nvPr/>
+      </p:nvGrpSpPr>
+      <p:grpSpPr>
+        <a:xfrm>
+          <a:off x="0" y="0"/>
+          <a:ext cx="0" cy="0"/>
+          <a:chOff x="0" y="0"/>
+          <a:chExt cx="0" cy="0"/>
+        </a:xfrm>
+      </p:grpSpPr>
+      <p:pic>
+        <p:nvPicPr>
+          <p:cNvPr id="70" name="Google Shape;70;p1"/>
+          <p:cNvPicPr preferRelativeResize="0"/>
+          <p:nvPr/>
+        </p:nvPicPr>
+        <p:blipFill rotWithShape="1">
+          <a:blip r:embed="rId1"/>
+          <a:srcRect b="8619"/>
+          <a:stretch>
+            <a:fillRect/>
+          </a:stretch>
+        </p:blipFill>
+        <p:spPr>
+          <a:xfrm>
+            <a:off x="0" y="-6985"/>
+            <a:ext cx="9144000" cy="3009265"/>
+          </a:xfrm>
+          <a:prstGeom prst="rect">
+            <a:avLst/>
+          </a:prstGeom>
+          <a:noFill/>
+          <a:ln>
+            <a:noFill/>
+          </a:ln>
+        </p:spPr>
+      </p:pic>
+      <p:sp>
+        <p:nvSpPr>
+          <p:cNvPr id="71" name="Google Shape;71;p1"/>
+          <p:cNvSpPr txBox="1"/>
+          <p:nvPr/>
+        </p:nvSpPr>
+        <p:spPr>
+          <a:xfrm>
+            <a:off x="2498071" y="1131106"/>
+            <a:ext cx="3957357" cy="1016889"/>
+          </a:xfrm>
+          <a:prstGeom prst="rect">
+            <a:avLst/>
+          </a:prstGeom>
+          <a:noFill/>
+          <a:ln>
+            <a:noFill/>
+          </a:ln>
+        </p:spPr>
+        <p:txBody>
+          <a:bodyPr spcFirstLastPara="1" wrap="square" lIns="68575" tIns="34275" rIns="68575" bIns="34275" anchor="b" anchorCtr="0">
+            <a:normAutofit/>
+          </a:bodyPr>
+          <a:lstStyle/>
+          <a:p>
+            <a:pPr marL="0" marR="0" lvl="0" indent="0" algn="ctr" rtl="0">
+              <a:lnSpc>
+                <a:spcPct val="90000"/>
+              </a:lnSpc>
+              <a:spcBef>
+                <a:spcPts val="0"/>
+              </a:spcBef>
+              <a:spcAft>
+                <a:spcPts val="0"/>
+              </a:spcAft>
+              <a:buClr>
+                <a:srgbClr val="FFFFFF"/>
+              </a:buClr>
+              <a:buSzPts val="3600"/>
+              <a:buFont typeface="Calibri" panose="020F0502020204030204"/>
+              <a:buNone/>
+            </a:pPr>
+            <a:r>
+              <a:rPr lang="en-US" sz="3600" b="1" dirty="0" smtClean="0">
+                <a:solidFill>
+                  <a:srgbClr val="FFFFFF"/>
+                </a:solidFill>
+              </a:rPr>
+              <a:t>THAN</a:t>
+            </a:r>
+            <a:r>
+              <a:rPr lang="en-US" altLang="zh-CN" sz="3600" b="1" dirty="0" smtClean="0">
+                <a:solidFill>
+                  <a:srgbClr val="FFFFFF"/>
+                </a:solidFill>
+              </a:rPr>
+              <a:t>K</a:t>
+            </a:r>
+            <a:r>
+              <a:rPr lang="en-US" sz="3600" b="1" dirty="0" smtClean="0">
+                <a:solidFill>
+                  <a:srgbClr val="FFFFFF"/>
+                </a:solidFill>
+              </a:rPr>
+              <a:t> YOU</a:t>
+            </a:r>
+            <a:endParaRPr sz="1100" b="1" i="0" u="none" strike="noStrike" cap="none" dirty="0">
+              <a:solidFill>
+                <a:srgbClr val="000000"/>
+              </a:solidFill>
+              <a:latin typeface="Arial" panose="020B0604020202020204"/>
+              <a:ea typeface="Arial" panose="020B0604020202020204"/>
+              <a:cs typeface="Arial" panose="020B0604020202020204"/>
+              <a:sym typeface="Arial" panose="020B0604020202020204"/>
+            </a:endParaRPr>
+          </a:p>
+        </p:txBody>
+      </p:sp>
+    </p:spTree>
+  </p:cSld>
+  <p:clrMapOvr>
+    <a:masterClrMapping/>
+  </p:clrMapOvr>
+  <p:timing>
+    <p:tnLst>
+      <p:par>
+        <p:cTn id="1" dur="indefinite" restart="never" nodeType="tmRoot"/>
+      </p:par>
+    </p:tnLst>
+  </p:timing>
+</p:sld>
+</file>
+
 <file path=ppt/slides/slide2.xml><?xml version="1.0" encoding="utf-8"?>
 <p:sld xmlns:a="http://schemas.openxmlformats.org/drawingml/2006/main" xmlns:r="http://schemas.openxmlformats.org/officeDocument/2006/relationships" xmlns:p="http://schemas.openxmlformats.org/presentationml/2006/main">
   <p:cSld>
@@ -14678,7 +16959,7 @@
                 <a:cs typeface="Arial" panose="020B0604020202020204" pitchFamily="34" charset="0"/>
                 <a:sym typeface="+mn-ea"/>
               </a:rPr>
-              <a:t>Data Preprocessing</a:t>
+              <a:t>A. Data Preprocessing</a:t>
             </a:r>
             <a:endParaRPr lang="zh-CN" altLang="en-US"/>
           </a:p>
@@ -14822,8 +17103,8 @@
         </p:nvSpPr>
         <p:spPr>
           <a:xfrm>
-            <a:off x="657225" y="786765"/>
-            <a:ext cx="3048000" cy="306705"/>
+            <a:off x="585470" y="810260"/>
+            <a:ext cx="3450590" cy="306705"/>
           </a:xfrm>
           <a:prstGeom prst="rect">
             <a:avLst/>
@@ -14840,7 +17121,7 @@
             <a:pPr algn="ctr"/>
             <a:r>
               <a:rPr lang="en-US" altLang="zh-CN" b="1"/>
-              <a:t>Data Transformation and Loading</a:t>
+              <a:t>B. Data Transformation and Loading</a:t>
             </a:r>
             <a:endParaRPr lang="en-US" altLang="zh-CN" b="1"/>
           </a:p>
@@ -15072,7 +17353,7 @@
             <a:pPr algn="ctr"/>
             <a:r>
               <a:rPr lang="en-US" altLang="zh-CN" b="1"/>
-              <a:t>Model Building(MedVQA_ResNet_LSTM)</a:t>
+              <a:t>C. Model Building(MedVQA_ResNet_LSTM)</a:t>
             </a:r>
             <a:endParaRPr lang="en-US" altLang="zh-CN" b="1"/>
           </a:p>
@@ -15204,7 +17485,7 @@
         </p:blipFill>
         <p:spPr>
           <a:xfrm>
-            <a:off x="5606415" y="1209040"/>
+            <a:off x="5437505" y="1209040"/>
             <a:ext cx="2790825" cy="3705225"/>
           </a:xfrm>
           <a:prstGeom prst="rect">
@@ -15367,15 +17648,10 @@
           <a:p>
             <a:pPr algn="ctr"/>
             <a:r>
-              <a:rPr lang="en-US" altLang="zh-CN" b="1">
-                <a:latin typeface="Arial" panose="020B0604020202020204" pitchFamily="34" charset="0"/>
-                <a:ea typeface="Arial Unicode MS" panose="020B0604020202020204" charset="-122"/>
-                <a:cs typeface="Arial" panose="020B0604020202020204" pitchFamily="34" charset="0"/>
-                <a:sym typeface="+mn-ea"/>
-              </a:rPr>
-              <a:t>Data Preprocessing</a:t>
+              <a:rPr lang="en-US" altLang="zh-CN" b="1"/>
+              <a:t>D. Training Pipeline</a:t>
             </a:r>
-            <a:endParaRPr lang="zh-CN" altLang="en-US"/>
+            <a:endParaRPr lang="en-US" altLang="zh-CN" b="1"/>
           </a:p>
         </p:txBody>
       </p:sp>
@@ -15395,8 +17671,8 @@
         </p:blipFill>
         <p:spPr>
           <a:xfrm>
-            <a:off x="673735" y="1082040"/>
-            <a:ext cx="7131685" cy="3869055"/>
+            <a:off x="2946400" y="1334770"/>
+            <a:ext cx="6197600" cy="3362960"/>
           </a:xfrm>
           <a:prstGeom prst="rect">
             <a:avLst/>
@@ -15411,8 +17687,8 @@
         </p:nvSpPr>
         <p:spPr>
           <a:xfrm>
-            <a:off x="1033145" y="1159193"/>
-            <a:ext cx="5080000" cy="337185"/>
+            <a:off x="282575" y="1470343"/>
+            <a:ext cx="5080000" cy="583565"/>
           </a:xfrm>
           <a:prstGeom prst="rect">
             <a:avLst/>
@@ -15425,14 +17701,14 @@
           <a:p>
             <a:pPr defTabSz="266700"/>
             <a:r>
-              <a:rPr lang="en-US" altLang="zh-CN" sz="1600">
+              <a:rPr lang="en-US" altLang="zh-CN" sz="3200">
                 <a:latin typeface="Arial" panose="020B0604020202020204" pitchFamily="34" charset="0"/>
                 <a:ea typeface="Times New Roman" panose="02020603050405020304"/>
                 <a:cs typeface="Arial" panose="020B0604020202020204" pitchFamily="34" charset="0"/>
               </a:rPr>
               <a:t>1. training stage</a:t>
             </a:r>
-            <a:endParaRPr lang="en-US" altLang="zh-CN" sz="1600">
+            <a:endParaRPr lang="en-US" altLang="zh-CN" sz="3200">
               <a:latin typeface="Arial" panose="020B0604020202020204" pitchFamily="34" charset="0"/>
               <a:ea typeface="Times New Roman" panose="02020603050405020304"/>
               <a:cs typeface="Arial" panose="020B0604020202020204" pitchFamily="34" charset="0"/>
@@ -15448,8 +17724,8 @@
         </p:nvSpPr>
         <p:spPr>
           <a:xfrm>
-            <a:off x="874395" y="2343468"/>
-            <a:ext cx="5080000" cy="337185"/>
+            <a:off x="282575" y="2571433"/>
+            <a:ext cx="5080000" cy="583565"/>
           </a:xfrm>
           <a:prstGeom prst="rect">
             <a:avLst/>
@@ -15462,17 +17738,1552 @@
           <a:p>
             <a:pPr defTabSz="266700"/>
             <a:r>
-              <a:rPr lang="en-US" altLang="zh-CN" sz="1600">
+              <a:rPr lang="en-US" altLang="zh-CN" sz="3200">
                 <a:latin typeface="Arial" panose="020B0604020202020204" pitchFamily="34" charset="0"/>
                 <a:ea typeface="Times New Roman" panose="02020603050405020304"/>
                 <a:cs typeface="Arial" panose="020B0604020202020204" pitchFamily="34" charset="0"/>
               </a:rPr>
               <a:t>2. validation stage</a:t>
             </a:r>
-            <a:endParaRPr lang="en-US" altLang="zh-CN" sz="1600">
+            <a:endParaRPr lang="en-US" altLang="zh-CN" sz="3200">
               <a:latin typeface="Arial" panose="020B0604020202020204" pitchFamily="34" charset="0"/>
               <a:ea typeface="Times New Roman" panose="02020603050405020304"/>
               <a:cs typeface="Arial" panose="020B0604020202020204" pitchFamily="34" charset="0"/>
+            </a:endParaRPr>
+          </a:p>
+        </p:txBody>
+      </p:sp>
+      <p:sp>
+        <p:nvSpPr>
+          <p:cNvPr id="3" name="文本框 2"/>
+          <p:cNvSpPr txBox="1"/>
+          <p:nvPr/>
+        </p:nvSpPr>
+        <p:spPr>
+          <a:xfrm>
+            <a:off x="4841240" y="1159510"/>
+            <a:ext cx="2769870" cy="479425"/>
+          </a:xfrm>
+          <a:prstGeom prst="rect">
+            <a:avLst/>
+          </a:prstGeom>
+          <a:solidFill>
+            <a:schemeClr val="tx2">
+              <a:lumMod val="90000"/>
+            </a:schemeClr>
+          </a:solidFill>
+        </p:spPr>
+        <p:style>
+          <a:lnRef idx="0">
+            <a:srgbClr val="FFFFFF"/>
+          </a:lnRef>
+          <a:fillRef idx="1">
+            <a:schemeClr val="accent1"/>
+          </a:fillRef>
+          <a:effectRef idx="0">
+            <a:srgbClr val="FFFFFF"/>
+          </a:effectRef>
+          <a:fontRef idx="minor">
+            <a:schemeClr val="dk1"/>
+          </a:fontRef>
+        </p:style>
+        <p:txBody>
+          <a:bodyPr wrap="square">
+            <a:noAutofit/>
+          </a:bodyPr>
+          <a:p>
+            <a:pPr defTabSz="266700"/>
+            <a:r>
+              <a:rPr lang="en-US" altLang="zh-CN" sz="2400">
+                <a:latin typeface="Arial" panose="020B0604020202020204" pitchFamily="34" charset="0"/>
+                <a:ea typeface="Times New Roman" panose="02020603050405020304"/>
+                <a:cs typeface="Arial" panose="020B0604020202020204" pitchFamily="34" charset="0"/>
+              </a:rPr>
+              <a:t>all batch procceed</a:t>
+            </a:r>
+            <a:endParaRPr lang="en-US" altLang="zh-CN" sz="2400">
+              <a:latin typeface="Arial" panose="020B0604020202020204" pitchFamily="34" charset="0"/>
+              <a:ea typeface="Times New Roman" panose="02020603050405020304"/>
+              <a:cs typeface="Arial" panose="020B0604020202020204" pitchFamily="34" charset="0"/>
+            </a:endParaRPr>
+          </a:p>
+        </p:txBody>
+      </p:sp>
+      <p:cxnSp>
+        <p:nvCxnSpPr>
+          <p:cNvPr id="7" name="直接箭头连接符 6"/>
+          <p:cNvCxnSpPr>
+            <a:stCxn id="3" idx="3"/>
+          </p:cNvCxnSpPr>
+          <p:nvPr/>
+        </p:nvCxnSpPr>
+        <p:spPr>
+          <a:xfrm>
+            <a:off x="7611110" y="1399540"/>
+            <a:ext cx="645160" cy="278765"/>
+          </a:xfrm>
+          <a:prstGeom prst="straightConnector1">
+            <a:avLst/>
+          </a:prstGeom>
+          <a:ln>
+            <a:solidFill>
+              <a:srgbClr val="FF0000"/>
+            </a:solidFill>
+            <a:tailEnd type="arrow" w="med" len="med"/>
+          </a:ln>
+        </p:spPr>
+        <p:style>
+          <a:lnRef idx="3">
+            <a:schemeClr val="accent1"/>
+          </a:lnRef>
+          <a:fillRef idx="0">
+            <a:srgbClr val="FFFFFF"/>
+          </a:fillRef>
+          <a:effectRef idx="0">
+            <a:srgbClr val="FFFFFF"/>
+          </a:effectRef>
+          <a:fontRef idx="minor">
+            <a:schemeClr val="tx1"/>
+          </a:fontRef>
+        </p:style>
+      </p:cxnSp>
+      <p:sp>
+        <p:nvSpPr>
+          <p:cNvPr id="8" name="文本框 7"/>
+          <p:cNvSpPr txBox="1"/>
+          <p:nvPr/>
+        </p:nvSpPr>
+        <p:spPr>
+          <a:xfrm>
+            <a:off x="6212205" y="2150110"/>
+            <a:ext cx="1398905" cy="434340"/>
+          </a:xfrm>
+          <a:prstGeom prst="rect">
+            <a:avLst/>
+          </a:prstGeom>
+          <a:solidFill>
+            <a:schemeClr val="tx2">
+              <a:lumMod val="90000"/>
+            </a:schemeClr>
+          </a:solidFill>
+        </p:spPr>
+        <p:style>
+          <a:lnRef idx="0">
+            <a:srgbClr val="FFFFFF"/>
+          </a:lnRef>
+          <a:fillRef idx="1">
+            <a:schemeClr val="accent1"/>
+          </a:fillRef>
+          <a:effectRef idx="0">
+            <a:srgbClr val="FFFFFF"/>
+          </a:effectRef>
+          <a:fontRef idx="minor">
+            <a:schemeClr val="dk1"/>
+          </a:fontRef>
+        </p:style>
+        <p:txBody>
+          <a:bodyPr wrap="square">
+            <a:noAutofit/>
+          </a:bodyPr>
+          <a:p>
+            <a:pPr defTabSz="266700"/>
+            <a:r>
+              <a:rPr lang="en-US" altLang="zh-CN" sz="2400">
+                <a:latin typeface="Arial" panose="020B0604020202020204" pitchFamily="34" charset="0"/>
+                <a:ea typeface="Times New Roman" panose="02020603050405020304"/>
+                <a:cs typeface="Arial" panose="020B0604020202020204" pitchFamily="34" charset="0"/>
+              </a:rPr>
+              <a:t>ACC,F1</a:t>
+            </a:r>
+            <a:endParaRPr lang="zh-CN" altLang="en-US" sz="2400">
+              <a:latin typeface="Arial" panose="020B0604020202020204" pitchFamily="34" charset="0"/>
+              <a:ea typeface="宋体" panose="02010600030101010101" pitchFamily="2" charset="-122"/>
+              <a:cs typeface="Arial" panose="020B0604020202020204" pitchFamily="34" charset="0"/>
+            </a:endParaRPr>
+          </a:p>
+        </p:txBody>
+      </p:sp>
+      <p:cxnSp>
+        <p:nvCxnSpPr>
+          <p:cNvPr id="9" name="直接箭头连接符 8"/>
+          <p:cNvCxnSpPr/>
+          <p:nvPr/>
+        </p:nvCxnSpPr>
+        <p:spPr>
+          <a:xfrm>
+            <a:off x="6965950" y="2571750"/>
+            <a:ext cx="517525" cy="212090"/>
+          </a:xfrm>
+          <a:prstGeom prst="straightConnector1">
+            <a:avLst/>
+          </a:prstGeom>
+          <a:ln>
+            <a:solidFill>
+              <a:srgbClr val="FF0000"/>
+            </a:solidFill>
+            <a:tailEnd type="arrow" w="med" len="med"/>
+          </a:ln>
+        </p:spPr>
+        <p:style>
+          <a:lnRef idx="3">
+            <a:schemeClr val="accent1"/>
+          </a:lnRef>
+          <a:fillRef idx="0">
+            <a:srgbClr val="FFFFFF"/>
+          </a:fillRef>
+          <a:effectRef idx="0">
+            <a:srgbClr val="FFFFFF"/>
+          </a:effectRef>
+          <a:fontRef idx="minor">
+            <a:schemeClr val="tx1"/>
+          </a:fontRef>
+        </p:style>
+      </p:cxnSp>
+      <p:sp>
+        <p:nvSpPr>
+          <p:cNvPr id="10" name="文本框 9"/>
+          <p:cNvSpPr txBox="1"/>
+          <p:nvPr/>
+        </p:nvSpPr>
+        <p:spPr>
+          <a:xfrm>
+            <a:off x="7928610" y="2150110"/>
+            <a:ext cx="846455" cy="421640"/>
+          </a:xfrm>
+          <a:prstGeom prst="rect">
+            <a:avLst/>
+          </a:prstGeom>
+          <a:solidFill>
+            <a:schemeClr val="tx2">
+              <a:lumMod val="90000"/>
+            </a:schemeClr>
+          </a:solidFill>
+        </p:spPr>
+        <p:style>
+          <a:lnRef idx="0">
+            <a:srgbClr val="FFFFFF"/>
+          </a:lnRef>
+          <a:fillRef idx="1">
+            <a:schemeClr val="accent1"/>
+          </a:fillRef>
+          <a:effectRef idx="0">
+            <a:srgbClr val="FFFFFF"/>
+          </a:effectRef>
+          <a:fontRef idx="minor">
+            <a:schemeClr val="dk1"/>
+          </a:fontRef>
+        </p:style>
+        <p:txBody>
+          <a:bodyPr wrap="square">
+            <a:noAutofit/>
+          </a:bodyPr>
+          <a:p>
+            <a:pPr defTabSz="266700"/>
+            <a:r>
+              <a:rPr lang="en-US" sz="2400">
+                <a:latin typeface="Arial" panose="020B0604020202020204" pitchFamily="34" charset="0"/>
+                <a:ea typeface="Times New Roman" panose="02020603050405020304"/>
+                <a:cs typeface="Arial" panose="020B0604020202020204" pitchFamily="34" charset="0"/>
+              </a:rPr>
+              <a:t>LR</a:t>
+            </a:r>
+            <a:endParaRPr lang="en-US" sz="2400">
+              <a:latin typeface="Arial" panose="020B0604020202020204" pitchFamily="34" charset="0"/>
+              <a:ea typeface="宋体" panose="02010600030101010101" pitchFamily="2" charset="-122"/>
+              <a:cs typeface="Arial" panose="020B0604020202020204" pitchFamily="34" charset="0"/>
+            </a:endParaRPr>
+          </a:p>
+        </p:txBody>
+      </p:sp>
+      <p:cxnSp>
+        <p:nvCxnSpPr>
+          <p:cNvPr id="11" name="直接箭头连接符 10"/>
+          <p:cNvCxnSpPr/>
+          <p:nvPr/>
+        </p:nvCxnSpPr>
+        <p:spPr>
+          <a:xfrm>
+            <a:off x="8293735" y="2584450"/>
+            <a:ext cx="191770" cy="245745"/>
+          </a:xfrm>
+          <a:prstGeom prst="straightConnector1">
+            <a:avLst/>
+          </a:prstGeom>
+          <a:ln>
+            <a:solidFill>
+              <a:srgbClr val="FF0000"/>
+            </a:solidFill>
+            <a:tailEnd type="arrow" w="med" len="med"/>
+          </a:ln>
+        </p:spPr>
+        <p:style>
+          <a:lnRef idx="3">
+            <a:schemeClr val="accent1"/>
+          </a:lnRef>
+          <a:fillRef idx="0">
+            <a:srgbClr val="FFFFFF"/>
+          </a:fillRef>
+          <a:effectRef idx="0">
+            <a:srgbClr val="FFFFFF"/>
+          </a:effectRef>
+          <a:fontRef idx="minor">
+            <a:schemeClr val="tx1"/>
+          </a:fontRef>
+        </p:style>
+      </p:cxnSp>
+      <p:sp>
+        <p:nvSpPr>
+          <p:cNvPr id="12" name="文本框 11"/>
+          <p:cNvSpPr txBox="1"/>
+          <p:nvPr/>
+        </p:nvSpPr>
+        <p:spPr>
+          <a:xfrm>
+            <a:off x="282575" y="3827463"/>
+            <a:ext cx="5080000" cy="583565"/>
+          </a:xfrm>
+          <a:prstGeom prst="rect">
+            <a:avLst/>
+          </a:prstGeom>
+        </p:spPr>
+        <p:txBody>
+          <a:bodyPr>
+            <a:spAutoFit/>
+          </a:bodyPr>
+          <a:p>
+            <a:pPr defTabSz="266700"/>
+            <a:r>
+              <a:rPr lang="en-US" altLang="zh-CN" sz="3200">
+                <a:latin typeface="Arial" panose="020B0604020202020204" pitchFamily="34" charset="0"/>
+                <a:ea typeface="Times New Roman" panose="02020603050405020304"/>
+                <a:cs typeface="Arial" panose="020B0604020202020204" pitchFamily="34" charset="0"/>
+              </a:rPr>
+              <a:t>3. early stop mechanism</a:t>
+            </a:r>
+            <a:endParaRPr lang="en-US" altLang="zh-CN" sz="3200">
+              <a:latin typeface="Arial" panose="020B0604020202020204" pitchFamily="34" charset="0"/>
+              <a:ea typeface="Times New Roman" panose="02020603050405020304"/>
+              <a:cs typeface="Arial" panose="020B0604020202020204" pitchFamily="34" charset="0"/>
+            </a:endParaRPr>
+          </a:p>
+        </p:txBody>
+      </p:sp>
+      <p:sp>
+        <p:nvSpPr>
+          <p:cNvPr id="13" name="文本框 12"/>
+          <p:cNvSpPr txBox="1"/>
+          <p:nvPr/>
+        </p:nvSpPr>
+        <p:spPr>
+          <a:xfrm>
+            <a:off x="4053840" y="3274060"/>
+            <a:ext cx="2273935" cy="434340"/>
+          </a:xfrm>
+          <a:prstGeom prst="rect">
+            <a:avLst/>
+          </a:prstGeom>
+          <a:solidFill>
+            <a:schemeClr val="tx2">
+              <a:lumMod val="90000"/>
+            </a:schemeClr>
+          </a:solidFill>
+        </p:spPr>
+        <p:style>
+          <a:lnRef idx="0">
+            <a:srgbClr val="FFFFFF"/>
+          </a:lnRef>
+          <a:fillRef idx="1">
+            <a:schemeClr val="accent1"/>
+          </a:fillRef>
+          <a:effectRef idx="0">
+            <a:srgbClr val="FFFFFF"/>
+          </a:effectRef>
+          <a:fontRef idx="minor">
+            <a:schemeClr val="dk1"/>
+          </a:fontRef>
+        </p:style>
+        <p:txBody>
+          <a:bodyPr wrap="square">
+            <a:noAutofit/>
+          </a:bodyPr>
+          <a:p>
+            <a:pPr defTabSz="266700"/>
+            <a:r>
+              <a:rPr lang="en-US" altLang="zh-CN" sz="2400">
+                <a:latin typeface="Arial" panose="020B0604020202020204" pitchFamily="34" charset="0"/>
+                <a:ea typeface="宋体" panose="02010600030101010101" pitchFamily="2" charset="-122"/>
+                <a:cs typeface="Arial" panose="020B0604020202020204" pitchFamily="34" charset="0"/>
+              </a:rPr>
+              <a:t>patience check</a:t>
+            </a:r>
+            <a:endParaRPr lang="en-US" altLang="zh-CN" sz="2400">
+              <a:latin typeface="Arial" panose="020B0604020202020204" pitchFamily="34" charset="0"/>
+              <a:ea typeface="宋体" panose="02010600030101010101" pitchFamily="2" charset="-122"/>
+              <a:cs typeface="Arial" panose="020B0604020202020204" pitchFamily="34" charset="0"/>
+            </a:endParaRPr>
+          </a:p>
+        </p:txBody>
+      </p:sp>
+      <p:sp>
+        <p:nvSpPr>
+          <p:cNvPr id="15" name="椭圆 14"/>
+          <p:cNvSpPr/>
+          <p:nvPr/>
+        </p:nvSpPr>
+        <p:spPr>
+          <a:xfrm>
+            <a:off x="6550660" y="3532505"/>
+            <a:ext cx="1842770" cy="1105535"/>
+          </a:xfrm>
+          <a:prstGeom prst="ellipse">
+            <a:avLst/>
+          </a:prstGeom>
+          <a:noFill/>
+          <a:ln>
+            <a:solidFill>
+              <a:srgbClr val="FF0000"/>
+            </a:solidFill>
+          </a:ln>
+          <a:extLst>
+            <a:ext uri="{909E8E84-426E-40DD-AFC4-6F175D3DCCD1}">
+              <a14:hiddenFill xmlns:a14="http://schemas.microsoft.com/office/drawing/2010/main">
+                <a:solidFill>
+                  <a:schemeClr val="accent1"/>
+                </a:solidFill>
+              </a14:hiddenFill>
+            </a:ext>
+          </a:extLst>
+        </p:spPr>
+        <p:style>
+          <a:lnRef idx="2">
+            <a:schemeClr val="accent1">
+              <a:lumMod val="75000"/>
+            </a:schemeClr>
+          </a:lnRef>
+          <a:fillRef idx="1">
+            <a:schemeClr val="accent1"/>
+          </a:fillRef>
+          <a:effectRef idx="0">
+            <a:srgbClr val="FFFFFF"/>
+          </a:effectRef>
+          <a:fontRef idx="minor">
+            <a:schemeClr val="lt1"/>
+          </a:fontRef>
+        </p:style>
+        <p:txBody>
+          <a:bodyPr rtlCol="0" anchor="ctr"/>
+          <a:p>
+            <a:pPr algn="ctr"/>
+            <a:endParaRPr lang="zh-CN" altLang="en-US"/>
+          </a:p>
+        </p:txBody>
+      </p:sp>
+      <p:cxnSp>
+        <p:nvCxnSpPr>
+          <p:cNvPr id="16" name="直接箭头连接符 15"/>
+          <p:cNvCxnSpPr/>
+          <p:nvPr/>
+        </p:nvCxnSpPr>
+        <p:spPr>
+          <a:xfrm>
+            <a:off x="6327775" y="3532505"/>
+            <a:ext cx="517525" cy="212090"/>
+          </a:xfrm>
+          <a:prstGeom prst="straightConnector1">
+            <a:avLst/>
+          </a:prstGeom>
+          <a:ln>
+            <a:solidFill>
+              <a:srgbClr val="FF0000"/>
+            </a:solidFill>
+            <a:tailEnd type="arrow" w="med" len="med"/>
+          </a:ln>
+        </p:spPr>
+        <p:style>
+          <a:lnRef idx="3">
+            <a:schemeClr val="accent1"/>
+          </a:lnRef>
+          <a:fillRef idx="0">
+            <a:srgbClr val="FFFFFF"/>
+          </a:fillRef>
+          <a:effectRef idx="0">
+            <a:srgbClr val="FFFFFF"/>
+          </a:effectRef>
+          <a:fontRef idx="minor">
+            <a:schemeClr val="tx1"/>
+          </a:fontRef>
+        </p:style>
+      </p:cxnSp>
+    </p:spTree>
+  </p:cSld>
+  <p:clrMapOvr>
+    <a:masterClrMapping/>
+  </p:clrMapOvr>
+  <p:timing>
+    <p:tnLst>
+      <p:par>
+        <p:cTn id="1" dur="indefinite" restart="never" nodeType="tmRoot"/>
+      </p:par>
+    </p:tnLst>
+  </p:timing>
+</p:sld>
+</file>
+
+<file path=ppt/slides/slide7.xml><?xml version="1.0" encoding="utf-8"?>
+<p:sld xmlns:a="http://schemas.openxmlformats.org/drawingml/2006/main" xmlns:r="http://schemas.openxmlformats.org/officeDocument/2006/relationships" xmlns:p="http://schemas.openxmlformats.org/presentationml/2006/main">
+  <p:cSld>
+    <p:spTree>
+      <p:nvGrpSpPr>
+        <p:cNvPr id="1" name="Shape 77"/>
+        <p:cNvGrpSpPr/>
+        <p:nvPr/>
+      </p:nvGrpSpPr>
+      <p:grpSpPr>
+        <a:xfrm>
+          <a:off x="0" y="0"/>
+          <a:ext cx="0" cy="0"/>
+          <a:chOff x="0" y="0"/>
+          <a:chExt cx="0" cy="0"/>
+        </a:xfrm>
+      </p:grpSpPr>
+      <p:pic>
+        <p:nvPicPr>
+          <p:cNvPr id="78" name="Google Shape;78;p2"/>
+          <p:cNvPicPr preferRelativeResize="0"/>
+          <p:nvPr/>
+        </p:nvPicPr>
+        <p:blipFill rotWithShape="1">
+          <a:blip r:embed="rId1"/>
+          <a:srcRect/>
+          <a:stretch>
+            <a:fillRect/>
+          </a:stretch>
+        </p:blipFill>
+        <p:spPr>
+          <a:xfrm>
+            <a:off x="0" y="0"/>
+            <a:ext cx="9144000" cy="697865"/>
+          </a:xfrm>
+          <a:prstGeom prst="rect">
+            <a:avLst/>
+          </a:prstGeom>
+          <a:noFill/>
+          <a:ln>
+            <a:noFill/>
+          </a:ln>
+        </p:spPr>
+      </p:pic>
+      <p:sp>
+        <p:nvSpPr>
+          <p:cNvPr id="79" name="Google Shape;79;p2"/>
+          <p:cNvSpPr txBox="1">
+            <a:spLocks noGrp="1"/>
+          </p:cNvSpPr>
+          <p:nvPr>
+            <p:ph type="title"/>
+          </p:nvPr>
+        </p:nvSpPr>
+        <p:spPr>
+          <a:xfrm>
+            <a:off x="0" y="-76"/>
+            <a:ext cx="7421963" cy="775252"/>
+          </a:xfrm>
+          <a:prstGeom prst="rect">
+            <a:avLst/>
+          </a:prstGeom>
+          <a:noFill/>
+          <a:ln>
+            <a:noFill/>
+          </a:ln>
+        </p:spPr>
+        <p:txBody>
+          <a:bodyPr spcFirstLastPara="1" wrap="square" lIns="68575" tIns="34275" rIns="68575" bIns="34275" anchor="ctr" anchorCtr="0">
+            <a:normAutofit fontScale="90000"/>
+          </a:bodyPr>
+          <a:lstStyle/>
+          <a:p>
+            <a:pPr marL="0" lvl="0" indent="0" algn="l" rtl="0">
+              <a:lnSpc>
+                <a:spcPct val="90000"/>
+              </a:lnSpc>
+              <a:spcBef>
+                <a:spcPts val="0"/>
+              </a:spcBef>
+              <a:spcAft>
+                <a:spcPts val="0"/>
+              </a:spcAft>
+              <a:buClr>
+                <a:schemeClr val="dk1"/>
+              </a:buClr>
+              <a:buSzPts val="1400"/>
+              <a:buNone/>
+            </a:pPr>
+            <a:r>
+              <a:rPr lang="en-US" altLang="zh-CN" sz="3600" b="1" dirty="0">
+                <a:solidFill>
+                  <a:schemeClr val="bg1"/>
+                </a:solidFill>
+              </a:rPr>
+              <a:t> Methods-Generative Model A</a:t>
+            </a:r>
+            <a:r>
+              <a:rPr lang="en-US" altLang="zh-CN" sz="3600" b="1" dirty="0">
+                <a:solidFill>
+                  <a:schemeClr val="bg1"/>
+                </a:solidFill>
+                <a:ea typeface="宋体" panose="02010600030101010101" pitchFamily="2" charset="-122"/>
+              </a:rPr>
+              <a:t>rchitecture</a:t>
+            </a:r>
+            <a:endParaRPr lang="en-US" altLang="zh-CN" sz="3600" b="1" dirty="0">
+              <a:solidFill>
+                <a:schemeClr val="bg1"/>
+              </a:solidFill>
+              <a:ea typeface="宋体" panose="02010600030101010101" pitchFamily="2" charset="-122"/>
+            </a:endParaRPr>
+          </a:p>
+        </p:txBody>
+      </p:sp>
+      <p:graphicFrame>
+        <p:nvGraphicFramePr>
+          <p:cNvPr id="2" name="表格 1"/>
+          <p:cNvGraphicFramePr/>
+          <p:nvPr/>
+        </p:nvGraphicFramePr>
+        <p:xfrm>
+          <a:off x="168275" y="775335"/>
+          <a:ext cx="8808085" cy="2428875"/>
+        </p:xfrm>
+        <a:graphic>
+          <a:graphicData uri="http://schemas.openxmlformats.org/drawingml/2006/table">
+            <a:tbl>
+              <a:tblPr/>
+              <a:tblGrid>
+                <a:gridCol w="2402205"/>
+                <a:gridCol w="1860550"/>
+                <a:gridCol w="4545330"/>
+              </a:tblGrid>
+              <a:tr h="0">
+                <a:tc>
+                  <a:txBody>
+                    <a:bodyPr/>
+                    <a:p>
+                      <a:pPr algn="l">
+                        <a:lnSpc>
+                          <a:spcPts val="1875"/>
+                        </a:lnSpc>
+                      </a:pPr>
+                      <a:r>
+                        <a:rPr lang="en-US" altLang="zh-CN" sz="1600" b="0" i="0">
+                          <a:solidFill>
+                            <a:srgbClr val="0F1115"/>
+                          </a:solidFill>
+                          <a:latin typeface="Arial" panose="020B0604020202020204" pitchFamily="34" charset="0"/>
+                          <a:ea typeface="quote-cjk-patch"/>
+                          <a:cs typeface="Arial" panose="020B0604020202020204" pitchFamily="34" charset="0"/>
+                        </a:rPr>
+                        <a:t>Component</a:t>
+                      </a:r>
+                      <a:endParaRPr lang="en-US" altLang="zh-CN" sz="1600" b="0" i="0">
+                        <a:solidFill>
+                          <a:srgbClr val="0F1115"/>
+                        </a:solidFill>
+                        <a:latin typeface="Arial" panose="020B0604020202020204" pitchFamily="34" charset="0"/>
+                        <a:ea typeface="quote-cjk-patch"/>
+                        <a:cs typeface="Arial" panose="020B0604020202020204" pitchFamily="34" charset="0"/>
+                      </a:endParaRPr>
+                    </a:p>
+                  </a:txBody>
+                  <a:tcPr marL="0" marR="152717" marT="95567" marB="95567" anchor="ctr" anchorCtr="0">
+                    <a:lnL>
+                      <a:noFill/>
+                    </a:lnL>
+                    <a:lnR>
+                      <a:noFill/>
+                    </a:lnR>
+                    <a:lnT>
+                      <a:noFill/>
+                    </a:lnT>
+                    <a:lnB>
+                      <a:noFill/>
+                    </a:lnB>
+                    <a:solidFill>
+                      <a:schemeClr val="accent5">
+                        <a:lumMod val="40000"/>
+                        <a:lumOff val="60000"/>
+                      </a:schemeClr>
+                    </a:solidFill>
+                  </a:tcPr>
+                </a:tc>
+                <a:tc>
+                  <a:txBody>
+                    <a:bodyPr/>
+                    <a:p>
+                      <a:pPr algn="l">
+                        <a:lnSpc>
+                          <a:spcPts val="1875"/>
+                        </a:lnSpc>
+                      </a:pPr>
+                      <a:r>
+                        <a:rPr lang="en-US" altLang="zh-CN" sz="1600" b="0" i="0">
+                          <a:solidFill>
+                            <a:srgbClr val="0F1115"/>
+                          </a:solidFill>
+                          <a:latin typeface="Arial" panose="020B0604020202020204" pitchFamily="34" charset="0"/>
+                          <a:ea typeface="quote-cjk-patch"/>
+                          <a:cs typeface="Arial" panose="020B0604020202020204" pitchFamily="34" charset="0"/>
+                        </a:rPr>
+                        <a:t>Status</a:t>
+                      </a:r>
+                      <a:endParaRPr lang="en-US" altLang="zh-CN" sz="1600" b="0" i="0">
+                        <a:solidFill>
+                          <a:srgbClr val="0F1115"/>
+                        </a:solidFill>
+                        <a:latin typeface="Arial" panose="020B0604020202020204" pitchFamily="34" charset="0"/>
+                        <a:ea typeface="quote-cjk-patch"/>
+                        <a:cs typeface="Arial" panose="020B0604020202020204" pitchFamily="34" charset="0"/>
+                      </a:endParaRPr>
+                    </a:p>
+                  </a:txBody>
+                  <a:tcPr marL="152717" marR="152717" marT="95567" marB="95567" anchor="ctr" anchorCtr="0">
+                    <a:lnL>
+                      <a:noFill/>
+                    </a:lnL>
+                    <a:lnR>
+                      <a:noFill/>
+                    </a:lnR>
+                    <a:lnT>
+                      <a:noFill/>
+                    </a:lnT>
+                    <a:lnB>
+                      <a:noFill/>
+                    </a:lnB>
+                    <a:solidFill>
+                      <a:schemeClr val="accent5">
+                        <a:lumMod val="40000"/>
+                        <a:lumOff val="60000"/>
+                      </a:schemeClr>
+                    </a:solidFill>
+                  </a:tcPr>
+                </a:tc>
+                <a:tc>
+                  <a:txBody>
+                    <a:bodyPr/>
+                    <a:p>
+                      <a:pPr algn="l">
+                        <a:lnSpc>
+                          <a:spcPts val="1875"/>
+                        </a:lnSpc>
+                      </a:pPr>
+                      <a:r>
+                        <a:rPr lang="en-US" altLang="zh-CN" sz="1600" b="0" i="0">
+                          <a:solidFill>
+                            <a:srgbClr val="0F1115"/>
+                          </a:solidFill>
+                          <a:latin typeface="Arial" panose="020B0604020202020204" pitchFamily="34" charset="0"/>
+                          <a:ea typeface="quote-cjk-patch"/>
+                          <a:cs typeface="Arial" panose="020B0604020202020204" pitchFamily="34" charset="0"/>
+                        </a:rPr>
+                        <a:t>Function</a:t>
+                      </a:r>
+                      <a:endParaRPr lang="en-US" altLang="zh-CN" sz="1600" b="0" i="0">
+                        <a:solidFill>
+                          <a:srgbClr val="0F1115"/>
+                        </a:solidFill>
+                        <a:latin typeface="Arial" panose="020B0604020202020204" pitchFamily="34" charset="0"/>
+                        <a:ea typeface="quote-cjk-patch"/>
+                        <a:cs typeface="Arial" panose="020B0604020202020204" pitchFamily="34" charset="0"/>
+                      </a:endParaRPr>
+                    </a:p>
+                  </a:txBody>
+                  <a:tcPr marL="152717" marR="152717" marT="95567" marB="95567" anchor="ctr" anchorCtr="0">
+                    <a:lnL>
+                      <a:noFill/>
+                    </a:lnL>
+                    <a:lnR>
+                      <a:noFill/>
+                    </a:lnR>
+                    <a:lnT>
+                      <a:noFill/>
+                    </a:lnT>
+                    <a:lnB>
+                      <a:noFill/>
+                    </a:lnB>
+                    <a:solidFill>
+                      <a:schemeClr val="accent5">
+                        <a:lumMod val="40000"/>
+                        <a:lumOff val="60000"/>
+                      </a:schemeClr>
+                    </a:solidFill>
+                  </a:tcPr>
+                </a:tc>
+              </a:tr>
+              <a:tr h="0">
+                <a:tc>
+                  <a:txBody>
+                    <a:bodyPr/>
+                    <a:p>
+                      <a:pPr>
+                        <a:lnSpc>
+                          <a:spcPts val="1875"/>
+                        </a:lnSpc>
+                      </a:pPr>
+                      <a:r>
+                        <a:rPr lang="en-US" altLang="zh-CN" sz="1600" b="1" i="0">
+                          <a:solidFill>
+                            <a:srgbClr val="0F1115"/>
+                          </a:solidFill>
+                          <a:latin typeface="Arial" panose="020B0604020202020204" pitchFamily="34" charset="0"/>
+                          <a:ea typeface="quote-cjk-patch"/>
+                          <a:cs typeface="Arial" panose="020B0604020202020204" pitchFamily="34" charset="0"/>
+                        </a:rPr>
+                        <a:t>CLIP Image Encoder</a:t>
+                      </a:r>
+                      <a:endParaRPr lang="en-US" altLang="zh-CN" sz="1600" b="1" i="0">
+                        <a:solidFill>
+                          <a:srgbClr val="0F1115"/>
+                        </a:solidFill>
+                        <a:latin typeface="Arial" panose="020B0604020202020204" pitchFamily="34" charset="0"/>
+                        <a:ea typeface="quote-cjk-patch"/>
+                        <a:cs typeface="Arial" panose="020B0604020202020204" pitchFamily="34" charset="0"/>
+                      </a:endParaRPr>
+                    </a:p>
+                  </a:txBody>
+                  <a:tcPr marL="0" marR="152717" marT="95567" marB="95567" anchor="ctr" anchorCtr="0">
+                    <a:lnL>
+                      <a:noFill/>
+                    </a:lnL>
+                    <a:lnR>
+                      <a:noFill/>
+                    </a:lnR>
+                    <a:lnT>
+                      <a:noFill/>
+                    </a:lnT>
+                    <a:lnB>
+                      <a:noFill/>
+                    </a:lnB>
+                    <a:noFill/>
+                  </a:tcPr>
+                </a:tc>
+                <a:tc>
+                  <a:txBody>
+                    <a:bodyPr/>
+                    <a:p>
+                      <a:pPr>
+                        <a:lnSpc>
+                          <a:spcPts val="1875"/>
+                        </a:lnSpc>
+                      </a:pPr>
+                      <a:r>
+                        <a:rPr lang="en-US" altLang="zh-CN" sz="1600" b="0" i="0">
+                          <a:solidFill>
+                            <a:srgbClr val="0F1115"/>
+                          </a:solidFill>
+                          <a:latin typeface="Arial" panose="020B0604020202020204" pitchFamily="34" charset="0"/>
+                          <a:ea typeface="quote-cjk-patch"/>
+                          <a:cs typeface="Arial" panose="020B0604020202020204" pitchFamily="34" charset="0"/>
+                        </a:rPr>
+                        <a:t>Frozen (ViT-B/32)</a:t>
+                      </a:r>
+                      <a:endParaRPr lang="en-US" altLang="zh-CN" sz="1600" b="0" i="0">
+                        <a:solidFill>
+                          <a:srgbClr val="0F1115"/>
+                        </a:solidFill>
+                        <a:latin typeface="Arial" panose="020B0604020202020204" pitchFamily="34" charset="0"/>
+                        <a:ea typeface="quote-cjk-patch"/>
+                        <a:cs typeface="Arial" panose="020B0604020202020204" pitchFamily="34" charset="0"/>
+                      </a:endParaRPr>
+                    </a:p>
+                  </a:txBody>
+                  <a:tcPr marL="152717" marR="152717" marT="95567" marB="95567" anchor="ctr" anchorCtr="0">
+                    <a:lnL>
+                      <a:noFill/>
+                    </a:lnL>
+                    <a:lnR>
+                      <a:noFill/>
+                    </a:lnR>
+                    <a:lnT>
+                      <a:noFill/>
+                    </a:lnT>
+                    <a:lnB>
+                      <a:noFill/>
+                    </a:lnB>
+                    <a:noFill/>
+                  </a:tcPr>
+                </a:tc>
+                <a:tc>
+                  <a:txBody>
+                    <a:bodyPr/>
+                    <a:p>
+                      <a:pPr>
+                        <a:lnSpc>
+                          <a:spcPts val="1875"/>
+                        </a:lnSpc>
+                      </a:pPr>
+                      <a:r>
+                        <a:rPr lang="en-US" altLang="zh-CN" sz="1600" b="0" i="0">
+                          <a:solidFill>
+                            <a:srgbClr val="0F1115"/>
+                          </a:solidFill>
+                          <a:latin typeface="Arial" panose="020B0604020202020204" pitchFamily="34" charset="0"/>
+                          <a:ea typeface="quote-cjk-patch"/>
+                          <a:cs typeface="Arial" panose="020B0604020202020204" pitchFamily="34" charset="0"/>
+                        </a:rPr>
+                        <a:t>Extracts 512-dimensional global visual features</a:t>
+                      </a:r>
+                      <a:endParaRPr lang="en-US" altLang="zh-CN" sz="1600" b="0" i="0">
+                        <a:solidFill>
+                          <a:srgbClr val="0F1115"/>
+                        </a:solidFill>
+                        <a:latin typeface="Arial" panose="020B0604020202020204" pitchFamily="34" charset="0"/>
+                        <a:ea typeface="quote-cjk-patch"/>
+                        <a:cs typeface="Arial" panose="020B0604020202020204" pitchFamily="34" charset="0"/>
+                      </a:endParaRPr>
+                    </a:p>
+                  </a:txBody>
+                  <a:tcPr marL="152717" marR="0" marT="95567" marB="95567" anchor="ctr" anchorCtr="0">
+                    <a:lnL>
+                      <a:noFill/>
+                    </a:lnL>
+                    <a:lnR>
+                      <a:noFill/>
+                    </a:lnR>
+                    <a:lnT>
+                      <a:noFill/>
+                    </a:lnT>
+                    <a:lnB>
+                      <a:noFill/>
+                    </a:lnB>
+                    <a:noFill/>
+                  </a:tcPr>
+                </a:tc>
+              </a:tr>
+              <a:tr h="0">
+                <a:tc>
+                  <a:txBody>
+                    <a:bodyPr/>
+                    <a:p>
+                      <a:pPr>
+                        <a:lnSpc>
+                          <a:spcPts val="1875"/>
+                        </a:lnSpc>
+                      </a:pPr>
+                      <a:r>
+                        <a:rPr lang="en-US" altLang="zh-CN" sz="1600" b="1" i="0">
+                          <a:solidFill>
+                            <a:srgbClr val="0F1115"/>
+                          </a:solidFill>
+                          <a:latin typeface="Arial" panose="020B0604020202020204" pitchFamily="34" charset="0"/>
+                          <a:ea typeface="quote-cjk-patch"/>
+                          <a:cs typeface="Arial" panose="020B0604020202020204" pitchFamily="34" charset="0"/>
+                        </a:rPr>
+                        <a:t>Mapping Network</a:t>
+                      </a:r>
+                      <a:endParaRPr lang="en-US" altLang="zh-CN" sz="1600" b="1" i="0">
+                        <a:solidFill>
+                          <a:srgbClr val="0F1115"/>
+                        </a:solidFill>
+                        <a:latin typeface="Arial" panose="020B0604020202020204" pitchFamily="34" charset="0"/>
+                        <a:ea typeface="quote-cjk-patch"/>
+                        <a:cs typeface="Arial" panose="020B0604020202020204" pitchFamily="34" charset="0"/>
+                      </a:endParaRPr>
+                    </a:p>
+                  </a:txBody>
+                  <a:tcPr marL="0" marR="152717" marT="95567" marB="95567" anchor="ctr" anchorCtr="0">
+                    <a:lnL>
+                      <a:noFill/>
+                    </a:lnL>
+                    <a:lnR>
+                      <a:noFill/>
+                    </a:lnR>
+                    <a:lnT>
+                      <a:noFill/>
+                    </a:lnT>
+                    <a:lnB>
+                      <a:noFill/>
+                    </a:lnB>
+                    <a:noFill/>
+                  </a:tcPr>
+                </a:tc>
+                <a:tc>
+                  <a:txBody>
+                    <a:bodyPr/>
+                    <a:p>
+                      <a:pPr>
+                        <a:lnSpc>
+                          <a:spcPts val="1875"/>
+                        </a:lnSpc>
+                      </a:pPr>
+                      <a:r>
+                        <a:rPr lang="en-US" altLang="zh-CN" sz="1600" b="0" i="0">
+                          <a:solidFill>
+                            <a:srgbClr val="0F1115"/>
+                          </a:solidFill>
+                          <a:latin typeface="Arial" panose="020B0604020202020204" pitchFamily="34" charset="0"/>
+                          <a:ea typeface="quote-cjk-patch"/>
+                          <a:cs typeface="Arial" panose="020B0604020202020204" pitchFamily="34" charset="0"/>
+                        </a:rPr>
+                        <a:t>Trainable</a:t>
+                      </a:r>
+                      <a:endParaRPr lang="en-US" altLang="zh-CN" sz="1600" b="0" i="0">
+                        <a:solidFill>
+                          <a:srgbClr val="0F1115"/>
+                        </a:solidFill>
+                        <a:latin typeface="Arial" panose="020B0604020202020204" pitchFamily="34" charset="0"/>
+                        <a:ea typeface="quote-cjk-patch"/>
+                        <a:cs typeface="Arial" panose="020B0604020202020204" pitchFamily="34" charset="0"/>
+                      </a:endParaRPr>
+                    </a:p>
+                  </a:txBody>
+                  <a:tcPr marL="152717" marR="152717" marT="95567" marB="95567" anchor="ctr" anchorCtr="0">
+                    <a:lnL>
+                      <a:noFill/>
+                    </a:lnL>
+                    <a:lnR>
+                      <a:noFill/>
+                    </a:lnR>
+                    <a:lnT>
+                      <a:noFill/>
+                    </a:lnT>
+                    <a:lnB>
+                      <a:noFill/>
+                    </a:lnB>
+                    <a:noFill/>
+                  </a:tcPr>
+                </a:tc>
+                <a:tc>
+                  <a:txBody>
+                    <a:bodyPr/>
+                    <a:p>
+                      <a:pPr>
+                        <a:lnSpc>
+                          <a:spcPts val="1875"/>
+                        </a:lnSpc>
+                      </a:pPr>
+                      <a:r>
+                        <a:rPr lang="en-US" altLang="zh-CN" sz="1600" b="0" i="0">
+                          <a:solidFill>
+                            <a:srgbClr val="0F1115"/>
+                          </a:solidFill>
+                          <a:latin typeface="Arial" panose="020B0604020202020204" pitchFamily="34" charset="0"/>
+                          <a:ea typeface="quote-cjk-patch"/>
+                          <a:cs typeface="Arial" panose="020B0604020202020204" pitchFamily="34" charset="0"/>
+                        </a:rPr>
+                        <a:t>Two-layer linear network + ReLU, maps visual features to 10 visual prefix tokens in GPT-2 embedding space</a:t>
+                      </a:r>
+                      <a:endParaRPr lang="en-US" altLang="zh-CN" sz="1600" b="0" i="0">
+                        <a:solidFill>
+                          <a:srgbClr val="0F1115"/>
+                        </a:solidFill>
+                        <a:latin typeface="Arial" panose="020B0604020202020204" pitchFamily="34" charset="0"/>
+                        <a:ea typeface="quote-cjk-patch"/>
+                        <a:cs typeface="Arial" panose="020B0604020202020204" pitchFamily="34" charset="0"/>
+                      </a:endParaRPr>
+                    </a:p>
+                  </a:txBody>
+                  <a:tcPr marL="152717" marR="0" marT="95567" marB="95567" anchor="ctr" anchorCtr="0">
+                    <a:lnL>
+                      <a:noFill/>
+                    </a:lnL>
+                    <a:lnR>
+                      <a:noFill/>
+                    </a:lnR>
+                    <a:lnT>
+                      <a:noFill/>
+                    </a:lnT>
+                    <a:lnB>
+                      <a:noFill/>
+                    </a:lnB>
+                    <a:noFill/>
+                  </a:tcPr>
+                </a:tc>
+              </a:tr>
+              <a:tr h="0">
+                <a:tc>
+                  <a:txBody>
+                    <a:bodyPr/>
+                    <a:p>
+                      <a:pPr>
+                        <a:lnSpc>
+                          <a:spcPts val="1875"/>
+                        </a:lnSpc>
+                      </a:pPr>
+                      <a:r>
+                        <a:rPr lang="en-US" altLang="zh-CN" sz="1600" b="1" i="0">
+                          <a:solidFill>
+                            <a:srgbClr val="0F1115"/>
+                          </a:solidFill>
+                          <a:latin typeface="Arial" panose="020B0604020202020204" pitchFamily="34" charset="0"/>
+                          <a:ea typeface="quote-cjk-patch"/>
+                          <a:cs typeface="Arial" panose="020B0604020202020204" pitchFamily="34" charset="0"/>
+                        </a:rPr>
+                        <a:t>GPT-2 Language Model</a:t>
+                      </a:r>
+                      <a:endParaRPr lang="en-US" altLang="zh-CN" sz="1600" b="1" i="0">
+                        <a:solidFill>
+                          <a:srgbClr val="0F1115"/>
+                        </a:solidFill>
+                        <a:latin typeface="Arial" panose="020B0604020202020204" pitchFamily="34" charset="0"/>
+                        <a:ea typeface="quote-cjk-patch"/>
+                        <a:cs typeface="Arial" panose="020B0604020202020204" pitchFamily="34" charset="0"/>
+                      </a:endParaRPr>
+                    </a:p>
+                  </a:txBody>
+                  <a:tcPr marL="0" marR="152717" marT="95567" marB="95567" anchor="ctr" anchorCtr="0">
+                    <a:lnL>
+                      <a:noFill/>
+                    </a:lnL>
+                    <a:lnR>
+                      <a:noFill/>
+                    </a:lnR>
+                    <a:lnT>
+                      <a:noFill/>
+                    </a:lnT>
+                    <a:lnB>
+                      <a:noFill/>
+                    </a:lnB>
+                    <a:noFill/>
+                  </a:tcPr>
+                </a:tc>
+                <a:tc>
+                  <a:txBody>
+                    <a:bodyPr/>
+                    <a:p>
+                      <a:pPr>
+                        <a:lnSpc>
+                          <a:spcPts val="1875"/>
+                        </a:lnSpc>
+                      </a:pPr>
+                      <a:r>
+                        <a:rPr lang="en-US" altLang="zh-CN" sz="1600" b="0" i="0">
+                          <a:solidFill>
+                            <a:srgbClr val="0F1115"/>
+                          </a:solidFill>
+                          <a:latin typeface="Arial" panose="020B0604020202020204" pitchFamily="34" charset="0"/>
+                          <a:ea typeface="quote-cjk-patch"/>
+                          <a:cs typeface="Arial" panose="020B0604020202020204" pitchFamily="34" charset="0"/>
+                        </a:rPr>
+                        <a:t>Frozen</a:t>
+                      </a:r>
+                      <a:endParaRPr lang="en-US" altLang="zh-CN" sz="1600" b="0" i="0">
+                        <a:solidFill>
+                          <a:srgbClr val="0F1115"/>
+                        </a:solidFill>
+                        <a:latin typeface="Arial" panose="020B0604020202020204" pitchFamily="34" charset="0"/>
+                        <a:ea typeface="quote-cjk-patch"/>
+                        <a:cs typeface="Arial" panose="020B0604020202020204" pitchFamily="34" charset="0"/>
+                      </a:endParaRPr>
+                    </a:p>
+                  </a:txBody>
+                  <a:tcPr marL="152717" marR="152717" marT="95567" marB="95567" anchor="ctr" anchorCtr="0">
+                    <a:lnL>
+                      <a:noFill/>
+                    </a:lnL>
+                    <a:lnR>
+                      <a:noFill/>
+                    </a:lnR>
+                    <a:lnT>
+                      <a:noFill/>
+                    </a:lnT>
+                    <a:lnB>
+                      <a:noFill/>
+                    </a:lnB>
+                    <a:noFill/>
+                  </a:tcPr>
+                </a:tc>
+                <a:tc>
+                  <a:txBody>
+                    <a:bodyPr/>
+                    <a:p>
+                      <a:pPr>
+                        <a:lnSpc>
+                          <a:spcPts val="1875"/>
+                        </a:lnSpc>
+                      </a:pPr>
+                      <a:r>
+                        <a:rPr lang="en-US" altLang="zh-CN" sz="1600" b="0" i="0">
+                          <a:solidFill>
+                            <a:srgbClr val="0F1115"/>
+                          </a:solidFill>
+                          <a:latin typeface="Arial" panose="020B0604020202020204" pitchFamily="34" charset="0"/>
+                          <a:ea typeface="quote-cjk-patch"/>
+                          <a:cs typeface="Arial" panose="020B0604020202020204" pitchFamily="34" charset="0"/>
+                        </a:rPr>
+                        <a:t>Receives visual prefixes + question embeddings, generates answers autoregressively</a:t>
+                      </a:r>
+                      <a:endParaRPr lang="en-US" altLang="zh-CN" sz="1600" b="0" i="0">
+                        <a:solidFill>
+                          <a:srgbClr val="0F1115"/>
+                        </a:solidFill>
+                        <a:latin typeface="Arial" panose="020B0604020202020204" pitchFamily="34" charset="0"/>
+                        <a:ea typeface="quote-cjk-patch"/>
+                        <a:cs typeface="Arial" panose="020B0604020202020204" pitchFamily="34" charset="0"/>
+                      </a:endParaRPr>
+                    </a:p>
+                  </a:txBody>
+                  <a:tcPr marL="152717" marR="0" marT="95567" marB="95567" anchor="ctr" anchorCtr="0">
+                    <a:lnL>
+                      <a:noFill/>
+                    </a:lnL>
+                    <a:lnR>
+                      <a:noFill/>
+                    </a:lnR>
+                    <a:lnT>
+                      <a:noFill/>
+                    </a:lnT>
+                    <a:lnB>
+                      <a:noFill/>
+                    </a:lnB>
+                    <a:noFill/>
+                  </a:tcPr>
+                </a:tc>
+              </a:tr>
+            </a:tbl>
+          </a:graphicData>
+        </a:graphic>
+      </p:graphicFrame>
+      <p:sp>
+        <p:nvSpPr>
+          <p:cNvPr id="14" name="文本框 13"/>
+          <p:cNvSpPr txBox="1"/>
+          <p:nvPr/>
+        </p:nvSpPr>
+        <p:spPr>
+          <a:xfrm>
+            <a:off x="168275" y="3281680"/>
+            <a:ext cx="8684895" cy="1272540"/>
+          </a:xfrm>
+          <a:prstGeom prst="rect">
+            <a:avLst/>
+          </a:prstGeom>
+          <a:solidFill>
+            <a:schemeClr val="accent6">
+              <a:lumMod val="20000"/>
+              <a:lumOff val="80000"/>
+            </a:schemeClr>
+          </a:solidFill>
+        </p:spPr>
+        <p:txBody>
+          <a:bodyPr wrap="square">
+            <a:spAutoFit/>
+          </a:bodyPr>
+          <a:p>
+            <a:pPr marL="0" indent="0">
+              <a:lnSpc>
+                <a:spcPts val="2250"/>
+              </a:lnSpc>
+              <a:spcBef>
+                <a:spcPts val="2400"/>
+              </a:spcBef>
+              <a:spcAft>
+                <a:spcPts val="1200"/>
+              </a:spcAft>
+            </a:pPr>
+            <a:r>
+              <a:rPr lang="en-US" altLang="zh-CN" sz="2000" b="1">
+                <a:solidFill>
+                  <a:srgbClr val="0F1115"/>
+                </a:solidFill>
+                <a:latin typeface="Arial" panose="020B0604020202020204" pitchFamily="34" charset="0"/>
+                <a:ea typeface="quote-cjk-patch"/>
+                <a:cs typeface="Arial" panose="020B0604020202020204" pitchFamily="34" charset="0"/>
+              </a:rPr>
+              <a:t>Training Strategy and Data Flow</a:t>
+            </a:r>
+            <a:endParaRPr lang="en-US" altLang="zh-CN" sz="2000" b="1">
+              <a:solidFill>
+                <a:srgbClr val="0F1115"/>
+              </a:solidFill>
+              <a:latin typeface="Arial" panose="020B0604020202020204" pitchFamily="34" charset="0"/>
+              <a:ea typeface="quote-cjk-patch"/>
+              <a:cs typeface="Arial" panose="020B0604020202020204" pitchFamily="34" charset="0"/>
+            </a:endParaRPr>
+          </a:p>
+          <a:p>
+            <a:pPr marL="0" indent="0">
+              <a:spcBef>
+                <a:spcPct val="0"/>
+              </a:spcBef>
+              <a:spcAft>
+                <a:spcPct val="0"/>
+              </a:spcAft>
+              <a:buAutoNum type="arabicPeriod"/>
+            </a:pPr>
+            <a:r>
+              <a:rPr lang="en-US" altLang="zh-CN" sz="1600" b="1" i="0">
+                <a:solidFill>
+                  <a:srgbClr val="0F1115"/>
+                </a:solidFill>
+                <a:latin typeface="Arial" panose="020B0604020202020204" pitchFamily="34" charset="0"/>
+                <a:ea typeface="quote-cjk-patch"/>
+                <a:cs typeface="Arial" panose="020B0604020202020204" pitchFamily="34" charset="0"/>
+              </a:rPr>
+              <a:t>Image Encoding</a:t>
+            </a:r>
+            <a:r>
+              <a:rPr lang="en-US" altLang="zh-CN" sz="1600" b="0" i="0">
+                <a:solidFill>
+                  <a:srgbClr val="0F1115"/>
+                </a:solidFill>
+                <a:latin typeface="Arial" panose="020B0604020202020204" pitchFamily="34" charset="0"/>
+                <a:ea typeface="quote-cjk-patch"/>
+                <a:cs typeface="Arial" panose="020B0604020202020204" pitchFamily="34" charset="0"/>
+              </a:rPr>
+              <a:t>: Medical image → CLIP encoder → visual features</a:t>
+            </a:r>
+            <a:endParaRPr lang="en-US" altLang="zh-CN" sz="1600" b="0" i="0">
+              <a:solidFill>
+                <a:srgbClr val="0F1115"/>
+              </a:solidFill>
+              <a:latin typeface="Arial" panose="020B0604020202020204" pitchFamily="34" charset="0"/>
+              <a:ea typeface="quote-cjk-patch"/>
+              <a:cs typeface="Arial" panose="020B0604020202020204" pitchFamily="34" charset="0"/>
+            </a:endParaRPr>
+          </a:p>
+          <a:p>
+            <a:pPr marL="0" indent="0">
+              <a:spcBef>
+                <a:spcPct val="0"/>
+              </a:spcBef>
+              <a:spcAft>
+                <a:spcPct val="0"/>
+              </a:spcAft>
+              <a:buAutoNum type="arabicPeriod"/>
+            </a:pPr>
+            <a:r>
+              <a:rPr lang="en-US" altLang="zh-CN" sz="1600" b="1" i="0">
+                <a:solidFill>
+                  <a:srgbClr val="0F1115"/>
+                </a:solidFill>
+                <a:latin typeface="Arial" panose="020B0604020202020204" pitchFamily="34" charset="0"/>
+                <a:ea typeface="quote-cjk-patch"/>
+                <a:cs typeface="Arial" panose="020B0604020202020204" pitchFamily="34" charset="0"/>
+              </a:rPr>
+              <a:t>Feature Mapping</a:t>
+            </a:r>
+            <a:r>
+              <a:rPr lang="en-US" altLang="zh-CN" sz="1600" b="0" i="0">
+                <a:solidFill>
+                  <a:srgbClr val="0F1115"/>
+                </a:solidFill>
+                <a:latin typeface="Arial" panose="020B0604020202020204" pitchFamily="34" charset="0"/>
+                <a:ea typeface="quote-cjk-patch"/>
+                <a:cs typeface="Arial" panose="020B0604020202020204" pitchFamily="34" charset="0"/>
+              </a:rPr>
+              <a:t>: Visual features → mapping network → visual prefix tokens</a:t>
+            </a:r>
+            <a:endParaRPr lang="en-US" altLang="zh-CN" sz="1600" b="0" i="0">
+              <a:solidFill>
+                <a:srgbClr val="0F1115"/>
+              </a:solidFill>
+              <a:latin typeface="Arial" panose="020B0604020202020204" pitchFamily="34" charset="0"/>
+              <a:ea typeface="quote-cjk-patch"/>
+              <a:cs typeface="Arial" panose="020B0604020202020204" pitchFamily="34" charset="0"/>
+            </a:endParaRPr>
+          </a:p>
+          <a:p>
+            <a:pPr marL="0" indent="0">
+              <a:spcBef>
+                <a:spcPct val="0"/>
+              </a:spcBef>
+              <a:spcAft>
+                <a:spcPct val="0"/>
+              </a:spcAft>
+              <a:buAutoNum type="arabicPeriod"/>
+            </a:pPr>
+            <a:r>
+              <a:rPr lang="en-US" altLang="zh-CN" sz="1600" b="1" i="0">
+                <a:solidFill>
+                  <a:srgbClr val="0F1115"/>
+                </a:solidFill>
+                <a:latin typeface="Arial" panose="020B0604020202020204" pitchFamily="34" charset="0"/>
+                <a:ea typeface="quote-cjk-patch"/>
+                <a:cs typeface="Arial" panose="020B0604020202020204" pitchFamily="34" charset="0"/>
+              </a:rPr>
+              <a:t>Fusion and Generation</a:t>
+            </a:r>
+            <a:r>
+              <a:rPr lang="en-US" altLang="zh-CN" sz="1600" b="0" i="0">
+                <a:solidFill>
+                  <a:srgbClr val="0F1115"/>
+                </a:solidFill>
+                <a:latin typeface="Arial" panose="020B0604020202020204" pitchFamily="34" charset="0"/>
+                <a:ea typeface="quote-cjk-patch"/>
+                <a:cs typeface="Arial" panose="020B0604020202020204" pitchFamily="34" charset="0"/>
+              </a:rPr>
+              <a:t>: Visual prefixes + question tokens → GPT-2 → generated answer</a:t>
+            </a:r>
+            <a:endParaRPr lang="en-US" altLang="zh-CN" sz="1600" b="0" i="0">
+              <a:solidFill>
+                <a:srgbClr val="0F1115"/>
+              </a:solidFill>
+              <a:latin typeface="Arial" panose="020B0604020202020204" pitchFamily="34" charset="0"/>
+              <a:ea typeface="quote-cjk-patch"/>
+              <a:cs typeface="Arial" panose="020B0604020202020204" pitchFamily="34" charset="0"/>
+            </a:endParaRPr>
+          </a:p>
+        </p:txBody>
+      </p:sp>
+      <p:sp>
+        <p:nvSpPr>
+          <p:cNvPr id="17" name="文本框 16"/>
+          <p:cNvSpPr txBox="1"/>
+          <p:nvPr/>
+        </p:nvSpPr>
+        <p:spPr>
+          <a:xfrm>
+            <a:off x="168275" y="4631690"/>
+            <a:ext cx="2637155" cy="394335"/>
+          </a:xfrm>
+          <a:prstGeom prst="rect">
+            <a:avLst/>
+          </a:prstGeom>
+          <a:solidFill>
+            <a:schemeClr val="accent3">
+              <a:lumMod val="75000"/>
+            </a:schemeClr>
+          </a:solidFill>
+        </p:spPr>
+        <p:txBody>
+          <a:bodyPr wrap="square" rtlCol="0" anchor="t">
+            <a:noAutofit/>
+          </a:bodyPr>
+          <a:p>
+            <a:r>
+              <a:rPr lang="en-US" altLang="zh-CN" sz="1800" b="1">
+                <a:solidFill>
+                  <a:schemeClr val="bg1"/>
+                </a:solidFill>
+              </a:rPr>
+              <a:t>Parameter Efficiency</a:t>
+            </a:r>
+            <a:endParaRPr lang="en-US" altLang="zh-CN" sz="1800" b="1">
+              <a:solidFill>
+                <a:schemeClr val="bg1"/>
+              </a:solidFill>
+            </a:endParaRPr>
+          </a:p>
+        </p:txBody>
+      </p:sp>
+      <p:sp>
+        <p:nvSpPr>
+          <p:cNvPr id="18" name="文本框 17"/>
+          <p:cNvSpPr txBox="1"/>
+          <p:nvPr/>
+        </p:nvSpPr>
+        <p:spPr>
+          <a:xfrm>
+            <a:off x="3081655" y="4631690"/>
+            <a:ext cx="2348230" cy="394335"/>
+          </a:xfrm>
+          <a:prstGeom prst="rect">
+            <a:avLst/>
+          </a:prstGeom>
+          <a:solidFill>
+            <a:schemeClr val="accent1">
+              <a:lumMod val="75000"/>
+            </a:schemeClr>
+          </a:solidFill>
+        </p:spPr>
+        <p:txBody>
+          <a:bodyPr wrap="square" rtlCol="0" anchor="t">
+            <a:noAutofit/>
+          </a:bodyPr>
+          <a:p>
+            <a:r>
+              <a:rPr lang="en-US" altLang="zh-CN" sz="1800" b="1">
+                <a:solidFill>
+                  <a:schemeClr val="bg1"/>
+                </a:solidFill>
+              </a:rPr>
+              <a:t>Loss Calculation</a:t>
+            </a:r>
+            <a:endParaRPr lang="en-US" altLang="zh-CN" sz="1800" b="1">
+              <a:solidFill>
+                <a:schemeClr val="bg1"/>
+              </a:solidFill>
+            </a:endParaRPr>
+          </a:p>
+        </p:txBody>
+      </p:sp>
+      <p:sp>
+        <p:nvSpPr>
+          <p:cNvPr id="19" name="文本框 18"/>
+          <p:cNvSpPr txBox="1"/>
+          <p:nvPr/>
+        </p:nvSpPr>
+        <p:spPr>
+          <a:xfrm>
+            <a:off x="5706110" y="4631690"/>
+            <a:ext cx="1254760" cy="394335"/>
+          </a:xfrm>
+          <a:prstGeom prst="rect">
+            <a:avLst/>
+          </a:prstGeom>
+          <a:solidFill>
+            <a:schemeClr val="accent6">
+              <a:lumMod val="75000"/>
+            </a:schemeClr>
+          </a:solidFill>
+        </p:spPr>
+        <p:txBody>
+          <a:bodyPr wrap="square" rtlCol="0" anchor="t">
+            <a:noAutofit/>
+          </a:bodyPr>
+          <a:p>
+            <a:r>
+              <a:rPr lang="en-US" altLang="zh-CN" sz="1800" b="1">
+                <a:solidFill>
+                  <a:schemeClr val="bg1"/>
+                </a:solidFill>
+              </a:rPr>
+              <a:t>Objective</a:t>
+            </a:r>
+            <a:endParaRPr lang="en-US" altLang="zh-CN" sz="1800" b="1">
+              <a:solidFill>
+                <a:schemeClr val="bg1"/>
+              </a:solidFill>
+            </a:endParaRPr>
+          </a:p>
+        </p:txBody>
+      </p:sp>
+      <p:sp>
+        <p:nvSpPr>
+          <p:cNvPr id="20" name="文本框 19"/>
+          <p:cNvSpPr txBox="1"/>
+          <p:nvPr/>
+        </p:nvSpPr>
+        <p:spPr>
+          <a:xfrm>
+            <a:off x="7237095" y="4631690"/>
+            <a:ext cx="1635125" cy="394335"/>
+          </a:xfrm>
+          <a:prstGeom prst="rect">
+            <a:avLst/>
+          </a:prstGeom>
+          <a:solidFill>
+            <a:schemeClr val="accent4">
+              <a:lumMod val="75000"/>
+            </a:schemeClr>
+          </a:solidFill>
+        </p:spPr>
+        <p:txBody>
+          <a:bodyPr wrap="square" rtlCol="0" anchor="t">
+            <a:noAutofit/>
+          </a:bodyPr>
+          <a:p>
+            <a:r>
+              <a:rPr lang="en-US" altLang="zh-CN" sz="1800" b="1">
+                <a:solidFill>
+                  <a:schemeClr val="bg1"/>
+                </a:solidFill>
+              </a:rPr>
+              <a:t>Advantages</a:t>
+            </a:r>
+            <a:endParaRPr lang="en-US" altLang="zh-CN" sz="1800" b="1">
+              <a:solidFill>
+                <a:schemeClr val="bg1"/>
+              </a:solidFill>
             </a:endParaRPr>
           </a:p>
         </p:txBody>
@@ -15492,7 +19303,637 @@
 </p:sld>
 </file>
 
-<file path=ppt/slides/slide7.xml><?xml version="1.0" encoding="utf-8"?>
+<file path=ppt/slides/slide8.xml><?xml version="1.0" encoding="utf-8"?>
+<p:sld xmlns:a="http://schemas.openxmlformats.org/drawingml/2006/main" xmlns:r="http://schemas.openxmlformats.org/officeDocument/2006/relationships" xmlns:p="http://schemas.openxmlformats.org/presentationml/2006/main">
+  <p:cSld>
+    <p:spTree>
+      <p:nvGrpSpPr>
+        <p:cNvPr id="1" name="Shape 77"/>
+        <p:cNvGrpSpPr/>
+        <p:nvPr/>
+      </p:nvGrpSpPr>
+      <p:grpSpPr>
+        <a:xfrm>
+          <a:off x="0" y="0"/>
+          <a:ext cx="0" cy="0"/>
+          <a:chOff x="0" y="0"/>
+          <a:chExt cx="0" cy="0"/>
+        </a:xfrm>
+      </p:grpSpPr>
+      <p:pic>
+        <p:nvPicPr>
+          <p:cNvPr id="78" name="Google Shape;78;p2"/>
+          <p:cNvPicPr preferRelativeResize="0"/>
+          <p:nvPr/>
+        </p:nvPicPr>
+        <p:blipFill rotWithShape="1">
+          <a:blip r:embed="rId1"/>
+          <a:srcRect/>
+          <a:stretch>
+            <a:fillRect/>
+          </a:stretch>
+        </p:blipFill>
+        <p:spPr>
+          <a:xfrm>
+            <a:off x="0" y="0"/>
+            <a:ext cx="9144000" cy="697865"/>
+          </a:xfrm>
+          <a:prstGeom prst="rect">
+            <a:avLst/>
+          </a:prstGeom>
+          <a:noFill/>
+          <a:ln>
+            <a:noFill/>
+          </a:ln>
+        </p:spPr>
+      </p:pic>
+      <p:sp>
+        <p:nvSpPr>
+          <p:cNvPr id="79" name="Google Shape;79;p2"/>
+          <p:cNvSpPr txBox="1">
+            <a:spLocks noGrp="1"/>
+          </p:cNvSpPr>
+          <p:nvPr>
+            <p:ph type="title"/>
+          </p:nvPr>
+        </p:nvSpPr>
+        <p:spPr>
+          <a:xfrm>
+            <a:off x="0" y="-76"/>
+            <a:ext cx="7421963" cy="775252"/>
+          </a:xfrm>
+          <a:prstGeom prst="rect">
+            <a:avLst/>
+          </a:prstGeom>
+          <a:noFill/>
+          <a:ln>
+            <a:noFill/>
+          </a:ln>
+        </p:spPr>
+        <p:txBody>
+          <a:bodyPr spcFirstLastPara="1" wrap="square" lIns="68575" tIns="34275" rIns="68575" bIns="34275" anchor="ctr" anchorCtr="0">
+            <a:normAutofit fontScale="90000"/>
+          </a:bodyPr>
+          <a:lstStyle/>
+          <a:p>
+            <a:pPr marL="0" lvl="0" indent="0" algn="l" rtl="0">
+              <a:lnSpc>
+                <a:spcPct val="90000"/>
+              </a:lnSpc>
+              <a:spcBef>
+                <a:spcPts val="0"/>
+              </a:spcBef>
+              <a:spcAft>
+                <a:spcPts val="0"/>
+              </a:spcAft>
+              <a:buClr>
+                <a:schemeClr val="dk1"/>
+              </a:buClr>
+              <a:buSzPts val="1400"/>
+              <a:buNone/>
+            </a:pPr>
+            <a:r>
+              <a:rPr lang="en-US" altLang="zh-CN" sz="3600" b="1" dirty="0">
+                <a:solidFill>
+                  <a:schemeClr val="bg1"/>
+                </a:solidFill>
+              </a:rPr>
+              <a:t> Methods-Generative Model A</a:t>
+            </a:r>
+            <a:r>
+              <a:rPr lang="en-US" altLang="zh-CN" sz="3600" b="1" dirty="0">
+                <a:solidFill>
+                  <a:schemeClr val="bg1"/>
+                </a:solidFill>
+                <a:ea typeface="宋体" panose="02010600030101010101" pitchFamily="2" charset="-122"/>
+              </a:rPr>
+              <a:t>rchitecture</a:t>
+            </a:r>
+            <a:endParaRPr lang="en-US" altLang="zh-CN" sz="3600" b="1" dirty="0">
+              <a:solidFill>
+                <a:schemeClr val="bg1"/>
+              </a:solidFill>
+              <a:ea typeface="宋体" panose="02010600030101010101" pitchFamily="2" charset="-122"/>
+            </a:endParaRPr>
+          </a:p>
+        </p:txBody>
+      </p:sp>
+      <p:sp>
+        <p:nvSpPr>
+          <p:cNvPr id="31" name="文本框 30"/>
+          <p:cNvSpPr txBox="1"/>
+          <p:nvPr/>
+        </p:nvSpPr>
+        <p:spPr>
+          <a:xfrm>
+            <a:off x="108585" y="697865"/>
+            <a:ext cx="8752840" cy="3522980"/>
+          </a:xfrm>
+          <a:prstGeom prst="rect">
+            <a:avLst/>
+          </a:prstGeom>
+        </p:spPr>
+        <p:txBody>
+          <a:bodyPr wrap="square">
+            <a:spAutoFit/>
+          </a:bodyPr>
+          <a:p>
+            <a:pPr marL="0" indent="0">
+              <a:lnSpc>
+                <a:spcPts val="2400"/>
+              </a:lnSpc>
+              <a:spcBef>
+                <a:spcPts val="2400"/>
+              </a:spcBef>
+              <a:spcAft>
+                <a:spcPts val="1200"/>
+              </a:spcAft>
+            </a:pPr>
+            <a:r>
+              <a:rPr lang="en-US" altLang="zh-CN" sz="2300" b="1">
+                <a:solidFill>
+                  <a:srgbClr val="0F1115"/>
+                </a:solidFill>
+                <a:latin typeface="Arial" panose="020B0604020202020204" pitchFamily="34" charset="0"/>
+                <a:ea typeface="quote-cjk-patch"/>
+                <a:cs typeface="Arial" panose="020B0604020202020204" pitchFamily="34" charset="0"/>
+              </a:rPr>
+              <a:t>Internal Comparison:</a:t>
+            </a:r>
+            <a:endParaRPr lang="en-US" altLang="zh-CN" sz="2300" b="1">
+              <a:solidFill>
+                <a:srgbClr val="0F1115"/>
+              </a:solidFill>
+              <a:latin typeface="Arial" panose="020B0604020202020204" pitchFamily="34" charset="0"/>
+              <a:ea typeface="quote-cjk-patch"/>
+              <a:cs typeface="Arial" panose="020B0604020202020204" pitchFamily="34" charset="0"/>
+            </a:endParaRPr>
+          </a:p>
+          <a:p>
+            <a:pPr marL="0" indent="0">
+              <a:spcBef>
+                <a:spcPct val="0"/>
+              </a:spcBef>
+              <a:spcAft>
+                <a:spcPct val="0"/>
+              </a:spcAft>
+              <a:buFont typeface="Arial" panose="020B0604020202020204"/>
+              <a:buChar char="•"/>
+            </a:pPr>
+            <a:r>
+              <a:rPr lang="en-US" altLang="zh-CN" sz="1600" b="0" i="0">
+                <a:solidFill>
+                  <a:srgbClr val="0F1115"/>
+                </a:solidFill>
+                <a:latin typeface="Arial" panose="020B0604020202020204" pitchFamily="34" charset="0"/>
+                <a:ea typeface="quote-cjk-patch"/>
+                <a:cs typeface="Arial" panose="020B0604020202020204" pitchFamily="34" charset="0"/>
+              </a:rPr>
+              <a:t> Performance comparison with baseline model (classifier)</a:t>
+            </a:r>
+            <a:endParaRPr lang="en-US" altLang="zh-CN" sz="1600" b="0" i="0">
+              <a:solidFill>
+                <a:srgbClr val="0F1115"/>
+              </a:solidFill>
+              <a:latin typeface="Arial" panose="020B0604020202020204" pitchFamily="34" charset="0"/>
+              <a:ea typeface="quote-cjk-patch"/>
+              <a:cs typeface="Arial" panose="020B0604020202020204" pitchFamily="34" charset="0"/>
+            </a:endParaRPr>
+          </a:p>
+          <a:p>
+            <a:pPr marL="0" indent="0">
+              <a:lnSpc>
+                <a:spcPct val="100000"/>
+              </a:lnSpc>
+              <a:spcBef>
+                <a:spcPct val="0"/>
+              </a:spcBef>
+              <a:spcAft>
+                <a:spcPct val="0"/>
+              </a:spcAft>
+              <a:buFont typeface="Arial" panose="020B0604020202020204"/>
+              <a:buChar char="•"/>
+            </a:pPr>
+            <a:r>
+              <a:rPr lang="en-US" altLang="zh-CN" sz="1600" b="0" i="0">
+                <a:solidFill>
+                  <a:srgbClr val="0F1115"/>
+                </a:solidFill>
+                <a:latin typeface="Arial" panose="020B0604020202020204" pitchFamily="34" charset="0"/>
+                <a:ea typeface="quote-cjk-patch"/>
+                <a:cs typeface="Arial" panose="020B0604020202020204" pitchFamily="34" charset="0"/>
+              </a:rPr>
+              <a:t> Analysis of performance differences across different question types</a:t>
+            </a:r>
+            <a:endParaRPr lang="en-US" altLang="zh-CN" sz="1600" b="0" i="0">
+              <a:solidFill>
+                <a:srgbClr val="0F1115"/>
+              </a:solidFill>
+              <a:latin typeface="Arial" panose="020B0604020202020204" pitchFamily="34" charset="0"/>
+              <a:ea typeface="quote-cjk-patch"/>
+              <a:cs typeface="Arial" panose="020B0604020202020204" pitchFamily="34" charset="0"/>
+            </a:endParaRPr>
+          </a:p>
+          <a:p>
+            <a:pPr marL="0" indent="0">
+              <a:lnSpc>
+                <a:spcPct val="100000"/>
+              </a:lnSpc>
+              <a:spcBef>
+                <a:spcPts val="2400"/>
+              </a:spcBef>
+              <a:spcAft>
+                <a:spcPts val="1200"/>
+              </a:spcAft>
+            </a:pPr>
+            <a:r>
+              <a:rPr lang="en-US" altLang="zh-CN" sz="2300" b="1">
+                <a:solidFill>
+                  <a:srgbClr val="0F1115"/>
+                </a:solidFill>
+                <a:latin typeface="Arial" panose="020B0604020202020204" pitchFamily="34" charset="0"/>
+                <a:ea typeface="quote-cjk-patch"/>
+                <a:cs typeface="Arial" panose="020B0604020202020204" pitchFamily="34" charset="0"/>
+              </a:rPr>
+              <a:t>External Comparison:</a:t>
+            </a:r>
+            <a:endParaRPr lang="en-US" altLang="zh-CN" sz="2300" b="1">
+              <a:solidFill>
+                <a:srgbClr val="0F1115"/>
+              </a:solidFill>
+              <a:latin typeface="Arial" panose="020B0604020202020204" pitchFamily="34" charset="0"/>
+              <a:ea typeface="quote-cjk-patch"/>
+              <a:cs typeface="Arial" panose="020B0604020202020204" pitchFamily="34" charset="0"/>
+            </a:endParaRPr>
+          </a:p>
+          <a:p>
+            <a:pPr marL="0" indent="0">
+              <a:spcBef>
+                <a:spcPct val="0"/>
+              </a:spcBef>
+              <a:spcAft>
+                <a:spcPct val="0"/>
+              </a:spcAft>
+              <a:buFont typeface="Arial" panose="020B0604020202020204"/>
+              <a:buChar char="•"/>
+            </a:pPr>
+            <a:r>
+              <a:rPr lang="en-US" altLang="zh-CN" sz="1600" b="0" i="0">
+                <a:solidFill>
+                  <a:srgbClr val="0F1115"/>
+                </a:solidFill>
+                <a:latin typeface="Arial" panose="020B0604020202020204" pitchFamily="34" charset="0"/>
+                <a:ea typeface="quote-cjk-patch"/>
+                <a:cs typeface="Arial" panose="020B0604020202020204" pitchFamily="34" charset="0"/>
+              </a:rPr>
+              <a:t> Comparison with results from Sonsbeek et al. (2023)</a:t>
+            </a:r>
+            <a:endParaRPr lang="en-US" altLang="zh-CN" sz="1600" b="0" i="0">
+              <a:solidFill>
+                <a:srgbClr val="0F1115"/>
+              </a:solidFill>
+              <a:latin typeface="Arial" panose="020B0604020202020204" pitchFamily="34" charset="0"/>
+              <a:ea typeface="quote-cjk-patch"/>
+              <a:cs typeface="Arial" panose="020B0604020202020204" pitchFamily="34" charset="0"/>
+            </a:endParaRPr>
+          </a:p>
+          <a:p>
+            <a:pPr marL="0" indent="0">
+              <a:spcBef>
+                <a:spcPct val="0"/>
+              </a:spcBef>
+              <a:spcAft>
+                <a:spcPts val="600"/>
+              </a:spcAft>
+              <a:buFont typeface="Arial" panose="020B0604020202020204"/>
+              <a:buChar char="•"/>
+            </a:pPr>
+            <a:r>
+              <a:rPr lang="en-US" altLang="zh-CN" sz="1600" b="0" i="0">
+                <a:solidFill>
+                  <a:srgbClr val="0F1115"/>
+                </a:solidFill>
+                <a:latin typeface="Arial" panose="020B0604020202020204" pitchFamily="34" charset="0"/>
+                <a:ea typeface="quote-cjk-patch"/>
+                <a:cs typeface="Arial" panose="020B0604020202020204" pitchFamily="34" charset="0"/>
+              </a:rPr>
+              <a:t> Analysis of differences:</a:t>
+            </a:r>
+            <a:endParaRPr lang="en-US" altLang="zh-CN" sz="1600" b="0" i="0">
+              <a:solidFill>
+                <a:srgbClr val="0F1115"/>
+              </a:solidFill>
+              <a:latin typeface="Arial" panose="020B0604020202020204" pitchFamily="34" charset="0"/>
+              <a:ea typeface="quote-cjk-patch"/>
+              <a:cs typeface="Arial" panose="020B0604020202020204" pitchFamily="34" charset="0"/>
+            </a:endParaRPr>
+          </a:p>
+          <a:p>
+            <a:pPr marL="457200" lvl="2" indent="0">
+              <a:spcBef>
+                <a:spcPct val="0"/>
+              </a:spcBef>
+              <a:spcAft>
+                <a:spcPct val="0"/>
+              </a:spcAft>
+              <a:buFont typeface="Arial" panose="020B0604020202020204"/>
+              <a:buChar char="◦"/>
+            </a:pPr>
+            <a:r>
+              <a:rPr lang="en-US" altLang="zh-CN" sz="1600" b="0" i="0">
+                <a:solidFill>
+                  <a:srgbClr val="0F1115"/>
+                </a:solidFill>
+                <a:latin typeface="Arial" panose="020B0604020202020204" pitchFamily="34" charset="0"/>
+                <a:ea typeface="quote-cjk-patch"/>
+                <a:cs typeface="Arial" panose="020B0604020202020204" pitchFamily="34" charset="0"/>
+              </a:rPr>
+              <a:t>Dataset partitioning variations</a:t>
+            </a:r>
+            <a:endParaRPr lang="en-US" altLang="zh-CN" sz="1600" b="0" i="0">
+              <a:solidFill>
+                <a:srgbClr val="0F1115"/>
+              </a:solidFill>
+              <a:latin typeface="Arial" panose="020B0604020202020204" pitchFamily="34" charset="0"/>
+              <a:ea typeface="quote-cjk-patch"/>
+              <a:cs typeface="Arial" panose="020B0604020202020204" pitchFamily="34" charset="0"/>
+            </a:endParaRPr>
+          </a:p>
+          <a:p>
+            <a:pPr marL="457200" lvl="2" indent="0">
+              <a:spcBef>
+                <a:spcPct val="0"/>
+              </a:spcBef>
+              <a:spcAft>
+                <a:spcPct val="0"/>
+              </a:spcAft>
+              <a:buFont typeface="Arial" panose="020B0604020202020204"/>
+              <a:buChar char="◦"/>
+            </a:pPr>
+            <a:r>
+              <a:rPr lang="en-US" altLang="zh-CN" sz="1600" b="0" i="0">
+                <a:solidFill>
+                  <a:srgbClr val="0F1115"/>
+                </a:solidFill>
+                <a:latin typeface="Arial" panose="020B0604020202020204" pitchFamily="34" charset="0"/>
+                <a:ea typeface="quote-cjk-patch"/>
+                <a:cs typeface="Arial" panose="020B0604020202020204" pitchFamily="34" charset="0"/>
+              </a:rPr>
+              <a:t>Hyperparameter settings</a:t>
+            </a:r>
+            <a:endParaRPr lang="en-US" altLang="zh-CN" sz="1600" b="0" i="0">
+              <a:solidFill>
+                <a:srgbClr val="0F1115"/>
+              </a:solidFill>
+              <a:latin typeface="Arial" panose="020B0604020202020204" pitchFamily="34" charset="0"/>
+              <a:ea typeface="quote-cjk-patch"/>
+              <a:cs typeface="Arial" panose="020B0604020202020204" pitchFamily="34" charset="0"/>
+            </a:endParaRPr>
+          </a:p>
+          <a:p>
+            <a:pPr marL="457200" lvl="2" indent="0">
+              <a:spcBef>
+                <a:spcPct val="0"/>
+              </a:spcBef>
+              <a:spcAft>
+                <a:spcPct val="0"/>
+              </a:spcAft>
+              <a:buFont typeface="Arial" panose="020B0604020202020204"/>
+              <a:buChar char="◦"/>
+            </a:pPr>
+            <a:r>
+              <a:rPr lang="en-US" altLang="zh-CN" sz="1600" b="0" i="0">
+                <a:solidFill>
+                  <a:srgbClr val="0F1115"/>
+                </a:solidFill>
+                <a:latin typeface="Arial" panose="020B0604020202020204" pitchFamily="34" charset="0"/>
+                <a:ea typeface="quote-cjk-patch"/>
+                <a:cs typeface="Arial" panose="020B0604020202020204" pitchFamily="34" charset="0"/>
+              </a:rPr>
+              <a:t>Training strategy adjustments</a:t>
+            </a:r>
+            <a:endParaRPr lang="en-US" altLang="zh-CN" sz="1600" b="0" i="0">
+              <a:solidFill>
+                <a:srgbClr val="0F1115"/>
+              </a:solidFill>
+              <a:latin typeface="Arial" panose="020B0604020202020204" pitchFamily="34" charset="0"/>
+              <a:ea typeface="quote-cjk-patch"/>
+              <a:cs typeface="Arial" panose="020B0604020202020204" pitchFamily="34" charset="0"/>
+            </a:endParaRPr>
+          </a:p>
+          <a:p>
+            <a:pPr marL="0" lvl="1" indent="0">
+              <a:spcBef>
+                <a:spcPct val="0"/>
+              </a:spcBef>
+              <a:spcAft>
+                <a:spcPct val="0"/>
+              </a:spcAft>
+              <a:buFont typeface="Arial" panose="020B0604020202020204"/>
+              <a:buNone/>
+            </a:pPr>
+            <a:r>
+              <a:rPr lang="en-US" altLang="zh-CN" sz="2300" b="1" i="0">
+                <a:solidFill>
+                  <a:srgbClr val="0F1115"/>
+                </a:solidFill>
+                <a:latin typeface="Arial" panose="020B0604020202020204" pitchFamily="34" charset="0"/>
+                <a:ea typeface="quote-cjk-patch"/>
+                <a:cs typeface="Arial" panose="020B0604020202020204" pitchFamily="34" charset="0"/>
+              </a:rPr>
+              <a:t>Evaluation Principles:</a:t>
+            </a:r>
+            <a:endParaRPr lang="zh-CN" altLang="en-US" sz="2300" b="1" i="0">
+              <a:solidFill>
+                <a:srgbClr val="0F1115"/>
+              </a:solidFill>
+              <a:latin typeface="Arial" panose="020B0604020202020204" pitchFamily="34" charset="0"/>
+              <a:ea typeface="宋体" panose="02010600030101010101" pitchFamily="2" charset="-122"/>
+              <a:cs typeface="Arial" panose="020B0604020202020204" pitchFamily="34" charset="0"/>
+            </a:endParaRPr>
+          </a:p>
+        </p:txBody>
+      </p:sp>
+      <p:sp>
+        <p:nvSpPr>
+          <p:cNvPr id="33" name="文本框 32"/>
+          <p:cNvSpPr txBox="1"/>
+          <p:nvPr/>
+        </p:nvSpPr>
+        <p:spPr>
+          <a:xfrm>
+            <a:off x="697865" y="4220845"/>
+            <a:ext cx="3148965" cy="394335"/>
+          </a:xfrm>
+          <a:prstGeom prst="rect">
+            <a:avLst/>
+          </a:prstGeom>
+          <a:solidFill>
+            <a:schemeClr val="accent3">
+              <a:lumMod val="75000"/>
+            </a:schemeClr>
+          </a:solidFill>
+        </p:spPr>
+        <p:txBody>
+          <a:bodyPr wrap="square" rtlCol="0" anchor="t">
+            <a:noAutofit/>
+          </a:bodyPr>
+          <a:p>
+            <a:r>
+              <a:rPr lang="en-US" altLang="zh-CN" sz="1800" b="1">
+                <a:solidFill>
+                  <a:schemeClr val="bg1"/>
+                </a:solidFill>
+              </a:rPr>
+              <a:t>Task Adaptability</a:t>
+            </a:r>
+            <a:endParaRPr lang="en-US" altLang="zh-CN" sz="1800" b="1">
+              <a:solidFill>
+                <a:schemeClr val="bg1"/>
+              </a:solidFill>
+            </a:endParaRPr>
+          </a:p>
+        </p:txBody>
+      </p:sp>
+      <p:sp>
+        <p:nvSpPr>
+          <p:cNvPr id="34" name="文本框 33"/>
+          <p:cNvSpPr txBox="1"/>
+          <p:nvPr/>
+        </p:nvSpPr>
+        <p:spPr>
+          <a:xfrm>
+            <a:off x="4803775" y="4220845"/>
+            <a:ext cx="3028315" cy="394335"/>
+          </a:xfrm>
+          <a:prstGeom prst="rect">
+            <a:avLst/>
+          </a:prstGeom>
+          <a:solidFill>
+            <a:schemeClr val="accent1">
+              <a:lumMod val="75000"/>
+            </a:schemeClr>
+          </a:solidFill>
+        </p:spPr>
+        <p:txBody>
+          <a:bodyPr wrap="square" rtlCol="0" anchor="t">
+            <a:noAutofit/>
+          </a:bodyPr>
+          <a:p>
+            <a:r>
+              <a:rPr lang="en-US" altLang="zh-CN" sz="1800" b="1">
+                <a:solidFill>
+                  <a:schemeClr val="bg1"/>
+                </a:solidFill>
+              </a:rPr>
+              <a:t>Medical Specificity</a:t>
+            </a:r>
+            <a:endParaRPr lang="en-US" altLang="zh-CN" sz="1800" b="1">
+              <a:solidFill>
+                <a:schemeClr val="bg1"/>
+              </a:solidFill>
+            </a:endParaRPr>
+          </a:p>
+        </p:txBody>
+      </p:sp>
+      <p:sp>
+        <p:nvSpPr>
+          <p:cNvPr id="35" name="文本框 34"/>
+          <p:cNvSpPr txBox="1"/>
+          <p:nvPr/>
+        </p:nvSpPr>
+        <p:spPr>
+          <a:xfrm>
+            <a:off x="697865" y="4680585"/>
+            <a:ext cx="3148965" cy="394335"/>
+          </a:xfrm>
+          <a:prstGeom prst="rect">
+            <a:avLst/>
+          </a:prstGeom>
+          <a:solidFill>
+            <a:schemeClr val="accent6">
+              <a:lumMod val="75000"/>
+            </a:schemeClr>
+          </a:solidFill>
+        </p:spPr>
+        <p:txBody>
+          <a:bodyPr wrap="square" rtlCol="0" anchor="t">
+            <a:noAutofit/>
+          </a:bodyPr>
+          <a:p>
+            <a:r>
+              <a:rPr lang="en-US" altLang="zh-CN" sz="1800" b="1">
+                <a:solidFill>
+                  <a:schemeClr val="bg1"/>
+                </a:solidFill>
+              </a:rPr>
+              <a:t>Benchmark Consistency</a:t>
+            </a:r>
+            <a:endParaRPr lang="en-US" altLang="zh-CN" sz="1800" b="1">
+              <a:solidFill>
+                <a:schemeClr val="bg1"/>
+              </a:solidFill>
+            </a:endParaRPr>
+          </a:p>
+        </p:txBody>
+      </p:sp>
+      <p:sp>
+        <p:nvSpPr>
+          <p:cNvPr id="36" name="文本框 35"/>
+          <p:cNvSpPr txBox="1"/>
+          <p:nvPr/>
+        </p:nvSpPr>
+        <p:spPr>
+          <a:xfrm>
+            <a:off x="4803775" y="4672330"/>
+            <a:ext cx="3028315" cy="394335"/>
+          </a:xfrm>
+          <a:prstGeom prst="rect">
+            <a:avLst/>
+          </a:prstGeom>
+          <a:solidFill>
+            <a:schemeClr val="accent4">
+              <a:lumMod val="75000"/>
+            </a:schemeClr>
+          </a:solidFill>
+        </p:spPr>
+        <p:txBody>
+          <a:bodyPr wrap="square" rtlCol="0" anchor="t">
+            <a:noAutofit/>
+          </a:bodyPr>
+          <a:p>
+            <a:r>
+              <a:rPr lang="en-US" altLang="zh-CN" sz="1800" b="1">
+                <a:solidFill>
+                  <a:schemeClr val="bg1"/>
+                </a:solidFill>
+              </a:rPr>
+              <a:t>Comprehensiveness</a:t>
+            </a:r>
+            <a:endParaRPr lang="en-US" altLang="zh-CN" sz="1800" b="1">
+              <a:solidFill>
+                <a:schemeClr val="bg1"/>
+              </a:solidFill>
+            </a:endParaRPr>
+          </a:p>
+        </p:txBody>
+      </p:sp>
+    </p:spTree>
+  </p:cSld>
+  <p:clrMapOvr>
+    <a:masterClrMapping/>
+  </p:clrMapOvr>
+  <p:timing>
+    <p:tnLst>
+      <p:par>
+        <p:cTn id="1" dur="indefinite" restart="never" nodeType="tmRoot"/>
+      </p:par>
+    </p:tnLst>
+  </p:timing>
+</p:sld>
+</file>
+
+<file path=ppt/slides/slide9.xml><?xml version="1.0" encoding="utf-8"?>
 <p:sld xmlns:a="http://schemas.openxmlformats.org/drawingml/2006/main" xmlns:r="http://schemas.openxmlformats.org/officeDocument/2006/relationships" xmlns:p="http://schemas.openxmlformats.org/presentationml/2006/main">
   <p:cSld>
     <p:spTree>
@@ -16204,23 +20645,27 @@
         <p:nvGraphicFramePr>
           <p:cNvPr id="8" name="表格 7"/>
           <p:cNvGraphicFramePr/>
-          <p:nvPr/>
+          <p:nvPr>
+            <p:custDataLst>
+              <p:tags r:id="rId2"/>
+            </p:custDataLst>
+          </p:nvPr>
         </p:nvGraphicFramePr>
         <p:xfrm>
-          <a:off x="2566035" y="763905"/>
-          <a:ext cx="6314440" cy="2155825"/>
+          <a:off x="2832100" y="775335"/>
+          <a:ext cx="5866130" cy="1891665"/>
         </p:xfrm>
         <a:graphic>
           <a:graphicData uri="http://schemas.openxmlformats.org/drawingml/2006/table">
             <a:tbl>
               <a:tblPr/>
               <a:tblGrid>
-                <a:gridCol w="1064895"/>
-                <a:gridCol w="1871345"/>
-                <a:gridCol w="1620520"/>
-                <a:gridCol w="1757680"/>
+                <a:gridCol w="989330"/>
+                <a:gridCol w="1738630"/>
+                <a:gridCol w="1505585"/>
+                <a:gridCol w="1632585"/>
               </a:tblGrid>
-              <a:tr h="353060">
+              <a:tr h="309880">
                 <a:tc>
                   <a:txBody>
                     <a:bodyPr/>
@@ -16426,7 +20871,7 @@
                   </a:tcPr>
                 </a:tc>
               </a:tr>
-              <a:tr h="363855">
+              <a:tr h="319405">
                 <a:tc>
                   <a:txBody>
                     <a:bodyPr/>
@@ -16675,7 +21120,7 @@
                   </a:tcPr>
                 </a:tc>
               </a:tr>
-              <a:tr h="355600">
+              <a:tr h="311785">
                 <a:tc>
                   <a:txBody>
                     <a:bodyPr/>
@@ -16883,7 +21328,7 @@
                   </a:tcPr>
                 </a:tc>
               </a:tr>
-              <a:tr h="363855">
+              <a:tr h="319405">
                 <a:tc>
                   <a:txBody>
                     <a:bodyPr/>
@@ -17091,7 +21536,7 @@
                   </a:tcPr>
                 </a:tc>
               </a:tr>
-              <a:tr h="355600">
+              <a:tr h="311785">
                 <a:tc>
                   <a:txBody>
                     <a:bodyPr/>
@@ -17278,7 +21723,7 @@
                   </a:tcPr>
                 </a:tc>
               </a:tr>
-              <a:tr h="363855">
+              <a:tr h="319405">
                 <a:tc>
                   <a:txBody>
                     <a:bodyPr/>
@@ -17477,14 +21922,14 @@
           <p:nvPr/>
         </p:nvPicPr>
         <p:blipFill>
-          <a:blip r:embed="rId2"/>
+          <a:blip r:embed="rId3"/>
           <a:stretch>
             <a:fillRect/>
           </a:stretch>
         </p:blipFill>
         <p:spPr>
           <a:xfrm>
-            <a:off x="2383790" y="3035935"/>
+            <a:off x="2383790" y="2738755"/>
             <a:ext cx="6496685" cy="1807210"/>
           </a:xfrm>
           <a:prstGeom prst="rect">
@@ -17496,288 +21941,321 @@
           </a:ln>
         </p:spPr>
       </p:pic>
-    </p:spTree>
-  </p:cSld>
-  <p:clrMapOvr>
-    <a:masterClrMapping/>
-  </p:clrMapOvr>
-  <p:timing>
-    <p:tnLst>
-      <p:par>
-        <p:cTn id="1" dur="indefinite" restart="never" nodeType="tmRoot"/>
-      </p:par>
-    </p:tnLst>
-  </p:timing>
-</p:sld>
-</file>
-
-<file path=ppt/slides/slide8.xml><?xml version="1.0" encoding="utf-8"?>
-<p:sld xmlns:a="http://schemas.openxmlformats.org/drawingml/2006/main" xmlns:r="http://schemas.openxmlformats.org/officeDocument/2006/relationships" xmlns:p="http://schemas.openxmlformats.org/presentationml/2006/main">
-  <p:cSld>
-    <p:spTree>
-      <p:nvGrpSpPr>
-        <p:cNvPr id="1" name="Shape 77"/>
-        <p:cNvGrpSpPr/>
-        <p:nvPr/>
-      </p:nvGrpSpPr>
-      <p:grpSpPr>
-        <a:xfrm>
-          <a:off x="0" y="0"/>
-          <a:ext cx="0" cy="0"/>
-          <a:chOff x="0" y="0"/>
-          <a:chExt cx="0" cy="0"/>
-        </a:xfrm>
-      </p:grpSpPr>
-      <p:pic>
-        <p:nvPicPr>
-          <p:cNvPr id="78" name="Google Shape;78;p2"/>
-          <p:cNvPicPr preferRelativeResize="0"/>
+      <p:cxnSp>
+        <p:nvCxnSpPr>
+          <p:cNvPr id="3" name="直接箭头连接符 2"/>
+          <p:cNvCxnSpPr/>
           <p:nvPr/>
-        </p:nvPicPr>
-        <p:blipFill rotWithShape="1">
-          <a:blip r:embed="rId1"/>
-          <a:srcRect/>
-          <a:stretch>
-            <a:fillRect/>
-          </a:stretch>
-        </p:blipFill>
+        </p:nvCxnSpPr>
         <p:spPr>
           <a:xfrm>
-            <a:off x="0" y="0"/>
-            <a:ext cx="9144000" cy="697865"/>
+            <a:off x="2832100" y="3903345"/>
+            <a:ext cx="690880" cy="334010"/>
           </a:xfrm>
-          <a:prstGeom prst="rect">
+          <a:prstGeom prst="straightConnector1">
             <a:avLst/>
           </a:prstGeom>
-          <a:noFill/>
           <a:ln>
-            <a:noFill/>
+            <a:solidFill>
+              <a:schemeClr val="accent3">
+                <a:lumMod val="75000"/>
+              </a:schemeClr>
+            </a:solidFill>
+            <a:tailEnd type="arrow" w="med" len="med"/>
           </a:ln>
         </p:spPr>
-      </p:pic>
+        <p:style>
+          <a:lnRef idx="3">
+            <a:schemeClr val="accent1"/>
+          </a:lnRef>
+          <a:fillRef idx="0">
+            <a:srgbClr val="FFFFFF"/>
+          </a:fillRef>
+          <a:effectRef idx="0">
+            <a:srgbClr val="FFFFFF"/>
+          </a:effectRef>
+          <a:fontRef idx="minor">
+            <a:schemeClr val="tx1"/>
+          </a:fontRef>
+        </p:style>
+      </p:cxnSp>
+      <p:cxnSp>
+        <p:nvCxnSpPr>
+          <p:cNvPr id="4" name="直接箭头连接符 3"/>
+          <p:cNvCxnSpPr/>
+          <p:nvPr/>
+        </p:nvCxnSpPr>
+        <p:spPr>
+          <a:xfrm flipV="1">
+            <a:off x="4939665" y="3016885"/>
+            <a:ext cx="979170" cy="552450"/>
+          </a:xfrm>
+          <a:prstGeom prst="straightConnector1">
+            <a:avLst/>
+          </a:prstGeom>
+          <a:ln>
+            <a:solidFill>
+              <a:schemeClr val="accent3">
+                <a:lumMod val="75000"/>
+              </a:schemeClr>
+            </a:solidFill>
+            <a:tailEnd type="arrow" w="med" len="med"/>
+          </a:ln>
+        </p:spPr>
+        <p:style>
+          <a:lnRef idx="3">
+            <a:schemeClr val="accent1"/>
+          </a:lnRef>
+          <a:fillRef idx="0">
+            <a:srgbClr val="FFFFFF"/>
+          </a:fillRef>
+          <a:effectRef idx="0">
+            <a:srgbClr val="FFFFFF"/>
+          </a:effectRef>
+          <a:fontRef idx="minor">
+            <a:schemeClr val="tx1"/>
+          </a:fontRef>
+        </p:style>
+      </p:cxnSp>
+      <p:cxnSp>
+        <p:nvCxnSpPr>
+          <p:cNvPr id="5" name="直接箭头连接符 4"/>
+          <p:cNvCxnSpPr/>
+          <p:nvPr/>
+        </p:nvCxnSpPr>
+        <p:spPr>
+          <a:xfrm flipV="1">
+            <a:off x="7611745" y="3408045"/>
+            <a:ext cx="736600" cy="645160"/>
+          </a:xfrm>
+          <a:prstGeom prst="straightConnector1">
+            <a:avLst/>
+          </a:prstGeom>
+          <a:ln>
+            <a:solidFill>
+              <a:schemeClr val="accent3">
+                <a:lumMod val="75000"/>
+              </a:schemeClr>
+            </a:solidFill>
+            <a:tailEnd type="arrow" w="med" len="med"/>
+          </a:ln>
+        </p:spPr>
+        <p:style>
+          <a:lnRef idx="3">
+            <a:schemeClr val="accent1"/>
+          </a:lnRef>
+          <a:fillRef idx="0">
+            <a:srgbClr val="FFFFFF"/>
+          </a:fillRef>
+          <a:effectRef idx="0">
+            <a:srgbClr val="FFFFFF"/>
+          </a:effectRef>
+          <a:fontRef idx="minor">
+            <a:schemeClr val="tx1"/>
+          </a:fontRef>
+        </p:style>
+      </p:cxnSp>
       <p:sp>
         <p:nvSpPr>
-          <p:cNvPr id="79" name="Google Shape;79;p2"/>
-          <p:cNvSpPr txBox="1">
-            <a:spLocks noGrp="1"/>
-          </p:cNvSpPr>
-          <p:nvPr>
-            <p:ph type="title"/>
-          </p:nvPr>
-        </p:nvSpPr>
-        <p:spPr>
-          <a:xfrm>
-            <a:off x="0" y="-76"/>
-            <a:ext cx="7421963" cy="775252"/>
-          </a:xfrm>
-          <a:prstGeom prst="rect">
-            <a:avLst/>
-          </a:prstGeom>
-          <a:noFill/>
-          <a:ln>
-            <a:noFill/>
-          </a:ln>
-        </p:spPr>
-        <p:txBody>
-          <a:bodyPr spcFirstLastPara="1" wrap="square" lIns="68575" tIns="34275" rIns="68575" bIns="34275" anchor="ctr" anchorCtr="0">
-            <a:normAutofit/>
-          </a:bodyPr>
-          <a:lstStyle/>
-          <a:p>
-            <a:pPr marL="0" lvl="0" indent="0" algn="l" rtl="0">
-              <a:lnSpc>
-                <a:spcPct val="90000"/>
-              </a:lnSpc>
-              <a:spcBef>
-                <a:spcPts val="0"/>
-              </a:spcBef>
-              <a:spcAft>
-                <a:spcPts val="0"/>
-              </a:spcAft>
-              <a:buClr>
-                <a:schemeClr val="dk1"/>
-              </a:buClr>
-              <a:buSzPts val="1400"/>
-              <a:buNone/>
-            </a:pPr>
-            <a:r>
-              <a:rPr lang="en-US" altLang="zh-CN" sz="3600" b="1" dirty="0">
-                <a:solidFill>
-                  <a:schemeClr val="bg1"/>
-                </a:solidFill>
-              </a:rPr>
-              <a:t>Result-baseline </a:t>
-            </a:r>
-            <a:endParaRPr lang="en-US" altLang="zh-CN" sz="3600" b="1" dirty="0">
-              <a:solidFill>
-                <a:schemeClr val="bg1"/>
-              </a:solidFill>
-              <a:ea typeface="宋体" panose="02010600030101010101" pitchFamily="2" charset="-122"/>
-            </a:endParaRPr>
-          </a:p>
-        </p:txBody>
-      </p:sp>
-      <p:pic>
-        <p:nvPicPr>
-          <p:cNvPr id="7" name="图片 3" descr="IMG_256"/>
-          <p:cNvPicPr>
-            <a:picLocks noChangeAspect="1"/>
-          </p:cNvPicPr>
-          <p:nvPr/>
-        </p:nvPicPr>
-        <p:blipFill>
-          <a:blip r:embed="rId2"/>
-          <a:stretch>
-            <a:fillRect/>
-          </a:stretch>
-        </p:blipFill>
-        <p:spPr>
-          <a:xfrm>
-            <a:off x="109855" y="775335"/>
-            <a:ext cx="6553200" cy="2783840"/>
-          </a:xfrm>
-          <a:prstGeom prst="rect">
-            <a:avLst/>
-          </a:prstGeom>
-          <a:noFill/>
-          <a:ln w="9525">
-            <a:noFill/>
-          </a:ln>
-        </p:spPr>
-      </p:pic>
-    </p:spTree>
-  </p:cSld>
-  <p:clrMapOvr>
-    <a:masterClrMapping/>
-  </p:clrMapOvr>
-  <p:timing>
-    <p:tnLst>
-      <p:par>
-        <p:cTn id="1" dur="indefinite" restart="never" nodeType="tmRoot"/>
-      </p:par>
-    </p:tnLst>
-  </p:timing>
-</p:sld>
-</file>
-
-<file path=ppt/slides/slide9.xml><?xml version="1.0" encoding="utf-8"?>
-<p:sld xmlns:a="http://schemas.openxmlformats.org/drawingml/2006/main" xmlns:r="http://schemas.openxmlformats.org/officeDocument/2006/relationships" xmlns:p="http://schemas.openxmlformats.org/presentationml/2006/main">
-  <p:cSld>
-    <p:spTree>
-      <p:nvGrpSpPr>
-        <p:cNvPr id="1" name="Shape 69"/>
-        <p:cNvGrpSpPr/>
-        <p:nvPr/>
-      </p:nvGrpSpPr>
-      <p:grpSpPr>
-        <a:xfrm>
-          <a:off x="0" y="0"/>
-          <a:ext cx="0" cy="0"/>
-          <a:chOff x="0" y="0"/>
-          <a:chExt cx="0" cy="0"/>
-        </a:xfrm>
-      </p:grpSpPr>
-      <p:pic>
-        <p:nvPicPr>
-          <p:cNvPr id="70" name="Google Shape;70;p1"/>
-          <p:cNvPicPr preferRelativeResize="0"/>
-          <p:nvPr/>
-        </p:nvPicPr>
-        <p:blipFill rotWithShape="1">
-          <a:blip r:embed="rId1"/>
-          <a:srcRect b="8619"/>
-          <a:stretch>
-            <a:fillRect/>
-          </a:stretch>
-        </p:blipFill>
-        <p:spPr>
-          <a:xfrm>
-            <a:off x="0" y="-6985"/>
-            <a:ext cx="9144000" cy="3009265"/>
-          </a:xfrm>
-          <a:prstGeom prst="rect">
-            <a:avLst/>
-          </a:prstGeom>
-          <a:noFill/>
-          <a:ln>
-            <a:noFill/>
-          </a:ln>
-        </p:spPr>
-      </p:pic>
-      <p:sp>
-        <p:nvSpPr>
-          <p:cNvPr id="71" name="Google Shape;71;p1"/>
+          <p:cNvPr id="10" name="文本框 9"/>
           <p:cNvSpPr txBox="1"/>
           <p:nvPr/>
         </p:nvSpPr>
         <p:spPr>
           <a:xfrm>
-            <a:off x="2498071" y="1131106"/>
-            <a:ext cx="3957357" cy="1016889"/>
+            <a:off x="3540760" y="4545965"/>
+            <a:ext cx="1943100" cy="521970"/>
           </a:xfrm>
           <a:prstGeom prst="rect">
             <a:avLst/>
           </a:prstGeom>
-          <a:noFill/>
+          <a:solidFill>
+            <a:schemeClr val="accent3">
+              <a:lumMod val="75000"/>
+            </a:schemeClr>
+          </a:solidFill>
+        </p:spPr>
+        <p:txBody>
+          <a:bodyPr wrap="square" rtlCol="0" anchor="t">
+            <a:spAutoFit/>
+          </a:bodyPr>
+          <a:p>
+            <a:r>
+              <a:rPr lang="en-US" altLang="zh-CN" sz="2800" b="1">
+                <a:solidFill>
+                  <a:schemeClr val="bg1"/>
+                </a:solidFill>
+              </a:rPr>
+              <a:t>Learnable</a:t>
+            </a:r>
+            <a:endParaRPr lang="en-US" altLang="zh-CN" sz="2800" b="1">
+              <a:solidFill>
+                <a:schemeClr val="bg1"/>
+              </a:solidFill>
+            </a:endParaRPr>
+          </a:p>
+        </p:txBody>
+      </p:sp>
+      <p:cxnSp>
+        <p:nvCxnSpPr>
+          <p:cNvPr id="11" name="直接箭头连接符 10"/>
+          <p:cNvCxnSpPr/>
+          <p:nvPr/>
+        </p:nvCxnSpPr>
+        <p:spPr>
+          <a:xfrm flipV="1">
+            <a:off x="3365500" y="3693795"/>
+            <a:ext cx="943610" cy="2540"/>
+          </a:xfrm>
+          <a:prstGeom prst="straightConnector1">
+            <a:avLst/>
+          </a:prstGeom>
           <a:ln>
-            <a:noFill/>
+            <a:solidFill>
+              <a:schemeClr val="accent4">
+                <a:lumMod val="75000"/>
+              </a:schemeClr>
+            </a:solidFill>
+            <a:tailEnd type="arrow" w="med" len="med"/>
+          </a:ln>
+        </p:spPr>
+        <p:style>
+          <a:lnRef idx="3">
+            <a:schemeClr val="accent1"/>
+          </a:lnRef>
+          <a:fillRef idx="0">
+            <a:srgbClr val="FFFFFF"/>
+          </a:fillRef>
+          <a:effectRef idx="0">
+            <a:srgbClr val="FFFFFF"/>
+          </a:effectRef>
+          <a:fontRef idx="minor">
+            <a:schemeClr val="tx1"/>
+          </a:fontRef>
+        </p:style>
+      </p:cxnSp>
+      <p:cxnSp>
+        <p:nvCxnSpPr>
+          <p:cNvPr id="13" name="直接箭头连接符 12"/>
+          <p:cNvCxnSpPr/>
+          <p:nvPr/>
+        </p:nvCxnSpPr>
+        <p:spPr>
+          <a:xfrm flipV="1">
+            <a:off x="4516755" y="1217930"/>
+            <a:ext cx="967105" cy="11430"/>
+          </a:xfrm>
+          <a:prstGeom prst="straightConnector1">
+            <a:avLst/>
+          </a:prstGeom>
+          <a:ln>
+            <a:solidFill>
+              <a:schemeClr val="accent4">
+                <a:lumMod val="75000"/>
+              </a:schemeClr>
+            </a:solidFill>
+            <a:headEnd type="arrow" w="med" len="med"/>
+            <a:tailEnd type="arrow" w="med" len="med"/>
+          </a:ln>
+        </p:spPr>
+        <p:style>
+          <a:lnRef idx="3">
+            <a:schemeClr val="accent1"/>
+          </a:lnRef>
+          <a:fillRef idx="0">
+            <a:srgbClr val="FFFFFF"/>
+          </a:fillRef>
+          <a:effectRef idx="0">
+            <a:srgbClr val="FFFFFF"/>
+          </a:effectRef>
+          <a:fontRef idx="minor">
+            <a:schemeClr val="tx1"/>
+          </a:fontRef>
+        </p:style>
+      </p:cxnSp>
+      <p:cxnSp>
+        <p:nvCxnSpPr>
+          <p:cNvPr id="14" name="直接箭头连接符 13"/>
+          <p:cNvCxnSpPr/>
+          <p:nvPr/>
+        </p:nvCxnSpPr>
+        <p:spPr>
+          <a:xfrm flipV="1">
+            <a:off x="6268085" y="1229360"/>
+            <a:ext cx="805180" cy="11430"/>
+          </a:xfrm>
+          <a:prstGeom prst="straightConnector1">
+            <a:avLst/>
+          </a:prstGeom>
+          <a:ln>
+            <a:solidFill>
+              <a:schemeClr val="accent4">
+                <a:lumMod val="75000"/>
+              </a:schemeClr>
+            </a:solidFill>
+            <a:headEnd type="arrow" w="med" len="med"/>
+            <a:tailEnd type="arrow" w="med" len="med"/>
+          </a:ln>
+        </p:spPr>
+        <p:style>
+          <a:lnRef idx="3">
+            <a:schemeClr val="accent1"/>
+          </a:lnRef>
+          <a:fillRef idx="0">
+            <a:srgbClr val="FFFFFF"/>
+          </a:fillRef>
+          <a:effectRef idx="0">
+            <a:srgbClr val="FFFFFF"/>
+          </a:effectRef>
+          <a:fontRef idx="minor">
+            <a:schemeClr val="tx1"/>
+          </a:fontRef>
+        </p:style>
+      </p:cxnSp>
+      <p:sp>
+        <p:nvSpPr>
+          <p:cNvPr id="17" name="文本框 16"/>
+          <p:cNvSpPr txBox="1"/>
+          <p:nvPr/>
+        </p:nvSpPr>
+        <p:spPr>
+          <a:xfrm>
+            <a:off x="6071870" y="4545965"/>
+            <a:ext cx="2104390" cy="521970"/>
+          </a:xfrm>
+          <a:prstGeom prst="rect">
+            <a:avLst/>
+          </a:prstGeom>
+          <a:solidFill>
+            <a:schemeClr val="accent4">
+              <a:lumMod val="75000"/>
+            </a:schemeClr>
+          </a:solidFill>
+          <a:ln>
+            <a:solidFill>
+              <a:schemeClr val="accent4">
+                <a:lumMod val="75000"/>
+              </a:schemeClr>
+            </a:solidFill>
           </a:ln>
         </p:spPr>
         <p:txBody>
-          <a:bodyPr spcFirstLastPara="1" wrap="square" lIns="68575" tIns="34275" rIns="68575" bIns="34275" anchor="b" anchorCtr="0">
-            <a:normAutofit/>
+          <a:bodyPr wrap="square" rtlCol="0" anchor="t">
+            <a:spAutoFit/>
           </a:bodyPr>
-          <a:lstStyle/>
           <a:p>
-            <a:pPr marL="0" marR="0" lvl="0" indent="0" algn="ctr" rtl="0">
-              <a:lnSpc>
-                <a:spcPct val="90000"/>
-              </a:lnSpc>
-              <a:spcBef>
-                <a:spcPts val="0"/>
-              </a:spcBef>
-              <a:spcAft>
-                <a:spcPts val="0"/>
-              </a:spcAft>
-              <a:buClr>
-                <a:srgbClr val="FFFFFF"/>
-              </a:buClr>
-              <a:buSzPts val="3600"/>
-              <a:buFont typeface="Calibri" panose="020F0502020204030204"/>
-              <a:buNone/>
-            </a:pPr>
             <a:r>
-              <a:rPr lang="en-US" sz="3600" b="1" dirty="0" smtClean="0">
-                <a:solidFill>
-                  <a:srgbClr val="FFFFFF"/>
+              <a:rPr lang="en-US" altLang="zh-CN" sz="2800" b="1">
+                <a:solidFill>
+                  <a:schemeClr val="bg1"/>
                 </a:solidFill>
               </a:rPr>
-              <a:t>THAN</a:t>
+              <a:t>Overfitting</a:t>
             </a:r>
-            <a:r>
-              <a:rPr lang="en-US" altLang="zh-CN" sz="3600" b="1" dirty="0" smtClean="0">
-                <a:solidFill>
-                  <a:srgbClr val="FFFFFF"/>
-                </a:solidFill>
-              </a:rPr>
-              <a:t>K</a:t>
-            </a:r>
-            <a:r>
-              <a:rPr lang="en-US" sz="3600" b="1" dirty="0" smtClean="0">
-                <a:solidFill>
-                  <a:srgbClr val="FFFFFF"/>
-                </a:solidFill>
-              </a:rPr>
-              <a:t> YOU</a:t>
-            </a:r>
-            <a:endParaRPr sz="1100" b="1" i="0" u="none" strike="noStrike" cap="none" dirty="0">
+            <a:endParaRPr lang="en-US" altLang="zh-CN" sz="2800" b="1">
               <a:solidFill>
-                <a:srgbClr val="000000"/>
+                <a:schemeClr val="bg1"/>
               </a:solidFill>
-              <a:latin typeface="Arial" panose="020B0604020202020204"/>
-              <a:ea typeface="Arial" panose="020B0604020202020204"/>
-              <a:cs typeface="Arial" panose="020B0604020202020204"/>
-              <a:sym typeface="Arial" panose="020B0604020202020204"/>
             </a:endParaRPr>
           </a:p>
         </p:txBody>
@@ -17795,6 +22273,13 @@
     </p:tnLst>
   </p:timing>
 </p:sld>
+</file>
+
+<file path=ppt/tags/tag1.xml><?xml version="1.0" encoding="utf-8"?>
+<p:tagLst xmlns:p="http://schemas.openxmlformats.org/presentationml/2006/main">
+  <p:tag name="TABLE_ENDDRAG_ORIGIN_RECT" val="461*148"/>
+  <p:tag name="TABLE_ENDDRAG_RECT" val="202*60*461*148"/>
+</p:tagLst>
 </file>
 
 <file path=ppt/theme/theme1.xml><?xml version="1.0" encoding="utf-8"?>

--- a/Report Dir/WOX7001_assignment2_zouting(24201617).pptx
+++ b/Report Dir/WOX7001_assignment2_zouting(24201617).pptx
@@ -21,21 +21,20 @@
     <p:sldId id="324" r:id="rId14"/>
     <p:sldId id="325" r:id="rId15"/>
     <p:sldId id="326" r:id="rId16"/>
-    <p:sldId id="327" r:id="rId17"/>
-    <p:sldId id="328" r:id="rId18"/>
-    <p:sldId id="329" r:id="rId19"/>
-    <p:sldId id="296" r:id="rId20"/>
+    <p:sldId id="328" r:id="rId17"/>
+    <p:sldId id="329" r:id="rId18"/>
+    <p:sldId id="296" r:id="rId19"/>
   </p:sldIdLst>
   <p:sldSz cx="9144000" cy="5143500" type="screen16x9"/>
   <p:notesSz cx="6858000" cy="9144000"/>
   <p:embeddedFontLst>
     <p:embeddedFont>
       <p:font typeface="Calibri" panose="020F0502020204030204"/>
-      <p:regular r:id="rId24"/>
+      <p:regular r:id="rId23"/>
     </p:embeddedFont>
     <p:embeddedFont>
       <p:font typeface="Arial Unicode MS" panose="020B0604020202020204" charset="-122"/>
-      <p:regular r:id="rId25"/>
+      <p:regular r:id="rId24"/>
     </p:embeddedFont>
   </p:embeddedFontLst>
   <p:defaultTextStyle>
@@ -270,12 +269,12 @@
   <p:extLst>
     <p:ext uri="{EFAFB233-063F-42B5-8137-9DF3F51BA10A}">
       <p15:sldGuideLst xmlns:p15="http://schemas.microsoft.com/office/powerpoint/2012/main">
-        <p15:guide id="1" orient="horz" pos="1521" userDrawn="1">
+        <p15:guide id="1" orient="horz" pos="1542" userDrawn="1">
           <p15:clr>
             <a:srgbClr val="A4A3A4"/>
           </p15:clr>
         </p15:guide>
-        <p15:guide id="2" pos="2880" userDrawn="1">
+        <p15:guide id="2" pos="2875" userDrawn="1">
           <p15:clr>
             <a:srgbClr val="A4A3A4"/>
           </p15:clr>
@@ -284,6 +283,2974 @@
     </p:ext>
   </p:extLst>
 </p:presentation>
+</file>
+
+<file path=ppt/diagrams/colors1.xml><?xml version="1.0" encoding="utf-8"?>
+<dgm:colorsDef xmlns:dgm="http://schemas.openxmlformats.org/drawingml/2006/diagram" xmlns:a="http://schemas.openxmlformats.org/drawingml/2006/main" uniqueId="urn:microsoft.com/office/officeart/2005/8/colors/accent5_1">
+  <dgm:title val=""/>
+  <dgm:desc val=""/>
+  <dgm:catLst>
+    <dgm:cat type="accent5" pri="11100"/>
+  </dgm:catLst>
+  <dgm:styleLbl name="alignAcc1">
+    <dgm:fillClrLst meth="repeat">
+      <a:schemeClr val="accent5">
+        <a:alpha val="90000"/>
+        <a:tint val="40000"/>
+      </a:schemeClr>
+    </dgm:fillClrLst>
+    <dgm:linClrLst meth="repeat">
+      <a:schemeClr val="accent5"/>
+    </dgm:linClrLst>
+    <dgm:effectClrLst/>
+    <dgm:txLinClrLst/>
+    <dgm:txFillClrLst meth="repeat">
+      <a:schemeClr val="dk1"/>
+    </dgm:txFillClrLst>
+    <dgm:txEffectClrLst/>
+  </dgm:styleLbl>
+  <dgm:styleLbl name="alignAccFollowNode1">
+    <dgm:fillClrLst meth="repeat">
+      <a:schemeClr val="lt1">
+        <a:alpha val="90000"/>
+        <a:tint val="40000"/>
+      </a:schemeClr>
+    </dgm:fillClrLst>
+    <dgm:linClrLst meth="repeat">
+      <a:schemeClr val="accent5">
+        <a:alpha val="90000"/>
+      </a:schemeClr>
+    </dgm:linClrLst>
+    <dgm:effectClrLst/>
+    <dgm:txLinClrLst/>
+    <dgm:txFillClrLst meth="repeat">
+      <a:schemeClr val="dk1"/>
+    </dgm:txFillClrLst>
+    <dgm:txEffectClrLst/>
+  </dgm:styleLbl>
+  <dgm:styleLbl name="alignImgPlace1">
+    <dgm:fillClrLst meth="repeat">
+      <a:schemeClr val="accent5">
+        <a:tint val="40000"/>
+      </a:schemeClr>
+    </dgm:fillClrLst>
+    <dgm:linClrLst meth="repeat">
+      <a:schemeClr val="accent5">
+        <a:shade val="80000"/>
+      </a:schemeClr>
+    </dgm:linClrLst>
+    <dgm:effectClrLst/>
+    <dgm:txLinClrLst/>
+    <dgm:txFillClrLst meth="repeat">
+      <a:schemeClr val="lt1"/>
+    </dgm:txFillClrLst>
+    <dgm:txEffectClrLst/>
+  </dgm:styleLbl>
+  <dgm:styleLbl name="alignNode1">
+    <dgm:fillClrLst meth="repeat">
+      <a:schemeClr val="lt1"/>
+    </dgm:fillClrLst>
+    <dgm:linClrLst meth="repeat">
+      <a:schemeClr val="accent5">
+        <a:shade val="80000"/>
+      </a:schemeClr>
+    </dgm:linClrLst>
+    <dgm:effectClrLst/>
+    <dgm:txLinClrLst/>
+    <dgm:txFillClrLst meth="repeat">
+      <a:schemeClr val="dk1"/>
+    </dgm:txFillClrLst>
+    <dgm:txEffectClrLst/>
+  </dgm:styleLbl>
+  <dgm:styleLbl name="asst0">
+    <dgm:fillClrLst meth="repeat">
+      <a:schemeClr val="lt1"/>
+    </dgm:fillClrLst>
+    <dgm:linClrLst meth="repeat">
+      <a:schemeClr val="accent5">
+        <a:shade val="80000"/>
+      </a:schemeClr>
+    </dgm:linClrLst>
+    <dgm:effectClrLst/>
+    <dgm:txLinClrLst/>
+    <dgm:txFillClrLst meth="repeat">
+      <a:schemeClr val="dk1"/>
+    </dgm:txFillClrLst>
+    <dgm:txEffectClrLst/>
+  </dgm:styleLbl>
+  <dgm:styleLbl name="asst1">
+    <dgm:fillClrLst meth="repeat">
+      <a:schemeClr val="lt1"/>
+    </dgm:fillClrLst>
+    <dgm:linClrLst meth="repeat">
+      <a:schemeClr val="accent5">
+        <a:shade val="80000"/>
+      </a:schemeClr>
+    </dgm:linClrLst>
+    <dgm:effectClrLst/>
+    <dgm:txLinClrLst/>
+    <dgm:txFillClrLst meth="repeat">
+      <a:schemeClr val="dk1"/>
+    </dgm:txFillClrLst>
+    <dgm:txEffectClrLst/>
+  </dgm:styleLbl>
+  <dgm:styleLbl name="asst2">
+    <dgm:fillClrLst meth="repeat">
+      <a:schemeClr val="lt1"/>
+    </dgm:fillClrLst>
+    <dgm:linClrLst meth="repeat">
+      <a:schemeClr val="accent5">
+        <a:shade val="80000"/>
+      </a:schemeClr>
+    </dgm:linClrLst>
+    <dgm:effectClrLst/>
+    <dgm:txLinClrLst/>
+    <dgm:txFillClrLst meth="repeat">
+      <a:schemeClr val="dk1"/>
+    </dgm:txFillClrLst>
+    <dgm:txEffectClrLst/>
+  </dgm:styleLbl>
+  <dgm:styleLbl name="asst3">
+    <dgm:fillClrLst meth="repeat">
+      <a:schemeClr val="lt1"/>
+    </dgm:fillClrLst>
+    <dgm:linClrLst meth="repeat">
+      <a:schemeClr val="accent5">
+        <a:shade val="80000"/>
+      </a:schemeClr>
+    </dgm:linClrLst>
+    <dgm:effectClrLst/>
+    <dgm:txLinClrLst/>
+    <dgm:txFillClrLst meth="repeat">
+      <a:schemeClr val="dk1"/>
+    </dgm:txFillClrLst>
+    <dgm:txEffectClrLst/>
+  </dgm:styleLbl>
+  <dgm:styleLbl name="asst4">
+    <dgm:fillClrLst meth="repeat">
+      <a:schemeClr val="lt1"/>
+    </dgm:fillClrLst>
+    <dgm:linClrLst meth="repeat">
+      <a:schemeClr val="accent5">
+        <a:shade val="80000"/>
+      </a:schemeClr>
+    </dgm:linClrLst>
+    <dgm:effectClrLst/>
+    <dgm:txLinClrLst/>
+    <dgm:txFillClrLst meth="repeat">
+      <a:schemeClr val="dk1"/>
+    </dgm:txFillClrLst>
+    <dgm:txEffectClrLst/>
+  </dgm:styleLbl>
+  <dgm:styleLbl name="bgAcc1">
+    <dgm:fillClrLst meth="repeat">
+      <a:schemeClr val="accent5">
+        <a:alpha val="90000"/>
+        <a:tint val="40000"/>
+      </a:schemeClr>
+    </dgm:fillClrLst>
+    <dgm:linClrLst meth="repeat">
+      <a:schemeClr val="accent5"/>
+    </dgm:linClrLst>
+    <dgm:effectClrLst/>
+    <dgm:txLinClrLst/>
+    <dgm:txFillClrLst meth="repeat">
+      <a:schemeClr val="dk1"/>
+    </dgm:txFillClrLst>
+    <dgm:txEffectClrLst/>
+  </dgm:styleLbl>
+  <dgm:styleLbl name="bgAccFollowNode1">
+    <dgm:fillClrLst meth="repeat">
+      <a:schemeClr val="lt1">
+        <a:alpha val="90000"/>
+        <a:tint val="40000"/>
+      </a:schemeClr>
+    </dgm:fillClrLst>
+    <dgm:linClrLst meth="repeat">
+      <a:schemeClr val="accent5">
+        <a:alpha val="90000"/>
+      </a:schemeClr>
+    </dgm:linClrLst>
+    <dgm:effectClrLst/>
+    <dgm:txLinClrLst/>
+    <dgm:txFillClrLst meth="repeat">
+      <a:schemeClr val="dk1"/>
+    </dgm:txFillClrLst>
+    <dgm:txEffectClrLst/>
+  </dgm:styleLbl>
+  <dgm:styleLbl name="bgImgPlace1">
+    <dgm:fillClrLst meth="repeat">
+      <a:schemeClr val="accent5">
+        <a:tint val="40000"/>
+      </a:schemeClr>
+    </dgm:fillClrLst>
+    <dgm:linClrLst meth="repeat">
+      <a:schemeClr val="accent5">
+        <a:shade val="80000"/>
+      </a:schemeClr>
+    </dgm:linClrLst>
+    <dgm:effectClrLst/>
+    <dgm:txLinClrLst/>
+    <dgm:txFillClrLst meth="repeat">
+      <a:schemeClr val="lt1"/>
+    </dgm:txFillClrLst>
+    <dgm:txEffectClrLst/>
+  </dgm:styleLbl>
+  <dgm:styleLbl name="bgShp">
+    <dgm:fillClrLst meth="repeat">
+      <a:schemeClr val="accent5">
+        <a:tint val="40000"/>
+      </a:schemeClr>
+    </dgm:fillClrLst>
+    <dgm:linClrLst meth="repeat">
+      <a:schemeClr val="accent5"/>
+    </dgm:linClrLst>
+    <dgm:effectClrLst/>
+    <dgm:txLinClrLst/>
+    <dgm:txFillClrLst meth="repeat">
+      <a:schemeClr val="dk1"/>
+    </dgm:txFillClrLst>
+    <dgm:txEffectClrLst/>
+  </dgm:styleLbl>
+  <dgm:styleLbl name="bgSibTrans2D1">
+    <dgm:fillClrLst meth="repeat">
+      <a:schemeClr val="accent5">
+        <a:tint val="60000"/>
+      </a:schemeClr>
+    </dgm:fillClrLst>
+    <dgm:linClrLst meth="repeat">
+      <a:schemeClr val="accent5">
+        <a:tint val="60000"/>
+      </a:schemeClr>
+    </dgm:linClrLst>
+    <dgm:effectClrLst/>
+    <dgm:txLinClrLst/>
+    <dgm:txFillClrLst meth="repeat">
+      <a:schemeClr val="dk1"/>
+    </dgm:txFillClrLst>
+    <dgm:txEffectClrLst/>
+  </dgm:styleLbl>
+  <dgm:styleLbl name="callout">
+    <dgm:fillClrLst meth="repeat">
+      <a:schemeClr val="accent5"/>
+    </dgm:fillClrLst>
+    <dgm:linClrLst meth="repeat">
+      <a:schemeClr val="accent5"/>
+    </dgm:linClrLst>
+    <dgm:effectClrLst/>
+    <dgm:txLinClrLst/>
+    <dgm:txFillClrLst meth="repeat">
+      <a:schemeClr val="tx1"/>
+    </dgm:txFillClrLst>
+    <dgm:txEffectClrLst/>
+  </dgm:styleLbl>
+  <dgm:styleLbl name="conFgAcc1">
+    <dgm:fillClrLst meth="repeat">
+      <a:schemeClr val="accent5">
+        <a:alpha val="90000"/>
+        <a:tint val="40000"/>
+      </a:schemeClr>
+    </dgm:fillClrLst>
+    <dgm:linClrLst meth="repeat">
+      <a:schemeClr val="accent5"/>
+    </dgm:linClrLst>
+    <dgm:effectClrLst/>
+    <dgm:txLinClrLst/>
+    <dgm:txFillClrLst meth="repeat">
+      <a:schemeClr val="dk1"/>
+    </dgm:txFillClrLst>
+    <dgm:txEffectClrLst/>
+  </dgm:styleLbl>
+  <dgm:styleLbl name="dkBgShp">
+    <dgm:fillClrLst meth="repeat">
+      <a:schemeClr val="accent5">
+        <a:shade val="80000"/>
+      </a:schemeClr>
+    </dgm:fillClrLst>
+    <dgm:linClrLst meth="repeat">
+      <a:schemeClr val="accent5"/>
+    </dgm:linClrLst>
+    <dgm:effectClrLst/>
+    <dgm:txLinClrLst/>
+    <dgm:txFillClrLst meth="repeat">
+      <a:schemeClr val="lt1"/>
+    </dgm:txFillClrLst>
+    <dgm:txEffectClrLst/>
+  </dgm:styleLbl>
+  <dgm:styleLbl name="fgAcc0">
+    <dgm:fillClrLst meth="repeat">
+      <a:schemeClr val="accent5">
+        <a:alpha val="90000"/>
+        <a:tint val="40000"/>
+      </a:schemeClr>
+    </dgm:fillClrLst>
+    <dgm:linClrLst meth="repeat">
+      <a:schemeClr val="accent5"/>
+    </dgm:linClrLst>
+    <dgm:effectClrLst/>
+    <dgm:txLinClrLst/>
+    <dgm:txFillClrLst meth="repeat">
+      <a:schemeClr val="dk1"/>
+    </dgm:txFillClrLst>
+    <dgm:txEffectClrLst/>
+  </dgm:styleLbl>
+  <dgm:styleLbl name="fgAcc1">
+    <dgm:fillClrLst meth="repeat">
+      <a:schemeClr val="accent5">
+        <a:alpha val="90000"/>
+        <a:tint val="40000"/>
+      </a:schemeClr>
+    </dgm:fillClrLst>
+    <dgm:linClrLst meth="repeat">
+      <a:schemeClr val="accent5"/>
+    </dgm:linClrLst>
+    <dgm:effectClrLst/>
+    <dgm:txLinClrLst/>
+    <dgm:txFillClrLst meth="repeat">
+      <a:schemeClr val="dk1"/>
+    </dgm:txFillClrLst>
+    <dgm:txEffectClrLst/>
+  </dgm:styleLbl>
+  <dgm:styleLbl name="fgAcc2">
+    <dgm:fillClrLst meth="repeat">
+      <a:schemeClr val="accent5">
+        <a:alpha val="90000"/>
+        <a:tint val="40000"/>
+      </a:schemeClr>
+    </dgm:fillClrLst>
+    <dgm:linClrLst meth="repeat">
+      <a:schemeClr val="accent5"/>
+    </dgm:linClrLst>
+    <dgm:effectClrLst/>
+    <dgm:txLinClrLst/>
+    <dgm:txFillClrLst meth="repeat">
+      <a:schemeClr val="dk1"/>
+    </dgm:txFillClrLst>
+    <dgm:txEffectClrLst/>
+  </dgm:styleLbl>
+  <dgm:styleLbl name="fgAcc3">
+    <dgm:fillClrLst meth="repeat">
+      <a:schemeClr val="accent5">
+        <a:alpha val="90000"/>
+        <a:tint val="40000"/>
+      </a:schemeClr>
+    </dgm:fillClrLst>
+    <dgm:linClrLst meth="repeat">
+      <a:schemeClr val="accent5"/>
+    </dgm:linClrLst>
+    <dgm:effectClrLst/>
+    <dgm:txLinClrLst/>
+    <dgm:txFillClrLst meth="repeat">
+      <a:schemeClr val="dk1"/>
+    </dgm:txFillClrLst>
+    <dgm:txEffectClrLst/>
+  </dgm:styleLbl>
+  <dgm:styleLbl name="fgAcc4">
+    <dgm:fillClrLst meth="repeat">
+      <a:schemeClr val="accent5">
+        <a:alpha val="90000"/>
+        <a:tint val="40000"/>
+      </a:schemeClr>
+    </dgm:fillClrLst>
+    <dgm:linClrLst meth="repeat">
+      <a:schemeClr val="accent5"/>
+    </dgm:linClrLst>
+    <dgm:effectClrLst/>
+    <dgm:txLinClrLst/>
+    <dgm:txFillClrLst meth="repeat">
+      <a:schemeClr val="dk1"/>
+    </dgm:txFillClrLst>
+    <dgm:txEffectClrLst/>
+  </dgm:styleLbl>
+  <dgm:styleLbl name="fgAccFollowNode1">
+    <dgm:fillClrLst meth="repeat">
+      <a:schemeClr val="lt1">
+        <a:alpha val="90000"/>
+        <a:tint val="40000"/>
+      </a:schemeClr>
+    </dgm:fillClrLst>
+    <dgm:linClrLst meth="repeat">
+      <a:schemeClr val="accent5">
+        <a:alpha val="90000"/>
+      </a:schemeClr>
+    </dgm:linClrLst>
+    <dgm:effectClrLst/>
+    <dgm:txLinClrLst/>
+    <dgm:txFillClrLst meth="repeat">
+      <a:schemeClr val="dk1"/>
+    </dgm:txFillClrLst>
+    <dgm:txEffectClrLst/>
+  </dgm:styleLbl>
+  <dgm:styleLbl name="fgImgPlace1">
+    <dgm:fillClrLst meth="repeat">
+      <a:schemeClr val="accent5">
+        <a:tint val="40000"/>
+      </a:schemeClr>
+    </dgm:fillClrLst>
+    <dgm:linClrLst meth="repeat">
+      <a:schemeClr val="accent5">
+        <a:shade val="80000"/>
+      </a:schemeClr>
+    </dgm:linClrLst>
+    <dgm:effectClrLst/>
+    <dgm:txLinClrLst/>
+    <dgm:txFillClrLst meth="repeat">
+      <a:schemeClr val="lt1"/>
+    </dgm:txFillClrLst>
+    <dgm:txEffectClrLst/>
+  </dgm:styleLbl>
+  <dgm:styleLbl name="fgShp">
+    <dgm:fillClrLst meth="repeat">
+      <a:schemeClr val="accent5">
+        <a:tint val="60000"/>
+      </a:schemeClr>
+    </dgm:fillClrLst>
+    <dgm:linClrLst meth="repeat">
+      <a:schemeClr val="lt1"/>
+    </dgm:linClrLst>
+    <dgm:effectClrLst/>
+    <dgm:txLinClrLst/>
+    <dgm:txFillClrLst meth="repeat">
+      <a:schemeClr val="dk1"/>
+    </dgm:txFillClrLst>
+    <dgm:txEffectClrLst/>
+  </dgm:styleLbl>
+  <dgm:styleLbl name="fgSibTrans2D1">
+    <dgm:fillClrLst meth="repeat">
+      <a:schemeClr val="accent5">
+        <a:tint val="60000"/>
+      </a:schemeClr>
+    </dgm:fillClrLst>
+    <dgm:linClrLst meth="repeat">
+      <a:schemeClr val="accent5">
+        <a:tint val="60000"/>
+      </a:schemeClr>
+    </dgm:linClrLst>
+    <dgm:effectClrLst/>
+    <dgm:txLinClrLst/>
+    <dgm:txFillClrLst meth="repeat">
+      <a:schemeClr val="dk1"/>
+    </dgm:txFillClrLst>
+    <dgm:txEffectClrLst/>
+  </dgm:styleLbl>
+  <dgm:styleLbl name="lnNode1">
+    <dgm:fillClrLst meth="repeat">
+      <a:schemeClr val="lt1"/>
+    </dgm:fillClrLst>
+    <dgm:linClrLst meth="repeat">
+      <a:schemeClr val="accent5">
+        <a:shade val="80000"/>
+      </a:schemeClr>
+    </dgm:linClrLst>
+    <dgm:effectClrLst/>
+    <dgm:txLinClrLst/>
+    <dgm:txFillClrLst meth="repeat">
+      <a:schemeClr val="dk1"/>
+    </dgm:txFillClrLst>
+    <dgm:txEffectClrLst/>
+  </dgm:styleLbl>
+  <dgm:styleLbl name="node0">
+    <dgm:fillClrLst meth="repeat">
+      <a:schemeClr val="lt1"/>
+    </dgm:fillClrLst>
+    <dgm:linClrLst meth="repeat">
+      <a:schemeClr val="accent5">
+        <a:shade val="80000"/>
+      </a:schemeClr>
+    </dgm:linClrLst>
+    <dgm:effectClrLst/>
+    <dgm:txLinClrLst/>
+    <dgm:txFillClrLst meth="repeat">
+      <a:schemeClr val="dk1"/>
+    </dgm:txFillClrLst>
+    <dgm:txEffectClrLst/>
+  </dgm:styleLbl>
+  <dgm:styleLbl name="node1">
+    <dgm:fillClrLst meth="repeat">
+      <a:schemeClr val="lt1"/>
+    </dgm:fillClrLst>
+    <dgm:linClrLst meth="repeat">
+      <a:schemeClr val="accent5">
+        <a:shade val="80000"/>
+      </a:schemeClr>
+    </dgm:linClrLst>
+    <dgm:effectClrLst/>
+    <dgm:txLinClrLst/>
+    <dgm:txFillClrLst meth="repeat">
+      <a:schemeClr val="dk1"/>
+    </dgm:txFillClrLst>
+    <dgm:txEffectClrLst/>
+  </dgm:styleLbl>
+  <dgm:styleLbl name="node2">
+    <dgm:fillClrLst meth="repeat">
+      <a:schemeClr val="lt1"/>
+    </dgm:fillClrLst>
+    <dgm:linClrLst meth="repeat">
+      <a:schemeClr val="accent5">
+        <a:shade val="80000"/>
+      </a:schemeClr>
+    </dgm:linClrLst>
+    <dgm:effectClrLst/>
+    <dgm:txLinClrLst/>
+    <dgm:txFillClrLst meth="repeat">
+      <a:schemeClr val="dk1"/>
+    </dgm:txFillClrLst>
+    <dgm:txEffectClrLst/>
+  </dgm:styleLbl>
+  <dgm:styleLbl name="node3">
+    <dgm:fillClrLst meth="repeat">
+      <a:schemeClr val="lt1"/>
+    </dgm:fillClrLst>
+    <dgm:linClrLst meth="repeat">
+      <a:schemeClr val="accent5">
+        <a:shade val="80000"/>
+      </a:schemeClr>
+    </dgm:linClrLst>
+    <dgm:effectClrLst/>
+    <dgm:txLinClrLst/>
+    <dgm:txFillClrLst meth="repeat">
+      <a:schemeClr val="dk1"/>
+    </dgm:txFillClrLst>
+    <dgm:txEffectClrLst/>
+  </dgm:styleLbl>
+  <dgm:styleLbl name="node4">
+    <dgm:fillClrLst meth="repeat">
+      <a:schemeClr val="lt1"/>
+    </dgm:fillClrLst>
+    <dgm:linClrLst meth="repeat">
+      <a:schemeClr val="accent5">
+        <a:shade val="80000"/>
+      </a:schemeClr>
+    </dgm:linClrLst>
+    <dgm:effectClrLst/>
+    <dgm:txLinClrLst/>
+    <dgm:txFillClrLst meth="repeat">
+      <a:schemeClr val="dk1"/>
+    </dgm:txFillClrLst>
+    <dgm:txEffectClrLst/>
+  </dgm:styleLbl>
+  <dgm:styleLbl name="parChTrans1D1">
+    <dgm:fillClrLst meth="repeat">
+      <a:schemeClr val="accent5"/>
+    </dgm:fillClrLst>
+    <dgm:linClrLst meth="repeat">
+      <a:schemeClr val="accent5">
+        <a:shade val="60000"/>
+      </a:schemeClr>
+    </dgm:linClrLst>
+    <dgm:effectClrLst/>
+    <dgm:txLinClrLst/>
+    <dgm:txFillClrLst meth="repeat">
+      <a:schemeClr val="tx1"/>
+    </dgm:txFillClrLst>
+    <dgm:txEffectClrLst/>
+  </dgm:styleLbl>
+  <dgm:styleLbl name="parChTrans1D2">
+    <dgm:fillClrLst meth="repeat">
+      <a:schemeClr val="accent5"/>
+    </dgm:fillClrLst>
+    <dgm:linClrLst meth="repeat">
+      <a:schemeClr val="accent5">
+        <a:shade val="60000"/>
+      </a:schemeClr>
+    </dgm:linClrLst>
+    <dgm:effectClrLst/>
+    <dgm:txLinClrLst/>
+    <dgm:txFillClrLst meth="repeat">
+      <a:schemeClr val="tx1"/>
+    </dgm:txFillClrLst>
+    <dgm:txEffectClrLst/>
+  </dgm:styleLbl>
+  <dgm:styleLbl name="parChTrans1D3">
+    <dgm:fillClrLst meth="repeat">
+      <a:schemeClr val="accent5"/>
+    </dgm:fillClrLst>
+    <dgm:linClrLst meth="repeat">
+      <a:schemeClr val="accent5">
+        <a:shade val="80000"/>
+      </a:schemeClr>
+    </dgm:linClrLst>
+    <dgm:effectClrLst/>
+    <dgm:txLinClrLst/>
+    <dgm:txFillClrLst meth="repeat">
+      <a:schemeClr val="tx1"/>
+    </dgm:txFillClrLst>
+    <dgm:txEffectClrLst/>
+  </dgm:styleLbl>
+  <dgm:styleLbl name="parChTrans1D4">
+    <dgm:fillClrLst meth="repeat">
+      <a:schemeClr val="accent5"/>
+    </dgm:fillClrLst>
+    <dgm:linClrLst meth="repeat">
+      <a:schemeClr val="accent5">
+        <a:shade val="80000"/>
+      </a:schemeClr>
+    </dgm:linClrLst>
+    <dgm:effectClrLst/>
+    <dgm:txLinClrLst/>
+    <dgm:txFillClrLst meth="repeat">
+      <a:schemeClr val="tx1"/>
+    </dgm:txFillClrLst>
+    <dgm:txEffectClrLst/>
+  </dgm:styleLbl>
+  <dgm:styleLbl name="parChTrans2D1">
+    <dgm:fillClrLst meth="repeat">
+      <a:schemeClr val="accent5">
+        <a:tint val="60000"/>
+      </a:schemeClr>
+    </dgm:fillClrLst>
+    <dgm:linClrLst meth="repeat">
+      <a:schemeClr val="accent5">
+        <a:tint val="60000"/>
+      </a:schemeClr>
+    </dgm:linClrLst>
+    <dgm:effectClrLst/>
+    <dgm:txLinClrLst/>
+    <dgm:txFillClrLst/>
+    <dgm:txEffectClrLst/>
+  </dgm:styleLbl>
+  <dgm:styleLbl name="parChTrans2D2">
+    <dgm:fillClrLst meth="repeat">
+      <a:schemeClr val="accent5"/>
+    </dgm:fillClrLst>
+    <dgm:linClrLst meth="repeat">
+      <a:schemeClr val="accent5"/>
+    </dgm:linClrLst>
+    <dgm:effectClrLst/>
+    <dgm:txLinClrLst/>
+    <dgm:txFillClrLst/>
+    <dgm:txEffectClrLst/>
+  </dgm:styleLbl>
+  <dgm:styleLbl name="parChTrans2D3">
+    <dgm:fillClrLst meth="repeat">
+      <a:schemeClr val="accent5"/>
+    </dgm:fillClrLst>
+    <dgm:linClrLst meth="repeat">
+      <a:schemeClr val="accent5"/>
+    </dgm:linClrLst>
+    <dgm:effectClrLst/>
+    <dgm:txLinClrLst/>
+    <dgm:txFillClrLst/>
+    <dgm:txEffectClrLst/>
+  </dgm:styleLbl>
+  <dgm:styleLbl name="parChTrans2D4">
+    <dgm:fillClrLst meth="repeat">
+      <a:schemeClr val="accent5"/>
+    </dgm:fillClrLst>
+    <dgm:linClrLst meth="repeat">
+      <a:schemeClr val="accent5"/>
+    </dgm:linClrLst>
+    <dgm:effectClrLst/>
+    <dgm:txLinClrLst/>
+    <dgm:txFillClrLst meth="repeat">
+      <a:schemeClr val="lt1"/>
+    </dgm:txFillClrLst>
+    <dgm:txEffectClrLst/>
+  </dgm:styleLbl>
+  <dgm:styleLbl name="revTx">
+    <dgm:fillClrLst meth="repeat">
+      <a:schemeClr val="lt1">
+        <a:alpha val="0"/>
+      </a:schemeClr>
+    </dgm:fillClrLst>
+    <dgm:linClrLst meth="repeat">
+      <a:schemeClr val="dk1">
+        <a:alpha val="0"/>
+      </a:schemeClr>
+    </dgm:linClrLst>
+    <dgm:effectClrLst/>
+    <dgm:txLinClrLst/>
+    <dgm:txFillClrLst meth="repeat">
+      <a:schemeClr val="tx1"/>
+    </dgm:txFillClrLst>
+    <dgm:txEffectClrLst/>
+  </dgm:styleLbl>
+  <dgm:styleLbl name="sibTrans1D1">
+    <dgm:fillClrLst meth="repeat">
+      <a:schemeClr val="accent5"/>
+    </dgm:fillClrLst>
+    <dgm:linClrLst meth="repeat">
+      <a:schemeClr val="accent5"/>
+    </dgm:linClrLst>
+    <dgm:effectClrLst/>
+    <dgm:txLinClrLst/>
+    <dgm:txFillClrLst meth="repeat">
+      <a:schemeClr val="tx1"/>
+    </dgm:txFillClrLst>
+    <dgm:txEffectClrLst/>
+  </dgm:styleLbl>
+  <dgm:styleLbl name="sibTrans2D1">
+    <dgm:fillClrLst meth="repeat">
+      <a:schemeClr val="accent5">
+        <a:tint val="60000"/>
+      </a:schemeClr>
+    </dgm:fillClrLst>
+    <dgm:linClrLst meth="repeat">
+      <a:schemeClr val="accent5">
+        <a:tint val="60000"/>
+      </a:schemeClr>
+    </dgm:linClrLst>
+    <dgm:effectClrLst/>
+    <dgm:txLinClrLst/>
+    <dgm:txFillClrLst meth="repeat">
+      <a:schemeClr val="dk1"/>
+    </dgm:txFillClrLst>
+    <dgm:txEffectClrLst/>
+  </dgm:styleLbl>
+  <dgm:styleLbl name="solidAlignAcc1">
+    <dgm:fillClrLst meth="repeat">
+      <a:schemeClr val="lt1"/>
+    </dgm:fillClrLst>
+    <dgm:linClrLst meth="repeat">
+      <a:schemeClr val="accent5"/>
+    </dgm:linClrLst>
+    <dgm:effectClrLst/>
+    <dgm:txLinClrLst/>
+    <dgm:txFillClrLst meth="repeat">
+      <a:schemeClr val="dk1"/>
+    </dgm:txFillClrLst>
+    <dgm:txEffectClrLst/>
+  </dgm:styleLbl>
+  <dgm:styleLbl name="solidBgAcc1">
+    <dgm:fillClrLst meth="repeat">
+      <a:schemeClr val="lt1"/>
+    </dgm:fillClrLst>
+    <dgm:linClrLst meth="repeat">
+      <a:schemeClr val="accent5"/>
+    </dgm:linClrLst>
+    <dgm:effectClrLst/>
+    <dgm:txLinClrLst/>
+    <dgm:txFillClrLst meth="repeat">
+      <a:schemeClr val="dk1"/>
+    </dgm:txFillClrLst>
+    <dgm:txEffectClrLst/>
+  </dgm:styleLbl>
+  <dgm:styleLbl name="solidFgAcc1">
+    <dgm:fillClrLst meth="repeat">
+      <a:schemeClr val="lt1"/>
+    </dgm:fillClrLst>
+    <dgm:linClrLst meth="repeat">
+      <a:schemeClr val="accent5"/>
+    </dgm:linClrLst>
+    <dgm:effectClrLst/>
+    <dgm:txLinClrLst/>
+    <dgm:txFillClrLst meth="repeat">
+      <a:schemeClr val="dk1"/>
+    </dgm:txFillClrLst>
+    <dgm:txEffectClrLst/>
+  </dgm:styleLbl>
+  <dgm:styleLbl name="trAlignAcc1">
+    <dgm:fillClrLst meth="repeat">
+      <a:schemeClr val="accent5">
+        <a:alpha val="40000"/>
+        <a:tint val="40000"/>
+      </a:schemeClr>
+    </dgm:fillClrLst>
+    <dgm:linClrLst meth="repeat">
+      <a:schemeClr val="accent5"/>
+    </dgm:linClrLst>
+    <dgm:effectClrLst/>
+    <dgm:txLinClrLst/>
+    <dgm:txFillClrLst meth="repeat">
+      <a:schemeClr val="dk1"/>
+    </dgm:txFillClrLst>
+    <dgm:txEffectClrLst/>
+  </dgm:styleLbl>
+  <dgm:styleLbl name="trBgShp">
+    <dgm:fillClrLst meth="repeat">
+      <a:schemeClr val="accent5">
+        <a:tint val="50000"/>
+        <a:alpha val="40000"/>
+      </a:schemeClr>
+    </dgm:fillClrLst>
+    <dgm:linClrLst meth="repeat">
+      <a:schemeClr val="accent5"/>
+    </dgm:linClrLst>
+    <dgm:effectClrLst/>
+    <dgm:txLinClrLst/>
+    <dgm:txFillClrLst meth="repeat">
+      <a:schemeClr val="lt1"/>
+    </dgm:txFillClrLst>
+    <dgm:txEffectClrLst/>
+  </dgm:styleLbl>
+  <dgm:styleLbl name="vennNode1">
+    <dgm:fillClrLst meth="repeat">
+      <a:schemeClr val="lt1">
+        <a:alpha val="50000"/>
+      </a:schemeClr>
+    </dgm:fillClrLst>
+    <dgm:linClrLst meth="repeat">
+      <a:schemeClr val="accent5">
+        <a:shade val="80000"/>
+      </a:schemeClr>
+    </dgm:linClrLst>
+    <dgm:effectClrLst/>
+    <dgm:txLinClrLst/>
+    <dgm:txFillClrLst/>
+    <dgm:txEffectClrLst/>
+  </dgm:styleLbl>
+</dgm:colorsDef>
+</file>
+
+<file path=ppt/diagrams/data1.xml><?xml version="1.0" encoding="utf-8"?>
+<dgm:dataModel xmlns:dgm="http://schemas.openxmlformats.org/drawingml/2006/diagram" xmlns:a="http://schemas.openxmlformats.org/drawingml/2006/main">
+  <dgm:ptLst>
+    <dgm:pt modelId="{468FBB7B-694A-47BF-865D-2F44C1051453}" type="doc">
+      <dgm:prSet loTypeId="list" loCatId="list" qsTypeId="urn:microsoft.com/office/officeart/2005/8/quickstyle/simple5" qsCatId="simple" csTypeId="urn:microsoft.com/office/officeart/2005/8/colors/accent5_1" csCatId="accent1" phldr="0"/>
+      <dgm:spPr/>
+      <dgm:t>
+        <a:bodyPr/>
+        <a:p>
+          <a:endParaRPr lang="zh-CN" altLang="en-US"/>
+        </a:p>
+      </dgm:t>
+    </dgm:pt>
+    <dgm:pt modelId="{BD5427FF-4EB1-4006-BF7F-42158E0C5129}">
+      <dgm:prSet phldrT="[文本]" phldr="0" custT="1"/>
+      <dgm:spPr/>
+      <dgm:t>
+        <a:bodyPr vert="horz" wrap="square"/>
+        <a:p>
+          <a:pPr>
+            <a:lnSpc>
+              <a:spcPct val="100000"/>
+            </a:lnSpc>
+            <a:spcBef>
+              <a:spcPct val="0"/>
+            </a:spcBef>
+            <a:spcAft>
+              <a:spcPct val="35000"/>
+            </a:spcAft>
+          </a:pPr>
+          <a:r>
+            <a:rPr lang="en-US" altLang="zh-CN" sz="1600" b="1"/>
+            <a:t>Advantages of Frozen Language Model</a:t>
+          </a:r>
+          <a:r>
+            <a:rPr lang="en-US" altLang="zh-CN" sz="1600" b="1"/>
+            <a:t/>
+          </a:r>
+          <a:endParaRPr lang="en-US" altLang="zh-CN" sz="1600" b="1"/>
+        </a:p>
+      </dgm:t>
+    </dgm:pt>
+    <dgm:pt modelId="{A2F6D805-3B53-408A-A2A3-20BC3BF0D242}" cxnId="{B388399E-0520-4464-8C87-DA42790AB011}" type="parTrans">
+      <dgm:prSet/>
+      <dgm:spPr/>
+      <dgm:t>
+        <a:bodyPr/>
+        <a:p>
+          <a:endParaRPr lang="zh-CN" altLang="en-US"/>
+        </a:p>
+      </dgm:t>
+    </dgm:pt>
+    <dgm:pt modelId="{D47F9812-1256-4E44-A6BE-BEC559BE8FF3}" cxnId="{B388399E-0520-4464-8C87-DA42790AB011}" type="sibTrans">
+      <dgm:prSet/>
+      <dgm:spPr/>
+      <dgm:t>
+        <a:bodyPr/>
+        <a:p>
+          <a:endParaRPr lang="zh-CN" altLang="en-US"/>
+        </a:p>
+      </dgm:t>
+    </dgm:pt>
+    <dgm:pt modelId="{3A7B819B-DBE9-4610-B22A-5573EA6D532D}">
+      <dgm:prSet phldrT="[文本]" phldr="0" custT="1"/>
+      <dgm:spPr/>
+      <dgm:t>
+        <a:bodyPr vert="horz" wrap="square"/>
+        <a:p>
+          <a:pPr>
+            <a:lnSpc>
+              <a:spcPct val="100000"/>
+            </a:lnSpc>
+            <a:spcBef>
+              <a:spcPct val="0"/>
+            </a:spcBef>
+            <a:spcAft>
+              <a:spcPct val="15000"/>
+            </a:spcAft>
+          </a:pPr>
+          <a:r>
+            <a:rPr lang="en-US" altLang="zh-CN" sz="1600"/>
+            <a:t>Output Coherence</a:t>
+          </a:r>
+          <a:r>
+            <a:rPr lang="en-US" altLang="zh-CN" sz="1600"/>
+            <a:t/>
+          </a:r>
+          <a:endParaRPr lang="en-US" altLang="zh-CN" sz="1600"/>
+        </a:p>
+      </dgm:t>
+    </dgm:pt>
+    <dgm:pt modelId="{DC4BEA23-BF6E-42AD-9BF0-CFBDE86A80F1}" cxnId="{4255DC23-8E53-4EEF-934C-24D6C994F5A8}" type="parTrans">
+      <dgm:prSet/>
+      <dgm:spPr/>
+      <dgm:t>
+        <a:bodyPr/>
+        <a:p>
+          <a:endParaRPr lang="zh-CN" altLang="en-US"/>
+        </a:p>
+      </dgm:t>
+    </dgm:pt>
+    <dgm:pt modelId="{0BF6ACD3-AE1A-4691-8CBE-DBE77AB8A685}" cxnId="{4255DC23-8E53-4EEF-934C-24D6C994F5A8}" type="sibTrans">
+      <dgm:prSet/>
+      <dgm:spPr/>
+      <dgm:t>
+        <a:bodyPr/>
+        <a:p>
+          <a:endParaRPr lang="zh-CN" altLang="en-US"/>
+        </a:p>
+      </dgm:t>
+    </dgm:pt>
+    <dgm:pt modelId="{C93C45F0-4C8C-43D9-A785-DB6B65DCBFBC}">
+      <dgm:prSet phldr="0" custT="1"/>
+      <dgm:spPr/>
+      <dgm:t>
+        <a:bodyPr vert="horz" wrap="square"/>
+        <a:p>
+          <a:pPr>
+            <a:lnSpc>
+              <a:spcPct val="100000"/>
+            </a:lnSpc>
+            <a:spcBef>
+              <a:spcPct val="0"/>
+            </a:spcBef>
+            <a:spcAft>
+              <a:spcPct val="15000"/>
+            </a:spcAft>
+          </a:pPr>
+          <a:r>
+            <a:rPr lang="en-US" altLang="zh-CN" sz="1600"/>
+            <a:t>Term Consistency</a:t>
+          </a:r>
+          <a:r>
+            <a:rPr lang="en-US" altLang="zh-CN" sz="1600"/>
+            <a:t/>
+          </a:r>
+          <a:endParaRPr lang="en-US" altLang="zh-CN" sz="1600"/>
+        </a:p>
+      </dgm:t>
+    </dgm:pt>
+    <dgm:pt modelId="{955B3196-74BB-42A3-9F2E-5F44CEE7A6DB}" cxnId="{0910F681-2DEF-4B32-85F6-AC0216A099EB}" type="parTrans">
+      <dgm:prSet/>
+      <dgm:spPr/>
+    </dgm:pt>
+    <dgm:pt modelId="{C877797C-C9A9-44B4-9A03-86FAF0C56F55}" cxnId="{0910F681-2DEF-4B32-85F6-AC0216A099EB}" type="sibTrans">
+      <dgm:prSet/>
+      <dgm:spPr/>
+    </dgm:pt>
+    <dgm:pt modelId="{01E823FD-CE9A-48B3-A596-167C665D03D7}">
+      <dgm:prSet phldr="0" custT="1"/>
+      <dgm:spPr/>
+      <dgm:t>
+        <a:bodyPr vert="horz" wrap="square"/>
+        <a:p>
+          <a:pPr>
+            <a:lnSpc>
+              <a:spcPct val="100000"/>
+            </a:lnSpc>
+            <a:spcBef>
+              <a:spcPct val="0"/>
+            </a:spcBef>
+            <a:spcAft>
+              <a:spcPct val="15000"/>
+            </a:spcAft>
+          </a:pPr>
+          <a:r>
+            <a:rPr lang="en-US" altLang="zh-CN" sz="1600"/>
+            <a:t>Risk Control</a:t>
+          </a:r>
+          <a:r>
+            <a:rPr lang="en-US" altLang="zh-CN" sz="1600"/>
+            <a:t/>
+          </a:r>
+          <a:endParaRPr lang="en-US" altLang="zh-CN" sz="1600"/>
+        </a:p>
+      </dgm:t>
+    </dgm:pt>
+    <dgm:pt modelId="{D647510C-DCD5-4880-8162-1321C059322C}" cxnId="{DD1CBB2F-3597-498F-814E-B5E0D319D761}" type="parTrans">
+      <dgm:prSet/>
+      <dgm:spPr/>
+    </dgm:pt>
+    <dgm:pt modelId="{4DECF897-5A1F-4560-9562-45E18199F131}" cxnId="{DD1CBB2F-3597-498F-814E-B5E0D319D761}" type="sibTrans">
+      <dgm:prSet/>
+      <dgm:spPr/>
+    </dgm:pt>
+    <dgm:pt modelId="{FE969E54-0D5D-4815-BDC4-3309E2F7325D}">
+      <dgm:prSet phldrT="[文本]" phldr="0" custT="1"/>
+      <dgm:spPr/>
+      <dgm:t>
+        <a:bodyPr vert="horz" wrap="square"/>
+        <a:p>
+          <a:pPr>
+            <a:lnSpc>
+              <a:spcPct val="100000"/>
+            </a:lnSpc>
+            <a:spcBef>
+              <a:spcPct val="0"/>
+            </a:spcBef>
+            <a:spcAft>
+              <a:spcPct val="35000"/>
+            </a:spcAft>
+          </a:pPr>
+          <a:r>
+            <a:rPr lang="en-US" altLang="zh-CN" sz="1600" b="1"/>
+            <a:t>Clinical Applicability Assessment</a:t>
+          </a:r>
+          <a:r>
+            <a:rPr lang="en-US" altLang="zh-CN" sz="1600" b="1"/>
+            <a:t/>
+          </a:r>
+          <a:endParaRPr lang="en-US" altLang="zh-CN" sz="1600" b="1"/>
+        </a:p>
+      </dgm:t>
+    </dgm:pt>
+    <dgm:pt modelId="{B5D9FB86-EEBE-488F-B7DE-B7CF5C9166C5}" cxnId="{549E804B-410A-4F40-BBEB-FA784362FE93}" type="parTrans">
+      <dgm:prSet/>
+      <dgm:spPr/>
+      <dgm:t>
+        <a:bodyPr/>
+        <a:p>
+          <a:endParaRPr lang="zh-CN" altLang="en-US"/>
+        </a:p>
+      </dgm:t>
+    </dgm:pt>
+    <dgm:pt modelId="{D7D19B67-C01A-45D3-B5C7-B7E1B18A9F62}" cxnId="{549E804B-410A-4F40-BBEB-FA784362FE93}" type="sibTrans">
+      <dgm:prSet/>
+      <dgm:spPr/>
+      <dgm:t>
+        <a:bodyPr/>
+        <a:p>
+          <a:endParaRPr lang="zh-CN" altLang="en-US"/>
+        </a:p>
+      </dgm:t>
+    </dgm:pt>
+    <dgm:pt modelId="{35600F67-42C2-4D1B-B072-DC2A36FCB136}">
+      <dgm:prSet phldrT="[文本]" phldr="0" custT="1"/>
+      <dgm:spPr/>
+      <dgm:t>
+        <a:bodyPr vert="horz" wrap="square"/>
+        <a:p>
+          <a:pPr>
+            <a:lnSpc>
+              <a:spcPct val="100000"/>
+            </a:lnSpc>
+            <a:spcBef>
+              <a:spcPct val="0"/>
+            </a:spcBef>
+            <a:spcAft>
+              <a:spcPct val="15000"/>
+            </a:spcAft>
+          </a:pPr>
+          <a:r>
+            <a:rPr lang="en-US" altLang="zh-CN" sz="1600"/>
+            <a:t>Semantic Correctness Priority</a:t>
+          </a:r>
+          <a:r>
+            <a:rPr lang="en-US" altLang="zh-CN" sz="1600"/>
+            <a:t/>
+          </a:r>
+          <a:endParaRPr lang="en-US" altLang="zh-CN" sz="1600"/>
+        </a:p>
+      </dgm:t>
+    </dgm:pt>
+    <dgm:pt modelId="{B4BC79E1-FDBA-43D1-A988-1BE8090EDA7A}" cxnId="{E61ABA29-4BB0-401D-AF41-C16B945D0ABD}" type="parTrans">
+      <dgm:prSet/>
+      <dgm:spPr/>
+      <dgm:t>
+        <a:bodyPr/>
+        <a:p>
+          <a:endParaRPr lang="zh-CN" altLang="en-US"/>
+        </a:p>
+      </dgm:t>
+    </dgm:pt>
+    <dgm:pt modelId="{AD46A0AA-C45A-46D2-89AF-28390F99F9D0}" cxnId="{E61ABA29-4BB0-401D-AF41-C16B945D0ABD}" type="sibTrans">
+      <dgm:prSet/>
+      <dgm:spPr/>
+      <dgm:t>
+        <a:bodyPr/>
+        <a:p>
+          <a:endParaRPr lang="zh-CN" altLang="en-US"/>
+        </a:p>
+      </dgm:t>
+    </dgm:pt>
+    <dgm:pt modelId="{93B070B9-DFC1-4806-8E3D-930FC98F88DD}">
+      <dgm:prSet phldr="0" custT="1"/>
+      <dgm:spPr/>
+      <dgm:t>
+        <a:bodyPr vert="horz" wrap="square"/>
+        <a:p>
+          <a:pPr>
+            <a:lnSpc>
+              <a:spcPct val="100000"/>
+            </a:lnSpc>
+            <a:spcBef>
+              <a:spcPct val="0"/>
+            </a:spcBef>
+            <a:spcAft>
+              <a:spcPct val="15000"/>
+            </a:spcAft>
+          </a:pPr>
+          <a:r>
+            <a:rPr lang="en-US" altLang="zh-CN" sz="1600"/>
+            <a:t>Modifier Sensitivity</a:t>
+          </a:r>
+          <a:r>
+            <a:rPr lang="en-US" altLang="zh-CN" sz="1600"/>
+            <a:t/>
+          </a:r>
+          <a:endParaRPr lang="en-US" altLang="zh-CN" sz="1600"/>
+        </a:p>
+      </dgm:t>
+    </dgm:pt>
+    <dgm:pt modelId="{4AB60690-1051-4F1B-BBB6-56A51F58A9EE}" cxnId="{C85910E5-10A8-4140-AA1B-DDB60ECFBA61}" type="parTrans">
+      <dgm:prSet/>
+      <dgm:spPr/>
+    </dgm:pt>
+    <dgm:pt modelId="{B943DC9E-CACD-4959-A9D6-1D0173AA3AED}" cxnId="{C85910E5-10A8-4140-AA1B-DDB60ECFBA61}" type="sibTrans">
+      <dgm:prSet/>
+      <dgm:spPr/>
+    </dgm:pt>
+    <dgm:pt modelId="{AF265AD3-D9EB-448D-A6CA-62D4F2D1F899}">
+      <dgm:prSet phldr="0" custT="1"/>
+      <dgm:spPr/>
+      <dgm:t>
+        <a:bodyPr vert="horz" wrap="square"/>
+        <a:p>
+          <a:pPr>
+            <a:lnSpc>
+              <a:spcPct val="100000"/>
+            </a:lnSpc>
+            <a:spcBef>
+              <a:spcPct val="0"/>
+            </a:spcBef>
+            <a:spcAft>
+              <a:spcPct val="15000"/>
+            </a:spcAft>
+          </a:pPr>
+          <a:r>
+            <a:rPr lang="en-US" altLang="zh-CN" sz="1600"/>
+            <a:t>Subtype Specificity</a:t>
+          </a:r>
+          <a:r>
+            <a:rPr lang="en-US" altLang="zh-CN" sz="1600"/>
+            <a:t/>
+          </a:r>
+          <a:endParaRPr lang="en-US" altLang="zh-CN" sz="1600"/>
+        </a:p>
+      </dgm:t>
+    </dgm:pt>
+    <dgm:pt modelId="{FCA4E51C-6702-481A-85F2-70EEC8119AE1}" cxnId="{715EA871-5FE0-400E-B7C1-765A0D4B35B0}" type="parTrans">
+      <dgm:prSet/>
+      <dgm:spPr/>
+    </dgm:pt>
+    <dgm:pt modelId="{A963B2DE-4BD2-436F-9987-2817EB5496F3}" cxnId="{715EA871-5FE0-400E-B7C1-765A0D4B35B0}" type="sibTrans">
+      <dgm:prSet/>
+      <dgm:spPr/>
+    </dgm:pt>
+    <dgm:pt modelId="{D5FB6A06-3991-4223-AD64-C4F7F6F4DF69}" type="pres">
+      <dgm:prSet presAssocID="{468FBB7B-694A-47BF-865D-2F44C1051453}" presName="Name0" presStyleCnt="0">
+        <dgm:presLayoutVars>
+          <dgm:dir/>
+          <dgm:animLvl val="lvl"/>
+          <dgm:resizeHandles val="exact"/>
+        </dgm:presLayoutVars>
+      </dgm:prSet>
+      <dgm:spPr/>
+    </dgm:pt>
+    <dgm:pt modelId="{5EB24CCF-928A-4018-A934-89F31F564A83}" type="pres">
+      <dgm:prSet presAssocID="{BD5427FF-4EB1-4006-BF7F-42158E0C5129}" presName="composite" presStyleCnt="0"/>
+      <dgm:spPr/>
+    </dgm:pt>
+    <dgm:pt modelId="{5D9704F8-5A95-419F-B794-1E2F82666BDB}" type="pres">
+      <dgm:prSet presAssocID="{BD5427FF-4EB1-4006-BF7F-42158E0C5129}" presName="parTx" presStyleLbl="alignNode1" presStyleIdx="0" presStyleCnt="2">
+        <dgm:presLayoutVars>
+          <dgm:chMax val="0"/>
+          <dgm:chPref val="0"/>
+          <dgm:bulletEnabled val="1"/>
+        </dgm:presLayoutVars>
+      </dgm:prSet>
+      <dgm:spPr/>
+    </dgm:pt>
+    <dgm:pt modelId="{C0A6D3D8-DBC2-45B6-8DEF-789A72552BB4}" type="pres">
+      <dgm:prSet presAssocID="{BD5427FF-4EB1-4006-BF7F-42158E0C5129}" presName="desTx" presStyleLbl="alignAccFollowNode1" presStyleIdx="0" presStyleCnt="2">
+        <dgm:presLayoutVars>
+          <dgm:bulletEnabled val="1"/>
+        </dgm:presLayoutVars>
+      </dgm:prSet>
+      <dgm:spPr/>
+    </dgm:pt>
+    <dgm:pt modelId="{C4F6D2AE-A2A5-43DC-B705-8E8ECE0E1613}" type="pres">
+      <dgm:prSet presAssocID="{D47F9812-1256-4E44-A6BE-BEC559BE8FF3}" presName="space" presStyleCnt="0"/>
+      <dgm:spPr/>
+    </dgm:pt>
+    <dgm:pt modelId="{C1832C44-4F6B-4ABA-88DC-7D5A80779E4B}" type="pres">
+      <dgm:prSet presAssocID="{FE969E54-0D5D-4815-BDC4-3309E2F7325D}" presName="composite" presStyleCnt="0"/>
+      <dgm:spPr/>
+    </dgm:pt>
+    <dgm:pt modelId="{3E0BA246-3456-471B-AD87-1436FD251DD8}" type="pres">
+      <dgm:prSet presAssocID="{FE969E54-0D5D-4815-BDC4-3309E2F7325D}" presName="parTx" presStyleLbl="alignNode1" presStyleIdx="1" presStyleCnt="2">
+        <dgm:presLayoutVars>
+          <dgm:chMax val="0"/>
+          <dgm:chPref val="0"/>
+          <dgm:bulletEnabled val="1"/>
+        </dgm:presLayoutVars>
+      </dgm:prSet>
+      <dgm:spPr/>
+    </dgm:pt>
+    <dgm:pt modelId="{33CF15AD-8A19-4E9A-9BED-239A79CAF737}" type="pres">
+      <dgm:prSet presAssocID="{FE969E54-0D5D-4815-BDC4-3309E2F7325D}" presName="desTx" presStyleLbl="alignAccFollowNode1" presStyleIdx="1" presStyleCnt="2">
+        <dgm:presLayoutVars>
+          <dgm:bulletEnabled val="1"/>
+        </dgm:presLayoutVars>
+      </dgm:prSet>
+      <dgm:spPr/>
+    </dgm:pt>
+  </dgm:ptLst>
+  <dgm:cxnLst>
+    <dgm:cxn modelId="{B388399E-0520-4464-8C87-DA42790AB011}" srcId="{468FBB7B-694A-47BF-865D-2F44C1051453}" destId="{BD5427FF-4EB1-4006-BF7F-42158E0C5129}" srcOrd="0" destOrd="0" parTransId="{A2F6D805-3B53-408A-A2A3-20BC3BF0D242}" sibTransId="{D47F9812-1256-4E44-A6BE-BEC559BE8FF3}"/>
+    <dgm:cxn modelId="{4255DC23-8E53-4EEF-934C-24D6C994F5A8}" srcId="{BD5427FF-4EB1-4006-BF7F-42158E0C5129}" destId="{3A7B819B-DBE9-4610-B22A-5573EA6D532D}" srcOrd="0" destOrd="0" parTransId="{DC4BEA23-BF6E-42AD-9BF0-CFBDE86A80F1}" sibTransId="{0BF6ACD3-AE1A-4691-8CBE-DBE77AB8A685}"/>
+    <dgm:cxn modelId="{0910F681-2DEF-4B32-85F6-AC0216A099EB}" srcId="{BD5427FF-4EB1-4006-BF7F-42158E0C5129}" destId="{C93C45F0-4C8C-43D9-A785-DB6B65DCBFBC}" srcOrd="1" destOrd="0" parTransId="{955B3196-74BB-42A3-9F2E-5F44CEE7A6DB}" sibTransId="{C877797C-C9A9-44B4-9A03-86FAF0C56F55}"/>
+    <dgm:cxn modelId="{DD1CBB2F-3597-498F-814E-B5E0D319D761}" srcId="{BD5427FF-4EB1-4006-BF7F-42158E0C5129}" destId="{01E823FD-CE9A-48B3-A596-167C665D03D7}" srcOrd="2" destOrd="0" parTransId="{D647510C-DCD5-4880-8162-1321C059322C}" sibTransId="{4DECF897-5A1F-4560-9562-45E18199F131}"/>
+    <dgm:cxn modelId="{549E804B-410A-4F40-BBEB-FA784362FE93}" srcId="{468FBB7B-694A-47BF-865D-2F44C1051453}" destId="{FE969E54-0D5D-4815-BDC4-3309E2F7325D}" srcOrd="1" destOrd="0" parTransId="{B5D9FB86-EEBE-488F-B7DE-B7CF5C9166C5}" sibTransId="{D7D19B67-C01A-45D3-B5C7-B7E1B18A9F62}"/>
+    <dgm:cxn modelId="{E61ABA29-4BB0-401D-AF41-C16B945D0ABD}" srcId="{FE969E54-0D5D-4815-BDC4-3309E2F7325D}" destId="{35600F67-42C2-4D1B-B072-DC2A36FCB136}" srcOrd="0" destOrd="1" parTransId="{B4BC79E1-FDBA-43D1-A988-1BE8090EDA7A}" sibTransId="{AD46A0AA-C45A-46D2-89AF-28390F99F9D0}"/>
+    <dgm:cxn modelId="{C85910E5-10A8-4140-AA1B-DDB60ECFBA61}" srcId="{FE969E54-0D5D-4815-BDC4-3309E2F7325D}" destId="{93B070B9-DFC1-4806-8E3D-930FC98F88DD}" srcOrd="1" destOrd="1" parTransId="{4AB60690-1051-4F1B-BBB6-56A51F58A9EE}" sibTransId="{B943DC9E-CACD-4959-A9D6-1D0173AA3AED}"/>
+    <dgm:cxn modelId="{715EA871-5FE0-400E-B7C1-765A0D4B35B0}" srcId="{FE969E54-0D5D-4815-BDC4-3309E2F7325D}" destId="{AF265AD3-D9EB-448D-A6CA-62D4F2D1F899}" srcOrd="2" destOrd="1" parTransId="{FCA4E51C-6702-481A-85F2-70EEC8119AE1}" sibTransId="{A963B2DE-4BD2-436F-9987-2817EB5496F3}"/>
+    <dgm:cxn modelId="{F6A54281-24C3-401D-BF5A-5AFE0E9A9CF9}" type="presOf" srcId="{468FBB7B-694A-47BF-865D-2F44C1051453}" destId="{D5FB6A06-3991-4223-AD64-C4F7F6F4DF69}" srcOrd="0" destOrd="0" presId="urn:microsoft.com/office/officeart/2005/8/layout/hList1"/>
+    <dgm:cxn modelId="{F6B74F6D-B888-410E-90DB-50E3693BA6B2}" type="presParOf" srcId="{D5FB6A06-3991-4223-AD64-C4F7F6F4DF69}" destId="{5EB24CCF-928A-4018-A934-89F31F564A83}" srcOrd="0" destOrd="0" presId="urn:microsoft.com/office/officeart/2005/8/layout/hList1"/>
+    <dgm:cxn modelId="{DC2ACA21-2272-4B30-8ADA-332C91980397}" type="presParOf" srcId="{5EB24CCF-928A-4018-A934-89F31F564A83}" destId="{5D9704F8-5A95-419F-B794-1E2F82666BDB}" srcOrd="0" destOrd="0" presId="urn:microsoft.com/office/officeart/2005/8/layout/hList1"/>
+    <dgm:cxn modelId="{467C26F2-E839-4DF5-A9AC-FCF4B6948330}" type="presOf" srcId="{BD5427FF-4EB1-4006-BF7F-42158E0C5129}" destId="{5D9704F8-5A95-419F-B794-1E2F82666BDB}" srcOrd="0" destOrd="0" presId="urn:microsoft.com/office/officeart/2005/8/layout/hList1"/>
+    <dgm:cxn modelId="{FC792F60-6616-4D1F-B9DA-8A2C8A771C96}" type="presParOf" srcId="{5EB24CCF-928A-4018-A934-89F31F564A83}" destId="{C0A6D3D8-DBC2-45B6-8DEF-789A72552BB4}" srcOrd="1" destOrd="0" presId="urn:microsoft.com/office/officeart/2005/8/layout/hList1"/>
+    <dgm:cxn modelId="{5C12DEC0-A8C3-45B8-8952-D239175C44F8}" type="presOf" srcId="{3A7B819B-DBE9-4610-B22A-5573EA6D532D}" destId="{C0A6D3D8-DBC2-45B6-8DEF-789A72552BB4}" srcOrd="0" destOrd="0" presId="urn:microsoft.com/office/officeart/2005/8/layout/hList1"/>
+    <dgm:cxn modelId="{FE5752E6-3C30-44CE-944E-BA30C949D9DC}" type="presOf" srcId="{C93C45F0-4C8C-43D9-A785-DB6B65DCBFBC}" destId="{C0A6D3D8-DBC2-45B6-8DEF-789A72552BB4}" srcOrd="0" destOrd="1" presId="urn:microsoft.com/office/officeart/2005/8/layout/hList1"/>
+    <dgm:cxn modelId="{28E14A72-5515-47E2-B216-3A8AF47E9962}" type="presOf" srcId="{01E823FD-CE9A-48B3-A596-167C665D03D7}" destId="{C0A6D3D8-DBC2-45B6-8DEF-789A72552BB4}" srcOrd="0" destOrd="2" presId="urn:microsoft.com/office/officeart/2005/8/layout/hList1"/>
+    <dgm:cxn modelId="{BE41B782-BD7F-4038-A8E6-A1825FBD147F}" type="presParOf" srcId="{D5FB6A06-3991-4223-AD64-C4F7F6F4DF69}" destId="{C4F6D2AE-A2A5-43DC-B705-8E8ECE0E1613}" srcOrd="1" destOrd="0" presId="urn:microsoft.com/office/officeart/2005/8/layout/hList1"/>
+    <dgm:cxn modelId="{FE766D5A-C011-4F18-BB78-D936CCFDC825}" type="presParOf" srcId="{D5FB6A06-3991-4223-AD64-C4F7F6F4DF69}" destId="{C1832C44-4F6B-4ABA-88DC-7D5A80779E4B}" srcOrd="2" destOrd="0" presId="urn:microsoft.com/office/officeart/2005/8/layout/hList1"/>
+    <dgm:cxn modelId="{69A693CF-629B-4D6E-A856-D7768CA001B5}" type="presParOf" srcId="{C1832C44-4F6B-4ABA-88DC-7D5A80779E4B}" destId="{3E0BA246-3456-471B-AD87-1436FD251DD8}" srcOrd="0" destOrd="2" presId="urn:microsoft.com/office/officeart/2005/8/layout/hList1"/>
+    <dgm:cxn modelId="{EACFEBC3-DEC0-40B2-AB97-B17C5237FCFA}" type="presOf" srcId="{FE969E54-0D5D-4815-BDC4-3309E2F7325D}" destId="{3E0BA246-3456-471B-AD87-1436FD251DD8}" srcOrd="0" destOrd="0" presId="urn:microsoft.com/office/officeart/2005/8/layout/hList1"/>
+    <dgm:cxn modelId="{5965CA09-1B92-4F10-BC55-54E5D55555DE}" type="presParOf" srcId="{C1832C44-4F6B-4ABA-88DC-7D5A80779E4B}" destId="{33CF15AD-8A19-4E9A-9BED-239A79CAF737}" srcOrd="1" destOrd="2" presId="urn:microsoft.com/office/officeart/2005/8/layout/hList1"/>
+    <dgm:cxn modelId="{73237A0C-0483-4059-B1C6-3222875F54B2}" type="presOf" srcId="{35600F67-42C2-4D1B-B072-DC2A36FCB136}" destId="{33CF15AD-8A19-4E9A-9BED-239A79CAF737}" srcOrd="0" destOrd="0" presId="urn:microsoft.com/office/officeart/2005/8/layout/hList1"/>
+    <dgm:cxn modelId="{4DF8EF05-A995-43DD-A841-D2A92D5433EF}" type="presOf" srcId="{93B070B9-DFC1-4806-8E3D-930FC98F88DD}" destId="{33CF15AD-8A19-4E9A-9BED-239A79CAF737}" srcOrd="0" destOrd="1" presId="urn:microsoft.com/office/officeart/2005/8/layout/hList1"/>
+    <dgm:cxn modelId="{3559DC37-4A9F-4F16-AE18-B51951E2C600}" type="presOf" srcId="{AF265AD3-D9EB-448D-A6CA-62D4F2D1F899}" destId="{33CF15AD-8A19-4E9A-9BED-239A79CAF737}" srcOrd="0" destOrd="2" presId="urn:microsoft.com/office/officeart/2005/8/layout/hList1"/>
+  </dgm:cxnLst>
+  <dgm:bg/>
+  <dgm:whole/>
+  <dgm:extLst>
+    <a:ext uri="http://schemas.microsoft.com/office/drawing/2008/diagram">
+      <dsp:dataModelExt xmlns:dsp="http://schemas.microsoft.com/office/drawing/2008/diagram" relId="rId12" minVer="http://schemas.openxmlformats.org/drawingml/2006/diagram"/>
+    </a:ext>
+  </dgm:extLst>
+</dgm:dataModel>
+</file>
+
+<file path=ppt/diagrams/drawing1.xml><?xml version="1.0" encoding="utf-8"?>
+<dsp:drawing xmlns:dgm="http://schemas.openxmlformats.org/drawingml/2006/diagram" xmlns:dsp="http://schemas.microsoft.com/office/drawing/2008/diagram" xmlns:a="http://schemas.openxmlformats.org/drawingml/2006/main" xmlns:r="http://schemas.openxmlformats.org/officeDocument/2006/relationships">
+  <dsp:spTree>
+    <dsp:nvGrpSpPr>
+      <dsp:cNvPr id="2" name="组合 1"/>
+      <dsp:cNvGrpSpPr/>
+    </dsp:nvGrpSpPr>
+    <dsp:grpSpPr>
+      <a:xfrm>
+        <a:off x="0" y="0"/>
+        <a:ext cx="8742045" cy="1510665"/>
+        <a:chOff x="0" y="0"/>
+        <a:chExt cx="8742045" cy="1510665"/>
+      </a:xfrm>
+    </dsp:grpSpPr>
+    <dsp:sp modelId="{5D9704F8-5A95-419F-B794-1E2F82666BDB}">
+      <dsp:nvSpPr>
+        <dsp:cNvPr id="3" name="矩形 2"/>
+        <dsp:cNvSpPr/>
+      </dsp:nvSpPr>
+      <dsp:spPr bwMode="white">
+        <a:xfrm>
+          <a:off x="0" y="0"/>
+          <a:ext cx="4085068" cy="549914"/>
+        </a:xfrm>
+        <a:prstGeom prst="rect">
+          <a:avLst/>
+        </a:prstGeom>
+      </dsp:spPr>
+      <dsp:style>
+        <a:lnRef idx="1">
+          <a:schemeClr val="accent5">
+            <a:shade val="80000"/>
+          </a:schemeClr>
+        </a:lnRef>
+        <a:fillRef idx="3">
+          <a:schemeClr val="lt1"/>
+        </a:fillRef>
+        <a:effectRef idx="3">
+          <a:scrgbClr r="0" g="0" b="0"/>
+        </a:effectRef>
+        <a:fontRef idx="minor">
+          <a:schemeClr val="lt1"/>
+        </a:fontRef>
+      </dsp:style>
+      <dsp:txBody>
+        <a:bodyPr vert="horz" wrap="square" lIns="113792" tIns="65024" rIns="113792" bIns="65024" anchor="ctr"/>
+        <a:lstStyle>
+          <a:lvl1pPr algn="ctr">
+            <a:defRPr sz="6500"/>
+          </a:lvl1pPr>
+          <a:lvl2pPr marL="285750" indent="-285750" algn="ctr">
+            <a:defRPr sz="5000"/>
+          </a:lvl2pPr>
+          <a:lvl3pPr marL="571500" indent="-285750" algn="ctr">
+            <a:defRPr sz="5000"/>
+          </a:lvl3pPr>
+          <a:lvl4pPr marL="857250" indent="-285750" algn="ctr">
+            <a:defRPr sz="5000"/>
+          </a:lvl4pPr>
+          <a:lvl5pPr marL="1143000" indent="-285750" algn="ctr">
+            <a:defRPr sz="5000"/>
+          </a:lvl5pPr>
+          <a:lvl6pPr marL="1428750" indent="-285750" algn="ctr">
+            <a:defRPr sz="5000"/>
+          </a:lvl6pPr>
+          <a:lvl7pPr marL="1714500" indent="-285750" algn="ctr">
+            <a:defRPr sz="5000"/>
+          </a:lvl7pPr>
+          <a:lvl8pPr marL="2000250" indent="-285750" algn="ctr">
+            <a:defRPr sz="5000"/>
+          </a:lvl8pPr>
+          <a:lvl9pPr marL="2286000" indent="-285750" algn="ctr">
+            <a:defRPr sz="5000"/>
+          </a:lvl9pPr>
+        </a:lstStyle>
+        <a:p>
+          <a:pPr lvl="0">
+            <a:lnSpc>
+              <a:spcPct val="100000"/>
+            </a:lnSpc>
+            <a:spcBef>
+              <a:spcPct val="0"/>
+            </a:spcBef>
+            <a:spcAft>
+              <a:spcPct val="35000"/>
+            </a:spcAft>
+          </a:pPr>
+          <a:r>
+            <a:rPr lang="en-US" altLang="zh-CN" sz="1600" b="1">
+              <a:solidFill>
+                <a:schemeClr val="dk1"/>
+              </a:solidFill>
+            </a:rPr>
+            <a:t>Advantages of Frozen Language Model</a:t>
+          </a:r>
+          <a:endParaRPr lang="en-US" altLang="zh-CN" sz="1600" b="1">
+            <a:solidFill>
+              <a:schemeClr val="dk1"/>
+            </a:solidFill>
+          </a:endParaRPr>
+        </a:p>
+      </dsp:txBody>
+      <dsp:txXfrm>
+        <a:off x="0" y="0"/>
+        <a:ext cx="4085068" cy="549914"/>
+      </dsp:txXfrm>
+    </dsp:sp>
+    <dsp:sp modelId="{C0A6D3D8-DBC2-45B6-8DEF-789A72552BB4}">
+      <dsp:nvSpPr>
+        <dsp:cNvPr id="4" name="矩形 3"/>
+        <dsp:cNvSpPr/>
+      </dsp:nvSpPr>
+      <dsp:spPr bwMode="white">
+        <a:xfrm>
+          <a:off x="0" y="549914"/>
+          <a:ext cx="4085068" cy="960751"/>
+        </a:xfrm>
+        <a:prstGeom prst="rect">
+          <a:avLst/>
+        </a:prstGeom>
+      </dsp:spPr>
+      <dsp:style>
+        <a:lnRef idx="1">
+          <a:schemeClr val="accent5">
+            <a:alpha val="90000"/>
+          </a:schemeClr>
+        </a:lnRef>
+        <a:fillRef idx="1">
+          <a:schemeClr val="lt1">
+            <a:alpha val="90000"/>
+            <a:tint val="40000"/>
+          </a:schemeClr>
+        </a:fillRef>
+        <a:effectRef idx="2">
+          <a:scrgbClr r="0" g="0" b="0"/>
+        </a:effectRef>
+        <a:fontRef idx="minor"/>
+      </dsp:style>
+      <dsp:txBody>
+        <a:bodyPr vert="horz" wrap="square" lIns="85344" tIns="85344" rIns="113792" bIns="128016" anchor="t"/>
+        <a:lstStyle>
+          <a:lvl1pPr algn="l">
+            <a:defRPr sz="6500"/>
+          </a:lvl1pPr>
+          <a:lvl2pPr marL="285750" indent="-285750" algn="l">
+            <a:defRPr sz="6500"/>
+          </a:lvl2pPr>
+          <a:lvl3pPr marL="571500" indent="-285750" algn="l">
+            <a:defRPr sz="6500"/>
+          </a:lvl3pPr>
+          <a:lvl4pPr marL="857250" indent="-285750" algn="l">
+            <a:defRPr sz="6500"/>
+          </a:lvl4pPr>
+          <a:lvl5pPr marL="1143000" indent="-285750" algn="l">
+            <a:defRPr sz="6500"/>
+          </a:lvl5pPr>
+          <a:lvl6pPr marL="1428750" indent="-285750" algn="l">
+            <a:defRPr sz="6500"/>
+          </a:lvl6pPr>
+          <a:lvl7pPr marL="1714500" indent="-285750" algn="l">
+            <a:defRPr sz="6500"/>
+          </a:lvl7pPr>
+          <a:lvl8pPr marL="2000250" indent="-285750" algn="l">
+            <a:defRPr sz="6500"/>
+          </a:lvl8pPr>
+          <a:lvl9pPr marL="2286000" indent="-285750" algn="l">
+            <a:defRPr sz="6500"/>
+          </a:lvl9pPr>
+        </a:lstStyle>
+        <a:p>
+          <a:pPr marL="171450" lvl="1" indent="-171450">
+            <a:lnSpc>
+              <a:spcPct val="100000"/>
+            </a:lnSpc>
+            <a:spcBef>
+              <a:spcPct val="0"/>
+            </a:spcBef>
+            <a:spcAft>
+              <a:spcPct val="15000"/>
+            </a:spcAft>
+            <a:buChar char="•"/>
+          </a:pPr>
+          <a:r>
+            <a:rPr lang="en-US" altLang="zh-CN" sz="1600">
+              <a:solidFill>
+                <a:schemeClr val="dk1"/>
+              </a:solidFill>
+            </a:rPr>
+            <a:t>Output Coherence</a:t>
+          </a:r>
+          <a:endParaRPr lang="en-US" altLang="zh-CN" sz="1600">
+            <a:solidFill>
+              <a:schemeClr val="dk1"/>
+            </a:solidFill>
+          </a:endParaRPr>
+        </a:p>
+        <a:p>
+          <a:pPr marL="171450" lvl="1" indent="-171450">
+            <a:lnSpc>
+              <a:spcPct val="100000"/>
+            </a:lnSpc>
+            <a:spcBef>
+              <a:spcPct val="0"/>
+            </a:spcBef>
+            <a:spcAft>
+              <a:spcPct val="15000"/>
+            </a:spcAft>
+            <a:buChar char="•"/>
+          </a:pPr>
+          <a:r>
+            <a:rPr lang="en-US" altLang="zh-CN" sz="1600">
+              <a:solidFill>
+                <a:schemeClr val="dk1"/>
+              </a:solidFill>
+            </a:rPr>
+            <a:t>Term Consistency</a:t>
+          </a:r>
+          <a:endParaRPr lang="en-US" altLang="zh-CN" sz="1600">
+            <a:solidFill>
+              <a:schemeClr val="dk1"/>
+            </a:solidFill>
+          </a:endParaRPr>
+        </a:p>
+        <a:p>
+          <a:pPr marL="171450" lvl="1" indent="-171450">
+            <a:lnSpc>
+              <a:spcPct val="100000"/>
+            </a:lnSpc>
+            <a:spcBef>
+              <a:spcPct val="0"/>
+            </a:spcBef>
+            <a:spcAft>
+              <a:spcPct val="15000"/>
+            </a:spcAft>
+            <a:buChar char="•"/>
+          </a:pPr>
+          <a:r>
+            <a:rPr lang="en-US" altLang="zh-CN" sz="1600">
+              <a:solidFill>
+                <a:schemeClr val="dk1"/>
+              </a:solidFill>
+            </a:rPr>
+            <a:t>Risk Control</a:t>
+          </a:r>
+          <a:endParaRPr lang="en-US" altLang="zh-CN" sz="1600">
+            <a:solidFill>
+              <a:schemeClr val="dk1"/>
+            </a:solidFill>
+          </a:endParaRPr>
+        </a:p>
+      </dsp:txBody>
+      <dsp:txXfrm>
+        <a:off x="0" y="549914"/>
+        <a:ext cx="4085068" cy="960751"/>
+      </dsp:txXfrm>
+    </dsp:sp>
+    <dsp:sp modelId="{3E0BA246-3456-471B-AD87-1436FD251DD8}">
+      <dsp:nvSpPr>
+        <dsp:cNvPr id="5" name="矩形 4"/>
+        <dsp:cNvSpPr/>
+      </dsp:nvSpPr>
+      <dsp:spPr bwMode="white">
+        <a:xfrm>
+          <a:off x="4656977" y="0"/>
+          <a:ext cx="4085068" cy="549914"/>
+        </a:xfrm>
+        <a:prstGeom prst="rect">
+          <a:avLst/>
+        </a:prstGeom>
+      </dsp:spPr>
+      <dsp:style>
+        <a:lnRef idx="1">
+          <a:schemeClr val="accent5">
+            <a:shade val="80000"/>
+          </a:schemeClr>
+        </a:lnRef>
+        <a:fillRef idx="3">
+          <a:schemeClr val="lt1"/>
+        </a:fillRef>
+        <a:effectRef idx="3">
+          <a:scrgbClr r="0" g="0" b="0"/>
+        </a:effectRef>
+        <a:fontRef idx="minor">
+          <a:schemeClr val="lt1"/>
+        </a:fontRef>
+      </dsp:style>
+      <dsp:txBody>
+        <a:bodyPr vert="horz" wrap="square" lIns="113792" tIns="65024" rIns="113792" bIns="65024" anchor="ctr"/>
+        <a:lstStyle>
+          <a:lvl1pPr algn="ctr">
+            <a:defRPr sz="6500"/>
+          </a:lvl1pPr>
+          <a:lvl2pPr marL="285750" indent="-285750" algn="ctr">
+            <a:defRPr sz="5000"/>
+          </a:lvl2pPr>
+          <a:lvl3pPr marL="571500" indent="-285750" algn="ctr">
+            <a:defRPr sz="5000"/>
+          </a:lvl3pPr>
+          <a:lvl4pPr marL="857250" indent="-285750" algn="ctr">
+            <a:defRPr sz="5000"/>
+          </a:lvl4pPr>
+          <a:lvl5pPr marL="1143000" indent="-285750" algn="ctr">
+            <a:defRPr sz="5000"/>
+          </a:lvl5pPr>
+          <a:lvl6pPr marL="1428750" indent="-285750" algn="ctr">
+            <a:defRPr sz="5000"/>
+          </a:lvl6pPr>
+          <a:lvl7pPr marL="1714500" indent="-285750" algn="ctr">
+            <a:defRPr sz="5000"/>
+          </a:lvl7pPr>
+          <a:lvl8pPr marL="2000250" indent="-285750" algn="ctr">
+            <a:defRPr sz="5000"/>
+          </a:lvl8pPr>
+          <a:lvl9pPr marL="2286000" indent="-285750" algn="ctr">
+            <a:defRPr sz="5000"/>
+          </a:lvl9pPr>
+        </a:lstStyle>
+        <a:p>
+          <a:pPr lvl="0">
+            <a:lnSpc>
+              <a:spcPct val="100000"/>
+            </a:lnSpc>
+            <a:spcBef>
+              <a:spcPct val="0"/>
+            </a:spcBef>
+            <a:spcAft>
+              <a:spcPct val="35000"/>
+            </a:spcAft>
+          </a:pPr>
+          <a:r>
+            <a:rPr lang="en-US" altLang="zh-CN" sz="1600" b="1">
+              <a:solidFill>
+                <a:schemeClr val="dk1"/>
+              </a:solidFill>
+            </a:rPr>
+            <a:t>Clinical Applicability Assessment</a:t>
+          </a:r>
+          <a:endParaRPr lang="en-US" altLang="zh-CN" sz="1600" b="1">
+            <a:solidFill>
+              <a:schemeClr val="dk1"/>
+            </a:solidFill>
+          </a:endParaRPr>
+        </a:p>
+      </dsp:txBody>
+      <dsp:txXfrm>
+        <a:off x="4656977" y="0"/>
+        <a:ext cx="4085068" cy="549914"/>
+      </dsp:txXfrm>
+    </dsp:sp>
+    <dsp:sp modelId="{33CF15AD-8A19-4E9A-9BED-239A79CAF737}">
+      <dsp:nvSpPr>
+        <dsp:cNvPr id="6" name="矩形 5"/>
+        <dsp:cNvSpPr/>
+      </dsp:nvSpPr>
+      <dsp:spPr bwMode="white">
+        <a:xfrm>
+          <a:off x="4656977" y="549914"/>
+          <a:ext cx="4085068" cy="960751"/>
+        </a:xfrm>
+        <a:prstGeom prst="rect">
+          <a:avLst/>
+        </a:prstGeom>
+      </dsp:spPr>
+      <dsp:style>
+        <a:lnRef idx="1">
+          <a:schemeClr val="accent5">
+            <a:alpha val="90000"/>
+          </a:schemeClr>
+        </a:lnRef>
+        <a:fillRef idx="1">
+          <a:schemeClr val="lt1">
+            <a:alpha val="90000"/>
+            <a:tint val="40000"/>
+          </a:schemeClr>
+        </a:fillRef>
+        <a:effectRef idx="2">
+          <a:scrgbClr r="0" g="0" b="0"/>
+        </a:effectRef>
+        <a:fontRef idx="minor"/>
+      </dsp:style>
+      <dsp:txBody>
+        <a:bodyPr vert="horz" wrap="square" lIns="85344" tIns="85344" rIns="113792" bIns="128016" anchor="t"/>
+        <a:lstStyle>
+          <a:lvl1pPr algn="l">
+            <a:defRPr sz="6500"/>
+          </a:lvl1pPr>
+          <a:lvl2pPr marL="285750" indent="-285750" algn="l">
+            <a:defRPr sz="6500"/>
+          </a:lvl2pPr>
+          <a:lvl3pPr marL="571500" indent="-285750" algn="l">
+            <a:defRPr sz="6500"/>
+          </a:lvl3pPr>
+          <a:lvl4pPr marL="857250" indent="-285750" algn="l">
+            <a:defRPr sz="6500"/>
+          </a:lvl4pPr>
+          <a:lvl5pPr marL="1143000" indent="-285750" algn="l">
+            <a:defRPr sz="6500"/>
+          </a:lvl5pPr>
+          <a:lvl6pPr marL="1428750" indent="-285750" algn="l">
+            <a:defRPr sz="6500"/>
+          </a:lvl6pPr>
+          <a:lvl7pPr marL="1714500" indent="-285750" algn="l">
+            <a:defRPr sz="6500"/>
+          </a:lvl7pPr>
+          <a:lvl8pPr marL="2000250" indent="-285750" algn="l">
+            <a:defRPr sz="6500"/>
+          </a:lvl8pPr>
+          <a:lvl9pPr marL="2286000" indent="-285750" algn="l">
+            <a:defRPr sz="6500"/>
+          </a:lvl9pPr>
+        </a:lstStyle>
+        <a:p>
+          <a:pPr marL="171450" lvl="1" indent="-171450">
+            <a:lnSpc>
+              <a:spcPct val="100000"/>
+            </a:lnSpc>
+            <a:spcBef>
+              <a:spcPct val="0"/>
+            </a:spcBef>
+            <a:spcAft>
+              <a:spcPct val="15000"/>
+            </a:spcAft>
+            <a:buChar char="•"/>
+          </a:pPr>
+          <a:r>
+            <a:rPr lang="en-US" altLang="zh-CN" sz="1600">
+              <a:solidFill>
+                <a:schemeClr val="dk1"/>
+              </a:solidFill>
+            </a:rPr>
+            <a:t>Semantic Correctness Priority</a:t>
+          </a:r>
+          <a:endParaRPr lang="en-US" altLang="zh-CN" sz="1600">
+            <a:solidFill>
+              <a:schemeClr val="dk1"/>
+            </a:solidFill>
+          </a:endParaRPr>
+        </a:p>
+        <a:p>
+          <a:pPr marL="171450" lvl="1" indent="-171450">
+            <a:lnSpc>
+              <a:spcPct val="100000"/>
+            </a:lnSpc>
+            <a:spcBef>
+              <a:spcPct val="0"/>
+            </a:spcBef>
+            <a:spcAft>
+              <a:spcPct val="15000"/>
+            </a:spcAft>
+            <a:buChar char="•"/>
+          </a:pPr>
+          <a:r>
+            <a:rPr lang="en-US" altLang="zh-CN" sz="1600">
+              <a:solidFill>
+                <a:schemeClr val="dk1"/>
+              </a:solidFill>
+            </a:rPr>
+            <a:t>Modifier Sensitivity</a:t>
+          </a:r>
+          <a:endParaRPr lang="en-US" altLang="zh-CN" sz="1600">
+            <a:solidFill>
+              <a:schemeClr val="dk1"/>
+            </a:solidFill>
+          </a:endParaRPr>
+        </a:p>
+        <a:p>
+          <a:pPr marL="171450" lvl="1" indent="-171450">
+            <a:lnSpc>
+              <a:spcPct val="100000"/>
+            </a:lnSpc>
+            <a:spcBef>
+              <a:spcPct val="0"/>
+            </a:spcBef>
+            <a:spcAft>
+              <a:spcPct val="15000"/>
+            </a:spcAft>
+            <a:buChar char="•"/>
+          </a:pPr>
+          <a:r>
+            <a:rPr lang="en-US" altLang="zh-CN" sz="1600">
+              <a:solidFill>
+                <a:schemeClr val="dk1"/>
+              </a:solidFill>
+            </a:rPr>
+            <a:t>Subtype Specificity</a:t>
+          </a:r>
+          <a:endParaRPr lang="en-US" altLang="zh-CN" sz="1600">
+            <a:solidFill>
+              <a:schemeClr val="dk1"/>
+            </a:solidFill>
+          </a:endParaRPr>
+        </a:p>
+      </dsp:txBody>
+      <dsp:txXfrm>
+        <a:off x="4656977" y="549914"/>
+        <a:ext cx="4085068" cy="960751"/>
+      </dsp:txXfrm>
+    </dsp:sp>
+  </dsp:spTree>
+</dsp:drawing>
+</file>
+
+<file path=ppt/diagrams/layout1.xml><?xml version="1.0" encoding="utf-8"?>
+<dgm:layoutDef xmlns:dgm="http://schemas.openxmlformats.org/drawingml/2006/diagram" xmlns:a="http://schemas.openxmlformats.org/drawingml/2006/main" uniqueId="urn:microsoft.com/office/officeart/2005/8/layout/hList1">
+  <dgm:title val=""/>
+  <dgm:desc val=""/>
+  <dgm:catLst>
+    <dgm:cat type="list" pri="5000"/>
+    <dgm:cat type="convert" pri="5000"/>
+  </dgm:catLst>
+  <dgm:sampData>
+    <dgm:dataModel>
+      <dgm:ptLst>
+        <dgm:pt modelId="0" type="doc"/>
+        <dgm:pt modelId="1">
+          <dgm:prSet phldr="1"/>
+        </dgm:pt>
+        <dgm:pt modelId="11">
+          <dgm:prSet phldr="1"/>
+        </dgm:pt>
+        <dgm:pt modelId="12">
+          <dgm:prSet phldr="1"/>
+        </dgm:pt>
+        <dgm:pt modelId="2">
+          <dgm:prSet phldr="1"/>
+        </dgm:pt>
+        <dgm:pt modelId="21">
+          <dgm:prSet phldr="1"/>
+        </dgm:pt>
+        <dgm:pt modelId="22">
+          <dgm:prSet phldr="1"/>
+        </dgm:pt>
+        <dgm:pt modelId="3">
+          <dgm:prSet phldr="1"/>
+        </dgm:pt>
+        <dgm:pt modelId="31">
+          <dgm:prSet phldr="1"/>
+        </dgm:pt>
+        <dgm:pt modelId="32">
+          <dgm:prSet phldr="1"/>
+        </dgm:pt>
+      </dgm:ptLst>
+      <dgm:cxnLst>
+        <dgm:cxn modelId="4" srcId="0" destId="1" srcOrd="0" destOrd="0"/>
+        <dgm:cxn modelId="5" srcId="0" destId="2" srcOrd="1" destOrd="0"/>
+        <dgm:cxn modelId="6" srcId="0" destId="3" srcOrd="2" destOrd="0"/>
+        <dgm:cxn modelId="13" srcId="1" destId="11" srcOrd="0" destOrd="0"/>
+        <dgm:cxn modelId="14" srcId="1" destId="12" srcOrd="1" destOrd="0"/>
+        <dgm:cxn modelId="23" srcId="2" destId="21" srcOrd="0" destOrd="0"/>
+        <dgm:cxn modelId="24" srcId="2" destId="22" srcOrd="1" destOrd="0"/>
+        <dgm:cxn modelId="33" srcId="3" destId="31" srcOrd="0" destOrd="0"/>
+        <dgm:cxn modelId="34" srcId="3" destId="32" srcOrd="1" destOrd="0"/>
+      </dgm:cxnLst>
+      <dgm:bg/>
+      <dgm:whole/>
+    </dgm:dataModel>
+  </dgm:sampData>
+  <dgm:styleData>
+    <dgm:dataModel>
+      <dgm:ptLst>
+        <dgm:pt modelId="0" type="doc">
+          <dgm:prSet qsTypeId="urn:microsoft.com/office/officeart/2005/8/quickstyle/simple5"/>
+        </dgm:pt>
+        <dgm:pt modelId="1">
+          <dgm:prSet phldr="1"/>
+        </dgm:pt>
+        <dgm:pt modelId="2">
+          <dgm:prSet phldr="1"/>
+        </dgm:pt>
+      </dgm:ptLst>
+      <dgm:cxnLst>
+        <dgm:cxn modelId="3" srcId="0" destId="1" srcOrd="0" destOrd="0"/>
+        <dgm:cxn modelId="4" srcId="0" destId="2" srcOrd="1" destOrd="0"/>
+      </dgm:cxnLst>
+      <dgm:bg/>
+      <dgm:whole/>
+    </dgm:dataModel>
+  </dgm:styleData>
+  <dgm:clrData>
+    <dgm:dataModel>
+      <dgm:ptLst>
+        <dgm:pt modelId="0" type="doc">
+          <dgm:prSet csTypeId="urn:microsoft.com/office/officeart/2005/8/colors/accent6_5"/>
+        </dgm:pt>
+        <dgm:pt modelId="1">
+          <dgm:prSet phldr="1"/>
+        </dgm:pt>
+        <dgm:pt modelId="2">
+          <dgm:prSet phldr="1"/>
+        </dgm:pt>
+        <dgm:pt modelId="3">
+          <dgm:prSet phldr="1"/>
+        </dgm:pt>
+        <dgm:pt modelId="4">
+          <dgm:prSet phldr="1"/>
+        </dgm:pt>
+      </dgm:ptLst>
+      <dgm:cxnLst>
+        <dgm:cxn modelId="5" srcId="0" destId="1" srcOrd="0" destOrd="0"/>
+        <dgm:cxn modelId="6" srcId="0" destId="2" srcOrd="1" destOrd="0"/>
+        <dgm:cxn modelId="7" srcId="0" destId="3" srcOrd="2" destOrd="0"/>
+        <dgm:cxn modelId="8" srcId="0" destId="4" srcOrd="3" destOrd="0"/>
+      </dgm:cxnLst>
+      <dgm:bg/>
+      <dgm:whole/>
+    </dgm:dataModel>
+  </dgm:clrData>
+  <dgm:layoutNode name="Name0">
+    <dgm:varLst>
+      <dgm:dir/>
+      <dgm:animLvl val="lvl"/>
+      <dgm:resizeHandles val="exact"/>
+    </dgm:varLst>
+    <dgm:choose name="Name1">
+      <dgm:if name="Name2" func="var" arg="dir" op="equ" val="norm">
+        <dgm:alg type="lin"/>
+      </dgm:if>
+      <dgm:else name="Name3">
+        <dgm:alg type="lin">
+          <dgm:param type="linDir" val="fromR"/>
+        </dgm:alg>
+      </dgm:else>
+    </dgm:choose>
+    <dgm:shape xmlns:r="http://schemas.openxmlformats.org/officeDocument/2006/relationships" r:blip="">
+      <dgm:adjLst/>
+    </dgm:shape>
+    <dgm:presOf/>
+    <dgm:constrLst>
+      <dgm:constr type="h" for="ch" forName="composite" refType="h"/>
+      <dgm:constr type="w" for="ch" forName="composite" refType="w"/>
+      <dgm:constr type="w" for="des" forName="parTx"/>
+      <dgm:constr type="h" for="des" forName="parTx" op="equ"/>
+      <dgm:constr type="w" for="des" forName="desTx"/>
+      <dgm:constr type="h" for="des" forName="desTx" op="equ"/>
+      <dgm:constr type="primFontSz" for="des" forName="parTx" val="65"/>
+      <dgm:constr type="secFontSz" for="des" forName="desTx" refType="primFontSz" refFor="des" refForName="parTx" op="equ"/>
+      <dgm:constr type="h" for="des" forName="parTx" refType="primFontSz" refFor="des" refForName="parTx" fact="0.8"/>
+      <dgm:constr type="h" for="des" forName="desTx" refType="primFontSz" refFor="des" refForName="parTx" fact="1.22"/>
+      <dgm:constr type="w" for="ch" forName="space" refType="w" refFor="ch" refForName="composite" op="equ" fact="0.14"/>
+    </dgm:constrLst>
+    <dgm:ruleLst>
+      <dgm:rule type="w" for="ch" forName="composite" val="0" fact="NaN" max="NaN"/>
+      <dgm:rule type="primFontSz" for="des" forName="parTx" val="5" fact="NaN" max="NaN"/>
+    </dgm:ruleLst>
+    <dgm:forEach name="Name4" axis="ch" ptType="node">
+      <dgm:layoutNode name="composite">
+        <dgm:alg type="composite"/>
+        <dgm:shape xmlns:r="http://schemas.openxmlformats.org/officeDocument/2006/relationships" r:blip="">
+          <dgm:adjLst/>
+        </dgm:shape>
+        <dgm:presOf/>
+        <dgm:constrLst>
+          <dgm:constr type="l" for="ch" forName="parTx"/>
+          <dgm:constr type="w" for="ch" forName="parTx" refType="w"/>
+          <dgm:constr type="t" for="ch" forName="parTx"/>
+          <dgm:constr type="l" for="ch" forName="desTx"/>
+          <dgm:constr type="w" for="ch" forName="desTx" refType="w" refFor="ch" refForName="parTx"/>
+          <dgm:constr type="t" for="ch" forName="desTx" refType="h" refFor="ch" refForName="parTx"/>
+        </dgm:constrLst>
+        <dgm:ruleLst>
+          <dgm:rule type="h" val="INF" fact="NaN" max="NaN"/>
+        </dgm:ruleLst>
+        <dgm:layoutNode name="parTx" styleLbl="alignNode1">
+          <dgm:varLst>
+            <dgm:chMax val="0"/>
+            <dgm:chPref val="0"/>
+            <dgm:bulletEnabled val="1"/>
+          </dgm:varLst>
+          <dgm:alg type="tx"/>
+          <dgm:shape xmlns:r="http://schemas.openxmlformats.org/officeDocument/2006/relationships" type="rect" r:blip="">
+            <dgm:adjLst/>
+          </dgm:shape>
+          <dgm:presOf axis="self" ptType="node"/>
+          <dgm:constrLst>
+            <dgm:constr type="h" refType="w" op="lte" fact="0.4"/>
+            <dgm:constr type="h"/>
+            <dgm:constr type="tMarg" refType="primFontSz" fact="0.32"/>
+            <dgm:constr type="bMarg" refType="primFontSz" fact="0.32"/>
+          </dgm:constrLst>
+          <dgm:ruleLst>
+            <dgm:rule type="h" val="INF" fact="NaN" max="NaN"/>
+          </dgm:ruleLst>
+        </dgm:layoutNode>
+        <dgm:layoutNode name="desTx" styleLbl="alignAccFollowNode1">
+          <dgm:varLst>
+            <dgm:bulletEnabled val="1"/>
+          </dgm:varLst>
+          <dgm:alg type="tx">
+            <dgm:param type="stBulletLvl" val="1"/>
+          </dgm:alg>
+          <dgm:shape xmlns:r="http://schemas.openxmlformats.org/officeDocument/2006/relationships" type="rect" r:blip="">
+            <dgm:adjLst/>
+          </dgm:shape>
+          <dgm:presOf axis="des" ptType="node"/>
+          <dgm:constrLst>
+            <dgm:constr type="secFontSz" val="65"/>
+            <dgm:constr type="primFontSz" refType="secFontSz"/>
+            <dgm:constr type="h"/>
+            <dgm:constr type="lMarg" refType="primFontSz" fact="0.42"/>
+            <dgm:constr type="tMarg" refType="primFontSz" fact="0.42"/>
+            <dgm:constr type="bMarg" refType="primFontSz" fact="0.63"/>
+          </dgm:constrLst>
+          <dgm:ruleLst>
+            <dgm:rule type="h" val="INF" fact="NaN" max="NaN"/>
+          </dgm:ruleLst>
+        </dgm:layoutNode>
+      </dgm:layoutNode>
+      <dgm:forEach name="Name5" axis="followSib" ptType="sibTrans" cnt="1">
+        <dgm:layoutNode name="space">
+          <dgm:alg type="sp"/>
+          <dgm:shape xmlns:r="http://schemas.openxmlformats.org/officeDocument/2006/relationships" r:blip="">
+            <dgm:adjLst/>
+          </dgm:shape>
+          <dgm:presOf/>
+          <dgm:constrLst/>
+          <dgm:ruleLst/>
+        </dgm:layoutNode>
+      </dgm:forEach>
+    </dgm:forEach>
+  </dgm:layoutNode>
+</dgm:layoutDef>
+</file>
+
+<file path=ppt/diagrams/quickStyle1.xml><?xml version="1.0" encoding="utf-8"?>
+<dgm:styleDef xmlns:dgm="http://schemas.openxmlformats.org/drawingml/2006/diagram" xmlns:a="http://schemas.openxmlformats.org/drawingml/2006/main" uniqueId="urn:microsoft.com/office/officeart/2005/8/quickstyle/simple5">
+  <dgm:title val=""/>
+  <dgm:desc val=""/>
+  <dgm:catLst>
+    <dgm:cat type="simple" pri="10500"/>
+  </dgm:catLst>
+  <dgm:scene3d>
+    <a:camera prst="orthographicFront"/>
+    <a:lightRig rig="threePt" dir="t"/>
+  </dgm:scene3d>
+  <dgm:styleLbl name="alignAcc1">
+    <dgm:scene3d>
+      <a:camera prst="orthographicFront"/>
+      <a:lightRig rig="threePt" dir="t"/>
+    </dgm:scene3d>
+    <dgm:txPr/>
+    <dgm:style>
+      <a:lnRef idx="1">
+        <a:scrgbClr r="0" g="0" b="0"/>
+      </a:lnRef>
+      <a:fillRef idx="1">
+        <a:scrgbClr r="0" g="0" b="0"/>
+      </a:fillRef>
+      <a:effectRef idx="2">
+        <a:scrgbClr r="0" g="0" b="0"/>
+      </a:effectRef>
+      <a:fontRef idx="minor"/>
+    </dgm:style>
+  </dgm:styleLbl>
+  <dgm:styleLbl name="alignAccFollowNode1">
+    <dgm:scene3d>
+      <a:camera prst="orthographicFront"/>
+      <a:lightRig rig="threePt" dir="t"/>
+    </dgm:scene3d>
+    <dgm:txPr/>
+    <dgm:style>
+      <a:lnRef idx="1">
+        <a:scrgbClr r="0" g="0" b="0"/>
+      </a:lnRef>
+      <a:fillRef idx="1">
+        <a:scrgbClr r="0" g="0" b="0"/>
+      </a:fillRef>
+      <a:effectRef idx="2">
+        <a:scrgbClr r="0" g="0" b="0"/>
+      </a:effectRef>
+      <a:fontRef idx="minor"/>
+    </dgm:style>
+  </dgm:styleLbl>
+  <dgm:styleLbl name="alignImgPlace1">
+    <dgm:scene3d>
+      <a:camera prst="orthographicFront"/>
+      <a:lightRig rig="threePt" dir="t"/>
+    </dgm:scene3d>
+    <dgm:txPr/>
+    <dgm:style>
+      <a:lnRef idx="0">
+        <a:scrgbClr r="0" g="0" b="0"/>
+      </a:lnRef>
+      <a:fillRef idx="1">
+        <a:scrgbClr r="0" g="0" b="0"/>
+      </a:fillRef>
+      <a:effectRef idx="3">
+        <a:scrgbClr r="0" g="0" b="0"/>
+      </a:effectRef>
+      <a:fontRef idx="minor"/>
+    </dgm:style>
+  </dgm:styleLbl>
+  <dgm:styleLbl name="alignNode1">
+    <dgm:scene3d>
+      <a:camera prst="orthographicFront"/>
+      <a:lightRig rig="threePt" dir="t"/>
+    </dgm:scene3d>
+    <dgm:txPr/>
+    <dgm:style>
+      <a:lnRef idx="1">
+        <a:scrgbClr r="0" g="0" b="0"/>
+      </a:lnRef>
+      <a:fillRef idx="3">
+        <a:scrgbClr r="0" g="0" b="0"/>
+      </a:fillRef>
+      <a:effectRef idx="3">
+        <a:scrgbClr r="0" g="0" b="0"/>
+      </a:effectRef>
+      <a:fontRef idx="minor">
+        <a:schemeClr val="lt1"/>
+      </a:fontRef>
+    </dgm:style>
+  </dgm:styleLbl>
+  <dgm:styleLbl name="asst0">
+    <dgm:scene3d>
+      <a:camera prst="orthographicFront"/>
+      <a:lightRig rig="threePt" dir="t"/>
+    </dgm:scene3d>
+    <dgm:txPr/>
+    <dgm:style>
+      <a:lnRef idx="0">
+        <a:scrgbClr r="0" g="0" b="0"/>
+      </a:lnRef>
+      <a:fillRef idx="3">
+        <a:scrgbClr r="0" g="0" b="0"/>
+      </a:fillRef>
+      <a:effectRef idx="3">
+        <a:scrgbClr r="0" g="0" b="0"/>
+      </a:effectRef>
+      <a:fontRef idx="minor">
+        <a:schemeClr val="lt1"/>
+      </a:fontRef>
+    </dgm:style>
+  </dgm:styleLbl>
+  <dgm:styleLbl name="asst1">
+    <dgm:scene3d>
+      <a:camera prst="orthographicFront"/>
+      <a:lightRig rig="threePt" dir="t"/>
+    </dgm:scene3d>
+    <dgm:txPr/>
+    <dgm:style>
+      <a:lnRef idx="0">
+        <a:scrgbClr r="0" g="0" b="0"/>
+      </a:lnRef>
+      <a:fillRef idx="3">
+        <a:scrgbClr r="0" g="0" b="0"/>
+      </a:fillRef>
+      <a:effectRef idx="3">
+        <a:scrgbClr r="0" g="0" b="0"/>
+      </a:effectRef>
+      <a:fontRef idx="minor">
+        <a:schemeClr val="lt1"/>
+      </a:fontRef>
+    </dgm:style>
+  </dgm:styleLbl>
+  <dgm:styleLbl name="asst2">
+    <dgm:scene3d>
+      <a:camera prst="orthographicFront"/>
+      <a:lightRig rig="threePt" dir="t"/>
+    </dgm:scene3d>
+    <dgm:txPr/>
+    <dgm:style>
+      <a:lnRef idx="0">
+        <a:scrgbClr r="0" g="0" b="0"/>
+      </a:lnRef>
+      <a:fillRef idx="3">
+        <a:scrgbClr r="0" g="0" b="0"/>
+      </a:fillRef>
+      <a:effectRef idx="3">
+        <a:scrgbClr r="0" g="0" b="0"/>
+      </a:effectRef>
+      <a:fontRef idx="minor">
+        <a:schemeClr val="lt1"/>
+      </a:fontRef>
+    </dgm:style>
+  </dgm:styleLbl>
+  <dgm:styleLbl name="asst3">
+    <dgm:scene3d>
+      <a:camera prst="orthographicFront"/>
+      <a:lightRig rig="threePt" dir="t"/>
+    </dgm:scene3d>
+    <dgm:txPr/>
+    <dgm:style>
+      <a:lnRef idx="0">
+        <a:scrgbClr r="0" g="0" b="0"/>
+      </a:lnRef>
+      <a:fillRef idx="3">
+        <a:scrgbClr r="0" g="0" b="0"/>
+      </a:fillRef>
+      <a:effectRef idx="3">
+        <a:scrgbClr r="0" g="0" b="0"/>
+      </a:effectRef>
+      <a:fontRef idx="minor">
+        <a:schemeClr val="lt1"/>
+      </a:fontRef>
+    </dgm:style>
+  </dgm:styleLbl>
+  <dgm:styleLbl name="asst4">
+    <dgm:scene3d>
+      <a:camera prst="orthographicFront"/>
+      <a:lightRig rig="threePt" dir="t"/>
+    </dgm:scene3d>
+    <dgm:txPr/>
+    <dgm:style>
+      <a:lnRef idx="0">
+        <a:scrgbClr r="0" g="0" b="0"/>
+      </a:lnRef>
+      <a:fillRef idx="3">
+        <a:scrgbClr r="0" g="0" b="0"/>
+      </a:fillRef>
+      <a:effectRef idx="3">
+        <a:scrgbClr r="0" g="0" b="0"/>
+      </a:effectRef>
+      <a:fontRef idx="minor">
+        <a:schemeClr val="lt1"/>
+      </a:fontRef>
+    </dgm:style>
+  </dgm:styleLbl>
+  <dgm:styleLbl name="bgAcc1">
+    <dgm:scene3d>
+      <a:camera prst="orthographicFront"/>
+      <a:lightRig rig="threePt" dir="t"/>
+    </dgm:scene3d>
+    <dgm:txPr/>
+    <dgm:style>
+      <a:lnRef idx="1">
+        <a:scrgbClr r="0" g="0" b="0"/>
+      </a:lnRef>
+      <a:fillRef idx="1">
+        <a:scrgbClr r="0" g="0" b="0"/>
+      </a:fillRef>
+      <a:effectRef idx="2">
+        <a:scrgbClr r="0" g="0" b="0"/>
+      </a:effectRef>
+      <a:fontRef idx="minor"/>
+    </dgm:style>
+  </dgm:styleLbl>
+  <dgm:styleLbl name="bgAccFollowNode1">
+    <dgm:scene3d>
+      <a:camera prst="orthographicFront"/>
+      <a:lightRig rig="threePt" dir="t"/>
+    </dgm:scene3d>
+    <dgm:txPr/>
+    <dgm:style>
+      <a:lnRef idx="1">
+        <a:scrgbClr r="0" g="0" b="0"/>
+      </a:lnRef>
+      <a:fillRef idx="1">
+        <a:scrgbClr r="0" g="0" b="0"/>
+      </a:fillRef>
+      <a:effectRef idx="2">
+        <a:scrgbClr r="0" g="0" b="0"/>
+      </a:effectRef>
+      <a:fontRef idx="minor"/>
+    </dgm:style>
+  </dgm:styleLbl>
+  <dgm:styleLbl name="bgImgPlace1">
+    <dgm:scene3d>
+      <a:camera prst="orthographicFront"/>
+      <a:lightRig rig="threePt" dir="t"/>
+    </dgm:scene3d>
+    <dgm:txPr/>
+    <dgm:style>
+      <a:lnRef idx="0">
+        <a:scrgbClr r="0" g="0" b="0"/>
+      </a:lnRef>
+      <a:fillRef idx="1">
+        <a:scrgbClr r="0" g="0" b="0"/>
+      </a:fillRef>
+      <a:effectRef idx="3">
+        <a:scrgbClr r="0" g="0" b="0"/>
+      </a:effectRef>
+      <a:fontRef idx="minor"/>
+    </dgm:style>
+  </dgm:styleLbl>
+  <dgm:styleLbl name="bgShp">
+    <dgm:scene3d>
+      <a:camera prst="orthographicFront"/>
+      <a:lightRig rig="threePt" dir="t"/>
+    </dgm:scene3d>
+    <dgm:txPr/>
+    <dgm:style>
+      <a:lnRef idx="0">
+        <a:scrgbClr r="0" g="0" b="0"/>
+      </a:lnRef>
+      <a:fillRef idx="1">
+        <a:scrgbClr r="0" g="0" b="0"/>
+      </a:fillRef>
+      <a:effectRef idx="2">
+        <a:scrgbClr r="0" g="0" b="0"/>
+      </a:effectRef>
+      <a:fontRef idx="minor"/>
+    </dgm:style>
+  </dgm:styleLbl>
+  <dgm:styleLbl name="bgSibTrans2D1">
+    <dgm:scene3d>
+      <a:camera prst="orthographicFront"/>
+      <a:lightRig rig="threePt" dir="t"/>
+    </dgm:scene3d>
+    <dgm:txPr/>
+    <dgm:style>
+      <a:lnRef idx="0">
+        <a:scrgbClr r="0" g="0" b="0"/>
+      </a:lnRef>
+      <a:fillRef idx="3">
+        <a:scrgbClr r="0" g="0" b="0"/>
+      </a:fillRef>
+      <a:effectRef idx="3">
+        <a:scrgbClr r="0" g="0" b="0"/>
+      </a:effectRef>
+      <a:fontRef idx="minor">
+        <a:schemeClr val="lt1"/>
+      </a:fontRef>
+    </dgm:style>
+  </dgm:styleLbl>
+  <dgm:styleLbl name="callout">
+    <dgm:scene3d>
+      <a:camera prst="orthographicFront"/>
+      <a:lightRig rig="threePt" dir="t"/>
+    </dgm:scene3d>
+    <dgm:txPr/>
+    <dgm:style>
+      <a:lnRef idx="1">
+        <a:scrgbClr r="0" g="0" b="0"/>
+      </a:lnRef>
+      <a:fillRef idx="0">
+        <a:scrgbClr r="0" g="0" b="0"/>
+      </a:fillRef>
+      <a:effectRef idx="1">
+        <a:scrgbClr r="0" g="0" b="0"/>
+      </a:effectRef>
+      <a:fontRef idx="minor"/>
+    </dgm:style>
+  </dgm:styleLbl>
+  <dgm:styleLbl name="conFgAcc1">
+    <dgm:scene3d>
+      <a:camera prst="orthographicFront"/>
+      <a:lightRig rig="threePt" dir="t"/>
+    </dgm:scene3d>
+    <dgm:txPr/>
+    <dgm:style>
+      <a:lnRef idx="1">
+        <a:scrgbClr r="0" g="0" b="0"/>
+      </a:lnRef>
+      <a:fillRef idx="1">
+        <a:scrgbClr r="0" g="0" b="0"/>
+      </a:fillRef>
+      <a:effectRef idx="2">
+        <a:scrgbClr r="0" g="0" b="0"/>
+      </a:effectRef>
+      <a:fontRef idx="minor"/>
+    </dgm:style>
+  </dgm:styleLbl>
+  <dgm:styleLbl name="dkBgShp">
+    <dgm:scene3d>
+      <a:camera prst="orthographicFront"/>
+      <a:lightRig rig="threePt" dir="t"/>
+    </dgm:scene3d>
+    <dgm:txPr/>
+    <dgm:style>
+      <a:lnRef idx="0">
+        <a:scrgbClr r="0" g="0" b="0"/>
+      </a:lnRef>
+      <a:fillRef idx="1">
+        <a:scrgbClr r="0" g="0" b="0"/>
+      </a:fillRef>
+      <a:effectRef idx="3">
+        <a:scrgbClr r="0" g="0" b="0"/>
+      </a:effectRef>
+      <a:fontRef idx="minor"/>
+    </dgm:style>
+  </dgm:styleLbl>
+  <dgm:styleLbl name="fgAcc0">
+    <dgm:scene3d>
+      <a:camera prst="orthographicFront"/>
+      <a:lightRig rig="threePt" dir="t"/>
+    </dgm:scene3d>
+    <dgm:txPr/>
+    <dgm:style>
+      <a:lnRef idx="1">
+        <a:scrgbClr r="0" g="0" b="0"/>
+      </a:lnRef>
+      <a:fillRef idx="1">
+        <a:scrgbClr r="0" g="0" b="0"/>
+      </a:fillRef>
+      <a:effectRef idx="2">
+        <a:scrgbClr r="0" g="0" b="0"/>
+      </a:effectRef>
+      <a:fontRef idx="minor"/>
+    </dgm:style>
+  </dgm:styleLbl>
+  <dgm:styleLbl name="fgAcc1">
+    <dgm:scene3d>
+      <a:camera prst="orthographicFront"/>
+      <a:lightRig rig="threePt" dir="t"/>
+    </dgm:scene3d>
+    <dgm:txPr/>
+    <dgm:style>
+      <a:lnRef idx="1">
+        <a:scrgbClr r="0" g="0" b="0"/>
+      </a:lnRef>
+      <a:fillRef idx="1">
+        <a:scrgbClr r="0" g="0" b="0"/>
+      </a:fillRef>
+      <a:effectRef idx="2">
+        <a:scrgbClr r="0" g="0" b="0"/>
+      </a:effectRef>
+      <a:fontRef idx="minor"/>
+    </dgm:style>
+  </dgm:styleLbl>
+  <dgm:styleLbl name="fgAcc2">
+    <dgm:scene3d>
+      <a:camera prst="orthographicFront"/>
+      <a:lightRig rig="threePt" dir="t"/>
+    </dgm:scene3d>
+    <dgm:txPr/>
+    <dgm:style>
+      <a:lnRef idx="1">
+        <a:scrgbClr r="0" g="0" b="0"/>
+      </a:lnRef>
+      <a:fillRef idx="1">
+        <a:scrgbClr r="0" g="0" b="0"/>
+      </a:fillRef>
+      <a:effectRef idx="2">
+        <a:scrgbClr r="0" g="0" b="0"/>
+      </a:effectRef>
+      <a:fontRef idx="minor"/>
+    </dgm:style>
+  </dgm:styleLbl>
+  <dgm:styleLbl name="fgAcc3">
+    <dgm:scene3d>
+      <a:camera prst="orthographicFront"/>
+      <a:lightRig rig="threePt" dir="t"/>
+    </dgm:scene3d>
+    <dgm:txPr/>
+    <dgm:style>
+      <a:lnRef idx="1">
+        <a:scrgbClr r="0" g="0" b="0"/>
+      </a:lnRef>
+      <a:fillRef idx="1">
+        <a:scrgbClr r="0" g="0" b="0"/>
+      </a:fillRef>
+      <a:effectRef idx="2">
+        <a:scrgbClr r="0" g="0" b="0"/>
+      </a:effectRef>
+      <a:fontRef idx="minor"/>
+    </dgm:style>
+  </dgm:styleLbl>
+  <dgm:styleLbl name="fgAcc4">
+    <dgm:scene3d>
+      <a:camera prst="orthographicFront"/>
+      <a:lightRig rig="threePt" dir="t"/>
+    </dgm:scene3d>
+    <dgm:txPr/>
+    <dgm:style>
+      <a:lnRef idx="1">
+        <a:scrgbClr r="0" g="0" b="0"/>
+      </a:lnRef>
+      <a:fillRef idx="1">
+        <a:scrgbClr r="0" g="0" b="0"/>
+      </a:fillRef>
+      <a:effectRef idx="2">
+        <a:scrgbClr r="0" g="0" b="0"/>
+      </a:effectRef>
+      <a:fontRef idx="minor"/>
+    </dgm:style>
+  </dgm:styleLbl>
+  <dgm:styleLbl name="fgAccFollowNode1">
+    <dgm:scene3d>
+      <a:camera prst="orthographicFront"/>
+      <a:lightRig rig="threePt" dir="t"/>
+    </dgm:scene3d>
+    <dgm:txPr/>
+    <dgm:style>
+      <a:lnRef idx="1">
+        <a:scrgbClr r="0" g="0" b="0"/>
+      </a:lnRef>
+      <a:fillRef idx="1">
+        <a:scrgbClr r="0" g="0" b="0"/>
+      </a:fillRef>
+      <a:effectRef idx="2">
+        <a:scrgbClr r="0" g="0" b="0"/>
+      </a:effectRef>
+      <a:fontRef idx="minor"/>
+    </dgm:style>
+  </dgm:styleLbl>
+  <dgm:styleLbl name="fgImgPlace1">
+    <dgm:scene3d>
+      <a:camera prst="orthographicFront"/>
+      <a:lightRig rig="threePt" dir="t"/>
+    </dgm:scene3d>
+    <dgm:txPr/>
+    <dgm:style>
+      <a:lnRef idx="0">
+        <a:scrgbClr r="0" g="0" b="0"/>
+      </a:lnRef>
+      <a:fillRef idx="1">
+        <a:scrgbClr r="0" g="0" b="0"/>
+      </a:fillRef>
+      <a:effectRef idx="3">
+        <a:scrgbClr r="0" g="0" b="0"/>
+      </a:effectRef>
+      <a:fontRef idx="minor"/>
+    </dgm:style>
+  </dgm:styleLbl>
+  <dgm:styleLbl name="fgShp">
+    <dgm:scene3d>
+      <a:camera prst="orthographicFront"/>
+      <a:lightRig rig="threePt" dir="t"/>
+    </dgm:scene3d>
+    <dgm:txPr/>
+    <dgm:style>
+      <a:lnRef idx="0">
+        <a:scrgbClr r="0" g="0" b="0"/>
+      </a:lnRef>
+      <a:fillRef idx="3">
+        <a:scrgbClr r="0" g="0" b="0"/>
+      </a:fillRef>
+      <a:effectRef idx="3">
+        <a:scrgbClr r="0" g="0" b="0"/>
+      </a:effectRef>
+      <a:fontRef idx="minor"/>
+    </dgm:style>
+  </dgm:styleLbl>
+  <dgm:styleLbl name="fgSibTrans2D1">
+    <dgm:scene3d>
+      <a:camera prst="orthographicFront"/>
+      <a:lightRig rig="threePt" dir="t"/>
+    </dgm:scene3d>
+    <dgm:txPr/>
+    <dgm:style>
+      <a:lnRef idx="0">
+        <a:scrgbClr r="0" g="0" b="0"/>
+      </a:lnRef>
+      <a:fillRef idx="3">
+        <a:scrgbClr r="0" g="0" b="0"/>
+      </a:fillRef>
+      <a:effectRef idx="3">
+        <a:scrgbClr r="0" g="0" b="0"/>
+      </a:effectRef>
+      <a:fontRef idx="minor">
+        <a:schemeClr val="lt1"/>
+      </a:fontRef>
+    </dgm:style>
+  </dgm:styleLbl>
+  <dgm:styleLbl name="lnNode1">
+    <dgm:scene3d>
+      <a:camera prst="orthographicFront"/>
+      <a:lightRig rig="threePt" dir="t"/>
+    </dgm:scene3d>
+    <dgm:txPr/>
+    <dgm:style>
+      <a:lnRef idx="0">
+        <a:scrgbClr r="0" g="0" b="0"/>
+      </a:lnRef>
+      <a:fillRef idx="3">
+        <a:scrgbClr r="0" g="0" b="0"/>
+      </a:fillRef>
+      <a:effectRef idx="3">
+        <a:scrgbClr r="0" g="0" b="0"/>
+      </a:effectRef>
+      <a:fontRef idx="minor">
+        <a:schemeClr val="lt1"/>
+      </a:fontRef>
+    </dgm:style>
+  </dgm:styleLbl>
+  <dgm:styleLbl name="node0">
+    <dgm:scene3d>
+      <a:camera prst="orthographicFront"/>
+      <a:lightRig rig="threePt" dir="t"/>
+    </dgm:scene3d>
+    <dgm:txPr/>
+    <dgm:style>
+      <a:lnRef idx="0">
+        <a:scrgbClr r="0" g="0" b="0"/>
+      </a:lnRef>
+      <a:fillRef idx="3">
+        <a:scrgbClr r="0" g="0" b="0"/>
+      </a:fillRef>
+      <a:effectRef idx="3">
+        <a:scrgbClr r="0" g="0" b="0"/>
+      </a:effectRef>
+      <a:fontRef idx="minor">
+        <a:schemeClr val="lt1"/>
+      </a:fontRef>
+    </dgm:style>
+  </dgm:styleLbl>
+  <dgm:styleLbl name="node1">
+    <dgm:scene3d>
+      <a:camera prst="orthographicFront"/>
+      <a:lightRig rig="threePt" dir="t"/>
+    </dgm:scene3d>
+    <dgm:txPr/>
+    <dgm:style>
+      <a:lnRef idx="0">
+        <a:scrgbClr r="0" g="0" b="0"/>
+      </a:lnRef>
+      <a:fillRef idx="3">
+        <a:scrgbClr r="0" g="0" b="0"/>
+      </a:fillRef>
+      <a:effectRef idx="3">
+        <a:scrgbClr r="0" g="0" b="0"/>
+      </a:effectRef>
+      <a:fontRef idx="minor">
+        <a:schemeClr val="lt1"/>
+      </a:fontRef>
+    </dgm:style>
+  </dgm:styleLbl>
+  <dgm:styleLbl name="node2">
+    <dgm:scene3d>
+      <a:camera prst="orthographicFront"/>
+      <a:lightRig rig="threePt" dir="t"/>
+    </dgm:scene3d>
+    <dgm:txPr/>
+    <dgm:style>
+      <a:lnRef idx="0">
+        <a:scrgbClr r="0" g="0" b="0"/>
+      </a:lnRef>
+      <a:fillRef idx="3">
+        <a:scrgbClr r="0" g="0" b="0"/>
+      </a:fillRef>
+      <a:effectRef idx="3">
+        <a:scrgbClr r="0" g="0" b="0"/>
+      </a:effectRef>
+      <a:fontRef idx="minor">
+        <a:schemeClr val="lt1"/>
+      </a:fontRef>
+    </dgm:style>
+  </dgm:styleLbl>
+  <dgm:styleLbl name="node3">
+    <dgm:scene3d>
+      <a:camera prst="orthographicFront"/>
+      <a:lightRig rig="threePt" dir="t"/>
+    </dgm:scene3d>
+    <dgm:txPr/>
+    <dgm:style>
+      <a:lnRef idx="0">
+        <a:scrgbClr r="0" g="0" b="0"/>
+      </a:lnRef>
+      <a:fillRef idx="3">
+        <a:scrgbClr r="0" g="0" b="0"/>
+      </a:fillRef>
+      <a:effectRef idx="3">
+        <a:scrgbClr r="0" g="0" b="0"/>
+      </a:effectRef>
+      <a:fontRef idx="minor">
+        <a:schemeClr val="lt1"/>
+      </a:fontRef>
+    </dgm:style>
+  </dgm:styleLbl>
+  <dgm:styleLbl name="node4">
+    <dgm:scene3d>
+      <a:camera prst="orthographicFront"/>
+      <a:lightRig rig="threePt" dir="t"/>
+    </dgm:scene3d>
+    <dgm:txPr/>
+    <dgm:style>
+      <a:lnRef idx="0">
+        <a:scrgbClr r="0" g="0" b="0"/>
+      </a:lnRef>
+      <a:fillRef idx="3">
+        <a:scrgbClr r="0" g="0" b="0"/>
+      </a:fillRef>
+      <a:effectRef idx="3">
+        <a:scrgbClr r="0" g="0" b="0"/>
+      </a:effectRef>
+      <a:fontRef idx="minor">
+        <a:schemeClr val="lt1"/>
+      </a:fontRef>
+    </dgm:style>
+  </dgm:styleLbl>
+  <dgm:styleLbl name="parChTrans1D1">
+    <dgm:scene3d>
+      <a:camera prst="orthographicFront"/>
+      <a:lightRig rig="threePt" dir="t"/>
+    </dgm:scene3d>
+    <dgm:txPr/>
+    <dgm:style>
+      <a:lnRef idx="2">
+        <a:scrgbClr r="0" g="0" b="0"/>
+      </a:lnRef>
+      <a:fillRef idx="0">
+        <a:scrgbClr r="0" g="0" b="0"/>
+      </a:fillRef>
+      <a:effectRef idx="0">
+        <a:scrgbClr r="0" g="0" b="0"/>
+      </a:effectRef>
+      <a:fontRef idx="minor"/>
+    </dgm:style>
+  </dgm:styleLbl>
+  <dgm:styleLbl name="parChTrans1D2">
+    <dgm:scene3d>
+      <a:camera prst="orthographicFront"/>
+      <a:lightRig rig="threePt" dir="t"/>
+    </dgm:scene3d>
+    <dgm:txPr/>
+    <dgm:style>
+      <a:lnRef idx="2">
+        <a:scrgbClr r="0" g="0" b="0"/>
+      </a:lnRef>
+      <a:fillRef idx="0">
+        <a:scrgbClr r="0" g="0" b="0"/>
+      </a:fillRef>
+      <a:effectRef idx="0">
+        <a:scrgbClr r="0" g="0" b="0"/>
+      </a:effectRef>
+      <a:fontRef idx="minor"/>
+    </dgm:style>
+  </dgm:styleLbl>
+  <dgm:styleLbl name="parChTrans1D3">
+    <dgm:scene3d>
+      <a:camera prst="orthographicFront"/>
+      <a:lightRig rig="threePt" dir="t"/>
+    </dgm:scene3d>
+    <dgm:txPr/>
+    <dgm:style>
+      <a:lnRef idx="2">
+        <a:scrgbClr r="0" g="0" b="0"/>
+      </a:lnRef>
+      <a:fillRef idx="0">
+        <a:scrgbClr r="0" g="0" b="0"/>
+      </a:fillRef>
+      <a:effectRef idx="0">
+        <a:scrgbClr r="0" g="0" b="0"/>
+      </a:effectRef>
+      <a:fontRef idx="minor"/>
+    </dgm:style>
+  </dgm:styleLbl>
+  <dgm:styleLbl name="parChTrans1D4">
+    <dgm:scene3d>
+      <a:camera prst="orthographicFront"/>
+      <a:lightRig rig="threePt" dir="t"/>
+    </dgm:scene3d>
+    <dgm:txPr/>
+    <dgm:style>
+      <a:lnRef idx="2">
+        <a:scrgbClr r="0" g="0" b="0"/>
+      </a:lnRef>
+      <a:fillRef idx="0">
+        <a:scrgbClr r="0" g="0" b="0"/>
+      </a:fillRef>
+      <a:effectRef idx="0">
+        <a:scrgbClr r="0" g="0" b="0"/>
+      </a:effectRef>
+      <a:fontRef idx="minor"/>
+    </dgm:style>
+  </dgm:styleLbl>
+  <dgm:styleLbl name="parChTrans2D1">
+    <dgm:scene3d>
+      <a:camera prst="orthographicFront"/>
+      <a:lightRig rig="threePt" dir="t"/>
+    </dgm:scene3d>
+    <dgm:txPr/>
+    <dgm:style>
+      <a:lnRef idx="0">
+        <a:scrgbClr r="0" g="0" b="0"/>
+      </a:lnRef>
+      <a:fillRef idx="3">
+        <a:scrgbClr r="0" g="0" b="0"/>
+      </a:fillRef>
+      <a:effectRef idx="3">
+        <a:scrgbClr r="0" g="0" b="0"/>
+      </a:effectRef>
+      <a:fontRef idx="minor">
+        <a:schemeClr val="lt1"/>
+      </a:fontRef>
+    </dgm:style>
+  </dgm:styleLbl>
+  <dgm:styleLbl name="parChTrans2D2">
+    <dgm:scene3d>
+      <a:camera prst="orthographicFront"/>
+      <a:lightRig rig="threePt" dir="t"/>
+    </dgm:scene3d>
+    <dgm:txPr/>
+    <dgm:style>
+      <a:lnRef idx="0">
+        <a:scrgbClr r="0" g="0" b="0"/>
+      </a:lnRef>
+      <a:fillRef idx="3">
+        <a:scrgbClr r="0" g="0" b="0"/>
+      </a:fillRef>
+      <a:effectRef idx="3">
+        <a:scrgbClr r="0" g="0" b="0"/>
+      </a:effectRef>
+      <a:fontRef idx="minor">
+        <a:schemeClr val="lt1"/>
+      </a:fontRef>
+    </dgm:style>
+  </dgm:styleLbl>
+  <dgm:styleLbl name="parChTrans2D3">
+    <dgm:scene3d>
+      <a:camera prst="orthographicFront"/>
+      <a:lightRig rig="threePt" dir="t"/>
+    </dgm:scene3d>
+    <dgm:txPr/>
+    <dgm:style>
+      <a:lnRef idx="0">
+        <a:scrgbClr r="0" g="0" b="0"/>
+      </a:lnRef>
+      <a:fillRef idx="3">
+        <a:scrgbClr r="0" g="0" b="0"/>
+      </a:fillRef>
+      <a:effectRef idx="3">
+        <a:scrgbClr r="0" g="0" b="0"/>
+      </a:effectRef>
+      <a:fontRef idx="minor">
+        <a:schemeClr val="lt1"/>
+      </a:fontRef>
+    </dgm:style>
+  </dgm:styleLbl>
+  <dgm:styleLbl name="parChTrans2D4">
+    <dgm:scene3d>
+      <a:camera prst="orthographicFront"/>
+      <a:lightRig rig="threePt" dir="t"/>
+    </dgm:scene3d>
+    <dgm:txPr/>
+    <dgm:style>
+      <a:lnRef idx="0">
+        <a:scrgbClr r="0" g="0" b="0"/>
+      </a:lnRef>
+      <a:fillRef idx="3">
+        <a:scrgbClr r="0" g="0" b="0"/>
+      </a:fillRef>
+      <a:effectRef idx="3">
+        <a:scrgbClr r="0" g="0" b="0"/>
+      </a:effectRef>
+      <a:fontRef idx="minor">
+        <a:schemeClr val="lt1"/>
+      </a:fontRef>
+    </dgm:style>
+  </dgm:styleLbl>
+  <dgm:styleLbl name="revTx">
+    <dgm:scene3d>
+      <a:camera prst="orthographicFront"/>
+      <a:lightRig rig="threePt" dir="t"/>
+    </dgm:scene3d>
+    <dgm:txPr/>
+    <dgm:style>
+      <a:lnRef idx="0">
+        <a:scrgbClr r="0" g="0" b="0"/>
+      </a:lnRef>
+      <a:fillRef idx="0">
+        <a:scrgbClr r="0" g="0" b="0"/>
+      </a:fillRef>
+      <a:effectRef idx="0">
+        <a:scrgbClr r="0" g="0" b="0"/>
+      </a:effectRef>
+      <a:fontRef idx="minor"/>
+    </dgm:style>
+  </dgm:styleLbl>
+  <dgm:styleLbl name="sibTrans1D1">
+    <dgm:scene3d>
+      <a:camera prst="orthographicFront"/>
+      <a:lightRig rig="threePt" dir="t"/>
+    </dgm:scene3d>
+    <dgm:txPr/>
+    <dgm:style>
+      <a:lnRef idx="1">
+        <a:scrgbClr r="0" g="0" b="0"/>
+      </a:lnRef>
+      <a:fillRef idx="0">
+        <a:scrgbClr r="0" g="0" b="0"/>
+      </a:fillRef>
+      <a:effectRef idx="0">
+        <a:scrgbClr r="0" g="0" b="0"/>
+      </a:effectRef>
+      <a:fontRef idx="minor"/>
+    </dgm:style>
+  </dgm:styleLbl>
+  <dgm:styleLbl name="sibTrans2D1">
+    <dgm:scene3d>
+      <a:camera prst="orthographicFront"/>
+      <a:lightRig rig="threePt" dir="t"/>
+    </dgm:scene3d>
+    <dgm:txPr/>
+    <dgm:style>
+      <a:lnRef idx="0">
+        <a:scrgbClr r="0" g="0" b="0"/>
+      </a:lnRef>
+      <a:fillRef idx="3">
+        <a:scrgbClr r="0" g="0" b="0"/>
+      </a:fillRef>
+      <a:effectRef idx="3">
+        <a:scrgbClr r="0" g="0" b="0"/>
+      </a:effectRef>
+      <a:fontRef idx="minor">
+        <a:schemeClr val="lt1"/>
+      </a:fontRef>
+    </dgm:style>
+  </dgm:styleLbl>
+  <dgm:styleLbl name="solidAlignAcc1">
+    <dgm:scene3d>
+      <a:camera prst="orthographicFront"/>
+      <a:lightRig rig="threePt" dir="t"/>
+    </dgm:scene3d>
+    <dgm:txPr/>
+    <dgm:style>
+      <a:lnRef idx="1">
+        <a:scrgbClr r="0" g="0" b="0"/>
+      </a:lnRef>
+      <a:fillRef idx="1">
+        <a:scrgbClr r="0" g="0" b="0"/>
+      </a:fillRef>
+      <a:effectRef idx="3">
+        <a:scrgbClr r="0" g="0" b="0"/>
+      </a:effectRef>
+      <a:fontRef idx="minor"/>
+    </dgm:style>
+  </dgm:styleLbl>
+  <dgm:styleLbl name="solidBgAcc1">
+    <dgm:scene3d>
+      <a:camera prst="orthographicFront"/>
+      <a:lightRig rig="threePt" dir="t"/>
+    </dgm:scene3d>
+    <dgm:txPr/>
+    <dgm:style>
+      <a:lnRef idx="1">
+        <a:scrgbClr r="0" g="0" b="0"/>
+      </a:lnRef>
+      <a:fillRef idx="1">
+        <a:scrgbClr r="0" g="0" b="0"/>
+      </a:fillRef>
+      <a:effectRef idx="3">
+        <a:scrgbClr r="0" g="0" b="0"/>
+      </a:effectRef>
+      <a:fontRef idx="minor"/>
+    </dgm:style>
+  </dgm:styleLbl>
+  <dgm:styleLbl name="solidFgAcc1">
+    <dgm:scene3d>
+      <a:camera prst="orthographicFront"/>
+      <a:lightRig rig="threePt" dir="t"/>
+    </dgm:scene3d>
+    <dgm:txPr/>
+    <dgm:style>
+      <a:lnRef idx="1">
+        <a:scrgbClr r="0" g="0" b="0"/>
+      </a:lnRef>
+      <a:fillRef idx="1">
+        <a:scrgbClr r="0" g="0" b="0"/>
+      </a:fillRef>
+      <a:effectRef idx="2">
+        <a:scrgbClr r="0" g="0" b="0"/>
+      </a:effectRef>
+      <a:fontRef idx="minor"/>
+    </dgm:style>
+  </dgm:styleLbl>
+  <dgm:styleLbl name="trAlignAcc1">
+    <dgm:scene3d>
+      <a:camera prst="orthographicFront"/>
+      <a:lightRig rig="threePt" dir="t"/>
+    </dgm:scene3d>
+    <dgm:txPr/>
+    <dgm:style>
+      <a:lnRef idx="1">
+        <a:scrgbClr r="0" g="0" b="0"/>
+      </a:lnRef>
+      <a:fillRef idx="1">
+        <a:scrgbClr r="0" g="0" b="0"/>
+      </a:fillRef>
+      <a:effectRef idx="0">
+        <a:scrgbClr r="0" g="0" b="0"/>
+      </a:effectRef>
+      <a:fontRef idx="minor"/>
+    </dgm:style>
+  </dgm:styleLbl>
+  <dgm:styleLbl name="trBgShp">
+    <dgm:scene3d>
+      <a:camera prst="orthographicFront"/>
+      <a:lightRig rig="threePt" dir="t"/>
+    </dgm:scene3d>
+    <dgm:txPr/>
+    <dgm:style>
+      <a:lnRef idx="0">
+        <a:scrgbClr r="0" g="0" b="0"/>
+      </a:lnRef>
+      <a:fillRef idx="1">
+        <a:scrgbClr r="0" g="0" b="0"/>
+      </a:fillRef>
+      <a:effectRef idx="0">
+        <a:scrgbClr r="0" g="0" b="0"/>
+      </a:effectRef>
+      <a:fontRef idx="minor"/>
+    </dgm:style>
+  </dgm:styleLbl>
+  <dgm:styleLbl name="vennNode1">
+    <dgm:scene3d>
+      <a:camera prst="orthographicFront"/>
+      <a:lightRig rig="threePt" dir="t"/>
+    </dgm:scene3d>
+    <dgm:txPr/>
+    <dgm:style>
+      <a:lnRef idx="0">
+        <a:scrgbClr r="0" g="0" b="0"/>
+      </a:lnRef>
+      <a:fillRef idx="3">
+        <a:scrgbClr r="0" g="0" b="0"/>
+      </a:fillRef>
+      <a:effectRef idx="3">
+        <a:scrgbClr r="0" g="0" b="0"/>
+      </a:effectRef>
+      <a:fontRef idx="minor">
+        <a:schemeClr val="tx1"/>
+      </a:fontRef>
+    </dgm:style>
+  </dgm:styleLbl>
+</dgm:styleDef>
 </file>
 
 <file path=ppt/notesMasters/notesMaster1.xml><?xml version="1.0" encoding="utf-8"?>
@@ -1676,144 +4643,6 @@
 </file>
 
 <file path=ppt/notesSlides/notesSlide15.xml><?xml version="1.0" encoding="utf-8"?>
-<p:notes xmlns:a="http://schemas.openxmlformats.org/drawingml/2006/main" xmlns:r="http://schemas.openxmlformats.org/officeDocument/2006/relationships" xmlns:p="http://schemas.openxmlformats.org/presentationml/2006/main" showMasterPhAnim="0" showMasterSp="0">
-  <p:cSld>
-    <p:spTree>
-      <p:nvGrpSpPr>
-        <p:cNvPr id="1" name="Shape 74"/>
-        <p:cNvGrpSpPr/>
-        <p:nvPr/>
-      </p:nvGrpSpPr>
-      <p:grpSpPr>
-        <a:xfrm>
-          <a:off x="0" y="0"/>
-          <a:ext cx="0" cy="0"/>
-          <a:chOff x="0" y="0"/>
-          <a:chExt cx="0" cy="0"/>
-        </a:xfrm>
-      </p:grpSpPr>
-      <p:sp>
-        <p:nvSpPr>
-          <p:cNvPr id="75" name="Google Shape;75;p2:notes"/>
-          <p:cNvSpPr>
-            <a:spLocks noGrp="1" noRot="1" noChangeAspect="1"/>
-          </p:cNvSpPr>
-          <p:nvPr>
-            <p:ph type="sldImg" idx="2"/>
-          </p:nvPr>
-        </p:nvSpPr>
-        <p:spPr>
-          <a:xfrm>
-            <a:off x="381000" y="685800"/>
-            <a:ext cx="6096000" cy="3429000"/>
-          </a:xfrm>
-          <a:custGeom>
-            <a:avLst/>
-            <a:gdLst/>
-            <a:ahLst/>
-            <a:cxnLst/>
-            <a:rect l="l" t="t" r="r" b="b"/>
-            <a:pathLst>
-              <a:path w="120000" h="120000" extrusionOk="0">
-                <a:moveTo>
-                  <a:pt x="0" y="0"/>
-                </a:moveTo>
-                <a:lnTo>
-                  <a:pt x="120000" y="0"/>
-                </a:lnTo>
-                <a:lnTo>
-                  <a:pt x="120000" y="120000"/>
-                </a:lnTo>
-                <a:lnTo>
-                  <a:pt x="0" y="120000"/>
-                </a:lnTo>
-                <a:close/>
-              </a:path>
-            </a:pathLst>
-          </a:custGeom>
-          <a:noFill/>
-          <a:ln w="9525" cap="flat" cmpd="sng">
-            <a:solidFill>
-              <a:srgbClr val="000000"/>
-            </a:solidFill>
-            <a:prstDash val="solid"/>
-            <a:round/>
-            <a:headEnd type="none" w="sm" len="sm"/>
-            <a:tailEnd type="none" w="sm" len="sm"/>
-          </a:ln>
-        </p:spPr>
-      </p:sp>
-      <p:sp>
-        <p:nvSpPr>
-          <p:cNvPr id="76" name="Google Shape;76;p2:notes"/>
-          <p:cNvSpPr txBox="1">
-            <a:spLocks noGrp="1"/>
-          </p:cNvSpPr>
-          <p:nvPr>
-            <p:ph type="body" idx="1"/>
-          </p:nvPr>
-        </p:nvSpPr>
-        <p:spPr>
-          <a:xfrm>
-            <a:off x="685800" y="4343400"/>
-            <a:ext cx="5486400" cy="4114800"/>
-          </a:xfrm>
-          <a:prstGeom prst="rect">
-            <a:avLst/>
-          </a:prstGeom>
-          <a:noFill/>
-          <a:ln>
-            <a:noFill/>
-          </a:ln>
-        </p:spPr>
-        <p:txBody>
-          <a:bodyPr spcFirstLastPara="1" wrap="square" lIns="91425" tIns="91425" rIns="91425" bIns="91425" anchor="t" anchorCtr="0">
-            <a:noAutofit/>
-          </a:bodyPr>
-          <a:lstStyle/>
-          <a:p>
-            <a:pPr marL="457200" lvl="0" indent="-228600" algn="l" rtl="0">
-              <a:lnSpc>
-                <a:spcPct val="100000"/>
-              </a:lnSpc>
-              <a:spcBef>
-                <a:spcPts val="0"/>
-              </a:spcBef>
-              <a:spcAft>
-                <a:spcPts val="0"/>
-              </a:spcAft>
-              <a:buSzPts val="1100"/>
-              <a:buNone/>
-            </a:pPr>
-            <a:r>
-              <a:rPr lang="en-US" altLang="zh-CN" dirty="0" smtClean="0"/>
-              <a:t>we </a:t>
-            </a:r>
-            <a:r>
-              <a:rPr lang="en-US" altLang="zh-CN" dirty="0" smtClean="0"/>
-              <a:t>will address this topic through the following four aspects, and will </a:t>
-            </a:r>
-            <a:r>
-              <a:rPr lang="en-US" altLang="zh-CN" dirty="0" smtClean="0"/>
-              <a:t>discuss several </a:t>
-            </a:r>
-            <a:r>
-              <a:rPr lang="en-US" altLang="zh-CN" dirty="0" smtClean="0"/>
-              <a:t>key questions among them.</a:t>
-            </a:r>
-            <a:endParaRPr lang="en-US" altLang="zh-CN" dirty="0" smtClean="0"/>
-          </a:p>
-        </p:txBody>
-      </p:sp>
-    </p:spTree>
-  </p:cSld>
-  <p:clrMapOvr>
-    <a:masterClrMapping/>
-  </p:clrMapOvr>
-</p:notes>
-</file>
-
-<file path=ppt/notesSlides/notesSlide16.xml><?xml version="1.0" encoding="utf-8"?>
 <p:notes xmlns:a="http://schemas.openxmlformats.org/drawingml/2006/main" xmlns:r="http://schemas.openxmlformats.org/officeDocument/2006/relationships" xmlns:p="http://schemas.openxmlformats.org/presentationml/2006/main" showMasterPhAnim="0" showMasterSp="0">
   <p:cSld>
     <p:spTree>
@@ -14450,7 +17279,7 @@
                   <a:schemeClr val="bg1"/>
                 </a:solidFill>
               </a:rPr>
-              <a:t>low generalization ability</a:t>
+              <a:t>Low generalization ability</a:t>
             </a:r>
             <a:endParaRPr lang="en-US" altLang="zh-CN" sz="2800" b="1">
               <a:solidFill>
@@ -14651,7 +17480,7 @@
         </p:blipFill>
         <p:spPr>
           <a:xfrm>
-            <a:off x="597535" y="775335"/>
+            <a:off x="548005" y="697865"/>
             <a:ext cx="2705100" cy="2028825"/>
           </a:xfrm>
           <a:prstGeom prst="rect">
@@ -14659,6 +17488,1360 @@
           </a:prstGeom>
         </p:spPr>
       </p:pic>
+      <p:cxnSp>
+        <p:nvCxnSpPr>
+          <p:cNvPr id="2" name="直接箭头连接符 1"/>
+          <p:cNvCxnSpPr/>
+          <p:nvPr/>
+        </p:nvCxnSpPr>
+        <p:spPr>
+          <a:xfrm>
+            <a:off x="1068705" y="1237615"/>
+            <a:ext cx="48895" cy="859790"/>
+          </a:xfrm>
+          <a:prstGeom prst="straightConnector1">
+            <a:avLst/>
+          </a:prstGeom>
+          <a:ln>
+            <a:solidFill>
+              <a:schemeClr val="accent3">
+                <a:lumMod val="75000"/>
+              </a:schemeClr>
+            </a:solidFill>
+            <a:tailEnd type="arrow" w="med" len="med"/>
+          </a:ln>
+        </p:spPr>
+        <p:style>
+          <a:lnRef idx="3">
+            <a:schemeClr val="accent1"/>
+          </a:lnRef>
+          <a:fillRef idx="0">
+            <a:srgbClr val="FFFFFF"/>
+          </a:fillRef>
+          <a:effectRef idx="0">
+            <a:srgbClr val="FFFFFF"/>
+          </a:effectRef>
+          <a:fontRef idx="minor">
+            <a:schemeClr val="tx1"/>
+          </a:fontRef>
+        </p:style>
+      </p:cxnSp>
+      <p:cxnSp>
+        <p:nvCxnSpPr>
+          <p:cNvPr id="11" name="直接箭头连接符 10"/>
+          <p:cNvCxnSpPr/>
+          <p:nvPr/>
+        </p:nvCxnSpPr>
+        <p:spPr>
+          <a:xfrm flipV="1">
+            <a:off x="1350010" y="2276475"/>
+            <a:ext cx="1476375" cy="635"/>
+          </a:xfrm>
+          <a:prstGeom prst="straightConnector1">
+            <a:avLst/>
+          </a:prstGeom>
+          <a:ln>
+            <a:solidFill>
+              <a:schemeClr val="accent4">
+                <a:lumMod val="75000"/>
+              </a:schemeClr>
+            </a:solidFill>
+            <a:tailEnd type="arrow" w="med" len="med"/>
+          </a:ln>
+        </p:spPr>
+        <p:style>
+          <a:lnRef idx="3">
+            <a:schemeClr val="accent1"/>
+          </a:lnRef>
+          <a:fillRef idx="0">
+            <a:srgbClr val="FFFFFF"/>
+          </a:fillRef>
+          <a:effectRef idx="0">
+            <a:srgbClr val="FFFFFF"/>
+          </a:effectRef>
+          <a:fontRef idx="minor">
+            <a:schemeClr val="tx1"/>
+          </a:fontRef>
+        </p:style>
+      </p:cxnSp>
+      <p:sp>
+        <p:nvSpPr>
+          <p:cNvPr id="4" name="文本框 3"/>
+          <p:cNvSpPr txBox="1"/>
+          <p:nvPr/>
+        </p:nvSpPr>
+        <p:spPr>
+          <a:xfrm>
+            <a:off x="3253105" y="815975"/>
+            <a:ext cx="3872230" cy="398780"/>
+          </a:xfrm>
+          <a:prstGeom prst="rect">
+            <a:avLst/>
+          </a:prstGeom>
+          <a:solidFill>
+            <a:schemeClr val="accent3">
+              <a:lumMod val="75000"/>
+            </a:schemeClr>
+          </a:solidFill>
+        </p:spPr>
+        <p:txBody>
+          <a:bodyPr wrap="square" rtlCol="0" anchor="t">
+            <a:spAutoFit/>
+          </a:bodyPr>
+          <a:p>
+            <a:r>
+              <a:rPr lang="en-US" altLang="zh-CN" sz="2000" b="1">
+                <a:solidFill>
+                  <a:schemeClr val="bg1"/>
+                </a:solidFill>
+              </a:rPr>
+              <a:t>Rapid Initial Decline</a:t>
+            </a:r>
+            <a:endParaRPr lang="en-US" altLang="zh-CN" sz="2000" b="1">
+              <a:solidFill>
+                <a:schemeClr val="bg1"/>
+              </a:solidFill>
+            </a:endParaRPr>
+          </a:p>
+        </p:txBody>
+      </p:sp>
+      <p:sp>
+        <p:nvSpPr>
+          <p:cNvPr id="5" name="文本框 4"/>
+          <p:cNvSpPr txBox="1"/>
+          <p:nvPr/>
+        </p:nvSpPr>
+        <p:spPr>
+          <a:xfrm>
+            <a:off x="3253105" y="1700530"/>
+            <a:ext cx="5299710" cy="398780"/>
+          </a:xfrm>
+          <a:prstGeom prst="rect">
+            <a:avLst/>
+          </a:prstGeom>
+          <a:solidFill>
+            <a:schemeClr val="accent4">
+              <a:lumMod val="75000"/>
+            </a:schemeClr>
+          </a:solidFill>
+          <a:ln>
+            <a:solidFill>
+              <a:schemeClr val="accent4">
+                <a:lumMod val="75000"/>
+              </a:schemeClr>
+            </a:solidFill>
+          </a:ln>
+        </p:spPr>
+        <p:txBody>
+          <a:bodyPr wrap="square" rtlCol="0" anchor="t">
+            <a:spAutoFit/>
+          </a:bodyPr>
+          <a:p>
+            <a:r>
+              <a:rPr lang="en-US" altLang="zh-CN" sz="2000" b="1">
+                <a:solidFill>
+                  <a:schemeClr val="bg1"/>
+                </a:solidFill>
+              </a:rPr>
+              <a:t>Entering plateau around Epoch 5</a:t>
+            </a:r>
+            <a:endParaRPr lang="en-US" altLang="zh-CN" sz="2000" b="1">
+              <a:solidFill>
+                <a:schemeClr val="bg1"/>
+              </a:solidFill>
+            </a:endParaRPr>
+          </a:p>
+        </p:txBody>
+      </p:sp>
+      <p:sp>
+        <p:nvSpPr>
+          <p:cNvPr id="6" name="文本框 5"/>
+          <p:cNvSpPr txBox="1"/>
+          <p:nvPr/>
+        </p:nvSpPr>
+        <p:spPr>
+          <a:xfrm>
+            <a:off x="3253105" y="2199640"/>
+            <a:ext cx="5740400" cy="337185"/>
+          </a:xfrm>
+          <a:prstGeom prst="rect">
+            <a:avLst/>
+          </a:prstGeom>
+        </p:spPr>
+        <p:txBody>
+          <a:bodyPr wrap="square">
+            <a:spAutoFit/>
+          </a:bodyPr>
+          <a:p>
+            <a:pPr marL="0" indent="0">
+              <a:spcBef>
+                <a:spcPct val="0"/>
+              </a:spcBef>
+              <a:spcAft>
+                <a:spcPct val="0"/>
+              </a:spcAft>
+              <a:buFont typeface="Arial" panose="020B0604020202020204"/>
+              <a:buNone/>
+            </a:pPr>
+            <a:r>
+              <a:rPr lang="en-US" altLang="zh-CN" sz="1600" b="0" i="0">
+                <a:solidFill>
+                  <a:srgbClr val="0F1115"/>
+                </a:solidFill>
+                <a:latin typeface="Arial" panose="020B0604020202020204" pitchFamily="34" charset="0"/>
+                <a:ea typeface="quote-cjk-patch"/>
+                <a:cs typeface="Arial" panose="020B0604020202020204" pitchFamily="34" charset="0"/>
+              </a:rPr>
+              <a:t>Learning rate (1e-4) and AdamW optimizer appropriately set</a:t>
+            </a:r>
+            <a:endParaRPr lang="en-US" altLang="zh-CN" sz="1600" b="0" i="0">
+              <a:solidFill>
+                <a:srgbClr val="0F1115"/>
+              </a:solidFill>
+              <a:latin typeface="Arial" panose="020B0604020202020204" pitchFamily="34" charset="0"/>
+              <a:ea typeface="quote-cjk-patch"/>
+              <a:cs typeface="Arial" panose="020B0604020202020204" pitchFamily="34" charset="0"/>
+            </a:endParaRPr>
+          </a:p>
+        </p:txBody>
+      </p:sp>
+      <p:sp>
+        <p:nvSpPr>
+          <p:cNvPr id="8" name="文本框 7"/>
+          <p:cNvSpPr txBox="1"/>
+          <p:nvPr/>
+        </p:nvSpPr>
+        <p:spPr>
+          <a:xfrm>
+            <a:off x="3253105" y="1276032"/>
+            <a:ext cx="5080000" cy="583565"/>
+          </a:xfrm>
+          <a:prstGeom prst="rect">
+            <a:avLst/>
+          </a:prstGeom>
+        </p:spPr>
+        <p:txBody>
+          <a:bodyPr>
+            <a:spAutoFit/>
+          </a:bodyPr>
+          <a:p>
+            <a:pPr marL="0" lvl="1" algn="l">
+              <a:buSzTx/>
+              <a:buFont typeface="Arial" panose="020B0604020202020204"/>
+            </a:pPr>
+            <a:r>
+              <a:rPr lang="en-US" altLang="zh-CN" sz="1600" b="0" i="0">
+                <a:solidFill>
+                  <a:srgbClr val="0F1115"/>
+                </a:solidFill>
+                <a:latin typeface="Arial" panose="020B0604020202020204" pitchFamily="34" charset="0"/>
+                <a:ea typeface="quote-cjk-patch"/>
+                <a:cs typeface="Arial" panose="020B0604020202020204" pitchFamily="34" charset="0"/>
+              </a:rPr>
+              <a:t>Model quickly converges to a reasonable solution</a:t>
+            </a:r>
+            <a:endParaRPr lang="en-US" altLang="zh-CN" sz="1600" b="0" i="0">
+              <a:solidFill>
+                <a:srgbClr val="0F1115"/>
+              </a:solidFill>
+              <a:latin typeface="Arial" panose="020B0604020202020204" pitchFamily="34" charset="0"/>
+              <a:ea typeface="quote-cjk-patch"/>
+              <a:cs typeface="Arial" panose="020B0604020202020204" pitchFamily="34" charset="0"/>
+            </a:endParaRPr>
+          </a:p>
+          <a:p>
+            <a:pPr marL="0" lvl="1" indent="0">
+              <a:spcBef>
+                <a:spcPct val="0"/>
+              </a:spcBef>
+              <a:spcAft>
+                <a:spcPct val="0"/>
+              </a:spcAft>
+              <a:buFont typeface="Arial" panose="020B0604020202020204"/>
+              <a:buChar char="◦"/>
+            </a:pPr>
+            <a:endParaRPr lang="en-US" altLang="zh-CN" sz="1600" b="0" i="0">
+              <a:solidFill>
+                <a:srgbClr val="0F1115"/>
+              </a:solidFill>
+              <a:latin typeface="quote-cjk-patch"/>
+              <a:ea typeface="quote-cjk-patch"/>
+            </a:endParaRPr>
+          </a:p>
+        </p:txBody>
+      </p:sp>
+      <p:graphicFrame>
+        <p:nvGraphicFramePr>
+          <p:cNvPr id="9" name="表格 8"/>
+          <p:cNvGraphicFramePr/>
+          <p:nvPr>
+            <p:custDataLst>
+              <p:tags r:id="rId3"/>
+            </p:custDataLst>
+          </p:nvPr>
+        </p:nvGraphicFramePr>
+        <p:xfrm>
+          <a:off x="646430" y="2701290"/>
+          <a:ext cx="7381875" cy="2404745"/>
+        </p:xfrm>
+        <a:graphic>
+          <a:graphicData uri="http://schemas.openxmlformats.org/drawingml/2006/table">
+            <a:tbl>
+              <a:tblPr/>
+              <a:tblGrid>
+                <a:gridCol w="2447925"/>
+                <a:gridCol w="1692910"/>
+                <a:gridCol w="1395730"/>
+                <a:gridCol w="1845310"/>
+              </a:tblGrid>
+              <a:tr h="658495">
+                <a:tc>
+                  <a:txBody>
+                    <a:bodyPr/>
+                    <a:p>
+                      <a:pPr algn="l">
+                        <a:lnSpc>
+                          <a:spcPts val="1875"/>
+                        </a:lnSpc>
+                      </a:pPr>
+                      <a:r>
+                        <a:rPr lang="en-US" altLang="zh-CN" sz="1600" b="0" i="0">
+                          <a:solidFill>
+                            <a:srgbClr val="0F1115"/>
+                          </a:solidFill>
+                          <a:latin typeface="Arial" panose="020B0604020202020204" pitchFamily="34" charset="0"/>
+                          <a:ea typeface="quote-cjk-patch"/>
+                          <a:cs typeface="Arial" panose="020B0604020202020204" pitchFamily="34" charset="0"/>
+                        </a:rPr>
+                        <a:t>Question Type</a:t>
+                      </a:r>
+                      <a:endParaRPr lang="en-US" altLang="zh-CN" sz="1600" b="0" i="0">
+                        <a:solidFill>
+                          <a:srgbClr val="0F1115"/>
+                        </a:solidFill>
+                        <a:latin typeface="Arial" panose="020B0604020202020204" pitchFamily="34" charset="0"/>
+                        <a:ea typeface="quote-cjk-patch"/>
+                        <a:cs typeface="Arial" panose="020B0604020202020204" pitchFamily="34" charset="0"/>
+                      </a:endParaRPr>
+                    </a:p>
+                  </a:txBody>
+                  <a:tcPr marL="0" marR="152717" marT="95567" marB="95567" anchor="ctr" anchorCtr="0">
+                    <a:lnL>
+                      <a:noFill/>
+                    </a:lnL>
+                    <a:lnR>
+                      <a:noFill/>
+                    </a:lnR>
+                    <a:lnT>
+                      <a:noFill/>
+                    </a:lnT>
+                    <a:lnB>
+                      <a:noFill/>
+                    </a:lnB>
+                    <a:solidFill>
+                      <a:schemeClr val="bg2">
+                        <a:lumMod val="20000"/>
+                        <a:lumOff val="80000"/>
+                      </a:schemeClr>
+                    </a:solidFill>
+                  </a:tcPr>
+                </a:tc>
+                <a:tc>
+                  <a:txBody>
+                    <a:bodyPr/>
+                    <a:p>
+                      <a:pPr algn="l">
+                        <a:lnSpc>
+                          <a:spcPts val="1875"/>
+                        </a:lnSpc>
+                      </a:pPr>
+                      <a:r>
+                        <a:rPr lang="en-US" altLang="zh-CN" sz="1600" b="0" i="0">
+                          <a:solidFill>
+                            <a:srgbClr val="0F1115"/>
+                          </a:solidFill>
+                          <a:latin typeface="Arial" panose="020B0604020202020204" pitchFamily="34" charset="0"/>
+                          <a:ea typeface="quote-cjk-patch"/>
+                          <a:cs typeface="Arial" panose="020B0604020202020204" pitchFamily="34" charset="0"/>
+                        </a:rPr>
+                        <a:t>Accuracy</a:t>
+                      </a:r>
+                      <a:endParaRPr lang="en-US" altLang="zh-CN" sz="1600" b="0" i="0">
+                        <a:solidFill>
+                          <a:srgbClr val="0F1115"/>
+                        </a:solidFill>
+                        <a:latin typeface="Arial" panose="020B0604020202020204" pitchFamily="34" charset="0"/>
+                        <a:ea typeface="quote-cjk-patch"/>
+                        <a:cs typeface="Arial" panose="020B0604020202020204" pitchFamily="34" charset="0"/>
+                      </a:endParaRPr>
+                    </a:p>
+                  </a:txBody>
+                  <a:tcPr marL="152717" marR="152717" marT="95567" marB="95567" anchor="ctr" anchorCtr="0">
+                    <a:lnL>
+                      <a:noFill/>
+                    </a:lnL>
+                    <a:lnR>
+                      <a:noFill/>
+                    </a:lnR>
+                    <a:lnT>
+                      <a:noFill/>
+                    </a:lnT>
+                    <a:lnB>
+                      <a:noFill/>
+                    </a:lnB>
+                    <a:solidFill>
+                      <a:schemeClr val="bg2">
+                        <a:lumMod val="20000"/>
+                        <a:lumOff val="80000"/>
+                      </a:schemeClr>
+                    </a:solidFill>
+                  </a:tcPr>
+                </a:tc>
+                <a:tc>
+                  <a:txBody>
+                    <a:bodyPr/>
+                    <a:p>
+                      <a:pPr algn="l">
+                        <a:lnSpc>
+                          <a:spcPts val="1875"/>
+                        </a:lnSpc>
+                      </a:pPr>
+                      <a:r>
+                        <a:rPr lang="en-US" altLang="zh-CN" sz="1600" b="0" i="0">
+                          <a:solidFill>
+                            <a:srgbClr val="0F1115"/>
+                          </a:solidFill>
+                          <a:latin typeface="Arial" panose="020B0604020202020204" pitchFamily="34" charset="0"/>
+                          <a:ea typeface="quote-cjk-patch"/>
+                          <a:cs typeface="Arial" panose="020B0604020202020204" pitchFamily="34" charset="0"/>
+                        </a:rPr>
+                        <a:t>BLEU-1</a:t>
+                      </a:r>
+                      <a:endParaRPr lang="en-US" altLang="zh-CN" sz="1600" b="0" i="0">
+                        <a:solidFill>
+                          <a:srgbClr val="0F1115"/>
+                        </a:solidFill>
+                        <a:latin typeface="Arial" panose="020B0604020202020204" pitchFamily="34" charset="0"/>
+                        <a:ea typeface="quote-cjk-patch"/>
+                        <a:cs typeface="Arial" panose="020B0604020202020204" pitchFamily="34" charset="0"/>
+                      </a:endParaRPr>
+                    </a:p>
+                  </a:txBody>
+                  <a:tcPr marL="152717" marR="152717" marT="95567" marB="95567" anchor="ctr" anchorCtr="0">
+                    <a:lnL>
+                      <a:noFill/>
+                    </a:lnL>
+                    <a:lnR>
+                      <a:noFill/>
+                    </a:lnR>
+                    <a:lnT>
+                      <a:noFill/>
+                    </a:lnT>
+                    <a:lnB>
+                      <a:noFill/>
+                    </a:lnB>
+                    <a:solidFill>
+                      <a:schemeClr val="bg2">
+                        <a:lumMod val="20000"/>
+                        <a:lumOff val="80000"/>
+                      </a:schemeClr>
+                    </a:solidFill>
+                  </a:tcPr>
+                </a:tc>
+                <a:tc>
+                  <a:txBody>
+                    <a:bodyPr/>
+                    <a:p>
+                      <a:pPr algn="l">
+                        <a:lnSpc>
+                          <a:spcPts val="1875"/>
+                        </a:lnSpc>
+                      </a:pPr>
+                      <a:r>
+                        <a:rPr lang="en-US" altLang="zh-CN" sz="1600" b="0" i="0">
+                          <a:solidFill>
+                            <a:srgbClr val="0F1115"/>
+                          </a:solidFill>
+                          <a:latin typeface="Arial" panose="020B0604020202020204" pitchFamily="34" charset="0"/>
+                          <a:ea typeface="quote-cjk-patch"/>
+                          <a:cs typeface="Arial" panose="020B0604020202020204" pitchFamily="34" charset="0"/>
+                        </a:rPr>
+                        <a:t>BERTScore-F1</a:t>
+                      </a:r>
+                      <a:endParaRPr lang="en-US" altLang="zh-CN" sz="1600" b="0" i="0">
+                        <a:solidFill>
+                          <a:srgbClr val="0F1115"/>
+                        </a:solidFill>
+                        <a:latin typeface="Arial" panose="020B0604020202020204" pitchFamily="34" charset="0"/>
+                        <a:ea typeface="quote-cjk-patch"/>
+                        <a:cs typeface="Arial" panose="020B0604020202020204" pitchFamily="34" charset="0"/>
+                      </a:endParaRPr>
+                    </a:p>
+                  </a:txBody>
+                  <a:tcPr marL="152717" marR="152717" marT="95567" marB="95567" anchor="ctr" anchorCtr="0">
+                    <a:lnL>
+                      <a:noFill/>
+                    </a:lnL>
+                    <a:lnR>
+                      <a:noFill/>
+                    </a:lnR>
+                    <a:lnT>
+                      <a:noFill/>
+                    </a:lnT>
+                    <a:lnB>
+                      <a:noFill/>
+                    </a:lnB>
+                    <a:solidFill>
+                      <a:schemeClr val="bg2">
+                        <a:lumMod val="20000"/>
+                        <a:lumOff val="80000"/>
+                      </a:schemeClr>
+                    </a:solidFill>
+                  </a:tcPr>
+                </a:tc>
+              </a:tr>
+              <a:tr h="659130">
+                <a:tc>
+                  <a:txBody>
+                    <a:bodyPr/>
+                    <a:p>
+                      <a:pPr>
+                        <a:lnSpc>
+                          <a:spcPts val="1875"/>
+                        </a:lnSpc>
+                      </a:pPr>
+                      <a:r>
+                        <a:rPr lang="en-US" altLang="zh-CN" sz="1600" b="0" i="0">
+                          <a:solidFill>
+                            <a:srgbClr val="0F1115"/>
+                          </a:solidFill>
+                          <a:latin typeface="Arial" panose="020B0604020202020204" pitchFamily="34" charset="0"/>
+                          <a:ea typeface="quote-cjk-patch"/>
+                          <a:cs typeface="Arial" panose="020B0604020202020204" pitchFamily="34" charset="0"/>
+                        </a:rPr>
+                        <a:t>Closed-Ended Questions</a:t>
+                      </a:r>
+                      <a:endParaRPr lang="en-US" altLang="zh-CN" sz="1600" b="0" i="0">
+                        <a:solidFill>
+                          <a:srgbClr val="0F1115"/>
+                        </a:solidFill>
+                        <a:latin typeface="Arial" panose="020B0604020202020204" pitchFamily="34" charset="0"/>
+                        <a:ea typeface="quote-cjk-patch"/>
+                        <a:cs typeface="Arial" panose="020B0604020202020204" pitchFamily="34" charset="0"/>
+                      </a:endParaRPr>
+                    </a:p>
+                  </a:txBody>
+                  <a:tcPr marL="0" marR="152717" marT="95567" marB="95567" anchor="ctr" anchorCtr="0">
+                    <a:lnL>
+                      <a:noFill/>
+                    </a:lnL>
+                    <a:lnR>
+                      <a:noFill/>
+                    </a:lnR>
+                    <a:lnT>
+                      <a:noFill/>
+                    </a:lnT>
+                    <a:lnB>
+                      <a:noFill/>
+                    </a:lnB>
+                    <a:noFill/>
+                  </a:tcPr>
+                </a:tc>
+                <a:tc>
+                  <a:txBody>
+                    <a:bodyPr/>
+                    <a:p>
+                      <a:pPr>
+                        <a:lnSpc>
+                          <a:spcPts val="1875"/>
+                        </a:lnSpc>
+                      </a:pPr>
+                      <a:r>
+                        <a:rPr lang="en-US" altLang="zh-CN" sz="1600" b="0" i="0">
+                          <a:solidFill>
+                            <a:srgbClr val="0F1115"/>
+                          </a:solidFill>
+                          <a:latin typeface="Arial" panose="020B0604020202020204" pitchFamily="34" charset="0"/>
+                          <a:ea typeface="quote-cjk-patch"/>
+                          <a:cs typeface="Arial" panose="020B0604020202020204" pitchFamily="34" charset="0"/>
+                        </a:rPr>
+                        <a:t>63.03%</a:t>
+                      </a:r>
+                      <a:endParaRPr lang="en-US" altLang="zh-CN" sz="1600" b="0" i="0">
+                        <a:solidFill>
+                          <a:srgbClr val="0F1115"/>
+                        </a:solidFill>
+                        <a:latin typeface="Arial" panose="020B0604020202020204" pitchFamily="34" charset="0"/>
+                        <a:ea typeface="quote-cjk-patch"/>
+                        <a:cs typeface="Arial" panose="020B0604020202020204" pitchFamily="34" charset="0"/>
+                      </a:endParaRPr>
+                    </a:p>
+                  </a:txBody>
+                  <a:tcPr marL="152717" marR="152717" marT="95567" marB="95567" anchor="ctr" anchorCtr="0">
+                    <a:lnL>
+                      <a:noFill/>
+                    </a:lnL>
+                    <a:lnR>
+                      <a:noFill/>
+                    </a:lnR>
+                    <a:lnT>
+                      <a:noFill/>
+                    </a:lnT>
+                    <a:lnB>
+                      <a:noFill/>
+                    </a:lnB>
+                    <a:noFill/>
+                  </a:tcPr>
+                </a:tc>
+                <a:tc>
+                  <a:txBody>
+                    <a:bodyPr/>
+                    <a:p>
+                      <a:pPr>
+                        <a:lnSpc>
+                          <a:spcPts val="1875"/>
+                        </a:lnSpc>
+                      </a:pPr>
+                      <a:r>
+                        <a:rPr lang="en-US" altLang="zh-CN" sz="1600" b="0" i="0">
+                          <a:solidFill>
+                            <a:srgbClr val="0F1115"/>
+                          </a:solidFill>
+                          <a:latin typeface="Arial" panose="020B0604020202020204" pitchFamily="34" charset="0"/>
+                          <a:ea typeface="quote-cjk-patch"/>
+                          <a:cs typeface="Arial" panose="020B0604020202020204" pitchFamily="34" charset="0"/>
+                        </a:rPr>
+                        <a:t>–</a:t>
+                      </a:r>
+                      <a:endParaRPr lang="en-US" altLang="zh-CN" sz="1600" b="0" i="0">
+                        <a:solidFill>
+                          <a:srgbClr val="0F1115"/>
+                        </a:solidFill>
+                        <a:latin typeface="Arial" panose="020B0604020202020204" pitchFamily="34" charset="0"/>
+                        <a:ea typeface="quote-cjk-patch"/>
+                        <a:cs typeface="Arial" panose="020B0604020202020204" pitchFamily="34" charset="0"/>
+                      </a:endParaRPr>
+                    </a:p>
+                  </a:txBody>
+                  <a:tcPr marL="152717" marR="152717" marT="95567" marB="95567" anchor="ctr" anchorCtr="0">
+                    <a:lnL>
+                      <a:noFill/>
+                    </a:lnL>
+                    <a:lnR>
+                      <a:noFill/>
+                    </a:lnR>
+                    <a:lnT>
+                      <a:noFill/>
+                    </a:lnT>
+                    <a:lnB>
+                      <a:noFill/>
+                    </a:lnB>
+                    <a:noFill/>
+                  </a:tcPr>
+                </a:tc>
+                <a:tc>
+                  <a:txBody>
+                    <a:bodyPr/>
+                    <a:p>
+                      <a:pPr>
+                        <a:lnSpc>
+                          <a:spcPts val="1875"/>
+                        </a:lnSpc>
+                      </a:pPr>
+                      <a:r>
+                        <a:rPr lang="en-US" altLang="zh-CN" sz="1600" b="0" i="0">
+                          <a:solidFill>
+                            <a:srgbClr val="0F1115"/>
+                          </a:solidFill>
+                          <a:latin typeface="Arial" panose="020B0604020202020204" pitchFamily="34" charset="0"/>
+                          <a:ea typeface="quote-cjk-patch"/>
+                          <a:cs typeface="Arial" panose="020B0604020202020204" pitchFamily="34" charset="0"/>
+                        </a:rPr>
+                        <a:t>–</a:t>
+                      </a:r>
+                      <a:endParaRPr lang="en-US" altLang="zh-CN" sz="1600" b="0" i="0">
+                        <a:solidFill>
+                          <a:srgbClr val="0F1115"/>
+                        </a:solidFill>
+                        <a:latin typeface="Arial" panose="020B0604020202020204" pitchFamily="34" charset="0"/>
+                        <a:ea typeface="quote-cjk-patch"/>
+                        <a:cs typeface="Arial" panose="020B0604020202020204" pitchFamily="34" charset="0"/>
+                      </a:endParaRPr>
+                    </a:p>
+                  </a:txBody>
+                  <a:tcPr marL="152717" marR="0" marT="95567" marB="95567" anchor="ctr" anchorCtr="0">
+                    <a:lnL>
+                      <a:noFill/>
+                    </a:lnL>
+                    <a:lnR>
+                      <a:noFill/>
+                    </a:lnR>
+                    <a:lnT>
+                      <a:noFill/>
+                    </a:lnT>
+                    <a:lnB>
+                      <a:noFill/>
+                    </a:lnB>
+                    <a:noFill/>
+                  </a:tcPr>
+                </a:tc>
+              </a:tr>
+              <a:tr h="658495">
+                <a:tc>
+                  <a:txBody>
+                    <a:bodyPr/>
+                    <a:p>
+                      <a:pPr>
+                        <a:lnSpc>
+                          <a:spcPts val="1875"/>
+                        </a:lnSpc>
+                      </a:pPr>
+                      <a:r>
+                        <a:rPr lang="en-US" altLang="zh-CN" sz="1600" b="0" i="0">
+                          <a:solidFill>
+                            <a:srgbClr val="0F1115"/>
+                          </a:solidFill>
+                          <a:latin typeface="Arial" panose="020B0604020202020204" pitchFamily="34" charset="0"/>
+                          <a:ea typeface="quote-cjk-patch"/>
+                          <a:cs typeface="Arial" panose="020B0604020202020204" pitchFamily="34" charset="0"/>
+                        </a:rPr>
+                        <a:t>Open-Ended Questions</a:t>
+                      </a:r>
+                      <a:endParaRPr lang="en-US" altLang="zh-CN" sz="1600" b="0" i="0">
+                        <a:solidFill>
+                          <a:srgbClr val="0F1115"/>
+                        </a:solidFill>
+                        <a:latin typeface="Arial" panose="020B0604020202020204" pitchFamily="34" charset="0"/>
+                        <a:ea typeface="quote-cjk-patch"/>
+                        <a:cs typeface="Arial" panose="020B0604020202020204" pitchFamily="34" charset="0"/>
+                      </a:endParaRPr>
+                    </a:p>
+                  </a:txBody>
+                  <a:tcPr marL="0" marR="152717" marT="95567" marB="95567" anchor="ctr" anchorCtr="0">
+                    <a:lnL>
+                      <a:noFill/>
+                    </a:lnL>
+                    <a:lnR>
+                      <a:noFill/>
+                    </a:lnR>
+                    <a:lnT>
+                      <a:noFill/>
+                    </a:lnT>
+                    <a:lnB>
+                      <a:noFill/>
+                    </a:lnB>
+                    <a:noFill/>
+                  </a:tcPr>
+                </a:tc>
+                <a:tc>
+                  <a:txBody>
+                    <a:bodyPr/>
+                    <a:p>
+                      <a:pPr>
+                        <a:lnSpc>
+                          <a:spcPts val="1875"/>
+                        </a:lnSpc>
+                      </a:pPr>
+                      <a:r>
+                        <a:rPr lang="en-US" altLang="zh-CN" sz="1600" b="0" i="0">
+                          <a:solidFill>
+                            <a:srgbClr val="0F1115"/>
+                          </a:solidFill>
+                          <a:latin typeface="Arial" panose="020B0604020202020204" pitchFamily="34" charset="0"/>
+                          <a:ea typeface="quote-cjk-patch"/>
+                          <a:cs typeface="Arial" panose="020B0604020202020204" pitchFamily="34" charset="0"/>
+                        </a:rPr>
+                        <a:t>–</a:t>
+                      </a:r>
+                      <a:endParaRPr lang="en-US" altLang="zh-CN" sz="1600" b="0" i="0">
+                        <a:solidFill>
+                          <a:srgbClr val="0F1115"/>
+                        </a:solidFill>
+                        <a:latin typeface="Arial" panose="020B0604020202020204" pitchFamily="34" charset="0"/>
+                        <a:ea typeface="quote-cjk-patch"/>
+                        <a:cs typeface="Arial" panose="020B0604020202020204" pitchFamily="34" charset="0"/>
+                      </a:endParaRPr>
+                    </a:p>
+                  </a:txBody>
+                  <a:tcPr marL="152717" marR="152717" marT="95567" marB="95567" anchor="ctr" anchorCtr="0">
+                    <a:lnL>
+                      <a:noFill/>
+                    </a:lnL>
+                    <a:lnR>
+                      <a:noFill/>
+                    </a:lnR>
+                    <a:lnT>
+                      <a:noFill/>
+                    </a:lnT>
+                    <a:lnB>
+                      <a:noFill/>
+                    </a:lnB>
+                    <a:noFill/>
+                  </a:tcPr>
+                </a:tc>
+                <a:tc>
+                  <a:txBody>
+                    <a:bodyPr/>
+                    <a:p>
+                      <a:pPr>
+                        <a:lnSpc>
+                          <a:spcPts val="1875"/>
+                        </a:lnSpc>
+                      </a:pPr>
+                      <a:r>
+                        <a:rPr lang="en-US" altLang="zh-CN" sz="1600" b="0" i="0">
+                          <a:solidFill>
+                            <a:srgbClr val="0F1115"/>
+                          </a:solidFill>
+                          <a:latin typeface="Arial" panose="020B0604020202020204" pitchFamily="34" charset="0"/>
+                          <a:ea typeface="quote-cjk-patch"/>
+                          <a:cs typeface="Arial" panose="020B0604020202020204" pitchFamily="34" charset="0"/>
+                        </a:rPr>
+                        <a:t>0.084</a:t>
+                      </a:r>
+                      <a:endParaRPr lang="en-US" altLang="zh-CN" sz="1600" b="0" i="0">
+                        <a:solidFill>
+                          <a:srgbClr val="0F1115"/>
+                        </a:solidFill>
+                        <a:latin typeface="Arial" panose="020B0604020202020204" pitchFamily="34" charset="0"/>
+                        <a:ea typeface="quote-cjk-patch"/>
+                        <a:cs typeface="Arial" panose="020B0604020202020204" pitchFamily="34" charset="0"/>
+                      </a:endParaRPr>
+                    </a:p>
+                  </a:txBody>
+                  <a:tcPr marL="152717" marR="152717" marT="95567" marB="95567" anchor="ctr" anchorCtr="0">
+                    <a:lnL>
+                      <a:noFill/>
+                    </a:lnL>
+                    <a:lnR>
+                      <a:noFill/>
+                    </a:lnR>
+                    <a:lnT>
+                      <a:noFill/>
+                    </a:lnT>
+                    <a:lnB>
+                      <a:noFill/>
+                    </a:lnB>
+                    <a:noFill/>
+                  </a:tcPr>
+                </a:tc>
+                <a:tc>
+                  <a:txBody>
+                    <a:bodyPr/>
+                    <a:p>
+                      <a:pPr>
+                        <a:lnSpc>
+                          <a:spcPts val="1875"/>
+                        </a:lnSpc>
+                      </a:pPr>
+                      <a:r>
+                        <a:rPr lang="en-US" altLang="zh-CN" sz="1600" b="0" i="0">
+                          <a:solidFill>
+                            <a:srgbClr val="0F1115"/>
+                          </a:solidFill>
+                          <a:latin typeface="Arial" panose="020B0604020202020204" pitchFamily="34" charset="0"/>
+                          <a:ea typeface="quote-cjk-patch"/>
+                          <a:cs typeface="Arial" panose="020B0604020202020204" pitchFamily="34" charset="0"/>
+                        </a:rPr>
+                        <a:t>0.911</a:t>
+                      </a:r>
+                      <a:endParaRPr lang="en-US" altLang="zh-CN" sz="1600" b="0" i="0">
+                        <a:solidFill>
+                          <a:srgbClr val="0F1115"/>
+                        </a:solidFill>
+                        <a:latin typeface="Arial" panose="020B0604020202020204" pitchFamily="34" charset="0"/>
+                        <a:ea typeface="quote-cjk-patch"/>
+                        <a:cs typeface="Arial" panose="020B0604020202020204" pitchFamily="34" charset="0"/>
+                      </a:endParaRPr>
+                    </a:p>
+                  </a:txBody>
+                  <a:tcPr marL="152717" marR="0" marT="95567" marB="95567" anchor="ctr" anchorCtr="0">
+                    <a:lnL>
+                      <a:noFill/>
+                    </a:lnL>
+                    <a:lnR>
+                      <a:noFill/>
+                    </a:lnR>
+                    <a:lnT>
+                      <a:noFill/>
+                    </a:lnT>
+                    <a:lnB>
+                      <a:noFill/>
+                    </a:lnB>
+                    <a:noFill/>
+                  </a:tcPr>
+                </a:tc>
+              </a:tr>
+              <a:tr h="428625">
+                <a:tc>
+                  <a:txBody>
+                    <a:bodyPr/>
+                    <a:p>
+                      <a:pPr>
+                        <a:lnSpc>
+                          <a:spcPts val="1875"/>
+                        </a:lnSpc>
+                      </a:pPr>
+                      <a:r>
+                        <a:rPr lang="en-US" altLang="zh-CN" sz="1600" b="0" i="0">
+                          <a:solidFill>
+                            <a:srgbClr val="0F1115"/>
+                          </a:solidFill>
+                          <a:latin typeface="Arial" panose="020B0604020202020204" pitchFamily="34" charset="0"/>
+                          <a:ea typeface="quote-cjk-patch"/>
+                          <a:cs typeface="Arial" panose="020B0604020202020204" pitchFamily="34" charset="0"/>
+                        </a:rPr>
+                        <a:t>Overall</a:t>
+                      </a:r>
+                      <a:endParaRPr lang="en-US" altLang="zh-CN" sz="1600" b="0" i="0">
+                        <a:solidFill>
+                          <a:srgbClr val="0F1115"/>
+                        </a:solidFill>
+                        <a:latin typeface="Arial" panose="020B0604020202020204" pitchFamily="34" charset="0"/>
+                        <a:ea typeface="quote-cjk-patch"/>
+                        <a:cs typeface="Arial" panose="020B0604020202020204" pitchFamily="34" charset="0"/>
+                      </a:endParaRPr>
+                    </a:p>
+                  </a:txBody>
+                  <a:tcPr marL="0" marR="152717" marT="95567" marB="95567" anchor="ctr" anchorCtr="0">
+                    <a:lnL>
+                      <a:noFill/>
+                    </a:lnL>
+                    <a:lnR>
+                      <a:noFill/>
+                    </a:lnR>
+                    <a:lnT>
+                      <a:noFill/>
+                    </a:lnT>
+                    <a:lnB>
+                      <a:noFill/>
+                    </a:lnB>
+                    <a:noFill/>
+                  </a:tcPr>
+                </a:tc>
+                <a:tc>
+                  <a:txBody>
+                    <a:bodyPr/>
+                    <a:p>
+                      <a:pPr>
+                        <a:lnSpc>
+                          <a:spcPts val="1875"/>
+                        </a:lnSpc>
+                      </a:pPr>
+                      <a:r>
+                        <a:rPr lang="en-US" altLang="zh-CN" sz="1600" b="0" i="0">
+                          <a:solidFill>
+                            <a:srgbClr val="0F1115"/>
+                          </a:solidFill>
+                          <a:latin typeface="Arial" panose="020B0604020202020204" pitchFamily="34" charset="0"/>
+                          <a:ea typeface="quote-cjk-patch"/>
+                          <a:cs typeface="Arial" panose="020B0604020202020204" pitchFamily="34" charset="0"/>
+                        </a:rPr>
+                        <a:t>36.00%</a:t>
+                      </a:r>
+                      <a:endParaRPr lang="en-US" altLang="zh-CN" sz="1600" b="0" i="0">
+                        <a:solidFill>
+                          <a:srgbClr val="0F1115"/>
+                        </a:solidFill>
+                        <a:latin typeface="Arial" panose="020B0604020202020204" pitchFamily="34" charset="0"/>
+                        <a:ea typeface="quote-cjk-patch"/>
+                        <a:cs typeface="Arial" panose="020B0604020202020204" pitchFamily="34" charset="0"/>
+                      </a:endParaRPr>
+                    </a:p>
+                  </a:txBody>
+                  <a:tcPr marL="152717" marR="152717" marT="95567" marB="95567" anchor="ctr" anchorCtr="0">
+                    <a:lnL>
+                      <a:noFill/>
+                    </a:lnL>
+                    <a:lnR>
+                      <a:noFill/>
+                    </a:lnR>
+                    <a:lnT>
+                      <a:noFill/>
+                    </a:lnT>
+                    <a:lnB>
+                      <a:noFill/>
+                    </a:lnB>
+                    <a:noFill/>
+                  </a:tcPr>
+                </a:tc>
+                <a:tc>
+                  <a:txBody>
+                    <a:bodyPr/>
+                    <a:p>
+                      <a:pPr>
+                        <a:lnSpc>
+                          <a:spcPts val="1875"/>
+                        </a:lnSpc>
+                      </a:pPr>
+                      <a:r>
+                        <a:rPr lang="en-US" altLang="zh-CN" sz="1600" b="0" i="0">
+                          <a:solidFill>
+                            <a:srgbClr val="0F1115"/>
+                          </a:solidFill>
+                          <a:latin typeface="Arial" panose="020B0604020202020204" pitchFamily="34" charset="0"/>
+                          <a:ea typeface="quote-cjk-patch"/>
+                          <a:cs typeface="Arial" panose="020B0604020202020204" pitchFamily="34" charset="0"/>
+                        </a:rPr>
+                        <a:t>–</a:t>
+                      </a:r>
+                      <a:endParaRPr lang="en-US" altLang="zh-CN" sz="1600" b="0" i="0">
+                        <a:solidFill>
+                          <a:srgbClr val="0F1115"/>
+                        </a:solidFill>
+                        <a:latin typeface="Arial" panose="020B0604020202020204" pitchFamily="34" charset="0"/>
+                        <a:ea typeface="quote-cjk-patch"/>
+                        <a:cs typeface="Arial" panose="020B0604020202020204" pitchFamily="34" charset="0"/>
+                      </a:endParaRPr>
+                    </a:p>
+                  </a:txBody>
+                  <a:tcPr marL="152717" marR="152717" marT="95567" marB="95567" anchor="ctr" anchorCtr="0">
+                    <a:lnL>
+                      <a:noFill/>
+                    </a:lnL>
+                    <a:lnR>
+                      <a:noFill/>
+                    </a:lnR>
+                    <a:lnT>
+                      <a:noFill/>
+                    </a:lnT>
+                    <a:lnB>
+                      <a:noFill/>
+                    </a:lnB>
+                    <a:noFill/>
+                  </a:tcPr>
+                </a:tc>
+                <a:tc>
+                  <a:txBody>
+                    <a:bodyPr/>
+                    <a:p>
+                      <a:pPr>
+                        <a:lnSpc>
+                          <a:spcPts val="1875"/>
+                        </a:lnSpc>
+                      </a:pPr>
+                      <a:r>
+                        <a:rPr lang="en-US" altLang="zh-CN" sz="1600" b="0" i="0">
+                          <a:solidFill>
+                            <a:srgbClr val="0F1115"/>
+                          </a:solidFill>
+                          <a:latin typeface="Arial" panose="020B0604020202020204" pitchFamily="34" charset="0"/>
+                          <a:ea typeface="quote-cjk-patch"/>
+                          <a:cs typeface="Arial" panose="020B0604020202020204" pitchFamily="34" charset="0"/>
+                        </a:rPr>
+                        <a:t>–</a:t>
+                      </a:r>
+                      <a:endParaRPr lang="en-US" altLang="zh-CN" sz="1600" b="0" i="0">
+                        <a:solidFill>
+                          <a:srgbClr val="0F1115"/>
+                        </a:solidFill>
+                        <a:latin typeface="Arial" panose="020B0604020202020204" pitchFamily="34" charset="0"/>
+                        <a:ea typeface="quote-cjk-patch"/>
+                        <a:cs typeface="Arial" panose="020B0604020202020204" pitchFamily="34" charset="0"/>
+                      </a:endParaRPr>
+                    </a:p>
+                  </a:txBody>
+                  <a:tcPr marL="152717" marR="0" marT="95567" marB="95567" anchor="ctr" anchorCtr="0">
+                    <a:lnL>
+                      <a:noFill/>
+                    </a:lnL>
+                    <a:lnR>
+                      <a:noFill/>
+                    </a:lnR>
+                    <a:lnT>
+                      <a:noFill/>
+                    </a:lnT>
+                    <a:lnB>
+                      <a:noFill/>
+                    </a:lnB>
+                    <a:noFill/>
+                  </a:tcPr>
+                </a:tc>
+              </a:tr>
+            </a:tbl>
+          </a:graphicData>
+        </a:graphic>
+      </p:graphicFrame>
+      <p:sp>
+        <p:nvSpPr>
+          <p:cNvPr id="33" name="文本框 32"/>
+          <p:cNvSpPr txBox="1"/>
+          <p:nvPr/>
+        </p:nvSpPr>
+        <p:spPr>
+          <a:xfrm>
+            <a:off x="5189855" y="2519680"/>
+            <a:ext cx="3834765" cy="394335"/>
+          </a:xfrm>
+          <a:prstGeom prst="rect">
+            <a:avLst/>
+          </a:prstGeom>
+          <a:solidFill>
+            <a:schemeClr val="accent3">
+              <a:lumMod val="75000"/>
+            </a:schemeClr>
+          </a:solidFill>
+        </p:spPr>
+        <p:txBody>
+          <a:bodyPr wrap="square" rtlCol="0" anchor="t">
+            <a:noAutofit/>
+          </a:bodyPr>
+          <a:p>
+            <a:r>
+              <a:rPr lang="en-US" altLang="zh-CN" sz="1600" b="1">
+                <a:solidFill>
+                  <a:schemeClr val="bg1"/>
+                </a:solidFill>
+              </a:rPr>
+              <a:t>Stable Closed Question Performance</a:t>
+            </a:r>
+            <a:endParaRPr lang="en-US" altLang="zh-CN" sz="1600" b="1">
+              <a:solidFill>
+                <a:schemeClr val="bg1"/>
+              </a:solidFill>
+            </a:endParaRPr>
+          </a:p>
+        </p:txBody>
+      </p:sp>
+      <p:sp>
+        <p:nvSpPr>
+          <p:cNvPr id="34" name="文本框 33"/>
+          <p:cNvSpPr txBox="1"/>
+          <p:nvPr/>
+        </p:nvSpPr>
+        <p:spPr>
+          <a:xfrm>
+            <a:off x="5189855" y="3197860"/>
+            <a:ext cx="3803650" cy="394335"/>
+          </a:xfrm>
+          <a:prstGeom prst="rect">
+            <a:avLst/>
+          </a:prstGeom>
+          <a:solidFill>
+            <a:schemeClr val="accent1">
+              <a:lumMod val="75000"/>
+            </a:schemeClr>
+          </a:solidFill>
+        </p:spPr>
+        <p:txBody>
+          <a:bodyPr wrap="square" rtlCol="0" anchor="t">
+            <a:noAutofit/>
+          </a:bodyPr>
+          <a:p>
+            <a:r>
+              <a:rPr lang="en-US" altLang="zh-CN" sz="1600" b="1">
+                <a:solidFill>
+                  <a:schemeClr val="bg1"/>
+                </a:solidFill>
+              </a:rPr>
+              <a:t>Extremely Low Surface Metrics</a:t>
+            </a:r>
+            <a:endParaRPr lang="en-US" altLang="zh-CN" sz="1600" b="1">
+              <a:solidFill>
+                <a:schemeClr val="bg1"/>
+              </a:solidFill>
+            </a:endParaRPr>
+          </a:p>
+        </p:txBody>
+      </p:sp>
+      <p:sp>
+        <p:nvSpPr>
+          <p:cNvPr id="35" name="文本框 34"/>
+          <p:cNvSpPr txBox="1"/>
+          <p:nvPr/>
+        </p:nvSpPr>
+        <p:spPr>
+          <a:xfrm>
+            <a:off x="5844540" y="3810635"/>
+            <a:ext cx="3148965" cy="394335"/>
+          </a:xfrm>
+          <a:prstGeom prst="rect">
+            <a:avLst/>
+          </a:prstGeom>
+          <a:solidFill>
+            <a:schemeClr val="accent6">
+              <a:lumMod val="75000"/>
+            </a:schemeClr>
+          </a:solidFill>
+        </p:spPr>
+        <p:txBody>
+          <a:bodyPr wrap="square" rtlCol="0" anchor="t">
+            <a:noAutofit/>
+          </a:bodyPr>
+          <a:p>
+            <a:r>
+              <a:rPr lang="en-US" altLang="zh-CN" sz="1600" b="1">
+                <a:solidFill>
+                  <a:schemeClr val="bg1"/>
+                </a:solidFill>
+              </a:rPr>
+              <a:t>High Semantic Score</a:t>
+            </a:r>
+            <a:endParaRPr lang="en-US" altLang="zh-CN" sz="1600" b="1">
+              <a:solidFill>
+                <a:schemeClr val="bg1"/>
+              </a:solidFill>
+            </a:endParaRPr>
+          </a:p>
+        </p:txBody>
+      </p:sp>
+      <p:sp>
+        <p:nvSpPr>
+          <p:cNvPr id="36" name="文本框 35"/>
+          <p:cNvSpPr txBox="1"/>
+          <p:nvPr/>
+        </p:nvSpPr>
+        <p:spPr>
+          <a:xfrm>
+            <a:off x="6844665" y="4554220"/>
+            <a:ext cx="2158365" cy="394335"/>
+          </a:xfrm>
+          <a:prstGeom prst="rect">
+            <a:avLst/>
+          </a:prstGeom>
+          <a:solidFill>
+            <a:schemeClr val="accent4">
+              <a:lumMod val="75000"/>
+            </a:schemeClr>
+          </a:solidFill>
+        </p:spPr>
+        <p:txBody>
+          <a:bodyPr wrap="square" rtlCol="0" anchor="t">
+            <a:noAutofit/>
+          </a:bodyPr>
+          <a:p>
+            <a:r>
+              <a:rPr lang="en-US" altLang="zh-CN" sz="1600" b="1">
+                <a:solidFill>
+                  <a:schemeClr val="bg1"/>
+                </a:solidFill>
+              </a:rPr>
+              <a:t>Core Contradiction</a:t>
+            </a:r>
+            <a:endParaRPr lang="en-US" altLang="zh-CN" sz="1600" b="1">
+              <a:solidFill>
+                <a:schemeClr val="bg1"/>
+              </a:solidFill>
+            </a:endParaRPr>
+          </a:p>
+        </p:txBody>
+      </p:sp>
+      <p:cxnSp>
+        <p:nvCxnSpPr>
+          <p:cNvPr id="12" name="直接箭头连接符 11"/>
+          <p:cNvCxnSpPr>
+            <a:stCxn id="33" idx="1"/>
+          </p:cNvCxnSpPr>
+          <p:nvPr/>
+        </p:nvCxnSpPr>
+        <p:spPr>
+          <a:xfrm flipH="1">
+            <a:off x="3940810" y="2717165"/>
+            <a:ext cx="1249045" cy="860425"/>
+          </a:xfrm>
+          <a:prstGeom prst="straightConnector1">
+            <a:avLst/>
+          </a:prstGeom>
+          <a:ln>
+            <a:solidFill>
+              <a:schemeClr val="accent3">
+                <a:lumMod val="75000"/>
+              </a:schemeClr>
+            </a:solidFill>
+            <a:tailEnd type="arrow" w="med" len="med"/>
+          </a:ln>
+        </p:spPr>
+        <p:style>
+          <a:lnRef idx="3">
+            <a:schemeClr val="accent1"/>
+          </a:lnRef>
+          <a:fillRef idx="0">
+            <a:srgbClr val="FFFFFF"/>
+          </a:fillRef>
+          <a:effectRef idx="0">
+            <a:srgbClr val="FFFFFF"/>
+          </a:effectRef>
+          <a:fontRef idx="minor">
+            <a:schemeClr val="tx1"/>
+          </a:fontRef>
+        </p:style>
+      </p:cxnSp>
+      <p:cxnSp>
+        <p:nvCxnSpPr>
+          <p:cNvPr id="14" name="直接箭头连接符 13"/>
+          <p:cNvCxnSpPr>
+            <a:stCxn id="34" idx="1"/>
+          </p:cNvCxnSpPr>
+          <p:nvPr/>
+        </p:nvCxnSpPr>
+        <p:spPr>
+          <a:xfrm flipH="1">
+            <a:off x="5093335" y="3395345"/>
+            <a:ext cx="96520" cy="823595"/>
+          </a:xfrm>
+          <a:prstGeom prst="straightConnector1">
+            <a:avLst/>
+          </a:prstGeom>
+          <a:ln>
+            <a:solidFill>
+              <a:srgbClr val="7D9263"/>
+            </a:solidFill>
+            <a:tailEnd type="arrow" w="med" len="med"/>
+          </a:ln>
+        </p:spPr>
+        <p:style>
+          <a:lnRef idx="3">
+            <a:schemeClr val="accent1"/>
+          </a:lnRef>
+          <a:fillRef idx="0">
+            <a:srgbClr val="FFFFFF"/>
+          </a:fillRef>
+          <a:effectRef idx="0">
+            <a:srgbClr val="FFFFFF"/>
+          </a:effectRef>
+          <a:fontRef idx="minor">
+            <a:schemeClr val="tx1"/>
+          </a:fontRef>
+        </p:style>
+      </p:cxnSp>
+      <p:cxnSp>
+        <p:nvCxnSpPr>
+          <p:cNvPr id="15" name="直接箭头连接符 14"/>
+          <p:cNvCxnSpPr>
+            <a:stCxn id="35" idx="2"/>
+          </p:cNvCxnSpPr>
+          <p:nvPr/>
+        </p:nvCxnSpPr>
+        <p:spPr>
+          <a:xfrm flipH="1">
+            <a:off x="6844665" y="4204970"/>
+            <a:ext cx="574675" cy="155575"/>
+          </a:xfrm>
+          <a:prstGeom prst="straightConnector1">
+            <a:avLst/>
+          </a:prstGeom>
+          <a:ln>
+            <a:solidFill>
+              <a:srgbClr val="4E75A3"/>
+            </a:solidFill>
+            <a:tailEnd type="arrow" w="med" len="med"/>
+          </a:ln>
+        </p:spPr>
+        <p:style>
+          <a:lnRef idx="3">
+            <a:schemeClr val="accent1"/>
+          </a:lnRef>
+          <a:fillRef idx="0">
+            <a:srgbClr val="FFFFFF"/>
+          </a:fillRef>
+          <a:effectRef idx="0">
+            <a:srgbClr val="FFFFFF"/>
+          </a:effectRef>
+          <a:fontRef idx="minor">
+            <a:schemeClr val="tx1"/>
+          </a:fontRef>
+        </p:style>
+      </p:cxnSp>
     </p:spTree>
   </p:cSld>
   <p:clrMapOvr>
@@ -14769,13 +18952,431 @@
                   <a:schemeClr val="bg1"/>
                 </a:solidFill>
               </a:rPr>
-              <a:t>Result-baseline </a:t>
+              <a:t>Result-</a:t>
+            </a:r>
+            <a:r>
+              <a:rPr lang="en-US" altLang="zh-CN" sz="3600" b="1" dirty="0">
+                <a:solidFill>
+                  <a:schemeClr val="bg1"/>
+                </a:solidFill>
+                <a:ea typeface="宋体" panose="02010600030101010101" pitchFamily="2" charset="-122"/>
+                <a:sym typeface="+mn-ea"/>
+              </a:rPr>
+              <a:t>Generative Model</a:t>
             </a:r>
             <a:endParaRPr lang="en-US" altLang="zh-CN" sz="3600" b="1" dirty="0">
               <a:solidFill>
                 <a:schemeClr val="bg1"/>
               </a:solidFill>
               <a:ea typeface="宋体" panose="02010600030101010101" pitchFamily="2" charset="-122"/>
+            </a:endParaRPr>
+          </a:p>
+        </p:txBody>
+      </p:sp>
+      <p:sp>
+        <p:nvSpPr>
+          <p:cNvPr id="2" name="文本框 1"/>
+          <p:cNvSpPr txBox="1"/>
+          <p:nvPr/>
+        </p:nvSpPr>
+        <p:spPr>
+          <a:xfrm>
+            <a:off x="194310" y="775335"/>
+            <a:ext cx="8830945" cy="4276725"/>
+          </a:xfrm>
+          <a:prstGeom prst="rect">
+            <a:avLst/>
+          </a:prstGeom>
+        </p:spPr>
+        <p:txBody>
+          <a:bodyPr wrap="square">
+            <a:spAutoFit/>
+          </a:bodyPr>
+          <a:p>
+            <a:r>
+              <a:rPr lang="en-US" altLang="zh-CN" sz="2400" b="1">
+                <a:solidFill>
+                  <a:schemeClr val="accent4">
+                    <a:lumMod val="75000"/>
+                  </a:schemeClr>
+                </a:solidFill>
+                <a:latin typeface="Arial" panose="020B0604020202020204" pitchFamily="34" charset="0"/>
+                <a:ea typeface="JetBrains Mono"/>
+                <a:cs typeface="Arial" panose="020B0604020202020204" pitchFamily="34" charset="0"/>
+              </a:rPr>
+              <a:t>Experimental Differences and Their Impact</a:t>
+            </a:r>
+            <a:endParaRPr lang="en-US" altLang="zh-CN" sz="2400" b="1">
+              <a:solidFill>
+                <a:schemeClr val="accent4">
+                  <a:lumMod val="75000"/>
+                </a:schemeClr>
+              </a:solidFill>
+              <a:latin typeface="Arial" panose="020B0604020202020204" pitchFamily="34" charset="0"/>
+              <a:ea typeface="JetBrains Mono"/>
+              <a:cs typeface="Arial" panose="020B0604020202020204" pitchFamily="34" charset="0"/>
+            </a:endParaRPr>
+          </a:p>
+          <a:p>
+            <a:r>
+              <a:rPr lang="en-US" altLang="zh-CN" sz="1600" b="1">
+                <a:solidFill>
+                  <a:schemeClr val="tx1"/>
+                </a:solidFill>
+                <a:latin typeface="Arial" panose="020B0604020202020204" pitchFamily="34" charset="0"/>
+                <a:ea typeface="JetBrains Mono"/>
+                <a:cs typeface="Arial" panose="020B0604020202020204" pitchFamily="34" charset="0"/>
+              </a:rPr>
+              <a:t>1. Prefix Configuration Differences</a:t>
+            </a:r>
+            <a:r>
+              <a:rPr lang="en-US" altLang="zh-CN" sz="1600">
+                <a:solidFill>
+                  <a:schemeClr val="tx1"/>
+                </a:solidFill>
+                <a:latin typeface="Arial" panose="020B0604020202020204" pitchFamily="34" charset="0"/>
+                <a:ea typeface="JetBrains Mono"/>
+                <a:cs typeface="Arial" panose="020B0604020202020204" pitchFamily="34" charset="0"/>
+              </a:rPr>
+              <a:t> : Long prefixes dilute visual information injection, particularly affecting open-ended answer generation</a:t>
+            </a:r>
+            <a:endParaRPr lang="en-US" altLang="zh-CN" sz="1600">
+              <a:solidFill>
+                <a:schemeClr val="tx1"/>
+              </a:solidFill>
+              <a:latin typeface="Arial" panose="020B0604020202020204" pitchFamily="34" charset="0"/>
+              <a:ea typeface="JetBrains Mono"/>
+              <a:cs typeface="Arial" panose="020B0604020202020204" pitchFamily="34" charset="0"/>
+            </a:endParaRPr>
+          </a:p>
+          <a:p>
+            <a:pPr>
+              <a:lnSpc>
+                <a:spcPct val="100000"/>
+              </a:lnSpc>
+            </a:pPr>
+            <a:r>
+              <a:rPr lang="en-US" altLang="zh-CN" sz="1600" b="1">
+                <a:solidFill>
+                  <a:schemeClr val="tx1"/>
+                </a:solidFill>
+                <a:latin typeface="Arial" panose="020B0604020202020204" pitchFamily="34" charset="0"/>
+                <a:ea typeface="JetBrains Mono"/>
+                <a:cs typeface="Arial" panose="020B0604020202020204" pitchFamily="34" charset="0"/>
+              </a:rPr>
+              <a:t>2. Language Model Limitations</a:t>
+            </a:r>
+            <a:r>
+              <a:rPr lang="en-US" altLang="zh-CN" sz="1600">
+                <a:solidFill>
+                  <a:schemeClr val="tx1"/>
+                </a:solidFill>
+                <a:latin typeface="Arial" panose="020B0604020202020204" pitchFamily="34" charset="0"/>
+                <a:ea typeface="JetBrains Mono"/>
+                <a:cs typeface="Arial" panose="020B0604020202020204" pitchFamily="34" charset="0"/>
+              </a:rPr>
+              <a:t> : </a:t>
+            </a:r>
+            <a:endParaRPr lang="en-US" altLang="zh-CN" sz="1600">
+              <a:solidFill>
+                <a:schemeClr val="tx1"/>
+              </a:solidFill>
+              <a:latin typeface="Arial" panose="020B0604020202020204" pitchFamily="34" charset="0"/>
+              <a:ea typeface="JetBrains Mono"/>
+              <a:cs typeface="Arial" panose="020B0604020202020204" pitchFamily="34" charset="0"/>
+            </a:endParaRPr>
+          </a:p>
+          <a:p>
+            <a:pPr marL="742950" lvl="1" indent="-285750">
+              <a:lnSpc>
+                <a:spcPct val="100000"/>
+              </a:lnSpc>
+              <a:buFont typeface="Arial" panose="020B0604020202020204" pitchFamily="34" charset="0"/>
+              <a:buChar char="•"/>
+            </a:pPr>
+            <a:r>
+              <a:rPr lang="en-US" altLang="zh-CN" sz="1600">
+                <a:solidFill>
+                  <a:schemeClr val="tx1"/>
+                </a:solidFill>
+                <a:latin typeface="Arial" panose="020B0604020202020204" pitchFamily="34" charset="0"/>
+                <a:ea typeface="JetBrains Mono"/>
+                <a:cs typeface="Arial" panose="020B0604020202020204" pitchFamily="34" charset="0"/>
+              </a:rPr>
+              <a:t>Limits precise word form generation ability</a:t>
+            </a:r>
+            <a:endParaRPr lang="en-US" altLang="zh-CN" sz="1600">
+              <a:solidFill>
+                <a:schemeClr val="tx1"/>
+              </a:solidFill>
+              <a:latin typeface="Arial" panose="020B0604020202020204" pitchFamily="34" charset="0"/>
+              <a:ea typeface="JetBrains Mono"/>
+              <a:cs typeface="Arial" panose="020B0604020202020204" pitchFamily="34" charset="0"/>
+            </a:endParaRPr>
+          </a:p>
+          <a:p>
+            <a:pPr marL="742950" lvl="1" indent="-285750">
+              <a:lnSpc>
+                <a:spcPct val="50000"/>
+              </a:lnSpc>
+              <a:buFont typeface="Arial" panose="020B0604020202020204" pitchFamily="34" charset="0"/>
+              <a:buChar char="•"/>
+            </a:pPr>
+            <a:endParaRPr lang="en-US" altLang="zh-CN" sz="1600">
+              <a:solidFill>
+                <a:schemeClr val="tx1"/>
+              </a:solidFill>
+              <a:latin typeface="Arial" panose="020B0604020202020204" pitchFamily="34" charset="0"/>
+              <a:ea typeface="JetBrains Mono"/>
+              <a:cs typeface="Arial" panose="020B0604020202020204" pitchFamily="34" charset="0"/>
+            </a:endParaRPr>
+          </a:p>
+          <a:p>
+            <a:pPr marL="742950" lvl="1" indent="-285750">
+              <a:lnSpc>
+                <a:spcPct val="50000"/>
+              </a:lnSpc>
+              <a:buFont typeface="Arial" panose="020B0604020202020204" pitchFamily="34" charset="0"/>
+              <a:buChar char="•"/>
+            </a:pPr>
+            <a:r>
+              <a:rPr lang="en-US" altLang="zh-CN" sz="1600">
+                <a:solidFill>
+                  <a:schemeClr val="tx1"/>
+                </a:solidFill>
+                <a:latin typeface="Arial" panose="020B0604020202020204" pitchFamily="34" charset="0"/>
+                <a:ea typeface="JetBrains Mono"/>
+                <a:cs typeface="Arial" panose="020B0604020202020204" pitchFamily="34" charset="0"/>
+              </a:rPr>
+              <a:t>Insufficient lexical expression precision leads to low BLEU</a:t>
+            </a:r>
+            <a:endParaRPr lang="en-US" altLang="zh-CN" sz="1600">
+              <a:solidFill>
+                <a:schemeClr val="tx1"/>
+              </a:solidFill>
+              <a:latin typeface="Arial" panose="020B0604020202020204" pitchFamily="34" charset="0"/>
+              <a:ea typeface="JetBrains Mono"/>
+              <a:cs typeface="Arial" panose="020B0604020202020204" pitchFamily="34" charset="0"/>
+            </a:endParaRPr>
+          </a:p>
+          <a:p>
+            <a:pPr marL="742950" lvl="1" indent="-285750">
+              <a:lnSpc>
+                <a:spcPct val="50000"/>
+              </a:lnSpc>
+              <a:buFont typeface="Arial" panose="020B0604020202020204" pitchFamily="34" charset="0"/>
+              <a:buChar char="•"/>
+            </a:pPr>
+            <a:endParaRPr lang="en-US" altLang="zh-CN" sz="1600">
+              <a:solidFill>
+                <a:schemeClr val="tx1"/>
+              </a:solidFill>
+              <a:latin typeface="Arial" panose="020B0604020202020204" pitchFamily="34" charset="0"/>
+              <a:ea typeface="JetBrains Mono"/>
+              <a:cs typeface="Arial" panose="020B0604020202020204" pitchFamily="34" charset="0"/>
+            </a:endParaRPr>
+          </a:p>
+          <a:p>
+            <a:pPr marL="742950" lvl="1" indent="-285750">
+              <a:lnSpc>
+                <a:spcPct val="50000"/>
+              </a:lnSpc>
+              <a:buFont typeface="Arial" panose="020B0604020202020204" pitchFamily="34" charset="0"/>
+              <a:buChar char="•"/>
+            </a:pPr>
+            <a:r>
+              <a:rPr lang="en-US" altLang="zh-CN" sz="1600">
+                <a:solidFill>
+                  <a:schemeClr val="tx1"/>
+                </a:solidFill>
+                <a:latin typeface="Arial" panose="020B0604020202020204" pitchFamily="34" charset="0"/>
+                <a:ea typeface="JetBrains Mono"/>
+                <a:cs typeface="Arial" panose="020B0604020202020204" pitchFamily="34" charset="0"/>
+              </a:rPr>
+              <a:t>Semantic content remains intact</a:t>
+            </a:r>
+            <a:endParaRPr lang="en-US" altLang="zh-CN" sz="1600">
+              <a:solidFill>
+                <a:schemeClr val="tx1"/>
+              </a:solidFill>
+              <a:latin typeface="Arial" panose="020B0604020202020204" pitchFamily="34" charset="0"/>
+              <a:ea typeface="JetBrains Mono"/>
+              <a:cs typeface="Arial" panose="020B0604020202020204" pitchFamily="34" charset="0"/>
+            </a:endParaRPr>
+          </a:p>
+          <a:p>
+            <a:r>
+              <a:rPr lang="en-US" altLang="zh-CN" sz="1600" b="1">
+                <a:solidFill>
+                  <a:schemeClr val="tx1"/>
+                </a:solidFill>
+                <a:latin typeface="Arial" panose="020B0604020202020204" pitchFamily="34" charset="0"/>
+                <a:ea typeface="JetBrains Mono"/>
+                <a:cs typeface="Arial" panose="020B0604020202020204" pitchFamily="34" charset="0"/>
+              </a:rPr>
+              <a:t>3. Training Strategy Impact</a:t>
+            </a:r>
+            <a:r>
+              <a:rPr lang="en-US" altLang="zh-CN" sz="1600">
+                <a:solidFill>
+                  <a:schemeClr val="tx1"/>
+                </a:solidFill>
+                <a:latin typeface="Arial" panose="020B0604020202020204" pitchFamily="34" charset="0"/>
+                <a:ea typeface="JetBrains Mono"/>
+                <a:cs typeface="Arial" panose="020B0604020202020204" pitchFamily="34" charset="0"/>
+              </a:rPr>
+              <a:t> : Constrains surface form accuracy while preserving semantic correctness</a:t>
+            </a:r>
+            <a:endParaRPr lang="en-US" altLang="zh-CN" sz="1600">
+              <a:solidFill>
+                <a:schemeClr val="tx1"/>
+              </a:solidFill>
+              <a:latin typeface="Arial" panose="020B0604020202020204" pitchFamily="34" charset="0"/>
+              <a:ea typeface="JetBrains Mono"/>
+              <a:cs typeface="Arial" panose="020B0604020202020204" pitchFamily="34" charset="0"/>
+            </a:endParaRPr>
+          </a:p>
+          <a:p>
+            <a:endParaRPr lang="en-US" altLang="zh-CN" sz="1600">
+              <a:solidFill>
+                <a:schemeClr val="tx1"/>
+              </a:solidFill>
+              <a:latin typeface="Arial" panose="020B0604020202020204" pitchFamily="34" charset="0"/>
+              <a:ea typeface="JetBrains Mono"/>
+              <a:cs typeface="Arial" panose="020B0604020202020204" pitchFamily="34" charset="0"/>
+            </a:endParaRPr>
+          </a:p>
+          <a:p>
+            <a:r>
+              <a:rPr lang="en-US" altLang="zh-CN" sz="2400" b="1">
+                <a:solidFill>
+                  <a:schemeClr val="accent6">
+                    <a:lumMod val="75000"/>
+                  </a:schemeClr>
+                </a:solidFill>
+                <a:latin typeface="Arial" panose="020B0604020202020204" pitchFamily="34" charset="0"/>
+                <a:ea typeface="JetBrains Mono"/>
+                <a:cs typeface="Arial" panose="020B0604020202020204" pitchFamily="34" charset="0"/>
+              </a:rPr>
+              <a:t>Performance Feature Summary</a:t>
+            </a:r>
+            <a:endParaRPr lang="en-US" altLang="zh-CN" sz="2400" b="1">
+              <a:solidFill>
+                <a:schemeClr val="accent6">
+                  <a:lumMod val="75000"/>
+                </a:schemeClr>
+              </a:solidFill>
+              <a:latin typeface="Arial" panose="020B0604020202020204" pitchFamily="34" charset="0"/>
+              <a:ea typeface="JetBrains Mono"/>
+              <a:cs typeface="Arial" panose="020B0604020202020204" pitchFamily="34" charset="0"/>
+            </a:endParaRPr>
+          </a:p>
+          <a:p>
+            <a:pPr marL="285750" indent="-285750">
+              <a:buFont typeface="Arial" panose="020B0604020202020204" pitchFamily="34" charset="0"/>
+              <a:buChar char="•"/>
+            </a:pPr>
+            <a:r>
+              <a:rPr lang="en-US" altLang="zh-CN" sz="1600" b="1">
+                <a:solidFill>
+                  <a:schemeClr val="tx1"/>
+                </a:solidFill>
+                <a:latin typeface="Arial" panose="020B0604020202020204" pitchFamily="34" charset="0"/>
+                <a:ea typeface="JetBrains Mono"/>
+                <a:cs typeface="Arial" panose="020B0604020202020204" pitchFamily="34" charset="0"/>
+              </a:rPr>
+              <a:t>High BERTScore-F1</a:t>
+            </a:r>
+            <a:r>
+              <a:rPr lang="en-US" altLang="zh-CN" sz="1600">
+                <a:solidFill>
+                  <a:schemeClr val="tx1"/>
+                </a:solidFill>
+                <a:latin typeface="Arial" panose="020B0604020202020204" pitchFamily="34" charset="0"/>
+                <a:ea typeface="JetBrains Mono"/>
+                <a:cs typeface="Arial" panose="020B0604020202020204" pitchFamily="34" charset="0"/>
+              </a:rPr>
+              <a:t>: Model captures clinically relevant semantics even with different word forms</a:t>
+            </a:r>
+            <a:endParaRPr lang="en-US" altLang="zh-CN" sz="1600">
+              <a:solidFill>
+                <a:schemeClr val="tx1"/>
+              </a:solidFill>
+              <a:latin typeface="Arial" panose="020B0604020202020204" pitchFamily="34" charset="0"/>
+              <a:ea typeface="JetBrains Mono"/>
+              <a:cs typeface="Arial" panose="020B0604020202020204" pitchFamily="34" charset="0"/>
+            </a:endParaRPr>
+          </a:p>
+          <a:p>
+            <a:pPr marL="285750" indent="-285750">
+              <a:buFont typeface="Arial" panose="020B0604020202020204" pitchFamily="34" charset="0"/>
+              <a:buChar char="•"/>
+            </a:pPr>
+            <a:r>
+              <a:rPr lang="en-US" altLang="zh-CN" sz="1600" b="1">
+                <a:solidFill>
+                  <a:schemeClr val="tx1"/>
+                </a:solidFill>
+                <a:latin typeface="Arial" panose="020B0604020202020204" pitchFamily="34" charset="0"/>
+                <a:ea typeface="JetBrains Mono"/>
+                <a:cs typeface="Arial" panose="020B0604020202020204" pitchFamily="34" charset="0"/>
+              </a:rPr>
+              <a:t>Low Surface Metrics</a:t>
+            </a:r>
+            <a:r>
+              <a:rPr lang="en-US" altLang="zh-CN" sz="1600">
+                <a:solidFill>
+                  <a:schemeClr val="tx1"/>
+                </a:solidFill>
+                <a:latin typeface="Arial" panose="020B0604020202020204" pitchFamily="34" charset="0"/>
+                <a:ea typeface="JetBrains Mono"/>
+                <a:cs typeface="Arial" panose="020B0604020202020204" pitchFamily="34" charset="0"/>
+              </a:rPr>
+              <a:t>: Caused by prefix length, model capacity, freezing strategy, dataset scale</a:t>
+            </a:r>
+            <a:endParaRPr lang="en-US" altLang="zh-CN" sz="1600">
+              <a:solidFill>
+                <a:schemeClr val="tx1"/>
+              </a:solidFill>
+              <a:latin typeface="Arial" panose="020B0604020202020204" pitchFamily="34" charset="0"/>
+              <a:ea typeface="JetBrains Mono"/>
+              <a:cs typeface="Arial" panose="020B0604020202020204" pitchFamily="34" charset="0"/>
+            </a:endParaRPr>
+          </a:p>
+          <a:p>
+            <a:pPr marL="285750" indent="-285750">
+              <a:buFont typeface="Arial" panose="020B0604020202020204" pitchFamily="34" charset="0"/>
+              <a:buChar char="•"/>
+            </a:pPr>
+            <a:r>
+              <a:rPr lang="en-US" altLang="zh-CN" sz="1600" b="1">
+                <a:solidFill>
+                  <a:schemeClr val="tx1"/>
+                </a:solidFill>
+                <a:latin typeface="Arial" panose="020B0604020202020204" pitchFamily="34" charset="0"/>
+                <a:ea typeface="JetBrains Mono"/>
+                <a:cs typeface="Arial" panose="020B0604020202020204" pitchFamily="34" charset="0"/>
+              </a:rPr>
+              <a:t>Closed Question Robustness</a:t>
+            </a:r>
+            <a:r>
+              <a:rPr lang="en-US" altLang="zh-CN" sz="1600">
+                <a:solidFill>
+                  <a:schemeClr val="tx1"/>
+                </a:solidFill>
+                <a:latin typeface="Arial" panose="020B0604020202020204" pitchFamily="34" charset="0"/>
+                <a:ea typeface="JetBrains Mono"/>
+                <a:cs typeface="Arial" panose="020B0604020202020204" pitchFamily="34" charset="0"/>
+              </a:rPr>
+              <a:t>: Binary decision tasks not significantly affected</a:t>
+            </a:r>
+            <a:endParaRPr lang="en-US" altLang="zh-CN" sz="1600">
+              <a:solidFill>
+                <a:schemeClr val="tx1"/>
+              </a:solidFill>
+              <a:latin typeface="Arial" panose="020B0604020202020204" pitchFamily="34" charset="0"/>
+              <a:ea typeface="JetBrains Mono"/>
+              <a:cs typeface="Arial" panose="020B0604020202020204" pitchFamily="34" charset="0"/>
             </a:endParaRPr>
           </a:p>
         </p:txBody>
@@ -14814,12 +19415,36 @@
       </p:grpSpPr>
       <p:pic>
         <p:nvPicPr>
+          <p:cNvPr id="8" name="图片 7"/>
+          <p:cNvPicPr>
+            <a:picLocks noChangeAspect="1"/>
+          </p:cNvPicPr>
+          <p:nvPr/>
+        </p:nvPicPr>
+        <p:blipFill>
+          <a:blip r:embed="rId1"/>
+          <a:stretch>
+            <a:fillRect/>
+          </a:stretch>
+        </p:blipFill>
+        <p:spPr>
+          <a:xfrm>
+            <a:off x="4083050" y="2138680"/>
+            <a:ext cx="795020" cy="854075"/>
+          </a:xfrm>
+          <a:prstGeom prst="rect">
+            <a:avLst/>
+          </a:prstGeom>
+        </p:spPr>
+      </p:pic>
+      <p:pic>
+        <p:nvPicPr>
           <p:cNvPr id="78" name="Google Shape;78;p2"/>
           <p:cNvPicPr preferRelativeResize="0"/>
           <p:nvPr/>
         </p:nvPicPr>
         <p:blipFill rotWithShape="1">
-          <a:blip r:embed="rId1"/>
+          <a:blip r:embed="rId2"/>
           <a:srcRect/>
           <a:stretch>
             <a:fillRect/>
@@ -14864,7 +19489,7 @@
         </p:spPr>
         <p:txBody>
           <a:bodyPr spcFirstLastPara="1" wrap="square" lIns="68575" tIns="34275" rIns="68575" bIns="34275" anchor="ctr" anchorCtr="0">
-            <a:normAutofit/>
+            <a:normAutofit fontScale="90000"/>
           </a:bodyPr>
           <a:lstStyle/>
           <a:p>
@@ -14889,14 +19514,843 @@
                 <a:solidFill>
                   <a:schemeClr val="bg1"/>
                 </a:solidFill>
+                <a:sym typeface="+mn-ea"/>
               </a:rPr>
-              <a:t>Result-baseline </a:t>
+              <a:t>Discussion</a:t>
+            </a:r>
+            <a:r>
+              <a:rPr lang="zh-CN" altLang="en-US" sz="3600" b="1" dirty="0">
+                <a:solidFill>
+                  <a:schemeClr val="bg1"/>
+                </a:solidFill>
+                <a:ea typeface="宋体" panose="02010600030101010101" pitchFamily="2" charset="-122"/>
+                <a:sym typeface="+mn-ea"/>
+              </a:rPr>
+              <a:t>：</a:t>
+            </a:r>
+            <a:r>
+              <a:rPr lang="en-US" altLang="zh-CN" sz="3600" b="1" dirty="0">
+                <a:solidFill>
+                  <a:schemeClr val="bg1"/>
+                </a:solidFill>
+                <a:ea typeface="宋体" panose="02010600030101010101" pitchFamily="2" charset="-122"/>
+                <a:sym typeface="+mn-ea"/>
+              </a:rPr>
+              <a:t>baseline vs </a:t>
+            </a:r>
+            <a:r>
+              <a:rPr lang="en-US" altLang="zh-CN" sz="3600" b="1" dirty="0">
+                <a:solidFill>
+                  <a:schemeClr val="bg1"/>
+                </a:solidFill>
+                <a:sym typeface="+mn-ea"/>
+              </a:rPr>
+              <a:t> </a:t>
+            </a:r>
+            <a:r>
+              <a:rPr lang="en-US" altLang="zh-CN" sz="3600" b="1" dirty="0">
+                <a:solidFill>
+                  <a:schemeClr val="bg1"/>
+                </a:solidFill>
+                <a:ea typeface="宋体" panose="02010600030101010101" pitchFamily="2" charset="-122"/>
+                <a:sym typeface="+mn-ea"/>
+              </a:rPr>
+              <a:t>Generative Model</a:t>
             </a:r>
             <a:endParaRPr lang="en-US" altLang="zh-CN" sz="3600" b="1" dirty="0">
               <a:solidFill>
                 <a:schemeClr val="bg1"/>
               </a:solidFill>
               <a:ea typeface="宋体" panose="02010600030101010101" pitchFamily="2" charset="-122"/>
+            </a:endParaRPr>
+          </a:p>
+        </p:txBody>
+      </p:sp>
+      <p:graphicFrame>
+        <p:nvGraphicFramePr>
+          <p:cNvPr id="2" name="表格 1"/>
+          <p:cNvGraphicFramePr/>
+          <p:nvPr>
+            <p:custDataLst>
+              <p:tags r:id="rId3"/>
+            </p:custDataLst>
+          </p:nvPr>
+        </p:nvGraphicFramePr>
+        <p:xfrm>
+          <a:off x="86360" y="775335"/>
+          <a:ext cx="8961120" cy="1524000"/>
+        </p:xfrm>
+        <a:graphic>
+          <a:graphicData uri="http://schemas.openxmlformats.org/drawingml/2006/table">
+            <a:tbl>
+              <a:tblPr/>
+              <a:tblGrid>
+                <a:gridCol w="2609215"/>
+                <a:gridCol w="2418715"/>
+                <a:gridCol w="3933190"/>
+              </a:tblGrid>
+              <a:tr h="0">
+                <a:tc>
+                  <a:txBody>
+                    <a:bodyPr/>
+                    <a:p>
+                      <a:pPr algn="l">
+                        <a:lnSpc>
+                          <a:spcPts val="1875"/>
+                        </a:lnSpc>
+                      </a:pPr>
+                      <a:r>
+                        <a:rPr lang="en-US" altLang="zh-CN" sz="1600" b="0" i="0">
+                          <a:solidFill>
+                            <a:srgbClr val="0F1115"/>
+                          </a:solidFill>
+                          <a:latin typeface="Arial" panose="020B0604020202020204" pitchFamily="34" charset="0"/>
+                          <a:ea typeface="quote-cjk-patch"/>
+                          <a:cs typeface="Arial" panose="020B0604020202020204" pitchFamily="34" charset="0"/>
+                        </a:rPr>
+                        <a:t>Evaluation Dimension</a:t>
+                      </a:r>
+                      <a:endParaRPr lang="en-US" altLang="zh-CN" sz="1600" b="0" i="0">
+                        <a:solidFill>
+                          <a:srgbClr val="0F1115"/>
+                        </a:solidFill>
+                        <a:latin typeface="Arial" panose="020B0604020202020204" pitchFamily="34" charset="0"/>
+                        <a:ea typeface="quote-cjk-patch"/>
+                        <a:cs typeface="Arial" panose="020B0604020202020204" pitchFamily="34" charset="0"/>
+                      </a:endParaRPr>
+                    </a:p>
+                  </a:txBody>
+                  <a:tcPr marL="0" marR="152717" marT="95567" marB="95567" anchor="ctr" anchorCtr="0">
+                    <a:lnL>
+                      <a:noFill/>
+                    </a:lnL>
+                    <a:lnR>
+                      <a:noFill/>
+                    </a:lnR>
+                    <a:lnT>
+                      <a:noFill/>
+                    </a:lnT>
+                    <a:lnB>
+                      <a:noFill/>
+                    </a:lnB>
+                    <a:solidFill>
+                      <a:schemeClr val="bg2">
+                        <a:lumMod val="20000"/>
+                        <a:lumOff val="80000"/>
+                      </a:schemeClr>
+                    </a:solidFill>
+                  </a:tcPr>
+                </a:tc>
+                <a:tc>
+                  <a:txBody>
+                    <a:bodyPr/>
+                    <a:p>
+                      <a:pPr algn="l">
+                        <a:lnSpc>
+                          <a:spcPts val="1875"/>
+                        </a:lnSpc>
+                      </a:pPr>
+                      <a:r>
+                        <a:rPr lang="en-US" altLang="zh-CN" sz="1600" b="0" i="0">
+                          <a:solidFill>
+                            <a:srgbClr val="0F1115"/>
+                          </a:solidFill>
+                          <a:latin typeface="Arial" panose="020B0604020202020204" pitchFamily="34" charset="0"/>
+                          <a:ea typeface="quote-cjk-patch"/>
+                          <a:cs typeface="Arial" panose="020B0604020202020204" pitchFamily="34" charset="0"/>
+                        </a:rPr>
+                        <a:t>Metric Performance</a:t>
+                      </a:r>
+                      <a:endParaRPr lang="en-US" altLang="zh-CN" sz="1600" b="0" i="0">
+                        <a:solidFill>
+                          <a:srgbClr val="0F1115"/>
+                        </a:solidFill>
+                        <a:latin typeface="Arial" panose="020B0604020202020204" pitchFamily="34" charset="0"/>
+                        <a:ea typeface="quote-cjk-patch"/>
+                        <a:cs typeface="Arial" panose="020B0604020202020204" pitchFamily="34" charset="0"/>
+                      </a:endParaRPr>
+                    </a:p>
+                  </a:txBody>
+                  <a:tcPr marL="152717" marR="152717" marT="95567" marB="95567" anchor="ctr" anchorCtr="0">
+                    <a:lnL>
+                      <a:noFill/>
+                    </a:lnL>
+                    <a:lnR>
+                      <a:noFill/>
+                    </a:lnR>
+                    <a:lnT>
+                      <a:noFill/>
+                    </a:lnT>
+                    <a:lnB>
+                      <a:noFill/>
+                    </a:lnB>
+                    <a:solidFill>
+                      <a:schemeClr val="bg2">
+                        <a:lumMod val="20000"/>
+                        <a:lumOff val="80000"/>
+                      </a:schemeClr>
+                    </a:solidFill>
+                  </a:tcPr>
+                </a:tc>
+                <a:tc>
+                  <a:txBody>
+                    <a:bodyPr/>
+                    <a:p>
+                      <a:pPr algn="l">
+                        <a:lnSpc>
+                          <a:spcPts val="1875"/>
+                        </a:lnSpc>
+                      </a:pPr>
+                      <a:r>
+                        <a:rPr lang="en-US" altLang="zh-CN" sz="1600" b="0" i="0">
+                          <a:solidFill>
+                            <a:srgbClr val="0F1115"/>
+                          </a:solidFill>
+                          <a:latin typeface="Arial" panose="020B0604020202020204" pitchFamily="34" charset="0"/>
+                          <a:ea typeface="quote-cjk-patch"/>
+                          <a:cs typeface="Arial" panose="020B0604020202020204" pitchFamily="34" charset="0"/>
+                        </a:rPr>
+                        <a:t>Interpretation</a:t>
+                      </a:r>
+                      <a:endParaRPr lang="en-US" altLang="zh-CN" sz="1600" b="0" i="0">
+                        <a:solidFill>
+                          <a:srgbClr val="0F1115"/>
+                        </a:solidFill>
+                        <a:latin typeface="Arial" panose="020B0604020202020204" pitchFamily="34" charset="0"/>
+                        <a:ea typeface="quote-cjk-patch"/>
+                        <a:cs typeface="Arial" panose="020B0604020202020204" pitchFamily="34" charset="0"/>
+                      </a:endParaRPr>
+                    </a:p>
+                  </a:txBody>
+                  <a:tcPr marL="152717" marR="152717" marT="95567" marB="95567" anchor="ctr" anchorCtr="0">
+                    <a:lnL>
+                      <a:noFill/>
+                    </a:lnL>
+                    <a:lnR>
+                      <a:noFill/>
+                    </a:lnR>
+                    <a:lnT>
+                      <a:noFill/>
+                    </a:lnT>
+                    <a:lnB>
+                      <a:noFill/>
+                    </a:lnB>
+                    <a:solidFill>
+                      <a:schemeClr val="bg2">
+                        <a:lumMod val="20000"/>
+                        <a:lumOff val="80000"/>
+                      </a:schemeClr>
+                    </a:solidFill>
+                  </a:tcPr>
+                </a:tc>
+              </a:tr>
+              <a:tr h="0">
+                <a:tc>
+                  <a:txBody>
+                    <a:bodyPr/>
+                    <a:p>
+                      <a:pPr>
+                        <a:lnSpc>
+                          <a:spcPts val="1875"/>
+                        </a:lnSpc>
+                      </a:pPr>
+                      <a:r>
+                        <a:rPr lang="en-US" altLang="zh-CN" sz="1600" b="0" i="0">
+                          <a:solidFill>
+                            <a:srgbClr val="0F1115"/>
+                          </a:solidFill>
+                          <a:latin typeface="Arial" panose="020B0604020202020204" pitchFamily="34" charset="0"/>
+                          <a:ea typeface="quote-cjk-patch"/>
+                          <a:cs typeface="Arial" panose="020B0604020202020204" pitchFamily="34" charset="0"/>
+                        </a:rPr>
+                        <a:t>Lexical Strictness Metrics</a:t>
+                      </a:r>
+                      <a:endParaRPr lang="en-US" altLang="zh-CN" sz="1600" b="0" i="0">
+                        <a:solidFill>
+                          <a:srgbClr val="0F1115"/>
+                        </a:solidFill>
+                        <a:latin typeface="Arial" panose="020B0604020202020204" pitchFamily="34" charset="0"/>
+                        <a:ea typeface="quote-cjk-patch"/>
+                        <a:cs typeface="Arial" panose="020B0604020202020204" pitchFamily="34" charset="0"/>
+                      </a:endParaRPr>
+                    </a:p>
+                  </a:txBody>
+                  <a:tcPr marL="0" marR="152717" marT="95567" marB="95567" anchor="ctr" anchorCtr="0">
+                    <a:lnL>
+                      <a:noFill/>
+                    </a:lnL>
+                    <a:lnR>
+                      <a:noFill/>
+                    </a:lnR>
+                    <a:lnT>
+                      <a:noFill/>
+                    </a:lnT>
+                    <a:lnB>
+                      <a:noFill/>
+                    </a:lnB>
+                    <a:noFill/>
+                  </a:tcPr>
+                </a:tc>
+                <a:tc>
+                  <a:txBody>
+                    <a:bodyPr/>
+                    <a:p>
+                      <a:pPr>
+                        <a:lnSpc>
+                          <a:spcPts val="1875"/>
+                        </a:lnSpc>
+                      </a:pPr>
+                      <a:r>
+                        <a:rPr lang="en-US" altLang="zh-CN" sz="1600" b="0" i="0">
+                          <a:solidFill>
+                            <a:srgbClr val="0F1115"/>
+                          </a:solidFill>
+                          <a:latin typeface="Arial" panose="020B0604020202020204" pitchFamily="34" charset="0"/>
+                          <a:ea typeface="quote-cjk-patch"/>
+                          <a:cs typeface="Arial" panose="020B0604020202020204" pitchFamily="34" charset="0"/>
+                        </a:rPr>
+                        <a:t>Poor performance</a:t>
+                      </a:r>
+                      <a:endParaRPr lang="en-US" altLang="zh-CN" sz="1600" b="0" i="0">
+                        <a:solidFill>
+                          <a:srgbClr val="0F1115"/>
+                        </a:solidFill>
+                        <a:latin typeface="Arial" panose="020B0604020202020204" pitchFamily="34" charset="0"/>
+                        <a:ea typeface="quote-cjk-patch"/>
+                        <a:cs typeface="Arial" panose="020B0604020202020204" pitchFamily="34" charset="0"/>
+                      </a:endParaRPr>
+                    </a:p>
+                  </a:txBody>
+                  <a:tcPr marL="152717" marR="152717" marT="95567" marB="95567" anchor="ctr" anchorCtr="0">
+                    <a:lnL>
+                      <a:noFill/>
+                    </a:lnL>
+                    <a:lnR>
+                      <a:noFill/>
+                    </a:lnR>
+                    <a:lnT>
+                      <a:noFill/>
+                    </a:lnT>
+                    <a:lnB>
+                      <a:noFill/>
+                    </a:lnB>
+                    <a:noFill/>
+                  </a:tcPr>
+                </a:tc>
+                <a:tc>
+                  <a:txBody>
+                    <a:bodyPr/>
+                    <a:p>
+                      <a:pPr>
+                        <a:lnSpc>
+                          <a:spcPts val="1875"/>
+                        </a:lnSpc>
+                      </a:pPr>
+                      <a:r>
+                        <a:rPr lang="en-US" altLang="zh-CN" sz="1600" b="0" i="0">
+                          <a:solidFill>
+                            <a:srgbClr val="0F1115"/>
+                          </a:solidFill>
+                          <a:latin typeface="Arial" panose="020B0604020202020204" pitchFamily="34" charset="0"/>
+                          <a:ea typeface="quote-cjk-patch"/>
+                          <a:cs typeface="Arial" panose="020B0604020202020204" pitchFamily="34" charset="0"/>
+                        </a:rPr>
+                        <a:t>Low Exact Match and BLEU scores</a:t>
+                      </a:r>
+                      <a:endParaRPr lang="en-US" altLang="zh-CN" sz="1600" b="0" i="0">
+                        <a:solidFill>
+                          <a:srgbClr val="0F1115"/>
+                        </a:solidFill>
+                        <a:latin typeface="Arial" panose="020B0604020202020204" pitchFamily="34" charset="0"/>
+                        <a:ea typeface="quote-cjk-patch"/>
+                        <a:cs typeface="Arial" panose="020B0604020202020204" pitchFamily="34" charset="0"/>
+                      </a:endParaRPr>
+                    </a:p>
+                  </a:txBody>
+                  <a:tcPr marL="152717" marR="0" marT="95567" marB="95567" anchor="ctr" anchorCtr="0">
+                    <a:lnL>
+                      <a:noFill/>
+                    </a:lnL>
+                    <a:lnR>
+                      <a:noFill/>
+                    </a:lnR>
+                    <a:lnT>
+                      <a:noFill/>
+                    </a:lnT>
+                    <a:lnB>
+                      <a:noFill/>
+                    </a:lnB>
+                    <a:noFill/>
+                  </a:tcPr>
+                </a:tc>
+              </a:tr>
+              <a:tr h="0">
+                <a:tc>
+                  <a:txBody>
+                    <a:bodyPr/>
+                    <a:p>
+                      <a:pPr>
+                        <a:lnSpc>
+                          <a:spcPts val="1875"/>
+                        </a:lnSpc>
+                      </a:pPr>
+                      <a:r>
+                        <a:rPr lang="en-US" altLang="zh-CN" sz="1600" b="0" i="0">
+                          <a:solidFill>
+                            <a:srgbClr val="0F1115"/>
+                          </a:solidFill>
+                          <a:latin typeface="Arial" panose="020B0604020202020204" pitchFamily="34" charset="0"/>
+                          <a:ea typeface="quote-cjk-patch"/>
+                          <a:cs typeface="Arial" panose="020B0604020202020204" pitchFamily="34" charset="0"/>
+                        </a:rPr>
+                        <a:t>Semantic Similarity Metrics</a:t>
+                      </a:r>
+                      <a:endParaRPr lang="en-US" altLang="zh-CN" sz="1600" b="0" i="0">
+                        <a:solidFill>
+                          <a:srgbClr val="0F1115"/>
+                        </a:solidFill>
+                        <a:latin typeface="Arial" panose="020B0604020202020204" pitchFamily="34" charset="0"/>
+                        <a:ea typeface="quote-cjk-patch"/>
+                        <a:cs typeface="Arial" panose="020B0604020202020204" pitchFamily="34" charset="0"/>
+                      </a:endParaRPr>
+                    </a:p>
+                  </a:txBody>
+                  <a:tcPr marL="0" marR="152717" marT="95567" marB="95567" anchor="ctr" anchorCtr="0">
+                    <a:lnL>
+                      <a:noFill/>
+                    </a:lnL>
+                    <a:lnR>
+                      <a:noFill/>
+                    </a:lnR>
+                    <a:lnT>
+                      <a:noFill/>
+                    </a:lnT>
+                    <a:lnB>
+                      <a:noFill/>
+                    </a:lnB>
+                    <a:noFill/>
+                  </a:tcPr>
+                </a:tc>
+                <a:tc>
+                  <a:txBody>
+                    <a:bodyPr/>
+                    <a:p>
+                      <a:pPr>
+                        <a:lnSpc>
+                          <a:spcPts val="1875"/>
+                        </a:lnSpc>
+                      </a:pPr>
+                      <a:r>
+                        <a:rPr lang="en-US" altLang="zh-CN" sz="1600" b="0" i="0">
+                          <a:solidFill>
+                            <a:srgbClr val="0F1115"/>
+                          </a:solidFill>
+                          <a:latin typeface="Arial" panose="020B0604020202020204" pitchFamily="34" charset="0"/>
+                          <a:ea typeface="quote-cjk-patch"/>
+                          <a:cs typeface="Arial" panose="020B0604020202020204" pitchFamily="34" charset="0"/>
+                        </a:rPr>
+                        <a:t>Excellent performance</a:t>
+                      </a:r>
+                      <a:endParaRPr lang="en-US" altLang="zh-CN" sz="1600" b="0" i="0">
+                        <a:solidFill>
+                          <a:srgbClr val="0F1115"/>
+                        </a:solidFill>
+                        <a:latin typeface="Arial" panose="020B0604020202020204" pitchFamily="34" charset="0"/>
+                        <a:ea typeface="quote-cjk-patch"/>
+                        <a:cs typeface="Arial" panose="020B0604020202020204" pitchFamily="34" charset="0"/>
+                      </a:endParaRPr>
+                    </a:p>
+                  </a:txBody>
+                  <a:tcPr marL="152717" marR="152717" marT="95567" marB="95567" anchor="ctr" anchorCtr="0">
+                    <a:lnL>
+                      <a:noFill/>
+                    </a:lnL>
+                    <a:lnR>
+                      <a:noFill/>
+                    </a:lnR>
+                    <a:lnT>
+                      <a:noFill/>
+                    </a:lnT>
+                    <a:lnB>
+                      <a:noFill/>
+                    </a:lnB>
+                    <a:noFill/>
+                  </a:tcPr>
+                </a:tc>
+                <a:tc>
+                  <a:txBody>
+                    <a:bodyPr/>
+                    <a:p>
+                      <a:pPr>
+                        <a:lnSpc>
+                          <a:spcPts val="1875"/>
+                        </a:lnSpc>
+                      </a:pPr>
+                      <a:r>
+                        <a:rPr lang="en-US" altLang="zh-CN" sz="1600" b="0" i="0">
+                          <a:solidFill>
+                            <a:srgbClr val="0F1115"/>
+                          </a:solidFill>
+                          <a:latin typeface="Arial" panose="020B0604020202020204" pitchFamily="34" charset="0"/>
+                          <a:ea typeface="quote-cjk-patch"/>
+                          <a:cs typeface="Arial" panose="020B0604020202020204" pitchFamily="34" charset="0"/>
+                        </a:rPr>
+                        <a:t>BERTScore as high as 0.911</a:t>
+                      </a:r>
+                      <a:endParaRPr lang="en-US" altLang="zh-CN" sz="1600" b="0" i="0">
+                        <a:solidFill>
+                          <a:srgbClr val="0F1115"/>
+                        </a:solidFill>
+                        <a:latin typeface="Arial" panose="020B0604020202020204" pitchFamily="34" charset="0"/>
+                        <a:ea typeface="quote-cjk-patch"/>
+                        <a:cs typeface="Arial" panose="020B0604020202020204" pitchFamily="34" charset="0"/>
+                      </a:endParaRPr>
+                    </a:p>
+                  </a:txBody>
+                  <a:tcPr marL="152717" marR="0" marT="95567" marB="95567" anchor="ctr" anchorCtr="0">
+                    <a:lnL>
+                      <a:noFill/>
+                    </a:lnL>
+                    <a:lnR>
+                      <a:noFill/>
+                    </a:lnR>
+                    <a:lnT>
+                      <a:noFill/>
+                    </a:lnT>
+                    <a:lnB>
+                      <a:noFill/>
+                    </a:lnB>
+                    <a:noFill/>
+                  </a:tcPr>
+                </a:tc>
+              </a:tr>
+            </a:tbl>
+          </a:graphicData>
+        </a:graphic>
+      </p:graphicFrame>
+      <p:sp>
+        <p:nvSpPr>
+          <p:cNvPr id="9" name="圆角矩形 8"/>
+          <p:cNvSpPr/>
+          <p:nvPr>
+            <p:custDataLst>
+              <p:tags r:id="rId4"/>
+            </p:custDataLst>
+          </p:nvPr>
+        </p:nvSpPr>
+        <p:spPr>
+          <a:xfrm>
+            <a:off x="365125" y="2371725"/>
+            <a:ext cx="3559175" cy="935355"/>
+          </a:xfrm>
+          <a:prstGeom prst="roundRect">
+            <a:avLst/>
+          </a:prstGeom>
+          <a:solidFill>
+            <a:schemeClr val="accent1">
+              <a:lumMod val="20000"/>
+              <a:lumOff val="80000"/>
+            </a:schemeClr>
+          </a:solidFill>
+          <a:ln>
+            <a:solidFill>
+              <a:schemeClr val="bg1"/>
+            </a:solidFill>
+          </a:ln>
+        </p:spPr>
+        <p:style>
+          <a:lnRef idx="2">
+            <a:schemeClr val="accent1">
+              <a:lumMod val="75000"/>
+            </a:schemeClr>
+          </a:lnRef>
+          <a:fillRef idx="1">
+            <a:schemeClr val="accent1"/>
+          </a:fillRef>
+          <a:effectRef idx="0">
+            <a:srgbClr val="FFFFFF"/>
+          </a:effectRef>
+          <a:fontRef idx="minor">
+            <a:schemeClr val="lt1"/>
+          </a:fontRef>
+        </p:style>
+        <p:txBody>
+          <a:bodyPr rtlCol="0" anchor="ctr"/>
+          <a:p>
+            <a:pPr algn="l"/>
+            <a:r>
+              <a:rPr lang="en-US" altLang="zh-CN" sz="1800">
+                <a:solidFill>
+                  <a:schemeClr val="tx1"/>
+                </a:solidFill>
+              </a:rPr>
+              <a:t>Paraphrasing or substituting clinically related terms</a:t>
+            </a:r>
+            <a:endParaRPr lang="en-US" altLang="zh-CN" sz="1800">
+              <a:solidFill>
+                <a:schemeClr val="tx1"/>
+              </a:solidFill>
+            </a:endParaRPr>
+          </a:p>
+          <a:p>
+            <a:pPr algn="l"/>
+            <a:r>
+              <a:rPr lang="en-US" altLang="zh-CN" sz="1800">
+                <a:solidFill>
+                  <a:schemeClr val="tx1"/>
+                </a:solidFill>
+                <a:highlight>
+                  <a:srgbClr val="FFFF00"/>
+                </a:highlight>
+              </a:rPr>
+              <a:t>Low Risk</a:t>
+            </a:r>
+            <a:endParaRPr lang="en-US" altLang="zh-CN" sz="1800">
+              <a:solidFill>
+                <a:schemeClr val="tx1"/>
+              </a:solidFill>
+              <a:highlight>
+                <a:srgbClr val="FFFF00"/>
+              </a:highlight>
+            </a:endParaRPr>
+          </a:p>
+        </p:txBody>
+      </p:sp>
+      <p:sp>
+        <p:nvSpPr>
+          <p:cNvPr id="11" name="圆角矩形 10"/>
+          <p:cNvSpPr/>
+          <p:nvPr>
+            <p:custDataLst>
+              <p:tags r:id="rId5"/>
+            </p:custDataLst>
+          </p:nvPr>
+        </p:nvSpPr>
+        <p:spPr>
+          <a:xfrm>
+            <a:off x="5036820" y="2372360"/>
+            <a:ext cx="3757295" cy="934720"/>
+          </a:xfrm>
+          <a:prstGeom prst="roundRect">
+            <a:avLst/>
+          </a:prstGeom>
+          <a:solidFill>
+            <a:schemeClr val="tx2">
+              <a:lumMod val="90000"/>
+            </a:schemeClr>
+          </a:solidFill>
+          <a:ln>
+            <a:solidFill>
+              <a:schemeClr val="bg1"/>
+            </a:solidFill>
+          </a:ln>
+        </p:spPr>
+        <p:style>
+          <a:lnRef idx="2">
+            <a:schemeClr val="accent1">
+              <a:lumMod val="75000"/>
+            </a:schemeClr>
+          </a:lnRef>
+          <a:fillRef idx="1">
+            <a:schemeClr val="accent1"/>
+          </a:fillRef>
+          <a:effectRef idx="0">
+            <a:srgbClr val="FFFFFF"/>
+          </a:effectRef>
+          <a:fontRef idx="minor">
+            <a:schemeClr val="lt1"/>
+          </a:fontRef>
+        </p:style>
+        <p:txBody>
+          <a:bodyPr rtlCol="0" anchor="ctr"/>
+          <a:p>
+            <a:pPr algn="l"/>
+            <a:r>
+              <a:rPr lang="en-US" altLang="zh-CN" sz="1800">
+                <a:solidFill>
+                  <a:schemeClr val="tx1"/>
+                </a:solidFill>
+              </a:rPr>
+              <a:t>Fabricating non-existent diseases or findings</a:t>
+            </a:r>
+            <a:endParaRPr lang="en-US" altLang="zh-CN" sz="1800">
+              <a:solidFill>
+                <a:schemeClr val="tx1"/>
+              </a:solidFill>
+            </a:endParaRPr>
+          </a:p>
+          <a:p>
+            <a:pPr algn="l"/>
+            <a:r>
+              <a:rPr lang="en-US" altLang="zh-CN" sz="1800">
+                <a:solidFill>
+                  <a:schemeClr val="tx1"/>
+                </a:solidFill>
+                <a:highlight>
+                  <a:srgbClr val="FFFF00"/>
+                </a:highlight>
+                <a:sym typeface="+mn-ea"/>
+              </a:rPr>
+              <a:t>High Risk</a:t>
+            </a:r>
+            <a:endParaRPr lang="en-US" altLang="zh-CN" sz="1800">
+              <a:solidFill>
+                <a:schemeClr val="tx1"/>
+              </a:solidFill>
+            </a:endParaRPr>
+          </a:p>
+        </p:txBody>
+      </p:sp>
+      <p:sp>
+        <p:nvSpPr>
+          <p:cNvPr id="4" name="文本框 3"/>
+          <p:cNvSpPr txBox="1"/>
+          <p:nvPr>
+            <p:custDataLst>
+              <p:tags r:id="rId6"/>
+            </p:custDataLst>
+          </p:nvPr>
+        </p:nvSpPr>
+        <p:spPr>
+          <a:xfrm>
+            <a:off x="1172845" y="2003425"/>
+            <a:ext cx="2299335" cy="368300"/>
+          </a:xfrm>
+          <a:prstGeom prst="rect">
+            <a:avLst/>
+          </a:prstGeom>
+          <a:noFill/>
+        </p:spPr>
+        <p:txBody>
+          <a:bodyPr wrap="square" rtlCol="0">
+            <a:spAutoFit/>
+          </a:bodyPr>
+          <a:p>
+            <a:r>
+              <a:rPr lang="en-US" altLang="zh-CN" sz="1800" b="1"/>
+              <a:t>Soft Hallucinations</a:t>
+            </a:r>
+            <a:endParaRPr lang="en-US" altLang="zh-CN" sz="1800" b="1"/>
+          </a:p>
+        </p:txBody>
+      </p:sp>
+      <p:sp>
+        <p:nvSpPr>
+          <p:cNvPr id="5" name="文本框 4"/>
+          <p:cNvSpPr txBox="1"/>
+          <p:nvPr>
+            <p:custDataLst>
+              <p:tags r:id="rId7"/>
+            </p:custDataLst>
+          </p:nvPr>
+        </p:nvSpPr>
+        <p:spPr>
+          <a:xfrm>
+            <a:off x="5394960" y="1965960"/>
+            <a:ext cx="2679065" cy="368300"/>
+          </a:xfrm>
+          <a:prstGeom prst="rect">
+            <a:avLst/>
+          </a:prstGeom>
+          <a:noFill/>
+        </p:spPr>
+        <p:txBody>
+          <a:bodyPr wrap="square" rtlCol="0">
+            <a:spAutoFit/>
+          </a:bodyPr>
+          <a:p>
+            <a:r>
+              <a:rPr lang="en-US" altLang="zh-CN" sz="1800" b="1"/>
+              <a:t>Hard Hallucinations</a:t>
+            </a:r>
+            <a:endParaRPr lang="en-US" altLang="zh-CN" sz="1800" b="1"/>
+          </a:p>
+        </p:txBody>
+      </p:sp>
+      <p:graphicFrame>
+        <p:nvGraphicFramePr>
+          <p:cNvPr id="12" name="图示 11"/>
+          <p:cNvGraphicFramePr/>
+          <p:nvPr/>
+        </p:nvGraphicFramePr>
+        <p:xfrm>
+          <a:off x="193040" y="3524885"/>
+          <a:ext cx="8742045" cy="1510665"/>
+        </p:xfrm>
+        <a:graphic>
+          <a:graphicData uri="http://schemas.openxmlformats.org/drawingml/2006/diagram">
+            <dgm:relIds xmlns:dgm="http://schemas.openxmlformats.org/drawingml/2006/diagram" xmlns:r="http://schemas.openxmlformats.org/officeDocument/2006/relationships" r:dm="rId8" r:lo="rId9" r:qs="rId10" r:cs="rId11"/>
+          </a:graphicData>
+        </a:graphic>
+      </p:graphicFrame>
+      <p:sp>
+        <p:nvSpPr>
+          <p:cNvPr id="16" name="椭圆 15"/>
+          <p:cNvSpPr/>
+          <p:nvPr/>
+        </p:nvSpPr>
+        <p:spPr>
+          <a:xfrm>
+            <a:off x="3924300" y="3345180"/>
+            <a:ext cx="1448435" cy="407670"/>
+          </a:xfrm>
+          <a:prstGeom prst="ellipse">
+            <a:avLst/>
+          </a:prstGeom>
+          <a:solidFill>
+            <a:schemeClr val="accent2">
+              <a:lumMod val="20000"/>
+              <a:lumOff val="80000"/>
+            </a:schemeClr>
+          </a:solidFill>
+          <a:ln>
+            <a:noFill/>
+          </a:ln>
+        </p:spPr>
+        <p:style>
+          <a:lnRef idx="2">
+            <a:schemeClr val="accent1">
+              <a:lumMod val="75000"/>
+            </a:schemeClr>
+          </a:lnRef>
+          <a:fillRef idx="1">
+            <a:schemeClr val="accent1"/>
+          </a:fillRef>
+          <a:effectRef idx="0">
+            <a:srgbClr val="FFFFFF"/>
+          </a:effectRef>
+          <a:fontRef idx="minor">
+            <a:schemeClr val="lt1"/>
+          </a:fontRef>
+        </p:style>
+        <p:txBody>
+          <a:bodyPr rtlCol="0" anchor="ctr"/>
+          <a:p>
+            <a:pPr algn="ctr"/>
+            <a:r>
+              <a:rPr lang="en-US" altLang="zh-CN" b="1">
+                <a:solidFill>
+                  <a:schemeClr val="accent2">
+                    <a:lumMod val="75000"/>
+                  </a:schemeClr>
+                </a:solidFill>
+                <a:latin typeface="Arial" panose="020B0604020202020204" pitchFamily="34" charset="0"/>
+                <a:ea typeface="quote-cjk-patch"/>
+                <a:cs typeface="Arial" panose="020B0604020202020204" pitchFamily="34" charset="0"/>
+                <a:sym typeface="+mn-ea"/>
+              </a:rPr>
+              <a:t>SAFETY</a:t>
+            </a:r>
+            <a:endParaRPr lang="en-US" altLang="zh-CN" b="1">
+              <a:solidFill>
+                <a:schemeClr val="accent2">
+                  <a:lumMod val="75000"/>
+                </a:schemeClr>
+              </a:solidFill>
+              <a:latin typeface="Arial" panose="020B0604020202020204" pitchFamily="34" charset="0"/>
+              <a:ea typeface="quote-cjk-patch"/>
+              <a:cs typeface="Arial" panose="020B0604020202020204" pitchFamily="34" charset="0"/>
+              <a:sym typeface="+mn-ea"/>
             </a:endParaRPr>
           </a:p>
         </p:txBody>
@@ -14933,92 +20387,19 @@
           <a:chExt cx="0" cy="0"/>
         </a:xfrm>
       </p:grpSpPr>
-      <p:pic>
-        <p:nvPicPr>
-          <p:cNvPr id="78" name="Google Shape;78;p2"/>
-          <p:cNvPicPr preferRelativeResize="0"/>
-          <p:nvPr/>
-        </p:nvPicPr>
-        <p:blipFill rotWithShape="1">
-          <a:blip r:embed="rId1"/>
-          <a:srcRect/>
-          <a:stretch>
-            <a:fillRect/>
-          </a:stretch>
-        </p:blipFill>
-        <p:spPr>
-          <a:xfrm>
-            <a:off x="0" y="0"/>
-            <a:ext cx="9144000" cy="697865"/>
-          </a:xfrm>
-          <a:prstGeom prst="rect">
-            <a:avLst/>
-          </a:prstGeom>
-          <a:noFill/>
-          <a:ln>
-            <a:noFill/>
-          </a:ln>
-        </p:spPr>
-      </p:pic>
       <p:sp>
         <p:nvSpPr>
-          <p:cNvPr id="79" name="Google Shape;79;p2"/>
-          <p:cNvSpPr txBox="1">
-            <a:spLocks noGrp="1"/>
-          </p:cNvSpPr>
+          <p:cNvPr id="2" name="标题 1"/>
+          <p:cNvSpPr/>
           <p:nvPr>
             <p:ph type="title"/>
           </p:nvPr>
         </p:nvSpPr>
-        <p:spPr>
-          <a:xfrm>
-            <a:off x="0" y="-76"/>
-            <a:ext cx="7421963" cy="775252"/>
-          </a:xfrm>
-          <a:prstGeom prst="rect">
-            <a:avLst/>
-          </a:prstGeom>
-          <a:noFill/>
-          <a:ln>
-            <a:noFill/>
-          </a:ln>
-        </p:spPr>
+        <p:spPr/>
         <p:txBody>
-          <a:bodyPr spcFirstLastPara="1" wrap="square" lIns="68575" tIns="34275" rIns="68575" bIns="34275" anchor="ctr" anchorCtr="0">
-            <a:normAutofit/>
-          </a:bodyPr>
-          <a:lstStyle/>
+          <a:bodyPr/>
           <a:p>
-            <a:pPr marL="0" lvl="0" indent="0" algn="l" rtl="0">
-              <a:lnSpc>
-                <a:spcPct val="90000"/>
-              </a:lnSpc>
-              <a:spcBef>
-                <a:spcPts val="0"/>
-              </a:spcBef>
-              <a:spcAft>
-                <a:spcPts val="0"/>
-              </a:spcAft>
-              <a:buClr>
-                <a:schemeClr val="dk1"/>
-              </a:buClr>
-              <a:buSzPts val="1400"/>
-              <a:buNone/>
-            </a:pPr>
-            <a:r>
-              <a:rPr lang="en-US" altLang="zh-CN" sz="3600" b="1" dirty="0">
-                <a:solidFill>
-                  <a:schemeClr val="bg1"/>
-                </a:solidFill>
-              </a:rPr>
-              <a:t>Result-baseline </a:t>
-            </a:r>
-            <a:endParaRPr lang="en-US" altLang="zh-CN" sz="3600" b="1" dirty="0">
-              <a:solidFill>
-                <a:schemeClr val="bg1"/>
-              </a:solidFill>
-              <a:ea typeface="宋体" panose="02010600030101010101" pitchFamily="2" charset="-122"/>
-            </a:endParaRPr>
+            <a:endParaRPr lang="zh-CN" altLang="en-US"/>
           </a:p>
         </p:txBody>
       </p:sp>
@@ -15038,330 +20419,6 @@
 </file>
 
 <file path=ppt/slides/slide15.xml><?xml version="1.0" encoding="utf-8"?>
-<p:sld xmlns:a="http://schemas.openxmlformats.org/drawingml/2006/main" xmlns:r="http://schemas.openxmlformats.org/officeDocument/2006/relationships" xmlns:p="http://schemas.openxmlformats.org/presentationml/2006/main">
-  <p:cSld>
-    <p:spTree>
-      <p:nvGrpSpPr>
-        <p:cNvPr id="1" name="Shape 77"/>
-        <p:cNvGrpSpPr/>
-        <p:nvPr/>
-      </p:nvGrpSpPr>
-      <p:grpSpPr>
-        <a:xfrm>
-          <a:off x="0" y="0"/>
-          <a:ext cx="0" cy="0"/>
-          <a:chOff x="0" y="0"/>
-          <a:chExt cx="0" cy="0"/>
-        </a:xfrm>
-      </p:grpSpPr>
-      <p:pic>
-        <p:nvPicPr>
-          <p:cNvPr id="78" name="Google Shape;78;p2"/>
-          <p:cNvPicPr preferRelativeResize="0"/>
-          <p:nvPr/>
-        </p:nvPicPr>
-        <p:blipFill rotWithShape="1">
-          <a:blip r:embed="rId1"/>
-          <a:srcRect/>
-          <a:stretch>
-            <a:fillRect/>
-          </a:stretch>
-        </p:blipFill>
-        <p:spPr>
-          <a:xfrm>
-            <a:off x="0" y="0"/>
-            <a:ext cx="9144000" cy="697865"/>
-          </a:xfrm>
-          <a:prstGeom prst="rect">
-            <a:avLst/>
-          </a:prstGeom>
-          <a:noFill/>
-          <a:ln>
-            <a:noFill/>
-          </a:ln>
-        </p:spPr>
-      </p:pic>
-      <p:sp>
-        <p:nvSpPr>
-          <p:cNvPr id="79" name="Google Shape;79;p2"/>
-          <p:cNvSpPr txBox="1">
-            <a:spLocks noGrp="1"/>
-          </p:cNvSpPr>
-          <p:nvPr>
-            <p:ph type="title"/>
-          </p:nvPr>
-        </p:nvSpPr>
-        <p:spPr>
-          <a:xfrm>
-            <a:off x="0" y="-76"/>
-            <a:ext cx="7421963" cy="775252"/>
-          </a:xfrm>
-          <a:prstGeom prst="rect">
-            <a:avLst/>
-          </a:prstGeom>
-          <a:noFill/>
-          <a:ln>
-            <a:noFill/>
-          </a:ln>
-        </p:spPr>
-        <p:txBody>
-          <a:bodyPr spcFirstLastPara="1" wrap="square" lIns="68575" tIns="34275" rIns="68575" bIns="34275" anchor="ctr" anchorCtr="0">
-            <a:normAutofit/>
-          </a:bodyPr>
-          <a:lstStyle/>
-          <a:p>
-            <a:pPr marL="0" lvl="0" indent="0" algn="l" rtl="0">
-              <a:lnSpc>
-                <a:spcPct val="90000"/>
-              </a:lnSpc>
-              <a:spcBef>
-                <a:spcPts val="0"/>
-              </a:spcBef>
-              <a:spcAft>
-                <a:spcPts val="0"/>
-              </a:spcAft>
-              <a:buClr>
-                <a:schemeClr val="dk1"/>
-              </a:buClr>
-              <a:buSzPts val="1400"/>
-              <a:buNone/>
-            </a:pPr>
-            <a:r>
-              <a:rPr lang="en-US" altLang="zh-CN" sz="3600" b="1" dirty="0">
-                <a:solidFill>
-                  <a:schemeClr val="bg1"/>
-                </a:solidFill>
-              </a:rPr>
-              <a:t>Result-baseline </a:t>
-            </a:r>
-            <a:endParaRPr lang="en-US" altLang="zh-CN" sz="3600" b="1" dirty="0">
-              <a:solidFill>
-                <a:schemeClr val="bg1"/>
-              </a:solidFill>
-              <a:ea typeface="宋体" panose="02010600030101010101" pitchFamily="2" charset="-122"/>
-            </a:endParaRPr>
-          </a:p>
-        </p:txBody>
-      </p:sp>
-      <p:pic>
-        <p:nvPicPr>
-          <p:cNvPr id="7" name="图片 3" descr="IMG_256"/>
-          <p:cNvPicPr>
-            <a:picLocks noChangeAspect="1"/>
-          </p:cNvPicPr>
-          <p:nvPr/>
-        </p:nvPicPr>
-        <p:blipFill>
-          <a:blip r:embed="rId2"/>
-          <a:stretch>
-            <a:fillRect/>
-          </a:stretch>
-        </p:blipFill>
-        <p:spPr>
-          <a:xfrm>
-            <a:off x="109855" y="775335"/>
-            <a:ext cx="5779135" cy="2454910"/>
-          </a:xfrm>
-          <a:prstGeom prst="rect">
-            <a:avLst/>
-          </a:prstGeom>
-          <a:noFill/>
-          <a:ln w="9525">
-            <a:noFill/>
-          </a:ln>
-        </p:spPr>
-      </p:pic>
-      <p:sp>
-        <p:nvSpPr>
-          <p:cNvPr id="10" name="文本框 9"/>
-          <p:cNvSpPr txBox="1"/>
-          <p:nvPr/>
-        </p:nvSpPr>
-        <p:spPr>
-          <a:xfrm>
-            <a:off x="4013835" y="895350"/>
-            <a:ext cx="4855845" cy="521970"/>
-          </a:xfrm>
-          <a:prstGeom prst="rect">
-            <a:avLst/>
-          </a:prstGeom>
-          <a:solidFill>
-            <a:schemeClr val="accent3">
-              <a:lumMod val="75000"/>
-            </a:schemeClr>
-          </a:solidFill>
-        </p:spPr>
-        <p:txBody>
-          <a:bodyPr wrap="square" rtlCol="0" anchor="t">
-            <a:spAutoFit/>
-          </a:bodyPr>
-          <a:p>
-            <a:r>
-              <a:rPr lang="en-US" altLang="zh-CN" sz="2800" b="1">
-                <a:solidFill>
-                  <a:schemeClr val="bg1"/>
-                </a:solidFill>
-              </a:rPr>
-              <a:t>CLOSED questiosn </a:t>
-            </a:r>
-            <a:r>
-              <a:rPr lang="en-US" altLang="zh-CN" sz="2800" b="1">
-                <a:solidFill>
-                  <a:schemeClr val="bg1"/>
-                </a:solidFill>
-                <a:sym typeface="+mn-ea"/>
-              </a:rPr>
-              <a:t>better </a:t>
-            </a:r>
-            <a:endParaRPr lang="en-US" altLang="zh-CN" sz="2800" b="1">
-              <a:solidFill>
-                <a:schemeClr val="bg1"/>
-              </a:solidFill>
-            </a:endParaRPr>
-          </a:p>
-        </p:txBody>
-      </p:sp>
-      <p:cxnSp>
-        <p:nvCxnSpPr>
-          <p:cNvPr id="3" name="直接箭头连接符 2"/>
-          <p:cNvCxnSpPr/>
-          <p:nvPr/>
-        </p:nvCxnSpPr>
-        <p:spPr>
-          <a:xfrm flipH="1">
-            <a:off x="1139190" y="1266190"/>
-            <a:ext cx="379730" cy="676910"/>
-          </a:xfrm>
-          <a:prstGeom prst="straightConnector1">
-            <a:avLst/>
-          </a:prstGeom>
-          <a:ln>
-            <a:solidFill>
-              <a:schemeClr val="accent3">
-                <a:lumMod val="75000"/>
-              </a:schemeClr>
-            </a:solidFill>
-            <a:tailEnd type="arrow" w="med" len="med"/>
-          </a:ln>
-        </p:spPr>
-        <p:style>
-          <a:lnRef idx="3">
-            <a:schemeClr val="accent1"/>
-          </a:lnRef>
-          <a:fillRef idx="0">
-            <a:srgbClr val="FFFFFF"/>
-          </a:fillRef>
-          <a:effectRef idx="0">
-            <a:srgbClr val="FFFFFF"/>
-          </a:effectRef>
-          <a:fontRef idx="minor">
-            <a:schemeClr val="tx1"/>
-          </a:fontRef>
-        </p:style>
-      </p:cxnSp>
-      <p:sp>
-        <p:nvSpPr>
-          <p:cNvPr id="17" name="文本框 16"/>
-          <p:cNvSpPr txBox="1"/>
-          <p:nvPr/>
-        </p:nvSpPr>
-        <p:spPr>
-          <a:xfrm>
-            <a:off x="4013835" y="1614805"/>
-            <a:ext cx="4855845" cy="521970"/>
-          </a:xfrm>
-          <a:prstGeom prst="rect">
-            <a:avLst/>
-          </a:prstGeom>
-          <a:solidFill>
-            <a:schemeClr val="accent4">
-              <a:lumMod val="75000"/>
-            </a:schemeClr>
-          </a:solidFill>
-          <a:ln>
-            <a:solidFill>
-              <a:schemeClr val="accent4">
-                <a:lumMod val="75000"/>
-              </a:schemeClr>
-            </a:solidFill>
-          </a:ln>
-        </p:spPr>
-        <p:txBody>
-          <a:bodyPr wrap="square" rtlCol="0" anchor="t">
-            <a:spAutoFit/>
-          </a:bodyPr>
-          <a:p>
-            <a:r>
-              <a:rPr lang="en-US" altLang="zh-CN" sz="2800" b="1">
-                <a:solidFill>
-                  <a:schemeClr val="bg1"/>
-                </a:solidFill>
-              </a:rPr>
-              <a:t>low generalization ability</a:t>
-            </a:r>
-            <a:endParaRPr lang="en-US" altLang="zh-CN" sz="2800" b="1">
-              <a:solidFill>
-                <a:schemeClr val="bg1"/>
-              </a:solidFill>
-            </a:endParaRPr>
-          </a:p>
-        </p:txBody>
-      </p:sp>
-      <p:cxnSp>
-        <p:nvCxnSpPr>
-          <p:cNvPr id="13" name="直接箭头连接符 12"/>
-          <p:cNvCxnSpPr/>
-          <p:nvPr/>
-        </p:nvCxnSpPr>
-        <p:spPr>
-          <a:xfrm>
-            <a:off x="4013835" y="2461895"/>
-            <a:ext cx="1778000" cy="11430"/>
-          </a:xfrm>
-          <a:prstGeom prst="straightConnector1">
-            <a:avLst/>
-          </a:prstGeom>
-          <a:ln>
-            <a:solidFill>
-              <a:schemeClr val="accent4">
-                <a:lumMod val="75000"/>
-              </a:schemeClr>
-            </a:solidFill>
-            <a:headEnd type="arrow" w="med" len="med"/>
-            <a:tailEnd type="arrow" w="med" len="med"/>
-          </a:ln>
-        </p:spPr>
-        <p:style>
-          <a:lnRef idx="3">
-            <a:schemeClr val="accent1"/>
-          </a:lnRef>
-          <a:fillRef idx="0">
-            <a:srgbClr val="FFFFFF"/>
-          </a:fillRef>
-          <a:effectRef idx="0">
-            <a:srgbClr val="FFFFFF"/>
-          </a:effectRef>
-          <a:fontRef idx="minor">
-            <a:schemeClr val="tx1"/>
-          </a:fontRef>
-        </p:style>
-      </p:cxnSp>
-    </p:spTree>
-  </p:cSld>
-  <p:clrMapOvr>
-    <a:masterClrMapping/>
-  </p:clrMapOvr>
-  <p:timing>
-    <p:tnLst>
-      <p:par>
-        <p:cTn id="1" dur="indefinite" restart="never" nodeType="tmRoot"/>
-      </p:par>
-    </p:tnLst>
-  </p:timing>
-</p:sld>
-</file>
-
-<file path=ppt/slides/slide16.xml><?xml version="1.0" encoding="utf-8"?>
 <p:sld xmlns:a="http://schemas.openxmlformats.org/drawingml/2006/main" xmlns:r="http://schemas.openxmlformats.org/officeDocument/2006/relationships" xmlns:p="http://schemas.openxmlformats.org/presentationml/2006/main">
   <p:cSld>
     <p:spTree>
@@ -22282,6 +27339,44 @@
 </p:tagLst>
 </file>
 
+<file path=ppt/tags/tag2.xml><?xml version="1.0" encoding="utf-8"?>
+<p:tagLst xmlns:p="http://schemas.openxmlformats.org/presentationml/2006/main">
+  <p:tag name="TABLE_ENDDRAG_ORIGIN_RECT" val="581*188"/>
+  <p:tag name="TABLE_ENDDRAG_RECT" val="44*219*581*188"/>
+</p:tagLst>
+</file>
+
+<file path=ppt/tags/tag3.xml><?xml version="1.0" encoding="utf-8"?>
+<p:tagLst xmlns:p="http://schemas.openxmlformats.org/presentationml/2006/main">
+  <p:tag name="TABLE_ENDDRAG_ORIGIN_RECT" val="705*120"/>
+  <p:tag name="TABLE_ENDDRAG_RECT" val="6*61*705*120"/>
+</p:tagLst>
+</file>
+
+<file path=ppt/tags/tag4.xml><?xml version="1.0" encoding="utf-8"?>
+<p:tagLst xmlns:p="http://schemas.openxmlformats.org/presentationml/2006/main">
+  <p:tag name="KSO_WM_DIAGRAM_VIRTUALLY_FRAME" val="{&quot;height&quot;:185.65,&quot;left&quot;:28.75,&quot;top&quot;:154.8,&quot;width&quot;:663.7}"/>
+</p:tagLst>
+</file>
+
+<file path=ppt/tags/tag5.xml><?xml version="1.0" encoding="utf-8"?>
+<p:tagLst xmlns:p="http://schemas.openxmlformats.org/presentationml/2006/main">
+  <p:tag name="KSO_WM_DIAGRAM_VIRTUALLY_FRAME" val="{&quot;height&quot;:185.65,&quot;left&quot;:28.75,&quot;top&quot;:154.8,&quot;width&quot;:663.7}"/>
+</p:tagLst>
+</file>
+
+<file path=ppt/tags/tag6.xml><?xml version="1.0" encoding="utf-8"?>
+<p:tagLst xmlns:p="http://schemas.openxmlformats.org/presentationml/2006/main">
+  <p:tag name="KSO_WM_DIAGRAM_VIRTUALLY_FRAME" val="{&quot;height&quot;:185.65,&quot;left&quot;:28.75,&quot;top&quot;:154.8,&quot;width&quot;:663.7}"/>
+</p:tagLst>
+</file>
+
+<file path=ppt/tags/tag7.xml><?xml version="1.0" encoding="utf-8"?>
+<p:tagLst xmlns:p="http://schemas.openxmlformats.org/presentationml/2006/main">
+  <p:tag name="KSO_WM_DIAGRAM_VIRTUALLY_FRAME" val="{&quot;height&quot;:185.65,&quot;left&quot;:28.75,&quot;top&quot;:154.8,&quot;width&quot;:663.7}"/>
+</p:tagLst>
+</file>
+
 <file path=ppt/theme/theme1.xml><?xml version="1.0" encoding="utf-8"?>
 <a:theme xmlns:a="http://schemas.openxmlformats.org/drawingml/2006/main" name="Office Theme">
   <a:themeElements>

--- a/Report Dir/WOX7001_assignment2_zouting(24201617).pptx
+++ b/Report Dir/WOX7001_assignment2_zouting(24201617).pptx
@@ -6,7 +6,7 @@
     <p:sldMasterId id="2147483650" r:id="rId2"/>
   </p:sldMasterIdLst>
   <p:notesMasterIdLst>
-    <p:notesMasterId r:id="rId19"/>
+    <p:notesMasterId r:id="rId20"/>
   </p:notesMasterIdLst>
   <p:sldIdLst>
     <p:sldId id="256" r:id="rId3"/>
@@ -22,9 +22,10 @@
     <p:sldId id="324" r:id="rId13"/>
     <p:sldId id="325" r:id="rId14"/>
     <p:sldId id="326" r:id="rId15"/>
-    <p:sldId id="328" r:id="rId16"/>
-    <p:sldId id="329" r:id="rId17"/>
-    <p:sldId id="296" r:id="rId18"/>
+    <p:sldId id="329" r:id="rId16"/>
+    <p:sldId id="333" r:id="rId17"/>
+    <p:sldId id="328" r:id="rId18"/>
+    <p:sldId id="296" r:id="rId19"/>
   </p:sldIdLst>
   <p:sldSz cx="9144000" cy="5143500" type="screen16x9"/>
   <p:notesSz cx="6858000" cy="9144000"/>
@@ -1083,11 +1084,818 @@
 </dgm:colorsDef>
 </file>
 
+<file path=ppt/diagrams/colors2.xml><?xml version="1.0" encoding="utf-8"?>
+<dgm:colorsDef xmlns:dgm="http://schemas.openxmlformats.org/drawingml/2006/diagram" xmlns:a="http://schemas.openxmlformats.org/drawingml/2006/main" uniqueId="urn:microsoft.com/office/officeart/2005/8/colors/accent5_1#1">
+  <dgm:title val=""/>
+  <dgm:desc val=""/>
+  <dgm:catLst>
+    <dgm:cat type="accent5" pri="11100"/>
+  </dgm:catLst>
+  <dgm:styleLbl name="alignAcc1">
+    <dgm:fillClrLst meth="repeat">
+      <a:schemeClr val="accent5">
+        <a:alpha val="90000"/>
+        <a:tint val="40000"/>
+      </a:schemeClr>
+    </dgm:fillClrLst>
+    <dgm:linClrLst meth="repeat">
+      <a:schemeClr val="accent5"/>
+    </dgm:linClrLst>
+    <dgm:effectClrLst/>
+    <dgm:txLinClrLst/>
+    <dgm:txFillClrLst meth="repeat">
+      <a:schemeClr val="dk1"/>
+    </dgm:txFillClrLst>
+    <dgm:txEffectClrLst/>
+  </dgm:styleLbl>
+  <dgm:styleLbl name="alignAccFollowNode1">
+    <dgm:fillClrLst meth="repeat">
+      <a:schemeClr val="lt1">
+        <a:alpha val="90000"/>
+        <a:tint val="40000"/>
+      </a:schemeClr>
+    </dgm:fillClrLst>
+    <dgm:linClrLst meth="repeat">
+      <a:schemeClr val="accent5">
+        <a:alpha val="90000"/>
+      </a:schemeClr>
+    </dgm:linClrLst>
+    <dgm:effectClrLst/>
+    <dgm:txLinClrLst/>
+    <dgm:txFillClrLst meth="repeat">
+      <a:schemeClr val="dk1"/>
+    </dgm:txFillClrLst>
+    <dgm:txEffectClrLst/>
+  </dgm:styleLbl>
+  <dgm:styleLbl name="alignImgPlace1">
+    <dgm:fillClrLst meth="repeat">
+      <a:schemeClr val="accent5">
+        <a:tint val="40000"/>
+      </a:schemeClr>
+    </dgm:fillClrLst>
+    <dgm:linClrLst meth="repeat">
+      <a:schemeClr val="accent5">
+        <a:shade val="80000"/>
+      </a:schemeClr>
+    </dgm:linClrLst>
+    <dgm:effectClrLst/>
+    <dgm:txLinClrLst/>
+    <dgm:txFillClrLst meth="repeat">
+      <a:schemeClr val="lt1"/>
+    </dgm:txFillClrLst>
+    <dgm:txEffectClrLst/>
+  </dgm:styleLbl>
+  <dgm:styleLbl name="alignNode1">
+    <dgm:fillClrLst meth="repeat">
+      <a:schemeClr val="lt1"/>
+    </dgm:fillClrLst>
+    <dgm:linClrLst meth="repeat">
+      <a:schemeClr val="accent5">
+        <a:shade val="80000"/>
+      </a:schemeClr>
+    </dgm:linClrLst>
+    <dgm:effectClrLst/>
+    <dgm:txLinClrLst/>
+    <dgm:txFillClrLst meth="repeat">
+      <a:schemeClr val="dk1"/>
+    </dgm:txFillClrLst>
+    <dgm:txEffectClrLst/>
+  </dgm:styleLbl>
+  <dgm:styleLbl name="asst0">
+    <dgm:fillClrLst meth="repeat">
+      <a:schemeClr val="lt1"/>
+    </dgm:fillClrLst>
+    <dgm:linClrLst meth="repeat">
+      <a:schemeClr val="accent5">
+        <a:shade val="80000"/>
+      </a:schemeClr>
+    </dgm:linClrLst>
+    <dgm:effectClrLst/>
+    <dgm:txLinClrLst/>
+    <dgm:txFillClrLst meth="repeat">
+      <a:schemeClr val="dk1"/>
+    </dgm:txFillClrLst>
+    <dgm:txEffectClrLst/>
+  </dgm:styleLbl>
+  <dgm:styleLbl name="asst1">
+    <dgm:fillClrLst meth="repeat">
+      <a:schemeClr val="lt1"/>
+    </dgm:fillClrLst>
+    <dgm:linClrLst meth="repeat">
+      <a:schemeClr val="accent5">
+        <a:shade val="80000"/>
+      </a:schemeClr>
+    </dgm:linClrLst>
+    <dgm:effectClrLst/>
+    <dgm:txLinClrLst/>
+    <dgm:txFillClrLst meth="repeat">
+      <a:schemeClr val="dk1"/>
+    </dgm:txFillClrLst>
+    <dgm:txEffectClrLst/>
+  </dgm:styleLbl>
+  <dgm:styleLbl name="asst2">
+    <dgm:fillClrLst meth="repeat">
+      <a:schemeClr val="lt1"/>
+    </dgm:fillClrLst>
+    <dgm:linClrLst meth="repeat">
+      <a:schemeClr val="accent5">
+        <a:shade val="80000"/>
+      </a:schemeClr>
+    </dgm:linClrLst>
+    <dgm:effectClrLst/>
+    <dgm:txLinClrLst/>
+    <dgm:txFillClrLst meth="repeat">
+      <a:schemeClr val="dk1"/>
+    </dgm:txFillClrLst>
+    <dgm:txEffectClrLst/>
+  </dgm:styleLbl>
+  <dgm:styleLbl name="asst3">
+    <dgm:fillClrLst meth="repeat">
+      <a:schemeClr val="lt1"/>
+    </dgm:fillClrLst>
+    <dgm:linClrLst meth="repeat">
+      <a:schemeClr val="accent5">
+        <a:shade val="80000"/>
+      </a:schemeClr>
+    </dgm:linClrLst>
+    <dgm:effectClrLst/>
+    <dgm:txLinClrLst/>
+    <dgm:txFillClrLst meth="repeat">
+      <a:schemeClr val="dk1"/>
+    </dgm:txFillClrLst>
+    <dgm:txEffectClrLst/>
+  </dgm:styleLbl>
+  <dgm:styleLbl name="asst4">
+    <dgm:fillClrLst meth="repeat">
+      <a:schemeClr val="lt1"/>
+    </dgm:fillClrLst>
+    <dgm:linClrLst meth="repeat">
+      <a:schemeClr val="accent5">
+        <a:shade val="80000"/>
+      </a:schemeClr>
+    </dgm:linClrLst>
+    <dgm:effectClrLst/>
+    <dgm:txLinClrLst/>
+    <dgm:txFillClrLst meth="repeat">
+      <a:schemeClr val="dk1"/>
+    </dgm:txFillClrLst>
+    <dgm:txEffectClrLst/>
+  </dgm:styleLbl>
+  <dgm:styleLbl name="bgAcc1">
+    <dgm:fillClrLst meth="repeat">
+      <a:schemeClr val="accent5">
+        <a:alpha val="90000"/>
+        <a:tint val="40000"/>
+      </a:schemeClr>
+    </dgm:fillClrLst>
+    <dgm:linClrLst meth="repeat">
+      <a:schemeClr val="accent5"/>
+    </dgm:linClrLst>
+    <dgm:effectClrLst/>
+    <dgm:txLinClrLst/>
+    <dgm:txFillClrLst meth="repeat">
+      <a:schemeClr val="dk1"/>
+    </dgm:txFillClrLst>
+    <dgm:txEffectClrLst/>
+  </dgm:styleLbl>
+  <dgm:styleLbl name="bgAccFollowNode1">
+    <dgm:fillClrLst meth="repeat">
+      <a:schemeClr val="lt1">
+        <a:alpha val="90000"/>
+        <a:tint val="40000"/>
+      </a:schemeClr>
+    </dgm:fillClrLst>
+    <dgm:linClrLst meth="repeat">
+      <a:schemeClr val="accent5">
+        <a:alpha val="90000"/>
+      </a:schemeClr>
+    </dgm:linClrLst>
+    <dgm:effectClrLst/>
+    <dgm:txLinClrLst/>
+    <dgm:txFillClrLst meth="repeat">
+      <a:schemeClr val="dk1"/>
+    </dgm:txFillClrLst>
+    <dgm:txEffectClrLst/>
+  </dgm:styleLbl>
+  <dgm:styleLbl name="bgImgPlace1">
+    <dgm:fillClrLst meth="repeat">
+      <a:schemeClr val="accent5">
+        <a:tint val="40000"/>
+      </a:schemeClr>
+    </dgm:fillClrLst>
+    <dgm:linClrLst meth="repeat">
+      <a:schemeClr val="accent5">
+        <a:shade val="80000"/>
+      </a:schemeClr>
+    </dgm:linClrLst>
+    <dgm:effectClrLst/>
+    <dgm:txLinClrLst/>
+    <dgm:txFillClrLst meth="repeat">
+      <a:schemeClr val="lt1"/>
+    </dgm:txFillClrLst>
+    <dgm:txEffectClrLst/>
+  </dgm:styleLbl>
+  <dgm:styleLbl name="bgShp">
+    <dgm:fillClrLst meth="repeat">
+      <a:schemeClr val="accent5">
+        <a:tint val="40000"/>
+      </a:schemeClr>
+    </dgm:fillClrLst>
+    <dgm:linClrLst meth="repeat">
+      <a:schemeClr val="accent5"/>
+    </dgm:linClrLst>
+    <dgm:effectClrLst/>
+    <dgm:txLinClrLst/>
+    <dgm:txFillClrLst meth="repeat">
+      <a:schemeClr val="dk1"/>
+    </dgm:txFillClrLst>
+    <dgm:txEffectClrLst/>
+  </dgm:styleLbl>
+  <dgm:styleLbl name="bgSibTrans2D1">
+    <dgm:fillClrLst meth="repeat">
+      <a:schemeClr val="accent5">
+        <a:tint val="60000"/>
+      </a:schemeClr>
+    </dgm:fillClrLst>
+    <dgm:linClrLst meth="repeat">
+      <a:schemeClr val="accent5">
+        <a:tint val="60000"/>
+      </a:schemeClr>
+    </dgm:linClrLst>
+    <dgm:effectClrLst/>
+    <dgm:txLinClrLst/>
+    <dgm:txFillClrLst meth="repeat">
+      <a:schemeClr val="dk1"/>
+    </dgm:txFillClrLst>
+    <dgm:txEffectClrLst/>
+  </dgm:styleLbl>
+  <dgm:styleLbl name="callout">
+    <dgm:fillClrLst meth="repeat">
+      <a:schemeClr val="accent5"/>
+    </dgm:fillClrLst>
+    <dgm:linClrLst meth="repeat">
+      <a:schemeClr val="accent5"/>
+    </dgm:linClrLst>
+    <dgm:effectClrLst/>
+    <dgm:txLinClrLst/>
+    <dgm:txFillClrLst meth="repeat">
+      <a:schemeClr val="tx1"/>
+    </dgm:txFillClrLst>
+    <dgm:txEffectClrLst/>
+  </dgm:styleLbl>
+  <dgm:styleLbl name="conFgAcc1">
+    <dgm:fillClrLst meth="repeat">
+      <a:schemeClr val="accent5">
+        <a:alpha val="90000"/>
+        <a:tint val="40000"/>
+      </a:schemeClr>
+    </dgm:fillClrLst>
+    <dgm:linClrLst meth="repeat">
+      <a:schemeClr val="accent5"/>
+    </dgm:linClrLst>
+    <dgm:effectClrLst/>
+    <dgm:txLinClrLst/>
+    <dgm:txFillClrLst meth="repeat">
+      <a:schemeClr val="dk1"/>
+    </dgm:txFillClrLst>
+    <dgm:txEffectClrLst/>
+  </dgm:styleLbl>
+  <dgm:styleLbl name="dkBgShp">
+    <dgm:fillClrLst meth="repeat">
+      <a:schemeClr val="accent5">
+        <a:shade val="80000"/>
+      </a:schemeClr>
+    </dgm:fillClrLst>
+    <dgm:linClrLst meth="repeat">
+      <a:schemeClr val="accent5"/>
+    </dgm:linClrLst>
+    <dgm:effectClrLst/>
+    <dgm:txLinClrLst/>
+    <dgm:txFillClrLst meth="repeat">
+      <a:schemeClr val="lt1"/>
+    </dgm:txFillClrLst>
+    <dgm:txEffectClrLst/>
+  </dgm:styleLbl>
+  <dgm:styleLbl name="fgAcc0">
+    <dgm:fillClrLst meth="repeat">
+      <a:schemeClr val="accent5">
+        <a:alpha val="90000"/>
+        <a:tint val="40000"/>
+      </a:schemeClr>
+    </dgm:fillClrLst>
+    <dgm:linClrLst meth="repeat">
+      <a:schemeClr val="accent5"/>
+    </dgm:linClrLst>
+    <dgm:effectClrLst/>
+    <dgm:txLinClrLst/>
+    <dgm:txFillClrLst meth="repeat">
+      <a:schemeClr val="dk1"/>
+    </dgm:txFillClrLst>
+    <dgm:txEffectClrLst/>
+  </dgm:styleLbl>
+  <dgm:styleLbl name="fgAcc1">
+    <dgm:fillClrLst meth="repeat">
+      <a:schemeClr val="accent5">
+        <a:alpha val="90000"/>
+        <a:tint val="40000"/>
+      </a:schemeClr>
+    </dgm:fillClrLst>
+    <dgm:linClrLst meth="repeat">
+      <a:schemeClr val="accent5"/>
+    </dgm:linClrLst>
+    <dgm:effectClrLst/>
+    <dgm:txLinClrLst/>
+    <dgm:txFillClrLst meth="repeat">
+      <a:schemeClr val="dk1"/>
+    </dgm:txFillClrLst>
+    <dgm:txEffectClrLst/>
+  </dgm:styleLbl>
+  <dgm:styleLbl name="fgAcc2">
+    <dgm:fillClrLst meth="repeat">
+      <a:schemeClr val="accent5">
+        <a:alpha val="90000"/>
+        <a:tint val="40000"/>
+      </a:schemeClr>
+    </dgm:fillClrLst>
+    <dgm:linClrLst meth="repeat">
+      <a:schemeClr val="accent5"/>
+    </dgm:linClrLst>
+    <dgm:effectClrLst/>
+    <dgm:txLinClrLst/>
+    <dgm:txFillClrLst meth="repeat">
+      <a:schemeClr val="dk1"/>
+    </dgm:txFillClrLst>
+    <dgm:txEffectClrLst/>
+  </dgm:styleLbl>
+  <dgm:styleLbl name="fgAcc3">
+    <dgm:fillClrLst meth="repeat">
+      <a:schemeClr val="accent5">
+        <a:alpha val="90000"/>
+        <a:tint val="40000"/>
+      </a:schemeClr>
+    </dgm:fillClrLst>
+    <dgm:linClrLst meth="repeat">
+      <a:schemeClr val="accent5"/>
+    </dgm:linClrLst>
+    <dgm:effectClrLst/>
+    <dgm:txLinClrLst/>
+    <dgm:txFillClrLst meth="repeat">
+      <a:schemeClr val="dk1"/>
+    </dgm:txFillClrLst>
+    <dgm:txEffectClrLst/>
+  </dgm:styleLbl>
+  <dgm:styleLbl name="fgAcc4">
+    <dgm:fillClrLst meth="repeat">
+      <a:schemeClr val="accent5">
+        <a:alpha val="90000"/>
+        <a:tint val="40000"/>
+      </a:schemeClr>
+    </dgm:fillClrLst>
+    <dgm:linClrLst meth="repeat">
+      <a:schemeClr val="accent5"/>
+    </dgm:linClrLst>
+    <dgm:effectClrLst/>
+    <dgm:txLinClrLst/>
+    <dgm:txFillClrLst meth="repeat">
+      <a:schemeClr val="dk1"/>
+    </dgm:txFillClrLst>
+    <dgm:txEffectClrLst/>
+  </dgm:styleLbl>
+  <dgm:styleLbl name="fgAccFollowNode1">
+    <dgm:fillClrLst meth="repeat">
+      <a:schemeClr val="lt1">
+        <a:alpha val="90000"/>
+        <a:tint val="40000"/>
+      </a:schemeClr>
+    </dgm:fillClrLst>
+    <dgm:linClrLst meth="repeat">
+      <a:schemeClr val="accent5">
+        <a:alpha val="90000"/>
+      </a:schemeClr>
+    </dgm:linClrLst>
+    <dgm:effectClrLst/>
+    <dgm:txLinClrLst/>
+    <dgm:txFillClrLst meth="repeat">
+      <a:schemeClr val="dk1"/>
+    </dgm:txFillClrLst>
+    <dgm:txEffectClrLst/>
+  </dgm:styleLbl>
+  <dgm:styleLbl name="fgImgPlace1">
+    <dgm:fillClrLst meth="repeat">
+      <a:schemeClr val="accent5">
+        <a:tint val="40000"/>
+      </a:schemeClr>
+    </dgm:fillClrLst>
+    <dgm:linClrLst meth="repeat">
+      <a:schemeClr val="accent5">
+        <a:shade val="80000"/>
+      </a:schemeClr>
+    </dgm:linClrLst>
+    <dgm:effectClrLst/>
+    <dgm:txLinClrLst/>
+    <dgm:txFillClrLst meth="repeat">
+      <a:schemeClr val="lt1"/>
+    </dgm:txFillClrLst>
+    <dgm:txEffectClrLst/>
+  </dgm:styleLbl>
+  <dgm:styleLbl name="fgShp">
+    <dgm:fillClrLst meth="repeat">
+      <a:schemeClr val="accent5">
+        <a:tint val="60000"/>
+      </a:schemeClr>
+    </dgm:fillClrLst>
+    <dgm:linClrLst meth="repeat">
+      <a:schemeClr val="lt1"/>
+    </dgm:linClrLst>
+    <dgm:effectClrLst/>
+    <dgm:txLinClrLst/>
+    <dgm:txFillClrLst meth="repeat">
+      <a:schemeClr val="dk1"/>
+    </dgm:txFillClrLst>
+    <dgm:txEffectClrLst/>
+  </dgm:styleLbl>
+  <dgm:styleLbl name="fgSibTrans2D1">
+    <dgm:fillClrLst meth="repeat">
+      <a:schemeClr val="accent5">
+        <a:tint val="60000"/>
+      </a:schemeClr>
+    </dgm:fillClrLst>
+    <dgm:linClrLst meth="repeat">
+      <a:schemeClr val="accent5">
+        <a:tint val="60000"/>
+      </a:schemeClr>
+    </dgm:linClrLst>
+    <dgm:effectClrLst/>
+    <dgm:txLinClrLst/>
+    <dgm:txFillClrLst meth="repeat">
+      <a:schemeClr val="dk1"/>
+    </dgm:txFillClrLst>
+    <dgm:txEffectClrLst/>
+  </dgm:styleLbl>
+  <dgm:styleLbl name="lnNode1">
+    <dgm:fillClrLst meth="repeat">
+      <a:schemeClr val="lt1"/>
+    </dgm:fillClrLst>
+    <dgm:linClrLst meth="repeat">
+      <a:schemeClr val="accent5">
+        <a:shade val="80000"/>
+      </a:schemeClr>
+    </dgm:linClrLst>
+    <dgm:effectClrLst/>
+    <dgm:txLinClrLst/>
+    <dgm:txFillClrLst meth="repeat">
+      <a:schemeClr val="dk1"/>
+    </dgm:txFillClrLst>
+    <dgm:txEffectClrLst/>
+  </dgm:styleLbl>
+  <dgm:styleLbl name="node0">
+    <dgm:fillClrLst meth="repeat">
+      <a:schemeClr val="lt1"/>
+    </dgm:fillClrLst>
+    <dgm:linClrLst meth="repeat">
+      <a:schemeClr val="accent5">
+        <a:shade val="80000"/>
+      </a:schemeClr>
+    </dgm:linClrLst>
+    <dgm:effectClrLst/>
+    <dgm:txLinClrLst/>
+    <dgm:txFillClrLst meth="repeat">
+      <a:schemeClr val="dk1"/>
+    </dgm:txFillClrLst>
+    <dgm:txEffectClrLst/>
+  </dgm:styleLbl>
+  <dgm:styleLbl name="node1">
+    <dgm:fillClrLst meth="repeat">
+      <a:schemeClr val="lt1"/>
+    </dgm:fillClrLst>
+    <dgm:linClrLst meth="repeat">
+      <a:schemeClr val="accent5">
+        <a:shade val="80000"/>
+      </a:schemeClr>
+    </dgm:linClrLst>
+    <dgm:effectClrLst/>
+    <dgm:txLinClrLst/>
+    <dgm:txFillClrLst meth="repeat">
+      <a:schemeClr val="dk1"/>
+    </dgm:txFillClrLst>
+    <dgm:txEffectClrLst/>
+  </dgm:styleLbl>
+  <dgm:styleLbl name="node2">
+    <dgm:fillClrLst meth="repeat">
+      <a:schemeClr val="lt1"/>
+    </dgm:fillClrLst>
+    <dgm:linClrLst meth="repeat">
+      <a:schemeClr val="accent5">
+        <a:shade val="80000"/>
+      </a:schemeClr>
+    </dgm:linClrLst>
+    <dgm:effectClrLst/>
+    <dgm:txLinClrLst/>
+    <dgm:txFillClrLst meth="repeat">
+      <a:schemeClr val="dk1"/>
+    </dgm:txFillClrLst>
+    <dgm:txEffectClrLst/>
+  </dgm:styleLbl>
+  <dgm:styleLbl name="node3">
+    <dgm:fillClrLst meth="repeat">
+      <a:schemeClr val="lt1"/>
+    </dgm:fillClrLst>
+    <dgm:linClrLst meth="repeat">
+      <a:schemeClr val="accent5">
+        <a:shade val="80000"/>
+      </a:schemeClr>
+    </dgm:linClrLst>
+    <dgm:effectClrLst/>
+    <dgm:txLinClrLst/>
+    <dgm:txFillClrLst meth="repeat">
+      <a:schemeClr val="dk1"/>
+    </dgm:txFillClrLst>
+    <dgm:txEffectClrLst/>
+  </dgm:styleLbl>
+  <dgm:styleLbl name="node4">
+    <dgm:fillClrLst meth="repeat">
+      <a:schemeClr val="lt1"/>
+    </dgm:fillClrLst>
+    <dgm:linClrLst meth="repeat">
+      <a:schemeClr val="accent5">
+        <a:shade val="80000"/>
+      </a:schemeClr>
+    </dgm:linClrLst>
+    <dgm:effectClrLst/>
+    <dgm:txLinClrLst/>
+    <dgm:txFillClrLst meth="repeat">
+      <a:schemeClr val="dk1"/>
+    </dgm:txFillClrLst>
+    <dgm:txEffectClrLst/>
+  </dgm:styleLbl>
+  <dgm:styleLbl name="parChTrans1D1">
+    <dgm:fillClrLst meth="repeat">
+      <a:schemeClr val="accent5"/>
+    </dgm:fillClrLst>
+    <dgm:linClrLst meth="repeat">
+      <a:schemeClr val="accent5">
+        <a:shade val="60000"/>
+      </a:schemeClr>
+    </dgm:linClrLst>
+    <dgm:effectClrLst/>
+    <dgm:txLinClrLst/>
+    <dgm:txFillClrLst meth="repeat">
+      <a:schemeClr val="tx1"/>
+    </dgm:txFillClrLst>
+    <dgm:txEffectClrLst/>
+  </dgm:styleLbl>
+  <dgm:styleLbl name="parChTrans1D2">
+    <dgm:fillClrLst meth="repeat">
+      <a:schemeClr val="accent5"/>
+    </dgm:fillClrLst>
+    <dgm:linClrLst meth="repeat">
+      <a:schemeClr val="accent5">
+        <a:shade val="60000"/>
+      </a:schemeClr>
+    </dgm:linClrLst>
+    <dgm:effectClrLst/>
+    <dgm:txLinClrLst/>
+    <dgm:txFillClrLst meth="repeat">
+      <a:schemeClr val="tx1"/>
+    </dgm:txFillClrLst>
+    <dgm:txEffectClrLst/>
+  </dgm:styleLbl>
+  <dgm:styleLbl name="parChTrans1D3">
+    <dgm:fillClrLst meth="repeat">
+      <a:schemeClr val="accent5"/>
+    </dgm:fillClrLst>
+    <dgm:linClrLst meth="repeat">
+      <a:schemeClr val="accent5">
+        <a:shade val="80000"/>
+      </a:schemeClr>
+    </dgm:linClrLst>
+    <dgm:effectClrLst/>
+    <dgm:txLinClrLst/>
+    <dgm:txFillClrLst meth="repeat">
+      <a:schemeClr val="tx1"/>
+    </dgm:txFillClrLst>
+    <dgm:txEffectClrLst/>
+  </dgm:styleLbl>
+  <dgm:styleLbl name="parChTrans1D4">
+    <dgm:fillClrLst meth="repeat">
+      <a:schemeClr val="accent5"/>
+    </dgm:fillClrLst>
+    <dgm:linClrLst meth="repeat">
+      <a:schemeClr val="accent5">
+        <a:shade val="80000"/>
+      </a:schemeClr>
+    </dgm:linClrLst>
+    <dgm:effectClrLst/>
+    <dgm:txLinClrLst/>
+    <dgm:txFillClrLst meth="repeat">
+      <a:schemeClr val="tx1"/>
+    </dgm:txFillClrLst>
+    <dgm:txEffectClrLst/>
+  </dgm:styleLbl>
+  <dgm:styleLbl name="parChTrans2D1">
+    <dgm:fillClrLst meth="repeat">
+      <a:schemeClr val="accent5">
+        <a:tint val="60000"/>
+      </a:schemeClr>
+    </dgm:fillClrLst>
+    <dgm:linClrLst meth="repeat">
+      <a:schemeClr val="accent5">
+        <a:tint val="60000"/>
+      </a:schemeClr>
+    </dgm:linClrLst>
+    <dgm:effectClrLst/>
+    <dgm:txLinClrLst/>
+    <dgm:txFillClrLst/>
+    <dgm:txEffectClrLst/>
+  </dgm:styleLbl>
+  <dgm:styleLbl name="parChTrans2D2">
+    <dgm:fillClrLst meth="repeat">
+      <a:schemeClr val="accent5"/>
+    </dgm:fillClrLst>
+    <dgm:linClrLst meth="repeat">
+      <a:schemeClr val="accent5"/>
+    </dgm:linClrLst>
+    <dgm:effectClrLst/>
+    <dgm:txLinClrLst/>
+    <dgm:txFillClrLst/>
+    <dgm:txEffectClrLst/>
+  </dgm:styleLbl>
+  <dgm:styleLbl name="parChTrans2D3">
+    <dgm:fillClrLst meth="repeat">
+      <a:schemeClr val="accent5"/>
+    </dgm:fillClrLst>
+    <dgm:linClrLst meth="repeat">
+      <a:schemeClr val="accent5"/>
+    </dgm:linClrLst>
+    <dgm:effectClrLst/>
+    <dgm:txLinClrLst/>
+    <dgm:txFillClrLst/>
+    <dgm:txEffectClrLst/>
+  </dgm:styleLbl>
+  <dgm:styleLbl name="parChTrans2D4">
+    <dgm:fillClrLst meth="repeat">
+      <a:schemeClr val="accent5"/>
+    </dgm:fillClrLst>
+    <dgm:linClrLst meth="repeat">
+      <a:schemeClr val="accent5"/>
+    </dgm:linClrLst>
+    <dgm:effectClrLst/>
+    <dgm:txLinClrLst/>
+    <dgm:txFillClrLst meth="repeat">
+      <a:schemeClr val="lt1"/>
+    </dgm:txFillClrLst>
+    <dgm:txEffectClrLst/>
+  </dgm:styleLbl>
+  <dgm:styleLbl name="revTx">
+    <dgm:fillClrLst meth="repeat">
+      <a:schemeClr val="lt1">
+        <a:alpha val="0"/>
+      </a:schemeClr>
+    </dgm:fillClrLst>
+    <dgm:linClrLst meth="repeat">
+      <a:schemeClr val="dk1">
+        <a:alpha val="0"/>
+      </a:schemeClr>
+    </dgm:linClrLst>
+    <dgm:effectClrLst/>
+    <dgm:txLinClrLst/>
+    <dgm:txFillClrLst meth="repeat">
+      <a:schemeClr val="tx1"/>
+    </dgm:txFillClrLst>
+    <dgm:txEffectClrLst/>
+  </dgm:styleLbl>
+  <dgm:styleLbl name="sibTrans1D1">
+    <dgm:fillClrLst meth="repeat">
+      <a:schemeClr val="accent5"/>
+    </dgm:fillClrLst>
+    <dgm:linClrLst meth="repeat">
+      <a:schemeClr val="accent5"/>
+    </dgm:linClrLst>
+    <dgm:effectClrLst/>
+    <dgm:txLinClrLst/>
+    <dgm:txFillClrLst meth="repeat">
+      <a:schemeClr val="tx1"/>
+    </dgm:txFillClrLst>
+    <dgm:txEffectClrLst/>
+  </dgm:styleLbl>
+  <dgm:styleLbl name="sibTrans2D1">
+    <dgm:fillClrLst meth="repeat">
+      <a:schemeClr val="accent5">
+        <a:tint val="60000"/>
+      </a:schemeClr>
+    </dgm:fillClrLst>
+    <dgm:linClrLst meth="repeat">
+      <a:schemeClr val="accent5">
+        <a:tint val="60000"/>
+      </a:schemeClr>
+    </dgm:linClrLst>
+    <dgm:effectClrLst/>
+    <dgm:txLinClrLst/>
+    <dgm:txFillClrLst meth="repeat">
+      <a:schemeClr val="dk1"/>
+    </dgm:txFillClrLst>
+    <dgm:txEffectClrLst/>
+  </dgm:styleLbl>
+  <dgm:styleLbl name="solidAlignAcc1">
+    <dgm:fillClrLst meth="repeat">
+      <a:schemeClr val="lt1"/>
+    </dgm:fillClrLst>
+    <dgm:linClrLst meth="repeat">
+      <a:schemeClr val="accent5"/>
+    </dgm:linClrLst>
+    <dgm:effectClrLst/>
+    <dgm:txLinClrLst/>
+    <dgm:txFillClrLst meth="repeat">
+      <a:schemeClr val="dk1"/>
+    </dgm:txFillClrLst>
+    <dgm:txEffectClrLst/>
+  </dgm:styleLbl>
+  <dgm:styleLbl name="solidBgAcc1">
+    <dgm:fillClrLst meth="repeat">
+      <a:schemeClr val="lt1"/>
+    </dgm:fillClrLst>
+    <dgm:linClrLst meth="repeat">
+      <a:schemeClr val="accent5"/>
+    </dgm:linClrLst>
+    <dgm:effectClrLst/>
+    <dgm:txLinClrLst/>
+    <dgm:txFillClrLst meth="repeat">
+      <a:schemeClr val="dk1"/>
+    </dgm:txFillClrLst>
+    <dgm:txEffectClrLst/>
+  </dgm:styleLbl>
+  <dgm:styleLbl name="solidFgAcc1">
+    <dgm:fillClrLst meth="repeat">
+      <a:schemeClr val="lt1"/>
+    </dgm:fillClrLst>
+    <dgm:linClrLst meth="repeat">
+      <a:schemeClr val="accent5"/>
+    </dgm:linClrLst>
+    <dgm:effectClrLst/>
+    <dgm:txLinClrLst/>
+    <dgm:txFillClrLst meth="repeat">
+      <a:schemeClr val="dk1"/>
+    </dgm:txFillClrLst>
+    <dgm:txEffectClrLst/>
+  </dgm:styleLbl>
+  <dgm:styleLbl name="trAlignAcc1">
+    <dgm:fillClrLst meth="repeat">
+      <a:schemeClr val="accent5">
+        <a:alpha val="40000"/>
+        <a:tint val="40000"/>
+      </a:schemeClr>
+    </dgm:fillClrLst>
+    <dgm:linClrLst meth="repeat">
+      <a:schemeClr val="accent5"/>
+    </dgm:linClrLst>
+    <dgm:effectClrLst/>
+    <dgm:txLinClrLst/>
+    <dgm:txFillClrLst meth="repeat">
+      <a:schemeClr val="dk1"/>
+    </dgm:txFillClrLst>
+    <dgm:txEffectClrLst/>
+  </dgm:styleLbl>
+  <dgm:styleLbl name="trBgShp">
+    <dgm:fillClrLst meth="repeat">
+      <a:schemeClr val="accent5">
+        <a:tint val="50000"/>
+        <a:alpha val="40000"/>
+      </a:schemeClr>
+    </dgm:fillClrLst>
+    <dgm:linClrLst meth="repeat">
+      <a:schemeClr val="accent5"/>
+    </dgm:linClrLst>
+    <dgm:effectClrLst/>
+    <dgm:txLinClrLst/>
+    <dgm:txFillClrLst meth="repeat">
+      <a:schemeClr val="lt1"/>
+    </dgm:txFillClrLst>
+    <dgm:txEffectClrLst/>
+  </dgm:styleLbl>
+  <dgm:styleLbl name="vennNode1">
+    <dgm:fillClrLst meth="repeat">
+      <a:schemeClr val="lt1">
+        <a:alpha val="50000"/>
+      </a:schemeClr>
+    </dgm:fillClrLst>
+    <dgm:linClrLst meth="repeat">
+      <a:schemeClr val="accent5">
+        <a:shade val="80000"/>
+      </a:schemeClr>
+    </dgm:linClrLst>
+    <dgm:effectClrLst/>
+    <dgm:txLinClrLst/>
+    <dgm:txFillClrLst/>
+    <dgm:txEffectClrLst/>
+  </dgm:styleLbl>
+</dgm:colorsDef>
+</file>
+
 <file path=ppt/diagrams/data1.xml><?xml version="1.0" encoding="utf-8"?>
 <dgm:dataModel xmlns:dgm="http://schemas.openxmlformats.org/drawingml/2006/diagram" xmlns:a="http://schemas.openxmlformats.org/drawingml/2006/main">
   <dgm:ptLst>
     <dgm:pt modelId="{468FBB7B-694A-47BF-865D-2F44C1051453}" type="doc">
-      <dgm:prSet loTypeId="urn:microsoft.com/office/officeart/2005/8/layout/hList1" loCatId="list" qsTypeId="urn:microsoft.com/office/officeart/2005/8/quickstyle/simple5#1" qsCatId="simple" csTypeId="urn:microsoft.com/office/officeart/2005/8/colors/accent5_1#1" csCatId="accent1" phldr="0"/>
+      <dgm:prSet loTypeId="urn:microsoft.com/office/officeart/2005/8/layout/hList1" loCatId="list" qsTypeId="urn:microsoft.com/office/officeart/2005/8/quickstyle/simple5#1" qsCatId="simple" csTypeId="urn:microsoft.com/office/officeart/2005/8/colors/accent5_1#1" csCatId="accent1" phldr="1"/>
       <dgm:spPr/>
       <dgm:t>
         <a:bodyPr/>
@@ -1116,9 +1924,10 @@
             </a:spcAft>
           </a:pPr>
           <a:r>
-            <a:rPr lang="en-US" altLang="zh-CN" sz="1600" b="1"/>
-            <a:t>Advantages of Frozen Language Model</a:t>
+            <a:rPr lang="en-MY" sz="1800" b="1" dirty="0"/>
+            <a:t>Dataset scale </a:t>
           </a:r>
+          <a:endParaRPr lang="en-US" altLang="zh-CN" sz="1800" b="1" dirty="0"/>
         </a:p>
       </dgm:t>
     </dgm:pt>
@@ -1153,7 +1962,7 @@
         <a:p>
           <a:pPr>
             <a:lnSpc>
-              <a:spcPct val="100000"/>
+              <a:spcPct val="150000"/>
             </a:lnSpc>
             <a:spcBef>
               <a:spcPct val="0"/>
@@ -1163,9 +1972,10 @@
             </a:spcAft>
           </a:pPr>
           <a:r>
-            <a:rPr lang="en-US" altLang="zh-CN" sz="1600"/>
-            <a:t>Output Coherence</a:t>
+            <a:rPr lang="en-MY" sz="1600" dirty="0"/>
+            <a:t>Smaller than the Slake dataset</a:t>
           </a:r>
+          <a:endParaRPr lang="en-US" altLang="zh-CN" sz="1600" dirty="0"/>
         </a:p>
       </dgm:t>
     </dgm:pt>
@@ -1191,72 +2001,6 @@
         </a:p>
       </dgm:t>
     </dgm:pt>
-    <dgm:pt modelId="{C93C45F0-4C8C-43D9-A785-DB6B65DCBFBC}">
-      <dgm:prSet phldr="0" custT="1"/>
-      <dgm:spPr/>
-      <dgm:t>
-        <a:bodyPr vert="horz" wrap="square"/>
-        <a:lstStyle/>
-        <a:p>
-          <a:pPr>
-            <a:lnSpc>
-              <a:spcPct val="100000"/>
-            </a:lnSpc>
-            <a:spcBef>
-              <a:spcPct val="0"/>
-            </a:spcBef>
-            <a:spcAft>
-              <a:spcPct val="15000"/>
-            </a:spcAft>
-          </a:pPr>
-          <a:r>
-            <a:rPr lang="en-US" altLang="zh-CN" sz="1600"/>
-            <a:t>Term Consistency</a:t>
-          </a:r>
-        </a:p>
-      </dgm:t>
-    </dgm:pt>
-    <dgm:pt modelId="{955B3196-74BB-42A3-9F2E-5F44CEE7A6DB}" type="parTrans" cxnId="{0910F681-2DEF-4B32-85F6-AC0216A099EB}">
-      <dgm:prSet/>
-      <dgm:spPr/>
-    </dgm:pt>
-    <dgm:pt modelId="{C877797C-C9A9-44B4-9A03-86FAF0C56F55}" type="sibTrans" cxnId="{0910F681-2DEF-4B32-85F6-AC0216A099EB}">
-      <dgm:prSet/>
-      <dgm:spPr/>
-    </dgm:pt>
-    <dgm:pt modelId="{01E823FD-CE9A-48B3-A596-167C665D03D7}">
-      <dgm:prSet phldr="0" custT="1"/>
-      <dgm:spPr/>
-      <dgm:t>
-        <a:bodyPr vert="horz" wrap="square"/>
-        <a:lstStyle/>
-        <a:p>
-          <a:pPr>
-            <a:lnSpc>
-              <a:spcPct val="100000"/>
-            </a:lnSpc>
-            <a:spcBef>
-              <a:spcPct val="0"/>
-            </a:spcBef>
-            <a:spcAft>
-              <a:spcPct val="15000"/>
-            </a:spcAft>
-          </a:pPr>
-          <a:r>
-            <a:rPr lang="en-US" altLang="zh-CN" sz="1600"/>
-            <a:t>Risk Control</a:t>
-          </a:r>
-        </a:p>
-      </dgm:t>
-    </dgm:pt>
-    <dgm:pt modelId="{D647510C-DCD5-4880-8162-1321C059322C}" type="parTrans" cxnId="{DD1CBB2F-3597-498F-814E-B5E0D319D761}">
-      <dgm:prSet/>
-      <dgm:spPr/>
-    </dgm:pt>
-    <dgm:pt modelId="{4DECF897-5A1F-4560-9562-45E18199F131}" type="sibTrans" cxnId="{DD1CBB2F-3597-498F-814E-B5E0D319D761}">
-      <dgm:prSet/>
-      <dgm:spPr/>
-    </dgm:pt>
     <dgm:pt modelId="{FE969E54-0D5D-4815-BDC4-3309E2F7325D}">
       <dgm:prSet phldrT="[文本]" phldr="0" custT="1"/>
       <dgm:spPr/>
@@ -1276,9 +2020,10 @@
             </a:spcAft>
           </a:pPr>
           <a:r>
-            <a:rPr lang="en-US" altLang="zh-CN" sz="1600" b="1"/>
-            <a:t>Clinical Applicability Assessment</a:t>
+            <a:rPr lang="en-MY" sz="1600" b="1" dirty="0"/>
+            <a:t>Domain knowledge </a:t>
           </a:r>
+          <a:endParaRPr lang="en-US" altLang="zh-CN" sz="1600" b="1" dirty="0"/>
         </a:p>
       </dgm:t>
     </dgm:pt>
@@ -1323,9 +2068,10 @@
             </a:spcAft>
           </a:pPr>
           <a:r>
-            <a:rPr lang="en-US" altLang="zh-CN" sz="1600" dirty="0"/>
-            <a:t>Semantic Correctness Priority</a:t>
+            <a:rPr lang="en-MY" altLang="zh-CN" sz="1600" dirty="0"/>
+            <a:t>The domain knowledge of the GPT-2 model is limited</a:t>
           </a:r>
+          <a:endParaRPr lang="en-US" altLang="zh-CN" sz="1600" dirty="0"/>
         </a:p>
       </dgm:t>
     </dgm:pt>
@@ -1351,8 +2097,56 @@
         </a:p>
       </dgm:t>
     </dgm:pt>
-    <dgm:pt modelId="{93B070B9-DFC1-4806-8E3D-930FC98F88DD}">
-      <dgm:prSet phldr="0" custT="1"/>
+    <dgm:pt modelId="{B1F67FDF-8CFD-8142-A2B0-4C383A482195}">
+      <dgm:prSet phldrT="[文本]" phldr="0" custT="1"/>
+      <dgm:spPr/>
+      <dgm:t>
+        <a:bodyPr vert="horz" wrap="square"/>
+        <a:lstStyle/>
+        <a:p>
+          <a:pPr>
+            <a:lnSpc>
+              <a:spcPct val="150000"/>
+            </a:lnSpc>
+            <a:spcBef>
+              <a:spcPct val="0"/>
+            </a:spcBef>
+            <a:spcAft>
+              <a:spcPct val="15000"/>
+            </a:spcAft>
+          </a:pPr>
+          <a:r>
+            <a:rPr lang="en-MY" sz="1600" dirty="0"/>
+            <a:t>limiting the capacity of the mapping network to learn complex associations </a:t>
+          </a:r>
+          <a:endParaRPr lang="en-US" altLang="zh-CN" sz="1600" dirty="0"/>
+        </a:p>
+      </dgm:t>
+    </dgm:pt>
+    <dgm:pt modelId="{F69D7AE8-C928-C44D-8D46-AD967015A7B8}" type="parTrans" cxnId="{7FF5EFEE-A98C-1B40-8745-90ADC52508A5}">
+      <dgm:prSet/>
+      <dgm:spPr/>
+      <dgm:t>
+        <a:bodyPr/>
+        <a:lstStyle/>
+        <a:p>
+          <a:endParaRPr lang="zh-CN" altLang="en-US"/>
+        </a:p>
+      </dgm:t>
+    </dgm:pt>
+    <dgm:pt modelId="{CF7C0851-17C0-F645-B5F6-8F2EBD3681A7}" type="sibTrans" cxnId="{7FF5EFEE-A98C-1B40-8745-90ADC52508A5}">
+      <dgm:prSet/>
+      <dgm:spPr/>
+      <dgm:t>
+        <a:bodyPr/>
+        <a:lstStyle/>
+        <a:p>
+          <a:endParaRPr lang="zh-CN" altLang="en-US"/>
+        </a:p>
+      </dgm:t>
+    </dgm:pt>
+    <dgm:pt modelId="{DD1AA865-EB04-4640-8C0A-8FEA535382FA}">
+      <dgm:prSet phldrT="[文本]" phldr="0" custT="1"/>
       <dgm:spPr/>
       <dgm:t>
         <a:bodyPr vert="horz" wrap="square"/>
@@ -1370,52 +2164,62 @@
             </a:spcAft>
           </a:pPr>
           <a:r>
-            <a:rPr lang="en-US" altLang="zh-CN" sz="1600"/>
-            <a:t>Modifier Sensitivity</a:t>
+            <a:rPr lang="en-MY" altLang="zh-CN" sz="1600" dirty="0"/>
+            <a:t>Rather than the biological</a:t>
           </a:r>
+          <a:r>
+            <a:rPr lang="zh-CN" altLang="en-US" sz="1600" dirty="0"/>
+            <a:t> </a:t>
+          </a:r>
+          <a:r>
+            <a:rPr lang="en-US" altLang="zh-CN" sz="1600" dirty="0"/>
+            <a:t>knowledge</a:t>
+          </a:r>
+          <a:r>
+            <a:rPr lang="zh-CN" altLang="en-US" sz="1600" dirty="0"/>
+            <a:t> </a:t>
+          </a:r>
+          <a:r>
+            <a:rPr lang="en-MY" altLang="zh-CN" sz="1600" dirty="0"/>
+            <a:t> models </a:t>
+          </a:r>
+          <a:r>
+            <a:rPr lang="en-MY" altLang="zh-CN" sz="1600" dirty="0" err="1"/>
+            <a:t>BioGPT</a:t>
+          </a:r>
+          <a:r>
+            <a:rPr lang="en-MY" altLang="zh-CN" sz="1600" dirty="0"/>
+            <a:t> or </a:t>
+          </a:r>
+          <a:r>
+            <a:rPr lang="en-MY" altLang="zh-CN" sz="1600" dirty="0" err="1"/>
+            <a:t>BioMedLM</a:t>
+          </a:r>
+          <a:endParaRPr lang="en-US" altLang="zh-CN" sz="1600" dirty="0"/>
         </a:p>
       </dgm:t>
     </dgm:pt>
-    <dgm:pt modelId="{4AB60690-1051-4F1B-BBB6-56A51F58A9EE}" type="parTrans" cxnId="{C85910E5-10A8-4140-AA1B-DDB60ECFBA61}">
+    <dgm:pt modelId="{7B57A1E8-78CC-E246-BFBC-51E3A706B808}" type="parTrans" cxnId="{C1DC4FFB-ADD1-5240-9814-D86E4C7309E3}">
       <dgm:prSet/>
       <dgm:spPr/>
-    </dgm:pt>
-    <dgm:pt modelId="{B943DC9E-CACD-4959-A9D6-1D0173AA3AED}" type="sibTrans" cxnId="{C85910E5-10A8-4140-AA1B-DDB60ECFBA61}">
-      <dgm:prSet/>
-      <dgm:spPr/>
-    </dgm:pt>
-    <dgm:pt modelId="{AF265AD3-D9EB-448D-A6CA-62D4F2D1F899}">
-      <dgm:prSet phldr="0" custT="1"/>
-      <dgm:spPr/>
       <dgm:t>
-        <a:bodyPr vert="horz" wrap="square"/>
+        <a:bodyPr/>
         <a:lstStyle/>
         <a:p>
-          <a:pPr>
-            <a:lnSpc>
-              <a:spcPct val="100000"/>
-            </a:lnSpc>
-            <a:spcBef>
-              <a:spcPct val="0"/>
-            </a:spcBef>
-            <a:spcAft>
-              <a:spcPct val="15000"/>
-            </a:spcAft>
-          </a:pPr>
-          <a:r>
-            <a:rPr lang="en-US" altLang="zh-CN" sz="1600"/>
-            <a:t>Subtype Specificity</a:t>
-          </a:r>
+          <a:endParaRPr lang="zh-CN" altLang="en-US"/>
         </a:p>
       </dgm:t>
     </dgm:pt>
-    <dgm:pt modelId="{FCA4E51C-6702-481A-85F2-70EEC8119AE1}" type="parTrans" cxnId="{715EA871-5FE0-400E-B7C1-765A0D4B35B0}">
+    <dgm:pt modelId="{501546B4-7410-B144-8189-72BBAA0E331A}" type="sibTrans" cxnId="{C1DC4FFB-ADD1-5240-9814-D86E4C7309E3}">
       <dgm:prSet/>
       <dgm:spPr/>
-    </dgm:pt>
-    <dgm:pt modelId="{A963B2DE-4BD2-436F-9987-2817EB5496F3}" type="sibTrans" cxnId="{715EA871-5FE0-400E-B7C1-765A0D4B35B0}">
-      <dgm:prSet/>
-      <dgm:spPr/>
+      <dgm:t>
+        <a:bodyPr/>
+        <a:lstStyle/>
+        <a:p>
+          <a:endParaRPr lang="zh-CN" altLang="en-US"/>
+        </a:p>
+      </dgm:t>
     </dgm:pt>
     <dgm:pt modelId="{D5FB6A06-3991-4223-AD64-C4F7F6F4DF69}" type="pres">
       <dgm:prSet presAssocID="{468FBB7B-694A-47BF-865D-2F44C1051453}" presName="Name0" presStyleCnt="0">
@@ -1442,7 +2246,7 @@
       <dgm:spPr/>
     </dgm:pt>
     <dgm:pt modelId="{C0A6D3D8-DBC2-45B6-8DEF-789A72552BB4}" type="pres">
-      <dgm:prSet presAssocID="{BD5427FF-4EB1-4006-BF7F-42158E0C5129}" presName="desTx" presStyleLbl="alignAccFollowNode1" presStyleIdx="0" presStyleCnt="2">
+      <dgm:prSet presAssocID="{BD5427FF-4EB1-4006-BF7F-42158E0C5129}" presName="desTx" presStyleLbl="alignAccFollowNode1" presStyleIdx="0" presStyleCnt="2" custLinFactNeighborX="-18814" custLinFactNeighborY="9183">
         <dgm:presLayoutVars>
           <dgm:bulletEnabled val="1"/>
         </dgm:presLayoutVars>
@@ -1477,23 +2281,19 @@
     </dgm:pt>
   </dgm:ptLst>
   <dgm:cxnLst>
-    <dgm:cxn modelId="{4DF8EF05-A995-43DD-A841-D2A92D5433EF}" type="presOf" srcId="{93B070B9-DFC1-4806-8E3D-930FC98F88DD}" destId="{33CF15AD-8A19-4E9A-9BED-239A79CAF737}" srcOrd="0" destOrd="1" presId="urn:microsoft.com/office/officeart/2005/8/layout/hList1"/>
     <dgm:cxn modelId="{73237A0C-0483-4059-B1C6-3222875F54B2}" type="presOf" srcId="{35600F67-42C2-4D1B-B072-DC2A36FCB136}" destId="{33CF15AD-8A19-4E9A-9BED-239A79CAF737}" srcOrd="0" destOrd="0" presId="urn:microsoft.com/office/officeart/2005/8/layout/hList1"/>
     <dgm:cxn modelId="{4255DC23-8E53-4EEF-934C-24D6C994F5A8}" srcId="{BD5427FF-4EB1-4006-BF7F-42158E0C5129}" destId="{3A7B819B-DBE9-4610-B22A-5573EA6D532D}" srcOrd="0" destOrd="0" parTransId="{DC4BEA23-BF6E-42AD-9BF0-CFBDE86A80F1}" sibTransId="{0BF6ACD3-AE1A-4691-8CBE-DBE77AB8A685}"/>
     <dgm:cxn modelId="{E61ABA29-4BB0-401D-AF41-C16B945D0ABD}" srcId="{FE969E54-0D5D-4815-BDC4-3309E2F7325D}" destId="{35600F67-42C2-4D1B-B072-DC2A36FCB136}" srcOrd="0" destOrd="0" parTransId="{B4BC79E1-FDBA-43D1-A988-1BE8090EDA7A}" sibTransId="{AD46A0AA-C45A-46D2-89AF-28390F99F9D0}"/>
-    <dgm:cxn modelId="{DD1CBB2F-3597-498F-814E-B5E0D319D761}" srcId="{BD5427FF-4EB1-4006-BF7F-42158E0C5129}" destId="{01E823FD-CE9A-48B3-A596-167C665D03D7}" srcOrd="2" destOrd="0" parTransId="{D647510C-DCD5-4880-8162-1321C059322C}" sibTransId="{4DECF897-5A1F-4560-9562-45E18199F131}"/>
-    <dgm:cxn modelId="{3559DC37-4A9F-4F16-AE18-B51951E2C600}" type="presOf" srcId="{AF265AD3-D9EB-448D-A6CA-62D4F2D1F899}" destId="{33CF15AD-8A19-4E9A-9BED-239A79CAF737}" srcOrd="0" destOrd="2" presId="urn:microsoft.com/office/officeart/2005/8/layout/hList1"/>
+    <dgm:cxn modelId="{78A8AF3B-B5F2-F147-893E-6C216E02D393}" type="presOf" srcId="{DD1AA865-EB04-4640-8C0A-8FEA535382FA}" destId="{33CF15AD-8A19-4E9A-9BED-239A79CAF737}" srcOrd="0" destOrd="1" presId="urn:microsoft.com/office/officeart/2005/8/layout/hList1"/>
     <dgm:cxn modelId="{549E804B-410A-4F40-BBEB-FA784362FE93}" srcId="{468FBB7B-694A-47BF-865D-2F44C1051453}" destId="{FE969E54-0D5D-4815-BDC4-3309E2F7325D}" srcOrd="1" destOrd="0" parTransId="{B5D9FB86-EEBE-488F-B7DE-B7CF5C9166C5}" sibTransId="{D7D19B67-C01A-45D3-B5C7-B7E1B18A9F62}"/>
-    <dgm:cxn modelId="{715EA871-5FE0-400E-B7C1-765A0D4B35B0}" srcId="{FE969E54-0D5D-4815-BDC4-3309E2F7325D}" destId="{AF265AD3-D9EB-448D-A6CA-62D4F2D1F899}" srcOrd="2" destOrd="0" parTransId="{FCA4E51C-6702-481A-85F2-70EEC8119AE1}" sibTransId="{A963B2DE-4BD2-436F-9987-2817EB5496F3}"/>
-    <dgm:cxn modelId="{28E14A72-5515-47E2-B216-3A8AF47E9962}" type="presOf" srcId="{01E823FD-CE9A-48B3-A596-167C665D03D7}" destId="{C0A6D3D8-DBC2-45B6-8DEF-789A72552BB4}" srcOrd="0" destOrd="2" presId="urn:microsoft.com/office/officeart/2005/8/layout/hList1"/>
     <dgm:cxn modelId="{F6A54281-24C3-401D-BF5A-5AFE0E9A9CF9}" type="presOf" srcId="{468FBB7B-694A-47BF-865D-2F44C1051453}" destId="{D5FB6A06-3991-4223-AD64-C4F7F6F4DF69}" srcOrd="0" destOrd="0" presId="urn:microsoft.com/office/officeart/2005/8/layout/hList1"/>
-    <dgm:cxn modelId="{0910F681-2DEF-4B32-85F6-AC0216A099EB}" srcId="{BD5427FF-4EB1-4006-BF7F-42158E0C5129}" destId="{C93C45F0-4C8C-43D9-A785-DB6B65DCBFBC}" srcOrd="1" destOrd="0" parTransId="{955B3196-74BB-42A3-9F2E-5F44CEE7A6DB}" sibTransId="{C877797C-C9A9-44B4-9A03-86FAF0C56F55}"/>
     <dgm:cxn modelId="{B388399E-0520-4464-8C87-DA42790AB011}" srcId="{468FBB7B-694A-47BF-865D-2F44C1051453}" destId="{BD5427FF-4EB1-4006-BF7F-42158E0C5129}" srcOrd="0" destOrd="0" parTransId="{A2F6D805-3B53-408A-A2A3-20BC3BF0D242}" sibTransId="{D47F9812-1256-4E44-A6BE-BEC559BE8FF3}"/>
     <dgm:cxn modelId="{5C12DEC0-A8C3-45B8-8952-D239175C44F8}" type="presOf" srcId="{3A7B819B-DBE9-4610-B22A-5573EA6D532D}" destId="{C0A6D3D8-DBC2-45B6-8DEF-789A72552BB4}" srcOrd="0" destOrd="0" presId="urn:microsoft.com/office/officeart/2005/8/layout/hList1"/>
     <dgm:cxn modelId="{EACFEBC3-DEC0-40B2-AB97-B17C5237FCFA}" type="presOf" srcId="{FE969E54-0D5D-4815-BDC4-3309E2F7325D}" destId="{3E0BA246-3456-471B-AD87-1436FD251DD8}" srcOrd="0" destOrd="0" presId="urn:microsoft.com/office/officeart/2005/8/layout/hList1"/>
-    <dgm:cxn modelId="{C85910E5-10A8-4140-AA1B-DDB60ECFBA61}" srcId="{FE969E54-0D5D-4815-BDC4-3309E2F7325D}" destId="{93B070B9-DFC1-4806-8E3D-930FC98F88DD}" srcOrd="1" destOrd="0" parTransId="{4AB60690-1051-4F1B-BBB6-56A51F58A9EE}" sibTransId="{B943DC9E-CACD-4959-A9D6-1D0173AA3AED}"/>
-    <dgm:cxn modelId="{FE5752E6-3C30-44CE-944E-BA30C949D9DC}" type="presOf" srcId="{C93C45F0-4C8C-43D9-A785-DB6B65DCBFBC}" destId="{C0A6D3D8-DBC2-45B6-8DEF-789A72552BB4}" srcOrd="0" destOrd="1" presId="urn:microsoft.com/office/officeart/2005/8/layout/hList1"/>
+    <dgm:cxn modelId="{7FF5EFEE-A98C-1B40-8745-90ADC52508A5}" srcId="{BD5427FF-4EB1-4006-BF7F-42158E0C5129}" destId="{B1F67FDF-8CFD-8142-A2B0-4C383A482195}" srcOrd="1" destOrd="0" parTransId="{F69D7AE8-C928-C44D-8D46-AD967015A7B8}" sibTransId="{CF7C0851-17C0-F645-B5F6-8F2EBD3681A7}"/>
     <dgm:cxn modelId="{467C26F2-E839-4DF5-A9AC-FCF4B6948330}" type="presOf" srcId="{BD5427FF-4EB1-4006-BF7F-42158E0C5129}" destId="{5D9704F8-5A95-419F-B794-1E2F82666BDB}" srcOrd="0" destOrd="0" presId="urn:microsoft.com/office/officeart/2005/8/layout/hList1"/>
+    <dgm:cxn modelId="{CD4A2FFA-520E-214C-BD4E-ED9F80A84481}" type="presOf" srcId="{B1F67FDF-8CFD-8142-A2B0-4C383A482195}" destId="{C0A6D3D8-DBC2-45B6-8DEF-789A72552BB4}" srcOrd="0" destOrd="1" presId="urn:microsoft.com/office/officeart/2005/8/layout/hList1"/>
+    <dgm:cxn modelId="{C1DC4FFB-ADD1-5240-9814-D86E4C7309E3}" srcId="{FE969E54-0D5D-4815-BDC4-3309E2F7325D}" destId="{DD1AA865-EB04-4640-8C0A-8FEA535382FA}" srcOrd="1" destOrd="0" parTransId="{7B57A1E8-78CC-E246-BFBC-51E3A706B808}" sibTransId="{501546B4-7410-B144-8189-72BBAA0E331A}"/>
     <dgm:cxn modelId="{F6B74F6D-B888-410E-90DB-50E3693BA6B2}" type="presParOf" srcId="{D5FB6A06-3991-4223-AD64-C4F7F6F4DF69}" destId="{5EB24CCF-928A-4018-A934-89F31F564A83}" srcOrd="0" destOrd="0" presId="urn:microsoft.com/office/officeart/2005/8/layout/hList1"/>
     <dgm:cxn modelId="{DC2ACA21-2272-4B30-8ADA-332C91980397}" type="presParOf" srcId="{5EB24CCF-928A-4018-A934-89F31F564A83}" destId="{5D9704F8-5A95-419F-B794-1E2F82666BDB}" srcOrd="0" destOrd="0" presId="urn:microsoft.com/office/officeart/2005/8/layout/hList1"/>
     <dgm:cxn modelId="{FC792F60-6616-4D1F-B9DA-8A2C8A771C96}" type="presParOf" srcId="{5EB24CCF-928A-4018-A934-89F31F564A83}" destId="{C0A6D3D8-DBC2-45B6-8DEF-789A72552BB4}" srcOrd="1" destOrd="0" presId="urn:microsoft.com/office/officeart/2005/8/layout/hList1"/>
@@ -1506,7 +2306,266 @@
   <dgm:whole/>
   <dgm:extLst>
     <a:ext uri="http://schemas.microsoft.com/office/drawing/2008/diagram">
-      <dsp:dataModelExt xmlns:dsp="http://schemas.microsoft.com/office/drawing/2008/diagram" relId="rId14" minVer="http://schemas.openxmlformats.org/drawingml/2006/diagram"/>
+      <dsp:dataModelExt xmlns:dsp="http://schemas.microsoft.com/office/drawing/2008/diagram" relId="rId8" minVer="http://schemas.openxmlformats.org/drawingml/2006/diagram"/>
+    </a:ext>
+  </dgm:extLst>
+</dgm:dataModel>
+</file>
+
+<file path=ppt/diagrams/data2.xml><?xml version="1.0" encoding="utf-8"?>
+<dgm:dataModel xmlns:dgm="http://schemas.openxmlformats.org/drawingml/2006/diagram" xmlns:a="http://schemas.openxmlformats.org/drawingml/2006/main">
+  <dgm:ptLst>
+    <dgm:pt modelId="{468FBB7B-694A-47BF-865D-2F44C1051453}" type="doc">
+      <dgm:prSet loTypeId="urn:microsoft.com/office/officeart/2005/8/layout/hList1" loCatId="list" qsTypeId="urn:microsoft.com/office/officeart/2005/8/quickstyle/simple5#1" qsCatId="simple" csTypeId="urn:microsoft.com/office/officeart/2005/8/colors/accent5_1#1" csCatId="accent1" phldr="1"/>
+      <dgm:spPr/>
+      <dgm:t>
+        <a:bodyPr/>
+        <a:lstStyle/>
+        <a:p>
+          <a:endParaRPr lang="zh-CN" altLang="en-US"/>
+        </a:p>
+      </dgm:t>
+    </dgm:pt>
+    <dgm:pt modelId="{AF265AD3-D9EB-448D-A6CA-62D4F2D1F899}">
+      <dgm:prSet phldr="0" custT="1"/>
+      <dgm:spPr/>
+      <dgm:t>
+        <a:bodyPr vert="horz" wrap="square"/>
+        <a:lstStyle/>
+        <a:p>
+          <a:pPr>
+            <a:lnSpc>
+              <a:spcPct val="100000"/>
+            </a:lnSpc>
+            <a:spcBef>
+              <a:spcPct val="0"/>
+            </a:spcBef>
+            <a:spcAft>
+              <a:spcPct val="15000"/>
+            </a:spcAft>
+          </a:pPr>
+          <a:r>
+            <a:rPr lang="en-MY" altLang="zh-CN" sz="1600" dirty="0"/>
+            <a:t>Without fine-tuning, the responses to open-ended questions are limited.</a:t>
+          </a:r>
+          <a:endParaRPr lang="en-US" altLang="zh-CN" sz="1600" dirty="0"/>
+        </a:p>
+      </dgm:t>
+    </dgm:pt>
+    <dgm:pt modelId="{FCA4E51C-6702-481A-85F2-70EEC8119AE1}" type="parTrans" cxnId="{715EA871-5FE0-400E-B7C1-765A0D4B35B0}">
+      <dgm:prSet/>
+      <dgm:spPr/>
+      <dgm:t>
+        <a:bodyPr/>
+        <a:lstStyle/>
+        <a:p>
+          <a:endParaRPr lang="zh-CN" altLang="en-US"/>
+        </a:p>
+      </dgm:t>
+    </dgm:pt>
+    <dgm:pt modelId="{A963B2DE-4BD2-436F-9987-2817EB5496F3}" type="sibTrans" cxnId="{715EA871-5FE0-400E-B7C1-765A0D4B35B0}">
+      <dgm:prSet/>
+      <dgm:spPr/>
+      <dgm:t>
+        <a:bodyPr/>
+        <a:lstStyle/>
+        <a:p>
+          <a:endParaRPr lang="zh-CN" altLang="en-US"/>
+        </a:p>
+      </dgm:t>
+    </dgm:pt>
+    <dgm:pt modelId="{93B070B9-DFC1-4806-8E3D-930FC98F88DD}">
+      <dgm:prSet phldr="0" custT="1"/>
+      <dgm:spPr/>
+      <dgm:t>
+        <a:bodyPr vert="horz" wrap="square"/>
+        <a:lstStyle/>
+        <a:p>
+          <a:pPr>
+            <a:lnSpc>
+              <a:spcPct val="100000"/>
+            </a:lnSpc>
+            <a:spcBef>
+              <a:spcPct val="0"/>
+            </a:spcBef>
+            <a:spcAft>
+              <a:spcPct val="15000"/>
+            </a:spcAft>
+          </a:pPr>
+          <a:r>
+            <a:rPr lang="en-MY" sz="1800" b="1" dirty="0"/>
+            <a:t>Fine-tuning strategy </a:t>
+          </a:r>
+          <a:endParaRPr lang="en-US" altLang="zh-CN" sz="1800" b="1" dirty="0"/>
+        </a:p>
+      </dgm:t>
+    </dgm:pt>
+    <dgm:pt modelId="{B943DC9E-CACD-4959-A9D6-1D0173AA3AED}" type="sibTrans" cxnId="{C85910E5-10A8-4140-AA1B-DDB60ECFBA61}">
+      <dgm:prSet/>
+      <dgm:spPr/>
+      <dgm:t>
+        <a:bodyPr/>
+        <a:lstStyle/>
+        <a:p>
+          <a:endParaRPr lang="zh-CN" altLang="en-US"/>
+        </a:p>
+      </dgm:t>
+    </dgm:pt>
+    <dgm:pt modelId="{4AB60690-1051-4F1B-BBB6-56A51F58A9EE}" type="parTrans" cxnId="{C85910E5-10A8-4140-AA1B-DDB60ECFBA61}">
+      <dgm:prSet/>
+      <dgm:spPr/>
+      <dgm:t>
+        <a:bodyPr/>
+        <a:lstStyle/>
+        <a:p>
+          <a:endParaRPr lang="zh-CN" altLang="en-US"/>
+        </a:p>
+      </dgm:t>
+    </dgm:pt>
+    <dgm:pt modelId="{0A79330B-AD8D-6748-AEC8-3C8126EB34E4}">
+      <dgm:prSet phldr="0" custT="1"/>
+      <dgm:spPr/>
+      <dgm:t>
+        <a:bodyPr vert="horz" wrap="square"/>
+        <a:lstStyle/>
+        <a:p>
+          <a:pPr>
+            <a:lnSpc>
+              <a:spcPct val="100000"/>
+            </a:lnSpc>
+            <a:spcBef>
+              <a:spcPct val="0"/>
+            </a:spcBef>
+            <a:spcAft>
+              <a:spcPct val="15000"/>
+            </a:spcAft>
+          </a:pPr>
+          <a:endParaRPr lang="en-US" altLang="zh-CN" sz="1600" dirty="0"/>
+        </a:p>
+      </dgm:t>
+    </dgm:pt>
+    <dgm:pt modelId="{A55361CA-A40A-DA40-8D01-48FFECCD5F33}" type="parTrans" cxnId="{57D32C57-84F5-4C4B-B0B8-295A624C57AD}">
+      <dgm:prSet/>
+      <dgm:spPr/>
+      <dgm:t>
+        <a:bodyPr/>
+        <a:lstStyle/>
+        <a:p>
+          <a:endParaRPr lang="zh-CN" altLang="en-US"/>
+        </a:p>
+      </dgm:t>
+    </dgm:pt>
+    <dgm:pt modelId="{57A4F21B-E329-2F49-AE54-6AE384CD8F89}" type="sibTrans" cxnId="{57D32C57-84F5-4C4B-B0B8-295A624C57AD}">
+      <dgm:prSet/>
+      <dgm:spPr/>
+      <dgm:t>
+        <a:bodyPr/>
+        <a:lstStyle/>
+        <a:p>
+          <a:endParaRPr lang="zh-CN" altLang="en-US"/>
+        </a:p>
+      </dgm:t>
+    </dgm:pt>
+    <dgm:pt modelId="{742024E4-919F-5A46-8074-5493234E0049}">
+      <dgm:prSet phldr="0" custT="1"/>
+      <dgm:spPr/>
+      <dgm:t>
+        <a:bodyPr vert="horz" wrap="square"/>
+        <a:lstStyle/>
+        <a:p>
+          <a:pPr>
+            <a:lnSpc>
+              <a:spcPct val="100000"/>
+            </a:lnSpc>
+            <a:spcBef>
+              <a:spcPct val="0"/>
+            </a:spcBef>
+            <a:spcAft>
+              <a:spcPct val="15000"/>
+            </a:spcAft>
+          </a:pPr>
+          <a:r>
+            <a:rPr lang="en-MY" sz="1600" dirty="0"/>
+            <a:t>strict lexical matching underestimates the clinical value </a:t>
+          </a:r>
+          <a:endParaRPr lang="en-US" altLang="zh-CN" sz="1600" dirty="0"/>
+        </a:p>
+      </dgm:t>
+    </dgm:pt>
+    <dgm:pt modelId="{80C9D322-351F-1A4F-9731-4F376612D603}" type="parTrans" cxnId="{625574F9-3BA7-2441-9457-946B769EDB36}">
+      <dgm:prSet/>
+      <dgm:spPr/>
+      <dgm:t>
+        <a:bodyPr/>
+        <a:lstStyle/>
+        <a:p>
+          <a:endParaRPr lang="zh-CN" altLang="en-US"/>
+        </a:p>
+      </dgm:t>
+    </dgm:pt>
+    <dgm:pt modelId="{9B83A6DF-8672-FF4B-A528-D8EBD780DD42}" type="sibTrans" cxnId="{625574F9-3BA7-2441-9457-946B769EDB36}">
+      <dgm:prSet/>
+      <dgm:spPr/>
+      <dgm:t>
+        <a:bodyPr/>
+        <a:lstStyle/>
+        <a:p>
+          <a:endParaRPr lang="zh-CN" altLang="en-US"/>
+        </a:p>
+      </dgm:t>
+    </dgm:pt>
+    <dgm:pt modelId="{D5FB6A06-3991-4223-AD64-C4F7F6F4DF69}" type="pres">
+      <dgm:prSet presAssocID="{468FBB7B-694A-47BF-865D-2F44C1051453}" presName="Name0" presStyleCnt="0">
+        <dgm:presLayoutVars>
+          <dgm:dir/>
+          <dgm:animLvl val="lvl"/>
+          <dgm:resizeHandles val="exact"/>
+        </dgm:presLayoutVars>
+      </dgm:prSet>
+      <dgm:spPr/>
+    </dgm:pt>
+    <dgm:pt modelId="{18E551E6-1996-754D-9895-AF9E7EDA00FD}" type="pres">
+      <dgm:prSet presAssocID="{93B070B9-DFC1-4806-8E3D-930FC98F88DD}" presName="composite" presStyleCnt="0"/>
+      <dgm:spPr/>
+    </dgm:pt>
+    <dgm:pt modelId="{C432FB95-A0B0-004A-AD71-22D5177741A3}" type="pres">
+      <dgm:prSet presAssocID="{93B070B9-DFC1-4806-8E3D-930FC98F88DD}" presName="parTx" presStyleLbl="alignNode1" presStyleIdx="0" presStyleCnt="1">
+        <dgm:presLayoutVars>
+          <dgm:chMax val="0"/>
+          <dgm:chPref val="0"/>
+          <dgm:bulletEnabled val="1"/>
+        </dgm:presLayoutVars>
+      </dgm:prSet>
+      <dgm:spPr/>
+    </dgm:pt>
+    <dgm:pt modelId="{D9D7A8FD-E80F-3D46-830B-21559FC5753B}" type="pres">
+      <dgm:prSet presAssocID="{93B070B9-DFC1-4806-8E3D-930FC98F88DD}" presName="desTx" presStyleLbl="alignAccFollowNode1" presStyleIdx="0" presStyleCnt="1" custLinFactNeighborX="10428" custLinFactNeighborY="1804">
+        <dgm:presLayoutVars>
+          <dgm:bulletEnabled val="1"/>
+        </dgm:presLayoutVars>
+      </dgm:prSet>
+      <dgm:spPr/>
+    </dgm:pt>
+  </dgm:ptLst>
+  <dgm:cxnLst>
+    <dgm:cxn modelId="{304F311C-9398-6243-8C13-7879C6558599}" type="presOf" srcId="{93B070B9-DFC1-4806-8E3D-930FC98F88DD}" destId="{C432FB95-A0B0-004A-AD71-22D5177741A3}" srcOrd="0" destOrd="0" presId="urn:microsoft.com/office/officeart/2005/8/layout/hList1"/>
+    <dgm:cxn modelId="{57D32C57-84F5-4C4B-B0B8-295A624C57AD}" srcId="{93B070B9-DFC1-4806-8E3D-930FC98F88DD}" destId="{0A79330B-AD8D-6748-AEC8-3C8126EB34E4}" srcOrd="2" destOrd="0" parTransId="{A55361CA-A40A-DA40-8D01-48FFECCD5F33}" sibTransId="{57A4F21B-E329-2F49-AE54-6AE384CD8F89}"/>
+    <dgm:cxn modelId="{8266EB6C-009D-0D42-8E35-C81BE4D83691}" type="presOf" srcId="{AF265AD3-D9EB-448D-A6CA-62D4F2D1F899}" destId="{D9D7A8FD-E80F-3D46-830B-21559FC5753B}" srcOrd="0" destOrd="0" presId="urn:microsoft.com/office/officeart/2005/8/layout/hList1"/>
+    <dgm:cxn modelId="{715EA871-5FE0-400E-B7C1-765A0D4B35B0}" srcId="{93B070B9-DFC1-4806-8E3D-930FC98F88DD}" destId="{AF265AD3-D9EB-448D-A6CA-62D4F2D1F899}" srcOrd="0" destOrd="0" parTransId="{FCA4E51C-6702-481A-85F2-70EEC8119AE1}" sibTransId="{A963B2DE-4BD2-436F-9987-2817EB5496F3}"/>
+    <dgm:cxn modelId="{1601D872-828F-1E44-A08C-A59C96F09CB1}" type="presOf" srcId="{0A79330B-AD8D-6748-AEC8-3C8126EB34E4}" destId="{D9D7A8FD-E80F-3D46-830B-21559FC5753B}" srcOrd="0" destOrd="2" presId="urn:microsoft.com/office/officeart/2005/8/layout/hList1"/>
+    <dgm:cxn modelId="{F6A54281-24C3-401D-BF5A-5AFE0E9A9CF9}" type="presOf" srcId="{468FBB7B-694A-47BF-865D-2F44C1051453}" destId="{D5FB6A06-3991-4223-AD64-C4F7F6F4DF69}" srcOrd="0" destOrd="0" presId="urn:microsoft.com/office/officeart/2005/8/layout/hList1"/>
+    <dgm:cxn modelId="{63C465C3-2ADE-8B4E-9937-F8F24D9F951C}" type="presOf" srcId="{742024E4-919F-5A46-8074-5493234E0049}" destId="{D9D7A8FD-E80F-3D46-830B-21559FC5753B}" srcOrd="0" destOrd="1" presId="urn:microsoft.com/office/officeart/2005/8/layout/hList1"/>
+    <dgm:cxn modelId="{C85910E5-10A8-4140-AA1B-DDB60ECFBA61}" srcId="{468FBB7B-694A-47BF-865D-2F44C1051453}" destId="{93B070B9-DFC1-4806-8E3D-930FC98F88DD}" srcOrd="0" destOrd="0" parTransId="{4AB60690-1051-4F1B-BBB6-56A51F58A9EE}" sibTransId="{B943DC9E-CACD-4959-A9D6-1D0173AA3AED}"/>
+    <dgm:cxn modelId="{625574F9-3BA7-2441-9457-946B769EDB36}" srcId="{93B070B9-DFC1-4806-8E3D-930FC98F88DD}" destId="{742024E4-919F-5A46-8074-5493234E0049}" srcOrd="1" destOrd="0" parTransId="{80C9D322-351F-1A4F-9731-4F376612D603}" sibTransId="{9B83A6DF-8672-FF4B-A528-D8EBD780DD42}"/>
+    <dgm:cxn modelId="{1778ADCC-3BB0-284F-B957-C13B9631FEAD}" type="presParOf" srcId="{D5FB6A06-3991-4223-AD64-C4F7F6F4DF69}" destId="{18E551E6-1996-754D-9895-AF9E7EDA00FD}" srcOrd="0" destOrd="0" presId="urn:microsoft.com/office/officeart/2005/8/layout/hList1"/>
+    <dgm:cxn modelId="{420D6AC0-65BC-C44D-B7E2-6880CABD58C7}" type="presParOf" srcId="{18E551E6-1996-754D-9895-AF9E7EDA00FD}" destId="{C432FB95-A0B0-004A-AD71-22D5177741A3}" srcOrd="0" destOrd="0" presId="urn:microsoft.com/office/officeart/2005/8/layout/hList1"/>
+    <dgm:cxn modelId="{BC08FC77-0BDB-FF4F-B731-AAB761708D7D}" type="presParOf" srcId="{18E551E6-1996-754D-9895-AF9E7EDA00FD}" destId="{D9D7A8FD-E80F-3D46-830B-21559FC5753B}" srcOrd="1" destOrd="0" presId="urn:microsoft.com/office/officeart/2005/8/layout/hList1"/>
+  </dgm:cxnLst>
+  <dgm:bg/>
+  <dgm:whole/>
+  <dgm:extLst>
+    <a:ext uri="http://schemas.microsoft.com/office/drawing/2008/diagram">
+      <dsp:dataModelExt xmlns:dsp="http://schemas.microsoft.com/office/drawing/2008/diagram" relId="rId13" minVer="http://schemas.openxmlformats.org/drawingml/2006/diagram"/>
     </a:ext>
   </dgm:extLst>
 </dgm:dataModel>
@@ -1527,8 +2586,227 @@
       </dsp:nvSpPr>
       <dsp:spPr bwMode="white">
         <a:xfrm>
-          <a:off x="42" y="2032"/>
-          <a:ext cx="4085027" cy="518400"/>
+          <a:off x="24" y="3305"/>
+          <a:ext cx="2328870" cy="931548"/>
+        </a:xfrm>
+        <a:prstGeom prst="rect">
+          <a:avLst/>
+        </a:prstGeom>
+        <a:gradFill rotWithShape="0">
+          <a:gsLst>
+            <a:gs pos="0">
+              <a:schemeClr val="lt1">
+                <a:hueOff val="0"/>
+                <a:satOff val="0"/>
+                <a:lumOff val="0"/>
+                <a:alphaOff val="0"/>
+                <a:tint val="100000"/>
+                <a:shade val="100000"/>
+                <a:satMod val="130000"/>
+              </a:schemeClr>
+            </a:gs>
+            <a:gs pos="100000">
+              <a:schemeClr val="lt1">
+                <a:hueOff val="0"/>
+                <a:satOff val="0"/>
+                <a:lumOff val="0"/>
+                <a:alphaOff val="0"/>
+                <a:tint val="50000"/>
+                <a:shade val="100000"/>
+                <a:satMod val="350000"/>
+              </a:schemeClr>
+            </a:gs>
+          </a:gsLst>
+          <a:lin ang="16200000" scaled="0"/>
+        </a:gradFill>
+        <a:ln w="9525" cap="flat" cmpd="sng" algn="ctr">
+          <a:solidFill>
+            <a:schemeClr val="accent5">
+              <a:shade val="80000"/>
+              <a:hueOff val="0"/>
+              <a:satOff val="0"/>
+              <a:lumOff val="0"/>
+              <a:alphaOff val="0"/>
+            </a:schemeClr>
+          </a:solidFill>
+          <a:prstDash val="solid"/>
+        </a:ln>
+        <a:effectLst>
+          <a:outerShdw blurRad="40000" dist="23000" dir="5400000" rotWithShape="0">
+            <a:srgbClr val="000000">
+              <a:alpha val="35000"/>
+            </a:srgbClr>
+          </a:outerShdw>
+        </a:effectLst>
+        <a:scene3d>
+          <a:camera prst="orthographicFront">
+            <a:rot lat="0" lon="0" rev="0"/>
+          </a:camera>
+          <a:lightRig rig="threePt" dir="t">
+            <a:rot lat="0" lon="0" rev="1200000"/>
+          </a:lightRig>
+        </a:scene3d>
+        <a:sp3d>
+          <a:bevelT w="63500" h="25400"/>
+        </a:sp3d>
+      </dsp:spPr>
+      <dsp:style>
+        <a:lnRef idx="1">
+          <a:scrgbClr r="0" g="0" b="0"/>
+        </a:lnRef>
+        <a:fillRef idx="3">
+          <a:scrgbClr r="0" g="0" b="0"/>
+        </a:fillRef>
+        <a:effectRef idx="3">
+          <a:scrgbClr r="0" g="0" b="0"/>
+        </a:effectRef>
+        <a:fontRef idx="minor">
+          <a:schemeClr val="lt1"/>
+        </a:fontRef>
+      </dsp:style>
+      <dsp:txBody>
+        <a:bodyPr spcFirstLastPara="0" vert="horz" wrap="square" lIns="128016" tIns="73152" rIns="128016" bIns="73152" numCol="1" spcCol="1270" anchor="ctr" anchorCtr="0">
+          <a:noAutofit/>
+        </a:bodyPr>
+        <a:lstStyle/>
+        <a:p>
+          <a:pPr marL="0" lvl="0" indent="0" algn="ctr" defTabSz="800100">
+            <a:lnSpc>
+              <a:spcPct val="100000"/>
+            </a:lnSpc>
+            <a:spcBef>
+              <a:spcPct val="0"/>
+            </a:spcBef>
+            <a:spcAft>
+              <a:spcPct val="35000"/>
+            </a:spcAft>
+            <a:buNone/>
+          </a:pPr>
+          <a:r>
+            <a:rPr lang="en-MY" sz="1800" b="1" kern="1200" dirty="0"/>
+            <a:t>Dataset scale </a:t>
+          </a:r>
+          <a:endParaRPr lang="en-US" altLang="zh-CN" sz="1800" b="1" kern="1200" dirty="0"/>
+        </a:p>
+      </dsp:txBody>
+      <dsp:txXfrm>
+        <a:off x="24" y="3305"/>
+        <a:ext cx="2328870" cy="931548"/>
+      </dsp:txXfrm>
+    </dsp:sp>
+    <dsp:sp modelId="{C0A6D3D8-DBC2-45B6-8DEF-789A72552BB4}">
+      <dsp:nvSpPr>
+        <dsp:cNvPr id="0" name=""/>
+        <dsp:cNvSpPr/>
+      </dsp:nvSpPr>
+      <dsp:spPr bwMode="white">
+        <a:xfrm>
+          <a:off x="0" y="938160"/>
+          <a:ext cx="2328870" cy="2810880"/>
+        </a:xfrm>
+        <a:prstGeom prst="rect">
+          <a:avLst/>
+        </a:prstGeom>
+        <a:solidFill>
+          <a:schemeClr val="lt1">
+            <a:alpha val="90000"/>
+            <a:tint val="40000"/>
+            <a:hueOff val="0"/>
+            <a:satOff val="0"/>
+            <a:lumOff val="0"/>
+            <a:alphaOff val="0"/>
+          </a:schemeClr>
+        </a:solidFill>
+        <a:ln w="9525" cap="flat" cmpd="sng" algn="ctr">
+          <a:solidFill>
+            <a:schemeClr val="accent5">
+              <a:alpha val="90000"/>
+              <a:hueOff val="0"/>
+              <a:satOff val="0"/>
+              <a:lumOff val="0"/>
+              <a:alphaOff val="0"/>
+            </a:schemeClr>
+          </a:solidFill>
+          <a:prstDash val="solid"/>
+        </a:ln>
+        <a:effectLst>
+          <a:outerShdw blurRad="40000" dist="23000" dir="5400000" rotWithShape="0">
+            <a:srgbClr val="000000">
+              <a:alpha val="35000"/>
+            </a:srgbClr>
+          </a:outerShdw>
+        </a:effectLst>
+      </dsp:spPr>
+      <dsp:style>
+        <a:lnRef idx="1">
+          <a:scrgbClr r="0" g="0" b="0"/>
+        </a:lnRef>
+        <a:fillRef idx="1">
+          <a:scrgbClr r="0" g="0" b="0"/>
+        </a:fillRef>
+        <a:effectRef idx="2">
+          <a:scrgbClr r="0" g="0" b="0"/>
+        </a:effectRef>
+        <a:fontRef idx="minor"/>
+      </dsp:style>
+      <dsp:txBody>
+        <a:bodyPr spcFirstLastPara="0" vert="horz" wrap="square" lIns="85344" tIns="85344" rIns="113792" bIns="128016" numCol="1" spcCol="1270" anchor="t" anchorCtr="0">
+          <a:noAutofit/>
+        </a:bodyPr>
+        <a:lstStyle/>
+        <a:p>
+          <a:pPr marL="171450" lvl="1" indent="-171450" algn="l" defTabSz="711200">
+            <a:lnSpc>
+              <a:spcPct val="150000"/>
+            </a:lnSpc>
+            <a:spcBef>
+              <a:spcPct val="0"/>
+            </a:spcBef>
+            <a:spcAft>
+              <a:spcPct val="15000"/>
+            </a:spcAft>
+            <a:buChar char="•"/>
+          </a:pPr>
+          <a:r>
+            <a:rPr lang="en-MY" sz="1600" kern="1200" dirty="0"/>
+            <a:t>Smaller than the Slake dataset</a:t>
+          </a:r>
+          <a:endParaRPr lang="en-US" altLang="zh-CN" sz="1600" kern="1200" dirty="0"/>
+        </a:p>
+        <a:p>
+          <a:pPr marL="171450" lvl="1" indent="-171450" algn="l" defTabSz="711200">
+            <a:lnSpc>
+              <a:spcPct val="150000"/>
+            </a:lnSpc>
+            <a:spcBef>
+              <a:spcPct val="0"/>
+            </a:spcBef>
+            <a:spcAft>
+              <a:spcPct val="15000"/>
+            </a:spcAft>
+            <a:buChar char="•"/>
+          </a:pPr>
+          <a:r>
+            <a:rPr lang="en-MY" sz="1600" kern="1200" dirty="0"/>
+            <a:t>limiting the capacity of the mapping network to learn complex associations </a:t>
+          </a:r>
+          <a:endParaRPr lang="en-US" altLang="zh-CN" sz="1600" kern="1200" dirty="0"/>
+        </a:p>
+      </dsp:txBody>
+      <dsp:txXfrm>
+        <a:off x="0" y="938160"/>
+        <a:ext cx="2328870" cy="2810880"/>
+      </dsp:txXfrm>
+    </dsp:sp>
+    <dsp:sp modelId="{3E0BA246-3456-471B-AD87-1436FD251DD8}">
+      <dsp:nvSpPr>
+        <dsp:cNvPr id="0" name=""/>
+        <dsp:cNvSpPr/>
+      </dsp:nvSpPr>
+      <dsp:spPr bwMode="white">
+        <a:xfrm>
+          <a:off x="2654936" y="3305"/>
+          <a:ext cx="2328870" cy="931548"/>
         </a:xfrm>
         <a:prstGeom prst="rect">
           <a:avLst/>
@@ -1624,25 +2902,26 @@
             <a:buNone/>
           </a:pPr>
           <a:r>
-            <a:rPr lang="en-US" altLang="zh-CN" sz="1600" b="1" kern="1200"/>
-            <a:t>Advantages of Frozen Language Model</a:t>
+            <a:rPr lang="en-MY" sz="1600" b="1" kern="1200" dirty="0"/>
+            <a:t>Domain knowledge </a:t>
           </a:r>
+          <a:endParaRPr lang="en-US" altLang="zh-CN" sz="1600" b="1" kern="1200" dirty="0"/>
         </a:p>
       </dsp:txBody>
       <dsp:txXfrm>
-        <a:off x="42" y="2032"/>
-        <a:ext cx="4085027" cy="518400"/>
+        <a:off x="2654936" y="3305"/>
+        <a:ext cx="2328870" cy="931548"/>
       </dsp:txXfrm>
     </dsp:sp>
-    <dsp:sp modelId="{C0A6D3D8-DBC2-45B6-8DEF-789A72552BB4}">
+    <dsp:sp modelId="{33CF15AD-8A19-4E9A-9BED-239A79CAF737}">
       <dsp:nvSpPr>
         <dsp:cNvPr id="0" name=""/>
         <dsp:cNvSpPr/>
       </dsp:nvSpPr>
       <dsp:spPr bwMode="white">
         <a:xfrm>
-          <a:off x="42" y="520432"/>
-          <a:ext cx="4085027" cy="988199"/>
+          <a:off x="2654936" y="934854"/>
+          <a:ext cx="2328870" cy="2810880"/>
         </a:xfrm>
         <a:prstGeom prst="rect">
           <a:avLst/>
@@ -1708,9 +2987,10 @@
             <a:buChar char="•"/>
           </a:pPr>
           <a:r>
-            <a:rPr lang="en-US" altLang="zh-CN" sz="1600" kern="1200"/>
-            <a:t>Output Coherence</a:t>
+            <a:rPr lang="en-MY" altLang="zh-CN" sz="1600" kern="1200" dirty="0"/>
+            <a:t>The domain knowledge of the GPT-2 model is limited</a:t>
           </a:r>
+          <a:endParaRPr lang="en-US" altLang="zh-CN" sz="1600" kern="1200" dirty="0"/>
         </a:p>
         <a:p>
           <a:pPr marL="171450" lvl="1" indent="-171450" algn="l" defTabSz="711200">
@@ -1726,43 +3006,66 @@
             <a:buChar char="•"/>
           </a:pPr>
           <a:r>
-            <a:rPr lang="en-US" altLang="zh-CN" sz="1600" kern="1200"/>
-            <a:t>Term Consistency</a:t>
+            <a:rPr lang="en-MY" altLang="zh-CN" sz="1600" kern="1200" dirty="0"/>
+            <a:t>Rather than the biological</a:t>
           </a:r>
-        </a:p>
-        <a:p>
-          <a:pPr marL="171450" lvl="1" indent="-171450" algn="l" defTabSz="711200">
-            <a:lnSpc>
-              <a:spcPct val="100000"/>
-            </a:lnSpc>
-            <a:spcBef>
-              <a:spcPct val="0"/>
-            </a:spcBef>
-            <a:spcAft>
-              <a:spcPct val="15000"/>
-            </a:spcAft>
-            <a:buChar char="•"/>
-          </a:pPr>
           <a:r>
-            <a:rPr lang="en-US" altLang="zh-CN" sz="1600" kern="1200"/>
-            <a:t>Risk Control</a:t>
+            <a:rPr lang="zh-CN" altLang="en-US" sz="1600" kern="1200" dirty="0"/>
+            <a:t> </a:t>
           </a:r>
+          <a:r>
+            <a:rPr lang="en-US" altLang="zh-CN" sz="1600" kern="1200" dirty="0"/>
+            <a:t>knowledge</a:t>
+          </a:r>
+          <a:r>
+            <a:rPr lang="zh-CN" altLang="en-US" sz="1600" kern="1200" dirty="0"/>
+            <a:t> </a:t>
+          </a:r>
+          <a:r>
+            <a:rPr lang="en-MY" altLang="zh-CN" sz="1600" kern="1200" dirty="0"/>
+            <a:t> models </a:t>
+          </a:r>
+          <a:r>
+            <a:rPr lang="en-MY" altLang="zh-CN" sz="1600" kern="1200" dirty="0" err="1"/>
+            <a:t>BioGPT</a:t>
+          </a:r>
+          <a:r>
+            <a:rPr lang="en-MY" altLang="zh-CN" sz="1600" kern="1200" dirty="0"/>
+            <a:t> or </a:t>
+          </a:r>
+          <a:r>
+            <a:rPr lang="en-MY" altLang="zh-CN" sz="1600" kern="1200" dirty="0" err="1"/>
+            <a:t>BioMedLM</a:t>
+          </a:r>
+          <a:endParaRPr lang="en-US" altLang="zh-CN" sz="1600" kern="1200" dirty="0"/>
         </a:p>
       </dsp:txBody>
       <dsp:txXfrm>
-        <a:off x="42" y="520432"/>
-        <a:ext cx="4085027" cy="988199"/>
+        <a:off x="2654936" y="934854"/>
+        <a:ext cx="2328870" cy="2810880"/>
       </dsp:txXfrm>
     </dsp:sp>
-    <dsp:sp modelId="{3E0BA246-3456-471B-AD87-1436FD251DD8}">
+  </dsp:spTree>
+</dsp:drawing>
+</file>
+
+<file path=ppt/diagrams/drawing2.xml><?xml version="1.0" encoding="utf-8"?>
+<dsp:drawing xmlns:dgm="http://schemas.openxmlformats.org/drawingml/2006/diagram" xmlns:dsp="http://schemas.microsoft.com/office/drawing/2008/diagram" xmlns:a="http://schemas.openxmlformats.org/drawingml/2006/main">
+  <dsp:spTree>
+    <dsp:nvGrpSpPr>
+      <dsp:cNvPr id="0" name=""/>
+      <dsp:cNvGrpSpPr/>
+    </dsp:nvGrpSpPr>
+    <dsp:grpSpPr/>
+    <dsp:sp modelId="{C432FB95-A0B0-004A-AD71-22D5177741A3}">
       <dsp:nvSpPr>
         <dsp:cNvPr id="0" name=""/>
         <dsp:cNvSpPr/>
       </dsp:nvSpPr>
-      <dsp:spPr bwMode="white">
+      <dsp:spPr>
         <a:xfrm>
-          <a:off x="4656974" y="2032"/>
-          <a:ext cx="4085027" cy="518400"/>
+          <a:off x="0" y="2182"/>
+          <a:ext cx="2224687" cy="889874"/>
         </a:xfrm>
         <a:prstGeom prst="rect">
           <a:avLst/>
@@ -1840,12 +3143,12 @@
         </a:fontRef>
       </dsp:style>
       <dsp:txBody>
-        <a:bodyPr spcFirstLastPara="0" vert="horz" wrap="square" lIns="113792" tIns="65024" rIns="113792" bIns="65024" numCol="1" spcCol="1270" anchor="ctr" anchorCtr="0">
+        <a:bodyPr spcFirstLastPara="0" vert="horz" wrap="square" lIns="128016" tIns="73152" rIns="128016" bIns="73152" numCol="1" spcCol="1270" anchor="ctr" anchorCtr="0">
           <a:noAutofit/>
         </a:bodyPr>
         <a:lstStyle/>
         <a:p>
-          <a:pPr marL="0" lvl="0" indent="0" algn="ctr" defTabSz="711200">
+          <a:pPr marL="0" lvl="0" indent="0" algn="ctr" defTabSz="800100">
             <a:lnSpc>
               <a:spcPct val="100000"/>
             </a:lnSpc>
@@ -1853,30 +3156,31 @@
               <a:spcPct val="0"/>
             </a:spcBef>
             <a:spcAft>
-              <a:spcPct val="35000"/>
+              <a:spcPct val="15000"/>
             </a:spcAft>
             <a:buNone/>
           </a:pPr>
           <a:r>
-            <a:rPr lang="en-US" altLang="zh-CN" sz="1600" b="1" kern="1200"/>
-            <a:t>Clinical Applicability Assessment</a:t>
+            <a:rPr lang="en-MY" sz="1800" b="1" kern="1200" dirty="0"/>
+            <a:t>Fine-tuning strategy </a:t>
           </a:r>
+          <a:endParaRPr lang="en-US" altLang="zh-CN" sz="1800" b="1" kern="1200" dirty="0"/>
         </a:p>
       </dsp:txBody>
       <dsp:txXfrm>
-        <a:off x="4656974" y="2032"/>
-        <a:ext cx="4085027" cy="518400"/>
+        <a:off x="0" y="2182"/>
+        <a:ext cx="2224687" cy="889874"/>
       </dsp:txXfrm>
     </dsp:sp>
-    <dsp:sp modelId="{33CF15AD-8A19-4E9A-9BED-239A79CAF737}">
+    <dsp:sp modelId="{D9D7A8FD-E80F-3D46-830B-21559FC5753B}">
       <dsp:nvSpPr>
         <dsp:cNvPr id="0" name=""/>
         <dsp:cNvSpPr/>
       </dsp:nvSpPr>
-      <dsp:spPr bwMode="white">
+      <dsp:spPr>
         <a:xfrm>
-          <a:off x="4656974" y="520432"/>
-          <a:ext cx="4085027" cy="988199"/>
+          <a:off x="0" y="894240"/>
+          <a:ext cx="2224687" cy="2854800"/>
         </a:xfrm>
         <a:prstGeom prst="rect">
           <a:avLst/>
@@ -1942,9 +3246,10 @@
             <a:buChar char="•"/>
           </a:pPr>
           <a:r>
-            <a:rPr lang="en-US" altLang="zh-CN" sz="1600" kern="1200" dirty="0"/>
-            <a:t>Semantic Correctness Priority</a:t>
+            <a:rPr lang="en-MY" altLang="zh-CN" sz="1600" kern="1200" dirty="0"/>
+            <a:t>Without fine-tuning, the responses to open-ended questions are limited.</a:t>
           </a:r>
+          <a:endParaRPr lang="en-US" altLang="zh-CN" sz="1600" kern="1200" dirty="0"/>
         </a:p>
         <a:p>
           <a:pPr marL="171450" lvl="1" indent="-171450" algn="l" defTabSz="711200">
@@ -1960,9 +3265,10 @@
             <a:buChar char="•"/>
           </a:pPr>
           <a:r>
-            <a:rPr lang="en-US" altLang="zh-CN" sz="1600" kern="1200"/>
-            <a:t>Modifier Sensitivity</a:t>
+            <a:rPr lang="en-MY" sz="1600" kern="1200" dirty="0"/>
+            <a:t>strict lexical matching underestimates the clinical value </a:t>
           </a:r>
+          <a:endParaRPr lang="en-US" altLang="zh-CN" sz="1600" kern="1200" dirty="0"/>
         </a:p>
         <a:p>
           <a:pPr marL="171450" lvl="1" indent="-171450" algn="l" defTabSz="711200">
@@ -1977,15 +3283,12 @@
             </a:spcAft>
             <a:buChar char="•"/>
           </a:pPr>
-          <a:r>
-            <a:rPr lang="en-US" altLang="zh-CN" sz="1600" kern="1200"/>
-            <a:t>Subtype Specificity</a:t>
-          </a:r>
+          <a:endParaRPr lang="en-US" altLang="zh-CN" sz="1600" kern="1200" dirty="0"/>
         </a:p>
       </dsp:txBody>
       <dsp:txXfrm>
-        <a:off x="4656974" y="520432"/>
-        <a:ext cx="4085027" cy="988199"/>
+        <a:off x="0" y="894240"/>
+        <a:ext cx="2224687" cy="2854800"/>
       </dsp:txXfrm>
     </dsp:sp>
   </dsp:spTree>
@@ -1993,6 +3296,223 @@
 </file>
 
 <file path=ppt/diagrams/layout1.xml><?xml version="1.0" encoding="utf-8"?>
+<dgm:layoutDef xmlns:dgm="http://schemas.openxmlformats.org/drawingml/2006/diagram" xmlns:a="http://schemas.openxmlformats.org/drawingml/2006/main" uniqueId="urn:microsoft.com/office/officeart/2005/8/layout/hList1">
+  <dgm:title val=""/>
+  <dgm:desc val=""/>
+  <dgm:catLst>
+    <dgm:cat type="list" pri="5000"/>
+    <dgm:cat type="convert" pri="5000"/>
+  </dgm:catLst>
+  <dgm:sampData>
+    <dgm:dataModel>
+      <dgm:ptLst>
+        <dgm:pt modelId="0" type="doc"/>
+        <dgm:pt modelId="1">
+          <dgm:prSet phldr="1"/>
+        </dgm:pt>
+        <dgm:pt modelId="11">
+          <dgm:prSet phldr="1"/>
+        </dgm:pt>
+        <dgm:pt modelId="12">
+          <dgm:prSet phldr="1"/>
+        </dgm:pt>
+        <dgm:pt modelId="2">
+          <dgm:prSet phldr="1"/>
+        </dgm:pt>
+        <dgm:pt modelId="21">
+          <dgm:prSet phldr="1"/>
+        </dgm:pt>
+        <dgm:pt modelId="22">
+          <dgm:prSet phldr="1"/>
+        </dgm:pt>
+        <dgm:pt modelId="3">
+          <dgm:prSet phldr="1"/>
+        </dgm:pt>
+        <dgm:pt modelId="31">
+          <dgm:prSet phldr="1"/>
+        </dgm:pt>
+        <dgm:pt modelId="32">
+          <dgm:prSet phldr="1"/>
+        </dgm:pt>
+      </dgm:ptLst>
+      <dgm:cxnLst>
+        <dgm:cxn modelId="4" srcId="0" destId="1" srcOrd="0" destOrd="0"/>
+        <dgm:cxn modelId="5" srcId="0" destId="2" srcOrd="1" destOrd="0"/>
+        <dgm:cxn modelId="6" srcId="0" destId="3" srcOrd="2" destOrd="0"/>
+        <dgm:cxn modelId="13" srcId="1" destId="11" srcOrd="0" destOrd="0"/>
+        <dgm:cxn modelId="14" srcId="1" destId="12" srcOrd="1" destOrd="0"/>
+        <dgm:cxn modelId="23" srcId="2" destId="21" srcOrd="0" destOrd="0"/>
+        <dgm:cxn modelId="24" srcId="2" destId="22" srcOrd="1" destOrd="0"/>
+        <dgm:cxn modelId="33" srcId="3" destId="31" srcOrd="0" destOrd="0"/>
+        <dgm:cxn modelId="34" srcId="3" destId="32" srcOrd="1" destOrd="0"/>
+      </dgm:cxnLst>
+      <dgm:bg/>
+      <dgm:whole/>
+    </dgm:dataModel>
+  </dgm:sampData>
+  <dgm:styleData>
+    <dgm:dataModel>
+      <dgm:ptLst>
+        <dgm:pt modelId="0" type="doc"/>
+        <dgm:pt modelId="1">
+          <dgm:prSet phldr="1"/>
+        </dgm:pt>
+        <dgm:pt modelId="2">
+          <dgm:prSet phldr="1"/>
+        </dgm:pt>
+      </dgm:ptLst>
+      <dgm:cxnLst>
+        <dgm:cxn modelId="3" srcId="0" destId="1" srcOrd="0" destOrd="0"/>
+        <dgm:cxn modelId="4" srcId="0" destId="2" srcOrd="1" destOrd="0"/>
+      </dgm:cxnLst>
+      <dgm:bg/>
+      <dgm:whole/>
+    </dgm:dataModel>
+  </dgm:styleData>
+  <dgm:clrData>
+    <dgm:dataModel>
+      <dgm:ptLst>
+        <dgm:pt modelId="0" type="doc"/>
+        <dgm:pt modelId="1">
+          <dgm:prSet phldr="1"/>
+        </dgm:pt>
+        <dgm:pt modelId="2">
+          <dgm:prSet phldr="1"/>
+        </dgm:pt>
+        <dgm:pt modelId="3">
+          <dgm:prSet phldr="1"/>
+        </dgm:pt>
+        <dgm:pt modelId="4">
+          <dgm:prSet phldr="1"/>
+        </dgm:pt>
+      </dgm:ptLst>
+      <dgm:cxnLst>
+        <dgm:cxn modelId="5" srcId="0" destId="1" srcOrd="0" destOrd="0"/>
+        <dgm:cxn modelId="6" srcId="0" destId="2" srcOrd="1" destOrd="0"/>
+        <dgm:cxn modelId="7" srcId="0" destId="3" srcOrd="2" destOrd="0"/>
+        <dgm:cxn modelId="8" srcId="0" destId="4" srcOrd="3" destOrd="0"/>
+      </dgm:cxnLst>
+      <dgm:bg/>
+      <dgm:whole/>
+    </dgm:dataModel>
+  </dgm:clrData>
+  <dgm:layoutNode name="Name0">
+    <dgm:varLst>
+      <dgm:dir/>
+      <dgm:animLvl val="lvl"/>
+      <dgm:resizeHandles val="exact"/>
+    </dgm:varLst>
+    <dgm:choose name="Name1">
+      <dgm:if name="Name2" func="var" arg="dir" op="equ" val="norm">
+        <dgm:alg type="lin"/>
+      </dgm:if>
+      <dgm:else name="Name3">
+        <dgm:alg type="lin">
+          <dgm:param type="linDir" val="fromR"/>
+        </dgm:alg>
+      </dgm:else>
+    </dgm:choose>
+    <dgm:shape xmlns:r="http://schemas.openxmlformats.org/officeDocument/2006/relationships" r:blip="">
+      <dgm:adjLst/>
+    </dgm:shape>
+    <dgm:presOf/>
+    <dgm:constrLst>
+      <dgm:constr type="h" for="ch" forName="composite" refType="h"/>
+      <dgm:constr type="w" for="ch" forName="composite" refType="w"/>
+      <dgm:constr type="w" for="des" forName="parTx"/>
+      <dgm:constr type="h" for="des" forName="parTx" op="equ"/>
+      <dgm:constr type="w" for="des" forName="desTx"/>
+      <dgm:constr type="h" for="des" forName="desTx" op="equ"/>
+      <dgm:constr type="primFontSz" for="des" forName="parTx" val="65"/>
+      <dgm:constr type="secFontSz" for="des" forName="desTx" refType="primFontSz" refFor="des" refForName="parTx" op="equ"/>
+      <dgm:constr type="h" for="des" forName="parTx" refType="primFontSz" refFor="des" refForName="parTx" fact="0.8"/>
+      <dgm:constr type="h" for="des" forName="desTx" refType="primFontSz" refFor="des" refForName="parTx" fact="1.22"/>
+      <dgm:constr type="w" for="ch" forName="space" refType="w" refFor="ch" refForName="composite" op="equ" fact="0.14"/>
+    </dgm:constrLst>
+    <dgm:ruleLst>
+      <dgm:rule type="w" for="ch" forName="composite" val="0" fact="NaN" max="NaN"/>
+      <dgm:rule type="primFontSz" for="des" forName="parTx" val="5" fact="NaN" max="NaN"/>
+    </dgm:ruleLst>
+    <dgm:forEach name="Name4" axis="ch" ptType="node">
+      <dgm:layoutNode name="composite">
+        <dgm:alg type="composite"/>
+        <dgm:shape xmlns:r="http://schemas.openxmlformats.org/officeDocument/2006/relationships" r:blip="">
+          <dgm:adjLst/>
+        </dgm:shape>
+        <dgm:presOf/>
+        <dgm:constrLst>
+          <dgm:constr type="l" for="ch" forName="parTx"/>
+          <dgm:constr type="w" for="ch" forName="parTx" refType="w"/>
+          <dgm:constr type="t" for="ch" forName="parTx"/>
+          <dgm:constr type="l" for="ch" forName="desTx"/>
+          <dgm:constr type="w" for="ch" forName="desTx" refType="w" refFor="ch" refForName="parTx"/>
+          <dgm:constr type="t" for="ch" forName="desTx" refType="h" refFor="ch" refForName="parTx"/>
+        </dgm:constrLst>
+        <dgm:ruleLst>
+          <dgm:rule type="h" val="INF" fact="NaN" max="NaN"/>
+        </dgm:ruleLst>
+        <dgm:layoutNode name="parTx" styleLbl="alignNode1">
+          <dgm:varLst>
+            <dgm:chMax val="0"/>
+            <dgm:chPref val="0"/>
+            <dgm:bulletEnabled val="1"/>
+          </dgm:varLst>
+          <dgm:alg type="tx"/>
+          <dgm:shape xmlns:r="http://schemas.openxmlformats.org/officeDocument/2006/relationships" type="rect" r:blip="">
+            <dgm:adjLst/>
+          </dgm:shape>
+          <dgm:presOf axis="self" ptType="node"/>
+          <dgm:constrLst>
+            <dgm:constr type="h" refType="w" op="lte" fact="0.4"/>
+            <dgm:constr type="h"/>
+            <dgm:constr type="tMarg" refType="primFontSz" fact="0.32"/>
+            <dgm:constr type="bMarg" refType="primFontSz" fact="0.32"/>
+          </dgm:constrLst>
+          <dgm:ruleLst>
+            <dgm:rule type="h" val="INF" fact="NaN" max="NaN"/>
+          </dgm:ruleLst>
+        </dgm:layoutNode>
+        <dgm:layoutNode name="desTx" styleLbl="alignAccFollowNode1">
+          <dgm:varLst>
+            <dgm:bulletEnabled val="1"/>
+          </dgm:varLst>
+          <dgm:alg type="tx">
+            <dgm:param type="stBulletLvl" val="1"/>
+          </dgm:alg>
+          <dgm:shape xmlns:r="http://schemas.openxmlformats.org/officeDocument/2006/relationships" type="rect" r:blip="">
+            <dgm:adjLst/>
+          </dgm:shape>
+          <dgm:presOf axis="des" ptType="node"/>
+          <dgm:constrLst>
+            <dgm:constr type="secFontSz" val="65"/>
+            <dgm:constr type="primFontSz" refType="secFontSz"/>
+            <dgm:constr type="h"/>
+            <dgm:constr type="lMarg" refType="primFontSz" fact="0.42"/>
+            <dgm:constr type="tMarg" refType="primFontSz" fact="0.42"/>
+            <dgm:constr type="bMarg" refType="primFontSz" fact="0.63"/>
+          </dgm:constrLst>
+          <dgm:ruleLst>
+            <dgm:rule type="h" val="INF" fact="NaN" max="NaN"/>
+          </dgm:ruleLst>
+        </dgm:layoutNode>
+      </dgm:layoutNode>
+      <dgm:forEach name="Name5" axis="followSib" ptType="sibTrans" cnt="1">
+        <dgm:layoutNode name="space">
+          <dgm:alg type="sp"/>
+          <dgm:shape xmlns:r="http://schemas.openxmlformats.org/officeDocument/2006/relationships" r:blip="">
+            <dgm:adjLst/>
+          </dgm:shape>
+          <dgm:presOf/>
+          <dgm:constrLst/>
+          <dgm:ruleLst/>
+        </dgm:layoutNode>
+      </dgm:forEach>
+    </dgm:forEach>
+  </dgm:layoutNode>
+</dgm:layoutDef>
+</file>
+
+<file path=ppt/diagrams/layout2.xml><?xml version="1.0" encoding="utf-8"?>
 <dgm:layoutDef xmlns:dgm="http://schemas.openxmlformats.org/drawingml/2006/diagram" xmlns:a="http://schemas.openxmlformats.org/drawingml/2006/main" uniqueId="urn:microsoft.com/office/officeart/2005/8/layout/hList1">
   <dgm:title val=""/>
   <dgm:desc val=""/>
@@ -3243,6 +4763,1040 @@
 </dgm:styleDef>
 </file>
 
+<file path=ppt/diagrams/quickStyle2.xml><?xml version="1.0" encoding="utf-8"?>
+<dgm:styleDef xmlns:dgm="http://schemas.openxmlformats.org/drawingml/2006/diagram" xmlns:a="http://schemas.openxmlformats.org/drawingml/2006/main" uniqueId="urn:microsoft.com/office/officeart/2005/8/quickstyle/simple5#1">
+  <dgm:title val=""/>
+  <dgm:desc val=""/>
+  <dgm:catLst>
+    <dgm:cat type="simple" pri="10500"/>
+  </dgm:catLst>
+  <dgm:scene3d>
+    <a:camera prst="orthographicFront"/>
+    <a:lightRig rig="threePt" dir="t"/>
+  </dgm:scene3d>
+  <dgm:styleLbl name="alignAcc1">
+    <dgm:scene3d>
+      <a:camera prst="orthographicFront"/>
+      <a:lightRig rig="threePt" dir="t"/>
+    </dgm:scene3d>
+    <dgm:sp3d/>
+    <dgm:txPr/>
+    <dgm:style>
+      <a:lnRef idx="1">
+        <a:scrgbClr r="0" g="0" b="0"/>
+      </a:lnRef>
+      <a:fillRef idx="1">
+        <a:scrgbClr r="0" g="0" b="0"/>
+      </a:fillRef>
+      <a:effectRef idx="2">
+        <a:scrgbClr r="0" g="0" b="0"/>
+      </a:effectRef>
+      <a:fontRef idx="minor"/>
+    </dgm:style>
+  </dgm:styleLbl>
+  <dgm:styleLbl name="alignAccFollowNode1">
+    <dgm:scene3d>
+      <a:camera prst="orthographicFront"/>
+      <a:lightRig rig="threePt" dir="t"/>
+    </dgm:scene3d>
+    <dgm:sp3d/>
+    <dgm:txPr/>
+    <dgm:style>
+      <a:lnRef idx="1">
+        <a:scrgbClr r="0" g="0" b="0"/>
+      </a:lnRef>
+      <a:fillRef idx="1">
+        <a:scrgbClr r="0" g="0" b="0"/>
+      </a:fillRef>
+      <a:effectRef idx="2">
+        <a:scrgbClr r="0" g="0" b="0"/>
+      </a:effectRef>
+      <a:fontRef idx="minor"/>
+    </dgm:style>
+  </dgm:styleLbl>
+  <dgm:styleLbl name="alignImgPlace1">
+    <dgm:scene3d>
+      <a:camera prst="orthographicFront"/>
+      <a:lightRig rig="threePt" dir="t"/>
+    </dgm:scene3d>
+    <dgm:sp3d/>
+    <dgm:txPr/>
+    <dgm:style>
+      <a:lnRef idx="0">
+        <a:scrgbClr r="0" g="0" b="0"/>
+      </a:lnRef>
+      <a:fillRef idx="1">
+        <a:scrgbClr r="0" g="0" b="0"/>
+      </a:fillRef>
+      <a:effectRef idx="3">
+        <a:scrgbClr r="0" g="0" b="0"/>
+      </a:effectRef>
+      <a:fontRef idx="minor"/>
+    </dgm:style>
+  </dgm:styleLbl>
+  <dgm:styleLbl name="alignNode1">
+    <dgm:scene3d>
+      <a:camera prst="orthographicFront"/>
+      <a:lightRig rig="threePt" dir="t"/>
+    </dgm:scene3d>
+    <dgm:sp3d/>
+    <dgm:txPr/>
+    <dgm:style>
+      <a:lnRef idx="1">
+        <a:scrgbClr r="0" g="0" b="0"/>
+      </a:lnRef>
+      <a:fillRef idx="3">
+        <a:scrgbClr r="0" g="0" b="0"/>
+      </a:fillRef>
+      <a:effectRef idx="3">
+        <a:scrgbClr r="0" g="0" b="0"/>
+      </a:effectRef>
+      <a:fontRef idx="minor">
+        <a:schemeClr val="lt1"/>
+      </a:fontRef>
+    </dgm:style>
+  </dgm:styleLbl>
+  <dgm:styleLbl name="asst0">
+    <dgm:scene3d>
+      <a:camera prst="orthographicFront"/>
+      <a:lightRig rig="threePt" dir="t"/>
+    </dgm:scene3d>
+    <dgm:sp3d/>
+    <dgm:txPr/>
+    <dgm:style>
+      <a:lnRef idx="0">
+        <a:scrgbClr r="0" g="0" b="0"/>
+      </a:lnRef>
+      <a:fillRef idx="3">
+        <a:scrgbClr r="0" g="0" b="0"/>
+      </a:fillRef>
+      <a:effectRef idx="3">
+        <a:scrgbClr r="0" g="0" b="0"/>
+      </a:effectRef>
+      <a:fontRef idx="minor">
+        <a:schemeClr val="lt1"/>
+      </a:fontRef>
+    </dgm:style>
+  </dgm:styleLbl>
+  <dgm:styleLbl name="asst1">
+    <dgm:scene3d>
+      <a:camera prst="orthographicFront"/>
+      <a:lightRig rig="threePt" dir="t"/>
+    </dgm:scene3d>
+    <dgm:sp3d/>
+    <dgm:txPr/>
+    <dgm:style>
+      <a:lnRef idx="0">
+        <a:scrgbClr r="0" g="0" b="0"/>
+      </a:lnRef>
+      <a:fillRef idx="3">
+        <a:scrgbClr r="0" g="0" b="0"/>
+      </a:fillRef>
+      <a:effectRef idx="3">
+        <a:scrgbClr r="0" g="0" b="0"/>
+      </a:effectRef>
+      <a:fontRef idx="minor">
+        <a:schemeClr val="lt1"/>
+      </a:fontRef>
+    </dgm:style>
+  </dgm:styleLbl>
+  <dgm:styleLbl name="asst2">
+    <dgm:scene3d>
+      <a:camera prst="orthographicFront"/>
+      <a:lightRig rig="threePt" dir="t"/>
+    </dgm:scene3d>
+    <dgm:sp3d/>
+    <dgm:txPr/>
+    <dgm:style>
+      <a:lnRef idx="0">
+        <a:scrgbClr r="0" g="0" b="0"/>
+      </a:lnRef>
+      <a:fillRef idx="3">
+        <a:scrgbClr r="0" g="0" b="0"/>
+      </a:fillRef>
+      <a:effectRef idx="3">
+        <a:scrgbClr r="0" g="0" b="0"/>
+      </a:effectRef>
+      <a:fontRef idx="minor">
+        <a:schemeClr val="lt1"/>
+      </a:fontRef>
+    </dgm:style>
+  </dgm:styleLbl>
+  <dgm:styleLbl name="asst3">
+    <dgm:scene3d>
+      <a:camera prst="orthographicFront"/>
+      <a:lightRig rig="threePt" dir="t"/>
+    </dgm:scene3d>
+    <dgm:sp3d/>
+    <dgm:txPr/>
+    <dgm:style>
+      <a:lnRef idx="0">
+        <a:scrgbClr r="0" g="0" b="0"/>
+      </a:lnRef>
+      <a:fillRef idx="3">
+        <a:scrgbClr r="0" g="0" b="0"/>
+      </a:fillRef>
+      <a:effectRef idx="3">
+        <a:scrgbClr r="0" g="0" b="0"/>
+      </a:effectRef>
+      <a:fontRef idx="minor">
+        <a:schemeClr val="lt1"/>
+      </a:fontRef>
+    </dgm:style>
+  </dgm:styleLbl>
+  <dgm:styleLbl name="asst4">
+    <dgm:scene3d>
+      <a:camera prst="orthographicFront"/>
+      <a:lightRig rig="threePt" dir="t"/>
+    </dgm:scene3d>
+    <dgm:sp3d/>
+    <dgm:txPr/>
+    <dgm:style>
+      <a:lnRef idx="0">
+        <a:scrgbClr r="0" g="0" b="0"/>
+      </a:lnRef>
+      <a:fillRef idx="3">
+        <a:scrgbClr r="0" g="0" b="0"/>
+      </a:fillRef>
+      <a:effectRef idx="3">
+        <a:scrgbClr r="0" g="0" b="0"/>
+      </a:effectRef>
+      <a:fontRef idx="minor">
+        <a:schemeClr val="lt1"/>
+      </a:fontRef>
+    </dgm:style>
+  </dgm:styleLbl>
+  <dgm:styleLbl name="bgAcc1">
+    <dgm:scene3d>
+      <a:camera prst="orthographicFront"/>
+      <a:lightRig rig="threePt" dir="t"/>
+    </dgm:scene3d>
+    <dgm:sp3d/>
+    <dgm:txPr/>
+    <dgm:style>
+      <a:lnRef idx="1">
+        <a:scrgbClr r="0" g="0" b="0"/>
+      </a:lnRef>
+      <a:fillRef idx="1">
+        <a:scrgbClr r="0" g="0" b="0"/>
+      </a:fillRef>
+      <a:effectRef idx="2">
+        <a:scrgbClr r="0" g="0" b="0"/>
+      </a:effectRef>
+      <a:fontRef idx="minor"/>
+    </dgm:style>
+  </dgm:styleLbl>
+  <dgm:styleLbl name="bgAccFollowNode1">
+    <dgm:scene3d>
+      <a:camera prst="orthographicFront"/>
+      <a:lightRig rig="threePt" dir="t"/>
+    </dgm:scene3d>
+    <dgm:sp3d/>
+    <dgm:txPr/>
+    <dgm:style>
+      <a:lnRef idx="1">
+        <a:scrgbClr r="0" g="0" b="0"/>
+      </a:lnRef>
+      <a:fillRef idx="1">
+        <a:scrgbClr r="0" g="0" b="0"/>
+      </a:fillRef>
+      <a:effectRef idx="2">
+        <a:scrgbClr r="0" g="0" b="0"/>
+      </a:effectRef>
+      <a:fontRef idx="minor"/>
+    </dgm:style>
+  </dgm:styleLbl>
+  <dgm:styleLbl name="bgImgPlace1">
+    <dgm:scene3d>
+      <a:camera prst="orthographicFront"/>
+      <a:lightRig rig="threePt" dir="t"/>
+    </dgm:scene3d>
+    <dgm:sp3d/>
+    <dgm:txPr/>
+    <dgm:style>
+      <a:lnRef idx="0">
+        <a:scrgbClr r="0" g="0" b="0"/>
+      </a:lnRef>
+      <a:fillRef idx="1">
+        <a:scrgbClr r="0" g="0" b="0"/>
+      </a:fillRef>
+      <a:effectRef idx="3">
+        <a:scrgbClr r="0" g="0" b="0"/>
+      </a:effectRef>
+      <a:fontRef idx="minor"/>
+    </dgm:style>
+  </dgm:styleLbl>
+  <dgm:styleLbl name="bgShp">
+    <dgm:scene3d>
+      <a:camera prst="orthographicFront"/>
+      <a:lightRig rig="threePt" dir="t"/>
+    </dgm:scene3d>
+    <dgm:sp3d/>
+    <dgm:txPr/>
+    <dgm:style>
+      <a:lnRef idx="0">
+        <a:scrgbClr r="0" g="0" b="0"/>
+      </a:lnRef>
+      <a:fillRef idx="1">
+        <a:scrgbClr r="0" g="0" b="0"/>
+      </a:fillRef>
+      <a:effectRef idx="2">
+        <a:scrgbClr r="0" g="0" b="0"/>
+      </a:effectRef>
+      <a:fontRef idx="minor"/>
+    </dgm:style>
+  </dgm:styleLbl>
+  <dgm:styleLbl name="bgSibTrans2D1">
+    <dgm:scene3d>
+      <a:camera prst="orthographicFront"/>
+      <a:lightRig rig="threePt" dir="t"/>
+    </dgm:scene3d>
+    <dgm:sp3d/>
+    <dgm:txPr/>
+    <dgm:style>
+      <a:lnRef idx="0">
+        <a:scrgbClr r="0" g="0" b="0"/>
+      </a:lnRef>
+      <a:fillRef idx="3">
+        <a:scrgbClr r="0" g="0" b="0"/>
+      </a:fillRef>
+      <a:effectRef idx="3">
+        <a:scrgbClr r="0" g="0" b="0"/>
+      </a:effectRef>
+      <a:fontRef idx="minor">
+        <a:schemeClr val="lt1"/>
+      </a:fontRef>
+    </dgm:style>
+  </dgm:styleLbl>
+  <dgm:styleLbl name="callout">
+    <dgm:scene3d>
+      <a:camera prst="orthographicFront"/>
+      <a:lightRig rig="threePt" dir="t"/>
+    </dgm:scene3d>
+    <dgm:sp3d/>
+    <dgm:txPr/>
+    <dgm:style>
+      <a:lnRef idx="1">
+        <a:scrgbClr r="0" g="0" b="0"/>
+      </a:lnRef>
+      <a:fillRef idx="0">
+        <a:scrgbClr r="0" g="0" b="0"/>
+      </a:fillRef>
+      <a:effectRef idx="1">
+        <a:scrgbClr r="0" g="0" b="0"/>
+      </a:effectRef>
+      <a:fontRef idx="minor"/>
+    </dgm:style>
+  </dgm:styleLbl>
+  <dgm:styleLbl name="conFgAcc1">
+    <dgm:scene3d>
+      <a:camera prst="orthographicFront"/>
+      <a:lightRig rig="threePt" dir="t"/>
+    </dgm:scene3d>
+    <dgm:sp3d/>
+    <dgm:txPr/>
+    <dgm:style>
+      <a:lnRef idx="1">
+        <a:scrgbClr r="0" g="0" b="0"/>
+      </a:lnRef>
+      <a:fillRef idx="1">
+        <a:scrgbClr r="0" g="0" b="0"/>
+      </a:fillRef>
+      <a:effectRef idx="2">
+        <a:scrgbClr r="0" g="0" b="0"/>
+      </a:effectRef>
+      <a:fontRef idx="minor"/>
+    </dgm:style>
+  </dgm:styleLbl>
+  <dgm:styleLbl name="dkBgShp">
+    <dgm:scene3d>
+      <a:camera prst="orthographicFront"/>
+      <a:lightRig rig="threePt" dir="t"/>
+    </dgm:scene3d>
+    <dgm:sp3d/>
+    <dgm:txPr/>
+    <dgm:style>
+      <a:lnRef idx="0">
+        <a:scrgbClr r="0" g="0" b="0"/>
+      </a:lnRef>
+      <a:fillRef idx="1">
+        <a:scrgbClr r="0" g="0" b="0"/>
+      </a:fillRef>
+      <a:effectRef idx="3">
+        <a:scrgbClr r="0" g="0" b="0"/>
+      </a:effectRef>
+      <a:fontRef idx="minor"/>
+    </dgm:style>
+  </dgm:styleLbl>
+  <dgm:styleLbl name="fgAcc0">
+    <dgm:scene3d>
+      <a:camera prst="orthographicFront"/>
+      <a:lightRig rig="threePt" dir="t"/>
+    </dgm:scene3d>
+    <dgm:sp3d/>
+    <dgm:txPr/>
+    <dgm:style>
+      <a:lnRef idx="1">
+        <a:scrgbClr r="0" g="0" b="0"/>
+      </a:lnRef>
+      <a:fillRef idx="1">
+        <a:scrgbClr r="0" g="0" b="0"/>
+      </a:fillRef>
+      <a:effectRef idx="2">
+        <a:scrgbClr r="0" g="0" b="0"/>
+      </a:effectRef>
+      <a:fontRef idx="minor"/>
+    </dgm:style>
+  </dgm:styleLbl>
+  <dgm:styleLbl name="fgAcc1">
+    <dgm:scene3d>
+      <a:camera prst="orthographicFront"/>
+      <a:lightRig rig="threePt" dir="t"/>
+    </dgm:scene3d>
+    <dgm:sp3d/>
+    <dgm:txPr/>
+    <dgm:style>
+      <a:lnRef idx="1">
+        <a:scrgbClr r="0" g="0" b="0"/>
+      </a:lnRef>
+      <a:fillRef idx="1">
+        <a:scrgbClr r="0" g="0" b="0"/>
+      </a:fillRef>
+      <a:effectRef idx="2">
+        <a:scrgbClr r="0" g="0" b="0"/>
+      </a:effectRef>
+      <a:fontRef idx="minor"/>
+    </dgm:style>
+  </dgm:styleLbl>
+  <dgm:styleLbl name="fgAcc2">
+    <dgm:scene3d>
+      <a:camera prst="orthographicFront"/>
+      <a:lightRig rig="threePt" dir="t"/>
+    </dgm:scene3d>
+    <dgm:sp3d/>
+    <dgm:txPr/>
+    <dgm:style>
+      <a:lnRef idx="1">
+        <a:scrgbClr r="0" g="0" b="0"/>
+      </a:lnRef>
+      <a:fillRef idx="1">
+        <a:scrgbClr r="0" g="0" b="0"/>
+      </a:fillRef>
+      <a:effectRef idx="2">
+        <a:scrgbClr r="0" g="0" b="0"/>
+      </a:effectRef>
+      <a:fontRef idx="minor"/>
+    </dgm:style>
+  </dgm:styleLbl>
+  <dgm:styleLbl name="fgAcc3">
+    <dgm:scene3d>
+      <a:camera prst="orthographicFront"/>
+      <a:lightRig rig="threePt" dir="t"/>
+    </dgm:scene3d>
+    <dgm:sp3d/>
+    <dgm:txPr/>
+    <dgm:style>
+      <a:lnRef idx="1">
+        <a:scrgbClr r="0" g="0" b="0"/>
+      </a:lnRef>
+      <a:fillRef idx="1">
+        <a:scrgbClr r="0" g="0" b="0"/>
+      </a:fillRef>
+      <a:effectRef idx="2">
+        <a:scrgbClr r="0" g="0" b="0"/>
+      </a:effectRef>
+      <a:fontRef idx="minor"/>
+    </dgm:style>
+  </dgm:styleLbl>
+  <dgm:styleLbl name="fgAcc4">
+    <dgm:scene3d>
+      <a:camera prst="orthographicFront"/>
+      <a:lightRig rig="threePt" dir="t"/>
+    </dgm:scene3d>
+    <dgm:sp3d/>
+    <dgm:txPr/>
+    <dgm:style>
+      <a:lnRef idx="1">
+        <a:scrgbClr r="0" g="0" b="0"/>
+      </a:lnRef>
+      <a:fillRef idx="1">
+        <a:scrgbClr r="0" g="0" b="0"/>
+      </a:fillRef>
+      <a:effectRef idx="2">
+        <a:scrgbClr r="0" g="0" b="0"/>
+      </a:effectRef>
+      <a:fontRef idx="minor"/>
+    </dgm:style>
+  </dgm:styleLbl>
+  <dgm:styleLbl name="fgAccFollowNode1">
+    <dgm:scene3d>
+      <a:camera prst="orthographicFront"/>
+      <a:lightRig rig="threePt" dir="t"/>
+    </dgm:scene3d>
+    <dgm:sp3d/>
+    <dgm:txPr/>
+    <dgm:style>
+      <a:lnRef idx="1">
+        <a:scrgbClr r="0" g="0" b="0"/>
+      </a:lnRef>
+      <a:fillRef idx="1">
+        <a:scrgbClr r="0" g="0" b="0"/>
+      </a:fillRef>
+      <a:effectRef idx="2">
+        <a:scrgbClr r="0" g="0" b="0"/>
+      </a:effectRef>
+      <a:fontRef idx="minor"/>
+    </dgm:style>
+  </dgm:styleLbl>
+  <dgm:styleLbl name="fgImgPlace1">
+    <dgm:scene3d>
+      <a:camera prst="orthographicFront"/>
+      <a:lightRig rig="threePt" dir="t"/>
+    </dgm:scene3d>
+    <dgm:sp3d/>
+    <dgm:txPr/>
+    <dgm:style>
+      <a:lnRef idx="0">
+        <a:scrgbClr r="0" g="0" b="0"/>
+      </a:lnRef>
+      <a:fillRef idx="1">
+        <a:scrgbClr r="0" g="0" b="0"/>
+      </a:fillRef>
+      <a:effectRef idx="3">
+        <a:scrgbClr r="0" g="0" b="0"/>
+      </a:effectRef>
+      <a:fontRef idx="minor"/>
+    </dgm:style>
+  </dgm:styleLbl>
+  <dgm:styleLbl name="fgShp">
+    <dgm:scene3d>
+      <a:camera prst="orthographicFront"/>
+      <a:lightRig rig="threePt" dir="t"/>
+    </dgm:scene3d>
+    <dgm:sp3d/>
+    <dgm:txPr/>
+    <dgm:style>
+      <a:lnRef idx="0">
+        <a:scrgbClr r="0" g="0" b="0"/>
+      </a:lnRef>
+      <a:fillRef idx="3">
+        <a:scrgbClr r="0" g="0" b="0"/>
+      </a:fillRef>
+      <a:effectRef idx="3">
+        <a:scrgbClr r="0" g="0" b="0"/>
+      </a:effectRef>
+      <a:fontRef idx="minor"/>
+    </dgm:style>
+  </dgm:styleLbl>
+  <dgm:styleLbl name="fgSibTrans2D1">
+    <dgm:scene3d>
+      <a:camera prst="orthographicFront"/>
+      <a:lightRig rig="threePt" dir="t"/>
+    </dgm:scene3d>
+    <dgm:sp3d/>
+    <dgm:txPr/>
+    <dgm:style>
+      <a:lnRef idx="0">
+        <a:scrgbClr r="0" g="0" b="0"/>
+      </a:lnRef>
+      <a:fillRef idx="3">
+        <a:scrgbClr r="0" g="0" b="0"/>
+      </a:fillRef>
+      <a:effectRef idx="3">
+        <a:scrgbClr r="0" g="0" b="0"/>
+      </a:effectRef>
+      <a:fontRef idx="minor">
+        <a:schemeClr val="lt1"/>
+      </a:fontRef>
+    </dgm:style>
+  </dgm:styleLbl>
+  <dgm:styleLbl name="lnNode1">
+    <dgm:scene3d>
+      <a:camera prst="orthographicFront"/>
+      <a:lightRig rig="threePt" dir="t"/>
+    </dgm:scene3d>
+    <dgm:sp3d/>
+    <dgm:txPr/>
+    <dgm:style>
+      <a:lnRef idx="0">
+        <a:scrgbClr r="0" g="0" b="0"/>
+      </a:lnRef>
+      <a:fillRef idx="3">
+        <a:scrgbClr r="0" g="0" b="0"/>
+      </a:fillRef>
+      <a:effectRef idx="3">
+        <a:scrgbClr r="0" g="0" b="0"/>
+      </a:effectRef>
+      <a:fontRef idx="minor">
+        <a:schemeClr val="lt1"/>
+      </a:fontRef>
+    </dgm:style>
+  </dgm:styleLbl>
+  <dgm:styleLbl name="node0">
+    <dgm:scene3d>
+      <a:camera prst="orthographicFront"/>
+      <a:lightRig rig="threePt" dir="t"/>
+    </dgm:scene3d>
+    <dgm:sp3d/>
+    <dgm:txPr/>
+    <dgm:style>
+      <a:lnRef idx="0">
+        <a:scrgbClr r="0" g="0" b="0"/>
+      </a:lnRef>
+      <a:fillRef idx="3">
+        <a:scrgbClr r="0" g="0" b="0"/>
+      </a:fillRef>
+      <a:effectRef idx="3">
+        <a:scrgbClr r="0" g="0" b="0"/>
+      </a:effectRef>
+      <a:fontRef idx="minor">
+        <a:schemeClr val="lt1"/>
+      </a:fontRef>
+    </dgm:style>
+  </dgm:styleLbl>
+  <dgm:styleLbl name="node1">
+    <dgm:scene3d>
+      <a:camera prst="orthographicFront"/>
+      <a:lightRig rig="threePt" dir="t"/>
+    </dgm:scene3d>
+    <dgm:sp3d/>
+    <dgm:txPr/>
+    <dgm:style>
+      <a:lnRef idx="0">
+        <a:scrgbClr r="0" g="0" b="0"/>
+      </a:lnRef>
+      <a:fillRef idx="3">
+        <a:scrgbClr r="0" g="0" b="0"/>
+      </a:fillRef>
+      <a:effectRef idx="3">
+        <a:scrgbClr r="0" g="0" b="0"/>
+      </a:effectRef>
+      <a:fontRef idx="minor">
+        <a:schemeClr val="lt1"/>
+      </a:fontRef>
+    </dgm:style>
+  </dgm:styleLbl>
+  <dgm:styleLbl name="node2">
+    <dgm:scene3d>
+      <a:camera prst="orthographicFront"/>
+      <a:lightRig rig="threePt" dir="t"/>
+    </dgm:scene3d>
+    <dgm:sp3d/>
+    <dgm:txPr/>
+    <dgm:style>
+      <a:lnRef idx="0">
+        <a:scrgbClr r="0" g="0" b="0"/>
+      </a:lnRef>
+      <a:fillRef idx="3">
+        <a:scrgbClr r="0" g="0" b="0"/>
+      </a:fillRef>
+      <a:effectRef idx="3">
+        <a:scrgbClr r="0" g="0" b="0"/>
+      </a:effectRef>
+      <a:fontRef idx="minor">
+        <a:schemeClr val="lt1"/>
+      </a:fontRef>
+    </dgm:style>
+  </dgm:styleLbl>
+  <dgm:styleLbl name="node3">
+    <dgm:scene3d>
+      <a:camera prst="orthographicFront"/>
+      <a:lightRig rig="threePt" dir="t"/>
+    </dgm:scene3d>
+    <dgm:sp3d/>
+    <dgm:txPr/>
+    <dgm:style>
+      <a:lnRef idx="0">
+        <a:scrgbClr r="0" g="0" b="0"/>
+      </a:lnRef>
+      <a:fillRef idx="3">
+        <a:scrgbClr r="0" g="0" b="0"/>
+      </a:fillRef>
+      <a:effectRef idx="3">
+        <a:scrgbClr r="0" g="0" b="0"/>
+      </a:effectRef>
+      <a:fontRef idx="minor">
+        <a:schemeClr val="lt1"/>
+      </a:fontRef>
+    </dgm:style>
+  </dgm:styleLbl>
+  <dgm:styleLbl name="node4">
+    <dgm:scene3d>
+      <a:camera prst="orthographicFront"/>
+      <a:lightRig rig="threePt" dir="t"/>
+    </dgm:scene3d>
+    <dgm:sp3d/>
+    <dgm:txPr/>
+    <dgm:style>
+      <a:lnRef idx="0">
+        <a:scrgbClr r="0" g="0" b="0"/>
+      </a:lnRef>
+      <a:fillRef idx="3">
+        <a:scrgbClr r="0" g="0" b="0"/>
+      </a:fillRef>
+      <a:effectRef idx="3">
+        <a:scrgbClr r="0" g="0" b="0"/>
+      </a:effectRef>
+      <a:fontRef idx="minor">
+        <a:schemeClr val="lt1"/>
+      </a:fontRef>
+    </dgm:style>
+  </dgm:styleLbl>
+  <dgm:styleLbl name="parChTrans1D1">
+    <dgm:scene3d>
+      <a:camera prst="orthographicFront"/>
+      <a:lightRig rig="threePt" dir="t"/>
+    </dgm:scene3d>
+    <dgm:sp3d/>
+    <dgm:txPr/>
+    <dgm:style>
+      <a:lnRef idx="2">
+        <a:scrgbClr r="0" g="0" b="0"/>
+      </a:lnRef>
+      <a:fillRef idx="0">
+        <a:scrgbClr r="0" g="0" b="0"/>
+      </a:fillRef>
+      <a:effectRef idx="0">
+        <a:scrgbClr r="0" g="0" b="0"/>
+      </a:effectRef>
+      <a:fontRef idx="minor"/>
+    </dgm:style>
+  </dgm:styleLbl>
+  <dgm:styleLbl name="parChTrans1D2">
+    <dgm:scene3d>
+      <a:camera prst="orthographicFront"/>
+      <a:lightRig rig="threePt" dir="t"/>
+    </dgm:scene3d>
+    <dgm:sp3d/>
+    <dgm:txPr/>
+    <dgm:style>
+      <a:lnRef idx="2">
+        <a:scrgbClr r="0" g="0" b="0"/>
+      </a:lnRef>
+      <a:fillRef idx="0">
+        <a:scrgbClr r="0" g="0" b="0"/>
+      </a:fillRef>
+      <a:effectRef idx="0">
+        <a:scrgbClr r="0" g="0" b="0"/>
+      </a:effectRef>
+      <a:fontRef idx="minor"/>
+    </dgm:style>
+  </dgm:styleLbl>
+  <dgm:styleLbl name="parChTrans1D3">
+    <dgm:scene3d>
+      <a:camera prst="orthographicFront"/>
+      <a:lightRig rig="threePt" dir="t"/>
+    </dgm:scene3d>
+    <dgm:sp3d/>
+    <dgm:txPr/>
+    <dgm:style>
+      <a:lnRef idx="2">
+        <a:scrgbClr r="0" g="0" b="0"/>
+      </a:lnRef>
+      <a:fillRef idx="0">
+        <a:scrgbClr r="0" g="0" b="0"/>
+      </a:fillRef>
+      <a:effectRef idx="0">
+        <a:scrgbClr r="0" g="0" b="0"/>
+      </a:effectRef>
+      <a:fontRef idx="minor"/>
+    </dgm:style>
+  </dgm:styleLbl>
+  <dgm:styleLbl name="parChTrans1D4">
+    <dgm:scene3d>
+      <a:camera prst="orthographicFront"/>
+      <a:lightRig rig="threePt" dir="t"/>
+    </dgm:scene3d>
+    <dgm:sp3d/>
+    <dgm:txPr/>
+    <dgm:style>
+      <a:lnRef idx="2">
+        <a:scrgbClr r="0" g="0" b="0"/>
+      </a:lnRef>
+      <a:fillRef idx="0">
+        <a:scrgbClr r="0" g="0" b="0"/>
+      </a:fillRef>
+      <a:effectRef idx="0">
+        <a:scrgbClr r="0" g="0" b="0"/>
+      </a:effectRef>
+      <a:fontRef idx="minor"/>
+    </dgm:style>
+  </dgm:styleLbl>
+  <dgm:styleLbl name="parChTrans2D1">
+    <dgm:scene3d>
+      <a:camera prst="orthographicFront"/>
+      <a:lightRig rig="threePt" dir="t"/>
+    </dgm:scene3d>
+    <dgm:sp3d/>
+    <dgm:txPr/>
+    <dgm:style>
+      <a:lnRef idx="0">
+        <a:scrgbClr r="0" g="0" b="0"/>
+      </a:lnRef>
+      <a:fillRef idx="3">
+        <a:scrgbClr r="0" g="0" b="0"/>
+      </a:fillRef>
+      <a:effectRef idx="3">
+        <a:scrgbClr r="0" g="0" b="0"/>
+      </a:effectRef>
+      <a:fontRef idx="minor">
+        <a:schemeClr val="lt1"/>
+      </a:fontRef>
+    </dgm:style>
+  </dgm:styleLbl>
+  <dgm:styleLbl name="parChTrans2D2">
+    <dgm:scene3d>
+      <a:camera prst="orthographicFront"/>
+      <a:lightRig rig="threePt" dir="t"/>
+    </dgm:scene3d>
+    <dgm:sp3d/>
+    <dgm:txPr/>
+    <dgm:style>
+      <a:lnRef idx="0">
+        <a:scrgbClr r="0" g="0" b="0"/>
+      </a:lnRef>
+      <a:fillRef idx="3">
+        <a:scrgbClr r="0" g="0" b="0"/>
+      </a:fillRef>
+      <a:effectRef idx="3">
+        <a:scrgbClr r="0" g="0" b="0"/>
+      </a:effectRef>
+      <a:fontRef idx="minor">
+        <a:schemeClr val="lt1"/>
+      </a:fontRef>
+    </dgm:style>
+  </dgm:styleLbl>
+  <dgm:styleLbl name="parChTrans2D3">
+    <dgm:scene3d>
+      <a:camera prst="orthographicFront"/>
+      <a:lightRig rig="threePt" dir="t"/>
+    </dgm:scene3d>
+    <dgm:sp3d/>
+    <dgm:txPr/>
+    <dgm:style>
+      <a:lnRef idx="0">
+        <a:scrgbClr r="0" g="0" b="0"/>
+      </a:lnRef>
+      <a:fillRef idx="3">
+        <a:scrgbClr r="0" g="0" b="0"/>
+      </a:fillRef>
+      <a:effectRef idx="3">
+        <a:scrgbClr r="0" g="0" b="0"/>
+      </a:effectRef>
+      <a:fontRef idx="minor">
+        <a:schemeClr val="lt1"/>
+      </a:fontRef>
+    </dgm:style>
+  </dgm:styleLbl>
+  <dgm:styleLbl name="parChTrans2D4">
+    <dgm:scene3d>
+      <a:camera prst="orthographicFront"/>
+      <a:lightRig rig="threePt" dir="t"/>
+    </dgm:scene3d>
+    <dgm:sp3d/>
+    <dgm:txPr/>
+    <dgm:style>
+      <a:lnRef idx="0">
+        <a:scrgbClr r="0" g="0" b="0"/>
+      </a:lnRef>
+      <a:fillRef idx="3">
+        <a:scrgbClr r="0" g="0" b="0"/>
+      </a:fillRef>
+      <a:effectRef idx="3">
+        <a:scrgbClr r="0" g="0" b="0"/>
+      </a:effectRef>
+      <a:fontRef idx="minor">
+        <a:schemeClr val="lt1"/>
+      </a:fontRef>
+    </dgm:style>
+  </dgm:styleLbl>
+  <dgm:styleLbl name="revTx">
+    <dgm:scene3d>
+      <a:camera prst="orthographicFront"/>
+      <a:lightRig rig="threePt" dir="t"/>
+    </dgm:scene3d>
+    <dgm:sp3d/>
+    <dgm:txPr/>
+    <dgm:style>
+      <a:lnRef idx="0">
+        <a:scrgbClr r="0" g="0" b="0"/>
+      </a:lnRef>
+      <a:fillRef idx="0">
+        <a:scrgbClr r="0" g="0" b="0"/>
+      </a:fillRef>
+      <a:effectRef idx="0">
+        <a:scrgbClr r="0" g="0" b="0"/>
+      </a:effectRef>
+      <a:fontRef idx="minor"/>
+    </dgm:style>
+  </dgm:styleLbl>
+  <dgm:styleLbl name="sibTrans1D1">
+    <dgm:scene3d>
+      <a:camera prst="orthographicFront"/>
+      <a:lightRig rig="threePt" dir="t"/>
+    </dgm:scene3d>
+    <dgm:sp3d/>
+    <dgm:txPr/>
+    <dgm:style>
+      <a:lnRef idx="1">
+        <a:scrgbClr r="0" g="0" b="0"/>
+      </a:lnRef>
+      <a:fillRef idx="0">
+        <a:scrgbClr r="0" g="0" b="0"/>
+      </a:fillRef>
+      <a:effectRef idx="0">
+        <a:scrgbClr r="0" g="0" b="0"/>
+      </a:effectRef>
+      <a:fontRef idx="minor"/>
+    </dgm:style>
+  </dgm:styleLbl>
+  <dgm:styleLbl name="sibTrans2D1">
+    <dgm:scene3d>
+      <a:camera prst="orthographicFront"/>
+      <a:lightRig rig="threePt" dir="t"/>
+    </dgm:scene3d>
+    <dgm:sp3d/>
+    <dgm:txPr/>
+    <dgm:style>
+      <a:lnRef idx="0">
+        <a:scrgbClr r="0" g="0" b="0"/>
+      </a:lnRef>
+      <a:fillRef idx="3">
+        <a:scrgbClr r="0" g="0" b="0"/>
+      </a:fillRef>
+      <a:effectRef idx="3">
+        <a:scrgbClr r="0" g="0" b="0"/>
+      </a:effectRef>
+      <a:fontRef idx="minor">
+        <a:schemeClr val="lt1"/>
+      </a:fontRef>
+    </dgm:style>
+  </dgm:styleLbl>
+  <dgm:styleLbl name="solidAlignAcc1">
+    <dgm:scene3d>
+      <a:camera prst="orthographicFront"/>
+      <a:lightRig rig="threePt" dir="t"/>
+    </dgm:scene3d>
+    <dgm:sp3d/>
+    <dgm:txPr/>
+    <dgm:style>
+      <a:lnRef idx="1">
+        <a:scrgbClr r="0" g="0" b="0"/>
+      </a:lnRef>
+      <a:fillRef idx="1">
+        <a:scrgbClr r="0" g="0" b="0"/>
+      </a:fillRef>
+      <a:effectRef idx="3">
+        <a:scrgbClr r="0" g="0" b="0"/>
+      </a:effectRef>
+      <a:fontRef idx="minor"/>
+    </dgm:style>
+  </dgm:styleLbl>
+  <dgm:styleLbl name="solidBgAcc1">
+    <dgm:scene3d>
+      <a:camera prst="orthographicFront"/>
+      <a:lightRig rig="threePt" dir="t"/>
+    </dgm:scene3d>
+    <dgm:sp3d/>
+    <dgm:txPr/>
+    <dgm:style>
+      <a:lnRef idx="1">
+        <a:scrgbClr r="0" g="0" b="0"/>
+      </a:lnRef>
+      <a:fillRef idx="1">
+        <a:scrgbClr r="0" g="0" b="0"/>
+      </a:fillRef>
+      <a:effectRef idx="3">
+        <a:scrgbClr r="0" g="0" b="0"/>
+      </a:effectRef>
+      <a:fontRef idx="minor"/>
+    </dgm:style>
+  </dgm:styleLbl>
+  <dgm:styleLbl name="solidFgAcc1">
+    <dgm:scene3d>
+      <a:camera prst="orthographicFront"/>
+      <a:lightRig rig="threePt" dir="t"/>
+    </dgm:scene3d>
+    <dgm:sp3d/>
+    <dgm:txPr/>
+    <dgm:style>
+      <a:lnRef idx="1">
+        <a:scrgbClr r="0" g="0" b="0"/>
+      </a:lnRef>
+      <a:fillRef idx="1">
+        <a:scrgbClr r="0" g="0" b="0"/>
+      </a:fillRef>
+      <a:effectRef idx="2">
+        <a:scrgbClr r="0" g="0" b="0"/>
+      </a:effectRef>
+      <a:fontRef idx="minor"/>
+    </dgm:style>
+  </dgm:styleLbl>
+  <dgm:styleLbl name="trAlignAcc1">
+    <dgm:scene3d>
+      <a:camera prst="orthographicFront"/>
+      <a:lightRig rig="threePt" dir="t"/>
+    </dgm:scene3d>
+    <dgm:sp3d/>
+    <dgm:txPr/>
+    <dgm:style>
+      <a:lnRef idx="1">
+        <a:scrgbClr r="0" g="0" b="0"/>
+      </a:lnRef>
+      <a:fillRef idx="1">
+        <a:scrgbClr r="0" g="0" b="0"/>
+      </a:fillRef>
+      <a:effectRef idx="0">
+        <a:scrgbClr r="0" g="0" b="0"/>
+      </a:effectRef>
+      <a:fontRef idx="minor"/>
+    </dgm:style>
+  </dgm:styleLbl>
+  <dgm:styleLbl name="trBgShp">
+    <dgm:scene3d>
+      <a:camera prst="orthographicFront"/>
+      <a:lightRig rig="threePt" dir="t"/>
+    </dgm:scene3d>
+    <dgm:sp3d/>
+    <dgm:txPr/>
+    <dgm:style>
+      <a:lnRef idx="0">
+        <a:scrgbClr r="0" g="0" b="0"/>
+      </a:lnRef>
+      <a:fillRef idx="1">
+        <a:scrgbClr r="0" g="0" b="0"/>
+      </a:fillRef>
+      <a:effectRef idx="0">
+        <a:scrgbClr r="0" g="0" b="0"/>
+      </a:effectRef>
+      <a:fontRef idx="minor"/>
+    </dgm:style>
+  </dgm:styleLbl>
+  <dgm:styleLbl name="vennNode1">
+    <dgm:scene3d>
+      <a:camera prst="orthographicFront"/>
+      <a:lightRig rig="threePt" dir="t"/>
+    </dgm:scene3d>
+    <dgm:sp3d/>
+    <dgm:txPr/>
+    <dgm:style>
+      <a:lnRef idx="0">
+        <a:scrgbClr r="0" g="0" b="0"/>
+      </a:lnRef>
+      <a:fillRef idx="3">
+        <a:scrgbClr r="0" g="0" b="0"/>
+      </a:fillRef>
+      <a:effectRef idx="3">
+        <a:scrgbClr r="0" g="0" b="0"/>
+      </a:effectRef>
+      <a:fontRef idx="minor">
+        <a:schemeClr val="tx1"/>
+      </a:fontRef>
+    </dgm:style>
+  </dgm:styleLbl>
+</dgm:styleDef>
+</file>
+
 <file path=ppt/notesMasters/notesMaster1.xml><?xml version="1.0" encoding="utf-8"?>
 <p:notesMaster xmlns:a="http://schemas.openxmlformats.org/drawingml/2006/main" xmlns:r="http://schemas.openxmlformats.org/officeDocument/2006/relationships" xmlns:p="http://schemas.openxmlformats.org/presentationml/2006/main">
   <p:cSld>
@@ -4304,10 +6858,7 @@
               <a:buSzPts val="1100"/>
               <a:buNone/>
             </a:pPr>
-            <a:r>
-              <a:rPr lang="en-US" altLang="zh-CN" dirty="0"/>
-              <a:t>we will address this topic through the following four aspects, and will discuss several key questions among them.</a:t>
-            </a:r>
+            <a:endParaRPr lang="en-US" altLang="zh-CN" dirty="0"/>
           </a:p>
         </p:txBody>
       </p:sp>
@@ -4574,6 +7125,154 @@
   <p:cSld>
     <p:spTree>
       <p:nvGrpSpPr>
+        <p:cNvPr id="1" name="Shape 74">
+          <a:extLst>
+            <a:ext uri="{FF2B5EF4-FFF2-40B4-BE49-F238E27FC236}">
+              <a16:creationId xmlns:a16="http://schemas.microsoft.com/office/drawing/2014/main" id="{920B9257-230C-228D-C83A-66EA4D33D2DD}"/>
+            </a:ext>
+          </a:extLst>
+        </p:cNvPr>
+        <p:cNvGrpSpPr/>
+        <p:nvPr/>
+      </p:nvGrpSpPr>
+      <p:grpSpPr>
+        <a:xfrm>
+          <a:off x="0" y="0"/>
+          <a:ext cx="0" cy="0"/>
+          <a:chOff x="0" y="0"/>
+          <a:chExt cx="0" cy="0"/>
+        </a:xfrm>
+      </p:grpSpPr>
+      <p:sp>
+        <p:nvSpPr>
+          <p:cNvPr id="75" name="Google Shape;75;p2:notes">
+            <a:extLst>
+              <a:ext uri="{FF2B5EF4-FFF2-40B4-BE49-F238E27FC236}">
+                <a16:creationId xmlns:a16="http://schemas.microsoft.com/office/drawing/2014/main" id="{6FC909AC-D35C-DF9A-374C-A4E8D753CF31}"/>
+              </a:ext>
+            </a:extLst>
+          </p:cNvPr>
+          <p:cNvSpPr>
+            <a:spLocks noGrp="1" noRot="1" noChangeAspect="1"/>
+          </p:cNvSpPr>
+          <p:nvPr>
+            <p:ph type="sldImg" idx="2"/>
+          </p:nvPr>
+        </p:nvSpPr>
+        <p:spPr>
+          <a:xfrm>
+            <a:off x="381000" y="685800"/>
+            <a:ext cx="6096000" cy="3429000"/>
+          </a:xfrm>
+          <a:custGeom>
+            <a:avLst/>
+            <a:gdLst/>
+            <a:ahLst/>
+            <a:cxnLst/>
+            <a:rect l="l" t="t" r="r" b="b"/>
+            <a:pathLst>
+              <a:path w="120000" h="120000" extrusionOk="0">
+                <a:moveTo>
+                  <a:pt x="0" y="0"/>
+                </a:moveTo>
+                <a:lnTo>
+                  <a:pt x="120000" y="0"/>
+                </a:lnTo>
+                <a:lnTo>
+                  <a:pt x="120000" y="120000"/>
+                </a:lnTo>
+                <a:lnTo>
+                  <a:pt x="0" y="120000"/>
+                </a:lnTo>
+                <a:close/>
+              </a:path>
+            </a:pathLst>
+          </a:custGeom>
+          <a:noFill/>
+          <a:ln w="9525" cap="flat" cmpd="sng">
+            <a:solidFill>
+              <a:srgbClr val="000000"/>
+            </a:solidFill>
+            <a:prstDash val="solid"/>
+            <a:round/>
+            <a:headEnd type="none" w="sm" len="sm"/>
+            <a:tailEnd type="none" w="sm" len="sm"/>
+          </a:ln>
+        </p:spPr>
+      </p:sp>
+      <p:sp>
+        <p:nvSpPr>
+          <p:cNvPr id="76" name="Google Shape;76;p2:notes">
+            <a:extLst>
+              <a:ext uri="{FF2B5EF4-FFF2-40B4-BE49-F238E27FC236}">
+                <a16:creationId xmlns:a16="http://schemas.microsoft.com/office/drawing/2014/main" id="{FC7C5A39-75F5-454C-9318-7C609298A684}"/>
+              </a:ext>
+            </a:extLst>
+          </p:cNvPr>
+          <p:cNvSpPr txBox="1">
+            <a:spLocks noGrp="1"/>
+          </p:cNvSpPr>
+          <p:nvPr>
+            <p:ph type="body" idx="1"/>
+          </p:nvPr>
+        </p:nvSpPr>
+        <p:spPr>
+          <a:xfrm>
+            <a:off x="685800" y="4343400"/>
+            <a:ext cx="5486400" cy="4114800"/>
+          </a:xfrm>
+          <a:prstGeom prst="rect">
+            <a:avLst/>
+          </a:prstGeom>
+          <a:noFill/>
+          <a:ln>
+            <a:noFill/>
+          </a:ln>
+        </p:spPr>
+        <p:txBody>
+          <a:bodyPr spcFirstLastPara="1" wrap="square" lIns="91425" tIns="91425" rIns="91425" bIns="91425" anchor="t" anchorCtr="0">
+            <a:noAutofit/>
+          </a:bodyPr>
+          <a:lstStyle/>
+          <a:p>
+            <a:pPr marL="457200" lvl="0" indent="-228600" algn="l" rtl="0">
+              <a:lnSpc>
+                <a:spcPct val="100000"/>
+              </a:lnSpc>
+              <a:spcBef>
+                <a:spcPts val="0"/>
+              </a:spcBef>
+              <a:spcAft>
+                <a:spcPts val="0"/>
+              </a:spcAft>
+              <a:buSzPts val="1100"/>
+              <a:buNone/>
+            </a:pPr>
+            <a:r>
+              <a:rPr lang="en-US" altLang="zh-CN" dirty="0"/>
+              <a:t>we will address this topic through the following four aspects, and will discuss several key questions among them.</a:t>
+            </a:r>
+          </a:p>
+        </p:txBody>
+      </p:sp>
+    </p:spTree>
+    <p:extLst>
+      <p:ext uri="{BB962C8B-B14F-4D97-AF65-F5344CB8AC3E}">
+        <p14:creationId xmlns:p14="http://schemas.microsoft.com/office/powerpoint/2010/main" val="2846982126"/>
+      </p:ext>
+    </p:extLst>
+  </p:cSld>
+  <p:clrMapOvr>
+    <a:masterClrMapping/>
+  </p:clrMapOvr>
+</p:notes>
+</file>
+
+<file path=ppt/notesSlides/notesSlide16.xml><?xml version="1.0" encoding="utf-8"?>
+<p:notes xmlns:a="http://schemas.openxmlformats.org/drawingml/2006/main" xmlns:r="http://schemas.openxmlformats.org/officeDocument/2006/relationships" xmlns:p="http://schemas.openxmlformats.org/presentationml/2006/main" showMasterSp="0" showMasterPhAnim="0">
+  <p:cSld>
+    <p:spTree>
+      <p:nvGrpSpPr>
         <p:cNvPr id="1" name="Shape 74"/>
         <p:cNvGrpSpPr/>
         <p:nvPr/>
@@ -4694,7 +7393,7 @@
 </p:notes>
 </file>
 
-<file path=ppt/notesSlides/notesSlide16.xml><?xml version="1.0" encoding="utf-8"?>
+<file path=ppt/notesSlides/notesSlide17.xml><?xml version="1.0" encoding="utf-8"?>
 <p:notes xmlns:a="http://schemas.openxmlformats.org/drawingml/2006/main" xmlns:r="http://schemas.openxmlformats.org/officeDocument/2006/relationships" xmlns:p="http://schemas.openxmlformats.org/presentationml/2006/main" showMasterSp="0" showMasterPhAnim="0">
   <p:cSld>
     <p:spTree>
@@ -4753,7 +7452,7 @@
               <a:buSzPts val="1100"/>
               <a:buNone/>
             </a:pPr>
-            <a:endParaRPr/>
+            <a:endParaRPr dirty="0"/>
           </a:p>
         </p:txBody>
       </p:sp>
@@ -20897,8 +23596,8 @@
         </p:nvSpPr>
         <p:spPr>
           <a:xfrm>
-            <a:off x="194310" y="775335"/>
-            <a:ext cx="8830945" cy="4276725"/>
+            <a:off x="0" y="775335"/>
+            <a:ext cx="9144000" cy="4016997"/>
           </a:xfrm>
           <a:prstGeom prst="rect">
             <a:avLst/>
@@ -20911,7 +23610,7 @@
           <a:lstStyle/>
           <a:p>
             <a:r>
-              <a:rPr lang="en-US" altLang="zh-CN" sz="2400" b="1" dirty="0">
+              <a:rPr lang="en-US" altLang="zh-CN" sz="2000" b="1" dirty="0">
                 <a:solidFill>
                   <a:schemeClr val="accent4">
                     <a:lumMod val="75000"/>
@@ -20921,12 +23620,35 @@
                 <a:ea typeface="JetBrains Mono"/>
                 <a:cs typeface="Arial" panose="020B0604020202020204" pitchFamily="34" charset="0"/>
               </a:rPr>
-              <a:t>Experimental Differences and Their Impact</a:t>
+              <a:t>Experimental Differences and Impact</a:t>
             </a:r>
           </a:p>
           <a:p>
+            <a:pPr marL="285750" indent="-285750">
+              <a:lnSpc>
+                <a:spcPct val="150000"/>
+              </a:lnSpc>
+              <a:buFont typeface="Wingdings" pitchFamily="2" charset="2"/>
+              <a:buChar char="n"/>
+            </a:pPr>
             <a:r>
-              <a:rPr lang="en-US" altLang="zh-CN" sz="1600" b="1" dirty="0">
+              <a:rPr lang="en-MY" altLang="zh-CN" sz="1600" b="1" dirty="0"/>
+              <a:t>Longer and fixed-length sequences </a:t>
+            </a:r>
+            <a:r>
+              <a:rPr lang="en-MY" altLang="zh-CN" sz="1600" dirty="0"/>
+              <a:t>(lx = 10, </a:t>
+            </a:r>
+            <a:r>
+              <a:rPr lang="en-MY" altLang="zh-CN" sz="1600" dirty="0" err="1"/>
+              <a:t>lq</a:t>
+            </a:r>
+            <a:r>
+              <a:rPr lang="en-MY" altLang="zh-CN" sz="1600" dirty="0"/>
+              <a:t>/la = 128) </a:t>
+            </a:r>
+            <a:r>
+              <a:rPr lang="en-US" altLang="zh-CN" sz="1600" dirty="0">
                 <a:solidFill>
                   <a:schemeClr val="tx1"/>
                 </a:solidFill>
@@ -20934,77 +23656,12 @@
                 <a:ea typeface="JetBrains Mono"/>
                 <a:cs typeface="Arial" panose="020B0604020202020204" pitchFamily="34" charset="0"/>
               </a:rPr>
-              <a:t>1. Prefix Configuration Differences</a:t>
+              <a:t>: </a:t>
             </a:r>
             <a:r>
-              <a:rPr lang="en-US" altLang="zh-CN" sz="1600" dirty="0">
-                <a:solidFill>
-                  <a:schemeClr val="tx1"/>
-                </a:solidFill>
-                <a:latin typeface="Arial" panose="020B0604020202020204" pitchFamily="34" charset="0"/>
-                <a:ea typeface="JetBrains Mono"/>
-                <a:cs typeface="Arial" panose="020B0604020202020204" pitchFamily="34" charset="0"/>
-              </a:rPr>
-              <a:t> : Long prefixes dilute visual information injection, particularly affecting open-ended answer generation</a:t>
+              <a:rPr lang="en-MY" altLang="zh-CN" sz="1600" dirty="0"/>
+              <a:t>dilute the injection of visual information</a:t>
             </a:r>
-          </a:p>
-          <a:p>
-            <a:pPr>
-              <a:lnSpc>
-                <a:spcPct val="100000"/>
-              </a:lnSpc>
-            </a:pPr>
-            <a:r>
-              <a:rPr lang="en-US" altLang="zh-CN" sz="1600" b="1" dirty="0">
-                <a:solidFill>
-                  <a:schemeClr val="tx1"/>
-                </a:solidFill>
-                <a:latin typeface="Arial" panose="020B0604020202020204" pitchFamily="34" charset="0"/>
-                <a:ea typeface="JetBrains Mono"/>
-                <a:cs typeface="Arial" panose="020B0604020202020204" pitchFamily="34" charset="0"/>
-              </a:rPr>
-              <a:t>2. Language Model Limitations</a:t>
-            </a:r>
-            <a:r>
-              <a:rPr lang="en-US" altLang="zh-CN" sz="1600" dirty="0">
-                <a:solidFill>
-                  <a:schemeClr val="tx1"/>
-                </a:solidFill>
-                <a:latin typeface="Arial" panose="020B0604020202020204" pitchFamily="34" charset="0"/>
-                <a:ea typeface="JetBrains Mono"/>
-                <a:cs typeface="Arial" panose="020B0604020202020204" pitchFamily="34" charset="0"/>
-              </a:rPr>
-              <a:t> : </a:t>
-            </a:r>
-          </a:p>
-          <a:p>
-            <a:pPr marL="742950" lvl="1" indent="-285750">
-              <a:lnSpc>
-                <a:spcPct val="100000"/>
-              </a:lnSpc>
-              <a:buFont typeface="Arial" panose="020B0604020202020204" pitchFamily="34" charset="0"/>
-              <a:buChar char="•"/>
-            </a:pPr>
-            <a:r>
-              <a:rPr lang="en-US" altLang="zh-CN" sz="1600" dirty="0">
-                <a:solidFill>
-                  <a:schemeClr val="tx1"/>
-                </a:solidFill>
-                <a:latin typeface="Arial" panose="020B0604020202020204" pitchFamily="34" charset="0"/>
-                <a:ea typeface="JetBrains Mono"/>
-                <a:cs typeface="Arial" panose="020B0604020202020204" pitchFamily="34" charset="0"/>
-              </a:rPr>
-              <a:t>Limits precise word form generation ability</a:t>
-            </a:r>
-          </a:p>
-          <a:p>
-            <a:pPr marL="742950" lvl="1" indent="-285750">
-              <a:lnSpc>
-                <a:spcPct val="50000"/>
-              </a:lnSpc>
-              <a:buFont typeface="Arial" panose="020B0604020202020204" pitchFamily="34" charset="0"/>
-              <a:buChar char="•"/>
-            </a:pPr>
             <a:endParaRPr lang="en-US" altLang="zh-CN" sz="1600" dirty="0">
               <a:solidFill>
                 <a:schemeClr val="tx1"/>
@@ -21015,15 +23672,72 @@
             </a:endParaRPr>
           </a:p>
           <a:p>
-            <a:pPr marL="742950" lvl="1" indent="-285750">
-              <a:lnSpc>
-                <a:spcPct val="50000"/>
-              </a:lnSpc>
-              <a:buFont typeface="Arial" panose="020B0604020202020204" pitchFamily="34" charset="0"/>
-              <a:buChar char="•"/>
+            <a:pPr marL="285750" indent="-285750">
+              <a:lnSpc>
+                <a:spcPct val="150000"/>
+              </a:lnSpc>
+              <a:buFont typeface="Wingdings" pitchFamily="2" charset="2"/>
+              <a:buChar char="n"/>
             </a:pPr>
             <a:r>
+              <a:rPr lang="en-MY" altLang="zh-CN" sz="1600" b="1" dirty="0">
+                <a:solidFill>
+                  <a:schemeClr val="accent4">
+                    <a:lumMod val="75000"/>
+                  </a:schemeClr>
+                </a:solidFill>
+              </a:rPr>
+              <a:t>GPT2-base</a:t>
+            </a:r>
+            <a:r>
+              <a:rPr lang="en-MY" altLang="zh-CN" sz="1600" b="1" dirty="0"/>
+              <a:t> rather than </a:t>
+            </a:r>
+            <a:r>
+              <a:rPr lang="en-MY" altLang="zh-CN" sz="1600" b="1" dirty="0">
+                <a:solidFill>
+                  <a:schemeClr val="accent4">
+                    <a:lumMod val="75000"/>
+                  </a:schemeClr>
+                </a:solidFill>
+              </a:rPr>
+              <a:t>GPT2-XL</a:t>
+            </a:r>
+            <a:r>
               <a:rPr lang="en-US" altLang="zh-CN" sz="1600" dirty="0">
+                <a:solidFill>
+                  <a:schemeClr val="accent4">
+                    <a:lumMod val="75000"/>
+                  </a:schemeClr>
+                </a:solidFill>
+              </a:rPr>
+              <a:t>: </a:t>
+            </a:r>
+            <a:r>
+              <a:rPr lang="en-MY" altLang="zh-CN" sz="1600" dirty="0"/>
+              <a:t>restrict the model’s ability to produce precise lexical forms</a:t>
+            </a:r>
+            <a:endParaRPr lang="en-US" altLang="zh-CN" sz="1600" dirty="0">
+              <a:solidFill>
+                <a:schemeClr val="accent4">
+                  <a:lumMod val="75000"/>
+                </a:schemeClr>
+              </a:solidFill>
+              <a:latin typeface="Arial" panose="020B0604020202020204" pitchFamily="34" charset="0"/>
+              <a:ea typeface="JetBrains Mono"/>
+              <a:cs typeface="Arial" panose="020B0604020202020204" pitchFamily="34" charset="0"/>
+            </a:endParaRPr>
+          </a:p>
+          <a:p>
+            <a:pPr marL="285750" indent="-285750">
+              <a:lnSpc>
+                <a:spcPct val="150000"/>
+              </a:lnSpc>
+              <a:buFont typeface="Wingdings" pitchFamily="2" charset="2"/>
+              <a:buChar char="n"/>
+            </a:pPr>
+            <a:r>
+              <a:rPr lang="en-MY" altLang="zh-CN" sz="1600" b="1" dirty="0">
                 <a:solidFill>
                   <a:schemeClr val="tx1"/>
                 </a:solidFill>
@@ -21031,17 +23745,27 @@
                 <a:ea typeface="JetBrains Mono"/>
                 <a:cs typeface="Arial" panose="020B0604020202020204" pitchFamily="34" charset="0"/>
               </a:rPr>
-              <a:t>Insufficient lexical expression precision leads to low BLEU</a:t>
+              <a:t>F</a:t>
             </a:r>
-          </a:p>
-          <a:p>
-            <a:pPr marL="742950" lvl="1" indent="-285750">
-              <a:lnSpc>
-                <a:spcPct val="50000"/>
-              </a:lnSpc>
-              <a:buFont typeface="Arial" panose="020B0604020202020204" pitchFamily="34" charset="0"/>
-              <a:buChar char="•"/>
-            </a:pPr>
+            <a:r>
+              <a:rPr lang="en-MY" altLang="zh-CN" sz="1600" b="1" dirty="0"/>
+              <a:t>rozen rather than fine-tuning </a:t>
+            </a:r>
+            <a:r>
+              <a:rPr lang="en-US" altLang="zh-CN" sz="1600" dirty="0">
+                <a:solidFill>
+                  <a:schemeClr val="tx1"/>
+                </a:solidFill>
+                <a:latin typeface="Arial" panose="020B0604020202020204" pitchFamily="34" charset="0"/>
+                <a:ea typeface="JetBrains Mono"/>
+                <a:cs typeface="Arial" panose="020B0604020202020204" pitchFamily="34" charset="0"/>
+              </a:rPr>
+              <a:t>: </a:t>
+            </a:r>
+            <a:r>
+              <a:rPr lang="en-MY" altLang="zh-CN" sz="1600" dirty="0"/>
+              <a:t>constrains surface-form accuracy </a:t>
+            </a:r>
             <a:endParaRPr lang="en-US" altLang="zh-CN" sz="1600" dirty="0">
               <a:solidFill>
                 <a:schemeClr val="tx1"/>
@@ -21050,50 +23774,6 @@
               <a:ea typeface="JetBrains Mono"/>
               <a:cs typeface="Arial" panose="020B0604020202020204" pitchFamily="34" charset="0"/>
             </a:endParaRPr>
-          </a:p>
-          <a:p>
-            <a:pPr marL="742950" lvl="1" indent="-285750">
-              <a:lnSpc>
-                <a:spcPct val="50000"/>
-              </a:lnSpc>
-              <a:buFont typeface="Arial" panose="020B0604020202020204" pitchFamily="34" charset="0"/>
-              <a:buChar char="•"/>
-            </a:pPr>
-            <a:r>
-              <a:rPr lang="en-US" altLang="zh-CN" sz="1600" dirty="0">
-                <a:solidFill>
-                  <a:schemeClr val="tx1"/>
-                </a:solidFill>
-                <a:latin typeface="Arial" panose="020B0604020202020204" pitchFamily="34" charset="0"/>
-                <a:ea typeface="JetBrains Mono"/>
-                <a:cs typeface="Arial" panose="020B0604020202020204" pitchFamily="34" charset="0"/>
-              </a:rPr>
-              <a:t>Semantic content remains intact</a:t>
-            </a:r>
-          </a:p>
-          <a:p>
-            <a:r>
-              <a:rPr lang="en-US" altLang="zh-CN" sz="1600" b="1" dirty="0">
-                <a:solidFill>
-                  <a:schemeClr val="tx1"/>
-                </a:solidFill>
-                <a:latin typeface="Arial" panose="020B0604020202020204" pitchFamily="34" charset="0"/>
-                <a:ea typeface="JetBrains Mono"/>
-                <a:cs typeface="Arial" panose="020B0604020202020204" pitchFamily="34" charset="0"/>
-              </a:rPr>
-              <a:t>3. Training Strategy Impact</a:t>
-            </a:r>
-            <a:r>
-              <a:rPr lang="en-US" altLang="zh-CN" sz="1600" dirty="0">
-                <a:solidFill>
-                  <a:schemeClr val="tx1"/>
-                </a:solidFill>
-                <a:latin typeface="Arial" panose="020B0604020202020204" pitchFamily="34" charset="0"/>
-                <a:ea typeface="JetBrains Mono"/>
-                <a:cs typeface="Arial" panose="020B0604020202020204" pitchFamily="34" charset="0"/>
-              </a:rPr>
-              <a:t> : Constrains surface form accuracy while preserving semantic correctness</a:t>
-            </a:r>
           </a:p>
           <a:p>
             <a:endParaRPr lang="en-US" altLang="zh-CN" sz="1600" dirty="0">
@@ -21106,24 +23786,55 @@
             </a:endParaRPr>
           </a:p>
           <a:p>
+            <a:pPr>
+              <a:lnSpc>
+                <a:spcPct val="150000"/>
+              </a:lnSpc>
+            </a:pPr>
             <a:r>
-              <a:rPr lang="en-US" altLang="zh-CN" sz="2400" b="1" dirty="0">
-                <a:solidFill>
-                  <a:schemeClr val="accent6">
+              <a:rPr lang="en-US" altLang="zh-CN" sz="2000" b="1" dirty="0">
+                <a:solidFill>
+                  <a:schemeClr val="accent4">
                     <a:lumMod val="75000"/>
                   </a:schemeClr>
                 </a:solidFill>
                 <a:latin typeface="Arial" panose="020B0604020202020204" pitchFamily="34" charset="0"/>
-                <a:ea typeface="JetBrains Mono"/>
                 <a:cs typeface="Arial" panose="020B0604020202020204" pitchFamily="34" charset="0"/>
               </a:rPr>
-              <a:t>Performance Feature Summary</a:t>
+              <a:t>I</a:t>
+            </a:r>
+            <a:r>
+              <a:rPr lang="en-MY" altLang="zh-CN" sz="2000" b="1" dirty="0" err="1">
+                <a:solidFill>
+                  <a:schemeClr val="accent4">
+                    <a:lumMod val="75000"/>
+                  </a:schemeClr>
+                </a:solidFill>
+                <a:latin typeface="Arial" panose="020B0604020202020204" pitchFamily="34" charset="0"/>
+                <a:cs typeface="Arial" panose="020B0604020202020204" pitchFamily="34" charset="0"/>
+              </a:rPr>
+              <a:t>nteresting</a:t>
+            </a:r>
+            <a:r>
+              <a:rPr lang="en-MY" altLang="zh-CN" sz="2000" b="1" dirty="0">
+                <a:solidFill>
+                  <a:schemeClr val="accent4">
+                    <a:lumMod val="75000"/>
+                  </a:schemeClr>
+                </a:solidFill>
+                <a:latin typeface="Arial" panose="020B0604020202020204" pitchFamily="34" charset="0"/>
+                <a:cs typeface="Arial" panose="020B0604020202020204" pitchFamily="34" charset="0"/>
+              </a:rPr>
+              <a:t> findings </a:t>
             </a:r>
           </a:p>
           <a:p>
             <a:pPr marL="285750" indent="-285750">
-              <a:buFont typeface="Arial" panose="020B0604020202020204" pitchFamily="34" charset="0"/>
-              <a:buChar char="•"/>
+              <a:lnSpc>
+                <a:spcPct val="150000"/>
+              </a:lnSpc>
+              <a:buFont typeface="Wingdings" pitchFamily="2" charset="2"/>
+              <a:buChar char="n"/>
             </a:pPr>
             <a:r>
               <a:rPr lang="en-US" altLang="zh-CN" sz="1600" b="1" dirty="0">
@@ -21145,13 +23856,42 @@
                 <a:ea typeface="JetBrains Mono"/>
                 <a:cs typeface="Arial" panose="020B0604020202020204" pitchFamily="34" charset="0"/>
               </a:rPr>
-              <a:t>: Model captures clinically relevant semantics even with different word forms</a:t>
+              <a:t>: </a:t>
             </a:r>
+            <a:r>
+              <a:rPr lang="en-MY" altLang="zh-CN" sz="1600" dirty="0"/>
+              <a:t>captures the clinically </a:t>
+            </a:r>
+            <a:r>
+              <a:rPr lang="en-MY" altLang="zh-CN" sz="1600" dirty="0">
+                <a:solidFill>
+                  <a:schemeClr val="accent4">
+                    <a:lumMod val="75000"/>
+                  </a:schemeClr>
+                </a:solidFill>
+              </a:rPr>
+              <a:t>relevant meaning </a:t>
+            </a:r>
+            <a:r>
+              <a:rPr lang="en-MY" altLang="zh-CN" sz="1600" dirty="0"/>
+              <a:t>of answers </a:t>
+            </a:r>
+            <a:endParaRPr lang="en-US" altLang="zh-CN" sz="1800" dirty="0">
+              <a:solidFill>
+                <a:schemeClr val="tx1"/>
+              </a:solidFill>
+              <a:latin typeface="Arial" panose="020B0604020202020204" pitchFamily="34" charset="0"/>
+              <a:ea typeface="JetBrains Mono"/>
+              <a:cs typeface="Arial" panose="020B0604020202020204" pitchFamily="34" charset="0"/>
+            </a:endParaRPr>
           </a:p>
           <a:p>
             <a:pPr marL="285750" indent="-285750">
-              <a:buFont typeface="Arial" panose="020B0604020202020204" pitchFamily="34" charset="0"/>
-              <a:buChar char="•"/>
+              <a:lnSpc>
+                <a:spcPct val="150000"/>
+              </a:lnSpc>
+              <a:buFont typeface="Wingdings" pitchFamily="2" charset="2"/>
+              <a:buChar char="n"/>
             </a:pPr>
             <a:r>
               <a:rPr lang="en-US" altLang="zh-CN" sz="1600" b="1" dirty="0">
@@ -21162,7 +23902,15 @@
                 <a:ea typeface="JetBrains Mono"/>
                 <a:cs typeface="Arial" panose="020B0604020202020204" pitchFamily="34" charset="0"/>
               </a:rPr>
-              <a:t>Low Surface Metrics</a:t>
+              <a:t>Lower </a:t>
+            </a:r>
+            <a:r>
+              <a:rPr lang="en-MY" altLang="zh-CN" b="1" dirty="0"/>
+              <a:t>BLEU</a:t>
+            </a:r>
+            <a:r>
+              <a:rPr lang="en-MY" altLang="zh-CN" dirty="0"/>
+              <a:t> </a:t>
             </a:r>
             <a:r>
               <a:rPr lang="en-US" altLang="zh-CN" sz="1600" dirty="0">
@@ -21173,13 +23921,35 @@
                 <a:ea typeface="JetBrains Mono"/>
                 <a:cs typeface="Arial" panose="020B0604020202020204" pitchFamily="34" charset="0"/>
               </a:rPr>
-              <a:t>: Caused by prefix length, model capacity, freezing strategy, dataset scale</a:t>
+              <a:t>: </a:t>
             </a:r>
+            <a:r>
+              <a:rPr lang="en-MY" altLang="zh-CN" sz="1600" dirty="0"/>
+              <a:t>highly </a:t>
+            </a:r>
+            <a:r>
+              <a:rPr lang="en-MY" altLang="zh-CN" sz="1600" dirty="0">
+                <a:solidFill>
+                  <a:schemeClr val="accent4">
+                    <a:lumMod val="75000"/>
+                  </a:schemeClr>
+                </a:solidFill>
+              </a:rPr>
+              <a:t>sensitive</a:t>
+            </a:r>
+            <a:r>
+              <a:rPr lang="en-MY" altLang="zh-CN" sz="1600" dirty="0"/>
+              <a:t> to free-form answers</a:t>
+            </a:r>
+            <a:endParaRPr lang="en-US" altLang="zh-CN" sz="1600" dirty="0"/>
           </a:p>
           <a:p>
             <a:pPr marL="285750" indent="-285750">
-              <a:buFont typeface="Arial" panose="020B0604020202020204" pitchFamily="34" charset="0"/>
-              <a:buChar char="•"/>
+              <a:lnSpc>
+                <a:spcPct val="150000"/>
+              </a:lnSpc>
+              <a:buFont typeface="Wingdings" pitchFamily="2" charset="2"/>
+              <a:buChar char="n"/>
             </a:pPr>
             <a:r>
               <a:rPr lang="en-US" altLang="zh-CN" sz="1600" b="1" dirty="0">
@@ -21201,7 +23971,31 @@
                 <a:ea typeface="JetBrains Mono"/>
                 <a:cs typeface="Arial" panose="020B0604020202020204" pitchFamily="34" charset="0"/>
               </a:rPr>
-              <a:t>: Binary decision tasks not significantly affected</a:t>
+              <a:t>: The binary classification task </a:t>
+            </a:r>
+            <a:r>
+              <a:rPr lang="en-US" altLang="zh-CN" sz="1600" dirty="0">
+                <a:solidFill>
+                  <a:schemeClr val="accent4">
+                    <a:lumMod val="75000"/>
+                  </a:schemeClr>
+                </a:solidFill>
+                <a:latin typeface="Arial" panose="020B0604020202020204" pitchFamily="34" charset="0"/>
+                <a:ea typeface="JetBrains Mono"/>
+                <a:cs typeface="Arial" panose="020B0604020202020204" pitchFamily="34" charset="0"/>
+              </a:rPr>
+              <a:t>meets the basic benchmark </a:t>
+            </a:r>
+            <a:r>
+              <a:rPr lang="en-US" altLang="zh-CN" sz="1600" dirty="0">
+                <a:solidFill>
+                  <a:schemeClr val="tx1"/>
+                </a:solidFill>
+                <a:latin typeface="Arial" panose="020B0604020202020204" pitchFamily="34" charset="0"/>
+                <a:ea typeface="JetBrains Mono"/>
+                <a:cs typeface="Arial" panose="020B0604020202020204" pitchFamily="34" charset="0"/>
+              </a:rPr>
+              <a:t>of generative models.</a:t>
             </a:r>
           </a:p>
         </p:txBody>
@@ -21233,28 +24027,1884 @@
       </p:grpSpPr>
       <p:pic>
         <p:nvPicPr>
-          <p:cNvPr id="8" name="图片 7"/>
-          <p:cNvPicPr>
-            <a:picLocks noChangeAspect="1"/>
-          </p:cNvPicPr>
+          <p:cNvPr id="3" name="Google Shape;78;p2">
+            <a:extLst>
+              <a:ext uri="{FF2B5EF4-FFF2-40B4-BE49-F238E27FC236}">
+                <a16:creationId xmlns:a16="http://schemas.microsoft.com/office/drawing/2014/main" id="{0ABFCDBE-7CA7-5C64-5B84-FBD79EDF7D93}"/>
+              </a:ext>
+            </a:extLst>
+          </p:cNvPr>
+          <p:cNvPicPr preferRelativeResize="0"/>
           <p:nvPr/>
         </p:nvPicPr>
-        <p:blipFill>
-          <a:blip r:embed="rId8"/>
+        <p:blipFill rotWithShape="1">
+          <a:blip r:embed="rId3"/>
+          <a:srcRect/>
           <a:stretch>
             <a:fillRect/>
           </a:stretch>
         </p:blipFill>
         <p:spPr>
           <a:xfrm>
-            <a:off x="4083050" y="2138680"/>
-            <a:ext cx="795020" cy="854075"/>
+            <a:off x="0" y="0"/>
+            <a:ext cx="9144000" cy="697865"/>
           </a:xfrm>
           <a:prstGeom prst="rect">
             <a:avLst/>
           </a:prstGeom>
+          <a:noFill/>
+          <a:ln>
+            <a:noFill/>
+          </a:ln>
         </p:spPr>
       </p:pic>
+      <p:sp>
+        <p:nvSpPr>
+          <p:cNvPr id="4" name="Google Shape;79;p2">
+            <a:extLst>
+              <a:ext uri="{FF2B5EF4-FFF2-40B4-BE49-F238E27FC236}">
+                <a16:creationId xmlns:a16="http://schemas.microsoft.com/office/drawing/2014/main" id="{58A0E081-0E98-3F08-3712-2C5CD6A950CE}"/>
+              </a:ext>
+            </a:extLst>
+          </p:cNvPr>
+          <p:cNvSpPr txBox="1">
+            <a:spLocks noGrp="1"/>
+          </p:cNvSpPr>
+          <p:nvPr>
+            <p:ph type="title"/>
+          </p:nvPr>
+        </p:nvSpPr>
+        <p:spPr>
+          <a:xfrm>
+            <a:off x="0" y="-76"/>
+            <a:ext cx="8083685" cy="775252"/>
+          </a:xfrm>
+          <a:prstGeom prst="rect">
+            <a:avLst/>
+          </a:prstGeom>
+          <a:noFill/>
+          <a:ln>
+            <a:noFill/>
+          </a:ln>
+        </p:spPr>
+        <p:txBody>
+          <a:bodyPr spcFirstLastPara="1" wrap="square" lIns="68575" tIns="34275" rIns="68575" bIns="34275" anchor="ctr" anchorCtr="0">
+            <a:normAutofit fontScale="90000"/>
+          </a:bodyPr>
+          <a:lstStyle/>
+          <a:p>
+            <a:pPr marL="0" lvl="0" indent="0" algn="l" rtl="0">
+              <a:lnSpc>
+                <a:spcPct val="90000"/>
+              </a:lnSpc>
+              <a:spcBef>
+                <a:spcPts val="0"/>
+              </a:spcBef>
+              <a:spcAft>
+                <a:spcPts val="0"/>
+              </a:spcAft>
+              <a:buClr>
+                <a:schemeClr val="dk1"/>
+              </a:buClr>
+              <a:buSzPts val="1400"/>
+              <a:buNone/>
+            </a:pPr>
+            <a:r>
+              <a:rPr lang="en-US" altLang="zh-CN" sz="3600" b="1" dirty="0">
+                <a:solidFill>
+                  <a:schemeClr val="bg1"/>
+                </a:solidFill>
+                <a:sym typeface="+mn-ea"/>
+              </a:rPr>
+              <a:t>Discussion</a:t>
+            </a:r>
+            <a:r>
+              <a:rPr lang="zh-CN" altLang="en-US" sz="3600" b="1" dirty="0">
+                <a:solidFill>
+                  <a:schemeClr val="bg1"/>
+                </a:solidFill>
+                <a:ea typeface="宋体" panose="02010600030101010101" pitchFamily="2" charset="-122"/>
+                <a:sym typeface="+mn-ea"/>
+              </a:rPr>
+              <a:t>：</a:t>
+            </a:r>
+            <a:r>
+              <a:rPr lang="en-US" altLang="zh-CN" sz="3600" b="1" dirty="0">
+                <a:solidFill>
+                  <a:schemeClr val="bg1"/>
+                </a:solidFill>
+                <a:ea typeface="宋体" panose="02010600030101010101" pitchFamily="2" charset="-122"/>
+                <a:sym typeface="+mn-ea"/>
+              </a:rPr>
+              <a:t>Baseline vs. </a:t>
+            </a:r>
+            <a:r>
+              <a:rPr lang="en-US" altLang="zh-CN" sz="3600" b="1" dirty="0">
+                <a:solidFill>
+                  <a:schemeClr val="bg1"/>
+                </a:solidFill>
+                <a:sym typeface="+mn-ea"/>
+              </a:rPr>
+              <a:t> </a:t>
+            </a:r>
+            <a:r>
+              <a:rPr lang="en-US" altLang="zh-CN" sz="3600" b="1" dirty="0">
+                <a:solidFill>
+                  <a:schemeClr val="bg1"/>
+                </a:solidFill>
+                <a:ea typeface="宋体" panose="02010600030101010101" pitchFamily="2" charset="-122"/>
+                <a:sym typeface="+mn-ea"/>
+              </a:rPr>
+              <a:t>Generative Model</a:t>
+            </a:r>
+            <a:endParaRPr lang="en-US" altLang="zh-CN" sz="3600" b="1" dirty="0">
+              <a:solidFill>
+                <a:schemeClr val="bg1"/>
+              </a:solidFill>
+              <a:ea typeface="宋体" panose="02010600030101010101" pitchFamily="2" charset="-122"/>
+            </a:endParaRPr>
+          </a:p>
+        </p:txBody>
+      </p:sp>
+      <p:graphicFrame>
+        <p:nvGraphicFramePr>
+          <p:cNvPr id="6" name="表格 5">
+            <a:extLst>
+              <a:ext uri="{FF2B5EF4-FFF2-40B4-BE49-F238E27FC236}">
+                <a16:creationId xmlns:a16="http://schemas.microsoft.com/office/drawing/2014/main" id="{00BB678C-F47E-5FCF-4289-CC6AABF89A63}"/>
+              </a:ext>
+            </a:extLst>
+          </p:cNvPr>
+          <p:cNvGraphicFramePr>
+            <a:graphicFrameLocks noGrp="1"/>
+          </p:cNvGraphicFramePr>
+          <p:nvPr>
+            <p:extLst>
+              <p:ext uri="{D42A27DB-BD31-4B8C-83A1-F6EECF244321}">
+                <p14:modId xmlns:p14="http://schemas.microsoft.com/office/powerpoint/2010/main" val="1572583329"/>
+              </p:ext>
+            </p:extLst>
+          </p:nvPr>
+        </p:nvGraphicFramePr>
+        <p:xfrm>
+          <a:off x="640404" y="942475"/>
+          <a:ext cx="7863192" cy="1483360"/>
+        </p:xfrm>
+        <a:graphic>
+          <a:graphicData uri="http://schemas.openxmlformats.org/drawingml/2006/table">
+            <a:tbl>
+              <a:tblPr firstRow="1" bandRow="1">
+                <a:tableStyleId>{5C22544A-7EE6-4342-B048-85BDC9FD1C3A}</a:tableStyleId>
+              </a:tblPr>
+              <a:tblGrid>
+                <a:gridCol w="2621064">
+                  <a:extLst>
+                    <a:ext uri="{9D8B030D-6E8A-4147-A177-3AD203B41FA5}">
+                      <a16:colId xmlns:a16="http://schemas.microsoft.com/office/drawing/2014/main" val="1752045859"/>
+                    </a:ext>
+                  </a:extLst>
+                </a:gridCol>
+                <a:gridCol w="2621064">
+                  <a:extLst>
+                    <a:ext uri="{9D8B030D-6E8A-4147-A177-3AD203B41FA5}">
+                      <a16:colId xmlns:a16="http://schemas.microsoft.com/office/drawing/2014/main" val="219998825"/>
+                    </a:ext>
+                  </a:extLst>
+                </a:gridCol>
+                <a:gridCol w="2621064">
+                  <a:extLst>
+                    <a:ext uri="{9D8B030D-6E8A-4147-A177-3AD203B41FA5}">
+                      <a16:colId xmlns:a16="http://schemas.microsoft.com/office/drawing/2014/main" val="3609679541"/>
+                    </a:ext>
+                  </a:extLst>
+                </a:gridCol>
+              </a:tblGrid>
+              <a:tr h="370840">
+                <a:tc>
+                  <a:txBody>
+                    <a:bodyPr/>
+                    <a:lstStyle/>
+                    <a:p>
+                      <a:r>
+                        <a:rPr lang="en-US" altLang="zh-CN" dirty="0">
+                          <a:solidFill>
+                            <a:schemeClr val="tx1"/>
+                          </a:solidFill>
+                        </a:rPr>
+                        <a:t>Model</a:t>
+                      </a:r>
+                      <a:endParaRPr lang="zh-CN" altLang="en-US" dirty="0">
+                        <a:solidFill>
+                          <a:schemeClr val="tx1"/>
+                        </a:solidFill>
+                      </a:endParaRPr>
+                    </a:p>
+                  </a:txBody>
+                  <a:tcPr>
+                    <a:lnT w="12700" cap="flat" cmpd="sng" algn="ctr">
+                      <a:solidFill>
+                        <a:schemeClr val="tx1"/>
+                      </a:solidFill>
+                      <a:prstDash val="solid"/>
+                      <a:round/>
+                      <a:headEnd type="none" w="med" len="med"/>
+                      <a:tailEnd type="none" w="med" len="med"/>
+                    </a:lnT>
+                    <a:noFill/>
+                  </a:tcPr>
+                </a:tc>
+                <a:tc>
+                  <a:txBody>
+                    <a:bodyPr/>
+                    <a:lstStyle/>
+                    <a:p>
+                      <a:r>
+                        <a:rPr lang="en-US" altLang="zh-CN" dirty="0">
+                          <a:solidFill>
+                            <a:schemeClr val="tx1"/>
+                          </a:solidFill>
+                        </a:rPr>
+                        <a:t>Acc(only Closed Questions)</a:t>
+                      </a:r>
+                      <a:endParaRPr lang="zh-CN" altLang="en-US" dirty="0">
+                        <a:solidFill>
+                          <a:schemeClr val="tx1"/>
+                        </a:solidFill>
+                      </a:endParaRPr>
+                    </a:p>
+                  </a:txBody>
+                  <a:tcPr>
+                    <a:lnT w="12700" cap="flat" cmpd="sng" algn="ctr">
+                      <a:solidFill>
+                        <a:schemeClr val="tx1"/>
+                      </a:solidFill>
+                      <a:prstDash val="solid"/>
+                      <a:round/>
+                      <a:headEnd type="none" w="med" len="med"/>
+                      <a:tailEnd type="none" w="med" len="med"/>
+                    </a:lnT>
+                    <a:noFill/>
+                  </a:tcPr>
+                </a:tc>
+                <a:tc>
+                  <a:txBody>
+                    <a:bodyPr/>
+                    <a:lstStyle/>
+                    <a:p>
+                      <a:r>
+                        <a:rPr lang="en-US" altLang="zh-CN" dirty="0">
+                          <a:solidFill>
+                            <a:schemeClr val="tx1"/>
+                          </a:solidFill>
+                        </a:rPr>
+                        <a:t>Overall Acc</a:t>
+                      </a:r>
+                      <a:endParaRPr lang="zh-CN" altLang="en-US" dirty="0">
+                        <a:solidFill>
+                          <a:schemeClr val="tx1"/>
+                        </a:solidFill>
+                      </a:endParaRPr>
+                    </a:p>
+                  </a:txBody>
+                  <a:tcPr>
+                    <a:lnT w="12700" cap="flat" cmpd="sng" algn="ctr">
+                      <a:solidFill>
+                        <a:schemeClr val="tx1"/>
+                      </a:solidFill>
+                      <a:prstDash val="solid"/>
+                      <a:round/>
+                      <a:headEnd type="none" w="med" len="med"/>
+                      <a:tailEnd type="none" w="med" len="med"/>
+                    </a:lnT>
+                    <a:noFill/>
+                  </a:tcPr>
+                </a:tc>
+                <a:extLst>
+                  <a:ext uri="{0D108BD9-81ED-4DB2-BD59-A6C34878D82A}">
+                    <a16:rowId xmlns:a16="http://schemas.microsoft.com/office/drawing/2014/main" val="2916210426"/>
+                  </a:ext>
+                </a:extLst>
+              </a:tr>
+              <a:tr h="370840">
+                <a:tc>
+                  <a:txBody>
+                    <a:bodyPr/>
+                    <a:lstStyle/>
+                    <a:p>
+                      <a:r>
+                        <a:rPr lang="en-MY" altLang="zh-CN" sz="1400" b="0" i="0" u="none" strike="noStrike" cap="none" dirty="0">
+                          <a:solidFill>
+                            <a:schemeClr val="dk1"/>
+                          </a:solidFill>
+                          <a:effectLst/>
+                          <a:latin typeface="+mn-lt"/>
+                          <a:ea typeface="+mn-ea"/>
+                          <a:cs typeface="+mn-cs"/>
+                          <a:sym typeface="Arial" panose="020B0604020202020204"/>
+                        </a:rPr>
+                        <a:t>CNN–LSTM baseline</a:t>
+                      </a:r>
+                      <a:r>
+                        <a:rPr lang="en-MY" altLang="zh-CN" dirty="0">
+                          <a:effectLst/>
+                        </a:rPr>
+                        <a:t> </a:t>
+                      </a:r>
+                      <a:endParaRPr lang="zh-CN" altLang="en-US" dirty="0"/>
+                    </a:p>
+                  </a:txBody>
+                  <a:tcPr>
+                    <a:noFill/>
+                  </a:tcPr>
+                </a:tc>
+                <a:tc>
+                  <a:txBody>
+                    <a:bodyPr/>
+                    <a:lstStyle/>
+                    <a:p>
+                      <a:r>
+                        <a:rPr lang="en-US" altLang="zh-CN" dirty="0"/>
+                        <a:t>48%</a:t>
+                      </a:r>
+                      <a:endParaRPr lang="zh-CN" altLang="en-US" dirty="0"/>
+                    </a:p>
+                  </a:txBody>
+                  <a:tcPr>
+                    <a:noFill/>
+                  </a:tcPr>
+                </a:tc>
+                <a:tc>
+                  <a:txBody>
+                    <a:bodyPr/>
+                    <a:lstStyle/>
+                    <a:p>
+                      <a:r>
+                        <a:rPr lang="en-US" altLang="zh-CN" dirty="0"/>
+                        <a:t>33.8%</a:t>
+                      </a:r>
+                      <a:endParaRPr lang="zh-CN" altLang="en-US" dirty="0"/>
+                    </a:p>
+                  </a:txBody>
+                  <a:tcPr>
+                    <a:noFill/>
+                  </a:tcPr>
+                </a:tc>
+                <a:extLst>
+                  <a:ext uri="{0D108BD9-81ED-4DB2-BD59-A6C34878D82A}">
+                    <a16:rowId xmlns:a16="http://schemas.microsoft.com/office/drawing/2014/main" val="478183832"/>
+                  </a:ext>
+                </a:extLst>
+              </a:tr>
+              <a:tr h="370840">
+                <a:tc>
+                  <a:txBody>
+                    <a:bodyPr/>
+                    <a:lstStyle/>
+                    <a:p>
+                      <a:r>
+                        <a:rPr lang="en-US" altLang="zh-CN" dirty="0"/>
+                        <a:t>Generative Model</a:t>
+                      </a:r>
+                      <a:endParaRPr lang="zh-CN" altLang="en-US" dirty="0"/>
+                    </a:p>
+                  </a:txBody>
+                  <a:tcPr>
+                    <a:noFill/>
+                  </a:tcPr>
+                </a:tc>
+                <a:tc>
+                  <a:txBody>
+                    <a:bodyPr/>
+                    <a:lstStyle/>
+                    <a:p>
+                      <a:r>
+                        <a:rPr lang="en-US" altLang="zh-CN" dirty="0"/>
+                        <a:t>63.03%</a:t>
+                      </a:r>
+                      <a:endParaRPr lang="zh-CN" altLang="en-US" dirty="0"/>
+                    </a:p>
+                  </a:txBody>
+                  <a:tcPr>
+                    <a:noFill/>
+                  </a:tcPr>
+                </a:tc>
+                <a:tc>
+                  <a:txBody>
+                    <a:bodyPr/>
+                    <a:lstStyle/>
+                    <a:p>
+                      <a:r>
+                        <a:rPr lang="en-US" altLang="zh-CN" dirty="0"/>
+                        <a:t>36.0%</a:t>
+                      </a:r>
+                      <a:endParaRPr lang="zh-CN" altLang="en-US" dirty="0"/>
+                    </a:p>
+                  </a:txBody>
+                  <a:tcPr>
+                    <a:noFill/>
+                  </a:tcPr>
+                </a:tc>
+                <a:extLst>
+                  <a:ext uri="{0D108BD9-81ED-4DB2-BD59-A6C34878D82A}">
+                    <a16:rowId xmlns:a16="http://schemas.microsoft.com/office/drawing/2014/main" val="1667755524"/>
+                  </a:ext>
+                </a:extLst>
+              </a:tr>
+              <a:tr h="370840">
+                <a:tc>
+                  <a:txBody>
+                    <a:bodyPr/>
+                    <a:lstStyle/>
+                    <a:p>
+                      <a:r>
+                        <a:rPr lang="en-US" altLang="zh-CN" dirty="0"/>
+                        <a:t>Gap</a:t>
+                      </a:r>
+                      <a:endParaRPr lang="zh-CN" altLang="en-US" dirty="0"/>
+                    </a:p>
+                  </a:txBody>
+                  <a:tcPr>
+                    <a:lnB w="12700" cap="flat" cmpd="sng" algn="ctr">
+                      <a:solidFill>
+                        <a:schemeClr val="tx1"/>
+                      </a:solidFill>
+                      <a:prstDash val="solid"/>
+                      <a:round/>
+                      <a:headEnd type="none" w="med" len="med"/>
+                      <a:tailEnd type="none" w="med" len="med"/>
+                    </a:lnB>
+                    <a:noFill/>
+                  </a:tcPr>
+                </a:tc>
+                <a:tc>
+                  <a:txBody>
+                    <a:bodyPr/>
+                    <a:lstStyle/>
+                    <a:p>
+                      <a:r>
+                        <a:rPr lang="en-US" altLang="zh-CN" dirty="0">
+                          <a:solidFill>
+                            <a:schemeClr val="accent4">
+                              <a:lumMod val="75000"/>
+                            </a:schemeClr>
+                          </a:solidFill>
+                        </a:rPr>
+                        <a:t>~15%</a:t>
+                      </a:r>
+                      <a:endParaRPr lang="zh-CN" altLang="en-US" dirty="0">
+                        <a:solidFill>
+                          <a:schemeClr val="accent4">
+                            <a:lumMod val="75000"/>
+                          </a:schemeClr>
+                        </a:solidFill>
+                      </a:endParaRPr>
+                    </a:p>
+                  </a:txBody>
+                  <a:tcPr>
+                    <a:lnB w="12700" cap="flat" cmpd="sng" algn="ctr">
+                      <a:solidFill>
+                        <a:schemeClr val="tx1"/>
+                      </a:solidFill>
+                      <a:prstDash val="solid"/>
+                      <a:round/>
+                      <a:headEnd type="none" w="med" len="med"/>
+                      <a:tailEnd type="none" w="med" len="med"/>
+                    </a:lnB>
+                    <a:noFill/>
+                  </a:tcPr>
+                </a:tc>
+                <a:tc>
+                  <a:txBody>
+                    <a:bodyPr/>
+                    <a:lstStyle/>
+                    <a:p>
+                      <a:r>
+                        <a:rPr lang="en-US" altLang="zh-CN" dirty="0">
+                          <a:solidFill>
+                            <a:schemeClr val="accent4">
+                              <a:lumMod val="75000"/>
+                            </a:schemeClr>
+                          </a:solidFill>
+                        </a:rPr>
+                        <a:t>~3%</a:t>
+                      </a:r>
+                      <a:endParaRPr lang="zh-CN" altLang="en-US" dirty="0">
+                        <a:solidFill>
+                          <a:schemeClr val="accent4">
+                            <a:lumMod val="75000"/>
+                          </a:schemeClr>
+                        </a:solidFill>
+                      </a:endParaRPr>
+                    </a:p>
+                  </a:txBody>
+                  <a:tcPr>
+                    <a:lnB w="12700" cap="flat" cmpd="sng" algn="ctr">
+                      <a:solidFill>
+                        <a:schemeClr val="tx1"/>
+                      </a:solidFill>
+                      <a:prstDash val="solid"/>
+                      <a:round/>
+                      <a:headEnd type="none" w="med" len="med"/>
+                      <a:tailEnd type="none" w="med" len="med"/>
+                    </a:lnB>
+                    <a:noFill/>
+                  </a:tcPr>
+                </a:tc>
+                <a:extLst>
+                  <a:ext uri="{0D108BD9-81ED-4DB2-BD59-A6C34878D82A}">
+                    <a16:rowId xmlns:a16="http://schemas.microsoft.com/office/drawing/2014/main" val="3919260599"/>
+                  </a:ext>
+                </a:extLst>
+              </a:tr>
+            </a:tbl>
+          </a:graphicData>
+        </a:graphic>
+      </p:graphicFrame>
+      <p:sp>
+        <p:nvSpPr>
+          <p:cNvPr id="7" name="文本框 6">
+            <a:extLst>
+              <a:ext uri="{FF2B5EF4-FFF2-40B4-BE49-F238E27FC236}">
+                <a16:creationId xmlns:a16="http://schemas.microsoft.com/office/drawing/2014/main" id="{74B3D26D-419B-70A1-55E7-FF71142FDA44}"/>
+              </a:ext>
+            </a:extLst>
+          </p:cNvPr>
+          <p:cNvSpPr txBox="1"/>
+          <p:nvPr/>
+        </p:nvSpPr>
+        <p:spPr>
+          <a:xfrm>
+            <a:off x="175098" y="2717666"/>
+            <a:ext cx="8824608" cy="2031325"/>
+          </a:xfrm>
+          <a:prstGeom prst="rect">
+            <a:avLst/>
+          </a:prstGeom>
+          <a:noFill/>
+        </p:spPr>
+        <p:txBody>
+          <a:bodyPr wrap="square" rtlCol="0">
+            <a:spAutoFit/>
+          </a:bodyPr>
+          <a:lstStyle/>
+          <a:p>
+            <a:r>
+              <a:rPr lang="en-MY" altLang="zh-CN" sz="1800" b="1" dirty="0">
+                <a:solidFill>
+                  <a:schemeClr val="accent4">
+                    <a:lumMod val="75000"/>
+                  </a:schemeClr>
+                </a:solidFill>
+              </a:rPr>
+              <a:t>Quantitative analysis </a:t>
+            </a:r>
+            <a:r>
+              <a:rPr lang="en-MY" altLang="zh-CN" sz="1800" dirty="0"/>
+              <a:t>:  Notable improvement of around </a:t>
+            </a:r>
+            <a:r>
+              <a:rPr lang="en-MY" altLang="zh-CN" sz="1800" dirty="0">
+                <a:solidFill>
+                  <a:schemeClr val="accent4">
+                    <a:lumMod val="75000"/>
+                  </a:schemeClr>
+                </a:solidFill>
+              </a:rPr>
+              <a:t>15% </a:t>
+            </a:r>
+            <a:r>
+              <a:rPr lang="en-MY" altLang="zh-CN" sz="1800" dirty="0"/>
+              <a:t>points in diagnostic correctness for closed-end questions</a:t>
+            </a:r>
+          </a:p>
+          <a:p>
+            <a:endParaRPr kumimoji="1" lang="en-MY" altLang="zh-CN" sz="1800" dirty="0"/>
+          </a:p>
+          <a:p>
+            <a:r>
+              <a:rPr kumimoji="1" lang="en-MY" altLang="zh-CN" sz="1800" b="1" dirty="0">
+                <a:solidFill>
+                  <a:schemeClr val="accent4">
+                    <a:lumMod val="75000"/>
+                  </a:schemeClr>
+                </a:solidFill>
+              </a:rPr>
+              <a:t>Limitation of Baseline</a:t>
+            </a:r>
+            <a:r>
+              <a:rPr kumimoji="1" lang="en-MY" altLang="zh-CN" sz="1800" dirty="0"/>
+              <a:t>: </a:t>
+            </a:r>
+            <a:r>
+              <a:rPr kumimoji="1" lang="en-MY" altLang="zh-CN" sz="1800" dirty="0">
+                <a:solidFill>
+                  <a:schemeClr val="accent4">
+                    <a:lumMod val="75000"/>
+                  </a:schemeClr>
+                </a:solidFill>
+              </a:rPr>
+              <a:t>overfitting</a:t>
+            </a:r>
+            <a:r>
+              <a:rPr kumimoji="1" lang="en-MY" altLang="zh-CN" sz="1800" dirty="0"/>
+              <a:t>, limited generalization</a:t>
+            </a:r>
+          </a:p>
+          <a:p>
+            <a:endParaRPr kumimoji="1" lang="en-MY" altLang="zh-CN" sz="1800" dirty="0"/>
+          </a:p>
+          <a:p>
+            <a:r>
+              <a:rPr kumimoji="1" lang="en-US" altLang="zh-CN" sz="1800" b="1" dirty="0">
+                <a:solidFill>
+                  <a:schemeClr val="accent4">
+                    <a:lumMod val="75000"/>
+                  </a:schemeClr>
+                </a:solidFill>
+              </a:rPr>
+              <a:t>Improvement of Generative Model</a:t>
+            </a:r>
+            <a:r>
+              <a:rPr kumimoji="1" lang="en-US" altLang="zh-CN" sz="1800" dirty="0"/>
+              <a:t>:</a:t>
+            </a:r>
+            <a:r>
+              <a:rPr kumimoji="1" lang="en-MY" altLang="zh-CN" sz="1800" dirty="0"/>
+              <a:t> better generalization without updating the large-scale </a:t>
+            </a:r>
+            <a:r>
+              <a:rPr kumimoji="1" lang="en-MY" altLang="zh-CN" sz="1800" dirty="0">
+                <a:solidFill>
+                  <a:schemeClr val="accent4">
+                    <a:lumMod val="75000"/>
+                  </a:schemeClr>
+                </a:solidFill>
+              </a:rPr>
+              <a:t>pre-trained</a:t>
+            </a:r>
+            <a:r>
+              <a:rPr kumimoji="1" lang="en-MY" altLang="zh-CN" sz="1800" dirty="0"/>
+              <a:t> backbones </a:t>
+            </a:r>
+            <a:endParaRPr kumimoji="1" lang="zh-CN" altLang="en-US" sz="1800" dirty="0"/>
+          </a:p>
+        </p:txBody>
+      </p:sp>
+    </p:spTree>
+  </p:cSld>
+  <p:clrMapOvr>
+    <a:masterClrMapping/>
+  </p:clrMapOvr>
+</p:sld>
+</file>
+
+<file path=ppt/slides/slide15.xml><?xml version="1.0" encoding="utf-8"?>
+<p:sld xmlns:a="http://schemas.openxmlformats.org/drawingml/2006/main" xmlns:r="http://schemas.openxmlformats.org/officeDocument/2006/relationships" xmlns:p="http://schemas.openxmlformats.org/presentationml/2006/main">
+  <p:cSld>
+    <p:spTree>
+      <p:nvGrpSpPr>
+        <p:cNvPr id="1" name="Shape 77">
+          <a:extLst>
+            <a:ext uri="{FF2B5EF4-FFF2-40B4-BE49-F238E27FC236}">
+              <a16:creationId xmlns:a16="http://schemas.microsoft.com/office/drawing/2014/main" id="{5FD59E1A-AB5F-BC84-5850-510CBDA6BB23}"/>
+            </a:ext>
+          </a:extLst>
+        </p:cNvPr>
+        <p:cNvGrpSpPr/>
+        <p:nvPr/>
+      </p:nvGrpSpPr>
+      <p:grpSpPr>
+        <a:xfrm>
+          <a:off x="0" y="0"/>
+          <a:ext cx="0" cy="0"/>
+          <a:chOff x="0" y="0"/>
+          <a:chExt cx="0" cy="0"/>
+        </a:xfrm>
+      </p:grpSpPr>
+      <p:pic>
+        <p:nvPicPr>
+          <p:cNvPr id="3" name="Google Shape;78;p2">
+            <a:extLst>
+              <a:ext uri="{FF2B5EF4-FFF2-40B4-BE49-F238E27FC236}">
+                <a16:creationId xmlns:a16="http://schemas.microsoft.com/office/drawing/2014/main" id="{B9E25A06-2137-0432-B89D-74CEF298FA8C}"/>
+              </a:ext>
+            </a:extLst>
+          </p:cNvPr>
+          <p:cNvPicPr preferRelativeResize="0"/>
+          <p:nvPr/>
+        </p:nvPicPr>
+        <p:blipFill rotWithShape="1">
+          <a:blip r:embed="rId3"/>
+          <a:srcRect/>
+          <a:stretch>
+            <a:fillRect/>
+          </a:stretch>
+        </p:blipFill>
+        <p:spPr>
+          <a:xfrm>
+            <a:off x="0" y="0"/>
+            <a:ext cx="9144000" cy="697865"/>
+          </a:xfrm>
+          <a:prstGeom prst="rect">
+            <a:avLst/>
+          </a:prstGeom>
+          <a:noFill/>
+          <a:ln>
+            <a:noFill/>
+          </a:ln>
+        </p:spPr>
+      </p:pic>
+      <p:sp>
+        <p:nvSpPr>
+          <p:cNvPr id="4" name="Google Shape;79;p2">
+            <a:extLst>
+              <a:ext uri="{FF2B5EF4-FFF2-40B4-BE49-F238E27FC236}">
+                <a16:creationId xmlns:a16="http://schemas.microsoft.com/office/drawing/2014/main" id="{1628F800-A3DD-B760-165D-86D023FA3BA7}"/>
+              </a:ext>
+            </a:extLst>
+          </p:cNvPr>
+          <p:cNvSpPr txBox="1">
+            <a:spLocks noGrp="1"/>
+          </p:cNvSpPr>
+          <p:nvPr>
+            <p:ph type="title"/>
+          </p:nvPr>
+        </p:nvSpPr>
+        <p:spPr>
+          <a:xfrm>
+            <a:off x="0" y="-76"/>
+            <a:ext cx="8824608" cy="775252"/>
+          </a:xfrm>
+          <a:prstGeom prst="rect">
+            <a:avLst/>
+          </a:prstGeom>
+          <a:noFill/>
+          <a:ln>
+            <a:noFill/>
+          </a:ln>
+        </p:spPr>
+        <p:txBody>
+          <a:bodyPr spcFirstLastPara="1" wrap="square" lIns="68575" tIns="34275" rIns="68575" bIns="34275" anchor="ctr" anchorCtr="0">
+            <a:normAutofit fontScale="90000"/>
+          </a:bodyPr>
+          <a:lstStyle/>
+          <a:p>
+            <a:pPr lvl="0"/>
+            <a:r>
+              <a:rPr lang="en-US" altLang="zh-CN" sz="3600" b="1" dirty="0">
+                <a:solidFill>
+                  <a:schemeClr val="bg1"/>
+                </a:solidFill>
+                <a:sym typeface="+mn-ea"/>
+              </a:rPr>
+              <a:t>Discussion</a:t>
+            </a:r>
+            <a:r>
+              <a:rPr lang="zh-CN" altLang="en-US" sz="3600" b="1" dirty="0">
+                <a:solidFill>
+                  <a:schemeClr val="bg1"/>
+                </a:solidFill>
+                <a:ea typeface="宋体" panose="02010600030101010101" pitchFamily="2" charset="-122"/>
+                <a:sym typeface="+mn-ea"/>
+              </a:rPr>
+              <a:t>：</a:t>
+            </a:r>
+            <a:r>
+              <a:rPr lang="en-US" altLang="zh-CN" sz="3600" b="1" dirty="0">
+                <a:solidFill>
+                  <a:schemeClr val="bg1"/>
+                </a:solidFill>
+                <a:ea typeface="宋体" panose="02010600030101010101" pitchFamily="2" charset="-122"/>
+                <a:sym typeface="+mn-ea"/>
+              </a:rPr>
+              <a:t>Language</a:t>
+            </a:r>
+            <a:r>
+              <a:rPr lang="en-MY" altLang="zh-CN" sz="3600" b="1" dirty="0">
+                <a:solidFill>
+                  <a:schemeClr val="bg1"/>
+                </a:solidFill>
+                <a:ea typeface="宋体" panose="02010600030101010101" pitchFamily="2" charset="-122"/>
+              </a:rPr>
+              <a:t> Quality &amp; Hallucination Risk</a:t>
+            </a:r>
+            <a:endParaRPr lang="en-US" altLang="zh-CN" sz="3600" b="1" dirty="0">
+              <a:solidFill>
+                <a:schemeClr val="bg1"/>
+              </a:solidFill>
+              <a:ea typeface="宋体" panose="02010600030101010101" pitchFamily="2" charset="-122"/>
+            </a:endParaRPr>
+          </a:p>
+        </p:txBody>
+      </p:sp>
+      <p:graphicFrame>
+        <p:nvGraphicFramePr>
+          <p:cNvPr id="6" name="表格 5">
+            <a:extLst>
+              <a:ext uri="{FF2B5EF4-FFF2-40B4-BE49-F238E27FC236}">
+                <a16:creationId xmlns:a16="http://schemas.microsoft.com/office/drawing/2014/main" id="{7E0AE385-3872-037F-6DE0-66EC35AE182D}"/>
+              </a:ext>
+            </a:extLst>
+          </p:cNvPr>
+          <p:cNvGraphicFramePr>
+            <a:graphicFrameLocks noGrp="1"/>
+          </p:cNvGraphicFramePr>
+          <p:nvPr>
+            <p:extLst>
+              <p:ext uri="{D42A27DB-BD31-4B8C-83A1-F6EECF244321}">
+                <p14:modId xmlns:p14="http://schemas.microsoft.com/office/powerpoint/2010/main" val="603729385"/>
+              </p:ext>
+            </p:extLst>
+          </p:nvPr>
+        </p:nvGraphicFramePr>
+        <p:xfrm>
+          <a:off x="319392" y="775176"/>
+          <a:ext cx="8503595" cy="2011680"/>
+        </p:xfrm>
+        <a:graphic>
+          <a:graphicData uri="http://schemas.openxmlformats.org/drawingml/2006/table">
+            <a:tbl>
+              <a:tblPr firstRow="1" bandRow="1">
+                <a:tableStyleId>{5C22544A-7EE6-4342-B048-85BDC9FD1C3A}</a:tableStyleId>
+              </a:tblPr>
+              <a:tblGrid>
+                <a:gridCol w="1945532">
+                  <a:extLst>
+                    <a:ext uri="{9D8B030D-6E8A-4147-A177-3AD203B41FA5}">
+                      <a16:colId xmlns:a16="http://schemas.microsoft.com/office/drawing/2014/main" val="1752045859"/>
+                    </a:ext>
+                  </a:extLst>
+                </a:gridCol>
+                <a:gridCol w="1089498">
+                  <a:extLst>
+                    <a:ext uri="{9D8B030D-6E8A-4147-A177-3AD203B41FA5}">
+                      <a16:colId xmlns:a16="http://schemas.microsoft.com/office/drawing/2014/main" val="1178558262"/>
+                    </a:ext>
+                  </a:extLst>
+                </a:gridCol>
+                <a:gridCol w="2067127">
+                  <a:extLst>
+                    <a:ext uri="{9D8B030D-6E8A-4147-A177-3AD203B41FA5}">
+                      <a16:colId xmlns:a16="http://schemas.microsoft.com/office/drawing/2014/main" val="48647289"/>
+                    </a:ext>
+                  </a:extLst>
+                </a:gridCol>
+                <a:gridCol w="3401438">
+                  <a:extLst>
+                    <a:ext uri="{9D8B030D-6E8A-4147-A177-3AD203B41FA5}">
+                      <a16:colId xmlns:a16="http://schemas.microsoft.com/office/drawing/2014/main" val="219998825"/>
+                    </a:ext>
+                  </a:extLst>
+                </a:gridCol>
+              </a:tblGrid>
+              <a:tr h="370840">
+                <a:tc>
+                  <a:txBody>
+                    <a:bodyPr/>
+                    <a:lstStyle/>
+                    <a:p>
+                      <a:pPr marR="0" algn="l" rtl="0">
+                        <a:lnSpc>
+                          <a:spcPct val="100000"/>
+                        </a:lnSpc>
+                        <a:spcBef>
+                          <a:spcPts val="0"/>
+                        </a:spcBef>
+                        <a:spcAft>
+                          <a:spcPts val="0"/>
+                        </a:spcAft>
+                        <a:buClr>
+                          <a:srgbClr val="000000"/>
+                        </a:buClr>
+                        <a:buFont typeface="Arial" panose="020B0604020202020204"/>
+                        <a:buNone/>
+                      </a:pPr>
+                      <a:r>
+                        <a:rPr lang="en-MY" sz="1600" b="1" i="0" u="none" strike="noStrike" cap="none" dirty="0">
+                          <a:solidFill>
+                            <a:srgbClr val="000000"/>
+                          </a:solidFill>
+                          <a:latin typeface="Arial" panose="020B0604020202020204"/>
+                          <a:ea typeface="Times New Roman" panose="02020603050405020304" pitchFamily="18" charset="0"/>
+                          <a:cs typeface="Arial" panose="020B0604020202020204"/>
+                          <a:sym typeface="Arial" panose="020B0604020202020204"/>
+                        </a:rPr>
+                        <a:t>Truth </a:t>
+                      </a:r>
+                      <a:r>
+                        <a:rPr lang="en-US" sz="1600" b="1" i="0" u="none" strike="noStrike" cap="none" dirty="0">
+                          <a:solidFill>
+                            <a:srgbClr val="000000"/>
+                          </a:solidFill>
+                          <a:latin typeface="Arial" panose="020B0604020202020204"/>
+                          <a:ea typeface="Times New Roman" panose="02020603050405020304" pitchFamily="18" charset="0"/>
+                          <a:cs typeface="Arial" panose="020B0604020202020204"/>
+                          <a:sym typeface="Arial" panose="020B0604020202020204"/>
+                        </a:rPr>
+                        <a:t>Answer</a:t>
+                      </a:r>
+                      <a:endParaRPr lang="en-MY" sz="1600" b="1" i="0" u="none" strike="noStrike" cap="none" dirty="0">
+                        <a:solidFill>
+                          <a:srgbClr val="000000"/>
+                        </a:solidFill>
+                        <a:latin typeface="Arial" panose="020B0604020202020204"/>
+                        <a:ea typeface="Times New Roman" panose="02020603050405020304" pitchFamily="18" charset="0"/>
+                        <a:cs typeface="Arial" panose="020B0604020202020204"/>
+                        <a:sym typeface="Arial" panose="020B0604020202020204"/>
+                      </a:endParaRPr>
+                    </a:p>
+                  </a:txBody>
+                  <a:tcPr marL="9525" marR="9525" marT="68580" marB="68580">
+                    <a:lnT w="12700" cap="flat" cmpd="sng" algn="ctr">
+                      <a:solidFill>
+                        <a:schemeClr val="tx1"/>
+                      </a:solidFill>
+                      <a:prstDash val="solid"/>
+                      <a:round/>
+                      <a:headEnd type="none" w="med" len="med"/>
+                      <a:tailEnd type="none" w="med" len="med"/>
+                    </a:lnT>
+                    <a:noFill/>
+                  </a:tcPr>
+                </a:tc>
+                <a:tc>
+                  <a:txBody>
+                    <a:bodyPr/>
+                    <a:lstStyle/>
+                    <a:p>
+                      <a:pPr marR="0" algn="l" rtl="0">
+                        <a:lnSpc>
+                          <a:spcPct val="100000"/>
+                        </a:lnSpc>
+                        <a:spcBef>
+                          <a:spcPts val="0"/>
+                        </a:spcBef>
+                        <a:spcAft>
+                          <a:spcPts val="0"/>
+                        </a:spcAft>
+                        <a:buClr>
+                          <a:srgbClr val="000000"/>
+                        </a:buClr>
+                        <a:buFont typeface="Arial" panose="020B0604020202020204"/>
+                        <a:buNone/>
+                      </a:pPr>
+                      <a:r>
+                        <a:rPr lang="en-MY" sz="1600" b="1" i="0" u="none" strike="noStrike" cap="none">
+                          <a:solidFill>
+                            <a:srgbClr val="000000"/>
+                          </a:solidFill>
+                          <a:latin typeface="Arial" panose="020B0604020202020204"/>
+                          <a:ea typeface="Times New Roman" panose="02020603050405020304" pitchFamily="18" charset="0"/>
+                          <a:cs typeface="Arial" panose="020B0604020202020204"/>
+                          <a:sym typeface="Arial" panose="020B0604020202020204"/>
+                        </a:rPr>
+                        <a:t>Prediction</a:t>
+                      </a:r>
+                    </a:p>
+                  </a:txBody>
+                  <a:tcPr marL="9525" marR="9525" marT="68580" marB="68580">
+                    <a:lnT w="12700" cap="flat" cmpd="sng" algn="ctr">
+                      <a:solidFill>
+                        <a:schemeClr val="tx1"/>
+                      </a:solidFill>
+                      <a:prstDash val="solid"/>
+                      <a:round/>
+                      <a:headEnd type="none" w="med" len="med"/>
+                      <a:tailEnd type="none" w="med" len="med"/>
+                    </a:lnT>
+                    <a:noFill/>
+                  </a:tcPr>
+                </a:tc>
+                <a:tc>
+                  <a:txBody>
+                    <a:bodyPr/>
+                    <a:lstStyle/>
+                    <a:p>
+                      <a:pPr marR="0" algn="l" rtl="0">
+                        <a:lnSpc>
+                          <a:spcPct val="100000"/>
+                        </a:lnSpc>
+                        <a:spcBef>
+                          <a:spcPts val="0"/>
+                        </a:spcBef>
+                        <a:spcAft>
+                          <a:spcPts val="0"/>
+                        </a:spcAft>
+                        <a:buClr>
+                          <a:srgbClr val="000000"/>
+                        </a:buClr>
+                        <a:buFont typeface="Arial" panose="020B0604020202020204"/>
+                        <a:buNone/>
+                      </a:pPr>
+                      <a:r>
+                        <a:rPr lang="en-MY" sz="1600" b="1" i="0" u="none" strike="noStrike" cap="none" dirty="0">
+                          <a:solidFill>
+                            <a:srgbClr val="000000"/>
+                          </a:solidFill>
+                          <a:latin typeface="Arial" panose="020B0604020202020204"/>
+                          <a:ea typeface="Times New Roman" panose="02020603050405020304" pitchFamily="18" charset="0"/>
+                          <a:cs typeface="Arial" panose="020B0604020202020204"/>
+                          <a:sym typeface="Arial" panose="020B0604020202020204"/>
+                        </a:rPr>
+                        <a:t>Metric Outcome</a:t>
+                      </a:r>
+                    </a:p>
+                  </a:txBody>
+                  <a:tcPr marL="9525" marR="9525" marT="68580" marB="68580">
+                    <a:lnT w="12700" cap="flat" cmpd="sng" algn="ctr">
+                      <a:solidFill>
+                        <a:schemeClr val="tx1"/>
+                      </a:solidFill>
+                      <a:prstDash val="solid"/>
+                      <a:round/>
+                      <a:headEnd type="none" w="med" len="med"/>
+                      <a:tailEnd type="none" w="med" len="med"/>
+                    </a:lnT>
+                    <a:noFill/>
+                  </a:tcPr>
+                </a:tc>
+                <a:tc>
+                  <a:txBody>
+                    <a:bodyPr/>
+                    <a:lstStyle/>
+                    <a:p>
+                      <a:r>
+                        <a:rPr lang="en-MY" sz="1600" b="1" i="0" u="none" strike="noStrike" cap="none" dirty="0">
+                          <a:solidFill>
+                            <a:srgbClr val="000000"/>
+                          </a:solidFill>
+                          <a:latin typeface="Arial" panose="020B0604020202020204"/>
+                          <a:ea typeface="Times New Roman" panose="02020603050405020304" pitchFamily="18" charset="0"/>
+                          <a:cs typeface="Arial" panose="020B0604020202020204"/>
+                          <a:sym typeface="Arial" panose="020B0604020202020204"/>
+                        </a:rPr>
+                        <a:t>Interpretation</a:t>
+                      </a:r>
+                      <a:endParaRPr lang="zh-CN" altLang="en-US" dirty="0"/>
+                    </a:p>
+                  </a:txBody>
+                  <a:tcPr marL="9525" marR="9525" marT="68580" marB="68580">
+                    <a:lnT w="12700" cap="flat" cmpd="sng" algn="ctr">
+                      <a:solidFill>
+                        <a:schemeClr val="tx1"/>
+                      </a:solidFill>
+                      <a:prstDash val="solid"/>
+                      <a:round/>
+                      <a:headEnd type="none" w="med" len="med"/>
+                      <a:tailEnd type="none" w="med" len="med"/>
+                    </a:lnT>
+                    <a:noFill/>
+                  </a:tcPr>
+                </a:tc>
+                <a:extLst>
+                  <a:ext uri="{0D108BD9-81ED-4DB2-BD59-A6C34878D82A}">
+                    <a16:rowId xmlns:a16="http://schemas.microsoft.com/office/drawing/2014/main" val="2916210426"/>
+                  </a:ext>
+                </a:extLst>
+              </a:tr>
+              <a:tr h="370840">
+                <a:tc>
+                  <a:txBody>
+                    <a:bodyPr/>
+                    <a:lstStyle/>
+                    <a:p>
+                      <a:pPr marR="0" algn="l" rtl="0">
+                        <a:lnSpc>
+                          <a:spcPct val="100000"/>
+                        </a:lnSpc>
+                        <a:spcBef>
+                          <a:spcPts val="0"/>
+                        </a:spcBef>
+                        <a:spcAft>
+                          <a:spcPts val="0"/>
+                        </a:spcAft>
+                        <a:buClr>
+                          <a:srgbClr val="000000"/>
+                        </a:buClr>
+                        <a:buFont typeface="Arial" panose="020B0604020202020204"/>
+                        <a:buNone/>
+                      </a:pPr>
+                      <a:r>
+                        <a:rPr lang="en-MY" sz="1600" b="0" i="0" u="none" strike="noStrike" cap="none" dirty="0">
+                          <a:solidFill>
+                            <a:srgbClr val="000000"/>
+                          </a:solidFill>
+                          <a:latin typeface="Arial" panose="020B0604020202020204"/>
+                          <a:ea typeface="Times New Roman" panose="02020603050405020304" pitchFamily="18" charset="0"/>
+                          <a:cs typeface="Arial" panose="020B0604020202020204"/>
+                          <a:sym typeface="Arial" panose="020B0604020202020204"/>
+                        </a:rPr>
+                        <a:t>the </a:t>
+                      </a:r>
+                      <a:r>
+                        <a:rPr lang="en-MY" sz="1600" b="0" i="0" u="none" strike="noStrike" cap="none" dirty="0">
+                          <a:solidFill>
+                            <a:schemeClr val="accent4">
+                              <a:lumMod val="75000"/>
+                            </a:schemeClr>
+                          </a:solidFill>
+                          <a:latin typeface="Arial" panose="020B0604020202020204"/>
+                          <a:ea typeface="Times New Roman" panose="02020603050405020304" pitchFamily="18" charset="0"/>
+                          <a:cs typeface="Arial" panose="020B0604020202020204"/>
+                          <a:sym typeface="Arial" panose="020B0604020202020204"/>
+                        </a:rPr>
+                        <a:t>brain</a:t>
+                      </a:r>
+                    </a:p>
+                  </a:txBody>
+                  <a:tcPr marL="9525" marR="9525" marT="68580" marB="68580">
+                    <a:noFill/>
+                  </a:tcPr>
+                </a:tc>
+                <a:tc>
+                  <a:txBody>
+                    <a:bodyPr/>
+                    <a:lstStyle/>
+                    <a:p>
+                      <a:pPr marR="0" algn="l" rtl="0">
+                        <a:lnSpc>
+                          <a:spcPct val="100000"/>
+                        </a:lnSpc>
+                        <a:spcBef>
+                          <a:spcPts val="0"/>
+                        </a:spcBef>
+                        <a:spcAft>
+                          <a:spcPts val="0"/>
+                        </a:spcAft>
+                        <a:buClr>
+                          <a:srgbClr val="000000"/>
+                        </a:buClr>
+                        <a:buFont typeface="Arial" panose="020B0604020202020204"/>
+                        <a:buNone/>
+                      </a:pPr>
+                      <a:r>
+                        <a:rPr lang="en-MY" sz="1600" b="0" i="0" u="none" strike="noStrike" cap="none" dirty="0">
+                          <a:solidFill>
+                            <a:schemeClr val="accent4">
+                              <a:lumMod val="75000"/>
+                            </a:schemeClr>
+                          </a:solidFill>
+                          <a:latin typeface="Arial" panose="020B0604020202020204"/>
+                          <a:ea typeface="Times New Roman" panose="02020603050405020304" pitchFamily="18" charset="0"/>
+                          <a:cs typeface="Arial" panose="020B0604020202020204"/>
+                          <a:sym typeface="Arial" panose="020B0604020202020204"/>
+                        </a:rPr>
+                        <a:t>brain</a:t>
+                      </a:r>
+                    </a:p>
+                  </a:txBody>
+                  <a:tcPr marL="9525" marR="9525" marT="68580" marB="68580">
+                    <a:noFill/>
+                  </a:tcPr>
+                </a:tc>
+                <a:tc>
+                  <a:txBody>
+                    <a:bodyPr/>
+                    <a:lstStyle/>
+                    <a:p>
+                      <a:pPr marR="0" algn="l" rtl="0">
+                        <a:lnSpc>
+                          <a:spcPct val="100000"/>
+                        </a:lnSpc>
+                        <a:spcBef>
+                          <a:spcPts val="0"/>
+                        </a:spcBef>
+                        <a:spcAft>
+                          <a:spcPts val="0"/>
+                        </a:spcAft>
+                        <a:buClr>
+                          <a:srgbClr val="000000"/>
+                        </a:buClr>
+                        <a:buFont typeface="Arial" panose="020B0604020202020204"/>
+                        <a:buNone/>
+                      </a:pPr>
+                      <a:r>
+                        <a:rPr lang="en-MY" sz="1600" b="0" i="0" u="none" strike="noStrike" cap="none">
+                          <a:solidFill>
+                            <a:srgbClr val="000000"/>
+                          </a:solidFill>
+                          <a:latin typeface="Arial" panose="020B0604020202020204"/>
+                          <a:ea typeface="Times New Roman" panose="02020603050405020304" pitchFamily="18" charset="0"/>
+                          <a:cs typeface="Arial" panose="020B0604020202020204"/>
+                          <a:sym typeface="Arial" panose="020B0604020202020204"/>
+                        </a:rPr>
+                        <a:t>BLEU-4 = 0.065</a:t>
+                      </a:r>
+                    </a:p>
+                  </a:txBody>
+                  <a:tcPr marL="9525" marR="9525" marT="68580" marB="68580">
+                    <a:noFill/>
+                  </a:tcPr>
+                </a:tc>
+                <a:tc>
+                  <a:txBody>
+                    <a:bodyPr/>
+                    <a:lstStyle/>
+                    <a:p>
+                      <a:pPr marR="0" algn="l" rtl="0">
+                        <a:lnSpc>
+                          <a:spcPct val="100000"/>
+                        </a:lnSpc>
+                        <a:spcBef>
+                          <a:spcPts val="0"/>
+                        </a:spcBef>
+                        <a:spcAft>
+                          <a:spcPts val="0"/>
+                        </a:spcAft>
+                        <a:buClr>
+                          <a:srgbClr val="000000"/>
+                        </a:buClr>
+                        <a:buFont typeface="Arial" panose="020B0604020202020204"/>
+                        <a:buNone/>
+                      </a:pPr>
+                      <a:r>
+                        <a:rPr lang="en-MY" sz="1600" b="0" i="0" u="none" strike="noStrike" cap="none" dirty="0">
+                          <a:solidFill>
+                            <a:srgbClr val="000000"/>
+                          </a:solidFill>
+                          <a:latin typeface="Arial" panose="020B0604020202020204"/>
+                          <a:ea typeface="Times New Roman" panose="02020603050405020304" pitchFamily="18" charset="0"/>
+                          <a:cs typeface="Arial" panose="020B0604020202020204"/>
+                          <a:sym typeface="Arial" panose="020B0604020202020204"/>
+                        </a:rPr>
+                        <a:t>Identical clinical meaning</a:t>
+                      </a:r>
+                    </a:p>
+                  </a:txBody>
+                  <a:tcPr marL="9525" marR="9525" marT="68580" marB="68580">
+                    <a:noFill/>
+                  </a:tcPr>
+                </a:tc>
+                <a:extLst>
+                  <a:ext uri="{0D108BD9-81ED-4DB2-BD59-A6C34878D82A}">
+                    <a16:rowId xmlns:a16="http://schemas.microsoft.com/office/drawing/2014/main" val="478183832"/>
+                  </a:ext>
+                </a:extLst>
+              </a:tr>
+              <a:tr h="370840">
+                <a:tc>
+                  <a:txBody>
+                    <a:bodyPr/>
+                    <a:lstStyle/>
+                    <a:p>
+                      <a:pPr marR="0" algn="l" rtl="0">
+                        <a:lnSpc>
+                          <a:spcPct val="100000"/>
+                        </a:lnSpc>
+                        <a:spcBef>
+                          <a:spcPts val="0"/>
+                        </a:spcBef>
+                        <a:spcAft>
+                          <a:spcPts val="0"/>
+                        </a:spcAft>
+                        <a:buClr>
+                          <a:srgbClr val="000000"/>
+                        </a:buClr>
+                        <a:buFont typeface="Arial" panose="020B0604020202020204"/>
+                        <a:buNone/>
+                      </a:pPr>
+                      <a:r>
+                        <a:rPr lang="en-MY" sz="1600" b="0" i="0" u="none" strike="noStrike" cap="none" dirty="0">
+                          <a:solidFill>
+                            <a:schemeClr val="accent4">
+                              <a:lumMod val="75000"/>
+                            </a:schemeClr>
+                          </a:solidFill>
+                          <a:latin typeface="Arial" panose="020B0604020202020204"/>
+                          <a:ea typeface="Times New Roman" panose="02020603050405020304" pitchFamily="18" charset="0"/>
+                          <a:cs typeface="Arial" panose="020B0604020202020204"/>
+                          <a:sym typeface="Arial" panose="020B0604020202020204"/>
+                        </a:rPr>
+                        <a:t>right</a:t>
+                      </a:r>
+                      <a:r>
+                        <a:rPr lang="en-MY" sz="1600" b="0" i="0" u="none" strike="noStrike" cap="none" dirty="0">
+                          <a:solidFill>
+                            <a:srgbClr val="000000"/>
+                          </a:solidFill>
+                          <a:latin typeface="Arial" panose="020B0604020202020204"/>
+                          <a:ea typeface="Times New Roman" panose="02020603050405020304" pitchFamily="18" charset="0"/>
+                          <a:cs typeface="Arial" panose="020B0604020202020204"/>
+                          <a:sym typeface="Arial" panose="020B0604020202020204"/>
+                        </a:rPr>
+                        <a:t> side</a:t>
+                      </a:r>
+                    </a:p>
+                  </a:txBody>
+                  <a:tcPr marL="9525" marR="9525" marT="68580" marB="68580">
+                    <a:noFill/>
+                  </a:tcPr>
+                </a:tc>
+                <a:tc>
+                  <a:txBody>
+                    <a:bodyPr/>
+                    <a:lstStyle/>
+                    <a:p>
+                      <a:pPr marR="0" algn="l" rtl="0">
+                        <a:lnSpc>
+                          <a:spcPct val="100000"/>
+                        </a:lnSpc>
+                        <a:spcBef>
+                          <a:spcPts val="0"/>
+                        </a:spcBef>
+                        <a:spcAft>
+                          <a:spcPts val="0"/>
+                        </a:spcAft>
+                        <a:buClr>
+                          <a:srgbClr val="000000"/>
+                        </a:buClr>
+                        <a:buFont typeface="Arial" panose="020B0604020202020204"/>
+                        <a:buNone/>
+                      </a:pPr>
+                      <a:r>
+                        <a:rPr lang="en-MY" sz="1600" b="0" i="0" u="none" strike="noStrike" cap="none" dirty="0">
+                          <a:solidFill>
+                            <a:schemeClr val="accent4">
+                              <a:lumMod val="75000"/>
+                            </a:schemeClr>
+                          </a:solidFill>
+                          <a:latin typeface="Arial" panose="020B0604020202020204"/>
+                          <a:ea typeface="Times New Roman" panose="02020603050405020304" pitchFamily="18" charset="0"/>
+                          <a:cs typeface="Arial" panose="020B0604020202020204"/>
+                          <a:sym typeface="Arial" panose="020B0604020202020204"/>
+                        </a:rPr>
+                        <a:t>right</a:t>
+                      </a:r>
+                    </a:p>
+                  </a:txBody>
+                  <a:tcPr marL="9525" marR="9525" marT="68580" marB="68580">
+                    <a:noFill/>
+                  </a:tcPr>
+                </a:tc>
+                <a:tc>
+                  <a:txBody>
+                    <a:bodyPr/>
+                    <a:lstStyle/>
+                    <a:p>
+                      <a:pPr marR="0" algn="l" rtl="0">
+                        <a:lnSpc>
+                          <a:spcPct val="100000"/>
+                        </a:lnSpc>
+                        <a:spcBef>
+                          <a:spcPts val="0"/>
+                        </a:spcBef>
+                        <a:spcAft>
+                          <a:spcPts val="0"/>
+                        </a:spcAft>
+                        <a:buClr>
+                          <a:srgbClr val="000000"/>
+                        </a:buClr>
+                        <a:buFont typeface="Arial" panose="020B0604020202020204"/>
+                        <a:buNone/>
+                      </a:pPr>
+                      <a:r>
+                        <a:rPr lang="en-MY" sz="1600" b="0" i="0" u="none" strike="noStrike" cap="none">
+                          <a:solidFill>
+                            <a:srgbClr val="000000"/>
+                          </a:solidFill>
+                          <a:latin typeface="Arial" panose="020B0604020202020204"/>
+                          <a:ea typeface="Times New Roman" panose="02020603050405020304" pitchFamily="18" charset="0"/>
+                          <a:cs typeface="Arial" panose="020B0604020202020204"/>
+                          <a:sym typeface="Arial" panose="020B0604020202020204"/>
+                        </a:rPr>
+                        <a:t>EM = 0</a:t>
+                      </a:r>
+                    </a:p>
+                  </a:txBody>
+                  <a:tcPr marL="9525" marR="9525" marT="68580" marB="68580">
+                    <a:noFill/>
+                  </a:tcPr>
+                </a:tc>
+                <a:tc>
+                  <a:txBody>
+                    <a:bodyPr/>
+                    <a:lstStyle/>
+                    <a:p>
+                      <a:pPr marR="0" algn="l" rtl="0">
+                        <a:lnSpc>
+                          <a:spcPct val="100000"/>
+                        </a:lnSpc>
+                        <a:spcBef>
+                          <a:spcPts val="0"/>
+                        </a:spcBef>
+                        <a:spcAft>
+                          <a:spcPts val="0"/>
+                        </a:spcAft>
+                        <a:buClr>
+                          <a:srgbClr val="000000"/>
+                        </a:buClr>
+                        <a:buFont typeface="Arial" panose="020B0604020202020204"/>
+                        <a:buNone/>
+                      </a:pPr>
+                      <a:r>
+                        <a:rPr lang="en-MY" sz="1600" b="0" i="0" u="none" strike="noStrike" cap="none" dirty="0">
+                          <a:solidFill>
+                            <a:srgbClr val="000000"/>
+                          </a:solidFill>
+                          <a:latin typeface="Arial" panose="020B0604020202020204"/>
+                          <a:ea typeface="Times New Roman" panose="02020603050405020304" pitchFamily="18" charset="0"/>
+                          <a:cs typeface="Arial" panose="020B0604020202020204"/>
+                          <a:sym typeface="Arial" panose="020B0604020202020204"/>
+                        </a:rPr>
+                        <a:t>Missing modifier, correct spatial concept</a:t>
+                      </a:r>
+                    </a:p>
+                  </a:txBody>
+                  <a:tcPr marL="9525" marR="9525" marT="68580" marB="68580">
+                    <a:noFill/>
+                  </a:tcPr>
+                </a:tc>
+                <a:extLst>
+                  <a:ext uri="{0D108BD9-81ED-4DB2-BD59-A6C34878D82A}">
+                    <a16:rowId xmlns:a16="http://schemas.microsoft.com/office/drawing/2014/main" val="1667755524"/>
+                  </a:ext>
+                </a:extLst>
+              </a:tr>
+              <a:tr h="0">
+                <a:tc>
+                  <a:txBody>
+                    <a:bodyPr/>
+                    <a:lstStyle/>
+                    <a:p>
+                      <a:pPr marR="0" algn="l" rtl="0">
+                        <a:lnSpc>
+                          <a:spcPct val="100000"/>
+                        </a:lnSpc>
+                        <a:spcBef>
+                          <a:spcPts val="0"/>
+                        </a:spcBef>
+                        <a:spcAft>
+                          <a:spcPts val="0"/>
+                        </a:spcAft>
+                        <a:buClr>
+                          <a:srgbClr val="000000"/>
+                        </a:buClr>
+                        <a:buFont typeface="Arial" panose="020B0604020202020204"/>
+                        <a:buNone/>
+                      </a:pPr>
+                      <a:r>
+                        <a:rPr lang="en-MY" sz="1600" b="0" i="0" u="none" strike="noStrike" cap="none" dirty="0">
+                          <a:solidFill>
+                            <a:srgbClr val="000000"/>
+                          </a:solidFill>
+                          <a:latin typeface="Arial" panose="020B0604020202020204"/>
+                          <a:ea typeface="Times New Roman" panose="02020603050405020304" pitchFamily="18" charset="0"/>
+                          <a:cs typeface="Arial" panose="020B0604020202020204"/>
+                          <a:sym typeface="Arial" panose="020B0604020202020204"/>
+                        </a:rPr>
+                        <a:t>diffusion weighted </a:t>
+                      </a:r>
+                      <a:r>
+                        <a:rPr lang="en-MY" sz="1600" b="0" i="0" u="none" strike="noStrike" cap="none" dirty="0">
+                          <a:solidFill>
+                            <a:schemeClr val="accent4">
+                              <a:lumMod val="75000"/>
+                            </a:schemeClr>
+                          </a:solidFill>
+                          <a:latin typeface="Arial" panose="020B0604020202020204"/>
+                          <a:ea typeface="Times New Roman" panose="02020603050405020304" pitchFamily="18" charset="0"/>
+                          <a:cs typeface="Arial" panose="020B0604020202020204"/>
+                          <a:sym typeface="Arial" panose="020B0604020202020204"/>
+                        </a:rPr>
+                        <a:t>MRI</a:t>
+                      </a:r>
+                    </a:p>
+                  </a:txBody>
+                  <a:tcPr marL="9525" marR="9525" marT="68580" marB="68580">
+                    <a:lnB w="12700" cap="flat" cmpd="sng" algn="ctr">
+                      <a:solidFill>
+                        <a:schemeClr val="tx1"/>
+                      </a:solidFill>
+                      <a:prstDash val="solid"/>
+                      <a:round/>
+                      <a:headEnd type="none" w="med" len="med"/>
+                      <a:tailEnd type="none" w="med" len="med"/>
+                    </a:lnB>
+                    <a:noFill/>
+                  </a:tcPr>
+                </a:tc>
+                <a:tc>
+                  <a:txBody>
+                    <a:bodyPr/>
+                    <a:lstStyle/>
+                    <a:p>
+                      <a:pPr marR="0" algn="l" rtl="0">
+                        <a:lnSpc>
+                          <a:spcPct val="100000"/>
+                        </a:lnSpc>
+                        <a:spcBef>
+                          <a:spcPts val="0"/>
+                        </a:spcBef>
+                        <a:spcAft>
+                          <a:spcPts val="0"/>
+                        </a:spcAft>
+                        <a:buClr>
+                          <a:srgbClr val="000000"/>
+                        </a:buClr>
+                        <a:buFont typeface="Arial" panose="020B0604020202020204"/>
+                        <a:buNone/>
+                      </a:pPr>
+                      <a:r>
+                        <a:rPr lang="en-MY" sz="1600" b="0" i="0" u="none" strike="noStrike" cap="none" dirty="0">
+                          <a:solidFill>
+                            <a:schemeClr val="accent4">
+                              <a:lumMod val="75000"/>
+                            </a:schemeClr>
+                          </a:solidFill>
+                          <a:latin typeface="Arial" panose="020B0604020202020204"/>
+                          <a:ea typeface="Times New Roman" panose="02020603050405020304" pitchFamily="18" charset="0"/>
+                          <a:cs typeface="Arial" panose="020B0604020202020204"/>
+                          <a:sym typeface="Arial" panose="020B0604020202020204"/>
+                        </a:rPr>
+                        <a:t>MRI</a:t>
+                      </a:r>
+                    </a:p>
+                  </a:txBody>
+                  <a:tcPr marL="9525" marR="9525" marT="68580" marB="68580">
+                    <a:lnB w="12700" cap="flat" cmpd="sng" algn="ctr">
+                      <a:solidFill>
+                        <a:schemeClr val="tx1"/>
+                      </a:solidFill>
+                      <a:prstDash val="solid"/>
+                      <a:round/>
+                      <a:headEnd type="none" w="med" len="med"/>
+                      <a:tailEnd type="none" w="med" len="med"/>
+                    </a:lnB>
+                    <a:noFill/>
+                  </a:tcPr>
+                </a:tc>
+                <a:tc>
+                  <a:txBody>
+                    <a:bodyPr/>
+                    <a:lstStyle/>
+                    <a:p>
+                      <a:pPr marR="0" algn="l" rtl="0">
+                        <a:lnSpc>
+                          <a:spcPct val="100000"/>
+                        </a:lnSpc>
+                        <a:spcBef>
+                          <a:spcPts val="0"/>
+                        </a:spcBef>
+                        <a:spcAft>
+                          <a:spcPts val="0"/>
+                        </a:spcAft>
+                        <a:buClr>
+                          <a:srgbClr val="000000"/>
+                        </a:buClr>
+                        <a:buFont typeface="Arial" panose="020B0604020202020204"/>
+                        <a:buNone/>
+                      </a:pPr>
+                      <a:r>
+                        <a:rPr lang="en-MY" sz="1600" b="0" i="0" u="none" strike="noStrike" cap="none">
+                          <a:solidFill>
+                            <a:srgbClr val="000000"/>
+                          </a:solidFill>
+                          <a:latin typeface="Arial" panose="020B0604020202020204"/>
+                          <a:ea typeface="Times New Roman" panose="02020603050405020304" pitchFamily="18" charset="0"/>
+                          <a:cs typeface="Arial" panose="020B0604020202020204"/>
+                          <a:sym typeface="Arial" panose="020B0604020202020204"/>
+                        </a:rPr>
+                        <a:t>EM = 0</a:t>
+                      </a:r>
+                    </a:p>
+                  </a:txBody>
+                  <a:tcPr marL="9525" marR="9525" marT="68580" marB="68580">
+                    <a:lnB w="12700" cap="flat" cmpd="sng" algn="ctr">
+                      <a:solidFill>
+                        <a:schemeClr val="tx1"/>
+                      </a:solidFill>
+                      <a:prstDash val="solid"/>
+                      <a:round/>
+                      <a:headEnd type="none" w="med" len="med"/>
+                      <a:tailEnd type="none" w="med" len="med"/>
+                    </a:lnB>
+                    <a:noFill/>
+                  </a:tcPr>
+                </a:tc>
+                <a:tc>
+                  <a:txBody>
+                    <a:bodyPr/>
+                    <a:lstStyle/>
+                    <a:p>
+                      <a:pPr marR="0" algn="l" rtl="0">
+                        <a:lnSpc>
+                          <a:spcPct val="100000"/>
+                        </a:lnSpc>
+                        <a:spcBef>
+                          <a:spcPts val="0"/>
+                        </a:spcBef>
+                        <a:spcAft>
+                          <a:spcPts val="0"/>
+                        </a:spcAft>
+                        <a:buClr>
+                          <a:srgbClr val="000000"/>
+                        </a:buClr>
+                        <a:buFont typeface="Arial" panose="020B0604020202020204"/>
+                        <a:buNone/>
+                      </a:pPr>
+                      <a:r>
+                        <a:rPr lang="en-MY" sz="1600" b="0" i="0" u="none" strike="noStrike" cap="none" dirty="0">
+                          <a:solidFill>
+                            <a:srgbClr val="000000"/>
+                          </a:solidFill>
+                          <a:latin typeface="Arial" panose="020B0604020202020204"/>
+                          <a:ea typeface="Times New Roman" panose="02020603050405020304" pitchFamily="18" charset="0"/>
+                          <a:cs typeface="Arial" panose="020B0604020202020204"/>
+                          <a:sym typeface="Arial" panose="020B0604020202020204"/>
+                        </a:rPr>
+                        <a:t>Correct modality, missing specific subtype</a:t>
+                      </a:r>
+                    </a:p>
+                  </a:txBody>
+                  <a:tcPr marL="9525" marR="9525" marT="68580" marB="68580">
+                    <a:lnB w="12700" cap="flat" cmpd="sng" algn="ctr">
+                      <a:solidFill>
+                        <a:schemeClr val="tx1"/>
+                      </a:solidFill>
+                      <a:prstDash val="solid"/>
+                      <a:round/>
+                      <a:headEnd type="none" w="med" len="med"/>
+                      <a:tailEnd type="none" w="med" len="med"/>
+                    </a:lnB>
+                    <a:noFill/>
+                  </a:tcPr>
+                </a:tc>
+                <a:extLst>
+                  <a:ext uri="{0D108BD9-81ED-4DB2-BD59-A6C34878D82A}">
+                    <a16:rowId xmlns:a16="http://schemas.microsoft.com/office/drawing/2014/main" val="3919260599"/>
+                  </a:ext>
+                </a:extLst>
+              </a:tr>
+            </a:tbl>
+          </a:graphicData>
+        </a:graphic>
+      </p:graphicFrame>
+      <p:sp>
+        <p:nvSpPr>
+          <p:cNvPr id="7" name="文本框 6">
+            <a:extLst>
+              <a:ext uri="{FF2B5EF4-FFF2-40B4-BE49-F238E27FC236}">
+                <a16:creationId xmlns:a16="http://schemas.microsoft.com/office/drawing/2014/main" id="{9C9E8118-2D27-3A2F-D592-F4F584AC9092}"/>
+              </a:ext>
+            </a:extLst>
+          </p:cNvPr>
+          <p:cNvSpPr txBox="1"/>
+          <p:nvPr/>
+        </p:nvSpPr>
+        <p:spPr>
+          <a:xfrm>
+            <a:off x="175098" y="3112175"/>
+            <a:ext cx="8824608" cy="1754326"/>
+          </a:xfrm>
+          <a:prstGeom prst="rect">
+            <a:avLst/>
+          </a:prstGeom>
+          <a:noFill/>
+        </p:spPr>
+        <p:txBody>
+          <a:bodyPr wrap="square" rtlCol="0">
+            <a:spAutoFit/>
+          </a:bodyPr>
+          <a:lstStyle/>
+          <a:p>
+            <a:r>
+              <a:rPr lang="en-MY" altLang="zh-CN" sz="1800" b="1" dirty="0">
+                <a:solidFill>
+                  <a:schemeClr val="accent4">
+                    <a:lumMod val="75000"/>
+                  </a:schemeClr>
+                </a:solidFill>
+                <a:ea typeface="Times New Roman" panose="02020603050405020304" pitchFamily="18" charset="0"/>
+              </a:rPr>
+              <a:t>Finding</a:t>
+            </a:r>
+            <a:r>
+              <a:rPr lang="en-MY" altLang="zh-CN" sz="1800" dirty="0"/>
+              <a:t>: Generative model performs poorly on BLEU and Extract </a:t>
+            </a:r>
+            <a:r>
+              <a:rPr lang="en-US" altLang="zh-CN" sz="1800" dirty="0"/>
+              <a:t>Match(Accuracy)</a:t>
+            </a:r>
+            <a:endParaRPr lang="en-MY" altLang="zh-CN" sz="1800" dirty="0"/>
+          </a:p>
+          <a:p>
+            <a:endParaRPr kumimoji="1" lang="en-MY" altLang="zh-CN" sz="1800" dirty="0"/>
+          </a:p>
+          <a:p>
+            <a:r>
+              <a:rPr kumimoji="1" lang="en-MY" altLang="zh-CN" sz="1800" b="1" dirty="0" err="1">
+                <a:solidFill>
+                  <a:schemeClr val="accent4">
+                    <a:lumMod val="75000"/>
+                  </a:schemeClr>
+                </a:solidFill>
+              </a:rPr>
+              <a:t>Acutual</a:t>
+            </a:r>
+            <a:r>
+              <a:rPr kumimoji="1" lang="en-MY" altLang="zh-CN" sz="1800" b="1" dirty="0">
+                <a:solidFill>
+                  <a:schemeClr val="accent4">
+                    <a:lumMod val="75000"/>
+                  </a:schemeClr>
+                </a:solidFill>
+              </a:rPr>
+              <a:t> Result</a:t>
+            </a:r>
+            <a:r>
+              <a:rPr kumimoji="1" lang="en-MY" altLang="zh-CN" sz="1800" dirty="0"/>
+              <a:t>: Similar expression</a:t>
+            </a:r>
+            <a:r>
+              <a:rPr kumimoji="1" lang="zh-CN" altLang="en-US" sz="1800" dirty="0"/>
+              <a:t> </a:t>
+            </a:r>
+            <a:r>
+              <a:rPr kumimoji="1" lang="en-US" altLang="zh-CN" sz="1800" dirty="0"/>
+              <a:t>but</a:t>
+            </a:r>
+            <a:r>
+              <a:rPr kumimoji="1" lang="zh-CN" altLang="en-US" sz="1800" dirty="0"/>
+              <a:t> </a:t>
+            </a:r>
+            <a:r>
+              <a:rPr kumimoji="1" lang="en-MY" altLang="zh-CN" sz="1800" dirty="0"/>
+              <a:t>strict criteria </a:t>
+            </a:r>
+          </a:p>
+          <a:p>
+            <a:endParaRPr kumimoji="1" lang="en-MY" altLang="zh-CN" sz="1800" dirty="0"/>
+          </a:p>
+          <a:p>
+            <a:r>
+              <a:rPr lang="en-MY" altLang="zh-CN" sz="1800" b="1" dirty="0">
+                <a:solidFill>
+                  <a:schemeClr val="accent4">
+                    <a:lumMod val="75000"/>
+                  </a:schemeClr>
+                </a:solidFill>
+              </a:rPr>
+              <a:t>Qualitative analysis </a:t>
+            </a:r>
+            <a:r>
+              <a:rPr kumimoji="1" lang="en-US" altLang="zh-CN" sz="1800" dirty="0"/>
+              <a:t>:</a:t>
+            </a:r>
+            <a:r>
+              <a:rPr kumimoji="1" lang="zh-CN" altLang="en-US" sz="1800" dirty="0"/>
+              <a:t> </a:t>
+            </a:r>
+            <a:r>
+              <a:rPr kumimoji="1" lang="en-US" altLang="zh-CN" sz="1800" dirty="0"/>
+              <a:t>M</a:t>
+            </a:r>
+            <a:r>
+              <a:rPr kumimoji="1" lang="en-MY" altLang="zh-CN" sz="1800" dirty="0" err="1"/>
+              <a:t>ost</a:t>
+            </a:r>
+            <a:r>
+              <a:rPr kumimoji="1" lang="en-MY" altLang="zh-CN" sz="1800" dirty="0"/>
+              <a:t>  errors correspond to </a:t>
+            </a:r>
+            <a:r>
+              <a:rPr kumimoji="1" lang="en-MY" altLang="zh-CN" sz="1800" dirty="0">
+                <a:solidFill>
+                  <a:schemeClr val="accent4">
+                    <a:lumMod val="75000"/>
+                  </a:schemeClr>
+                </a:solidFill>
+              </a:rPr>
+              <a:t>soft hallucinations</a:t>
+            </a:r>
+            <a:r>
+              <a:rPr kumimoji="1" lang="zh-CN" altLang="en-US" sz="1800" dirty="0">
+                <a:solidFill>
+                  <a:schemeClr val="accent4">
+                    <a:lumMod val="75000"/>
+                  </a:schemeClr>
+                </a:solidFill>
+              </a:rPr>
+              <a:t> </a:t>
+            </a:r>
+            <a:r>
+              <a:rPr kumimoji="1" lang="en-US" altLang="zh-CN" sz="1800" dirty="0"/>
+              <a:t>rather</a:t>
+            </a:r>
+            <a:r>
+              <a:rPr kumimoji="1" lang="zh-CN" altLang="en-US" sz="1800" dirty="0"/>
+              <a:t> </a:t>
+            </a:r>
+            <a:r>
+              <a:rPr kumimoji="1" lang="en-US" altLang="zh-CN" sz="1800" dirty="0"/>
+              <a:t>than</a:t>
+            </a:r>
+            <a:r>
+              <a:rPr kumimoji="1" lang="zh-CN" altLang="en-US" sz="1800" dirty="0"/>
+              <a:t> </a:t>
+            </a:r>
+            <a:r>
+              <a:rPr kumimoji="1" lang="en-US" altLang="zh-CN" sz="1800" dirty="0"/>
+              <a:t>hard</a:t>
+            </a:r>
+            <a:r>
+              <a:rPr kumimoji="1" lang="zh-CN" altLang="en-US" sz="1800" dirty="0"/>
+              <a:t> </a:t>
+            </a:r>
+            <a:r>
+              <a:rPr kumimoji="1" lang="en-US" altLang="zh-CN" sz="1800" dirty="0"/>
+              <a:t>hallucination</a:t>
+            </a:r>
+            <a:r>
+              <a:rPr kumimoji="1" lang="zh-CN" altLang="en-US" sz="1800" dirty="0"/>
+              <a:t> </a:t>
+            </a:r>
+            <a:r>
+              <a:rPr kumimoji="1" lang="en-US" altLang="zh-CN" sz="1800" dirty="0"/>
+              <a:t>involving</a:t>
+            </a:r>
+            <a:r>
+              <a:rPr kumimoji="1" lang="zh-CN" altLang="en-US" sz="1800" dirty="0"/>
+              <a:t> </a:t>
+            </a:r>
+            <a:r>
+              <a:rPr kumimoji="1" lang="en-US" altLang="zh-CN" sz="1800" dirty="0"/>
+              <a:t>fabricating</a:t>
+            </a:r>
+            <a:endParaRPr kumimoji="1" lang="zh-CN" altLang="en-US" sz="1800" dirty="0"/>
+          </a:p>
+        </p:txBody>
+      </p:sp>
+    </p:spTree>
+    <p:extLst>
+      <p:ext uri="{BB962C8B-B14F-4D97-AF65-F5344CB8AC3E}">
+        <p14:creationId xmlns:p14="http://schemas.microsoft.com/office/powerpoint/2010/main" val="480485656"/>
+      </p:ext>
+    </p:extLst>
+  </p:cSld>
+  <p:clrMapOvr>
+    <a:masterClrMapping/>
+  </p:clrMapOvr>
+</p:sld>
+</file>
+
+<file path=ppt/slides/slide16.xml><?xml version="1.0" encoding="utf-8"?>
+<p:sld xmlns:a="http://schemas.openxmlformats.org/drawingml/2006/main" xmlns:r="http://schemas.openxmlformats.org/officeDocument/2006/relationships" xmlns:p="http://schemas.openxmlformats.org/presentationml/2006/main">
+  <p:cSld>
+    <p:spTree>
+      <p:nvGrpSpPr>
+        <p:cNvPr id="1" name="Shape 77"/>
+        <p:cNvGrpSpPr/>
+        <p:nvPr/>
+      </p:nvGrpSpPr>
+      <p:grpSpPr>
+        <a:xfrm>
+          <a:off x="0" y="0"/>
+          <a:ext cx="0" cy="0"/>
+          <a:chOff x="0" y="0"/>
+          <a:chExt cx="0" cy="0"/>
+        </a:xfrm>
+      </p:grpSpPr>
       <p:pic>
         <p:nvPicPr>
           <p:cNvPr id="78" name="Google Shape;78;p2"/>
@@ -21262,7 +25912,7 @@
           <p:nvPr/>
         </p:nvPicPr>
         <p:blipFill rotWithShape="1">
-          <a:blip r:embed="rId9"/>
+          <a:blip r:embed="rId3"/>
           <a:srcRect/>
           <a:stretch>
             <a:fillRect/>
@@ -21294,7 +25944,7 @@
         </p:nvSpPr>
         <p:spPr>
           <a:xfrm>
-            <a:off x="0" y="-76"/>
+            <a:off x="200025" y="0"/>
             <a:ext cx="7421963" cy="775252"/>
           </a:xfrm>
           <a:prstGeom prst="rect">
@@ -21307,7 +25957,7 @@
         </p:spPr>
         <p:txBody>
           <a:bodyPr spcFirstLastPara="1" wrap="square" lIns="68575" tIns="34275" rIns="68575" bIns="34275" anchor="ctr" anchorCtr="0">
-            <a:normAutofit fontScale="90000"/>
+            <a:normAutofit/>
           </a:bodyPr>
           <a:lstStyle/>
           <a:p>
@@ -21332,48 +25982,10 @@
                 <a:solidFill>
                   <a:schemeClr val="bg1"/>
                 </a:solidFill>
-                <a:sym typeface="+mn-ea"/>
-              </a:rPr>
-              <a:t>Discussion</a:t>
-            </a:r>
-            <a:r>
-              <a:rPr lang="zh-CN" altLang="en-US" sz="3600" b="1" dirty="0">
-                <a:solidFill>
-                  <a:schemeClr val="bg1"/>
-                </a:solidFill>
                 <a:ea typeface="宋体" panose="02010600030101010101" pitchFamily="2" charset="-122"/>
                 <a:sym typeface="+mn-ea"/>
               </a:rPr>
-              <a:t>：</a:t>
-            </a:r>
-            <a:r>
-              <a:rPr lang="en-US" altLang="zh-CN" sz="3600" b="1" dirty="0">
-                <a:solidFill>
-                  <a:schemeClr val="bg1"/>
-                </a:solidFill>
-                <a:ea typeface="宋体" panose="02010600030101010101" pitchFamily="2" charset="-122"/>
-                <a:sym typeface="+mn-ea"/>
-              </a:rPr>
-              <a:t>baseline vs </a:t>
-            </a:r>
-            <a:r>
-              <a:rPr lang="en-US" altLang="zh-CN" sz="3600" b="1" dirty="0">
-                <a:solidFill>
-                  <a:schemeClr val="bg1"/>
-                </a:solidFill>
-                <a:sym typeface="+mn-ea"/>
-              </a:rPr>
-              <a:t> </a:t>
-            </a:r>
-            <a:r>
-              <a:rPr lang="en-US" altLang="zh-CN" sz="3600" b="1" dirty="0">
-                <a:solidFill>
-                  <a:schemeClr val="bg1"/>
-                </a:solidFill>
-                <a:ea typeface="宋体" panose="02010600030101010101" pitchFamily="2" charset="-122"/>
-                <a:sym typeface="+mn-ea"/>
-              </a:rPr>
-              <a:t>Generative Model</a:t>
+              <a:t>Limitation</a:t>
             </a:r>
             <a:endParaRPr lang="en-US" altLang="zh-CN" sz="3600" b="1" dirty="0">
               <a:solidFill>
@@ -21386,737 +25998,54 @@
       </p:sp>
       <p:graphicFrame>
         <p:nvGraphicFramePr>
-          <p:cNvPr id="2" name="表格 1"/>
+          <p:cNvPr id="12" name="图示 11"/>
           <p:cNvGraphicFramePr/>
           <p:nvPr>
-            <p:custDataLst>
-              <p:tags r:id="rId1"/>
-            </p:custDataLst>
+            <p:extLst>
+              <p:ext uri="{D42A27DB-BD31-4B8C-83A1-F6EECF244321}">
+                <p14:modId xmlns:p14="http://schemas.microsoft.com/office/powerpoint/2010/main" val="4122345838"/>
+              </p:ext>
+            </p:extLst>
           </p:nvPr>
         </p:nvGraphicFramePr>
         <p:xfrm>
-          <a:off x="86360" y="775335"/>
-          <a:ext cx="8961120" cy="1297302"/>
+          <a:off x="3457575" y="1061085"/>
+          <a:ext cx="4983832" cy="3749040"/>
         </p:xfrm>
         <a:graphic>
-          <a:graphicData uri="http://schemas.openxmlformats.org/drawingml/2006/table">
-            <a:tbl>
-              <a:tblPr/>
-              <a:tblGrid>
-                <a:gridCol w="2609215">
-                  <a:extLst>
-                    <a:ext uri="{9D8B030D-6E8A-4147-A177-3AD203B41FA5}">
-                      <a16:colId xmlns:a16="http://schemas.microsoft.com/office/drawing/2014/main" val="20000"/>
-                    </a:ext>
-                  </a:extLst>
-                </a:gridCol>
-                <a:gridCol w="2418715">
-                  <a:extLst>
-                    <a:ext uri="{9D8B030D-6E8A-4147-A177-3AD203B41FA5}">
-                      <a16:colId xmlns:a16="http://schemas.microsoft.com/office/drawing/2014/main" val="20001"/>
-                    </a:ext>
-                  </a:extLst>
-                </a:gridCol>
-                <a:gridCol w="3933190">
-                  <a:extLst>
-                    <a:ext uri="{9D8B030D-6E8A-4147-A177-3AD203B41FA5}">
-                      <a16:colId xmlns:a16="http://schemas.microsoft.com/office/drawing/2014/main" val="20002"/>
-                    </a:ext>
-                  </a:extLst>
-                </a:gridCol>
-              </a:tblGrid>
-              <a:tr h="0">
-                <a:tc>
-                  <a:txBody>
-                    <a:bodyPr/>
-                    <a:lstStyle/>
-                    <a:p>
-                      <a:pPr algn="l">
-                        <a:lnSpc>
-                          <a:spcPts val="1875"/>
-                        </a:lnSpc>
-                      </a:pPr>
-                      <a:r>
-                        <a:rPr lang="en-US" altLang="zh-CN" sz="1600" b="0" i="0">
-                          <a:solidFill>
-                            <a:srgbClr val="0F1115"/>
-                          </a:solidFill>
-                          <a:latin typeface="Arial" panose="020B0604020202020204" pitchFamily="34" charset="0"/>
-                          <a:ea typeface="quote-cjk-patch"/>
-                          <a:cs typeface="Arial" panose="020B0604020202020204" pitchFamily="34" charset="0"/>
-                        </a:rPr>
-                        <a:t>Evaluation Dimension</a:t>
-                      </a:r>
-                    </a:p>
-                  </a:txBody>
-                  <a:tcPr marL="0" marR="152717" marT="95567" marB="95567" anchor="ctr">
-                    <a:lnL>
-                      <a:noFill/>
-                    </a:lnL>
-                    <a:lnR>
-                      <a:noFill/>
-                    </a:lnR>
-                    <a:lnT>
-                      <a:noFill/>
-                    </a:lnT>
-                    <a:lnB>
-                      <a:noFill/>
-                    </a:lnB>
-                    <a:solidFill>
-                      <a:schemeClr val="bg2">
-                        <a:lumMod val="20000"/>
-                        <a:lumOff val="80000"/>
-                      </a:schemeClr>
-                    </a:solidFill>
-                  </a:tcPr>
-                </a:tc>
-                <a:tc>
-                  <a:txBody>
-                    <a:bodyPr/>
-                    <a:lstStyle/>
-                    <a:p>
-                      <a:pPr algn="l">
-                        <a:lnSpc>
-                          <a:spcPts val="1875"/>
-                        </a:lnSpc>
-                      </a:pPr>
-                      <a:r>
-                        <a:rPr lang="en-US" altLang="zh-CN" sz="1600" b="0" i="0">
-                          <a:solidFill>
-                            <a:srgbClr val="0F1115"/>
-                          </a:solidFill>
-                          <a:latin typeface="Arial" panose="020B0604020202020204" pitchFamily="34" charset="0"/>
-                          <a:ea typeface="quote-cjk-patch"/>
-                          <a:cs typeface="Arial" panose="020B0604020202020204" pitchFamily="34" charset="0"/>
-                        </a:rPr>
-                        <a:t>Metric Performance</a:t>
-                      </a:r>
-                    </a:p>
-                  </a:txBody>
-                  <a:tcPr marL="152717" marR="152717" marT="95567" marB="95567" anchor="ctr">
-                    <a:lnL>
-                      <a:noFill/>
-                    </a:lnL>
-                    <a:lnR>
-                      <a:noFill/>
-                    </a:lnR>
-                    <a:lnT>
-                      <a:noFill/>
-                    </a:lnT>
-                    <a:lnB>
-                      <a:noFill/>
-                    </a:lnB>
-                    <a:solidFill>
-                      <a:schemeClr val="bg2">
-                        <a:lumMod val="20000"/>
-                        <a:lumOff val="80000"/>
-                      </a:schemeClr>
-                    </a:solidFill>
-                  </a:tcPr>
-                </a:tc>
-                <a:tc>
-                  <a:txBody>
-                    <a:bodyPr/>
-                    <a:lstStyle/>
-                    <a:p>
-                      <a:pPr algn="l">
-                        <a:lnSpc>
-                          <a:spcPts val="1875"/>
-                        </a:lnSpc>
-                      </a:pPr>
-                      <a:r>
-                        <a:rPr lang="en-US" altLang="zh-CN" sz="1600" b="0" i="0">
-                          <a:solidFill>
-                            <a:srgbClr val="0F1115"/>
-                          </a:solidFill>
-                          <a:latin typeface="Arial" panose="020B0604020202020204" pitchFamily="34" charset="0"/>
-                          <a:ea typeface="quote-cjk-patch"/>
-                          <a:cs typeface="Arial" panose="020B0604020202020204" pitchFamily="34" charset="0"/>
-                        </a:rPr>
-                        <a:t>Interpretation</a:t>
-                      </a:r>
-                    </a:p>
-                  </a:txBody>
-                  <a:tcPr marL="152717" marR="152717" marT="95567" marB="95567" anchor="ctr">
-                    <a:lnL>
-                      <a:noFill/>
-                    </a:lnL>
-                    <a:lnR>
-                      <a:noFill/>
-                    </a:lnR>
-                    <a:lnT>
-                      <a:noFill/>
-                    </a:lnT>
-                    <a:lnB>
-                      <a:noFill/>
-                    </a:lnB>
-                    <a:solidFill>
-                      <a:schemeClr val="bg2">
-                        <a:lumMod val="20000"/>
-                        <a:lumOff val="80000"/>
-                      </a:schemeClr>
-                    </a:solidFill>
-                  </a:tcPr>
-                </a:tc>
-                <a:extLst>
-                  <a:ext uri="{0D108BD9-81ED-4DB2-BD59-A6C34878D82A}">
-                    <a16:rowId xmlns:a16="http://schemas.microsoft.com/office/drawing/2014/main" val="10000"/>
-                  </a:ext>
-                </a:extLst>
-              </a:tr>
-              <a:tr h="0">
-                <a:tc>
-                  <a:txBody>
-                    <a:bodyPr/>
-                    <a:lstStyle/>
-                    <a:p>
-                      <a:pPr>
-                        <a:lnSpc>
-                          <a:spcPts val="1875"/>
-                        </a:lnSpc>
-                      </a:pPr>
-                      <a:r>
-                        <a:rPr lang="en-US" altLang="zh-CN" sz="1600" b="0" i="0">
-                          <a:solidFill>
-                            <a:srgbClr val="0F1115"/>
-                          </a:solidFill>
-                          <a:latin typeface="Arial" panose="020B0604020202020204" pitchFamily="34" charset="0"/>
-                          <a:ea typeface="quote-cjk-patch"/>
-                          <a:cs typeface="Arial" panose="020B0604020202020204" pitchFamily="34" charset="0"/>
-                        </a:rPr>
-                        <a:t>Lexical Strictness Metrics</a:t>
-                      </a:r>
-                    </a:p>
-                  </a:txBody>
-                  <a:tcPr marL="0" marR="152717" marT="95567" marB="95567" anchor="ctr">
-                    <a:lnL>
-                      <a:noFill/>
-                    </a:lnL>
-                    <a:lnR>
-                      <a:noFill/>
-                    </a:lnR>
-                    <a:lnT>
-                      <a:noFill/>
-                    </a:lnT>
-                    <a:lnB>
-                      <a:noFill/>
-                    </a:lnB>
-                    <a:noFill/>
-                  </a:tcPr>
-                </a:tc>
-                <a:tc>
-                  <a:txBody>
-                    <a:bodyPr/>
-                    <a:lstStyle/>
-                    <a:p>
-                      <a:pPr>
-                        <a:lnSpc>
-                          <a:spcPts val="1875"/>
-                        </a:lnSpc>
-                      </a:pPr>
-                      <a:r>
-                        <a:rPr lang="en-US" altLang="zh-CN" sz="1600" b="0" i="0">
-                          <a:solidFill>
-                            <a:srgbClr val="0F1115"/>
-                          </a:solidFill>
-                          <a:latin typeface="Arial" panose="020B0604020202020204" pitchFamily="34" charset="0"/>
-                          <a:ea typeface="quote-cjk-patch"/>
-                          <a:cs typeface="Arial" panose="020B0604020202020204" pitchFamily="34" charset="0"/>
-                        </a:rPr>
-                        <a:t>Poor performance</a:t>
-                      </a:r>
-                    </a:p>
-                  </a:txBody>
-                  <a:tcPr marL="152717" marR="152717" marT="95567" marB="95567" anchor="ctr">
-                    <a:lnL>
-                      <a:noFill/>
-                    </a:lnL>
-                    <a:lnR>
-                      <a:noFill/>
-                    </a:lnR>
-                    <a:lnT>
-                      <a:noFill/>
-                    </a:lnT>
-                    <a:lnB>
-                      <a:noFill/>
-                    </a:lnB>
-                    <a:noFill/>
-                  </a:tcPr>
-                </a:tc>
-                <a:tc>
-                  <a:txBody>
-                    <a:bodyPr/>
-                    <a:lstStyle/>
-                    <a:p>
-                      <a:pPr>
-                        <a:lnSpc>
-                          <a:spcPts val="1875"/>
-                        </a:lnSpc>
-                      </a:pPr>
-                      <a:r>
-                        <a:rPr lang="en-US" altLang="zh-CN" sz="1600" b="0" i="0">
-                          <a:solidFill>
-                            <a:srgbClr val="0F1115"/>
-                          </a:solidFill>
-                          <a:latin typeface="Arial" panose="020B0604020202020204" pitchFamily="34" charset="0"/>
-                          <a:ea typeface="quote-cjk-patch"/>
-                          <a:cs typeface="Arial" panose="020B0604020202020204" pitchFamily="34" charset="0"/>
-                        </a:rPr>
-                        <a:t>Low Exact Match and BLEU scores</a:t>
-                      </a:r>
-                    </a:p>
-                  </a:txBody>
-                  <a:tcPr marL="152717" marR="0" marT="95567" marB="95567" anchor="ctr">
-                    <a:lnL>
-                      <a:noFill/>
-                    </a:lnL>
-                    <a:lnR>
-                      <a:noFill/>
-                    </a:lnR>
-                    <a:lnT>
-                      <a:noFill/>
-                    </a:lnT>
-                    <a:lnB>
-                      <a:noFill/>
-                    </a:lnB>
-                    <a:noFill/>
-                  </a:tcPr>
-                </a:tc>
-                <a:extLst>
-                  <a:ext uri="{0D108BD9-81ED-4DB2-BD59-A6C34878D82A}">
-                    <a16:rowId xmlns:a16="http://schemas.microsoft.com/office/drawing/2014/main" val="10001"/>
-                  </a:ext>
-                </a:extLst>
-              </a:tr>
-              <a:tr h="0">
-                <a:tc>
-                  <a:txBody>
-                    <a:bodyPr/>
-                    <a:lstStyle/>
-                    <a:p>
-                      <a:pPr>
-                        <a:lnSpc>
-                          <a:spcPts val="1875"/>
-                        </a:lnSpc>
-                      </a:pPr>
-                      <a:r>
-                        <a:rPr lang="en-US" altLang="zh-CN" sz="1600" b="0" i="0">
-                          <a:solidFill>
-                            <a:srgbClr val="0F1115"/>
-                          </a:solidFill>
-                          <a:latin typeface="Arial" panose="020B0604020202020204" pitchFamily="34" charset="0"/>
-                          <a:ea typeface="quote-cjk-patch"/>
-                          <a:cs typeface="Arial" panose="020B0604020202020204" pitchFamily="34" charset="0"/>
-                        </a:rPr>
-                        <a:t>Semantic Similarity Metrics</a:t>
-                      </a:r>
-                    </a:p>
-                  </a:txBody>
-                  <a:tcPr marL="0" marR="152717" marT="95567" marB="95567" anchor="ctr">
-                    <a:lnL>
-                      <a:noFill/>
-                    </a:lnL>
-                    <a:lnR>
-                      <a:noFill/>
-                    </a:lnR>
-                    <a:lnT>
-                      <a:noFill/>
-                    </a:lnT>
-                    <a:lnB>
-                      <a:noFill/>
-                    </a:lnB>
-                    <a:noFill/>
-                  </a:tcPr>
-                </a:tc>
-                <a:tc>
-                  <a:txBody>
-                    <a:bodyPr/>
-                    <a:lstStyle/>
-                    <a:p>
-                      <a:pPr>
-                        <a:lnSpc>
-                          <a:spcPts val="1875"/>
-                        </a:lnSpc>
-                      </a:pPr>
-                      <a:r>
-                        <a:rPr lang="en-US" altLang="zh-CN" sz="1600" b="0" i="0">
-                          <a:solidFill>
-                            <a:srgbClr val="0F1115"/>
-                          </a:solidFill>
-                          <a:latin typeface="Arial" panose="020B0604020202020204" pitchFamily="34" charset="0"/>
-                          <a:ea typeface="quote-cjk-patch"/>
-                          <a:cs typeface="Arial" panose="020B0604020202020204" pitchFamily="34" charset="0"/>
-                        </a:rPr>
-                        <a:t>Excellent performance</a:t>
-                      </a:r>
-                    </a:p>
-                  </a:txBody>
-                  <a:tcPr marL="152717" marR="152717" marT="95567" marB="95567" anchor="ctr">
-                    <a:lnL>
-                      <a:noFill/>
-                    </a:lnL>
-                    <a:lnR>
-                      <a:noFill/>
-                    </a:lnR>
-                    <a:lnT>
-                      <a:noFill/>
-                    </a:lnT>
-                    <a:lnB>
-                      <a:noFill/>
-                    </a:lnB>
-                    <a:noFill/>
-                  </a:tcPr>
-                </a:tc>
-                <a:tc>
-                  <a:txBody>
-                    <a:bodyPr/>
-                    <a:lstStyle/>
-                    <a:p>
-                      <a:pPr>
-                        <a:lnSpc>
-                          <a:spcPts val="1875"/>
-                        </a:lnSpc>
-                      </a:pPr>
-                      <a:r>
-                        <a:rPr lang="en-US" altLang="zh-CN" sz="1600" b="0" i="0">
-                          <a:solidFill>
-                            <a:srgbClr val="0F1115"/>
-                          </a:solidFill>
-                          <a:latin typeface="Arial" panose="020B0604020202020204" pitchFamily="34" charset="0"/>
-                          <a:ea typeface="quote-cjk-patch"/>
-                          <a:cs typeface="Arial" panose="020B0604020202020204" pitchFamily="34" charset="0"/>
-                        </a:rPr>
-                        <a:t>BERTScore as high as 0.911</a:t>
-                      </a:r>
-                    </a:p>
-                  </a:txBody>
-                  <a:tcPr marL="152717" marR="0" marT="95567" marB="95567" anchor="ctr">
-                    <a:lnL>
-                      <a:noFill/>
-                    </a:lnL>
-                    <a:lnR>
-                      <a:noFill/>
-                    </a:lnR>
-                    <a:lnT>
-                      <a:noFill/>
-                    </a:lnT>
-                    <a:lnB>
-                      <a:noFill/>
-                    </a:lnB>
-                    <a:noFill/>
-                  </a:tcPr>
-                </a:tc>
-                <a:extLst>
-                  <a:ext uri="{0D108BD9-81ED-4DB2-BD59-A6C34878D82A}">
-                    <a16:rowId xmlns:a16="http://schemas.microsoft.com/office/drawing/2014/main" val="10002"/>
-                  </a:ext>
-                </a:extLst>
-              </a:tr>
-            </a:tbl>
+          <a:graphicData uri="http://schemas.openxmlformats.org/drawingml/2006/diagram">
+            <dgm:relIds xmlns:dgm="http://schemas.openxmlformats.org/drawingml/2006/diagram" xmlns:r="http://schemas.openxmlformats.org/officeDocument/2006/relationships" r:dm="rId4" r:lo="rId5" r:qs="rId6" r:cs="rId7"/>
           </a:graphicData>
         </a:graphic>
       </p:graphicFrame>
-      <p:sp>
-        <p:nvSpPr>
-          <p:cNvPr id="9" name="圆角矩形 8"/>
-          <p:cNvSpPr/>
-          <p:nvPr>
-            <p:custDataLst>
-              <p:tags r:id="rId2"/>
-            </p:custDataLst>
-          </p:nvPr>
-        </p:nvSpPr>
-        <p:spPr>
-          <a:xfrm>
-            <a:off x="365125" y="2371725"/>
-            <a:ext cx="3559175" cy="935355"/>
-          </a:xfrm>
-          <a:prstGeom prst="roundRect">
-            <a:avLst/>
-          </a:prstGeom>
-          <a:solidFill>
-            <a:schemeClr val="accent1">
-              <a:lumMod val="20000"/>
-              <a:lumOff val="80000"/>
-            </a:schemeClr>
-          </a:solidFill>
-          <a:ln>
-            <a:solidFill>
-              <a:schemeClr val="bg1"/>
-            </a:solidFill>
-          </a:ln>
-        </p:spPr>
-        <p:style>
-          <a:lnRef idx="2">
-            <a:schemeClr val="accent1">
-              <a:lumMod val="75000"/>
-            </a:schemeClr>
-          </a:lnRef>
-          <a:fillRef idx="1">
-            <a:schemeClr val="accent1"/>
-          </a:fillRef>
-          <a:effectRef idx="0">
-            <a:srgbClr val="FFFFFF"/>
-          </a:effectRef>
-          <a:fontRef idx="minor">
-            <a:schemeClr val="lt1"/>
-          </a:fontRef>
-        </p:style>
-        <p:txBody>
-          <a:bodyPr rtlCol="0" anchor="ctr"/>
-          <a:lstStyle/>
-          <a:p>
-            <a:pPr algn="l"/>
-            <a:r>
-              <a:rPr lang="en-US" altLang="zh-CN" sz="1800">
-                <a:solidFill>
-                  <a:schemeClr val="tx1"/>
-                </a:solidFill>
-              </a:rPr>
-              <a:t>Paraphrasing or substituting clinically related terms</a:t>
-            </a:r>
-          </a:p>
-          <a:p>
-            <a:pPr algn="l"/>
-            <a:r>
-              <a:rPr lang="en-US" altLang="zh-CN" sz="1800">
-                <a:solidFill>
-                  <a:schemeClr val="tx1"/>
-                </a:solidFill>
-                <a:highlight>
-                  <a:srgbClr val="FFFF00"/>
-                </a:highlight>
-              </a:rPr>
-              <a:t>Low Risk</a:t>
-            </a:r>
-          </a:p>
-        </p:txBody>
-      </p:sp>
-      <p:sp>
-        <p:nvSpPr>
-          <p:cNvPr id="11" name="圆角矩形 10"/>
-          <p:cNvSpPr/>
-          <p:nvPr>
-            <p:custDataLst>
-              <p:tags r:id="rId3"/>
-            </p:custDataLst>
-          </p:nvPr>
-        </p:nvSpPr>
-        <p:spPr>
-          <a:xfrm>
-            <a:off x="5036820" y="2372360"/>
-            <a:ext cx="3757295" cy="934720"/>
-          </a:xfrm>
-          <a:prstGeom prst="roundRect">
-            <a:avLst/>
-          </a:prstGeom>
-          <a:solidFill>
-            <a:schemeClr val="tx2">
-              <a:lumMod val="90000"/>
-            </a:schemeClr>
-          </a:solidFill>
-          <a:ln>
-            <a:solidFill>
-              <a:schemeClr val="bg1"/>
-            </a:solidFill>
-          </a:ln>
-        </p:spPr>
-        <p:style>
-          <a:lnRef idx="2">
-            <a:schemeClr val="accent1">
-              <a:lumMod val="75000"/>
-            </a:schemeClr>
-          </a:lnRef>
-          <a:fillRef idx="1">
-            <a:schemeClr val="accent1"/>
-          </a:fillRef>
-          <a:effectRef idx="0">
-            <a:srgbClr val="FFFFFF"/>
-          </a:effectRef>
-          <a:fontRef idx="minor">
-            <a:schemeClr val="lt1"/>
-          </a:fontRef>
-        </p:style>
-        <p:txBody>
-          <a:bodyPr rtlCol="0" anchor="ctr"/>
-          <a:lstStyle/>
-          <a:p>
-            <a:pPr algn="l"/>
-            <a:r>
-              <a:rPr lang="en-US" altLang="zh-CN" sz="1800">
-                <a:solidFill>
-                  <a:schemeClr val="tx1"/>
-                </a:solidFill>
-              </a:rPr>
-              <a:t>Fabricating non-existent diseases or findings</a:t>
-            </a:r>
-          </a:p>
-          <a:p>
-            <a:pPr algn="l"/>
-            <a:r>
-              <a:rPr lang="en-US" altLang="zh-CN" sz="1800">
-                <a:solidFill>
-                  <a:schemeClr val="tx1"/>
-                </a:solidFill>
-                <a:highlight>
-                  <a:srgbClr val="FFFF00"/>
-                </a:highlight>
-                <a:sym typeface="+mn-ea"/>
-              </a:rPr>
-              <a:t>High Risk</a:t>
-            </a:r>
-            <a:endParaRPr lang="en-US" altLang="zh-CN" sz="1800">
-              <a:solidFill>
-                <a:schemeClr val="tx1"/>
-              </a:solidFill>
-            </a:endParaRPr>
-          </a:p>
-        </p:txBody>
-      </p:sp>
-      <p:sp>
-        <p:nvSpPr>
-          <p:cNvPr id="4" name="文本框 3"/>
-          <p:cNvSpPr txBox="1"/>
-          <p:nvPr>
-            <p:custDataLst>
-              <p:tags r:id="rId4"/>
-            </p:custDataLst>
-          </p:nvPr>
-        </p:nvSpPr>
-        <p:spPr>
-          <a:xfrm>
-            <a:off x="1172845" y="2003425"/>
-            <a:ext cx="2299335" cy="368300"/>
-          </a:xfrm>
-          <a:prstGeom prst="rect">
-            <a:avLst/>
-          </a:prstGeom>
-          <a:noFill/>
-        </p:spPr>
-        <p:txBody>
-          <a:bodyPr wrap="square" rtlCol="0">
-            <a:spAutoFit/>
-          </a:bodyPr>
-          <a:lstStyle/>
-          <a:p>
-            <a:r>
-              <a:rPr lang="en-US" altLang="zh-CN" sz="1800" b="1"/>
-              <a:t>Soft Hallucinations</a:t>
-            </a:r>
-          </a:p>
-        </p:txBody>
-      </p:sp>
-      <p:sp>
-        <p:nvSpPr>
-          <p:cNvPr id="5" name="文本框 4"/>
-          <p:cNvSpPr txBox="1"/>
-          <p:nvPr>
-            <p:custDataLst>
-              <p:tags r:id="rId5"/>
-            </p:custDataLst>
-          </p:nvPr>
-        </p:nvSpPr>
-        <p:spPr>
-          <a:xfrm>
-            <a:off x="5394960" y="1965960"/>
-            <a:ext cx="2679065" cy="368300"/>
-          </a:xfrm>
-          <a:prstGeom prst="rect">
-            <a:avLst/>
-          </a:prstGeom>
-          <a:noFill/>
-        </p:spPr>
-        <p:txBody>
-          <a:bodyPr wrap="square" rtlCol="0">
-            <a:spAutoFit/>
-          </a:bodyPr>
-          <a:lstStyle/>
-          <a:p>
-            <a:r>
-              <a:rPr lang="en-US" altLang="zh-CN" sz="1800" b="1"/>
-              <a:t>Hard Hallucinations</a:t>
-            </a:r>
-          </a:p>
-        </p:txBody>
-      </p:sp>
       <p:graphicFrame>
         <p:nvGraphicFramePr>
-          <p:cNvPr id="12" name="图示 11"/>
+          <p:cNvPr id="3" name="图示 2">
+            <a:extLst>
+              <a:ext uri="{FF2B5EF4-FFF2-40B4-BE49-F238E27FC236}">
+                <a16:creationId xmlns:a16="http://schemas.microsoft.com/office/drawing/2014/main" id="{AA224BD7-D89D-D829-6C4D-A3BEACB6D1D5}"/>
+              </a:ext>
+            </a:extLst>
+          </p:cNvPr>
           <p:cNvGraphicFramePr/>
-          <p:nvPr/>
+          <p:nvPr>
+            <p:extLst>
+              <p:ext uri="{D42A27DB-BD31-4B8C-83A1-F6EECF244321}">
+                <p14:modId xmlns:p14="http://schemas.microsoft.com/office/powerpoint/2010/main" val="2387018818"/>
+              </p:ext>
+            </p:extLst>
+          </p:nvPr>
         </p:nvGraphicFramePr>
         <p:xfrm>
-          <a:off x="193040" y="3524885"/>
-          <a:ext cx="8742045" cy="1510665"/>
+          <a:off x="899513" y="1061085"/>
+          <a:ext cx="2224687" cy="3749040"/>
         </p:xfrm>
         <a:graphic>
           <a:graphicData uri="http://schemas.openxmlformats.org/drawingml/2006/diagram">
-            <dgm:relIds xmlns:dgm="http://schemas.openxmlformats.org/drawingml/2006/diagram" xmlns:r="http://schemas.openxmlformats.org/officeDocument/2006/relationships" r:dm="rId10" r:lo="rId11" r:qs="rId12" r:cs="rId13"/>
+            <dgm:relIds xmlns:dgm="http://schemas.openxmlformats.org/drawingml/2006/diagram" xmlns:r="http://schemas.openxmlformats.org/officeDocument/2006/relationships" r:dm="rId9" r:lo="rId10" r:qs="rId11" r:cs="rId12"/>
           </a:graphicData>
         </a:graphic>
       </p:graphicFrame>
-      <p:sp>
-        <p:nvSpPr>
-          <p:cNvPr id="16" name="椭圆 15"/>
-          <p:cNvSpPr/>
-          <p:nvPr/>
-        </p:nvSpPr>
-        <p:spPr>
-          <a:xfrm>
-            <a:off x="3924300" y="3345180"/>
-            <a:ext cx="1448435" cy="407670"/>
-          </a:xfrm>
-          <a:prstGeom prst="ellipse">
-            <a:avLst/>
-          </a:prstGeom>
-          <a:solidFill>
-            <a:schemeClr val="accent2">
-              <a:lumMod val="20000"/>
-              <a:lumOff val="80000"/>
-            </a:schemeClr>
-          </a:solidFill>
-          <a:ln>
-            <a:noFill/>
-          </a:ln>
-        </p:spPr>
-        <p:style>
-          <a:lnRef idx="2">
-            <a:schemeClr val="accent1">
-              <a:lumMod val="75000"/>
-            </a:schemeClr>
-          </a:lnRef>
-          <a:fillRef idx="1">
-            <a:schemeClr val="accent1"/>
-          </a:fillRef>
-          <a:effectRef idx="0">
-            <a:srgbClr val="FFFFFF"/>
-          </a:effectRef>
-          <a:fontRef idx="minor">
-            <a:schemeClr val="lt1"/>
-          </a:fontRef>
-        </p:style>
-        <p:txBody>
-          <a:bodyPr rtlCol="0" anchor="ctr"/>
-          <a:lstStyle/>
-          <a:p>
-            <a:pPr algn="ctr"/>
-            <a:r>
-              <a:rPr lang="en-US" altLang="zh-CN" b="1">
-                <a:solidFill>
-                  <a:schemeClr val="accent2">
-                    <a:lumMod val="75000"/>
-                  </a:schemeClr>
-                </a:solidFill>
-                <a:latin typeface="Arial" panose="020B0604020202020204" pitchFamily="34" charset="0"/>
-                <a:ea typeface="quote-cjk-patch"/>
-                <a:cs typeface="Arial" panose="020B0604020202020204" pitchFamily="34" charset="0"/>
-                <a:sym typeface="+mn-ea"/>
-              </a:rPr>
-              <a:t>SAFETY</a:t>
-            </a:r>
-          </a:p>
-        </p:txBody>
-      </p:sp>
     </p:spTree>
   </p:cSld>
   <p:clrMapOvr>
@@ -22125,51 +26054,7 @@
 </p:sld>
 </file>
 
-<file path=ppt/slides/slide15.xml><?xml version="1.0" encoding="utf-8"?>
-<p:sld xmlns:a="http://schemas.openxmlformats.org/drawingml/2006/main" xmlns:r="http://schemas.openxmlformats.org/officeDocument/2006/relationships" xmlns:p="http://schemas.openxmlformats.org/presentationml/2006/main">
-  <p:cSld>
-    <p:spTree>
-      <p:nvGrpSpPr>
-        <p:cNvPr id="1" name="Shape 77"/>
-        <p:cNvGrpSpPr/>
-        <p:nvPr/>
-      </p:nvGrpSpPr>
-      <p:grpSpPr>
-        <a:xfrm>
-          <a:off x="0" y="0"/>
-          <a:ext cx="0" cy="0"/>
-          <a:chOff x="0" y="0"/>
-          <a:chExt cx="0" cy="0"/>
-        </a:xfrm>
-      </p:grpSpPr>
-      <p:sp>
-        <p:nvSpPr>
-          <p:cNvPr id="2" name="标题 1"/>
-          <p:cNvSpPr>
-            <a:spLocks noGrp="1"/>
-          </p:cNvSpPr>
-          <p:nvPr>
-            <p:ph type="title"/>
-          </p:nvPr>
-        </p:nvSpPr>
-        <p:spPr/>
-        <p:txBody>
-          <a:bodyPr/>
-          <a:lstStyle/>
-          <a:p>
-            <a:endParaRPr lang="zh-CN" altLang="en-US"/>
-          </a:p>
-        </p:txBody>
-      </p:sp>
-    </p:spTree>
-  </p:cSld>
-  <p:clrMapOvr>
-    <a:masterClrMapping/>
-  </p:clrMapOvr>
-</p:sld>
-</file>
-
-<file path=ppt/slides/slide16.xml><?xml version="1.0" encoding="utf-8"?>
+<file path=ppt/slides/slide17.xml><?xml version="1.0" encoding="utf-8"?>
 <p:sld xmlns:a="http://schemas.openxmlformats.org/drawingml/2006/main" xmlns:r="http://schemas.openxmlformats.org/officeDocument/2006/relationships" xmlns:p="http://schemas.openxmlformats.org/presentationml/2006/main">
   <p:cSld>
     <p:spTree>
@@ -27319,37 +31204,6 @@
 <p:tagLst xmlns:a="http://schemas.openxmlformats.org/drawingml/2006/main" xmlns:r="http://schemas.openxmlformats.org/officeDocument/2006/relationships" xmlns:p="http://schemas.openxmlformats.org/presentationml/2006/main">
   <p:tag name="TABLE_ENDDRAG_ORIGIN_RECT" val="581*188"/>
   <p:tag name="TABLE_ENDDRAG_RECT" val="44*219*581*188"/>
-</p:tagLst>
-</file>
-
-<file path=ppt/tags/tag3.xml><?xml version="1.0" encoding="utf-8"?>
-<p:tagLst xmlns:a="http://schemas.openxmlformats.org/drawingml/2006/main" xmlns:r="http://schemas.openxmlformats.org/officeDocument/2006/relationships" xmlns:p="http://schemas.openxmlformats.org/presentationml/2006/main">
-  <p:tag name="TABLE_ENDDRAG_ORIGIN_RECT" val="705*120"/>
-  <p:tag name="TABLE_ENDDRAG_RECT" val="6*61*705*120"/>
-</p:tagLst>
-</file>
-
-<file path=ppt/tags/tag4.xml><?xml version="1.0" encoding="utf-8"?>
-<p:tagLst xmlns:a="http://schemas.openxmlformats.org/drawingml/2006/main" xmlns:r="http://schemas.openxmlformats.org/officeDocument/2006/relationships" xmlns:p="http://schemas.openxmlformats.org/presentationml/2006/main">
-  <p:tag name="KSO_WM_DIAGRAM_VIRTUALLY_FRAME" val="{&quot;height&quot;:185.65,&quot;left&quot;:28.75,&quot;top&quot;:154.8,&quot;width&quot;:663.7}"/>
-</p:tagLst>
-</file>
-
-<file path=ppt/tags/tag5.xml><?xml version="1.0" encoding="utf-8"?>
-<p:tagLst xmlns:a="http://schemas.openxmlformats.org/drawingml/2006/main" xmlns:r="http://schemas.openxmlformats.org/officeDocument/2006/relationships" xmlns:p="http://schemas.openxmlformats.org/presentationml/2006/main">
-  <p:tag name="KSO_WM_DIAGRAM_VIRTUALLY_FRAME" val="{&quot;height&quot;:185.65,&quot;left&quot;:28.75,&quot;top&quot;:154.8,&quot;width&quot;:663.7}"/>
-</p:tagLst>
-</file>
-
-<file path=ppt/tags/tag6.xml><?xml version="1.0" encoding="utf-8"?>
-<p:tagLst xmlns:a="http://schemas.openxmlformats.org/drawingml/2006/main" xmlns:r="http://schemas.openxmlformats.org/officeDocument/2006/relationships" xmlns:p="http://schemas.openxmlformats.org/presentationml/2006/main">
-  <p:tag name="KSO_WM_DIAGRAM_VIRTUALLY_FRAME" val="{&quot;height&quot;:185.65,&quot;left&quot;:28.75,&quot;top&quot;:154.8,&quot;width&quot;:663.7}"/>
-</p:tagLst>
-</file>
-
-<file path=ppt/tags/tag7.xml><?xml version="1.0" encoding="utf-8"?>
-<p:tagLst xmlns:a="http://schemas.openxmlformats.org/drawingml/2006/main" xmlns:r="http://schemas.openxmlformats.org/officeDocument/2006/relationships" xmlns:p="http://schemas.openxmlformats.org/presentationml/2006/main">
-  <p:tag name="KSO_WM_DIAGRAM_VIRTUALLY_FRAME" val="{&quot;height&quot;:185.65,&quot;left&quot;:28.75,&quot;top&quot;:154.8,&quot;width&quot;:663.7}"/>
 </p:tagLst>
 </file>
 

--- a/Report Dir/WOX7001_assignment2_zouting(24201617).pptx
+++ b/Report Dir/WOX7001_assignment2_zouting(24201617).pptx
@@ -1,31 +1,31 @@
 
 <file path=ppt/presentation.xml><?xml version="1.0" encoding="utf-8"?>
-<p:presentation xmlns:a="http://schemas.openxmlformats.org/drawingml/2006/main" xmlns:r="http://schemas.openxmlformats.org/officeDocument/2006/relationships" xmlns:p="http://schemas.openxmlformats.org/presentationml/2006/main" strictFirstAndLastChars="0" saveSubsetFonts="1" autoCompressPictures="0">
+<p:presentation xmlns:a="http://schemas.openxmlformats.org/drawingml/2006/main" xmlns:r="http://schemas.openxmlformats.org/officeDocument/2006/relationships" xmlns:p="http://schemas.openxmlformats.org/presentationml/2006/main" strictFirstAndLastChars="0" autoCompressPictures="0">
   <p:sldMasterIdLst>
     <p:sldMasterId id="2147483648" r:id="rId1"/>
-    <p:sldMasterId id="2147483650" r:id="rId2"/>
+    <p:sldMasterId id="2147483650" r:id="rId3"/>
   </p:sldMasterIdLst>
   <p:notesMasterIdLst>
-    <p:notesMasterId r:id="rId20"/>
+    <p:notesMasterId r:id="rId5"/>
   </p:notesMasterIdLst>
   <p:sldIdLst>
-    <p:sldId id="256" r:id="rId3"/>
-    <p:sldId id="257" r:id="rId4"/>
-    <p:sldId id="319" r:id="rId5"/>
-    <p:sldId id="320" r:id="rId6"/>
-    <p:sldId id="321" r:id="rId7"/>
-    <p:sldId id="322" r:id="rId8"/>
-    <p:sldId id="330" r:id="rId9"/>
-    <p:sldId id="332" r:id="rId10"/>
-    <p:sldId id="331" r:id="rId11"/>
-    <p:sldId id="323" r:id="rId12"/>
-    <p:sldId id="324" r:id="rId13"/>
-    <p:sldId id="325" r:id="rId14"/>
-    <p:sldId id="326" r:id="rId15"/>
-    <p:sldId id="329" r:id="rId16"/>
-    <p:sldId id="333" r:id="rId17"/>
-    <p:sldId id="328" r:id="rId18"/>
-    <p:sldId id="296" r:id="rId19"/>
+    <p:sldId id="256" r:id="rId4"/>
+    <p:sldId id="257" r:id="rId6"/>
+    <p:sldId id="319" r:id="rId7"/>
+    <p:sldId id="320" r:id="rId8"/>
+    <p:sldId id="321" r:id="rId9"/>
+    <p:sldId id="322" r:id="rId10"/>
+    <p:sldId id="330" r:id="rId11"/>
+    <p:sldId id="332" r:id="rId12"/>
+    <p:sldId id="331" r:id="rId13"/>
+    <p:sldId id="323" r:id="rId14"/>
+    <p:sldId id="324" r:id="rId15"/>
+    <p:sldId id="325" r:id="rId16"/>
+    <p:sldId id="326" r:id="rId17"/>
+    <p:sldId id="329" r:id="rId18"/>
+    <p:sldId id="333" r:id="rId19"/>
+    <p:sldId id="328" r:id="rId20"/>
+    <p:sldId id="296" r:id="rId21"/>
   </p:sldIdLst>
   <p:sldSz cx="9144000" cy="5143500" type="screen16x9"/>
   <p:notesSz cx="6858000" cy="9144000"/>
@@ -266,7 +266,7 @@
             <a:srgbClr val="A4A3A4"/>
           </p15:clr>
         </p15:guide>
-        <p15:guide id="2" pos="2875" userDrawn="1">
+        <p15:guide id="2" pos="2880" userDrawn="1">
           <p15:clr>
             <a:srgbClr val="A4A3A4"/>
           </p15:clr>
@@ -1931,7 +1931,7 @@
         </a:p>
       </dgm:t>
     </dgm:pt>
-    <dgm:pt modelId="{A2F6D805-3B53-408A-A2A3-20BC3BF0D242}" type="parTrans" cxnId="{B388399E-0520-4464-8C87-DA42790AB011}">
+    <dgm:pt modelId="{A2F6D805-3B53-408A-A2A3-20BC3BF0D242}" cxnId="{B388399E-0520-4464-8C87-DA42790AB011}" type="parTrans">
       <dgm:prSet/>
       <dgm:spPr/>
       <dgm:t>
@@ -1942,7 +1942,7 @@
         </a:p>
       </dgm:t>
     </dgm:pt>
-    <dgm:pt modelId="{D47F9812-1256-4E44-A6BE-BEC559BE8FF3}" type="sibTrans" cxnId="{B388399E-0520-4464-8C87-DA42790AB011}">
+    <dgm:pt modelId="{D47F9812-1256-4E44-A6BE-BEC559BE8FF3}" cxnId="{B388399E-0520-4464-8C87-DA42790AB011}" type="sibTrans">
       <dgm:prSet/>
       <dgm:spPr/>
       <dgm:t>
@@ -1979,7 +1979,7 @@
         </a:p>
       </dgm:t>
     </dgm:pt>
-    <dgm:pt modelId="{DC4BEA23-BF6E-42AD-9BF0-CFBDE86A80F1}" type="parTrans" cxnId="{4255DC23-8E53-4EEF-934C-24D6C994F5A8}">
+    <dgm:pt modelId="{DC4BEA23-BF6E-42AD-9BF0-CFBDE86A80F1}" cxnId="{4255DC23-8E53-4EEF-934C-24D6C994F5A8}" type="parTrans">
       <dgm:prSet/>
       <dgm:spPr/>
       <dgm:t>
@@ -1990,7 +1990,7 @@
         </a:p>
       </dgm:t>
     </dgm:pt>
-    <dgm:pt modelId="{0BF6ACD3-AE1A-4691-8CBE-DBE77AB8A685}" type="sibTrans" cxnId="{4255DC23-8E53-4EEF-934C-24D6C994F5A8}">
+    <dgm:pt modelId="{0BF6ACD3-AE1A-4691-8CBE-DBE77AB8A685}" cxnId="{4255DC23-8E53-4EEF-934C-24D6C994F5A8}" type="sibTrans">
       <dgm:prSet/>
       <dgm:spPr/>
       <dgm:t>
@@ -2027,7 +2027,7 @@
         </a:p>
       </dgm:t>
     </dgm:pt>
-    <dgm:pt modelId="{B5D9FB86-EEBE-488F-B7DE-B7CF5C9166C5}" type="parTrans" cxnId="{549E804B-410A-4F40-BBEB-FA784362FE93}">
+    <dgm:pt modelId="{B5D9FB86-EEBE-488F-B7DE-B7CF5C9166C5}" cxnId="{549E804B-410A-4F40-BBEB-FA784362FE93}" type="parTrans">
       <dgm:prSet/>
       <dgm:spPr/>
       <dgm:t>
@@ -2038,7 +2038,7 @@
         </a:p>
       </dgm:t>
     </dgm:pt>
-    <dgm:pt modelId="{D7D19B67-C01A-45D3-B5C7-B7E1B18A9F62}" type="sibTrans" cxnId="{549E804B-410A-4F40-BBEB-FA784362FE93}">
+    <dgm:pt modelId="{D7D19B67-C01A-45D3-B5C7-B7E1B18A9F62}" cxnId="{549E804B-410A-4F40-BBEB-FA784362FE93}" type="sibTrans">
       <dgm:prSet/>
       <dgm:spPr/>
       <dgm:t>
@@ -2075,7 +2075,7 @@
         </a:p>
       </dgm:t>
     </dgm:pt>
-    <dgm:pt modelId="{B4BC79E1-FDBA-43D1-A988-1BE8090EDA7A}" type="parTrans" cxnId="{E61ABA29-4BB0-401D-AF41-C16B945D0ABD}">
+    <dgm:pt modelId="{B4BC79E1-FDBA-43D1-A988-1BE8090EDA7A}" cxnId="{E61ABA29-4BB0-401D-AF41-C16B945D0ABD}" type="parTrans">
       <dgm:prSet/>
       <dgm:spPr/>
       <dgm:t>
@@ -2086,7 +2086,7 @@
         </a:p>
       </dgm:t>
     </dgm:pt>
-    <dgm:pt modelId="{AD46A0AA-C45A-46D2-89AF-28390F99F9D0}" type="sibTrans" cxnId="{E61ABA29-4BB0-401D-AF41-C16B945D0ABD}">
+    <dgm:pt modelId="{AD46A0AA-C45A-46D2-89AF-28390F99F9D0}" cxnId="{E61ABA29-4BB0-401D-AF41-C16B945D0ABD}" type="sibTrans">
       <dgm:prSet/>
       <dgm:spPr/>
       <dgm:t>
@@ -2123,7 +2123,7 @@
         </a:p>
       </dgm:t>
     </dgm:pt>
-    <dgm:pt modelId="{F69D7AE8-C928-C44D-8D46-AD967015A7B8}" type="parTrans" cxnId="{7FF5EFEE-A98C-1B40-8745-90ADC52508A5}">
+    <dgm:pt modelId="{F69D7AE8-C928-C44D-8D46-AD967015A7B8}" cxnId="{7FF5EFEE-A98C-1B40-8745-90ADC52508A5}" type="parTrans">
       <dgm:prSet/>
       <dgm:spPr/>
       <dgm:t>
@@ -2134,7 +2134,7 @@
         </a:p>
       </dgm:t>
     </dgm:pt>
-    <dgm:pt modelId="{CF7C0851-17C0-F645-B5F6-8F2EBD3681A7}" type="sibTrans" cxnId="{7FF5EFEE-A98C-1B40-8745-90ADC52508A5}">
+    <dgm:pt modelId="{CF7C0851-17C0-F645-B5F6-8F2EBD3681A7}" cxnId="{7FF5EFEE-A98C-1B40-8745-90ADC52508A5}" type="sibTrans">
       <dgm:prSet/>
       <dgm:spPr/>
       <dgm:t>
@@ -2199,7 +2199,7 @@
         </a:p>
       </dgm:t>
     </dgm:pt>
-    <dgm:pt modelId="{7B57A1E8-78CC-E246-BFBC-51E3A706B808}" type="parTrans" cxnId="{C1DC4FFB-ADD1-5240-9814-D86E4C7309E3}">
+    <dgm:pt modelId="{7B57A1E8-78CC-E246-BFBC-51E3A706B808}" cxnId="{C1DC4FFB-ADD1-5240-9814-D86E4C7309E3}" type="parTrans">
       <dgm:prSet/>
       <dgm:spPr/>
       <dgm:t>
@@ -2210,7 +2210,7 @@
         </a:p>
       </dgm:t>
     </dgm:pt>
-    <dgm:pt modelId="{501546B4-7410-B144-8189-72BBAA0E331A}" type="sibTrans" cxnId="{C1DC4FFB-ADD1-5240-9814-D86E4C7309E3}">
+    <dgm:pt modelId="{501546B4-7410-B144-8189-72BBAA0E331A}" cxnId="{C1DC4FFB-ADD1-5240-9814-D86E4C7309E3}" type="sibTrans">
       <dgm:prSet/>
       <dgm:spPr/>
       <dgm:t>
@@ -2306,7 +2306,7 @@
   <dgm:whole/>
   <dgm:extLst>
     <a:ext uri="http://schemas.microsoft.com/office/drawing/2008/diagram">
-      <dsp:dataModelExt xmlns:dsp="http://schemas.microsoft.com/office/drawing/2008/diagram" relId="rId8" minVer="http://schemas.openxmlformats.org/drawingml/2006/diagram"/>
+      <dsp:dataModelExt xmlns:dsp="http://schemas.microsoft.com/office/drawing/2008/diagram" relId="rId6" minVer="http://schemas.openxmlformats.org/drawingml/2006/diagram"/>
     </a:ext>
   </dgm:extLst>
 </dgm:dataModel>
@@ -2352,7 +2352,7 @@
         </a:p>
       </dgm:t>
     </dgm:pt>
-    <dgm:pt modelId="{FCA4E51C-6702-481A-85F2-70EEC8119AE1}" type="parTrans" cxnId="{715EA871-5FE0-400E-B7C1-765A0D4B35B0}">
+    <dgm:pt modelId="{FCA4E51C-6702-481A-85F2-70EEC8119AE1}" cxnId="{715EA871-5FE0-400E-B7C1-765A0D4B35B0}" type="parTrans">
       <dgm:prSet/>
       <dgm:spPr/>
       <dgm:t>
@@ -2363,7 +2363,7 @@
         </a:p>
       </dgm:t>
     </dgm:pt>
-    <dgm:pt modelId="{A963B2DE-4BD2-436F-9987-2817EB5496F3}" type="sibTrans" cxnId="{715EA871-5FE0-400E-B7C1-765A0D4B35B0}">
+    <dgm:pt modelId="{A963B2DE-4BD2-436F-9987-2817EB5496F3}" cxnId="{715EA871-5FE0-400E-B7C1-765A0D4B35B0}" type="sibTrans">
       <dgm:prSet/>
       <dgm:spPr/>
       <dgm:t>
@@ -2400,7 +2400,7 @@
         </a:p>
       </dgm:t>
     </dgm:pt>
-    <dgm:pt modelId="{B943DC9E-CACD-4959-A9D6-1D0173AA3AED}" type="sibTrans" cxnId="{C85910E5-10A8-4140-AA1B-DDB60ECFBA61}">
+    <dgm:pt modelId="{B943DC9E-CACD-4959-A9D6-1D0173AA3AED}" cxnId="{C85910E5-10A8-4140-AA1B-DDB60ECFBA61}" type="sibTrans">
       <dgm:prSet/>
       <dgm:spPr/>
       <dgm:t>
@@ -2411,7 +2411,7 @@
         </a:p>
       </dgm:t>
     </dgm:pt>
-    <dgm:pt modelId="{4AB60690-1051-4F1B-BBB6-56A51F58A9EE}" type="parTrans" cxnId="{C85910E5-10A8-4140-AA1B-DDB60ECFBA61}">
+    <dgm:pt modelId="{4AB60690-1051-4F1B-BBB6-56A51F58A9EE}" cxnId="{C85910E5-10A8-4140-AA1B-DDB60ECFBA61}" type="parTrans">
       <dgm:prSet/>
       <dgm:spPr/>
       <dgm:t>
@@ -2444,7 +2444,7 @@
         </a:p>
       </dgm:t>
     </dgm:pt>
-    <dgm:pt modelId="{A55361CA-A40A-DA40-8D01-48FFECCD5F33}" type="parTrans" cxnId="{57D32C57-84F5-4C4B-B0B8-295A624C57AD}">
+    <dgm:pt modelId="{A55361CA-A40A-DA40-8D01-48FFECCD5F33}" cxnId="{57D32C57-84F5-4C4B-B0B8-295A624C57AD}" type="parTrans">
       <dgm:prSet/>
       <dgm:spPr/>
       <dgm:t>
@@ -2455,7 +2455,7 @@
         </a:p>
       </dgm:t>
     </dgm:pt>
-    <dgm:pt modelId="{57A4F21B-E329-2F49-AE54-6AE384CD8F89}" type="sibTrans" cxnId="{57D32C57-84F5-4C4B-B0B8-295A624C57AD}">
+    <dgm:pt modelId="{57A4F21B-E329-2F49-AE54-6AE384CD8F89}" cxnId="{57D32C57-84F5-4C4B-B0B8-295A624C57AD}" type="sibTrans">
       <dgm:prSet/>
       <dgm:spPr/>
       <dgm:t>
@@ -2492,7 +2492,7 @@
         </a:p>
       </dgm:t>
     </dgm:pt>
-    <dgm:pt modelId="{80C9D322-351F-1A4F-9731-4F376612D603}" type="parTrans" cxnId="{625574F9-3BA7-2441-9457-946B769EDB36}">
+    <dgm:pt modelId="{80C9D322-351F-1A4F-9731-4F376612D603}" cxnId="{625574F9-3BA7-2441-9457-946B769EDB36}" type="parTrans">
       <dgm:prSet/>
       <dgm:spPr/>
       <dgm:t>
@@ -2503,7 +2503,7 @@
         </a:p>
       </dgm:t>
     </dgm:pt>
-    <dgm:pt modelId="{9B83A6DF-8672-FF4B-A528-D8EBD780DD42}" type="sibTrans" cxnId="{625574F9-3BA7-2441-9457-946B769EDB36}">
+    <dgm:pt modelId="{9B83A6DF-8672-FF4B-A528-D8EBD780DD42}" cxnId="{625574F9-3BA7-2441-9457-946B769EDB36}" type="sibTrans">
       <dgm:prSet/>
       <dgm:spPr/>
       <dgm:t>
@@ -2565,97 +2565,49 @@
   <dgm:whole/>
   <dgm:extLst>
     <a:ext uri="http://schemas.microsoft.com/office/drawing/2008/diagram">
-      <dsp:dataModelExt xmlns:dsp="http://schemas.microsoft.com/office/drawing/2008/diagram" relId="rId13" minVer="http://schemas.openxmlformats.org/drawingml/2006/diagram"/>
+      <dsp:dataModelExt xmlns:dsp="http://schemas.microsoft.com/office/drawing/2008/diagram" relId="rId11" minVer="http://schemas.openxmlformats.org/drawingml/2006/diagram"/>
     </a:ext>
   </dgm:extLst>
 </dgm:dataModel>
 </file>
 
 <file path=ppt/diagrams/drawing1.xml><?xml version="1.0" encoding="utf-8"?>
-<dsp:drawing xmlns:dgm="http://schemas.openxmlformats.org/drawingml/2006/diagram" xmlns:dsp="http://schemas.microsoft.com/office/drawing/2008/diagram" xmlns:a="http://schemas.openxmlformats.org/drawingml/2006/main">
+<dsp:drawing xmlns:dgm="http://schemas.openxmlformats.org/drawingml/2006/diagram" xmlns:dsp="http://schemas.microsoft.com/office/drawing/2008/diagram" xmlns:a="http://schemas.openxmlformats.org/drawingml/2006/main" xmlns:r="http://schemas.openxmlformats.org/officeDocument/2006/relationships">
   <dsp:spTree>
     <dsp:nvGrpSpPr>
-      <dsp:cNvPr id="0" name=""/>
+      <dsp:cNvPr id="2" name="组合 1"/>
       <dsp:cNvGrpSpPr/>
     </dsp:nvGrpSpPr>
-    <dsp:grpSpPr/>
+    <dsp:grpSpPr>
+      <a:xfrm>
+        <a:off x="0" y="0"/>
+        <a:ext cx="4983832" cy="3749040"/>
+        <a:chOff x="0" y="0"/>
+        <a:chExt cx="4983832" cy="3749040"/>
+      </a:xfrm>
+    </dsp:grpSpPr>
     <dsp:sp modelId="{5D9704F8-5A95-419F-B794-1E2F82666BDB}">
       <dsp:nvSpPr>
-        <dsp:cNvPr id="0" name=""/>
+        <dsp:cNvPr id="3" name="矩形 2"/>
         <dsp:cNvSpPr/>
       </dsp:nvSpPr>
       <dsp:spPr bwMode="white">
         <a:xfrm>
-          <a:off x="24" y="3305"/>
-          <a:ext cx="2328870" cy="931548"/>
+          <a:off x="0" y="0"/>
+          <a:ext cx="2328893" cy="922376"/>
         </a:xfrm>
         <a:prstGeom prst="rect">
           <a:avLst/>
         </a:prstGeom>
-        <a:gradFill rotWithShape="0">
-          <a:gsLst>
-            <a:gs pos="0">
-              <a:schemeClr val="lt1">
-                <a:hueOff val="0"/>
-                <a:satOff val="0"/>
-                <a:lumOff val="0"/>
-                <a:alphaOff val="0"/>
-                <a:tint val="100000"/>
-                <a:shade val="100000"/>
-                <a:satMod val="130000"/>
-              </a:schemeClr>
-            </a:gs>
-            <a:gs pos="100000">
-              <a:schemeClr val="lt1">
-                <a:hueOff val="0"/>
-                <a:satOff val="0"/>
-                <a:lumOff val="0"/>
-                <a:alphaOff val="0"/>
-                <a:tint val="50000"/>
-                <a:shade val="100000"/>
-                <a:satMod val="350000"/>
-              </a:schemeClr>
-            </a:gs>
-          </a:gsLst>
-          <a:lin ang="16200000" scaled="0"/>
-        </a:gradFill>
-        <a:ln w="9525" cap="flat" cmpd="sng" algn="ctr">
-          <a:solidFill>
-            <a:schemeClr val="accent5">
-              <a:shade val="80000"/>
-              <a:hueOff val="0"/>
-              <a:satOff val="0"/>
-              <a:lumOff val="0"/>
-              <a:alphaOff val="0"/>
-            </a:schemeClr>
-          </a:solidFill>
-          <a:prstDash val="solid"/>
-        </a:ln>
-        <a:effectLst>
-          <a:outerShdw blurRad="40000" dist="23000" dir="5400000" rotWithShape="0">
-            <a:srgbClr val="000000">
-              <a:alpha val="35000"/>
-            </a:srgbClr>
-          </a:outerShdw>
-        </a:effectLst>
-        <a:scene3d>
-          <a:camera prst="orthographicFront">
-            <a:rot lat="0" lon="0" rev="0"/>
-          </a:camera>
-          <a:lightRig rig="threePt" dir="t">
-            <a:rot lat="0" lon="0" rev="1200000"/>
-          </a:lightRig>
-        </a:scene3d>
-        <a:sp3d>
-          <a:bevelT w="63500" h="25400"/>
-        </a:sp3d>
       </dsp:spPr>
       <dsp:style>
         <a:lnRef idx="1">
-          <a:scrgbClr r="0" g="0" b="0"/>
+          <a:schemeClr val="accent5">
+            <a:shade val="80000"/>
+          </a:schemeClr>
         </a:lnRef>
         <a:fillRef idx="3">
-          <a:scrgbClr r="0" g="0" b="0"/>
+          <a:schemeClr val="lt1"/>
         </a:fillRef>
         <a:effectRef idx="3">
           <a:scrgbClr r="0" g="0" b="0"/>
@@ -2665,12 +2617,38 @@
         </a:fontRef>
       </dsp:style>
       <dsp:txBody>
-        <a:bodyPr spcFirstLastPara="0" vert="horz" wrap="square" lIns="128016" tIns="73152" rIns="128016" bIns="73152" numCol="1" spcCol="1270" anchor="ctr" anchorCtr="0">
-          <a:noAutofit/>
-        </a:bodyPr>
-        <a:lstStyle/>
+        <a:bodyPr vert="horz" wrap="square" lIns="128016" tIns="73152" rIns="128016" bIns="73152" anchor="ctr"/>
+        <a:lstStyle>
+          <a:lvl1pPr algn="ctr">
+            <a:defRPr sz="6500"/>
+          </a:lvl1pPr>
+          <a:lvl2pPr marL="285750" indent="-285750" algn="ctr">
+            <a:defRPr sz="5000"/>
+          </a:lvl2pPr>
+          <a:lvl3pPr marL="571500" indent="-285750" algn="ctr">
+            <a:defRPr sz="5000"/>
+          </a:lvl3pPr>
+          <a:lvl4pPr marL="857250" indent="-285750" algn="ctr">
+            <a:defRPr sz="5000"/>
+          </a:lvl4pPr>
+          <a:lvl5pPr marL="1143000" indent="-285750" algn="ctr">
+            <a:defRPr sz="5000"/>
+          </a:lvl5pPr>
+          <a:lvl6pPr marL="1428750" indent="-285750" algn="ctr">
+            <a:defRPr sz="5000"/>
+          </a:lvl6pPr>
+          <a:lvl7pPr marL="1714500" indent="-285750" algn="ctr">
+            <a:defRPr sz="5000"/>
+          </a:lvl7pPr>
+          <a:lvl8pPr marL="2000250" indent="-285750" algn="ctr">
+            <a:defRPr sz="5000"/>
+          </a:lvl8pPr>
+          <a:lvl9pPr marL="2286000" indent="-285750" algn="ctr">
+            <a:defRPr sz="5000"/>
+          </a:lvl9pPr>
+        </a:lstStyle>
         <a:p>
-          <a:pPr marL="0" lvl="0" indent="0" algn="ctr" defTabSz="800100">
+          <a:pPr lvl="0">
             <a:lnSpc>
               <a:spcPct val="100000"/>
             </a:lnSpc>
@@ -2680,69 +2658,52 @@
             <a:spcAft>
               <a:spcPct val="35000"/>
             </a:spcAft>
-            <a:buNone/>
           </a:pPr>
           <a:r>
-            <a:rPr lang="en-MY" sz="1800" b="1" kern="1200" dirty="0"/>
+            <a:rPr lang="en-MY" sz="1800" b="1" dirty="0">
+              <a:solidFill>
+                <a:schemeClr val="dk1"/>
+              </a:solidFill>
+            </a:rPr>
             <a:t>Dataset scale </a:t>
           </a:r>
-          <a:endParaRPr lang="en-US" altLang="zh-CN" sz="1800" b="1" kern="1200" dirty="0"/>
+          <a:endParaRPr lang="en-US" altLang="zh-CN" sz="1800" b="1" dirty="0">
+            <a:solidFill>
+              <a:schemeClr val="dk1"/>
+            </a:solidFill>
+          </a:endParaRPr>
         </a:p>
       </dsp:txBody>
       <dsp:txXfrm>
-        <a:off x="24" y="3305"/>
-        <a:ext cx="2328870" cy="931548"/>
+        <a:off x="0" y="0"/>
+        <a:ext cx="2328893" cy="922376"/>
       </dsp:txXfrm>
     </dsp:sp>
     <dsp:sp modelId="{C0A6D3D8-DBC2-45B6-8DEF-789A72552BB4}">
       <dsp:nvSpPr>
-        <dsp:cNvPr id="0" name=""/>
+        <dsp:cNvPr id="4" name="矩形 3"/>
         <dsp:cNvSpPr/>
       </dsp:nvSpPr>
       <dsp:spPr bwMode="white">
         <a:xfrm>
-          <a:off x="0" y="938160"/>
-          <a:ext cx="2328870" cy="2810880"/>
+          <a:off x="0" y="922376"/>
+          <a:ext cx="2328893" cy="2826664"/>
         </a:xfrm>
         <a:prstGeom prst="rect">
           <a:avLst/>
         </a:prstGeom>
-        <a:solidFill>
+      </dsp:spPr>
+      <dsp:style>
+        <a:lnRef idx="1">
+          <a:schemeClr val="accent5">
+            <a:alpha val="90000"/>
+          </a:schemeClr>
+        </a:lnRef>
+        <a:fillRef idx="1">
           <a:schemeClr val="lt1">
             <a:alpha val="90000"/>
             <a:tint val="40000"/>
-            <a:hueOff val="0"/>
-            <a:satOff val="0"/>
-            <a:lumOff val="0"/>
-            <a:alphaOff val="0"/>
           </a:schemeClr>
-        </a:solidFill>
-        <a:ln w="9525" cap="flat" cmpd="sng" algn="ctr">
-          <a:solidFill>
-            <a:schemeClr val="accent5">
-              <a:alpha val="90000"/>
-              <a:hueOff val="0"/>
-              <a:satOff val="0"/>
-              <a:lumOff val="0"/>
-              <a:alphaOff val="0"/>
-            </a:schemeClr>
-          </a:solidFill>
-          <a:prstDash val="solid"/>
-        </a:ln>
-        <a:effectLst>
-          <a:outerShdw blurRad="40000" dist="23000" dir="5400000" rotWithShape="0">
-            <a:srgbClr val="000000">
-              <a:alpha val="35000"/>
-            </a:srgbClr>
-          </a:outerShdw>
-        </a:effectLst>
-      </dsp:spPr>
-      <dsp:style>
-        <a:lnRef idx="1">
-          <a:scrgbClr r="0" g="0" b="0"/>
-        </a:lnRef>
-        <a:fillRef idx="1">
-          <a:scrgbClr r="0" g="0" b="0"/>
         </a:fillRef>
         <a:effectRef idx="2">
           <a:scrgbClr r="0" g="0" b="0"/>
@@ -2750,12 +2711,38 @@
         <a:fontRef idx="minor"/>
       </dsp:style>
       <dsp:txBody>
-        <a:bodyPr spcFirstLastPara="0" vert="horz" wrap="square" lIns="85344" tIns="85344" rIns="113792" bIns="128016" numCol="1" spcCol="1270" anchor="t" anchorCtr="0">
-          <a:noAutofit/>
-        </a:bodyPr>
-        <a:lstStyle/>
+        <a:bodyPr vert="horz" wrap="square" lIns="85344" tIns="85344" rIns="113792" bIns="128016" anchor="t"/>
+        <a:lstStyle>
+          <a:lvl1pPr algn="l">
+            <a:defRPr sz="6500"/>
+          </a:lvl1pPr>
+          <a:lvl2pPr marL="285750" indent="-285750" algn="l">
+            <a:defRPr sz="6500"/>
+          </a:lvl2pPr>
+          <a:lvl3pPr marL="571500" indent="-285750" algn="l">
+            <a:defRPr sz="6500"/>
+          </a:lvl3pPr>
+          <a:lvl4pPr marL="857250" indent="-285750" algn="l">
+            <a:defRPr sz="6500"/>
+          </a:lvl4pPr>
+          <a:lvl5pPr marL="1143000" indent="-285750" algn="l">
+            <a:defRPr sz="6500"/>
+          </a:lvl5pPr>
+          <a:lvl6pPr marL="1428750" indent="-285750" algn="l">
+            <a:defRPr sz="6500"/>
+          </a:lvl6pPr>
+          <a:lvl7pPr marL="1714500" indent="-285750" algn="l">
+            <a:defRPr sz="6500"/>
+          </a:lvl7pPr>
+          <a:lvl8pPr marL="2000250" indent="-285750" algn="l">
+            <a:defRPr sz="6500"/>
+          </a:lvl8pPr>
+          <a:lvl9pPr marL="2286000" indent="-285750" algn="l">
+            <a:defRPr sz="6500"/>
+          </a:lvl9pPr>
+        </a:lstStyle>
         <a:p>
-          <a:pPr marL="171450" lvl="1" indent="-171450" algn="l" defTabSz="711200">
+          <a:pPr marL="171450" lvl="1" indent="-171450">
             <a:lnSpc>
               <a:spcPct val="150000"/>
             </a:lnSpc>
@@ -2768,13 +2755,21 @@
             <a:buChar char="•"/>
           </a:pPr>
           <a:r>
-            <a:rPr lang="en-MY" sz="1600" kern="1200" dirty="0"/>
+            <a:rPr lang="en-MY" sz="1600" dirty="0">
+              <a:solidFill>
+                <a:schemeClr val="dk1"/>
+              </a:solidFill>
+            </a:rPr>
             <a:t>Smaller than the Slake dataset</a:t>
           </a:r>
-          <a:endParaRPr lang="en-US" altLang="zh-CN" sz="1600" kern="1200" dirty="0"/>
+          <a:endParaRPr lang="en-US" altLang="zh-CN" sz="1600" dirty="0">
+            <a:solidFill>
+              <a:schemeClr val="dk1"/>
+            </a:solidFill>
+          </a:endParaRPr>
         </a:p>
         <a:p>
-          <a:pPr marL="171450" lvl="1" indent="-171450" algn="l" defTabSz="711200">
+          <a:pPr marL="171450" lvl="1" indent="-171450">
             <a:lnSpc>
               <a:spcPct val="150000"/>
             </a:lnSpc>
@@ -2787,94 +2782,47 @@
             <a:buChar char="•"/>
           </a:pPr>
           <a:r>
-            <a:rPr lang="en-MY" sz="1600" kern="1200" dirty="0"/>
+            <a:rPr lang="en-MY" sz="1600" dirty="0">
+              <a:solidFill>
+                <a:schemeClr val="dk1"/>
+              </a:solidFill>
+            </a:rPr>
             <a:t>limiting the capacity of the mapping network to learn complex associations </a:t>
           </a:r>
-          <a:endParaRPr lang="en-US" altLang="zh-CN" sz="1600" kern="1200" dirty="0"/>
+          <a:endParaRPr lang="en-US" altLang="zh-CN" sz="1600" dirty="0">
+            <a:solidFill>
+              <a:schemeClr val="dk1"/>
+            </a:solidFill>
+          </a:endParaRPr>
         </a:p>
       </dsp:txBody>
       <dsp:txXfrm>
-        <a:off x="0" y="938160"/>
-        <a:ext cx="2328870" cy="2810880"/>
+        <a:off x="0" y="922376"/>
+        <a:ext cx="2328893" cy="2826664"/>
       </dsp:txXfrm>
     </dsp:sp>
     <dsp:sp modelId="{3E0BA246-3456-471B-AD87-1436FD251DD8}">
       <dsp:nvSpPr>
-        <dsp:cNvPr id="0" name=""/>
+        <dsp:cNvPr id="5" name="矩形 4"/>
         <dsp:cNvSpPr/>
       </dsp:nvSpPr>
       <dsp:spPr bwMode="white">
         <a:xfrm>
-          <a:off x="2654936" y="3305"/>
-          <a:ext cx="2328870" cy="931548"/>
+          <a:off x="2654939" y="0"/>
+          <a:ext cx="2328893" cy="922376"/>
         </a:xfrm>
         <a:prstGeom prst="rect">
           <a:avLst/>
         </a:prstGeom>
-        <a:gradFill rotWithShape="0">
-          <a:gsLst>
-            <a:gs pos="0">
-              <a:schemeClr val="lt1">
-                <a:hueOff val="0"/>
-                <a:satOff val="0"/>
-                <a:lumOff val="0"/>
-                <a:alphaOff val="0"/>
-                <a:tint val="100000"/>
-                <a:shade val="100000"/>
-                <a:satMod val="130000"/>
-              </a:schemeClr>
-            </a:gs>
-            <a:gs pos="100000">
-              <a:schemeClr val="lt1">
-                <a:hueOff val="0"/>
-                <a:satOff val="0"/>
-                <a:lumOff val="0"/>
-                <a:alphaOff val="0"/>
-                <a:tint val="50000"/>
-                <a:shade val="100000"/>
-                <a:satMod val="350000"/>
-              </a:schemeClr>
-            </a:gs>
-          </a:gsLst>
-          <a:lin ang="16200000" scaled="0"/>
-        </a:gradFill>
-        <a:ln w="9525" cap="flat" cmpd="sng" algn="ctr">
-          <a:solidFill>
-            <a:schemeClr val="accent5">
-              <a:shade val="80000"/>
-              <a:hueOff val="0"/>
-              <a:satOff val="0"/>
-              <a:lumOff val="0"/>
-              <a:alphaOff val="0"/>
-            </a:schemeClr>
-          </a:solidFill>
-          <a:prstDash val="solid"/>
-        </a:ln>
-        <a:effectLst>
-          <a:outerShdw blurRad="40000" dist="23000" dir="5400000" rotWithShape="0">
-            <a:srgbClr val="000000">
-              <a:alpha val="35000"/>
-            </a:srgbClr>
-          </a:outerShdw>
-        </a:effectLst>
-        <a:scene3d>
-          <a:camera prst="orthographicFront">
-            <a:rot lat="0" lon="0" rev="0"/>
-          </a:camera>
-          <a:lightRig rig="threePt" dir="t">
-            <a:rot lat="0" lon="0" rev="1200000"/>
-          </a:lightRig>
-        </a:scene3d>
-        <a:sp3d>
-          <a:bevelT w="63500" h="25400"/>
-        </a:sp3d>
       </dsp:spPr>
       <dsp:style>
         <a:lnRef idx="1">
-          <a:scrgbClr r="0" g="0" b="0"/>
+          <a:schemeClr val="accent5">
+            <a:shade val="80000"/>
+          </a:schemeClr>
         </a:lnRef>
         <a:fillRef idx="3">
-          <a:scrgbClr r="0" g="0" b="0"/>
+          <a:schemeClr val="lt1"/>
         </a:fillRef>
         <a:effectRef idx="3">
           <a:scrgbClr r="0" g="0" b="0"/>
@@ -2884,12 +2832,38 @@
         </a:fontRef>
       </dsp:style>
       <dsp:txBody>
-        <a:bodyPr spcFirstLastPara="0" vert="horz" wrap="square" lIns="113792" tIns="65024" rIns="113792" bIns="65024" numCol="1" spcCol="1270" anchor="ctr" anchorCtr="0">
-          <a:noAutofit/>
-        </a:bodyPr>
-        <a:lstStyle/>
+        <a:bodyPr vert="horz" wrap="square" lIns="113792" tIns="65024" rIns="113792" bIns="65024" anchor="ctr"/>
+        <a:lstStyle>
+          <a:lvl1pPr algn="ctr">
+            <a:defRPr sz="6500"/>
+          </a:lvl1pPr>
+          <a:lvl2pPr marL="285750" indent="-285750" algn="ctr">
+            <a:defRPr sz="5000"/>
+          </a:lvl2pPr>
+          <a:lvl3pPr marL="571500" indent="-285750" algn="ctr">
+            <a:defRPr sz="5000"/>
+          </a:lvl3pPr>
+          <a:lvl4pPr marL="857250" indent="-285750" algn="ctr">
+            <a:defRPr sz="5000"/>
+          </a:lvl4pPr>
+          <a:lvl5pPr marL="1143000" indent="-285750" algn="ctr">
+            <a:defRPr sz="5000"/>
+          </a:lvl5pPr>
+          <a:lvl6pPr marL="1428750" indent="-285750" algn="ctr">
+            <a:defRPr sz="5000"/>
+          </a:lvl6pPr>
+          <a:lvl7pPr marL="1714500" indent="-285750" algn="ctr">
+            <a:defRPr sz="5000"/>
+          </a:lvl7pPr>
+          <a:lvl8pPr marL="2000250" indent="-285750" algn="ctr">
+            <a:defRPr sz="5000"/>
+          </a:lvl8pPr>
+          <a:lvl9pPr marL="2286000" indent="-285750" algn="ctr">
+            <a:defRPr sz="5000"/>
+          </a:lvl9pPr>
+        </a:lstStyle>
         <a:p>
-          <a:pPr marL="0" lvl="0" indent="0" algn="ctr" defTabSz="711200">
+          <a:pPr lvl="0">
             <a:lnSpc>
               <a:spcPct val="100000"/>
             </a:lnSpc>
@@ -2899,69 +2873,52 @@
             <a:spcAft>
               <a:spcPct val="35000"/>
             </a:spcAft>
-            <a:buNone/>
           </a:pPr>
           <a:r>
-            <a:rPr lang="en-MY" sz="1600" b="1" kern="1200" dirty="0"/>
+            <a:rPr lang="en-MY" sz="1600" b="1" dirty="0">
+              <a:solidFill>
+                <a:schemeClr val="dk1"/>
+              </a:solidFill>
+            </a:rPr>
             <a:t>Domain knowledge </a:t>
           </a:r>
-          <a:endParaRPr lang="en-US" altLang="zh-CN" sz="1600" b="1" kern="1200" dirty="0"/>
+          <a:endParaRPr lang="en-US" altLang="zh-CN" sz="1600" b="1" dirty="0">
+            <a:solidFill>
+              <a:schemeClr val="dk1"/>
+            </a:solidFill>
+          </a:endParaRPr>
         </a:p>
       </dsp:txBody>
       <dsp:txXfrm>
-        <a:off x="2654936" y="3305"/>
-        <a:ext cx="2328870" cy="931548"/>
+        <a:off x="2654939" y="0"/>
+        <a:ext cx="2328893" cy="922376"/>
       </dsp:txXfrm>
     </dsp:sp>
     <dsp:sp modelId="{33CF15AD-8A19-4E9A-9BED-239A79CAF737}">
       <dsp:nvSpPr>
-        <dsp:cNvPr id="0" name=""/>
+        <dsp:cNvPr id="6" name="矩形 5"/>
         <dsp:cNvSpPr/>
       </dsp:nvSpPr>
       <dsp:spPr bwMode="white">
         <a:xfrm>
-          <a:off x="2654936" y="934854"/>
-          <a:ext cx="2328870" cy="2810880"/>
+          <a:off x="2654939" y="922376"/>
+          <a:ext cx="2328893" cy="2826664"/>
         </a:xfrm>
         <a:prstGeom prst="rect">
           <a:avLst/>
         </a:prstGeom>
-        <a:solidFill>
+      </dsp:spPr>
+      <dsp:style>
+        <a:lnRef idx="1">
+          <a:schemeClr val="accent5">
+            <a:alpha val="90000"/>
+          </a:schemeClr>
+        </a:lnRef>
+        <a:fillRef idx="1">
           <a:schemeClr val="lt1">
             <a:alpha val="90000"/>
             <a:tint val="40000"/>
-            <a:hueOff val="0"/>
-            <a:satOff val="0"/>
-            <a:lumOff val="0"/>
-            <a:alphaOff val="0"/>
           </a:schemeClr>
-        </a:solidFill>
-        <a:ln w="9525" cap="flat" cmpd="sng" algn="ctr">
-          <a:solidFill>
-            <a:schemeClr val="accent5">
-              <a:alpha val="90000"/>
-              <a:hueOff val="0"/>
-              <a:satOff val="0"/>
-              <a:lumOff val="0"/>
-              <a:alphaOff val="0"/>
-            </a:schemeClr>
-          </a:solidFill>
-          <a:prstDash val="solid"/>
-        </a:ln>
-        <a:effectLst>
-          <a:outerShdw blurRad="40000" dist="23000" dir="5400000" rotWithShape="0">
-            <a:srgbClr val="000000">
-              <a:alpha val="35000"/>
-            </a:srgbClr>
-          </a:outerShdw>
-        </a:effectLst>
-      </dsp:spPr>
-      <dsp:style>
-        <a:lnRef idx="1">
-          <a:scrgbClr r="0" g="0" b="0"/>
-        </a:lnRef>
-        <a:fillRef idx="1">
-          <a:scrgbClr r="0" g="0" b="0"/>
         </a:fillRef>
         <a:effectRef idx="2">
           <a:scrgbClr r="0" g="0" b="0"/>
@@ -2969,12 +2926,38 @@
         <a:fontRef idx="minor"/>
       </dsp:style>
       <dsp:txBody>
-        <a:bodyPr spcFirstLastPara="0" vert="horz" wrap="square" lIns="85344" tIns="85344" rIns="113792" bIns="128016" numCol="1" spcCol="1270" anchor="t" anchorCtr="0">
-          <a:noAutofit/>
-        </a:bodyPr>
-        <a:lstStyle/>
+        <a:bodyPr vert="horz" wrap="square" lIns="85344" tIns="85344" rIns="113792" bIns="128016" anchor="t"/>
+        <a:lstStyle>
+          <a:lvl1pPr algn="l">
+            <a:defRPr sz="6500"/>
+          </a:lvl1pPr>
+          <a:lvl2pPr marL="285750" indent="-285750" algn="l">
+            <a:defRPr sz="6500"/>
+          </a:lvl2pPr>
+          <a:lvl3pPr marL="571500" indent="-285750" algn="l">
+            <a:defRPr sz="6500"/>
+          </a:lvl3pPr>
+          <a:lvl4pPr marL="857250" indent="-285750" algn="l">
+            <a:defRPr sz="6500"/>
+          </a:lvl4pPr>
+          <a:lvl5pPr marL="1143000" indent="-285750" algn="l">
+            <a:defRPr sz="6500"/>
+          </a:lvl5pPr>
+          <a:lvl6pPr marL="1428750" indent="-285750" algn="l">
+            <a:defRPr sz="6500"/>
+          </a:lvl6pPr>
+          <a:lvl7pPr marL="1714500" indent="-285750" algn="l">
+            <a:defRPr sz="6500"/>
+          </a:lvl7pPr>
+          <a:lvl8pPr marL="2000250" indent="-285750" algn="l">
+            <a:defRPr sz="6500"/>
+          </a:lvl8pPr>
+          <a:lvl9pPr marL="2286000" indent="-285750" algn="l">
+            <a:defRPr sz="6500"/>
+          </a:lvl9pPr>
+        </a:lstStyle>
         <a:p>
-          <a:pPr marL="171450" lvl="1" indent="-171450" algn="l" defTabSz="711200">
+          <a:pPr marL="171450" lvl="1" indent="-171450">
             <a:lnSpc>
               <a:spcPct val="100000"/>
             </a:lnSpc>
@@ -2987,13 +2970,21 @@
             <a:buChar char="•"/>
           </a:pPr>
           <a:r>
-            <a:rPr lang="en-MY" altLang="zh-CN" sz="1600" kern="1200" dirty="0"/>
+            <a:rPr lang="en-MY" altLang="zh-CN" sz="1600" dirty="0">
+              <a:solidFill>
+                <a:schemeClr val="dk1"/>
+              </a:solidFill>
+            </a:rPr>
             <a:t>The domain knowledge of the GPT-2 model is limited</a:t>
           </a:r>
-          <a:endParaRPr lang="en-US" altLang="zh-CN" sz="1600" kern="1200" dirty="0"/>
+          <a:endParaRPr lang="en-US" altLang="zh-CN" sz="1600" dirty="0">
+            <a:solidFill>
+              <a:schemeClr val="dk1"/>
+            </a:solidFill>
+          </a:endParaRPr>
         </a:p>
         <a:p>
-          <a:pPr marL="171450" lvl="1" indent="-171450" algn="l" defTabSz="711200">
+          <a:pPr marL="171450" lvl="1" indent="-171450">
             <a:lnSpc>
               <a:spcPct val="100000"/>
             </a:lnSpc>
@@ -3006,43 +2997,79 @@
             <a:buChar char="•"/>
           </a:pPr>
           <a:r>
-            <a:rPr lang="en-MY" altLang="zh-CN" sz="1600" kern="1200" dirty="0"/>
+            <a:rPr lang="en-MY" altLang="zh-CN" sz="1600" dirty="0">
+              <a:solidFill>
+                <a:schemeClr val="dk1"/>
+              </a:solidFill>
+            </a:rPr>
             <a:t>Rather than the biological</a:t>
           </a:r>
           <a:r>
-            <a:rPr lang="zh-CN" altLang="en-US" sz="1600" kern="1200" dirty="0"/>
+            <a:rPr lang="zh-CN" altLang="en-US" sz="1600" dirty="0">
+              <a:solidFill>
+                <a:schemeClr val="dk1"/>
+              </a:solidFill>
+            </a:rPr>
             <a:t> </a:t>
           </a:r>
           <a:r>
-            <a:rPr lang="en-US" altLang="zh-CN" sz="1600" kern="1200" dirty="0"/>
+            <a:rPr lang="en-US" altLang="zh-CN" sz="1600" dirty="0">
+              <a:solidFill>
+                <a:schemeClr val="dk1"/>
+              </a:solidFill>
+            </a:rPr>
             <a:t>knowledge</a:t>
           </a:r>
           <a:r>
-            <a:rPr lang="zh-CN" altLang="en-US" sz="1600" kern="1200" dirty="0"/>
+            <a:rPr lang="zh-CN" altLang="en-US" sz="1600" dirty="0">
+              <a:solidFill>
+                <a:schemeClr val="dk1"/>
+              </a:solidFill>
+            </a:rPr>
             <a:t> </a:t>
           </a:r>
           <a:r>
-            <a:rPr lang="en-MY" altLang="zh-CN" sz="1600" kern="1200" dirty="0"/>
+            <a:rPr lang="en-MY" altLang="zh-CN" sz="1600" dirty="0">
+              <a:solidFill>
+                <a:schemeClr val="dk1"/>
+              </a:solidFill>
+            </a:rPr>
             <a:t> models </a:t>
           </a:r>
           <a:r>
-            <a:rPr lang="en-MY" altLang="zh-CN" sz="1600" kern="1200" dirty="0" err="1"/>
+            <a:rPr lang="en-MY" altLang="zh-CN" sz="1600" dirty="0" err="1">
+              <a:solidFill>
+                <a:schemeClr val="dk1"/>
+              </a:solidFill>
+            </a:rPr>
             <a:t>BioGPT</a:t>
           </a:r>
           <a:r>
-            <a:rPr lang="en-MY" altLang="zh-CN" sz="1600" kern="1200" dirty="0"/>
+            <a:rPr lang="en-MY" altLang="zh-CN" sz="1600" dirty="0">
+              <a:solidFill>
+                <a:schemeClr val="dk1"/>
+              </a:solidFill>
+            </a:rPr>
             <a:t> or </a:t>
           </a:r>
           <a:r>
-            <a:rPr lang="en-MY" altLang="zh-CN" sz="1600" kern="1200" dirty="0" err="1"/>
+            <a:rPr lang="en-MY" altLang="zh-CN" sz="1600" dirty="0" err="1">
+              <a:solidFill>
+                <a:schemeClr val="dk1"/>
+              </a:solidFill>
+            </a:rPr>
             <a:t>BioMedLM</a:t>
           </a:r>
-          <a:endParaRPr lang="en-US" altLang="zh-CN" sz="1600" kern="1200" dirty="0"/>
+          <a:endParaRPr lang="en-US" altLang="zh-CN" sz="1600" dirty="0">
+            <a:solidFill>
+              <a:schemeClr val="dk1"/>
+            </a:solidFill>
+          </a:endParaRPr>
         </a:p>
       </dsp:txBody>
       <dsp:txXfrm>
-        <a:off x="2654936" y="934854"/>
-        <a:ext cx="2328870" cy="2810880"/>
+        <a:off x="2654939" y="922376"/>
+        <a:ext cx="2328893" cy="2826664"/>
       </dsp:txXfrm>
     </dsp:sp>
   </dsp:spTree>
@@ -3050,90 +3077,42 @@
 </file>
 
 <file path=ppt/diagrams/drawing2.xml><?xml version="1.0" encoding="utf-8"?>
-<dsp:drawing xmlns:dgm="http://schemas.openxmlformats.org/drawingml/2006/diagram" xmlns:dsp="http://schemas.microsoft.com/office/drawing/2008/diagram" xmlns:a="http://schemas.openxmlformats.org/drawingml/2006/main">
+<dsp:drawing xmlns:dgm="http://schemas.openxmlformats.org/drawingml/2006/diagram" xmlns:dsp="http://schemas.microsoft.com/office/drawing/2008/diagram" xmlns:a="http://schemas.openxmlformats.org/drawingml/2006/main" xmlns:r="http://schemas.openxmlformats.org/officeDocument/2006/relationships">
   <dsp:spTree>
     <dsp:nvGrpSpPr>
-      <dsp:cNvPr id="0" name=""/>
+      <dsp:cNvPr id="2" name="组合 1"/>
       <dsp:cNvGrpSpPr/>
     </dsp:nvGrpSpPr>
-    <dsp:grpSpPr/>
+    <dsp:grpSpPr>
+      <a:xfrm>
+        <a:off x="0" y="0"/>
+        <a:ext cx="2224687" cy="3749040"/>
+        <a:chOff x="0" y="0"/>
+        <a:chExt cx="2224687" cy="3749040"/>
+      </a:xfrm>
+    </dsp:grpSpPr>
     <dsp:sp modelId="{C432FB95-A0B0-004A-AD71-22D5177741A3}">
       <dsp:nvSpPr>
-        <dsp:cNvPr id="0" name=""/>
+        <dsp:cNvPr id="3" name="矩形 2"/>
         <dsp:cNvSpPr/>
       </dsp:nvSpPr>
-      <dsp:spPr>
+      <dsp:spPr bwMode="white">
         <a:xfrm>
-          <a:off x="0" y="2182"/>
-          <a:ext cx="2224687" cy="889874"/>
+          <a:off x="0" y="2183"/>
+          <a:ext cx="2224687" cy="889875"/>
         </a:xfrm>
         <a:prstGeom prst="rect">
           <a:avLst/>
         </a:prstGeom>
-        <a:gradFill rotWithShape="0">
-          <a:gsLst>
-            <a:gs pos="0">
-              <a:schemeClr val="lt1">
-                <a:hueOff val="0"/>
-                <a:satOff val="0"/>
-                <a:lumOff val="0"/>
-                <a:alphaOff val="0"/>
-                <a:tint val="100000"/>
-                <a:shade val="100000"/>
-                <a:satMod val="130000"/>
-              </a:schemeClr>
-            </a:gs>
-            <a:gs pos="100000">
-              <a:schemeClr val="lt1">
-                <a:hueOff val="0"/>
-                <a:satOff val="0"/>
-                <a:lumOff val="0"/>
-                <a:alphaOff val="0"/>
-                <a:tint val="50000"/>
-                <a:shade val="100000"/>
-                <a:satMod val="350000"/>
-              </a:schemeClr>
-            </a:gs>
-          </a:gsLst>
-          <a:lin ang="16200000" scaled="0"/>
-        </a:gradFill>
-        <a:ln w="9525" cap="flat" cmpd="sng" algn="ctr">
-          <a:solidFill>
-            <a:schemeClr val="accent5">
-              <a:shade val="80000"/>
-              <a:hueOff val="0"/>
-              <a:satOff val="0"/>
-              <a:lumOff val="0"/>
-              <a:alphaOff val="0"/>
-            </a:schemeClr>
-          </a:solidFill>
-          <a:prstDash val="solid"/>
-        </a:ln>
-        <a:effectLst>
-          <a:outerShdw blurRad="40000" dist="23000" dir="5400000" rotWithShape="0">
-            <a:srgbClr val="000000">
-              <a:alpha val="35000"/>
-            </a:srgbClr>
-          </a:outerShdw>
-        </a:effectLst>
-        <a:scene3d>
-          <a:camera prst="orthographicFront">
-            <a:rot lat="0" lon="0" rev="0"/>
-          </a:camera>
-          <a:lightRig rig="threePt" dir="t">
-            <a:rot lat="0" lon="0" rev="1200000"/>
-          </a:lightRig>
-        </a:scene3d>
-        <a:sp3d>
-          <a:bevelT w="63500" h="25400"/>
-        </a:sp3d>
       </dsp:spPr>
       <dsp:style>
         <a:lnRef idx="1">
-          <a:scrgbClr r="0" g="0" b="0"/>
+          <a:schemeClr val="accent5">
+            <a:shade val="80000"/>
+          </a:schemeClr>
         </a:lnRef>
         <a:fillRef idx="3">
-          <a:scrgbClr r="0" g="0" b="0"/>
+          <a:schemeClr val="lt1"/>
         </a:fillRef>
         <a:effectRef idx="3">
           <a:scrgbClr r="0" g="0" b="0"/>
@@ -3143,12 +3122,38 @@
         </a:fontRef>
       </dsp:style>
       <dsp:txBody>
-        <a:bodyPr spcFirstLastPara="0" vert="horz" wrap="square" lIns="128016" tIns="73152" rIns="128016" bIns="73152" numCol="1" spcCol="1270" anchor="ctr" anchorCtr="0">
-          <a:noAutofit/>
-        </a:bodyPr>
-        <a:lstStyle/>
+        <a:bodyPr vert="horz" wrap="square" lIns="128016" tIns="73152" rIns="128016" bIns="73152" anchor="ctr"/>
+        <a:lstStyle>
+          <a:lvl1pPr algn="ctr">
+            <a:defRPr sz="6500"/>
+          </a:lvl1pPr>
+          <a:lvl2pPr marL="285750" indent="-285750" algn="ctr">
+            <a:defRPr sz="5000"/>
+          </a:lvl2pPr>
+          <a:lvl3pPr marL="571500" indent="-285750" algn="ctr">
+            <a:defRPr sz="5000"/>
+          </a:lvl3pPr>
+          <a:lvl4pPr marL="857250" indent="-285750" algn="ctr">
+            <a:defRPr sz="5000"/>
+          </a:lvl4pPr>
+          <a:lvl5pPr marL="1143000" indent="-285750" algn="ctr">
+            <a:defRPr sz="5000"/>
+          </a:lvl5pPr>
+          <a:lvl6pPr marL="1428750" indent="-285750" algn="ctr">
+            <a:defRPr sz="5000"/>
+          </a:lvl6pPr>
+          <a:lvl7pPr marL="1714500" indent="-285750" algn="ctr">
+            <a:defRPr sz="5000"/>
+          </a:lvl7pPr>
+          <a:lvl8pPr marL="2000250" indent="-285750" algn="ctr">
+            <a:defRPr sz="5000"/>
+          </a:lvl8pPr>
+          <a:lvl9pPr marL="2286000" indent="-285750" algn="ctr">
+            <a:defRPr sz="5000"/>
+          </a:lvl9pPr>
+        </a:lstStyle>
         <a:p>
-          <a:pPr marL="0" lvl="0" indent="0" algn="ctr" defTabSz="800100">
+          <a:pPr lvl="0">
             <a:lnSpc>
               <a:spcPct val="100000"/>
             </a:lnSpc>
@@ -3158,26 +3163,33 @@
             <a:spcAft>
               <a:spcPct val="15000"/>
             </a:spcAft>
-            <a:buNone/>
           </a:pPr>
           <a:r>
-            <a:rPr lang="en-MY" sz="1800" b="1" kern="1200" dirty="0"/>
+            <a:rPr lang="en-MY" sz="1800" b="1" dirty="0">
+              <a:solidFill>
+                <a:schemeClr val="dk1"/>
+              </a:solidFill>
+            </a:rPr>
             <a:t>Fine-tuning strategy </a:t>
           </a:r>
-          <a:endParaRPr lang="en-US" altLang="zh-CN" sz="1800" b="1" kern="1200" dirty="0"/>
+          <a:endParaRPr lang="en-US" altLang="zh-CN" sz="1800" b="1" dirty="0">
+            <a:solidFill>
+              <a:schemeClr val="dk1"/>
+            </a:solidFill>
+          </a:endParaRPr>
         </a:p>
       </dsp:txBody>
       <dsp:txXfrm>
-        <a:off x="0" y="2182"/>
-        <a:ext cx="2224687" cy="889874"/>
+        <a:off x="0" y="2183"/>
+        <a:ext cx="2224687" cy="889875"/>
       </dsp:txXfrm>
     </dsp:sp>
     <dsp:sp modelId="{D9D7A8FD-E80F-3D46-830B-21559FC5753B}">
       <dsp:nvSpPr>
-        <dsp:cNvPr id="0" name=""/>
+        <dsp:cNvPr id="4" name="矩形 3"/>
         <dsp:cNvSpPr/>
       </dsp:nvSpPr>
-      <dsp:spPr>
+      <dsp:spPr bwMode="white">
         <a:xfrm>
           <a:off x="0" y="894240"/>
           <a:ext cx="2224687" cy="2854800"/>
@@ -3185,42 +3197,18 @@
         <a:prstGeom prst="rect">
           <a:avLst/>
         </a:prstGeom>
-        <a:solidFill>
+      </dsp:spPr>
+      <dsp:style>
+        <a:lnRef idx="1">
+          <a:schemeClr val="accent5">
+            <a:alpha val="90000"/>
+          </a:schemeClr>
+        </a:lnRef>
+        <a:fillRef idx="1">
           <a:schemeClr val="lt1">
             <a:alpha val="90000"/>
             <a:tint val="40000"/>
-            <a:hueOff val="0"/>
-            <a:satOff val="0"/>
-            <a:lumOff val="0"/>
-            <a:alphaOff val="0"/>
           </a:schemeClr>
-        </a:solidFill>
-        <a:ln w="9525" cap="flat" cmpd="sng" algn="ctr">
-          <a:solidFill>
-            <a:schemeClr val="accent5">
-              <a:alpha val="90000"/>
-              <a:hueOff val="0"/>
-              <a:satOff val="0"/>
-              <a:lumOff val="0"/>
-              <a:alphaOff val="0"/>
-            </a:schemeClr>
-          </a:solidFill>
-          <a:prstDash val="solid"/>
-        </a:ln>
-        <a:effectLst>
-          <a:outerShdw blurRad="40000" dist="23000" dir="5400000" rotWithShape="0">
-            <a:srgbClr val="000000">
-              <a:alpha val="35000"/>
-            </a:srgbClr>
-          </a:outerShdw>
-        </a:effectLst>
-      </dsp:spPr>
-      <dsp:style>
-        <a:lnRef idx="1">
-          <a:scrgbClr r="0" g="0" b="0"/>
-        </a:lnRef>
-        <a:fillRef idx="1">
-          <a:scrgbClr r="0" g="0" b="0"/>
         </a:fillRef>
         <a:effectRef idx="2">
           <a:scrgbClr r="0" g="0" b="0"/>
@@ -3228,12 +3216,38 @@
         <a:fontRef idx="minor"/>
       </dsp:style>
       <dsp:txBody>
-        <a:bodyPr spcFirstLastPara="0" vert="horz" wrap="square" lIns="85344" tIns="85344" rIns="113792" bIns="128016" numCol="1" spcCol="1270" anchor="t" anchorCtr="0">
-          <a:noAutofit/>
-        </a:bodyPr>
-        <a:lstStyle/>
+        <a:bodyPr vert="horz" wrap="square" lIns="85344" tIns="85344" rIns="113792" bIns="128016" anchor="t"/>
+        <a:lstStyle>
+          <a:lvl1pPr algn="l">
+            <a:defRPr sz="6500"/>
+          </a:lvl1pPr>
+          <a:lvl2pPr marL="285750" indent="-285750" algn="l">
+            <a:defRPr sz="6500"/>
+          </a:lvl2pPr>
+          <a:lvl3pPr marL="571500" indent="-285750" algn="l">
+            <a:defRPr sz="6500"/>
+          </a:lvl3pPr>
+          <a:lvl4pPr marL="857250" indent="-285750" algn="l">
+            <a:defRPr sz="6500"/>
+          </a:lvl4pPr>
+          <a:lvl5pPr marL="1143000" indent="-285750" algn="l">
+            <a:defRPr sz="6500"/>
+          </a:lvl5pPr>
+          <a:lvl6pPr marL="1428750" indent="-285750" algn="l">
+            <a:defRPr sz="6500"/>
+          </a:lvl6pPr>
+          <a:lvl7pPr marL="1714500" indent="-285750" algn="l">
+            <a:defRPr sz="6500"/>
+          </a:lvl7pPr>
+          <a:lvl8pPr marL="2000250" indent="-285750" algn="l">
+            <a:defRPr sz="6500"/>
+          </a:lvl8pPr>
+          <a:lvl9pPr marL="2286000" indent="-285750" algn="l">
+            <a:defRPr sz="6500"/>
+          </a:lvl9pPr>
+        </a:lstStyle>
         <a:p>
-          <a:pPr marL="171450" lvl="1" indent="-171450" algn="l" defTabSz="711200">
+          <a:pPr marL="171450" lvl="1" indent="-171450">
             <a:lnSpc>
               <a:spcPct val="100000"/>
             </a:lnSpc>
@@ -3246,13 +3260,21 @@
             <a:buChar char="•"/>
           </a:pPr>
           <a:r>
-            <a:rPr lang="en-MY" altLang="zh-CN" sz="1600" kern="1200" dirty="0"/>
+            <a:rPr lang="en-MY" altLang="zh-CN" sz="1600" dirty="0">
+              <a:solidFill>
+                <a:schemeClr val="dk1"/>
+              </a:solidFill>
+            </a:rPr>
             <a:t>Without fine-tuning, the responses to open-ended questions are limited.</a:t>
           </a:r>
-          <a:endParaRPr lang="en-US" altLang="zh-CN" sz="1600" kern="1200" dirty="0"/>
+          <a:endParaRPr lang="en-US" altLang="zh-CN" sz="1600" dirty="0">
+            <a:solidFill>
+              <a:schemeClr val="dk1"/>
+            </a:solidFill>
+          </a:endParaRPr>
         </a:p>
         <a:p>
-          <a:pPr marL="171450" lvl="1" indent="-171450" algn="l" defTabSz="711200">
+          <a:pPr marL="171450" lvl="1" indent="-171450">
             <a:lnSpc>
               <a:spcPct val="100000"/>
             </a:lnSpc>
@@ -3265,13 +3287,21 @@
             <a:buChar char="•"/>
           </a:pPr>
           <a:r>
-            <a:rPr lang="en-MY" sz="1600" kern="1200" dirty="0"/>
+            <a:rPr lang="en-MY" sz="1600" dirty="0">
+              <a:solidFill>
+                <a:schemeClr val="dk1"/>
+              </a:solidFill>
+            </a:rPr>
             <a:t>strict lexical matching underestimates the clinical value </a:t>
           </a:r>
-          <a:endParaRPr lang="en-US" altLang="zh-CN" sz="1600" kern="1200" dirty="0"/>
+          <a:endParaRPr lang="en-US" altLang="zh-CN" sz="1600" dirty="0">
+            <a:solidFill>
+              <a:schemeClr val="dk1"/>
+            </a:solidFill>
+          </a:endParaRPr>
         </a:p>
         <a:p>
-          <a:pPr marL="171450" lvl="1" indent="-171450" algn="l" defTabSz="711200">
+          <a:pPr marL="171450" lvl="1" indent="-171450">
             <a:lnSpc>
               <a:spcPct val="100000"/>
             </a:lnSpc>
@@ -3283,7 +3313,11 @@
             </a:spcAft>
             <a:buChar char="•"/>
           </a:pPr>
-          <a:endParaRPr lang="en-US" altLang="zh-CN" sz="1600" kern="1200" dirty="0"/>
+          <a:endParaRPr lang="en-US" altLang="zh-CN" sz="1600" dirty="0">
+            <a:solidFill>
+              <a:schemeClr val="dk1"/>
+            </a:solidFill>
+          </a:endParaRPr>
         </a:p>
       </dsp:txBody>
       <dsp:txXfrm>
@@ -3745,7 +3779,6 @@
       <a:camera prst="orthographicFront"/>
       <a:lightRig rig="threePt" dir="t"/>
     </dgm:scene3d>
-    <dgm:sp3d/>
     <dgm:txPr/>
     <dgm:style>
       <a:lnRef idx="1">
@@ -3765,7 +3798,6 @@
       <a:camera prst="orthographicFront"/>
       <a:lightRig rig="threePt" dir="t"/>
     </dgm:scene3d>
-    <dgm:sp3d/>
     <dgm:txPr/>
     <dgm:style>
       <a:lnRef idx="1">
@@ -3785,7 +3817,6 @@
       <a:camera prst="orthographicFront"/>
       <a:lightRig rig="threePt" dir="t"/>
     </dgm:scene3d>
-    <dgm:sp3d/>
     <dgm:txPr/>
     <dgm:style>
       <a:lnRef idx="0">
@@ -3805,7 +3836,6 @@
       <a:camera prst="orthographicFront"/>
       <a:lightRig rig="threePt" dir="t"/>
     </dgm:scene3d>
-    <dgm:sp3d/>
     <dgm:txPr/>
     <dgm:style>
       <a:lnRef idx="1">
@@ -3827,7 +3857,6 @@
       <a:camera prst="orthographicFront"/>
       <a:lightRig rig="threePt" dir="t"/>
     </dgm:scene3d>
-    <dgm:sp3d/>
     <dgm:txPr/>
     <dgm:style>
       <a:lnRef idx="0">
@@ -3849,7 +3878,6 @@
       <a:camera prst="orthographicFront"/>
       <a:lightRig rig="threePt" dir="t"/>
     </dgm:scene3d>
-    <dgm:sp3d/>
     <dgm:txPr/>
     <dgm:style>
       <a:lnRef idx="0">
@@ -3871,7 +3899,6 @@
       <a:camera prst="orthographicFront"/>
       <a:lightRig rig="threePt" dir="t"/>
     </dgm:scene3d>
-    <dgm:sp3d/>
     <dgm:txPr/>
     <dgm:style>
       <a:lnRef idx="0">
@@ -3893,7 +3920,6 @@
       <a:camera prst="orthographicFront"/>
       <a:lightRig rig="threePt" dir="t"/>
     </dgm:scene3d>
-    <dgm:sp3d/>
     <dgm:txPr/>
     <dgm:style>
       <a:lnRef idx="0">
@@ -3915,7 +3941,6 @@
       <a:camera prst="orthographicFront"/>
       <a:lightRig rig="threePt" dir="t"/>
     </dgm:scene3d>
-    <dgm:sp3d/>
     <dgm:txPr/>
     <dgm:style>
       <a:lnRef idx="0">
@@ -3937,7 +3962,6 @@
       <a:camera prst="orthographicFront"/>
       <a:lightRig rig="threePt" dir="t"/>
     </dgm:scene3d>
-    <dgm:sp3d/>
     <dgm:txPr/>
     <dgm:style>
       <a:lnRef idx="1">
@@ -3957,7 +3981,6 @@
       <a:camera prst="orthographicFront"/>
       <a:lightRig rig="threePt" dir="t"/>
     </dgm:scene3d>
-    <dgm:sp3d/>
     <dgm:txPr/>
     <dgm:style>
       <a:lnRef idx="1">
@@ -3977,7 +4000,6 @@
       <a:camera prst="orthographicFront"/>
       <a:lightRig rig="threePt" dir="t"/>
     </dgm:scene3d>
-    <dgm:sp3d/>
     <dgm:txPr/>
     <dgm:style>
       <a:lnRef idx="0">
@@ -3997,7 +4019,6 @@
       <a:camera prst="orthographicFront"/>
       <a:lightRig rig="threePt" dir="t"/>
     </dgm:scene3d>
-    <dgm:sp3d/>
     <dgm:txPr/>
     <dgm:style>
       <a:lnRef idx="0">
@@ -4017,7 +4038,6 @@
       <a:camera prst="orthographicFront"/>
       <a:lightRig rig="threePt" dir="t"/>
     </dgm:scene3d>
-    <dgm:sp3d/>
     <dgm:txPr/>
     <dgm:style>
       <a:lnRef idx="0">
@@ -4039,7 +4059,6 @@
       <a:camera prst="orthographicFront"/>
       <a:lightRig rig="threePt" dir="t"/>
     </dgm:scene3d>
-    <dgm:sp3d/>
     <dgm:txPr/>
     <dgm:style>
       <a:lnRef idx="1">
@@ -4059,7 +4078,6 @@
       <a:camera prst="orthographicFront"/>
       <a:lightRig rig="threePt" dir="t"/>
     </dgm:scene3d>
-    <dgm:sp3d/>
     <dgm:txPr/>
     <dgm:style>
       <a:lnRef idx="1">
@@ -4079,7 +4097,6 @@
       <a:camera prst="orthographicFront"/>
       <a:lightRig rig="threePt" dir="t"/>
     </dgm:scene3d>
-    <dgm:sp3d/>
     <dgm:txPr/>
     <dgm:style>
       <a:lnRef idx="0">
@@ -4099,7 +4116,6 @@
       <a:camera prst="orthographicFront"/>
       <a:lightRig rig="threePt" dir="t"/>
     </dgm:scene3d>
-    <dgm:sp3d/>
     <dgm:txPr/>
     <dgm:style>
       <a:lnRef idx="1">
@@ -4119,7 +4135,6 @@
       <a:camera prst="orthographicFront"/>
       <a:lightRig rig="threePt" dir="t"/>
     </dgm:scene3d>
-    <dgm:sp3d/>
     <dgm:txPr/>
     <dgm:style>
       <a:lnRef idx="1">
@@ -4139,7 +4154,6 @@
       <a:camera prst="orthographicFront"/>
       <a:lightRig rig="threePt" dir="t"/>
     </dgm:scene3d>
-    <dgm:sp3d/>
     <dgm:txPr/>
     <dgm:style>
       <a:lnRef idx="1">
@@ -4159,7 +4173,6 @@
       <a:camera prst="orthographicFront"/>
       <a:lightRig rig="threePt" dir="t"/>
     </dgm:scene3d>
-    <dgm:sp3d/>
     <dgm:txPr/>
     <dgm:style>
       <a:lnRef idx="1">
@@ -4179,7 +4192,6 @@
       <a:camera prst="orthographicFront"/>
       <a:lightRig rig="threePt" dir="t"/>
     </dgm:scene3d>
-    <dgm:sp3d/>
     <dgm:txPr/>
     <dgm:style>
       <a:lnRef idx="1">
@@ -4199,7 +4211,6 @@
       <a:camera prst="orthographicFront"/>
       <a:lightRig rig="threePt" dir="t"/>
     </dgm:scene3d>
-    <dgm:sp3d/>
     <dgm:txPr/>
     <dgm:style>
       <a:lnRef idx="1">
@@ -4219,7 +4230,6 @@
       <a:camera prst="orthographicFront"/>
       <a:lightRig rig="threePt" dir="t"/>
     </dgm:scene3d>
-    <dgm:sp3d/>
     <dgm:txPr/>
     <dgm:style>
       <a:lnRef idx="0">
@@ -4239,7 +4249,6 @@
       <a:camera prst="orthographicFront"/>
       <a:lightRig rig="threePt" dir="t"/>
     </dgm:scene3d>
-    <dgm:sp3d/>
     <dgm:txPr/>
     <dgm:style>
       <a:lnRef idx="0">
@@ -4259,7 +4268,6 @@
       <a:camera prst="orthographicFront"/>
       <a:lightRig rig="threePt" dir="t"/>
     </dgm:scene3d>
-    <dgm:sp3d/>
     <dgm:txPr/>
     <dgm:style>
       <a:lnRef idx="0">
@@ -4281,7 +4289,6 @@
       <a:camera prst="orthographicFront"/>
       <a:lightRig rig="threePt" dir="t"/>
     </dgm:scene3d>
-    <dgm:sp3d/>
     <dgm:txPr/>
     <dgm:style>
       <a:lnRef idx="0">
@@ -4303,7 +4310,6 @@
       <a:camera prst="orthographicFront"/>
       <a:lightRig rig="threePt" dir="t"/>
     </dgm:scene3d>
-    <dgm:sp3d/>
     <dgm:txPr/>
     <dgm:style>
       <a:lnRef idx="0">
@@ -4325,7 +4331,6 @@
       <a:camera prst="orthographicFront"/>
       <a:lightRig rig="threePt" dir="t"/>
     </dgm:scene3d>
-    <dgm:sp3d/>
     <dgm:txPr/>
     <dgm:style>
       <a:lnRef idx="0">
@@ -4347,7 +4352,6 @@
       <a:camera prst="orthographicFront"/>
       <a:lightRig rig="threePt" dir="t"/>
     </dgm:scene3d>
-    <dgm:sp3d/>
     <dgm:txPr/>
     <dgm:style>
       <a:lnRef idx="0">
@@ -4369,7 +4373,6 @@
       <a:camera prst="orthographicFront"/>
       <a:lightRig rig="threePt" dir="t"/>
     </dgm:scene3d>
-    <dgm:sp3d/>
     <dgm:txPr/>
     <dgm:style>
       <a:lnRef idx="0">
@@ -4391,7 +4394,6 @@
       <a:camera prst="orthographicFront"/>
       <a:lightRig rig="threePt" dir="t"/>
     </dgm:scene3d>
-    <dgm:sp3d/>
     <dgm:txPr/>
     <dgm:style>
       <a:lnRef idx="0">
@@ -4413,7 +4415,6 @@
       <a:camera prst="orthographicFront"/>
       <a:lightRig rig="threePt" dir="t"/>
     </dgm:scene3d>
-    <dgm:sp3d/>
     <dgm:txPr/>
     <dgm:style>
       <a:lnRef idx="2">
@@ -4433,7 +4434,6 @@
       <a:camera prst="orthographicFront"/>
       <a:lightRig rig="threePt" dir="t"/>
     </dgm:scene3d>
-    <dgm:sp3d/>
     <dgm:txPr/>
     <dgm:style>
       <a:lnRef idx="2">
@@ -4453,7 +4453,6 @@
       <a:camera prst="orthographicFront"/>
       <a:lightRig rig="threePt" dir="t"/>
     </dgm:scene3d>
-    <dgm:sp3d/>
     <dgm:txPr/>
     <dgm:style>
       <a:lnRef idx="2">
@@ -4473,7 +4472,6 @@
       <a:camera prst="orthographicFront"/>
       <a:lightRig rig="threePt" dir="t"/>
     </dgm:scene3d>
-    <dgm:sp3d/>
     <dgm:txPr/>
     <dgm:style>
       <a:lnRef idx="2">
@@ -4493,7 +4491,6 @@
       <a:camera prst="orthographicFront"/>
       <a:lightRig rig="threePt" dir="t"/>
     </dgm:scene3d>
-    <dgm:sp3d/>
     <dgm:txPr/>
     <dgm:style>
       <a:lnRef idx="0">
@@ -4515,7 +4512,6 @@
       <a:camera prst="orthographicFront"/>
       <a:lightRig rig="threePt" dir="t"/>
     </dgm:scene3d>
-    <dgm:sp3d/>
     <dgm:txPr/>
     <dgm:style>
       <a:lnRef idx="0">
@@ -4537,7 +4533,6 @@
       <a:camera prst="orthographicFront"/>
       <a:lightRig rig="threePt" dir="t"/>
     </dgm:scene3d>
-    <dgm:sp3d/>
     <dgm:txPr/>
     <dgm:style>
       <a:lnRef idx="0">
@@ -4559,7 +4554,6 @@
       <a:camera prst="orthographicFront"/>
       <a:lightRig rig="threePt" dir="t"/>
     </dgm:scene3d>
-    <dgm:sp3d/>
     <dgm:txPr/>
     <dgm:style>
       <a:lnRef idx="0">
@@ -4581,7 +4575,6 @@
       <a:camera prst="orthographicFront"/>
       <a:lightRig rig="threePt" dir="t"/>
     </dgm:scene3d>
-    <dgm:sp3d/>
     <dgm:txPr/>
     <dgm:style>
       <a:lnRef idx="0">
@@ -4601,7 +4594,6 @@
       <a:camera prst="orthographicFront"/>
       <a:lightRig rig="threePt" dir="t"/>
     </dgm:scene3d>
-    <dgm:sp3d/>
     <dgm:txPr/>
     <dgm:style>
       <a:lnRef idx="1">
@@ -4621,7 +4613,6 @@
       <a:camera prst="orthographicFront"/>
       <a:lightRig rig="threePt" dir="t"/>
     </dgm:scene3d>
-    <dgm:sp3d/>
     <dgm:txPr/>
     <dgm:style>
       <a:lnRef idx="0">
@@ -4643,7 +4634,6 @@
       <a:camera prst="orthographicFront"/>
       <a:lightRig rig="threePt" dir="t"/>
     </dgm:scene3d>
-    <dgm:sp3d/>
     <dgm:txPr/>
     <dgm:style>
       <a:lnRef idx="1">
@@ -4663,7 +4653,6 @@
       <a:camera prst="orthographicFront"/>
       <a:lightRig rig="threePt" dir="t"/>
     </dgm:scene3d>
-    <dgm:sp3d/>
     <dgm:txPr/>
     <dgm:style>
       <a:lnRef idx="1">
@@ -4683,7 +4672,6 @@
       <a:camera prst="orthographicFront"/>
       <a:lightRig rig="threePt" dir="t"/>
     </dgm:scene3d>
-    <dgm:sp3d/>
     <dgm:txPr/>
     <dgm:style>
       <a:lnRef idx="1">
@@ -4703,7 +4691,6 @@
       <a:camera prst="orthographicFront"/>
       <a:lightRig rig="threePt" dir="t"/>
     </dgm:scene3d>
-    <dgm:sp3d/>
     <dgm:txPr/>
     <dgm:style>
       <a:lnRef idx="1">
@@ -4723,7 +4710,6 @@
       <a:camera prst="orthographicFront"/>
       <a:lightRig rig="threePt" dir="t"/>
     </dgm:scene3d>
-    <dgm:sp3d/>
     <dgm:txPr/>
     <dgm:style>
       <a:lnRef idx="0">
@@ -4743,7 +4729,6 @@
       <a:camera prst="orthographicFront"/>
       <a:lightRig rig="threePt" dir="t"/>
     </dgm:scene3d>
-    <dgm:sp3d/>
     <dgm:txPr/>
     <dgm:style>
       <a:lnRef idx="0">
@@ -4779,7 +4764,6 @@
       <a:camera prst="orthographicFront"/>
       <a:lightRig rig="threePt" dir="t"/>
     </dgm:scene3d>
-    <dgm:sp3d/>
     <dgm:txPr/>
     <dgm:style>
       <a:lnRef idx="1">
@@ -4799,7 +4783,6 @@
       <a:camera prst="orthographicFront"/>
       <a:lightRig rig="threePt" dir="t"/>
     </dgm:scene3d>
-    <dgm:sp3d/>
     <dgm:txPr/>
     <dgm:style>
       <a:lnRef idx="1">
@@ -4819,7 +4802,6 @@
       <a:camera prst="orthographicFront"/>
       <a:lightRig rig="threePt" dir="t"/>
     </dgm:scene3d>
-    <dgm:sp3d/>
     <dgm:txPr/>
     <dgm:style>
       <a:lnRef idx="0">
@@ -4839,7 +4821,6 @@
       <a:camera prst="orthographicFront"/>
       <a:lightRig rig="threePt" dir="t"/>
     </dgm:scene3d>
-    <dgm:sp3d/>
     <dgm:txPr/>
     <dgm:style>
       <a:lnRef idx="1">
@@ -4861,7 +4842,6 @@
       <a:camera prst="orthographicFront"/>
       <a:lightRig rig="threePt" dir="t"/>
     </dgm:scene3d>
-    <dgm:sp3d/>
     <dgm:txPr/>
     <dgm:style>
       <a:lnRef idx="0">
@@ -4883,7 +4863,6 @@
       <a:camera prst="orthographicFront"/>
       <a:lightRig rig="threePt" dir="t"/>
     </dgm:scene3d>
-    <dgm:sp3d/>
     <dgm:txPr/>
     <dgm:style>
       <a:lnRef idx="0">
@@ -4905,7 +4884,6 @@
       <a:camera prst="orthographicFront"/>
       <a:lightRig rig="threePt" dir="t"/>
     </dgm:scene3d>
-    <dgm:sp3d/>
     <dgm:txPr/>
     <dgm:style>
       <a:lnRef idx="0">
@@ -4927,7 +4905,6 @@
       <a:camera prst="orthographicFront"/>
       <a:lightRig rig="threePt" dir="t"/>
     </dgm:scene3d>
-    <dgm:sp3d/>
     <dgm:txPr/>
     <dgm:style>
       <a:lnRef idx="0">
@@ -4949,7 +4926,6 @@
       <a:camera prst="orthographicFront"/>
       <a:lightRig rig="threePt" dir="t"/>
     </dgm:scene3d>
-    <dgm:sp3d/>
     <dgm:txPr/>
     <dgm:style>
       <a:lnRef idx="0">
@@ -4971,7 +4947,6 @@
       <a:camera prst="orthographicFront"/>
       <a:lightRig rig="threePt" dir="t"/>
     </dgm:scene3d>
-    <dgm:sp3d/>
     <dgm:txPr/>
     <dgm:style>
       <a:lnRef idx="1">
@@ -4991,7 +4966,6 @@
       <a:camera prst="orthographicFront"/>
       <a:lightRig rig="threePt" dir="t"/>
     </dgm:scene3d>
-    <dgm:sp3d/>
     <dgm:txPr/>
     <dgm:style>
       <a:lnRef idx="1">
@@ -5011,7 +4985,6 @@
       <a:camera prst="orthographicFront"/>
       <a:lightRig rig="threePt" dir="t"/>
     </dgm:scene3d>
-    <dgm:sp3d/>
     <dgm:txPr/>
     <dgm:style>
       <a:lnRef idx="0">
@@ -5031,7 +5004,6 @@
       <a:camera prst="orthographicFront"/>
       <a:lightRig rig="threePt" dir="t"/>
     </dgm:scene3d>
-    <dgm:sp3d/>
     <dgm:txPr/>
     <dgm:style>
       <a:lnRef idx="0">
@@ -5051,7 +5023,6 @@
       <a:camera prst="orthographicFront"/>
       <a:lightRig rig="threePt" dir="t"/>
     </dgm:scene3d>
-    <dgm:sp3d/>
     <dgm:txPr/>
     <dgm:style>
       <a:lnRef idx="0">
@@ -5073,7 +5044,6 @@
       <a:camera prst="orthographicFront"/>
       <a:lightRig rig="threePt" dir="t"/>
     </dgm:scene3d>
-    <dgm:sp3d/>
     <dgm:txPr/>
     <dgm:style>
       <a:lnRef idx="1">
@@ -5093,7 +5063,6 @@
       <a:camera prst="orthographicFront"/>
       <a:lightRig rig="threePt" dir="t"/>
     </dgm:scene3d>
-    <dgm:sp3d/>
     <dgm:txPr/>
     <dgm:style>
       <a:lnRef idx="1">
@@ -5113,7 +5082,6 @@
       <a:camera prst="orthographicFront"/>
       <a:lightRig rig="threePt" dir="t"/>
     </dgm:scene3d>
-    <dgm:sp3d/>
     <dgm:txPr/>
     <dgm:style>
       <a:lnRef idx="0">
@@ -5133,7 +5101,6 @@
       <a:camera prst="orthographicFront"/>
       <a:lightRig rig="threePt" dir="t"/>
     </dgm:scene3d>
-    <dgm:sp3d/>
     <dgm:txPr/>
     <dgm:style>
       <a:lnRef idx="1">
@@ -5153,7 +5120,6 @@
       <a:camera prst="orthographicFront"/>
       <a:lightRig rig="threePt" dir="t"/>
     </dgm:scene3d>
-    <dgm:sp3d/>
     <dgm:txPr/>
     <dgm:style>
       <a:lnRef idx="1">
@@ -5173,7 +5139,6 @@
       <a:camera prst="orthographicFront"/>
       <a:lightRig rig="threePt" dir="t"/>
     </dgm:scene3d>
-    <dgm:sp3d/>
     <dgm:txPr/>
     <dgm:style>
       <a:lnRef idx="1">
@@ -5193,7 +5158,6 @@
       <a:camera prst="orthographicFront"/>
       <a:lightRig rig="threePt" dir="t"/>
     </dgm:scene3d>
-    <dgm:sp3d/>
     <dgm:txPr/>
     <dgm:style>
       <a:lnRef idx="1">
@@ -5213,7 +5177,6 @@
       <a:camera prst="orthographicFront"/>
       <a:lightRig rig="threePt" dir="t"/>
     </dgm:scene3d>
-    <dgm:sp3d/>
     <dgm:txPr/>
     <dgm:style>
       <a:lnRef idx="1">
@@ -5233,7 +5196,6 @@
       <a:camera prst="orthographicFront"/>
       <a:lightRig rig="threePt" dir="t"/>
     </dgm:scene3d>
-    <dgm:sp3d/>
     <dgm:txPr/>
     <dgm:style>
       <a:lnRef idx="1">
@@ -5253,7 +5215,6 @@
       <a:camera prst="orthographicFront"/>
       <a:lightRig rig="threePt" dir="t"/>
     </dgm:scene3d>
-    <dgm:sp3d/>
     <dgm:txPr/>
     <dgm:style>
       <a:lnRef idx="0">
@@ -5273,7 +5234,6 @@
       <a:camera prst="orthographicFront"/>
       <a:lightRig rig="threePt" dir="t"/>
     </dgm:scene3d>
-    <dgm:sp3d/>
     <dgm:txPr/>
     <dgm:style>
       <a:lnRef idx="0">
@@ -5293,7 +5253,6 @@
       <a:camera prst="orthographicFront"/>
       <a:lightRig rig="threePt" dir="t"/>
     </dgm:scene3d>
-    <dgm:sp3d/>
     <dgm:txPr/>
     <dgm:style>
       <a:lnRef idx="0">
@@ -5315,7 +5274,6 @@
       <a:camera prst="orthographicFront"/>
       <a:lightRig rig="threePt" dir="t"/>
     </dgm:scene3d>
-    <dgm:sp3d/>
     <dgm:txPr/>
     <dgm:style>
       <a:lnRef idx="0">
@@ -5337,7 +5295,6 @@
       <a:camera prst="orthographicFront"/>
       <a:lightRig rig="threePt" dir="t"/>
     </dgm:scene3d>
-    <dgm:sp3d/>
     <dgm:txPr/>
     <dgm:style>
       <a:lnRef idx="0">
@@ -5359,7 +5316,6 @@
       <a:camera prst="orthographicFront"/>
       <a:lightRig rig="threePt" dir="t"/>
     </dgm:scene3d>
-    <dgm:sp3d/>
     <dgm:txPr/>
     <dgm:style>
       <a:lnRef idx="0">
@@ -5381,7 +5337,6 @@
       <a:camera prst="orthographicFront"/>
       <a:lightRig rig="threePt" dir="t"/>
     </dgm:scene3d>
-    <dgm:sp3d/>
     <dgm:txPr/>
     <dgm:style>
       <a:lnRef idx="0">
@@ -5403,7 +5358,6 @@
       <a:camera prst="orthographicFront"/>
       <a:lightRig rig="threePt" dir="t"/>
     </dgm:scene3d>
-    <dgm:sp3d/>
     <dgm:txPr/>
     <dgm:style>
       <a:lnRef idx="0">
@@ -5425,7 +5379,6 @@
       <a:camera prst="orthographicFront"/>
       <a:lightRig rig="threePt" dir="t"/>
     </dgm:scene3d>
-    <dgm:sp3d/>
     <dgm:txPr/>
     <dgm:style>
       <a:lnRef idx="0">
@@ -5447,7 +5400,6 @@
       <a:camera prst="orthographicFront"/>
       <a:lightRig rig="threePt" dir="t"/>
     </dgm:scene3d>
-    <dgm:sp3d/>
     <dgm:txPr/>
     <dgm:style>
       <a:lnRef idx="2">
@@ -5467,7 +5419,6 @@
       <a:camera prst="orthographicFront"/>
       <a:lightRig rig="threePt" dir="t"/>
     </dgm:scene3d>
-    <dgm:sp3d/>
     <dgm:txPr/>
     <dgm:style>
       <a:lnRef idx="2">
@@ -5487,7 +5438,6 @@
       <a:camera prst="orthographicFront"/>
       <a:lightRig rig="threePt" dir="t"/>
     </dgm:scene3d>
-    <dgm:sp3d/>
     <dgm:txPr/>
     <dgm:style>
       <a:lnRef idx="2">
@@ -5507,7 +5457,6 @@
       <a:camera prst="orthographicFront"/>
       <a:lightRig rig="threePt" dir="t"/>
     </dgm:scene3d>
-    <dgm:sp3d/>
     <dgm:txPr/>
     <dgm:style>
       <a:lnRef idx="2">
@@ -5527,7 +5476,6 @@
       <a:camera prst="orthographicFront"/>
       <a:lightRig rig="threePt" dir="t"/>
     </dgm:scene3d>
-    <dgm:sp3d/>
     <dgm:txPr/>
     <dgm:style>
       <a:lnRef idx="0">
@@ -5549,7 +5497,6 @@
       <a:camera prst="orthographicFront"/>
       <a:lightRig rig="threePt" dir="t"/>
     </dgm:scene3d>
-    <dgm:sp3d/>
     <dgm:txPr/>
     <dgm:style>
       <a:lnRef idx="0">
@@ -5571,7 +5518,6 @@
       <a:camera prst="orthographicFront"/>
       <a:lightRig rig="threePt" dir="t"/>
     </dgm:scene3d>
-    <dgm:sp3d/>
     <dgm:txPr/>
     <dgm:style>
       <a:lnRef idx="0">
@@ -5593,7 +5539,6 @@
       <a:camera prst="orthographicFront"/>
       <a:lightRig rig="threePt" dir="t"/>
     </dgm:scene3d>
-    <dgm:sp3d/>
     <dgm:txPr/>
     <dgm:style>
       <a:lnRef idx="0">
@@ -5615,7 +5560,6 @@
       <a:camera prst="orthographicFront"/>
       <a:lightRig rig="threePt" dir="t"/>
     </dgm:scene3d>
-    <dgm:sp3d/>
     <dgm:txPr/>
     <dgm:style>
       <a:lnRef idx="0">
@@ -5635,7 +5579,6 @@
       <a:camera prst="orthographicFront"/>
       <a:lightRig rig="threePt" dir="t"/>
     </dgm:scene3d>
-    <dgm:sp3d/>
     <dgm:txPr/>
     <dgm:style>
       <a:lnRef idx="1">
@@ -5655,7 +5598,6 @@
       <a:camera prst="orthographicFront"/>
       <a:lightRig rig="threePt" dir="t"/>
     </dgm:scene3d>
-    <dgm:sp3d/>
     <dgm:txPr/>
     <dgm:style>
       <a:lnRef idx="0">
@@ -5677,7 +5619,6 @@
       <a:camera prst="orthographicFront"/>
       <a:lightRig rig="threePt" dir="t"/>
     </dgm:scene3d>
-    <dgm:sp3d/>
     <dgm:txPr/>
     <dgm:style>
       <a:lnRef idx="1">
@@ -5697,7 +5638,6 @@
       <a:camera prst="orthographicFront"/>
       <a:lightRig rig="threePt" dir="t"/>
     </dgm:scene3d>
-    <dgm:sp3d/>
     <dgm:txPr/>
     <dgm:style>
       <a:lnRef idx="1">
@@ -5717,7 +5657,6 @@
       <a:camera prst="orthographicFront"/>
       <a:lightRig rig="threePt" dir="t"/>
     </dgm:scene3d>
-    <dgm:sp3d/>
     <dgm:txPr/>
     <dgm:style>
       <a:lnRef idx="1">
@@ -5737,7 +5676,6 @@
       <a:camera prst="orthographicFront"/>
       <a:lightRig rig="threePt" dir="t"/>
     </dgm:scene3d>
-    <dgm:sp3d/>
     <dgm:txPr/>
     <dgm:style>
       <a:lnRef idx="1">
@@ -5757,7 +5695,6 @@
       <a:camera prst="orthographicFront"/>
       <a:lightRig rig="threePt" dir="t"/>
     </dgm:scene3d>
-    <dgm:sp3d/>
     <dgm:txPr/>
     <dgm:style>
       <a:lnRef idx="0">
@@ -5777,7 +5714,6 @@
       <a:camera prst="orthographicFront"/>
       <a:lightRig rig="threePt" dir="t"/>
     </dgm:scene3d>
-    <dgm:sp3d/>
     <dgm:txPr/>
     <dgm:style>
       <a:lnRef idx="0">
@@ -6136,9 +6072,7 @@
               </a:defRPr>
             </a:lvl9pPr>
           </a:lstStyle>
-          <a:p>
-            <a:endParaRPr/>
-          </a:p>
+          <a:p/>
         </p:txBody>
       </p:sp>
     </p:spTree>
@@ -6377,7 +6311,7 @@
 </file>
 
 <file path=ppt/notesSlides/notesSlide1.xml><?xml version="1.0" encoding="utf-8"?>
-<p:notes xmlns:a="http://schemas.openxmlformats.org/drawingml/2006/main" xmlns:r="http://schemas.openxmlformats.org/officeDocument/2006/relationships" xmlns:p="http://schemas.openxmlformats.org/presentationml/2006/main" showMasterSp="0" showMasterPhAnim="0">
+<p:notes xmlns:a="http://schemas.openxmlformats.org/drawingml/2006/main" xmlns:r="http://schemas.openxmlformats.org/officeDocument/2006/relationships" xmlns:p="http://schemas.openxmlformats.org/presentationml/2006/main" showMasterPhAnim="0" showMasterSp="0">
   <p:cSld>
     <p:spTree>
       <p:nvGrpSpPr>
@@ -6499,7 +6433,7 @@
 </file>
 
 <file path=ppt/notesSlides/notesSlide10.xml><?xml version="1.0" encoding="utf-8"?>
-<p:notes xmlns:a="http://schemas.openxmlformats.org/drawingml/2006/main" xmlns:r="http://schemas.openxmlformats.org/officeDocument/2006/relationships" xmlns:p="http://schemas.openxmlformats.org/presentationml/2006/main" showMasterSp="0" showMasterPhAnim="0">
+<p:notes xmlns:a="http://schemas.openxmlformats.org/drawingml/2006/main" xmlns:r="http://schemas.openxmlformats.org/officeDocument/2006/relationships" xmlns:p="http://schemas.openxmlformats.org/presentationml/2006/main" showMasterPhAnim="0" showMasterSp="0">
   <p:cSld>
     <p:spTree>
       <p:nvGrpSpPr>
@@ -6612,6 +6546,7 @@
               <a:rPr lang="en-US" altLang="zh-CN" dirty="0"/>
               <a:t>we will address this topic through the following four aspects, and will discuss several key questions among them.</a:t>
             </a:r>
+            <a:endParaRPr lang="en-US" altLang="zh-CN" dirty="0"/>
           </a:p>
         </p:txBody>
       </p:sp>
@@ -6624,7 +6559,7 @@
 </file>
 
 <file path=ppt/notesSlides/notesSlide11.xml><?xml version="1.0" encoding="utf-8"?>
-<p:notes xmlns:a="http://schemas.openxmlformats.org/drawingml/2006/main" xmlns:r="http://schemas.openxmlformats.org/officeDocument/2006/relationships" xmlns:p="http://schemas.openxmlformats.org/presentationml/2006/main" showMasterSp="0" showMasterPhAnim="0">
+<p:notes xmlns:a="http://schemas.openxmlformats.org/drawingml/2006/main" xmlns:r="http://schemas.openxmlformats.org/officeDocument/2006/relationships" xmlns:p="http://schemas.openxmlformats.org/presentationml/2006/main" showMasterPhAnim="0" showMasterSp="0">
   <p:cSld>
     <p:spTree>
       <p:nvGrpSpPr>
@@ -6737,6 +6672,7 @@
               <a:rPr lang="en-US" altLang="zh-CN" dirty="0"/>
               <a:t>we will address this topic through the following four aspects, and will discuss several key questions among them.</a:t>
             </a:r>
+            <a:endParaRPr lang="en-US" altLang="zh-CN" dirty="0"/>
           </a:p>
         </p:txBody>
       </p:sp>
@@ -6749,7 +6685,7 @@
 </file>
 
 <file path=ppt/notesSlides/notesSlide12.xml><?xml version="1.0" encoding="utf-8"?>
-<p:notes xmlns:a="http://schemas.openxmlformats.org/drawingml/2006/main" xmlns:r="http://schemas.openxmlformats.org/officeDocument/2006/relationships" xmlns:p="http://schemas.openxmlformats.org/presentationml/2006/main" showMasterSp="0" showMasterPhAnim="0">
+<p:notes xmlns:a="http://schemas.openxmlformats.org/drawingml/2006/main" xmlns:r="http://schemas.openxmlformats.org/officeDocument/2006/relationships" xmlns:p="http://schemas.openxmlformats.org/presentationml/2006/main" showMasterPhAnim="0" showMasterSp="0">
   <p:cSld>
     <p:spTree>
       <p:nvGrpSpPr>
@@ -6871,7 +6807,7 @@
 </file>
 
 <file path=ppt/notesSlides/notesSlide13.xml><?xml version="1.0" encoding="utf-8"?>
-<p:notes xmlns:a="http://schemas.openxmlformats.org/drawingml/2006/main" xmlns:r="http://schemas.openxmlformats.org/officeDocument/2006/relationships" xmlns:p="http://schemas.openxmlformats.org/presentationml/2006/main" showMasterSp="0" showMasterPhAnim="0">
+<p:notes xmlns:a="http://schemas.openxmlformats.org/drawingml/2006/main" xmlns:r="http://schemas.openxmlformats.org/officeDocument/2006/relationships" xmlns:p="http://schemas.openxmlformats.org/presentationml/2006/main" showMasterPhAnim="0" showMasterSp="0">
   <p:cSld>
     <p:spTree>
       <p:nvGrpSpPr>
@@ -6984,6 +6920,7 @@
               <a:rPr lang="en-US" altLang="zh-CN" dirty="0"/>
               <a:t>we will address this topic through the following four aspects, and will discuss several key questions among them.</a:t>
             </a:r>
+            <a:endParaRPr lang="en-US" altLang="zh-CN" dirty="0"/>
           </a:p>
         </p:txBody>
       </p:sp>
@@ -6996,7 +6933,7 @@
 </file>
 
 <file path=ppt/notesSlides/notesSlide14.xml><?xml version="1.0" encoding="utf-8"?>
-<p:notes xmlns:a="http://schemas.openxmlformats.org/drawingml/2006/main" xmlns:r="http://schemas.openxmlformats.org/officeDocument/2006/relationships" xmlns:p="http://schemas.openxmlformats.org/presentationml/2006/main" showMasterSp="0" showMasterPhAnim="0">
+<p:notes xmlns:a="http://schemas.openxmlformats.org/drawingml/2006/main" xmlns:r="http://schemas.openxmlformats.org/officeDocument/2006/relationships" xmlns:p="http://schemas.openxmlformats.org/presentationml/2006/main" showMasterPhAnim="0" showMasterSp="0">
   <p:cSld>
     <p:spTree>
       <p:nvGrpSpPr>
@@ -7109,6 +7046,7 @@
               <a:rPr lang="en-US" altLang="zh-CN" dirty="0"/>
               <a:t>we will address this topic through the following four aspects, and will discuss several key questions among them.</a:t>
             </a:r>
+            <a:endParaRPr lang="en-US" altLang="zh-CN" dirty="0"/>
           </a:p>
         </p:txBody>
       </p:sp>
@@ -7121,155 +7059,7 @@
 </file>
 
 <file path=ppt/notesSlides/notesSlide15.xml><?xml version="1.0" encoding="utf-8"?>
-<p:notes xmlns:a="http://schemas.openxmlformats.org/drawingml/2006/main" xmlns:r="http://schemas.openxmlformats.org/officeDocument/2006/relationships" xmlns:p="http://schemas.openxmlformats.org/presentationml/2006/main" showMasterSp="0" showMasterPhAnim="0">
-  <p:cSld>
-    <p:spTree>
-      <p:nvGrpSpPr>
-        <p:cNvPr id="1" name="Shape 74">
-          <a:extLst>
-            <a:ext uri="{FF2B5EF4-FFF2-40B4-BE49-F238E27FC236}">
-              <a16:creationId xmlns:a16="http://schemas.microsoft.com/office/drawing/2014/main" id="{920B9257-230C-228D-C83A-66EA4D33D2DD}"/>
-            </a:ext>
-          </a:extLst>
-        </p:cNvPr>
-        <p:cNvGrpSpPr/>
-        <p:nvPr/>
-      </p:nvGrpSpPr>
-      <p:grpSpPr>
-        <a:xfrm>
-          <a:off x="0" y="0"/>
-          <a:ext cx="0" cy="0"/>
-          <a:chOff x="0" y="0"/>
-          <a:chExt cx="0" cy="0"/>
-        </a:xfrm>
-      </p:grpSpPr>
-      <p:sp>
-        <p:nvSpPr>
-          <p:cNvPr id="75" name="Google Shape;75;p2:notes">
-            <a:extLst>
-              <a:ext uri="{FF2B5EF4-FFF2-40B4-BE49-F238E27FC236}">
-                <a16:creationId xmlns:a16="http://schemas.microsoft.com/office/drawing/2014/main" id="{6FC909AC-D35C-DF9A-374C-A4E8D753CF31}"/>
-              </a:ext>
-            </a:extLst>
-          </p:cNvPr>
-          <p:cNvSpPr>
-            <a:spLocks noGrp="1" noRot="1" noChangeAspect="1"/>
-          </p:cNvSpPr>
-          <p:nvPr>
-            <p:ph type="sldImg" idx="2"/>
-          </p:nvPr>
-        </p:nvSpPr>
-        <p:spPr>
-          <a:xfrm>
-            <a:off x="381000" y="685800"/>
-            <a:ext cx="6096000" cy="3429000"/>
-          </a:xfrm>
-          <a:custGeom>
-            <a:avLst/>
-            <a:gdLst/>
-            <a:ahLst/>
-            <a:cxnLst/>
-            <a:rect l="l" t="t" r="r" b="b"/>
-            <a:pathLst>
-              <a:path w="120000" h="120000" extrusionOk="0">
-                <a:moveTo>
-                  <a:pt x="0" y="0"/>
-                </a:moveTo>
-                <a:lnTo>
-                  <a:pt x="120000" y="0"/>
-                </a:lnTo>
-                <a:lnTo>
-                  <a:pt x="120000" y="120000"/>
-                </a:lnTo>
-                <a:lnTo>
-                  <a:pt x="0" y="120000"/>
-                </a:lnTo>
-                <a:close/>
-              </a:path>
-            </a:pathLst>
-          </a:custGeom>
-          <a:noFill/>
-          <a:ln w="9525" cap="flat" cmpd="sng">
-            <a:solidFill>
-              <a:srgbClr val="000000"/>
-            </a:solidFill>
-            <a:prstDash val="solid"/>
-            <a:round/>
-            <a:headEnd type="none" w="sm" len="sm"/>
-            <a:tailEnd type="none" w="sm" len="sm"/>
-          </a:ln>
-        </p:spPr>
-      </p:sp>
-      <p:sp>
-        <p:nvSpPr>
-          <p:cNvPr id="76" name="Google Shape;76;p2:notes">
-            <a:extLst>
-              <a:ext uri="{FF2B5EF4-FFF2-40B4-BE49-F238E27FC236}">
-                <a16:creationId xmlns:a16="http://schemas.microsoft.com/office/drawing/2014/main" id="{FC7C5A39-75F5-454C-9318-7C609298A684}"/>
-              </a:ext>
-            </a:extLst>
-          </p:cNvPr>
-          <p:cNvSpPr txBox="1">
-            <a:spLocks noGrp="1"/>
-          </p:cNvSpPr>
-          <p:nvPr>
-            <p:ph type="body" idx="1"/>
-          </p:nvPr>
-        </p:nvSpPr>
-        <p:spPr>
-          <a:xfrm>
-            <a:off x="685800" y="4343400"/>
-            <a:ext cx="5486400" cy="4114800"/>
-          </a:xfrm>
-          <a:prstGeom prst="rect">
-            <a:avLst/>
-          </a:prstGeom>
-          <a:noFill/>
-          <a:ln>
-            <a:noFill/>
-          </a:ln>
-        </p:spPr>
-        <p:txBody>
-          <a:bodyPr spcFirstLastPara="1" wrap="square" lIns="91425" tIns="91425" rIns="91425" bIns="91425" anchor="t" anchorCtr="0">
-            <a:noAutofit/>
-          </a:bodyPr>
-          <a:lstStyle/>
-          <a:p>
-            <a:pPr marL="457200" lvl="0" indent="-228600" algn="l" rtl="0">
-              <a:lnSpc>
-                <a:spcPct val="100000"/>
-              </a:lnSpc>
-              <a:spcBef>
-                <a:spcPts val="0"/>
-              </a:spcBef>
-              <a:spcAft>
-                <a:spcPts val="0"/>
-              </a:spcAft>
-              <a:buSzPts val="1100"/>
-              <a:buNone/>
-            </a:pPr>
-            <a:r>
-              <a:rPr lang="en-US" altLang="zh-CN" dirty="0"/>
-              <a:t>we will address this topic through the following four aspects, and will discuss several key questions among them.</a:t>
-            </a:r>
-          </a:p>
-        </p:txBody>
-      </p:sp>
-    </p:spTree>
-    <p:extLst>
-      <p:ext uri="{BB962C8B-B14F-4D97-AF65-F5344CB8AC3E}">
-        <p14:creationId xmlns:p14="http://schemas.microsoft.com/office/powerpoint/2010/main" val="2846982126"/>
-      </p:ext>
-    </p:extLst>
-  </p:cSld>
-  <p:clrMapOvr>
-    <a:masterClrMapping/>
-  </p:clrMapOvr>
-</p:notes>
-</file>
-
-<file path=ppt/notesSlides/notesSlide16.xml><?xml version="1.0" encoding="utf-8"?>
-<p:notes xmlns:a="http://schemas.openxmlformats.org/drawingml/2006/main" xmlns:r="http://schemas.openxmlformats.org/officeDocument/2006/relationships" xmlns:p="http://schemas.openxmlformats.org/presentationml/2006/main" showMasterSp="0" showMasterPhAnim="0">
+<p:notes xmlns:a="http://schemas.openxmlformats.org/drawingml/2006/main" xmlns:r="http://schemas.openxmlformats.org/officeDocument/2006/relationships" xmlns:p="http://schemas.openxmlformats.org/presentationml/2006/main" showMasterPhAnim="0" showMasterSp="0">
   <p:cSld>
     <p:spTree>
       <p:nvGrpSpPr>
@@ -7382,6 +7172,7 @@
               <a:rPr lang="en-US" altLang="zh-CN" dirty="0"/>
               <a:t>we will address this topic through the following four aspects, and will discuss several key questions among them.</a:t>
             </a:r>
+            <a:endParaRPr lang="en-US" altLang="zh-CN" dirty="0"/>
           </a:p>
         </p:txBody>
       </p:sp>
@@ -7393,130 +7184,8 @@
 </p:notes>
 </file>
 
-<file path=ppt/notesSlides/notesSlide17.xml><?xml version="1.0" encoding="utf-8"?>
-<p:notes xmlns:a="http://schemas.openxmlformats.org/drawingml/2006/main" xmlns:r="http://schemas.openxmlformats.org/officeDocument/2006/relationships" xmlns:p="http://schemas.openxmlformats.org/presentationml/2006/main" showMasterSp="0" showMasterPhAnim="0">
-  <p:cSld>
-    <p:spTree>
-      <p:nvGrpSpPr>
-        <p:cNvPr id="1" name="Shape 66"/>
-        <p:cNvGrpSpPr/>
-        <p:nvPr/>
-      </p:nvGrpSpPr>
-      <p:grpSpPr>
-        <a:xfrm>
-          <a:off x="0" y="0"/>
-          <a:ext cx="0" cy="0"/>
-          <a:chOff x="0" y="0"/>
-          <a:chExt cx="0" cy="0"/>
-        </a:xfrm>
-      </p:grpSpPr>
-      <p:sp>
-        <p:nvSpPr>
-          <p:cNvPr id="67" name="Google Shape;67;p1:notes"/>
-          <p:cNvSpPr txBox="1">
-            <a:spLocks noGrp="1"/>
-          </p:cNvSpPr>
-          <p:nvPr>
-            <p:ph type="body" idx="1"/>
-          </p:nvPr>
-        </p:nvSpPr>
-        <p:spPr>
-          <a:xfrm>
-            <a:off x="685800" y="4400550"/>
-            <a:ext cx="5486400" cy="3600600"/>
-          </a:xfrm>
-          <a:prstGeom prst="rect">
-            <a:avLst/>
-          </a:prstGeom>
-          <a:noFill/>
-          <a:ln>
-            <a:noFill/>
-          </a:ln>
-        </p:spPr>
-        <p:txBody>
-          <a:bodyPr spcFirstLastPara="1" wrap="square" lIns="91425" tIns="91425" rIns="91425" bIns="91425" anchor="t" anchorCtr="0">
-            <a:noAutofit/>
-          </a:bodyPr>
-          <a:lstStyle/>
-          <a:p>
-            <a:pPr marL="0" lvl="0" indent="0" algn="l" rtl="0">
-              <a:lnSpc>
-                <a:spcPct val="100000"/>
-              </a:lnSpc>
-              <a:spcBef>
-                <a:spcPts val="0"/>
-              </a:spcBef>
-              <a:spcAft>
-                <a:spcPts val="0"/>
-              </a:spcAft>
-              <a:buSzPts val="1100"/>
-              <a:buNone/>
-            </a:pPr>
-            <a:endParaRPr dirty="0"/>
-          </a:p>
-        </p:txBody>
-      </p:sp>
-      <p:sp>
-        <p:nvSpPr>
-          <p:cNvPr id="68" name="Google Shape;68;p1:notes"/>
-          <p:cNvSpPr>
-            <a:spLocks noGrp="1" noRot="1" noChangeAspect="1"/>
-          </p:cNvSpPr>
-          <p:nvPr>
-            <p:ph type="sldImg" idx="2"/>
-          </p:nvPr>
-        </p:nvSpPr>
-        <p:spPr>
-          <a:xfrm>
-            <a:off x="685800" y="1143000"/>
-            <a:ext cx="5486400" cy="3086100"/>
-          </a:xfrm>
-          <a:custGeom>
-            <a:avLst/>
-            <a:gdLst/>
-            <a:ahLst/>
-            <a:cxnLst/>
-            <a:rect l="l" t="t" r="r" b="b"/>
-            <a:pathLst>
-              <a:path w="120000" h="120000" extrusionOk="0">
-                <a:moveTo>
-                  <a:pt x="0" y="0"/>
-                </a:moveTo>
-                <a:lnTo>
-                  <a:pt x="120000" y="0"/>
-                </a:lnTo>
-                <a:lnTo>
-                  <a:pt x="120000" y="120000"/>
-                </a:lnTo>
-                <a:lnTo>
-                  <a:pt x="0" y="120000"/>
-                </a:lnTo>
-                <a:close/>
-              </a:path>
-            </a:pathLst>
-          </a:custGeom>
-          <a:noFill/>
-          <a:ln w="9525" cap="flat" cmpd="sng">
-            <a:solidFill>
-              <a:srgbClr val="000000"/>
-            </a:solidFill>
-            <a:prstDash val="solid"/>
-            <a:round/>
-            <a:headEnd type="none" w="sm" len="sm"/>
-            <a:tailEnd type="none" w="sm" len="sm"/>
-          </a:ln>
-        </p:spPr>
-      </p:sp>
-    </p:spTree>
-  </p:cSld>
-  <p:clrMapOvr>
-    <a:masterClrMapping/>
-  </p:clrMapOvr>
-</p:notes>
-</file>
-
-<file path=ppt/notesSlides/notesSlide2.xml><?xml version="1.0" encoding="utf-8"?>
-<p:notes xmlns:a="http://schemas.openxmlformats.org/drawingml/2006/main" xmlns:r="http://schemas.openxmlformats.org/officeDocument/2006/relationships" xmlns:p="http://schemas.openxmlformats.org/presentationml/2006/main" showMasterSp="0" showMasterPhAnim="0">
+<file path=ppt/notesSlides/notesSlide16.xml><?xml version="1.0" encoding="utf-8"?>
+<p:notes xmlns:a="http://schemas.openxmlformats.org/drawingml/2006/main" xmlns:r="http://schemas.openxmlformats.org/officeDocument/2006/relationships" xmlns:p="http://schemas.openxmlformats.org/presentationml/2006/main" showMasterPhAnim="0" showMasterSp="0">
   <p:cSld>
     <p:spTree>
       <p:nvGrpSpPr>
@@ -7629,6 +7298,7 @@
               <a:rPr lang="en-US" altLang="zh-CN" dirty="0"/>
               <a:t>we will address this topic through the following four aspects, and will discuss several key questions among them.</a:t>
             </a:r>
+            <a:endParaRPr lang="en-US" altLang="zh-CN" dirty="0"/>
           </a:p>
         </p:txBody>
       </p:sp>
@@ -7640,8 +7310,130 @@
 </p:notes>
 </file>
 
-<file path=ppt/notesSlides/notesSlide3.xml><?xml version="1.0" encoding="utf-8"?>
-<p:notes xmlns:a="http://schemas.openxmlformats.org/drawingml/2006/main" xmlns:r="http://schemas.openxmlformats.org/officeDocument/2006/relationships" xmlns:p="http://schemas.openxmlformats.org/presentationml/2006/main" showMasterSp="0" showMasterPhAnim="0">
+<file path=ppt/notesSlides/notesSlide17.xml><?xml version="1.0" encoding="utf-8"?>
+<p:notes xmlns:a="http://schemas.openxmlformats.org/drawingml/2006/main" xmlns:r="http://schemas.openxmlformats.org/officeDocument/2006/relationships" xmlns:p="http://schemas.openxmlformats.org/presentationml/2006/main" showMasterPhAnim="0" showMasterSp="0">
+  <p:cSld>
+    <p:spTree>
+      <p:nvGrpSpPr>
+        <p:cNvPr id="1" name="Shape 66"/>
+        <p:cNvGrpSpPr/>
+        <p:nvPr/>
+      </p:nvGrpSpPr>
+      <p:grpSpPr>
+        <a:xfrm>
+          <a:off x="0" y="0"/>
+          <a:ext cx="0" cy="0"/>
+          <a:chOff x="0" y="0"/>
+          <a:chExt cx="0" cy="0"/>
+        </a:xfrm>
+      </p:grpSpPr>
+      <p:sp>
+        <p:nvSpPr>
+          <p:cNvPr id="67" name="Google Shape;67;p1:notes"/>
+          <p:cNvSpPr txBox="1">
+            <a:spLocks noGrp="1"/>
+          </p:cNvSpPr>
+          <p:nvPr>
+            <p:ph type="body" idx="1"/>
+          </p:nvPr>
+        </p:nvSpPr>
+        <p:spPr>
+          <a:xfrm>
+            <a:off x="685800" y="4400550"/>
+            <a:ext cx="5486400" cy="3600600"/>
+          </a:xfrm>
+          <a:prstGeom prst="rect">
+            <a:avLst/>
+          </a:prstGeom>
+          <a:noFill/>
+          <a:ln>
+            <a:noFill/>
+          </a:ln>
+        </p:spPr>
+        <p:txBody>
+          <a:bodyPr spcFirstLastPara="1" wrap="square" lIns="91425" tIns="91425" rIns="91425" bIns="91425" anchor="t" anchorCtr="0">
+            <a:noAutofit/>
+          </a:bodyPr>
+          <a:lstStyle/>
+          <a:p>
+            <a:pPr marL="0" lvl="0" indent="0" algn="l" rtl="0">
+              <a:lnSpc>
+                <a:spcPct val="100000"/>
+              </a:lnSpc>
+              <a:spcBef>
+                <a:spcPts val="0"/>
+              </a:spcBef>
+              <a:spcAft>
+                <a:spcPts val="0"/>
+              </a:spcAft>
+              <a:buSzPts val="1100"/>
+              <a:buNone/>
+            </a:pPr>
+            <a:endParaRPr dirty="0"/>
+          </a:p>
+        </p:txBody>
+      </p:sp>
+      <p:sp>
+        <p:nvSpPr>
+          <p:cNvPr id="68" name="Google Shape;68;p1:notes"/>
+          <p:cNvSpPr>
+            <a:spLocks noGrp="1" noRot="1" noChangeAspect="1"/>
+          </p:cNvSpPr>
+          <p:nvPr>
+            <p:ph type="sldImg" idx="2"/>
+          </p:nvPr>
+        </p:nvSpPr>
+        <p:spPr>
+          <a:xfrm>
+            <a:off x="685800" y="1143000"/>
+            <a:ext cx="5486400" cy="3086100"/>
+          </a:xfrm>
+          <a:custGeom>
+            <a:avLst/>
+            <a:gdLst/>
+            <a:ahLst/>
+            <a:cxnLst/>
+            <a:rect l="l" t="t" r="r" b="b"/>
+            <a:pathLst>
+              <a:path w="120000" h="120000" extrusionOk="0">
+                <a:moveTo>
+                  <a:pt x="0" y="0"/>
+                </a:moveTo>
+                <a:lnTo>
+                  <a:pt x="120000" y="0"/>
+                </a:lnTo>
+                <a:lnTo>
+                  <a:pt x="120000" y="120000"/>
+                </a:lnTo>
+                <a:lnTo>
+                  <a:pt x="0" y="120000"/>
+                </a:lnTo>
+                <a:close/>
+              </a:path>
+            </a:pathLst>
+          </a:custGeom>
+          <a:noFill/>
+          <a:ln w="9525" cap="flat" cmpd="sng">
+            <a:solidFill>
+              <a:srgbClr val="000000"/>
+            </a:solidFill>
+            <a:prstDash val="solid"/>
+            <a:round/>
+            <a:headEnd type="none" w="sm" len="sm"/>
+            <a:tailEnd type="none" w="sm" len="sm"/>
+          </a:ln>
+        </p:spPr>
+      </p:sp>
+    </p:spTree>
+  </p:cSld>
+  <p:clrMapOvr>
+    <a:masterClrMapping/>
+  </p:clrMapOvr>
+</p:notes>
+</file>
+
+<file path=ppt/notesSlides/notesSlide2.xml><?xml version="1.0" encoding="utf-8"?>
+<p:notes xmlns:a="http://schemas.openxmlformats.org/drawingml/2006/main" xmlns:r="http://schemas.openxmlformats.org/officeDocument/2006/relationships" xmlns:p="http://schemas.openxmlformats.org/presentationml/2006/main" showMasterPhAnim="0" showMasterSp="0">
   <p:cSld>
     <p:spTree>
       <p:nvGrpSpPr>
@@ -7754,6 +7546,7 @@
               <a:rPr lang="en-US" altLang="zh-CN" dirty="0"/>
               <a:t>we will address this topic through the following four aspects, and will discuss several key questions among them.</a:t>
             </a:r>
+            <a:endParaRPr lang="en-US" altLang="zh-CN" dirty="0"/>
           </a:p>
         </p:txBody>
       </p:sp>
@@ -7765,8 +7558,8 @@
 </p:notes>
 </file>
 
-<file path=ppt/notesSlides/notesSlide4.xml><?xml version="1.0" encoding="utf-8"?>
-<p:notes xmlns:a="http://schemas.openxmlformats.org/drawingml/2006/main" xmlns:r="http://schemas.openxmlformats.org/officeDocument/2006/relationships" xmlns:p="http://schemas.openxmlformats.org/presentationml/2006/main" showMasterSp="0" showMasterPhAnim="0">
+<file path=ppt/notesSlides/notesSlide3.xml><?xml version="1.0" encoding="utf-8"?>
+<p:notes xmlns:a="http://schemas.openxmlformats.org/drawingml/2006/main" xmlns:r="http://schemas.openxmlformats.org/officeDocument/2006/relationships" xmlns:p="http://schemas.openxmlformats.org/presentationml/2006/main" showMasterPhAnim="0" showMasterSp="0">
   <p:cSld>
     <p:spTree>
       <p:nvGrpSpPr>
@@ -7879,6 +7672,7 @@
               <a:rPr lang="en-US" altLang="zh-CN" dirty="0"/>
               <a:t>we will address this topic through the following four aspects, and will discuss several key questions among them.</a:t>
             </a:r>
+            <a:endParaRPr lang="en-US" altLang="zh-CN" dirty="0"/>
           </a:p>
         </p:txBody>
       </p:sp>
@@ -7890,8 +7684,8 @@
 </p:notes>
 </file>
 
-<file path=ppt/notesSlides/notesSlide5.xml><?xml version="1.0" encoding="utf-8"?>
-<p:notes xmlns:a="http://schemas.openxmlformats.org/drawingml/2006/main" xmlns:r="http://schemas.openxmlformats.org/officeDocument/2006/relationships" xmlns:p="http://schemas.openxmlformats.org/presentationml/2006/main" showMasterSp="0" showMasterPhAnim="0">
+<file path=ppt/notesSlides/notesSlide4.xml><?xml version="1.0" encoding="utf-8"?>
+<p:notes xmlns:a="http://schemas.openxmlformats.org/drawingml/2006/main" xmlns:r="http://schemas.openxmlformats.org/officeDocument/2006/relationships" xmlns:p="http://schemas.openxmlformats.org/presentationml/2006/main" showMasterPhAnim="0" showMasterSp="0">
   <p:cSld>
     <p:spTree>
       <p:nvGrpSpPr>
@@ -8004,6 +7798,7 @@
               <a:rPr lang="en-US" altLang="zh-CN" dirty="0"/>
               <a:t>we will address this topic through the following four aspects, and will discuss several key questions among them.</a:t>
             </a:r>
+            <a:endParaRPr lang="en-US" altLang="zh-CN" dirty="0"/>
           </a:p>
         </p:txBody>
       </p:sp>
@@ -8015,8 +7810,8 @@
 </p:notes>
 </file>
 
-<file path=ppt/notesSlides/notesSlide6.xml><?xml version="1.0" encoding="utf-8"?>
-<p:notes xmlns:a="http://schemas.openxmlformats.org/drawingml/2006/main" xmlns:r="http://schemas.openxmlformats.org/officeDocument/2006/relationships" xmlns:p="http://schemas.openxmlformats.org/presentationml/2006/main" showMasterSp="0" showMasterPhAnim="0">
+<file path=ppt/notesSlides/notesSlide5.xml><?xml version="1.0" encoding="utf-8"?>
+<p:notes xmlns:a="http://schemas.openxmlformats.org/drawingml/2006/main" xmlns:r="http://schemas.openxmlformats.org/officeDocument/2006/relationships" xmlns:p="http://schemas.openxmlformats.org/presentationml/2006/main" showMasterPhAnim="0" showMasterSp="0">
   <p:cSld>
     <p:spTree>
       <p:nvGrpSpPr>
@@ -8129,6 +7924,7 @@
               <a:rPr lang="en-US" altLang="zh-CN" dirty="0"/>
               <a:t>we will address this topic through the following four aspects, and will discuss several key questions among them.</a:t>
             </a:r>
+            <a:endParaRPr lang="en-US" altLang="zh-CN" dirty="0"/>
           </a:p>
         </p:txBody>
       </p:sp>
@@ -8140,8 +7936,8 @@
 </p:notes>
 </file>
 
-<file path=ppt/notesSlides/notesSlide7.xml><?xml version="1.0" encoding="utf-8"?>
-<p:notes xmlns:a="http://schemas.openxmlformats.org/drawingml/2006/main" xmlns:r="http://schemas.openxmlformats.org/officeDocument/2006/relationships" xmlns:p="http://schemas.openxmlformats.org/presentationml/2006/main" showMasterSp="0" showMasterPhAnim="0">
+<file path=ppt/notesSlides/notesSlide6.xml><?xml version="1.0" encoding="utf-8"?>
+<p:notes xmlns:a="http://schemas.openxmlformats.org/drawingml/2006/main" xmlns:r="http://schemas.openxmlformats.org/officeDocument/2006/relationships" xmlns:p="http://schemas.openxmlformats.org/presentationml/2006/main" showMasterPhAnim="0" showMasterSp="0">
   <p:cSld>
     <p:spTree>
       <p:nvGrpSpPr>
@@ -8254,6 +8050,7 @@
               <a:rPr lang="en-US" altLang="zh-CN" dirty="0"/>
               <a:t>we will address this topic through the following four aspects, and will discuss several key questions among them.</a:t>
             </a:r>
+            <a:endParaRPr lang="en-US" altLang="zh-CN" dirty="0"/>
           </a:p>
         </p:txBody>
       </p:sp>
@@ -8265,156 +8062,8 @@
 </p:notes>
 </file>
 
-<file path=ppt/notesSlides/notesSlide8.xml><?xml version="1.0" encoding="utf-8"?>
-<p:notes xmlns:a="http://schemas.openxmlformats.org/drawingml/2006/main" xmlns:r="http://schemas.openxmlformats.org/officeDocument/2006/relationships" xmlns:p="http://schemas.openxmlformats.org/presentationml/2006/main" showMasterSp="0" showMasterPhAnim="0">
-  <p:cSld>
-    <p:spTree>
-      <p:nvGrpSpPr>
-        <p:cNvPr id="1" name="Shape 74">
-          <a:extLst>
-            <a:ext uri="{FF2B5EF4-FFF2-40B4-BE49-F238E27FC236}">
-              <a16:creationId xmlns:a16="http://schemas.microsoft.com/office/drawing/2014/main" id="{F49C3EFC-1F33-52A0-A93D-870026F1FC07}"/>
-            </a:ext>
-          </a:extLst>
-        </p:cNvPr>
-        <p:cNvGrpSpPr/>
-        <p:nvPr/>
-      </p:nvGrpSpPr>
-      <p:grpSpPr>
-        <a:xfrm>
-          <a:off x="0" y="0"/>
-          <a:ext cx="0" cy="0"/>
-          <a:chOff x="0" y="0"/>
-          <a:chExt cx="0" cy="0"/>
-        </a:xfrm>
-      </p:grpSpPr>
-      <p:sp>
-        <p:nvSpPr>
-          <p:cNvPr id="75" name="Google Shape;75;p2:notes">
-            <a:extLst>
-              <a:ext uri="{FF2B5EF4-FFF2-40B4-BE49-F238E27FC236}">
-                <a16:creationId xmlns:a16="http://schemas.microsoft.com/office/drawing/2014/main" id="{E16B7F51-D048-6EFF-9512-D14EEB565E8D}"/>
-              </a:ext>
-            </a:extLst>
-          </p:cNvPr>
-          <p:cNvSpPr>
-            <a:spLocks noGrp="1" noRot="1" noChangeAspect="1"/>
-          </p:cNvSpPr>
-          <p:nvPr>
-            <p:ph type="sldImg" idx="2"/>
-          </p:nvPr>
-        </p:nvSpPr>
-        <p:spPr>
-          <a:xfrm>
-            <a:off x="381000" y="685800"/>
-            <a:ext cx="6096000" cy="3429000"/>
-          </a:xfrm>
-          <a:custGeom>
-            <a:avLst/>
-            <a:gdLst/>
-            <a:ahLst/>
-            <a:cxnLst/>
-            <a:rect l="l" t="t" r="r" b="b"/>
-            <a:pathLst>
-              <a:path w="120000" h="120000" extrusionOk="0">
-                <a:moveTo>
-                  <a:pt x="0" y="0"/>
-                </a:moveTo>
-                <a:lnTo>
-                  <a:pt x="120000" y="0"/>
-                </a:lnTo>
-                <a:lnTo>
-                  <a:pt x="120000" y="120000"/>
-                </a:lnTo>
-                <a:lnTo>
-                  <a:pt x="0" y="120000"/>
-                </a:lnTo>
-                <a:close/>
-              </a:path>
-            </a:pathLst>
-          </a:custGeom>
-          <a:noFill/>
-          <a:ln w="9525" cap="flat" cmpd="sng">
-            <a:solidFill>
-              <a:srgbClr val="000000"/>
-            </a:solidFill>
-            <a:prstDash val="solid"/>
-            <a:round/>
-            <a:headEnd type="none" w="sm" len="sm"/>
-            <a:tailEnd type="none" w="sm" len="sm"/>
-          </a:ln>
-        </p:spPr>
-      </p:sp>
-      <p:sp>
-        <p:nvSpPr>
-          <p:cNvPr id="76" name="Google Shape;76;p2:notes">
-            <a:extLst>
-              <a:ext uri="{FF2B5EF4-FFF2-40B4-BE49-F238E27FC236}">
-                <a16:creationId xmlns:a16="http://schemas.microsoft.com/office/drawing/2014/main" id="{43DA59A0-CBD5-1C24-9C41-41B5C7F7BA90}"/>
-              </a:ext>
-            </a:extLst>
-          </p:cNvPr>
-          <p:cNvSpPr txBox="1">
-            <a:spLocks noGrp="1"/>
-          </p:cNvSpPr>
-          <p:nvPr>
-            <p:ph type="body" idx="1"/>
-          </p:nvPr>
-        </p:nvSpPr>
-        <p:spPr>
-          <a:xfrm>
-            <a:off x="685800" y="4343400"/>
-            <a:ext cx="5486400" cy="4114800"/>
-          </a:xfrm>
-          <a:prstGeom prst="rect">
-            <a:avLst/>
-          </a:prstGeom>
-          <a:noFill/>
-          <a:ln>
-            <a:noFill/>
-          </a:ln>
-        </p:spPr>
-        <p:txBody>
-          <a:bodyPr spcFirstLastPara="1" wrap="square" lIns="91425" tIns="91425" rIns="91425" bIns="91425" anchor="t" anchorCtr="0">
-            <a:noAutofit/>
-          </a:bodyPr>
-          <a:lstStyle/>
-          <a:p>
-            <a:pPr marL="457200" lvl="0" indent="-228600" algn="l" rtl="0">
-              <a:lnSpc>
-                <a:spcPct val="100000"/>
-              </a:lnSpc>
-              <a:spcBef>
-                <a:spcPts val="0"/>
-              </a:spcBef>
-              <a:spcAft>
-                <a:spcPts val="0"/>
-              </a:spcAft>
-              <a:buSzPts val="1100"/>
-              <a:buNone/>
-            </a:pPr>
-            <a:r>
-              <a:rPr lang="en-US" altLang="zh-CN" dirty="0"/>
-              <a:t>we will address this topic through the following four aspects, and will discuss several key questions among them.</a:t>
-            </a:r>
-          </a:p>
-        </p:txBody>
-      </p:sp>
-    </p:spTree>
-    <p:extLst>
-      <p:ext uri="{BB962C8B-B14F-4D97-AF65-F5344CB8AC3E}">
-        <p14:creationId xmlns:p14="http://schemas.microsoft.com/office/powerpoint/2010/main" val="3361509239"/>
-      </p:ext>
-    </p:extLst>
-  </p:cSld>
-  <p:clrMapOvr>
-    <a:masterClrMapping/>
-  </p:clrMapOvr>
-</p:notes>
-</file>
-
-<file path=ppt/notesSlides/notesSlide9.xml><?xml version="1.0" encoding="utf-8"?>
-<p:notes xmlns:a="http://schemas.openxmlformats.org/drawingml/2006/main" xmlns:r="http://schemas.openxmlformats.org/officeDocument/2006/relationships" xmlns:p="http://schemas.openxmlformats.org/presentationml/2006/main" showMasterSp="0" showMasterPhAnim="0">
+<file path=ppt/notesSlides/notesSlide7.xml><?xml version="1.0" encoding="utf-8"?>
+<p:notes xmlns:a="http://schemas.openxmlformats.org/drawingml/2006/main" xmlns:r="http://schemas.openxmlformats.org/officeDocument/2006/relationships" xmlns:p="http://schemas.openxmlformats.org/presentationml/2006/main" showMasterPhAnim="0" showMasterSp="0">
   <p:cSld>
     <p:spTree>
       <p:nvGrpSpPr>
@@ -8527,6 +8176,259 @@
               <a:rPr lang="en-US" altLang="zh-CN" dirty="0"/>
               <a:t>we will address this topic through the following four aspects, and will discuss several key questions among them.</a:t>
             </a:r>
+            <a:endParaRPr lang="en-US" altLang="zh-CN" dirty="0"/>
+          </a:p>
+        </p:txBody>
+      </p:sp>
+    </p:spTree>
+  </p:cSld>
+  <p:clrMapOvr>
+    <a:masterClrMapping/>
+  </p:clrMapOvr>
+</p:notes>
+</file>
+
+<file path=ppt/notesSlides/notesSlide8.xml><?xml version="1.0" encoding="utf-8"?>
+<p:notes xmlns:a="http://schemas.openxmlformats.org/drawingml/2006/main" xmlns:r="http://schemas.openxmlformats.org/officeDocument/2006/relationships" xmlns:p="http://schemas.openxmlformats.org/presentationml/2006/main" showMasterPhAnim="0" showMasterSp="0">
+  <p:cSld>
+    <p:spTree>
+      <p:nvGrpSpPr>
+        <p:cNvPr id="1" name="Shape 74"/>
+        <p:cNvGrpSpPr/>
+        <p:nvPr/>
+      </p:nvGrpSpPr>
+      <p:grpSpPr>
+        <a:xfrm>
+          <a:off x="0" y="0"/>
+          <a:ext cx="0" cy="0"/>
+          <a:chOff x="0" y="0"/>
+          <a:chExt cx="0" cy="0"/>
+        </a:xfrm>
+      </p:grpSpPr>
+      <p:sp>
+        <p:nvSpPr>
+          <p:cNvPr id="75" name="Google Shape;75;p2:notes"/>
+          <p:cNvSpPr>
+            <a:spLocks noGrp="1" noRot="1" noChangeAspect="1"/>
+          </p:cNvSpPr>
+          <p:nvPr>
+            <p:ph type="sldImg" idx="2"/>
+          </p:nvPr>
+        </p:nvSpPr>
+        <p:spPr>
+          <a:xfrm>
+            <a:off x="381000" y="685800"/>
+            <a:ext cx="6096000" cy="3429000"/>
+          </a:xfrm>
+          <a:custGeom>
+            <a:avLst/>
+            <a:gdLst/>
+            <a:ahLst/>
+            <a:cxnLst/>
+            <a:rect l="l" t="t" r="r" b="b"/>
+            <a:pathLst>
+              <a:path w="120000" h="120000" extrusionOk="0">
+                <a:moveTo>
+                  <a:pt x="0" y="0"/>
+                </a:moveTo>
+                <a:lnTo>
+                  <a:pt x="120000" y="0"/>
+                </a:lnTo>
+                <a:lnTo>
+                  <a:pt x="120000" y="120000"/>
+                </a:lnTo>
+                <a:lnTo>
+                  <a:pt x="0" y="120000"/>
+                </a:lnTo>
+                <a:close/>
+              </a:path>
+            </a:pathLst>
+          </a:custGeom>
+          <a:noFill/>
+          <a:ln w="9525" cap="flat" cmpd="sng">
+            <a:solidFill>
+              <a:srgbClr val="000000"/>
+            </a:solidFill>
+            <a:prstDash val="solid"/>
+            <a:round/>
+            <a:headEnd type="none" w="sm" len="sm"/>
+            <a:tailEnd type="none" w="sm" len="sm"/>
+          </a:ln>
+        </p:spPr>
+      </p:sp>
+      <p:sp>
+        <p:nvSpPr>
+          <p:cNvPr id="76" name="Google Shape;76;p2:notes"/>
+          <p:cNvSpPr txBox="1">
+            <a:spLocks noGrp="1"/>
+          </p:cNvSpPr>
+          <p:nvPr>
+            <p:ph type="body" idx="1"/>
+          </p:nvPr>
+        </p:nvSpPr>
+        <p:spPr>
+          <a:xfrm>
+            <a:off x="685800" y="4343400"/>
+            <a:ext cx="5486400" cy="4114800"/>
+          </a:xfrm>
+          <a:prstGeom prst="rect">
+            <a:avLst/>
+          </a:prstGeom>
+          <a:noFill/>
+          <a:ln>
+            <a:noFill/>
+          </a:ln>
+        </p:spPr>
+        <p:txBody>
+          <a:bodyPr spcFirstLastPara="1" wrap="square" lIns="91425" tIns="91425" rIns="91425" bIns="91425" anchor="t" anchorCtr="0">
+            <a:noAutofit/>
+          </a:bodyPr>
+          <a:lstStyle/>
+          <a:p>
+            <a:pPr marL="457200" lvl="0" indent="-228600" algn="l" rtl="0">
+              <a:lnSpc>
+                <a:spcPct val="100000"/>
+              </a:lnSpc>
+              <a:spcBef>
+                <a:spcPts val="0"/>
+              </a:spcBef>
+              <a:spcAft>
+                <a:spcPts val="0"/>
+              </a:spcAft>
+              <a:buSzPts val="1100"/>
+              <a:buNone/>
+            </a:pPr>
+            <a:r>
+              <a:rPr lang="en-US" altLang="zh-CN" dirty="0"/>
+              <a:t>we will address this topic through the following four aspects, and will discuss several key questions among them.</a:t>
+            </a:r>
+            <a:endParaRPr lang="en-US" altLang="zh-CN" dirty="0"/>
+          </a:p>
+        </p:txBody>
+      </p:sp>
+    </p:spTree>
+  </p:cSld>
+  <p:clrMapOvr>
+    <a:masterClrMapping/>
+  </p:clrMapOvr>
+</p:notes>
+</file>
+
+<file path=ppt/notesSlides/notesSlide9.xml><?xml version="1.0" encoding="utf-8"?>
+<p:notes xmlns:a="http://schemas.openxmlformats.org/drawingml/2006/main" xmlns:r="http://schemas.openxmlformats.org/officeDocument/2006/relationships" xmlns:p="http://schemas.openxmlformats.org/presentationml/2006/main" showMasterPhAnim="0" showMasterSp="0">
+  <p:cSld>
+    <p:spTree>
+      <p:nvGrpSpPr>
+        <p:cNvPr id="1" name="Shape 74"/>
+        <p:cNvGrpSpPr/>
+        <p:nvPr/>
+      </p:nvGrpSpPr>
+      <p:grpSpPr>
+        <a:xfrm>
+          <a:off x="0" y="0"/>
+          <a:ext cx="0" cy="0"/>
+          <a:chOff x="0" y="0"/>
+          <a:chExt cx="0" cy="0"/>
+        </a:xfrm>
+      </p:grpSpPr>
+      <p:sp>
+        <p:nvSpPr>
+          <p:cNvPr id="75" name="Google Shape;75;p2:notes"/>
+          <p:cNvSpPr>
+            <a:spLocks noGrp="1" noRot="1" noChangeAspect="1"/>
+          </p:cNvSpPr>
+          <p:nvPr>
+            <p:ph type="sldImg" idx="2"/>
+          </p:nvPr>
+        </p:nvSpPr>
+        <p:spPr>
+          <a:xfrm>
+            <a:off x="381000" y="685800"/>
+            <a:ext cx="6096000" cy="3429000"/>
+          </a:xfrm>
+          <a:custGeom>
+            <a:avLst/>
+            <a:gdLst/>
+            <a:ahLst/>
+            <a:cxnLst/>
+            <a:rect l="l" t="t" r="r" b="b"/>
+            <a:pathLst>
+              <a:path w="120000" h="120000" extrusionOk="0">
+                <a:moveTo>
+                  <a:pt x="0" y="0"/>
+                </a:moveTo>
+                <a:lnTo>
+                  <a:pt x="120000" y="0"/>
+                </a:lnTo>
+                <a:lnTo>
+                  <a:pt x="120000" y="120000"/>
+                </a:lnTo>
+                <a:lnTo>
+                  <a:pt x="0" y="120000"/>
+                </a:lnTo>
+                <a:close/>
+              </a:path>
+            </a:pathLst>
+          </a:custGeom>
+          <a:noFill/>
+          <a:ln w="9525" cap="flat" cmpd="sng">
+            <a:solidFill>
+              <a:srgbClr val="000000"/>
+            </a:solidFill>
+            <a:prstDash val="solid"/>
+            <a:round/>
+            <a:headEnd type="none" w="sm" len="sm"/>
+            <a:tailEnd type="none" w="sm" len="sm"/>
+          </a:ln>
+        </p:spPr>
+      </p:sp>
+      <p:sp>
+        <p:nvSpPr>
+          <p:cNvPr id="76" name="Google Shape;76;p2:notes"/>
+          <p:cNvSpPr txBox="1">
+            <a:spLocks noGrp="1"/>
+          </p:cNvSpPr>
+          <p:nvPr>
+            <p:ph type="body" idx="1"/>
+          </p:nvPr>
+        </p:nvSpPr>
+        <p:spPr>
+          <a:xfrm>
+            <a:off x="685800" y="4343400"/>
+            <a:ext cx="5486400" cy="4114800"/>
+          </a:xfrm>
+          <a:prstGeom prst="rect">
+            <a:avLst/>
+          </a:prstGeom>
+          <a:noFill/>
+          <a:ln>
+            <a:noFill/>
+          </a:ln>
+        </p:spPr>
+        <p:txBody>
+          <a:bodyPr spcFirstLastPara="1" wrap="square" lIns="91425" tIns="91425" rIns="91425" bIns="91425" anchor="t" anchorCtr="0">
+            <a:noAutofit/>
+          </a:bodyPr>
+          <a:lstStyle/>
+          <a:p>
+            <a:pPr marL="457200" lvl="0" indent="-228600" algn="l" rtl="0">
+              <a:lnSpc>
+                <a:spcPct val="100000"/>
+              </a:lnSpc>
+              <a:spcBef>
+                <a:spcPts val="0"/>
+              </a:spcBef>
+              <a:spcAft>
+                <a:spcPts val="0"/>
+              </a:spcAft>
+              <a:buSzPts val="1100"/>
+              <a:buNone/>
+            </a:pPr>
+            <a:r>
+              <a:rPr lang="en-US" altLang="zh-CN" dirty="0"/>
+              <a:t>we will address this topic through the following four aspects, and will discuss several key questions among them.</a:t>
+            </a:r>
+            <a:endParaRPr lang="en-US" altLang="zh-CN" dirty="0"/>
           </a:p>
         </p:txBody>
       </p:sp>
@@ -8539,7 +8441,7 @@
 </file>
 
 <file path=ppt/slideLayouts/slideLayout1.xml><?xml version="1.0" encoding="utf-8"?>
-<p:sldLayout xmlns:a="http://schemas.openxmlformats.org/drawingml/2006/main" xmlns:r="http://schemas.openxmlformats.org/officeDocument/2006/relationships" xmlns:p="http://schemas.openxmlformats.org/presentationml/2006/main" matchingName="Title and Content" type="obj">
+<p:sldLayout xmlns:a="http://schemas.openxmlformats.org/drawingml/2006/main" xmlns:r="http://schemas.openxmlformats.org/officeDocument/2006/relationships" xmlns:p="http://schemas.openxmlformats.org/presentationml/2006/main" type="obj" matchingName="Title and Content">
   <p:cSld name="OBJECT">
     <p:spTree>
       <p:nvGrpSpPr>
@@ -8713,9 +8615,7 @@
               <a:defRPr/>
             </a:lvl9pPr>
           </a:lstStyle>
-          <a:p>
-            <a:endParaRPr/>
-          </a:p>
+          <a:p/>
         </p:txBody>
       </p:sp>
       <p:sp>
@@ -8900,9 +8800,7 @@
               <a:defRPr/>
             </a:lvl9pPr>
           </a:lstStyle>
-          <a:p>
-            <a:endParaRPr/>
-          </a:p>
+          <a:p/>
         </p:txBody>
       </p:sp>
       <p:sp>
@@ -9060,9 +8958,7 @@
               <a:defRPr/>
             </a:lvl9pPr>
           </a:lstStyle>
-          <a:p>
-            <a:endParaRPr/>
-          </a:p>
+          <a:p/>
         </p:txBody>
       </p:sp>
       <p:sp>
@@ -9220,9 +9116,7 @@
               <a:defRPr/>
             </a:lvl9pPr>
           </a:lstStyle>
-          <a:p>
-            <a:endParaRPr/>
-          </a:p>
+          <a:p/>
         </p:txBody>
       </p:sp>
       <p:sp>
@@ -9500,7 +9394,6 @@
             </a:pPr>
             <a:fld id="{00000000-1234-1234-1234-123412341234}" type="slidenum">
               <a:rPr lang="en-US"/>
-              <a:t>‹#›</a:t>
             </a:fld>
             <a:endParaRPr lang="en-US"/>
           </a:p>
@@ -9574,9 +9467,7 @@
               <a:defRPr/>
             </a:lvl1pPr>
           </a:lstStyle>
-          <a:p>
-            <a:endParaRPr/>
-          </a:p>
+          <a:p/>
         </p:txBody>
       </p:sp>
       <p:sp>
@@ -9854,7 +9745,6 @@
             </a:pPr>
             <a:fld id="{00000000-1234-1234-1234-123412341234}" type="slidenum">
               <a:rPr lang="en-US"/>
-              <a:t>‹#›</a:t>
             </a:fld>
             <a:endParaRPr lang="en-US"/>
           </a:p>
@@ -10202,9 +10092,7 @@
               <a:defRPr/>
             </a:lvl9pPr>
           </a:lstStyle>
-          <a:p>
-            <a:endParaRPr/>
-          </a:p>
+          <a:p/>
         </p:txBody>
       </p:sp>
       <p:sp>
@@ -10482,7 +10370,6 @@
             </a:pPr>
             <a:fld id="{00000000-1234-1234-1234-123412341234}" type="slidenum">
               <a:rPr lang="en-US"/>
-              <a:t>‹#›</a:t>
             </a:fld>
             <a:endParaRPr lang="en-US"/>
           </a:p>
@@ -10497,7 +10384,7 @@
 </file>
 
 <file path=ppt/slideLayouts/slideLayout12.xml><?xml version="1.0" encoding="utf-8"?>
-<p:sldLayout xmlns:a="http://schemas.openxmlformats.org/drawingml/2006/main" xmlns:r="http://schemas.openxmlformats.org/officeDocument/2006/relationships" xmlns:p="http://schemas.openxmlformats.org/presentationml/2006/main" matchingName="Blank" type="blank">
+<p:sldLayout xmlns:a="http://schemas.openxmlformats.org/drawingml/2006/main" xmlns:r="http://schemas.openxmlformats.org/officeDocument/2006/relationships" xmlns:p="http://schemas.openxmlformats.org/presentationml/2006/main" type="blank" matchingName="Blank">
   <p:cSld name="BLANK">
     <p:spTree>
       <p:nvGrpSpPr>
@@ -10788,7 +10675,6 @@
             </a:pPr>
             <a:fld id="{00000000-1234-1234-1234-123412341234}" type="slidenum">
               <a:rPr lang="en-US"/>
-              <a:t>‹#›</a:t>
             </a:fld>
             <a:endParaRPr lang="en-US"/>
           </a:p>
@@ -10803,7 +10689,7 @@
 </file>
 
 <file path=ppt/slideLayouts/slideLayout2.xml><?xml version="1.0" encoding="utf-8"?>
-<p:sldLayout xmlns:a="http://schemas.openxmlformats.org/drawingml/2006/main" xmlns:r="http://schemas.openxmlformats.org/officeDocument/2006/relationships" xmlns:p="http://schemas.openxmlformats.org/presentationml/2006/main" matchingName="Title slide" type="title">
+<p:sldLayout xmlns:a="http://schemas.openxmlformats.org/drawingml/2006/main" xmlns:r="http://schemas.openxmlformats.org/officeDocument/2006/relationships" xmlns:p="http://schemas.openxmlformats.org/presentationml/2006/main" type="title" matchingName="Title slide">
   <p:cSld name="TITLE">
     <p:spTree>
       <p:nvGrpSpPr>
@@ -10974,9 +10860,7 @@
               <a:defRPr sz="5200"/>
             </a:lvl9pPr>
           </a:lstStyle>
-          <a:p>
-            <a:endParaRPr/>
-          </a:p>
+          <a:p/>
         </p:txBody>
       </p:sp>
       <p:sp>
@@ -11134,9 +11018,7 @@
               <a:defRPr sz="2800"/>
             </a:lvl9pPr>
           </a:lstStyle>
-          <a:p>
-            <a:endParaRPr/>
-          </a:p>
+          <a:p/>
         </p:txBody>
       </p:sp>
       <p:sp>
@@ -11414,7 +11296,6 @@
             </a:pPr>
             <a:fld id="{00000000-1234-1234-1234-123412341234}" type="slidenum">
               <a:rPr lang="en-US"/>
-              <a:t>‹#›</a:t>
             </a:fld>
             <a:endParaRPr lang="en-US"/>
           </a:p>
@@ -11429,7 +11310,7 @@
 </file>
 
 <file path=ppt/slideLayouts/slideLayout3.xml><?xml version="1.0" encoding="utf-8"?>
-<p:sldLayout xmlns:a="http://schemas.openxmlformats.org/drawingml/2006/main" xmlns:r="http://schemas.openxmlformats.org/officeDocument/2006/relationships" xmlns:p="http://schemas.openxmlformats.org/presentationml/2006/main" matchingName="Section header" type="secHead">
+<p:sldLayout xmlns:a="http://schemas.openxmlformats.org/drawingml/2006/main" xmlns:r="http://schemas.openxmlformats.org/officeDocument/2006/relationships" xmlns:p="http://schemas.openxmlformats.org/presentationml/2006/main" type="secHead" matchingName="Section header">
   <p:cSld name="SECTION_HEADER">
     <p:spTree>
       <p:nvGrpSpPr>
@@ -11600,9 +11481,7 @@
               <a:defRPr sz="3600"/>
             </a:lvl9pPr>
           </a:lstStyle>
-          <a:p>
-            <a:endParaRPr/>
-          </a:p>
+          <a:p/>
         </p:txBody>
       </p:sp>
       <p:sp>
@@ -11880,7 +11759,6 @@
             </a:pPr>
             <a:fld id="{00000000-1234-1234-1234-123412341234}" type="slidenum">
               <a:rPr lang="en-US"/>
-              <a:t>‹#›</a:t>
             </a:fld>
             <a:endParaRPr lang="en-US"/>
           </a:p>
@@ -11895,7 +11773,7 @@
 </file>
 
 <file path=ppt/slideLayouts/slideLayout4.xml><?xml version="1.0" encoding="utf-8"?>
-<p:sldLayout xmlns:a="http://schemas.openxmlformats.org/drawingml/2006/main" xmlns:r="http://schemas.openxmlformats.org/officeDocument/2006/relationships" xmlns:p="http://schemas.openxmlformats.org/presentationml/2006/main" matchingName="Title and body" type="tx">
+<p:sldLayout xmlns:a="http://schemas.openxmlformats.org/drawingml/2006/main" xmlns:r="http://schemas.openxmlformats.org/officeDocument/2006/relationships" xmlns:p="http://schemas.openxmlformats.org/presentationml/2006/main" type="tx" matchingName="Title and body">
   <p:cSld name="TITLE_AND_BODY">
     <p:spTree>
       <p:nvGrpSpPr>
@@ -12066,9 +11944,7 @@
               <a:defRPr/>
             </a:lvl9pPr>
           </a:lstStyle>
-          <a:p>
-            <a:endParaRPr/>
-          </a:p>
+          <a:p/>
         </p:txBody>
       </p:sp>
       <p:sp>
@@ -12226,9 +12102,7 @@
               <a:defRPr/>
             </a:lvl9pPr>
           </a:lstStyle>
-          <a:p>
-            <a:endParaRPr/>
-          </a:p>
+          <a:p/>
         </p:txBody>
       </p:sp>
       <p:sp>
@@ -12506,7 +12380,6 @@
             </a:pPr>
             <a:fld id="{00000000-1234-1234-1234-123412341234}" type="slidenum">
               <a:rPr lang="en-US"/>
-              <a:t>‹#›</a:t>
             </a:fld>
             <a:endParaRPr lang="en-US"/>
           </a:p>
@@ -12521,7 +12394,7 @@
 </file>
 
 <file path=ppt/slideLayouts/slideLayout5.xml><?xml version="1.0" encoding="utf-8"?>
-<p:sldLayout xmlns:a="http://schemas.openxmlformats.org/drawingml/2006/main" xmlns:r="http://schemas.openxmlformats.org/officeDocument/2006/relationships" xmlns:p="http://schemas.openxmlformats.org/presentationml/2006/main" matchingName="Title and two columns" type="twoColTx">
+<p:sldLayout xmlns:a="http://schemas.openxmlformats.org/drawingml/2006/main" xmlns:r="http://schemas.openxmlformats.org/officeDocument/2006/relationships" xmlns:p="http://schemas.openxmlformats.org/presentationml/2006/main" type="twoColTx" matchingName="Title and two columns">
   <p:cSld name="TITLE_AND_TWO_COLUMNS">
     <p:spTree>
       <p:nvGrpSpPr>
@@ -12692,9 +12565,7 @@
               <a:defRPr/>
             </a:lvl9pPr>
           </a:lstStyle>
-          <a:p>
-            <a:endParaRPr/>
-          </a:p>
+          <a:p/>
         </p:txBody>
       </p:sp>
       <p:sp>
@@ -12852,9 +12723,7 @@
               <a:defRPr sz="1200"/>
             </a:lvl9pPr>
           </a:lstStyle>
-          <a:p>
-            <a:endParaRPr/>
-          </a:p>
+          <a:p/>
         </p:txBody>
       </p:sp>
       <p:sp>
@@ -13012,9 +12881,7 @@
               <a:defRPr sz="1200"/>
             </a:lvl9pPr>
           </a:lstStyle>
-          <a:p>
-            <a:endParaRPr/>
-          </a:p>
+          <a:p/>
         </p:txBody>
       </p:sp>
       <p:sp>
@@ -13292,7 +13159,6 @@
             </a:pPr>
             <a:fld id="{00000000-1234-1234-1234-123412341234}" type="slidenum">
               <a:rPr lang="en-US"/>
-              <a:t>‹#›</a:t>
             </a:fld>
             <a:endParaRPr lang="en-US"/>
           </a:p>
@@ -13307,7 +13173,7 @@
 </file>
 
 <file path=ppt/slideLayouts/slideLayout6.xml><?xml version="1.0" encoding="utf-8"?>
-<p:sldLayout xmlns:a="http://schemas.openxmlformats.org/drawingml/2006/main" xmlns:r="http://schemas.openxmlformats.org/officeDocument/2006/relationships" xmlns:p="http://schemas.openxmlformats.org/presentationml/2006/main" matchingName="Title only" type="titleOnly">
+<p:sldLayout xmlns:a="http://schemas.openxmlformats.org/drawingml/2006/main" xmlns:r="http://schemas.openxmlformats.org/officeDocument/2006/relationships" xmlns:p="http://schemas.openxmlformats.org/presentationml/2006/main" type="titleOnly" matchingName="Title only">
   <p:cSld name="TITLE_ONLY">
     <p:spTree>
       <p:nvGrpSpPr>
@@ -13478,9 +13344,7 @@
               <a:defRPr/>
             </a:lvl9pPr>
           </a:lstStyle>
-          <a:p>
-            <a:endParaRPr/>
-          </a:p>
+          <a:p/>
         </p:txBody>
       </p:sp>
       <p:sp>
@@ -13758,7 +13622,6 @@
             </a:pPr>
             <a:fld id="{00000000-1234-1234-1234-123412341234}" type="slidenum">
               <a:rPr lang="en-US"/>
-              <a:t>‹#›</a:t>
             </a:fld>
             <a:endParaRPr lang="en-US"/>
           </a:p>
@@ -13944,9 +13807,7 @@
               <a:defRPr sz="2400"/>
             </a:lvl9pPr>
           </a:lstStyle>
-          <a:p>
-            <a:endParaRPr/>
-          </a:p>
+          <a:p/>
         </p:txBody>
       </p:sp>
       <p:sp>
@@ -14104,9 +13965,7 @@
               <a:defRPr sz="1200"/>
             </a:lvl9pPr>
           </a:lstStyle>
-          <a:p>
-            <a:endParaRPr/>
-          </a:p>
+          <a:p/>
         </p:txBody>
       </p:sp>
       <p:sp>
@@ -14384,7 +14243,6 @@
             </a:pPr>
             <a:fld id="{00000000-1234-1234-1234-123412341234}" type="slidenum">
               <a:rPr lang="en-US"/>
-              <a:t>‹#›</a:t>
             </a:fld>
             <a:endParaRPr lang="en-US"/>
           </a:p>
@@ -14570,9 +14428,7 @@
               <a:defRPr sz="4800"/>
             </a:lvl9pPr>
           </a:lstStyle>
-          <a:p>
-            <a:endParaRPr/>
-          </a:p>
+          <a:p/>
         </p:txBody>
       </p:sp>
       <p:sp>
@@ -14850,7 +14706,6 @@
             </a:pPr>
             <a:fld id="{00000000-1234-1234-1234-123412341234}" type="slidenum">
               <a:rPr lang="en-US"/>
-              <a:t>‹#›</a:t>
             </a:fld>
             <a:endParaRPr lang="en-US"/>
           </a:p>
@@ -15092,9 +14947,7 @@
               <a:defRPr sz="4200"/>
             </a:lvl9pPr>
           </a:lstStyle>
-          <a:p>
-            <a:endParaRPr/>
-          </a:p>
+          <a:p/>
         </p:txBody>
       </p:sp>
       <p:sp>
@@ -15252,9 +15105,7 @@
               <a:defRPr sz="2100"/>
             </a:lvl9pPr>
           </a:lstStyle>
-          <a:p>
-            <a:endParaRPr/>
-          </a:p>
+          <a:p/>
         </p:txBody>
       </p:sp>
       <p:sp>
@@ -15412,9 +15263,7 @@
               <a:defRPr/>
             </a:lvl9pPr>
           </a:lstStyle>
-          <a:p>
-            <a:endParaRPr/>
-          </a:p>
+          <a:p/>
         </p:txBody>
       </p:sp>
       <p:sp>
@@ -15692,7 +15541,6 @@
             </a:pPr>
             <a:fld id="{00000000-1234-1234-1234-123412341234}" type="slidenum">
               <a:rPr lang="en-US"/>
-              <a:t>‹#›</a:t>
             </a:fld>
             <a:endParaRPr lang="en-US"/>
           </a:p>
@@ -15994,9 +15842,7 @@
               </a:defRPr>
             </a:lvl9pPr>
           </a:lstStyle>
-          <a:p>
-            <a:endParaRPr/>
-          </a:p>
+          <a:p/>
         </p:txBody>
       </p:sp>
       <p:sp>
@@ -16262,9 +16108,7 @@
               </a:defRPr>
             </a:lvl9pPr>
           </a:lstStyle>
-          <a:p>
-            <a:endParaRPr/>
-          </a:p>
+          <a:p/>
         </p:txBody>
       </p:sp>
       <p:sp>
@@ -16530,9 +16374,7 @@
               </a:defRPr>
             </a:lvl9pPr>
           </a:lstStyle>
-          <a:p>
-            <a:endParaRPr/>
-          </a:p>
+          <a:p/>
         </p:txBody>
       </p:sp>
       <p:sp>
@@ -16798,9 +16640,7 @@
               </a:defRPr>
             </a:lvl9pPr>
           </a:lstStyle>
-          <a:p>
-            <a:endParaRPr/>
-          </a:p>
+          <a:p/>
         </p:txBody>
       </p:sp>
       <p:sp>
@@ -17078,7 +16918,6 @@
             </a:pPr>
             <a:fld id="{00000000-1234-1234-1234-123412341234}" type="slidenum">
               <a:rPr lang="en-US"/>
-              <a:t>‹#›</a:t>
             </a:fld>
             <a:endParaRPr lang="en-US"/>
           </a:p>
@@ -18071,9 +17910,7 @@
               </a:defRPr>
             </a:lvl9pPr>
           </a:lstStyle>
-          <a:p>
-            <a:endParaRPr/>
-          </a:p>
+          <a:p/>
         </p:txBody>
       </p:sp>
       <p:sp>
@@ -18339,9 +18176,7 @@
               </a:defRPr>
             </a:lvl9pPr>
           </a:lstStyle>
-          <a:p>
-            <a:endParaRPr/>
-          </a:p>
+          <a:p/>
         </p:txBody>
       </p:sp>
       <p:sp>
@@ -18619,7 +18454,6 @@
             </a:pPr>
             <a:fld id="{00000000-1234-1234-1234-123412341234}" type="slidenum">
               <a:rPr lang="en-US"/>
-              <a:t>‹#›</a:t>
             </a:fld>
             <a:endParaRPr lang="en-US"/>
           </a:p>
@@ -19358,7 +19192,7 @@
           <p:nvPr/>
         </p:nvPicPr>
         <p:blipFill rotWithShape="1">
-          <a:blip r:embed="rId3"/>
+          <a:blip r:embed="rId1"/>
           <a:srcRect b="8619"/>
           <a:stretch>
             <a:fillRect/>
@@ -19395,20 +19229,8 @@
                 <a:tableStyleId>{5C22544A-7EE6-4342-B048-85BDC9FD1C3A}</a:tableStyleId>
               </a:tblPr>
               <a:tblGrid>
-                <a:gridCol w="3199765">
-                  <a:extLst>
-                    <a:ext uri="{9D8B030D-6E8A-4147-A177-3AD203B41FA5}">
-                      <a16:colId xmlns:a16="http://schemas.microsoft.com/office/drawing/2014/main" val="20000"/>
-                    </a:ext>
-                  </a:extLst>
-                </a:gridCol>
-                <a:gridCol w="3199765">
-                  <a:extLst>
-                    <a:ext uri="{9D8B030D-6E8A-4147-A177-3AD203B41FA5}">
-                      <a16:colId xmlns:a16="http://schemas.microsoft.com/office/drawing/2014/main" val="20001"/>
-                    </a:ext>
-                  </a:extLst>
-                </a:gridCol>
+                <a:gridCol w="3199765"/>
+                <a:gridCol w="3199765"/>
               </a:tblGrid>
               <a:tr h="381000">
                 <a:tc>
@@ -19447,6 +19269,13 @@
                         </a:rPr>
                         <a:t>Matric Number)</a:t>
                       </a:r>
+                      <a:endParaRPr lang="en-US" altLang="zh-CN" sz="1200" b="1" dirty="0">
+                        <a:solidFill>
+                          <a:schemeClr val="tx1"/>
+                        </a:solidFill>
+                        <a:latin typeface="Arial" panose="020B0604020202020204"/>
+                        <a:ea typeface="Arial MT"/>
+                      </a:endParaRPr>
                     </a:p>
                   </a:txBody>
                   <a:tcPr marL="0" marR="0" marT="0" marB="0">
@@ -19488,6 +19317,13 @@
                         </a:rPr>
                         <a:t>24201617)</a:t>
                       </a:r>
+                      <a:endParaRPr lang="en-US" altLang="zh-CN" sz="1200" b="1" dirty="0">
+                        <a:solidFill>
+                          <a:schemeClr val="tx1"/>
+                        </a:solidFill>
+                        <a:latin typeface="Arial" panose="020B0604020202020204"/>
+                        <a:ea typeface="Arial" panose="020B0604020202020204"/>
+                      </a:endParaRPr>
                     </a:p>
                     <a:p>
                       <a:pPr marL="0" indent="0" algn="r">
@@ -19511,17 +19347,19 @@
                         </a:rPr>
                         <a:t>ZHONG JUNPEI(24214748)</a:t>
                       </a:r>
+                      <a:endParaRPr lang="en-US" altLang="zh-CN" sz="1200" b="1" dirty="0">
+                        <a:solidFill>
+                          <a:schemeClr val="tx1"/>
+                        </a:solidFill>
+                        <a:latin typeface="Arial" panose="020B0604020202020204"/>
+                        <a:ea typeface="Arial" panose="020B0604020202020204"/>
+                      </a:endParaRPr>
                     </a:p>
                   </a:txBody>
                   <a:tcPr marL="0" marR="0" marT="0" marB="0">
                     <a:noFill/>
                   </a:tcPr>
                 </a:tc>
-                <a:extLst>
-                  <a:ext uri="{0D108BD9-81ED-4DB2-BD59-A6C34878D82A}">
-                    <a16:rowId xmlns:a16="http://schemas.microsoft.com/office/drawing/2014/main" val="10000"/>
-                  </a:ext>
-                </a:extLst>
               </a:tr>
               <a:tr h="381000">
                 <a:tc>
@@ -19550,6 +19388,13 @@
                         </a:rPr>
                         <a:t>Course </a:t>
                       </a:r>
+                      <a:endParaRPr lang="en-US" altLang="zh-CN" sz="1200" b="1">
+                        <a:solidFill>
+                          <a:schemeClr val="tx1"/>
+                        </a:solidFill>
+                        <a:latin typeface="Arial" panose="020B0604020202020204"/>
+                        <a:ea typeface="Arial MT"/>
+                      </a:endParaRPr>
                     </a:p>
                   </a:txBody>
                   <a:tcPr marL="0" marR="0" marT="0" marB="0">
@@ -19582,17 +19427,19 @@
                         </a:rPr>
                         <a:t>WOA7015 – Advanced Machine Learning</a:t>
                       </a:r>
+                      <a:endParaRPr lang="en-US" altLang="zh-CN" sz="1200" b="1">
+                        <a:solidFill>
+                          <a:schemeClr val="tx1"/>
+                        </a:solidFill>
+                        <a:latin typeface="Arial" panose="020B0604020202020204"/>
+                        <a:ea typeface="Arial" panose="020B0604020202020204"/>
+                      </a:endParaRPr>
                     </a:p>
                   </a:txBody>
                   <a:tcPr marL="0" marR="0" marT="0" marB="0">
                     <a:noFill/>
                   </a:tcPr>
                 </a:tc>
-                <a:extLst>
-                  <a:ext uri="{0D108BD9-81ED-4DB2-BD59-A6C34878D82A}">
-                    <a16:rowId xmlns:a16="http://schemas.microsoft.com/office/drawing/2014/main" val="10001"/>
-                  </a:ext>
-                </a:extLst>
               </a:tr>
               <a:tr h="381000">
                 <a:tc>
@@ -19621,6 +19468,13 @@
                         </a:rPr>
                         <a:t>Lecturer Name</a:t>
                       </a:r>
+                      <a:endParaRPr lang="en-US" altLang="zh-CN" sz="1200" b="1">
+                        <a:solidFill>
+                          <a:schemeClr val="tx1"/>
+                        </a:solidFill>
+                        <a:latin typeface="Arial" panose="020B0604020202020204"/>
+                        <a:ea typeface="Arial MT"/>
+                      </a:endParaRPr>
                     </a:p>
                   </a:txBody>
                   <a:tcPr marL="0" marR="0" marT="0" marB="0">
@@ -19653,17 +19507,19 @@
                         </a:rPr>
                         <a:t>Dr. SAW SHIER NEE (OCC1)</a:t>
                       </a:r>
+                      <a:endParaRPr lang="en-US" altLang="zh-CN" sz="1200" b="1" dirty="0">
+                        <a:solidFill>
+                          <a:schemeClr val="tx1"/>
+                        </a:solidFill>
+                        <a:latin typeface="Arial" panose="020B0604020202020204"/>
+                        <a:ea typeface="Arial" panose="020B0604020202020204"/>
+                      </a:endParaRPr>
                     </a:p>
                   </a:txBody>
                   <a:tcPr marL="0" marR="0" marT="0" marB="0">
                     <a:noFill/>
                   </a:tcPr>
                 </a:tc>
-                <a:extLst>
-                  <a:ext uri="{0D108BD9-81ED-4DB2-BD59-A6C34878D82A}">
-                    <a16:rowId xmlns:a16="http://schemas.microsoft.com/office/drawing/2014/main" val="10002"/>
-                  </a:ext>
-                </a:extLst>
               </a:tr>
             </a:tbl>
           </a:graphicData>
@@ -19715,6 +19571,15 @@
               </a:rPr>
               <a:t>A Comparative Study of CNN Baseline Classifier and LLM-Based Model for Medical Visual Question Answersing</a:t>
             </a:r>
+            <a:endParaRPr lang="en-US" altLang="zh-CN" sz="2800" b="1" i="0" u="none" strike="noStrike" cap="none" dirty="0">
+              <a:solidFill>
+                <a:schemeClr val="bg1"/>
+              </a:solidFill>
+              <a:latin typeface="Arial" panose="020B0604020202020204"/>
+              <a:ea typeface="Arial" panose="020B0604020202020204"/>
+              <a:cs typeface="Arial" panose="020B0604020202020204"/>
+              <a:sym typeface="Arial" panose="020B0604020202020204"/>
+            </a:endParaRPr>
           </a:p>
         </p:txBody>
       </p:sp>
@@ -19750,7 +19615,7 @@
           <p:nvPr/>
         </p:nvPicPr>
         <p:blipFill rotWithShape="1">
-          <a:blip r:embed="rId4"/>
+          <a:blip r:embed="rId1"/>
           <a:srcRect/>
           <a:stretch>
             <a:fillRect/>
@@ -19847,20 +19712,8 @@
             <a:tbl>
               <a:tblPr/>
               <a:tblGrid>
-                <a:gridCol w="949325">
-                  <a:extLst>
-                    <a:ext uri="{9D8B030D-6E8A-4147-A177-3AD203B41FA5}">
-                      <a16:colId xmlns:a16="http://schemas.microsoft.com/office/drawing/2014/main" val="20000"/>
-                    </a:ext>
-                  </a:extLst>
-                </a:gridCol>
-                <a:gridCol w="949325">
-                  <a:extLst>
-                    <a:ext uri="{9D8B030D-6E8A-4147-A177-3AD203B41FA5}">
-                      <a16:colId xmlns:a16="http://schemas.microsoft.com/office/drawing/2014/main" val="20001"/>
-                    </a:ext>
-                  </a:extLst>
-                </a:gridCol>
+                <a:gridCol w="949325"/>
+                <a:gridCol w="949325"/>
               </a:tblGrid>
               <a:tr h="574675">
                 <a:tc>
@@ -19886,6 +19739,10 @@
                         </a:rPr>
                         <a:t>Parameter</a:t>
                       </a:r>
+                      <a:endParaRPr lang="en-US" altLang="zh-CN" sz="1200">
+                        <a:latin typeface="Times New Roman" panose="02020603050405020304"/>
+                        <a:ea typeface="Times New Roman" panose="02020603050405020304"/>
+                      </a:endParaRPr>
                     </a:p>
                   </a:txBody>
                   <a:tcPr marL="68580" marR="68580" marT="0" marB="0" anchor="ctr">
@@ -19937,6 +19794,10 @@
                         </a:rPr>
                         <a:t>Value</a:t>
                       </a:r>
+                      <a:endParaRPr lang="en-US" altLang="zh-CN" sz="1200">
+                        <a:latin typeface="Times New Roman" panose="02020603050405020304"/>
+                        <a:ea typeface="Times New Roman" panose="02020603050405020304"/>
+                      </a:endParaRPr>
                     </a:p>
                   </a:txBody>
                   <a:tcPr marL="68580" marR="68580" marT="0" marB="0" anchor="ctr">
@@ -19965,11 +19826,6 @@
                     <a:noFill/>
                   </a:tcPr>
                 </a:tc>
-                <a:extLst>
-                  <a:ext uri="{0D108BD9-81ED-4DB2-BD59-A6C34878D82A}">
-                    <a16:rowId xmlns:a16="http://schemas.microsoft.com/office/drawing/2014/main" val="10000"/>
-                  </a:ext>
-                </a:extLst>
               </a:tr>
               <a:tr h="574675">
                 <a:tc>
@@ -19995,6 +19851,10 @@
                         </a:rPr>
                         <a:t>Epochs</a:t>
                       </a:r>
+                      <a:endParaRPr lang="en-US" altLang="zh-CN" sz="1200">
+                        <a:latin typeface="Times New Roman" panose="02020603050405020304"/>
+                        <a:ea typeface="Times New Roman" panose="02020603050405020304"/>
+                      </a:endParaRPr>
                     </a:p>
                   </a:txBody>
                   <a:tcPr marL="68580" marR="68580" marT="0" marB="0" anchor="ctr">
@@ -20041,6 +19901,10 @@
                         </a:rPr>
                         <a:t>35</a:t>
                       </a:r>
+                      <a:endParaRPr lang="en-US" altLang="zh-CN" sz="1200">
+                        <a:latin typeface="Times New Roman" panose="02020603050405020304"/>
+                        <a:ea typeface="Times New Roman" panose="02020603050405020304"/>
+                      </a:endParaRPr>
                     </a:p>
                   </a:txBody>
                   <a:tcPr marL="68580" marR="68580" marT="0" marB="0" anchor="ctr">
@@ -20064,11 +19928,6 @@
                     <a:noFill/>
                   </a:tcPr>
                 </a:tc>
-                <a:extLst>
-                  <a:ext uri="{0D108BD9-81ED-4DB2-BD59-A6C34878D82A}">
-                    <a16:rowId xmlns:a16="http://schemas.microsoft.com/office/drawing/2014/main" val="10001"/>
-                  </a:ext>
-                </a:extLst>
               </a:tr>
               <a:tr h="574675">
                 <a:tc>
@@ -20094,6 +19953,10 @@
                         </a:rPr>
                         <a:t>Batch Size</a:t>
                       </a:r>
+                      <a:endParaRPr lang="en-US" altLang="zh-CN" sz="1200">
+                        <a:latin typeface="Times New Roman" panose="02020603050405020304"/>
+                        <a:ea typeface="Times New Roman" panose="02020603050405020304"/>
+                      </a:endParaRPr>
                     </a:p>
                   </a:txBody>
                   <a:tcPr marL="68580" marR="68580" marT="0" marB="0" anchor="ctr">
@@ -20135,6 +19998,10 @@
                         </a:rPr>
                         <a:t>16</a:t>
                       </a:r>
+                      <a:endParaRPr lang="en-US" altLang="zh-CN" sz="1200">
+                        <a:latin typeface="Times New Roman" panose="02020603050405020304"/>
+                        <a:ea typeface="Times New Roman" panose="02020603050405020304"/>
+                      </a:endParaRPr>
                     </a:p>
                   </a:txBody>
                   <a:tcPr marL="68580" marR="68580" marT="0" marB="0" anchor="ctr">
@@ -20153,11 +20020,6 @@
                     <a:noFill/>
                   </a:tcPr>
                 </a:tc>
-                <a:extLst>
-                  <a:ext uri="{0D108BD9-81ED-4DB2-BD59-A6C34878D82A}">
-                    <a16:rowId xmlns:a16="http://schemas.microsoft.com/office/drawing/2014/main" val="10002"/>
-                  </a:ext>
-                </a:extLst>
               </a:tr>
               <a:tr h="574675">
                 <a:tc>
@@ -20183,6 +20045,10 @@
                         </a:rPr>
                         <a:t>Optimizer</a:t>
                       </a:r>
+                      <a:endParaRPr lang="en-US" altLang="zh-CN" sz="1200">
+                        <a:latin typeface="Times New Roman" panose="02020603050405020304"/>
+                        <a:ea typeface="Times New Roman" panose="02020603050405020304"/>
+                      </a:endParaRPr>
                     </a:p>
                   </a:txBody>
                   <a:tcPr marL="68580" marR="68580" marT="0" marB="0" anchor="ctr">
@@ -20224,6 +20090,10 @@
                         </a:rPr>
                         <a:t>Adam</a:t>
                       </a:r>
+                      <a:endParaRPr lang="en-US" altLang="zh-CN" sz="1200">
+                        <a:latin typeface="Times New Roman" panose="02020603050405020304"/>
+                        <a:ea typeface="Times New Roman" panose="02020603050405020304"/>
+                      </a:endParaRPr>
                     </a:p>
                   </a:txBody>
                   <a:tcPr marL="68580" marR="68580" marT="0" marB="0" anchor="ctr">
@@ -20242,11 +20112,6 @@
                     <a:noFill/>
                   </a:tcPr>
                 </a:tc>
-                <a:extLst>
-                  <a:ext uri="{0D108BD9-81ED-4DB2-BD59-A6C34878D82A}">
-                    <a16:rowId xmlns:a16="http://schemas.microsoft.com/office/drawing/2014/main" val="10003"/>
-                  </a:ext>
-                </a:extLst>
               </a:tr>
               <a:tr h="1149350">
                 <a:tc>
@@ -20272,6 +20137,10 @@
                         </a:rPr>
                         <a:t>Learning Rate</a:t>
                       </a:r>
+                      <a:endParaRPr lang="en-US" altLang="zh-CN" sz="1200">
+                        <a:latin typeface="Times New Roman" panose="02020603050405020304"/>
+                        <a:ea typeface="Times New Roman" panose="02020603050405020304"/>
+                      </a:endParaRPr>
                     </a:p>
                   </a:txBody>
                   <a:tcPr marL="68580" marR="68580" marT="0" marB="0" anchor="ctr">
@@ -20313,6 +20182,10 @@
                         </a:rPr>
                         <a:t>10^(-4)</a:t>
                       </a:r>
+                      <a:endParaRPr lang="en-US" altLang="zh-CN" sz="1200">
+                        <a:latin typeface="Times New Roman" panose="02020603050405020304"/>
+                        <a:ea typeface="Times New Roman" panose="02020603050405020304"/>
+                      </a:endParaRPr>
                     </a:p>
                   </a:txBody>
                   <a:tcPr marL="68580" marR="68580" marT="0" marB="0" anchor="ctr">
@@ -20331,11 +20204,6 @@
                     <a:noFill/>
                   </a:tcPr>
                 </a:tc>
-                <a:extLst>
-                  <a:ext uri="{0D108BD9-81ED-4DB2-BD59-A6C34878D82A}">
-                    <a16:rowId xmlns:a16="http://schemas.microsoft.com/office/drawing/2014/main" val="10004"/>
-                  </a:ext>
-                </a:extLst>
               </a:tr>
               <a:tr h="574675">
                 <a:tc>
@@ -20361,6 +20229,10 @@
                         </a:rPr>
                         <a:t>Dropout</a:t>
                       </a:r>
+                      <a:endParaRPr lang="en-US" altLang="zh-CN" sz="1200">
+                        <a:latin typeface="Times New Roman" panose="02020603050405020304"/>
+                        <a:ea typeface="Times New Roman" panose="02020603050405020304"/>
+                      </a:endParaRPr>
                     </a:p>
                   </a:txBody>
                   <a:tcPr marL="68580" marR="68580" marT="0" marB="0" anchor="ctr">
@@ -20407,6 +20279,10 @@
                         </a:rPr>
                         <a:t>0.3</a:t>
                       </a:r>
+                      <a:endParaRPr lang="en-US" altLang="zh-CN" sz="1200">
+                        <a:latin typeface="Times New Roman" panose="02020603050405020304"/>
+                        <a:ea typeface="Times New Roman" panose="02020603050405020304"/>
+                      </a:endParaRPr>
                     </a:p>
                   </a:txBody>
                   <a:tcPr marL="68580" marR="68580" marT="0" marB="0" anchor="ctr">
@@ -20430,11 +20306,6 @@
                     <a:noFill/>
                   </a:tcPr>
                 </a:tc>
-                <a:extLst>
-                  <a:ext uri="{0D108BD9-81ED-4DB2-BD59-A6C34878D82A}">
-                    <a16:rowId xmlns:a16="http://schemas.microsoft.com/office/drawing/2014/main" val="10005"/>
-                  </a:ext>
-                </a:extLst>
               </a:tr>
             </a:tbl>
           </a:graphicData>
@@ -20446,7 +20317,7 @@
           <p:cNvGraphicFramePr/>
           <p:nvPr>
             <p:custDataLst>
-              <p:tags r:id="rId1"/>
+              <p:tags r:id="rId2"/>
             </p:custDataLst>
           </p:nvPr>
         </p:nvGraphicFramePr>
@@ -20459,34 +20330,10 @@
             <a:tbl>
               <a:tblPr/>
               <a:tblGrid>
-                <a:gridCol w="989330">
-                  <a:extLst>
-                    <a:ext uri="{9D8B030D-6E8A-4147-A177-3AD203B41FA5}">
-                      <a16:colId xmlns:a16="http://schemas.microsoft.com/office/drawing/2014/main" val="20000"/>
-                    </a:ext>
-                  </a:extLst>
-                </a:gridCol>
-                <a:gridCol w="1738630">
-                  <a:extLst>
-                    <a:ext uri="{9D8B030D-6E8A-4147-A177-3AD203B41FA5}">
-                      <a16:colId xmlns:a16="http://schemas.microsoft.com/office/drawing/2014/main" val="20001"/>
-                    </a:ext>
-                  </a:extLst>
-                </a:gridCol>
-                <a:gridCol w="1505585">
-                  <a:extLst>
-                    <a:ext uri="{9D8B030D-6E8A-4147-A177-3AD203B41FA5}">
-                      <a16:colId xmlns:a16="http://schemas.microsoft.com/office/drawing/2014/main" val="20002"/>
-                    </a:ext>
-                  </a:extLst>
-                </a:gridCol>
-                <a:gridCol w="1632585">
-                  <a:extLst>
-                    <a:ext uri="{9D8B030D-6E8A-4147-A177-3AD203B41FA5}">
-                      <a16:colId xmlns:a16="http://schemas.microsoft.com/office/drawing/2014/main" val="20003"/>
-                    </a:ext>
-                  </a:extLst>
-                </a:gridCol>
+                <a:gridCol w="989330"/>
+                <a:gridCol w="1738630"/>
+                <a:gridCol w="1505585"/>
+                <a:gridCol w="1632585"/>
               </a:tblGrid>
               <a:tr h="309880">
                 <a:tc>
@@ -20509,6 +20356,10 @@
                         </a:rPr>
                         <a:t>Metric</a:t>
                       </a:r>
+                      <a:endParaRPr lang="en-US" altLang="zh-CN" sz="1200">
+                        <a:latin typeface="Times New Roman" panose="02020603050405020304"/>
+                        <a:ea typeface="Times New Roman" panose="02020603050405020304"/>
+                      </a:endParaRPr>
                     </a:p>
                   </a:txBody>
                   <a:tcPr marL="68580" marR="68580" marT="0" marB="0" anchor="ctr">
@@ -20557,6 +20408,10 @@
                         </a:rPr>
                         <a:t>Training Set</a:t>
                       </a:r>
+                      <a:endParaRPr lang="en-US" altLang="zh-CN" sz="1200">
+                        <a:latin typeface="Times New Roman" panose="02020603050405020304"/>
+                        <a:ea typeface="Times New Roman" panose="02020603050405020304"/>
+                      </a:endParaRPr>
                     </a:p>
                   </a:txBody>
                   <a:tcPr marL="68580" marR="68580" marT="0" marB="0" anchor="ctr">
@@ -20605,6 +20460,10 @@
                         </a:rPr>
                         <a:t>Validation Set</a:t>
                       </a:r>
+                      <a:endParaRPr lang="en-US" altLang="zh-CN" sz="1200">
+                        <a:latin typeface="Times New Roman" panose="02020603050405020304"/>
+                        <a:ea typeface="Times New Roman" panose="02020603050405020304"/>
+                      </a:endParaRPr>
                     </a:p>
                   </a:txBody>
                   <a:tcPr marL="68580" marR="68580" marT="0" marB="0" anchor="ctr">
@@ -20653,6 +20512,10 @@
                         </a:rPr>
                         <a:t>Test Set</a:t>
                       </a:r>
+                      <a:endParaRPr lang="en-US" altLang="zh-CN" sz="1200">
+                        <a:latin typeface="Times New Roman" panose="02020603050405020304"/>
+                        <a:ea typeface="Times New Roman" panose="02020603050405020304"/>
+                      </a:endParaRPr>
                     </a:p>
                   </a:txBody>
                   <a:tcPr marL="68580" marR="68580" marT="0" marB="0" anchor="ctr">
@@ -20681,11 +20544,6 @@
                     <a:noFill/>
                   </a:tcPr>
                 </a:tc>
-                <a:extLst>
-                  <a:ext uri="{0D108BD9-81ED-4DB2-BD59-A6C34878D82A}">
-                    <a16:rowId xmlns:a16="http://schemas.microsoft.com/office/drawing/2014/main" val="10000"/>
-                  </a:ext>
-                </a:extLst>
               </a:tr>
               <a:tr h="319405">
                 <a:tc>
@@ -20708,6 +20566,10 @@
                         </a:rPr>
                         <a:t>Accuracy</a:t>
                       </a:r>
+                      <a:endParaRPr lang="en-US" altLang="zh-CN" sz="1200">
+                        <a:latin typeface="Times New Roman" panose="02020603050405020304"/>
+                        <a:ea typeface="Times New Roman" panose="02020603050405020304"/>
+                      </a:endParaRPr>
                     </a:p>
                   </a:txBody>
                   <a:tcPr marL="68580" marR="68580" marT="0" marB="0" anchor="ctr">
@@ -20751,6 +20613,10 @@
                         </a:rPr>
                         <a:t>78.65%</a:t>
                       </a:r>
+                      <a:endParaRPr lang="en-US" altLang="zh-CN" sz="1200">
+                        <a:latin typeface="Times New Roman" panose="02020603050405020304"/>
+                        <a:ea typeface="Times New Roman" panose="02020603050405020304"/>
+                      </a:endParaRPr>
                     </a:p>
                   </a:txBody>
                   <a:tcPr marL="68580" marR="68580" marT="0" marB="0" anchor="ctr">
@@ -20794,6 +20660,10 @@
                         </a:rPr>
                         <a:t>44.21%</a:t>
                       </a:r>
+                      <a:endParaRPr lang="en-US" altLang="zh-CN" sz="1200">
+                        <a:latin typeface="Times New Roman" panose="02020603050405020304"/>
+                        <a:ea typeface="Times New Roman" panose="02020603050405020304"/>
+                      </a:endParaRPr>
                     </a:p>
                   </a:txBody>
                   <a:tcPr marL="68580" marR="68580" marT="0" marB="0" anchor="ctr">
@@ -20837,6 +20707,10 @@
                         </a:rPr>
                         <a:t>33.83%</a:t>
                       </a:r>
+                      <a:endParaRPr lang="en-US" altLang="zh-CN" sz="1200">
+                        <a:latin typeface="Times New Roman" panose="02020603050405020304"/>
+                        <a:ea typeface="Times New Roman" panose="02020603050405020304"/>
+                      </a:endParaRPr>
                     </a:p>
                   </a:txBody>
                   <a:tcPr marL="68580" marR="68580" marT="0" marB="0" anchor="ctr">
@@ -20860,11 +20734,6 @@
                     <a:noFill/>
                   </a:tcPr>
                 </a:tc>
-                <a:extLst>
-                  <a:ext uri="{0D108BD9-81ED-4DB2-BD59-A6C34878D82A}">
-                    <a16:rowId xmlns:a16="http://schemas.microsoft.com/office/drawing/2014/main" val="10001"/>
-                  </a:ext>
-                </a:extLst>
               </a:tr>
               <a:tr h="311785">
                 <a:tc>
@@ -20887,6 +20756,10 @@
                         </a:rPr>
                         <a:t>F1 Score</a:t>
                       </a:r>
+                      <a:endParaRPr lang="en-US" altLang="zh-CN" sz="1200">
+                        <a:latin typeface="Times New Roman" panose="02020603050405020304"/>
+                        <a:ea typeface="Times New Roman" panose="02020603050405020304"/>
+                      </a:endParaRPr>
                     </a:p>
                   </a:txBody>
                   <a:tcPr marL="68580" marR="68580" marT="0" marB="0" anchor="ctr">
@@ -20925,6 +20798,10 @@
                         </a:rPr>
                         <a:t>-</a:t>
                       </a:r>
+                      <a:endParaRPr lang="en-US" altLang="zh-CN" sz="1200">
+                        <a:latin typeface="Times New Roman" panose="02020603050405020304"/>
+                        <a:ea typeface="Times New Roman" panose="02020603050405020304"/>
+                      </a:endParaRPr>
                     </a:p>
                   </a:txBody>
                   <a:tcPr marL="68580" marR="68580" marT="0" marB="0" anchor="ctr">
@@ -20963,6 +20840,10 @@
                         </a:rPr>
                         <a:t>16.21%</a:t>
                       </a:r>
+                      <a:endParaRPr lang="en-US" altLang="zh-CN" sz="1200">
+                        <a:latin typeface="Times New Roman" panose="02020603050405020304"/>
+                        <a:ea typeface="Times New Roman" panose="02020603050405020304"/>
+                      </a:endParaRPr>
                     </a:p>
                   </a:txBody>
                   <a:tcPr marL="68580" marR="68580" marT="0" marB="0" anchor="ctr">
@@ -21001,6 +20882,10 @@
                         </a:rPr>
                         <a:t>13.64%</a:t>
                       </a:r>
+                      <a:endParaRPr lang="en-US" altLang="zh-CN" sz="1200">
+                        <a:latin typeface="Times New Roman" panose="02020603050405020304"/>
+                        <a:ea typeface="Times New Roman" panose="02020603050405020304"/>
+                      </a:endParaRPr>
                     </a:p>
                   </a:txBody>
                   <a:tcPr marL="68580" marR="68580" marT="0" marB="0" anchor="ctr">
@@ -21019,11 +20904,6 @@
                     <a:noFill/>
                   </a:tcPr>
                 </a:tc>
-                <a:extLst>
-                  <a:ext uri="{0D108BD9-81ED-4DB2-BD59-A6C34878D82A}">
-                    <a16:rowId xmlns:a16="http://schemas.microsoft.com/office/drawing/2014/main" val="10002"/>
-                  </a:ext>
-                </a:extLst>
               </a:tr>
               <a:tr h="319405">
                 <a:tc>
@@ -21046,6 +20926,10 @@
                         </a:rPr>
                         <a:t>Precision</a:t>
                       </a:r>
+                      <a:endParaRPr lang="en-US" altLang="zh-CN" sz="1200">
+                        <a:latin typeface="Times New Roman" panose="02020603050405020304"/>
+                        <a:ea typeface="Times New Roman" panose="02020603050405020304"/>
+                      </a:endParaRPr>
                     </a:p>
                   </a:txBody>
                   <a:tcPr marL="68580" marR="68580" marT="0" marB="0" anchor="ctr">
@@ -21084,6 +20968,10 @@
                         </a:rPr>
                         <a:t>-</a:t>
                       </a:r>
+                      <a:endParaRPr lang="en-US" altLang="zh-CN" sz="1200">
+                        <a:latin typeface="Times New Roman" panose="02020603050405020304"/>
+                        <a:ea typeface="Times New Roman" panose="02020603050405020304"/>
+                      </a:endParaRPr>
                     </a:p>
                   </a:txBody>
                   <a:tcPr marL="68580" marR="68580" marT="0" marB="0" anchor="ctr">
@@ -21122,6 +21010,10 @@
                         </a:rPr>
                         <a:t>16.04%</a:t>
                       </a:r>
+                      <a:endParaRPr lang="en-US" altLang="zh-CN" sz="1200">
+                        <a:latin typeface="Times New Roman" panose="02020603050405020304"/>
+                        <a:ea typeface="Times New Roman" panose="02020603050405020304"/>
+                      </a:endParaRPr>
                     </a:p>
                   </a:txBody>
                   <a:tcPr marL="68580" marR="68580" marT="0" marB="0" anchor="ctr">
@@ -21160,6 +21052,10 @@
                         </a:rPr>
                         <a:t>14.54%</a:t>
                       </a:r>
+                      <a:endParaRPr lang="en-US" altLang="zh-CN" sz="1200">
+                        <a:latin typeface="Times New Roman" panose="02020603050405020304"/>
+                        <a:ea typeface="Times New Roman" panose="02020603050405020304"/>
+                      </a:endParaRPr>
                     </a:p>
                   </a:txBody>
                   <a:tcPr marL="68580" marR="68580" marT="0" marB="0" anchor="ctr">
@@ -21178,11 +21074,6 @@
                     <a:noFill/>
                   </a:tcPr>
                 </a:tc>
-                <a:extLst>
-                  <a:ext uri="{0D108BD9-81ED-4DB2-BD59-A6C34878D82A}">
-                    <a16:rowId xmlns:a16="http://schemas.microsoft.com/office/drawing/2014/main" val="10003"/>
-                  </a:ext>
-                </a:extLst>
               </a:tr>
               <a:tr h="311785">
                 <a:tc>
@@ -21205,6 +21096,10 @@
                         </a:rPr>
                         <a:t>Recall</a:t>
                       </a:r>
+                      <a:endParaRPr lang="en-US" altLang="zh-CN" sz="1200">
+                        <a:latin typeface="Times New Roman" panose="02020603050405020304"/>
+                        <a:ea typeface="Times New Roman" panose="02020603050405020304"/>
+                      </a:endParaRPr>
                     </a:p>
                   </a:txBody>
                   <a:tcPr marL="68580" marR="68580" marT="0" marB="0" anchor="ctr">
@@ -21243,6 +21138,10 @@
                         </a:rPr>
                         <a:t>-</a:t>
                       </a:r>
+                      <a:endParaRPr lang="en-US" altLang="zh-CN" sz="1200">
+                        <a:latin typeface="Times New Roman" panose="02020603050405020304"/>
+                        <a:ea typeface="Times New Roman" panose="02020603050405020304"/>
+                      </a:endParaRPr>
                     </a:p>
                   </a:txBody>
                   <a:tcPr marL="68580" marR="68580" marT="0" marB="0" anchor="ctr">
@@ -21281,6 +21180,10 @@
                         </a:rPr>
                         <a:t>-</a:t>
                       </a:r>
+                      <a:endParaRPr lang="en-US" altLang="zh-CN" sz="1200">
+                        <a:latin typeface="Times New Roman" panose="02020603050405020304"/>
+                        <a:ea typeface="Times New Roman" panose="02020603050405020304"/>
+                      </a:endParaRPr>
                     </a:p>
                   </a:txBody>
                   <a:tcPr marL="68580" marR="68580" marT="0" marB="0" anchor="ctr">
@@ -21319,6 +21222,10 @@
                         </a:rPr>
                         <a:t>13.27%</a:t>
                       </a:r>
+                      <a:endParaRPr lang="en-US" altLang="zh-CN" sz="1200">
+                        <a:latin typeface="Times New Roman" panose="02020603050405020304"/>
+                        <a:ea typeface="Times New Roman" panose="02020603050405020304"/>
+                      </a:endParaRPr>
                     </a:p>
                   </a:txBody>
                   <a:tcPr marL="68580" marR="68580" marT="0" marB="0" anchor="ctr">
@@ -21337,11 +21244,6 @@
                     <a:noFill/>
                   </a:tcPr>
                 </a:tc>
-                <a:extLst>
-                  <a:ext uri="{0D108BD9-81ED-4DB2-BD59-A6C34878D82A}">
-                    <a16:rowId xmlns:a16="http://schemas.microsoft.com/office/drawing/2014/main" val="10004"/>
-                  </a:ext>
-                </a:extLst>
               </a:tr>
               <a:tr h="319405">
                 <a:tc>
@@ -21364,6 +21266,10 @@
                         </a:rPr>
                         <a:t>Loss</a:t>
                       </a:r>
+                      <a:endParaRPr lang="en-US" altLang="zh-CN" sz="1200">
+                        <a:latin typeface="Times New Roman" panose="02020603050405020304"/>
+                        <a:ea typeface="Times New Roman" panose="02020603050405020304"/>
+                      </a:endParaRPr>
                     </a:p>
                   </a:txBody>
                   <a:tcPr marL="68580" marR="68580" marT="0" marB="0" anchor="ctr">
@@ -21407,6 +21313,10 @@
                         </a:rPr>
                         <a:t>0.6623</a:t>
                       </a:r>
+                      <a:endParaRPr lang="en-US" altLang="zh-CN" sz="1200">
+                        <a:latin typeface="Times New Roman" panose="02020603050405020304"/>
+                        <a:ea typeface="Times New Roman" panose="02020603050405020304"/>
+                      </a:endParaRPr>
                     </a:p>
                   </a:txBody>
                   <a:tcPr marL="68580" marR="68580" marT="0" marB="0" anchor="ctr">
@@ -21450,6 +21360,10 @@
                         </a:rPr>
                         <a:t>3.8041</a:t>
                       </a:r>
+                      <a:endParaRPr lang="en-US" altLang="zh-CN" sz="1200">
+                        <a:latin typeface="Times New Roman" panose="02020603050405020304"/>
+                        <a:ea typeface="Times New Roman" panose="02020603050405020304"/>
+                      </a:endParaRPr>
                     </a:p>
                   </a:txBody>
                   <a:tcPr marL="68580" marR="68580" marT="0" marB="0" anchor="ctr">
@@ -21493,6 +21407,10 @@
                         </a:rPr>
                         <a:t>-</a:t>
                       </a:r>
+                      <a:endParaRPr lang="en-US" altLang="zh-CN" sz="1200">
+                        <a:latin typeface="Times New Roman" panose="02020603050405020304"/>
+                        <a:ea typeface="Times New Roman" panose="02020603050405020304"/>
+                      </a:endParaRPr>
                     </a:p>
                   </a:txBody>
                   <a:tcPr marL="68580" marR="68580" marT="0" marB="0" anchor="ctr">
@@ -21516,11 +21434,6 @@
                     <a:noFill/>
                   </a:tcPr>
                 </a:tc>
-                <a:extLst>
-                  <a:ext uri="{0D108BD9-81ED-4DB2-BD59-A6C34878D82A}">
-                    <a16:rowId xmlns:a16="http://schemas.microsoft.com/office/drawing/2014/main" val="10005"/>
-                  </a:ext>
-                </a:extLst>
               </a:tr>
             </a:tbl>
           </a:graphicData>
@@ -21535,7 +21448,7 @@
           <p:nvPr/>
         </p:nvPicPr>
         <p:blipFill>
-          <a:blip r:embed="rId5"/>
+          <a:blip r:embed="rId3"/>
           <a:stretch>
             <a:fillRect/>
           </a:stretch>
@@ -21702,6 +21615,11 @@
               </a:rPr>
               <a:t>Learnable</a:t>
             </a:r>
+            <a:endParaRPr lang="en-US" altLang="zh-CN" sz="2800" b="1">
+              <a:solidFill>
+                <a:schemeClr val="bg1"/>
+              </a:solidFill>
+            </a:endParaRPr>
           </a:p>
         </p:txBody>
       </p:sp>
@@ -21862,6 +21780,11 @@
               </a:rPr>
               <a:t>Overfitting</a:t>
             </a:r>
+            <a:endParaRPr lang="en-US" altLang="zh-CN" sz="2800" b="1">
+              <a:solidFill>
+                <a:schemeClr val="bg1"/>
+              </a:solidFill>
+            </a:endParaRPr>
           </a:p>
         </p:txBody>
       </p:sp>
@@ -21892,12 +21815,12 @@
       </p:grpSpPr>
       <p:pic>
         <p:nvPicPr>
-          <p:cNvPr id="78" name="Google Shape;78;p2"/>
+          <p:cNvPr id="15" name="Google Shape;78;p2"/>
           <p:cNvPicPr preferRelativeResize="0"/>
           <p:nvPr/>
         </p:nvPicPr>
         <p:blipFill rotWithShape="1">
-          <a:blip r:embed="rId3"/>
+          <a:blip r:embed="rId1"/>
           <a:srcRect/>
           <a:stretch>
             <a:fillRect/>
@@ -21919,7 +21842,7 @@
       </p:pic>
       <p:sp>
         <p:nvSpPr>
-          <p:cNvPr id="79" name="Google Shape;79;p2"/>
+          <p:cNvPr id="16" name="Google Shape;79;p2"/>
           <p:cNvSpPr txBox="1">
             <a:spLocks noGrp="1"/>
           </p:cNvSpPr>
@@ -21981,14 +21904,14 @@
       </p:sp>
       <p:pic>
         <p:nvPicPr>
-          <p:cNvPr id="7" name="图片 3" descr="IMG_256"/>
+          <p:cNvPr id="18" name="图片 3" descr="IMG_256"/>
           <p:cNvPicPr>
             <a:picLocks noChangeAspect="1"/>
           </p:cNvPicPr>
           <p:nvPr/>
         </p:nvPicPr>
         <p:blipFill>
-          <a:blip r:embed="rId4"/>
+          <a:blip r:embed="rId2"/>
           <a:stretch>
             <a:fillRect/>
           </a:stretch>
@@ -21996,7 +21919,7 @@
         <p:spPr>
           <a:xfrm>
             <a:off x="109855" y="775335"/>
-            <a:ext cx="5779135" cy="2454910"/>
+            <a:ext cx="8638540" cy="3669665"/>
           </a:xfrm>
           <a:prstGeom prst="rect">
             <a:avLst/>
@@ -22009,14 +21932,14 @@
       </p:pic>
       <p:sp>
         <p:nvSpPr>
-          <p:cNvPr id="10" name="文本框 9"/>
+          <p:cNvPr id="19" name="文本框 18"/>
           <p:cNvSpPr txBox="1"/>
           <p:nvPr/>
         </p:nvSpPr>
         <p:spPr>
           <a:xfrm>
-            <a:off x="4013835" y="895350"/>
-            <a:ext cx="4855845" cy="521970"/>
+            <a:off x="775335" y="1092835"/>
+            <a:ext cx="4653915" cy="521970"/>
           </a:xfrm>
           <a:prstGeom prst="rect">
             <a:avLst/>
@@ -22031,24 +21954,23 @@
           <a:bodyPr wrap="square" rtlCol="0" anchor="t">
             <a:spAutoFit/>
           </a:bodyPr>
-          <a:lstStyle/>
           <a:p>
             <a:r>
               <a:rPr lang="en-US" altLang="zh-CN" sz="2800" b="1">
                 <a:solidFill>
                   <a:schemeClr val="bg1"/>
                 </a:solidFill>
+                <a:sym typeface="+mn-ea"/>
               </a:rPr>
-              <a:t>CLOSED questiosn </a:t>
+              <a:t>better </a:t>
             </a:r>
             <a:r>
               <a:rPr lang="en-US" altLang="zh-CN" sz="2800" b="1">
                 <a:solidFill>
                   <a:schemeClr val="bg1"/>
                 </a:solidFill>
-                <a:sym typeface="+mn-ea"/>
               </a:rPr>
-              <a:t>better </a:t>
+              <a:t>CLOSED question </a:t>
             </a:r>
             <a:endParaRPr lang="en-US" altLang="zh-CN" sz="2800" b="1">
               <a:solidFill>
@@ -22060,14 +21982,14 @@
       </p:sp>
       <p:cxnSp>
         <p:nvCxnSpPr>
-          <p:cNvPr id="3" name="直接箭头连接符 2"/>
+          <p:cNvPr id="20" name="直接箭头连接符 19"/>
           <p:cNvCxnSpPr/>
           <p:nvPr/>
         </p:nvCxnSpPr>
         <p:spPr>
           <a:xfrm flipH="1">
-            <a:off x="1139190" y="1266190"/>
-            <a:ext cx="379730" cy="676910"/>
+            <a:off x="1282065" y="1600835"/>
+            <a:ext cx="420370" cy="872490"/>
           </a:xfrm>
           <a:prstGeom prst="straightConnector1">
             <a:avLst/>
@@ -22098,13 +22020,13 @@
       </p:cxnSp>
       <p:sp>
         <p:nvSpPr>
-          <p:cNvPr id="17" name="文本框 16"/>
+          <p:cNvPr id="21" name="文本框 20"/>
           <p:cNvSpPr txBox="1"/>
           <p:nvPr/>
         </p:nvSpPr>
         <p:spPr>
           <a:xfrm>
-            <a:off x="4013835" y="1614805"/>
+            <a:off x="3787775" y="2221865"/>
             <a:ext cx="4855845" cy="521970"/>
           </a:xfrm>
           <a:prstGeom prst="rect">
@@ -22127,7 +22049,6 @@
           <a:bodyPr wrap="square" rtlCol="0" anchor="t">
             <a:spAutoFit/>
           </a:bodyPr>
-          <a:lstStyle/>
           <a:p>
             <a:r>
               <a:rPr lang="en-US" altLang="zh-CN" sz="2800" b="1">
@@ -22137,19 +22058,24 @@
               </a:rPr>
               <a:t>Low generalization ability</a:t>
             </a:r>
+            <a:endParaRPr lang="en-US" altLang="zh-CN" sz="2800" b="1">
+              <a:solidFill>
+                <a:schemeClr val="bg1"/>
+              </a:solidFill>
+            </a:endParaRPr>
           </a:p>
         </p:txBody>
       </p:sp>
       <p:cxnSp>
         <p:nvCxnSpPr>
-          <p:cNvPr id="13" name="直接箭头连接符 12"/>
+          <p:cNvPr id="22" name="直接箭头连接符 21"/>
           <p:cNvCxnSpPr/>
           <p:nvPr/>
         </p:nvCxnSpPr>
         <p:spPr>
           <a:xfrm>
-            <a:off x="4013835" y="2461895"/>
-            <a:ext cx="1778000" cy="11430"/>
+            <a:off x="5832475" y="3338830"/>
+            <a:ext cx="2654935" cy="0"/>
           </a:xfrm>
           <a:prstGeom prst="straightConnector1">
             <a:avLst/>
@@ -22161,6 +22087,85 @@
               </a:schemeClr>
             </a:solidFill>
             <a:headEnd type="arrow" w="med" len="med"/>
+            <a:tailEnd type="arrow" w="med" len="med"/>
+          </a:ln>
+        </p:spPr>
+        <p:style>
+          <a:lnRef idx="3">
+            <a:schemeClr val="accent1"/>
+          </a:lnRef>
+          <a:fillRef idx="0">
+            <a:srgbClr val="FFFFFF"/>
+          </a:fillRef>
+          <a:effectRef idx="0">
+            <a:srgbClr val="FFFFFF"/>
+          </a:effectRef>
+          <a:fontRef idx="minor">
+            <a:schemeClr val="tx1"/>
+          </a:fontRef>
+        </p:style>
+      </p:cxnSp>
+      <p:sp>
+        <p:nvSpPr>
+          <p:cNvPr id="23" name="文本框 22"/>
+          <p:cNvSpPr txBox="1"/>
+          <p:nvPr/>
+        </p:nvSpPr>
+        <p:spPr>
+          <a:xfrm>
+            <a:off x="4451350" y="4445000"/>
+            <a:ext cx="4542155" cy="558800"/>
+          </a:xfrm>
+          <a:prstGeom prst="rect">
+            <a:avLst/>
+          </a:prstGeom>
+          <a:solidFill>
+            <a:schemeClr val="accent6">
+              <a:lumMod val="75000"/>
+            </a:schemeClr>
+          </a:solidFill>
+        </p:spPr>
+        <p:txBody>
+          <a:bodyPr wrap="square" rtlCol="0" anchor="t">
+            <a:noAutofit/>
+          </a:bodyPr>
+          <a:p>
+            <a:r>
+              <a:rPr lang="en-US" altLang="zh-CN" sz="2800" b="1">
+                <a:solidFill>
+                  <a:schemeClr val="bg1"/>
+                </a:solidFill>
+              </a:rPr>
+              <a:t>Category imbalance</a:t>
+            </a:r>
+            <a:endParaRPr lang="en-US" altLang="zh-CN" sz="2800" b="1">
+              <a:solidFill>
+                <a:schemeClr val="bg1"/>
+              </a:solidFill>
+            </a:endParaRPr>
+          </a:p>
+        </p:txBody>
+      </p:sp>
+      <p:cxnSp>
+        <p:nvCxnSpPr>
+          <p:cNvPr id="24" name="直接箭头连接符 23"/>
+          <p:cNvCxnSpPr>
+            <a:stCxn id="23" idx="0"/>
+          </p:cNvCxnSpPr>
+          <p:nvPr/>
+        </p:nvCxnSpPr>
+        <p:spPr>
+          <a:xfrm flipH="1" flipV="1">
+            <a:off x="6380480" y="3731895"/>
+            <a:ext cx="342265" cy="713105"/>
+          </a:xfrm>
+          <a:prstGeom prst="straightConnector1">
+            <a:avLst/>
+          </a:prstGeom>
+          <a:ln>
+            <a:solidFill>
+              <a:srgbClr val="4E75A3"/>
+            </a:solidFill>
             <a:tailEnd type="arrow" w="med" len="med"/>
           </a:ln>
         </p:spPr>
@@ -22211,7 +22216,7 @@
           <p:nvPr/>
         </p:nvPicPr>
         <p:blipFill rotWithShape="1">
-          <a:blip r:embed="rId4"/>
+          <a:blip r:embed="rId1"/>
           <a:srcRect/>
           <a:stretch>
             <a:fillRect/>
@@ -22293,6 +22298,12 @@
               </a:rPr>
               <a:t>Generative Model</a:t>
             </a:r>
+            <a:endParaRPr lang="en-US" altLang="zh-CN" sz="3600" b="1" dirty="0">
+              <a:solidFill>
+                <a:schemeClr val="bg1"/>
+              </a:solidFill>
+              <a:ea typeface="宋体" panose="02010600030101010101" pitchFamily="2" charset="-122"/>
+            </a:endParaRPr>
           </a:p>
         </p:txBody>
       </p:sp>
@@ -22305,7 +22316,7 @@
           <p:nvPr/>
         </p:nvPicPr>
         <p:blipFill>
-          <a:blip r:embed="rId5">
+          <a:blip r:embed="rId2">
             <a:extLst>
               <a:ext uri="{28A0092B-C50C-407E-A947-70E740481C1C}">
                 <a14:useLocalDpi xmlns:a14="http://schemas.microsoft.com/office/drawing/2010/main" val="0"/>
@@ -22568,6 +22579,14 @@
               </a:rPr>
               <a:t>Why quickly decline ?</a:t>
             </a:r>
+            <a:endParaRPr lang="en-US" altLang="zh-CN" sz="1800" b="1" dirty="0">
+              <a:solidFill>
+                <a:schemeClr val="accent4">
+                  <a:lumMod val="75000"/>
+                </a:schemeClr>
+              </a:solidFill>
+              <a:latin typeface="quote-cjk-patch"/>
+            </a:endParaRPr>
           </a:p>
           <a:p>
             <a:pPr lvl="1">
@@ -22618,6 +22637,15 @@
               </a:rPr>
               <a:t>What has been proved? </a:t>
             </a:r>
+            <a:endParaRPr lang="en-US" altLang="zh-CN" sz="1800" b="1" dirty="0">
+              <a:solidFill>
+                <a:schemeClr val="accent4">
+                  <a:lumMod val="75000"/>
+                </a:schemeClr>
+              </a:solidFill>
+              <a:latin typeface="quote-cjk-patch"/>
+              <a:ea typeface="quote-cjk-patch"/>
+            </a:endParaRPr>
           </a:p>
           <a:p>
             <a:pPr lvl="1">
@@ -22661,6 +22689,14 @@
               </a:rPr>
               <a:t> optimizer appropriately set</a:t>
             </a:r>
+            <a:endParaRPr lang="en-US" altLang="zh-CN" sz="1600" dirty="0">
+              <a:solidFill>
+                <a:srgbClr val="0F1115"/>
+              </a:solidFill>
+              <a:latin typeface="Arial" panose="020B0604020202020204" pitchFamily="34" charset="0"/>
+              <a:ea typeface="quote-cjk-patch"/>
+              <a:cs typeface="Arial" panose="020B0604020202020204" pitchFamily="34" charset="0"/>
+            </a:endParaRPr>
           </a:p>
         </p:txBody>
       </p:sp>
@@ -22670,13 +22706,8 @@
           <p:cNvGraphicFramePr/>
           <p:nvPr>
             <p:custDataLst>
-              <p:tags r:id="rId1"/>
+              <p:tags r:id="rId3"/>
             </p:custDataLst>
-            <p:extLst>
-              <p:ext uri="{D42A27DB-BD31-4B8C-83A1-F6EECF244321}">
-                <p14:modId xmlns:p14="http://schemas.microsoft.com/office/powerpoint/2010/main" val="123407392"/>
-              </p:ext>
-            </p:extLst>
           </p:nvPr>
         </p:nvGraphicFramePr>
         <p:xfrm>
@@ -22688,34 +22719,10 @@
             <a:tbl>
               <a:tblPr/>
               <a:tblGrid>
-                <a:gridCol w="2779312">
-                  <a:extLst>
-                    <a:ext uri="{9D8B030D-6E8A-4147-A177-3AD203B41FA5}">
-                      <a16:colId xmlns:a16="http://schemas.microsoft.com/office/drawing/2014/main" val="20000"/>
-                    </a:ext>
-                  </a:extLst>
-                </a:gridCol>
-                <a:gridCol w="1922087">
-                  <a:extLst>
-                    <a:ext uri="{9D8B030D-6E8A-4147-A177-3AD203B41FA5}">
-                      <a16:colId xmlns:a16="http://schemas.microsoft.com/office/drawing/2014/main" val="20001"/>
-                    </a:ext>
-                  </a:extLst>
-                </a:gridCol>
-                <a:gridCol w="1584676">
-                  <a:extLst>
-                    <a:ext uri="{9D8B030D-6E8A-4147-A177-3AD203B41FA5}">
-                      <a16:colId xmlns:a16="http://schemas.microsoft.com/office/drawing/2014/main" val="20002"/>
-                    </a:ext>
-                  </a:extLst>
-                </a:gridCol>
-                <a:gridCol w="2095117">
-                  <a:extLst>
-                    <a:ext uri="{9D8B030D-6E8A-4147-A177-3AD203B41FA5}">
-                      <a16:colId xmlns:a16="http://schemas.microsoft.com/office/drawing/2014/main" val="20003"/>
-                    </a:ext>
-                  </a:extLst>
-                </a:gridCol>
+                <a:gridCol w="2779312"/>
+                <a:gridCol w="1922087"/>
+                <a:gridCol w="1584676"/>
+                <a:gridCol w="2095117"/>
               </a:tblGrid>
               <a:tr h="338803">
                 <a:tc>
@@ -22739,6 +22746,14 @@
                         </a:rPr>
                         <a:t>Question Type</a:t>
                       </a:r>
+                      <a:endParaRPr lang="en-US" altLang="zh-CN" sz="1400" b="1" i="0" dirty="0">
+                        <a:solidFill>
+                          <a:srgbClr val="0F1115"/>
+                        </a:solidFill>
+                        <a:latin typeface="Arial" panose="020B0604020202020204" pitchFamily="34" charset="0"/>
+                        <a:ea typeface="quote-cjk-patch"/>
+                        <a:cs typeface="Arial" panose="020B0604020202020204" pitchFamily="34" charset="0"/>
+                      </a:endParaRPr>
                     </a:p>
                   </a:txBody>
                   <a:tcPr marL="0" marR="152717" marT="95567" marB="95567" anchor="ctr">
@@ -22784,6 +22799,14 @@
                         </a:rPr>
                         <a:t>Accuracy</a:t>
                       </a:r>
+                      <a:endParaRPr lang="en-US" altLang="zh-CN" sz="1400" b="1" i="0" dirty="0">
+                        <a:solidFill>
+                          <a:srgbClr val="0F1115"/>
+                        </a:solidFill>
+                        <a:latin typeface="Arial" panose="020B0604020202020204" pitchFamily="34" charset="0"/>
+                        <a:ea typeface="quote-cjk-patch"/>
+                        <a:cs typeface="Arial" panose="020B0604020202020204" pitchFamily="34" charset="0"/>
+                      </a:endParaRPr>
                     </a:p>
                   </a:txBody>
                   <a:tcPr marL="152717" marR="152717" marT="95567" marB="95567" anchor="ctr">
@@ -22829,6 +22852,14 @@
                         </a:rPr>
                         <a:t>BLEU-1</a:t>
                       </a:r>
+                      <a:endParaRPr lang="en-US" altLang="zh-CN" sz="1400" b="1" i="0">
+                        <a:solidFill>
+                          <a:srgbClr val="0F1115"/>
+                        </a:solidFill>
+                        <a:latin typeface="Arial" panose="020B0604020202020204" pitchFamily="34" charset="0"/>
+                        <a:ea typeface="quote-cjk-patch"/>
+                        <a:cs typeface="Arial" panose="020B0604020202020204" pitchFamily="34" charset="0"/>
+                      </a:endParaRPr>
                     </a:p>
                   </a:txBody>
                   <a:tcPr marL="152717" marR="152717" marT="95567" marB="95567" anchor="ctr">
@@ -22874,6 +22905,14 @@
                         </a:rPr>
                         <a:t>BERTScore-F1</a:t>
                       </a:r>
+                      <a:endParaRPr lang="en-US" altLang="zh-CN" sz="1400" b="1" i="0" dirty="0">
+                        <a:solidFill>
+                          <a:srgbClr val="0F1115"/>
+                        </a:solidFill>
+                        <a:latin typeface="Arial" panose="020B0604020202020204" pitchFamily="34" charset="0"/>
+                        <a:ea typeface="quote-cjk-patch"/>
+                        <a:cs typeface="Arial" panose="020B0604020202020204" pitchFamily="34" charset="0"/>
+                      </a:endParaRPr>
                     </a:p>
                   </a:txBody>
                   <a:tcPr marL="152717" marR="152717" marT="95567" marB="95567" anchor="ctr">
@@ -22898,11 +22937,6 @@
                     <a:noFill/>
                   </a:tcPr>
                 </a:tc>
-                <a:extLst>
-                  <a:ext uri="{0D108BD9-81ED-4DB2-BD59-A6C34878D82A}">
-                    <a16:rowId xmlns:a16="http://schemas.microsoft.com/office/drawing/2014/main" val="10000"/>
-                  </a:ext>
-                </a:extLst>
               </a:tr>
               <a:tr h="338803">
                 <a:tc>
@@ -22926,6 +22960,14 @@
                         </a:rPr>
                         <a:t>Closed-Ended Questions</a:t>
                       </a:r>
+                      <a:endParaRPr lang="en-US" altLang="zh-CN" sz="1400" b="0" i="0">
+                        <a:solidFill>
+                          <a:srgbClr val="0F1115"/>
+                        </a:solidFill>
+                        <a:latin typeface="Arial" panose="020B0604020202020204" pitchFamily="34" charset="0"/>
+                        <a:ea typeface="quote-cjk-patch"/>
+                        <a:cs typeface="Arial" panose="020B0604020202020204" pitchFamily="34" charset="0"/>
+                      </a:endParaRPr>
                     </a:p>
                   </a:txBody>
                   <a:tcPr marL="0" marR="152717" marT="95567" marB="95567" anchor="ctr">
@@ -22967,6 +23009,16 @@
                         </a:rPr>
                         <a:t>63.03%</a:t>
                       </a:r>
+                      <a:endParaRPr lang="en-US" altLang="zh-CN" sz="1400" b="1" i="0" dirty="0">
+                        <a:solidFill>
+                          <a:schemeClr val="accent1">
+                            <a:lumMod val="75000"/>
+                          </a:schemeClr>
+                        </a:solidFill>
+                        <a:latin typeface="Arial" panose="020B0604020202020204" pitchFamily="34" charset="0"/>
+                        <a:ea typeface="quote-cjk-patch"/>
+                        <a:cs typeface="Arial" panose="020B0604020202020204" pitchFamily="34" charset="0"/>
+                      </a:endParaRPr>
                     </a:p>
                   </a:txBody>
                   <a:tcPr marL="152717" marR="152717" marT="95567" marB="95567" anchor="ctr">
@@ -23006,6 +23058,14 @@
                         </a:rPr>
                         <a:t>–</a:t>
                       </a:r>
+                      <a:endParaRPr lang="en-US" altLang="zh-CN" sz="1400" b="0" i="0" dirty="0">
+                        <a:solidFill>
+                          <a:srgbClr val="0F1115"/>
+                        </a:solidFill>
+                        <a:latin typeface="Arial" panose="020B0604020202020204" pitchFamily="34" charset="0"/>
+                        <a:ea typeface="quote-cjk-patch"/>
+                        <a:cs typeface="Arial" panose="020B0604020202020204" pitchFamily="34" charset="0"/>
+                      </a:endParaRPr>
                     </a:p>
                   </a:txBody>
                   <a:tcPr marL="152717" marR="152717" marT="95567" marB="95567" anchor="ctr">
@@ -23045,6 +23105,14 @@
                         </a:rPr>
                         <a:t>–</a:t>
                       </a:r>
+                      <a:endParaRPr lang="en-US" altLang="zh-CN" sz="1400" b="0" i="0" dirty="0">
+                        <a:solidFill>
+                          <a:srgbClr val="0F1115"/>
+                        </a:solidFill>
+                        <a:latin typeface="Arial" panose="020B0604020202020204" pitchFamily="34" charset="0"/>
+                        <a:ea typeface="quote-cjk-patch"/>
+                        <a:cs typeface="Arial" panose="020B0604020202020204" pitchFamily="34" charset="0"/>
+                      </a:endParaRPr>
                     </a:p>
                   </a:txBody>
                   <a:tcPr marL="152717" marR="0" marT="95567" marB="95567" anchor="ctr">
@@ -23063,11 +23131,6 @@
                     <a:noFill/>
                   </a:tcPr>
                 </a:tc>
-                <a:extLst>
-                  <a:ext uri="{0D108BD9-81ED-4DB2-BD59-A6C34878D82A}">
-                    <a16:rowId xmlns:a16="http://schemas.microsoft.com/office/drawing/2014/main" val="10001"/>
-                  </a:ext>
-                </a:extLst>
               </a:tr>
               <a:tr h="338803">
                 <a:tc>
@@ -23091,6 +23154,14 @@
                         </a:rPr>
                         <a:t>Open-Ended Questions</a:t>
                       </a:r>
+                      <a:endParaRPr lang="en-US" altLang="zh-CN" sz="1400" b="0" i="0">
+                        <a:solidFill>
+                          <a:srgbClr val="0F1115"/>
+                        </a:solidFill>
+                        <a:latin typeface="Arial" panose="020B0604020202020204" pitchFamily="34" charset="0"/>
+                        <a:ea typeface="quote-cjk-patch"/>
+                        <a:cs typeface="Arial" panose="020B0604020202020204" pitchFamily="34" charset="0"/>
+                      </a:endParaRPr>
                     </a:p>
                   </a:txBody>
                   <a:tcPr marL="0" marR="152717" marT="95567" marB="95567" anchor="ctr">
@@ -23130,6 +23201,14 @@
                         </a:rPr>
                         <a:t>–</a:t>
                       </a:r>
+                      <a:endParaRPr lang="en-US" altLang="zh-CN" sz="1400" b="0" i="0" dirty="0">
+                        <a:solidFill>
+                          <a:srgbClr val="0F1115"/>
+                        </a:solidFill>
+                        <a:latin typeface="Arial" panose="020B0604020202020204" pitchFamily="34" charset="0"/>
+                        <a:ea typeface="quote-cjk-patch"/>
+                        <a:cs typeface="Arial" panose="020B0604020202020204" pitchFamily="34" charset="0"/>
+                      </a:endParaRPr>
                     </a:p>
                   </a:txBody>
                   <a:tcPr marL="152717" marR="152717" marT="95567" marB="95567" anchor="ctr">
@@ -23171,6 +23250,16 @@
                         </a:rPr>
                         <a:t>0.084</a:t>
                       </a:r>
+                      <a:endParaRPr lang="en-US" altLang="zh-CN" sz="1400" b="1" i="0" dirty="0">
+                        <a:solidFill>
+                          <a:schemeClr val="accent2">
+                            <a:lumMod val="75000"/>
+                          </a:schemeClr>
+                        </a:solidFill>
+                        <a:latin typeface="Arial" panose="020B0604020202020204" pitchFamily="34" charset="0"/>
+                        <a:ea typeface="quote-cjk-patch"/>
+                        <a:cs typeface="Arial" panose="020B0604020202020204" pitchFamily="34" charset="0"/>
+                      </a:endParaRPr>
                     </a:p>
                   </a:txBody>
                   <a:tcPr marL="152717" marR="152717" marT="95567" marB="95567" anchor="ctr">
@@ -23212,6 +23301,16 @@
                         </a:rPr>
                         <a:t>0.911</a:t>
                       </a:r>
+                      <a:endParaRPr lang="en-US" altLang="zh-CN" sz="1400" b="1" i="0" dirty="0">
+                        <a:solidFill>
+                          <a:schemeClr val="accent4">
+                            <a:lumMod val="75000"/>
+                          </a:schemeClr>
+                        </a:solidFill>
+                        <a:latin typeface="Arial" panose="020B0604020202020204" pitchFamily="34" charset="0"/>
+                        <a:ea typeface="quote-cjk-patch"/>
+                        <a:cs typeface="Arial" panose="020B0604020202020204" pitchFamily="34" charset="0"/>
+                      </a:endParaRPr>
                     </a:p>
                   </a:txBody>
                   <a:tcPr marL="152717" marR="0" marT="95567" marB="95567" anchor="ctr">
@@ -23230,11 +23329,6 @@
                     <a:noFill/>
                   </a:tcPr>
                 </a:tc>
-                <a:extLst>
-                  <a:ext uri="{0D108BD9-81ED-4DB2-BD59-A6C34878D82A}">
-                    <a16:rowId xmlns:a16="http://schemas.microsoft.com/office/drawing/2014/main" val="10002"/>
-                  </a:ext>
-                </a:extLst>
               </a:tr>
               <a:tr h="338803">
                 <a:tc>
@@ -23258,6 +23352,14 @@
                         </a:rPr>
                         <a:t>Overall</a:t>
                       </a:r>
+                      <a:endParaRPr lang="en-US" altLang="zh-CN" sz="1400" b="0" i="0" dirty="0">
+                        <a:solidFill>
+                          <a:srgbClr val="0F1115"/>
+                        </a:solidFill>
+                        <a:latin typeface="Arial" panose="020B0604020202020204" pitchFamily="34" charset="0"/>
+                        <a:ea typeface="quote-cjk-patch"/>
+                        <a:cs typeface="Arial" panose="020B0604020202020204" pitchFamily="34" charset="0"/>
+                      </a:endParaRPr>
                     </a:p>
                   </a:txBody>
                   <a:tcPr marL="0" marR="152717" marT="95567" marB="95567" anchor="ctr">
@@ -23303,6 +23405,14 @@
                         </a:rPr>
                         <a:t>36.00%</a:t>
                       </a:r>
+                      <a:endParaRPr lang="en-US" altLang="zh-CN" sz="1400" b="0" i="0">
+                        <a:solidFill>
+                          <a:srgbClr val="0F1115"/>
+                        </a:solidFill>
+                        <a:latin typeface="Arial" panose="020B0604020202020204" pitchFamily="34" charset="0"/>
+                        <a:ea typeface="quote-cjk-patch"/>
+                        <a:cs typeface="Arial" panose="020B0604020202020204" pitchFamily="34" charset="0"/>
+                      </a:endParaRPr>
                     </a:p>
                   </a:txBody>
                   <a:tcPr marL="152717" marR="152717" marT="95567" marB="95567" anchor="ctr">
@@ -23348,6 +23458,14 @@
                         </a:rPr>
                         <a:t>–</a:t>
                       </a:r>
+                      <a:endParaRPr lang="en-US" altLang="zh-CN" sz="1400" b="0" i="0">
+                        <a:solidFill>
+                          <a:srgbClr val="0F1115"/>
+                        </a:solidFill>
+                        <a:latin typeface="Arial" panose="020B0604020202020204" pitchFamily="34" charset="0"/>
+                        <a:ea typeface="quote-cjk-patch"/>
+                        <a:cs typeface="Arial" panose="020B0604020202020204" pitchFamily="34" charset="0"/>
+                      </a:endParaRPr>
                     </a:p>
                   </a:txBody>
                   <a:tcPr marL="152717" marR="152717" marT="95567" marB="95567" anchor="ctr">
@@ -23393,6 +23511,14 @@
                         </a:rPr>
                         <a:t>–</a:t>
                       </a:r>
+                      <a:endParaRPr lang="en-US" altLang="zh-CN" sz="1400" b="0" i="0" dirty="0">
+                        <a:solidFill>
+                          <a:srgbClr val="0F1115"/>
+                        </a:solidFill>
+                        <a:latin typeface="Arial" panose="020B0604020202020204" pitchFamily="34" charset="0"/>
+                        <a:ea typeface="quote-cjk-patch"/>
+                        <a:cs typeface="Arial" panose="020B0604020202020204" pitchFamily="34" charset="0"/>
+                      </a:endParaRPr>
                     </a:p>
                   </a:txBody>
                   <a:tcPr marL="152717" marR="0" marT="95567" marB="95567" anchor="ctr">
@@ -23417,11 +23543,6 @@
                     <a:noFill/>
                   </a:tcPr>
                 </a:tc>
-                <a:extLst>
-                  <a:ext uri="{0D108BD9-81ED-4DB2-BD59-A6C34878D82A}">
-                    <a16:rowId xmlns:a16="http://schemas.microsoft.com/office/drawing/2014/main" val="10003"/>
-                  </a:ext>
-                </a:extLst>
               </a:tr>
             </a:tbl>
           </a:graphicData>
@@ -23461,6 +23582,11 @@
               </a:rPr>
               <a:t>Core Contradiction</a:t>
             </a:r>
+            <a:endParaRPr lang="en-US" altLang="zh-CN" sz="1600" b="1">
+              <a:solidFill>
+                <a:schemeClr val="bg1"/>
+              </a:solidFill>
+            </a:endParaRPr>
           </a:p>
         </p:txBody>
       </p:sp>
@@ -23496,7 +23622,7 @@
           <p:nvPr/>
         </p:nvPicPr>
         <p:blipFill rotWithShape="1">
-          <a:blip r:embed="rId3"/>
+          <a:blip r:embed="rId1"/>
           <a:srcRect/>
           <a:stretch>
             <a:fillRect/>
@@ -23622,13 +23748,23 @@
               </a:rPr>
               <a:t>Experimental Differences and Impact</a:t>
             </a:r>
+            <a:endParaRPr lang="en-US" altLang="zh-CN" sz="2000" b="1" dirty="0">
+              <a:solidFill>
+                <a:schemeClr val="accent4">
+                  <a:lumMod val="75000"/>
+                </a:schemeClr>
+              </a:solidFill>
+              <a:latin typeface="Arial" panose="020B0604020202020204" pitchFamily="34" charset="0"/>
+              <a:ea typeface="JetBrains Mono"/>
+              <a:cs typeface="Arial" panose="020B0604020202020204" pitchFamily="34" charset="0"/>
+            </a:endParaRPr>
           </a:p>
           <a:p>
             <a:pPr marL="285750" indent="-285750">
               <a:lnSpc>
                 <a:spcPct val="150000"/>
               </a:lnSpc>
-              <a:buFont typeface="Wingdings" pitchFamily="2" charset="2"/>
+              <a:buFont typeface="Wingdings" panose="05000000000000000000" pitchFamily="2" charset="2"/>
               <a:buChar char="n"/>
             </a:pPr>
             <a:r>
@@ -23676,7 +23812,7 @@
               <a:lnSpc>
                 <a:spcPct val="150000"/>
               </a:lnSpc>
-              <a:buFont typeface="Wingdings" pitchFamily="2" charset="2"/>
+              <a:buFont typeface="Wingdings" panose="05000000000000000000" pitchFamily="2" charset="2"/>
               <a:buChar char="n"/>
             </a:pPr>
             <a:r>
@@ -23733,7 +23869,7 @@
               <a:lnSpc>
                 <a:spcPct val="150000"/>
               </a:lnSpc>
-              <a:buFont typeface="Wingdings" pitchFamily="2" charset="2"/>
+              <a:buFont typeface="Wingdings" panose="05000000000000000000" pitchFamily="2" charset="2"/>
               <a:buChar char="n"/>
             </a:pPr>
             <a:r>
@@ -23827,13 +23963,22 @@
               </a:rPr>
               <a:t> findings </a:t>
             </a:r>
+            <a:endParaRPr lang="en-MY" altLang="zh-CN" sz="2000" b="1" dirty="0">
+              <a:solidFill>
+                <a:schemeClr val="accent4">
+                  <a:lumMod val="75000"/>
+                </a:schemeClr>
+              </a:solidFill>
+              <a:latin typeface="Arial" panose="020B0604020202020204" pitchFamily="34" charset="0"/>
+              <a:cs typeface="Arial" panose="020B0604020202020204" pitchFamily="34" charset="0"/>
+            </a:endParaRPr>
           </a:p>
           <a:p>
             <a:pPr marL="285750" indent="-285750">
               <a:lnSpc>
                 <a:spcPct val="150000"/>
               </a:lnSpc>
-              <a:buFont typeface="Wingdings" pitchFamily="2" charset="2"/>
+              <a:buFont typeface="Wingdings" panose="05000000000000000000" pitchFamily="2" charset="2"/>
               <a:buChar char="n"/>
             </a:pPr>
             <a:r>
@@ -23890,7 +24035,7 @@
               <a:lnSpc>
                 <a:spcPct val="150000"/>
               </a:lnSpc>
-              <a:buFont typeface="Wingdings" pitchFamily="2" charset="2"/>
+              <a:buFont typeface="Wingdings" panose="05000000000000000000" pitchFamily="2" charset="2"/>
               <a:buChar char="n"/>
             </a:pPr>
             <a:r>
@@ -23948,7 +24093,7 @@
               <a:lnSpc>
                 <a:spcPct val="150000"/>
               </a:lnSpc>
-              <a:buFont typeface="Wingdings" pitchFamily="2" charset="2"/>
+              <a:buFont typeface="Wingdings" panose="05000000000000000000" pitchFamily="2" charset="2"/>
               <a:buChar char="n"/>
             </a:pPr>
             <a:r>
@@ -23997,6 +24142,14 @@
               </a:rPr>
               <a:t>of generative models.</a:t>
             </a:r>
+            <a:endParaRPr lang="en-US" altLang="zh-CN" sz="1600" dirty="0">
+              <a:solidFill>
+                <a:schemeClr val="tx1"/>
+              </a:solidFill>
+              <a:latin typeface="Arial" panose="020B0604020202020204" pitchFamily="34" charset="0"/>
+              <a:ea typeface="JetBrains Mono"/>
+              <a:cs typeface="Arial" panose="020B0604020202020204" pitchFamily="34" charset="0"/>
+            </a:endParaRPr>
           </a:p>
         </p:txBody>
       </p:sp>
@@ -24027,18 +24180,12 @@
       </p:grpSpPr>
       <p:pic>
         <p:nvPicPr>
-          <p:cNvPr id="3" name="Google Shape;78;p2">
-            <a:extLst>
-              <a:ext uri="{FF2B5EF4-FFF2-40B4-BE49-F238E27FC236}">
-                <a16:creationId xmlns:a16="http://schemas.microsoft.com/office/drawing/2014/main" id="{0ABFCDBE-7CA7-5C64-5B84-FBD79EDF7D93}"/>
-              </a:ext>
-            </a:extLst>
-          </p:cNvPr>
+          <p:cNvPr id="3" name="Google Shape;78;p2"/>
           <p:cNvPicPr preferRelativeResize="0"/>
           <p:nvPr/>
         </p:nvPicPr>
         <p:blipFill rotWithShape="1">
-          <a:blip r:embed="rId3"/>
+          <a:blip r:embed="rId1"/>
           <a:srcRect/>
           <a:stretch>
             <a:fillRect/>
@@ -24060,13 +24207,7 @@
       </p:pic>
       <p:sp>
         <p:nvSpPr>
-          <p:cNvPr id="4" name="Google Shape;79;p2">
-            <a:extLst>
-              <a:ext uri="{FF2B5EF4-FFF2-40B4-BE49-F238E27FC236}">
-                <a16:creationId xmlns:a16="http://schemas.microsoft.com/office/drawing/2014/main" id="{58A0E081-0E98-3F08-3712-2C5CD6A950CE}"/>
-              </a:ext>
-            </a:extLst>
-          </p:cNvPr>
+          <p:cNvPr id="4" name="Google Shape;79;p2"/>
           <p:cNvSpPr txBox="1">
             <a:spLocks noGrp="1"/>
           </p:cNvSpPr>
@@ -24168,23 +24309,11 @@
       </p:sp>
       <p:graphicFrame>
         <p:nvGraphicFramePr>
-          <p:cNvPr id="6" name="表格 5">
-            <a:extLst>
-              <a:ext uri="{FF2B5EF4-FFF2-40B4-BE49-F238E27FC236}">
-                <a16:creationId xmlns:a16="http://schemas.microsoft.com/office/drawing/2014/main" id="{00BB678C-F47E-5FCF-4289-CC6AABF89A63}"/>
-              </a:ext>
-            </a:extLst>
-          </p:cNvPr>
+          <p:cNvPr id="6" name="表格 5"/>
           <p:cNvGraphicFramePr>
             <a:graphicFrameLocks noGrp="1"/>
           </p:cNvGraphicFramePr>
-          <p:nvPr>
-            <p:extLst>
-              <p:ext uri="{D42A27DB-BD31-4B8C-83A1-F6EECF244321}">
-                <p14:modId xmlns:p14="http://schemas.microsoft.com/office/powerpoint/2010/main" val="1572583329"/>
-              </p:ext>
-            </p:extLst>
-          </p:nvPr>
+          <p:nvPr/>
         </p:nvGraphicFramePr>
         <p:xfrm>
           <a:off x="640404" y="942475"/>
@@ -24197,27 +24326,9 @@
                 <a:tableStyleId>{5C22544A-7EE6-4342-B048-85BDC9FD1C3A}</a:tableStyleId>
               </a:tblPr>
               <a:tblGrid>
-                <a:gridCol w="2621064">
-                  <a:extLst>
-                    <a:ext uri="{9D8B030D-6E8A-4147-A177-3AD203B41FA5}">
-                      <a16:colId xmlns:a16="http://schemas.microsoft.com/office/drawing/2014/main" val="1752045859"/>
-                    </a:ext>
-                  </a:extLst>
-                </a:gridCol>
-                <a:gridCol w="2621064">
-                  <a:extLst>
-                    <a:ext uri="{9D8B030D-6E8A-4147-A177-3AD203B41FA5}">
-                      <a16:colId xmlns:a16="http://schemas.microsoft.com/office/drawing/2014/main" val="219998825"/>
-                    </a:ext>
-                  </a:extLst>
-                </a:gridCol>
-                <a:gridCol w="2621064">
-                  <a:extLst>
-                    <a:ext uri="{9D8B030D-6E8A-4147-A177-3AD203B41FA5}">
-                      <a16:colId xmlns:a16="http://schemas.microsoft.com/office/drawing/2014/main" val="3609679541"/>
-                    </a:ext>
-                  </a:extLst>
-                </a:gridCol>
+                <a:gridCol w="2621064"/>
+                <a:gridCol w="2621064"/>
+                <a:gridCol w="2621064"/>
               </a:tblGrid>
               <a:tr h="370840">
                 <a:tc>
@@ -24319,11 +24430,6 @@
                     <a:noFill/>
                   </a:tcPr>
                 </a:tc>
-                <a:extLst>
-                  <a:ext uri="{0D108BD9-81ED-4DB2-BD59-A6C34878D82A}">
-                    <a16:rowId xmlns:a16="http://schemas.microsoft.com/office/drawing/2014/main" val="2916210426"/>
-                  </a:ext>
-                </a:extLst>
               </a:tr>
               <a:tr h="370840">
                 <a:tc>
@@ -24389,11 +24495,6 @@
                     <a:noFill/>
                   </a:tcPr>
                 </a:tc>
-                <a:extLst>
-                  <a:ext uri="{0D108BD9-81ED-4DB2-BD59-A6C34878D82A}">
-                    <a16:rowId xmlns:a16="http://schemas.microsoft.com/office/drawing/2014/main" val="478183832"/>
-                  </a:ext>
-                </a:extLst>
               </a:tr>
               <a:tr h="370840">
                 <a:tc>
@@ -24444,11 +24545,6 @@
                     <a:noFill/>
                   </a:tcPr>
                 </a:tc>
-                <a:extLst>
-                  <a:ext uri="{0D108BD9-81ED-4DB2-BD59-A6C34878D82A}">
-                    <a16:rowId xmlns:a16="http://schemas.microsoft.com/office/drawing/2014/main" val="1667755524"/>
-                  </a:ext>
-                </a:extLst>
               </a:tr>
               <a:tr h="370840">
                 <a:tc>
@@ -24550,11 +24646,6 @@
                     <a:noFill/>
                   </a:tcPr>
                 </a:tc>
-                <a:extLst>
-                  <a:ext uri="{0D108BD9-81ED-4DB2-BD59-A6C34878D82A}">
-                    <a16:rowId xmlns:a16="http://schemas.microsoft.com/office/drawing/2014/main" val="3919260599"/>
-                  </a:ext>
-                </a:extLst>
               </a:tr>
             </a:tbl>
           </a:graphicData>
@@ -24562,13 +24653,7 @@
       </p:graphicFrame>
       <p:sp>
         <p:nvSpPr>
-          <p:cNvPr id="7" name="文本框 6">
-            <a:extLst>
-              <a:ext uri="{FF2B5EF4-FFF2-40B4-BE49-F238E27FC236}">
-                <a16:creationId xmlns:a16="http://schemas.microsoft.com/office/drawing/2014/main" id="{74B3D26D-419B-70A1-55E7-FF71142FDA44}"/>
-              </a:ext>
-            </a:extLst>
-          </p:cNvPr>
+          <p:cNvPr id="7" name="文本框 6"/>
           <p:cNvSpPr txBox="1"/>
           <p:nvPr/>
         </p:nvSpPr>
@@ -24616,6 +24701,7 @@
               <a:rPr lang="en-MY" altLang="zh-CN" sz="1800" dirty="0"/>
               <a:t>points in diagnostic correctness for closed-end questions</a:t>
             </a:r>
+            <a:endParaRPr lang="en-MY" altLang="zh-CN" sz="1800" dirty="0"/>
           </a:p>
           <a:p>
             <a:endParaRPr kumimoji="1" lang="en-MY" altLang="zh-CN" sz="1800" dirty="0"/>
@@ -24649,6 +24735,7 @@
               <a:rPr kumimoji="1" lang="en-MY" altLang="zh-CN" sz="1800" dirty="0"/>
               <a:t>, limited generalization</a:t>
             </a:r>
+            <a:endParaRPr kumimoji="1" lang="en-MY" altLang="zh-CN" sz="1800" dirty="0"/>
           </a:p>
           <a:p>
             <a:endParaRPr kumimoji="1" lang="en-MY" altLang="zh-CN" sz="1800" dirty="0"/>
@@ -24703,13 +24790,7 @@
   <p:cSld>
     <p:spTree>
       <p:nvGrpSpPr>
-        <p:cNvPr id="1" name="Shape 77">
-          <a:extLst>
-            <a:ext uri="{FF2B5EF4-FFF2-40B4-BE49-F238E27FC236}">
-              <a16:creationId xmlns:a16="http://schemas.microsoft.com/office/drawing/2014/main" id="{5FD59E1A-AB5F-BC84-5850-510CBDA6BB23}"/>
-            </a:ext>
-          </a:extLst>
-        </p:cNvPr>
+        <p:cNvPr id="1" name="Shape 77"/>
         <p:cNvGrpSpPr/>
         <p:nvPr/>
       </p:nvGrpSpPr>
@@ -24723,18 +24804,12 @@
       </p:grpSpPr>
       <p:pic>
         <p:nvPicPr>
-          <p:cNvPr id="3" name="Google Shape;78;p2">
-            <a:extLst>
-              <a:ext uri="{FF2B5EF4-FFF2-40B4-BE49-F238E27FC236}">
-                <a16:creationId xmlns:a16="http://schemas.microsoft.com/office/drawing/2014/main" id="{B9E25A06-2137-0432-B89D-74CEF298FA8C}"/>
-              </a:ext>
-            </a:extLst>
-          </p:cNvPr>
+          <p:cNvPr id="3" name="Google Shape;78;p2"/>
           <p:cNvPicPr preferRelativeResize="0"/>
           <p:nvPr/>
         </p:nvPicPr>
         <p:blipFill rotWithShape="1">
-          <a:blip r:embed="rId3"/>
+          <a:blip r:embed="rId1"/>
           <a:srcRect/>
           <a:stretch>
             <a:fillRect/>
@@ -24756,13 +24831,7 @@
       </p:pic>
       <p:sp>
         <p:nvSpPr>
-          <p:cNvPr id="4" name="Google Shape;79;p2">
-            <a:extLst>
-              <a:ext uri="{FF2B5EF4-FFF2-40B4-BE49-F238E27FC236}">
-                <a16:creationId xmlns:a16="http://schemas.microsoft.com/office/drawing/2014/main" id="{1628F800-A3DD-B760-165D-86D023FA3BA7}"/>
-              </a:ext>
-            </a:extLst>
-          </p:cNvPr>
+          <p:cNvPr id="4" name="Google Shape;79;p2"/>
           <p:cNvSpPr txBox="1">
             <a:spLocks noGrp="1"/>
           </p:cNvSpPr>
@@ -24839,23 +24908,11 @@
       </p:sp>
       <p:graphicFrame>
         <p:nvGraphicFramePr>
-          <p:cNvPr id="6" name="表格 5">
-            <a:extLst>
-              <a:ext uri="{FF2B5EF4-FFF2-40B4-BE49-F238E27FC236}">
-                <a16:creationId xmlns:a16="http://schemas.microsoft.com/office/drawing/2014/main" id="{7E0AE385-3872-037F-6DE0-66EC35AE182D}"/>
-              </a:ext>
-            </a:extLst>
-          </p:cNvPr>
+          <p:cNvPr id="6" name="表格 5"/>
           <p:cNvGraphicFramePr>
             <a:graphicFrameLocks noGrp="1"/>
           </p:cNvGraphicFramePr>
-          <p:nvPr>
-            <p:extLst>
-              <p:ext uri="{D42A27DB-BD31-4B8C-83A1-F6EECF244321}">
-                <p14:modId xmlns:p14="http://schemas.microsoft.com/office/powerpoint/2010/main" val="603729385"/>
-              </p:ext>
-            </p:extLst>
-          </p:nvPr>
+          <p:nvPr/>
         </p:nvGraphicFramePr>
         <p:xfrm>
           <a:off x="319392" y="775176"/>
@@ -24868,34 +24925,10 @@
                 <a:tableStyleId>{5C22544A-7EE6-4342-B048-85BDC9FD1C3A}</a:tableStyleId>
               </a:tblPr>
               <a:tblGrid>
-                <a:gridCol w="1945532">
-                  <a:extLst>
-                    <a:ext uri="{9D8B030D-6E8A-4147-A177-3AD203B41FA5}">
-                      <a16:colId xmlns:a16="http://schemas.microsoft.com/office/drawing/2014/main" val="1752045859"/>
-                    </a:ext>
-                  </a:extLst>
-                </a:gridCol>
-                <a:gridCol w="1089498">
-                  <a:extLst>
-                    <a:ext uri="{9D8B030D-6E8A-4147-A177-3AD203B41FA5}">
-                      <a16:colId xmlns:a16="http://schemas.microsoft.com/office/drawing/2014/main" val="1178558262"/>
-                    </a:ext>
-                  </a:extLst>
-                </a:gridCol>
-                <a:gridCol w="2067127">
-                  <a:extLst>
-                    <a:ext uri="{9D8B030D-6E8A-4147-A177-3AD203B41FA5}">
-                      <a16:colId xmlns:a16="http://schemas.microsoft.com/office/drawing/2014/main" val="48647289"/>
-                    </a:ext>
-                  </a:extLst>
-                </a:gridCol>
-                <a:gridCol w="3401438">
-                  <a:extLst>
-                    <a:ext uri="{9D8B030D-6E8A-4147-A177-3AD203B41FA5}">
-                      <a16:colId xmlns:a16="http://schemas.microsoft.com/office/drawing/2014/main" val="219998825"/>
-                    </a:ext>
-                  </a:extLst>
-                </a:gridCol>
+                <a:gridCol w="1945532"/>
+                <a:gridCol w="1089498"/>
+                <a:gridCol w="2067127"/>
+                <a:gridCol w="3401438"/>
               </a:tblGrid>
               <a:tr h="370840">
                 <a:tc>
@@ -25000,6 +25033,15 @@
                         </a:rPr>
                         <a:t>Prediction</a:t>
                       </a:r>
+                      <a:endParaRPr lang="en-MY" sz="1600" b="1" i="0" u="none" strike="noStrike" cap="none">
+                        <a:solidFill>
+                          <a:srgbClr val="000000"/>
+                        </a:solidFill>
+                        <a:latin typeface="Arial" panose="020B0604020202020204"/>
+                        <a:ea typeface="Times New Roman" panose="02020603050405020304" pitchFamily="18" charset="0"/>
+                        <a:cs typeface="Arial" panose="020B0604020202020204"/>
+                        <a:sym typeface="Arial" panose="020B0604020202020204"/>
+                      </a:endParaRPr>
                     </a:p>
                   </a:txBody>
                   <a:tcPr marL="9525" marR="9525" marT="68580" marB="68580">
@@ -25048,6 +25090,15 @@
                         </a:rPr>
                         <a:t>Metric Outcome</a:t>
                       </a:r>
+                      <a:endParaRPr lang="en-MY" sz="1600" b="1" i="0" u="none" strike="noStrike" cap="none" dirty="0">
+                        <a:solidFill>
+                          <a:srgbClr val="000000"/>
+                        </a:solidFill>
+                        <a:latin typeface="Arial" panose="020B0604020202020204"/>
+                        <a:ea typeface="Times New Roman" panose="02020603050405020304" pitchFamily="18" charset="0"/>
+                        <a:cs typeface="Arial" panose="020B0604020202020204"/>
+                        <a:sym typeface="Arial" panose="020B0604020202020204"/>
+                      </a:endParaRPr>
                     </a:p>
                   </a:txBody>
                   <a:tcPr marL="9525" marR="9525" marT="68580" marB="68580">
@@ -25096,11 +25147,6 @@
                     <a:noFill/>
                   </a:tcPr>
                 </a:tc>
-                <a:extLst>
-                  <a:ext uri="{0D108BD9-81ED-4DB2-BD59-A6C34878D82A}">
-                    <a16:rowId xmlns:a16="http://schemas.microsoft.com/office/drawing/2014/main" val="2916210426"/>
-                  </a:ext>
-                </a:extLst>
               </a:tr>
               <a:tr h="370840">
                 <a:tc>
@@ -25150,6 +25196,17 @@
                         </a:rPr>
                         <a:t>brain</a:t>
                       </a:r>
+                      <a:endParaRPr lang="en-MY" sz="1600" b="0" i="0" u="none" strike="noStrike" cap="none" dirty="0">
+                        <a:solidFill>
+                          <a:schemeClr val="accent4">
+                            <a:lumMod val="75000"/>
+                          </a:schemeClr>
+                        </a:solidFill>
+                        <a:latin typeface="Arial" panose="020B0604020202020204"/>
+                        <a:ea typeface="Times New Roman" panose="02020603050405020304" pitchFamily="18" charset="0"/>
+                        <a:cs typeface="Arial" panose="020B0604020202020204"/>
+                        <a:sym typeface="Arial" panose="020B0604020202020204"/>
+                      </a:endParaRPr>
                     </a:p>
                   </a:txBody>
                   <a:tcPr marL="9525" marR="9525" marT="68580" marB="68580">
@@ -25191,6 +25248,17 @@
                         </a:rPr>
                         <a:t>brain</a:t>
                       </a:r>
+                      <a:endParaRPr lang="en-MY" sz="1600" b="0" i="0" u="none" strike="noStrike" cap="none" dirty="0">
+                        <a:solidFill>
+                          <a:schemeClr val="accent4">
+                            <a:lumMod val="75000"/>
+                          </a:schemeClr>
+                        </a:solidFill>
+                        <a:latin typeface="Arial" panose="020B0604020202020204"/>
+                        <a:ea typeface="Times New Roman" panose="02020603050405020304" pitchFamily="18" charset="0"/>
+                        <a:cs typeface="Arial" panose="020B0604020202020204"/>
+                        <a:sym typeface="Arial" panose="020B0604020202020204"/>
+                      </a:endParaRPr>
                     </a:p>
                   </a:txBody>
                   <a:tcPr marL="9525" marR="9525" marT="68580" marB="68580">
@@ -25230,6 +25298,15 @@
                         </a:rPr>
                         <a:t>BLEU-4 = 0.065</a:t>
                       </a:r>
+                      <a:endParaRPr lang="en-MY" sz="1600" b="0" i="0" u="none" strike="noStrike" cap="none">
+                        <a:solidFill>
+                          <a:srgbClr val="000000"/>
+                        </a:solidFill>
+                        <a:latin typeface="Arial" panose="020B0604020202020204"/>
+                        <a:ea typeface="Times New Roman" panose="02020603050405020304" pitchFamily="18" charset="0"/>
+                        <a:cs typeface="Arial" panose="020B0604020202020204"/>
+                        <a:sym typeface="Arial" panose="020B0604020202020204"/>
+                      </a:endParaRPr>
                     </a:p>
                   </a:txBody>
                   <a:tcPr marL="9525" marR="9525" marT="68580" marB="68580">
@@ -25269,17 +25346,21 @@
                         </a:rPr>
                         <a:t>Identical clinical meaning</a:t>
                       </a:r>
+                      <a:endParaRPr lang="en-MY" sz="1600" b="0" i="0" u="none" strike="noStrike" cap="none" dirty="0">
+                        <a:solidFill>
+                          <a:srgbClr val="000000"/>
+                        </a:solidFill>
+                        <a:latin typeface="Arial" panose="020B0604020202020204"/>
+                        <a:ea typeface="Times New Roman" panose="02020603050405020304" pitchFamily="18" charset="0"/>
+                        <a:cs typeface="Arial" panose="020B0604020202020204"/>
+                        <a:sym typeface="Arial" panose="020B0604020202020204"/>
+                      </a:endParaRPr>
                     </a:p>
                   </a:txBody>
                   <a:tcPr marL="9525" marR="9525" marT="68580" marB="68580">
                     <a:noFill/>
                   </a:tcPr>
                 </a:tc>
-                <a:extLst>
-                  <a:ext uri="{0D108BD9-81ED-4DB2-BD59-A6C34878D82A}">
-                    <a16:rowId xmlns:a16="http://schemas.microsoft.com/office/drawing/2014/main" val="478183832"/>
-                  </a:ext>
-                </a:extLst>
               </a:tr>
               <a:tr h="370840">
                 <a:tc>
@@ -25329,6 +25410,15 @@
                         </a:rPr>
                         <a:t> side</a:t>
                       </a:r>
+                      <a:endParaRPr lang="en-MY" sz="1600" b="0" i="0" u="none" strike="noStrike" cap="none" dirty="0">
+                        <a:solidFill>
+                          <a:srgbClr val="000000"/>
+                        </a:solidFill>
+                        <a:latin typeface="Arial" panose="020B0604020202020204"/>
+                        <a:ea typeface="Times New Roman" panose="02020603050405020304" pitchFamily="18" charset="0"/>
+                        <a:cs typeface="Arial" panose="020B0604020202020204"/>
+                        <a:sym typeface="Arial" panose="020B0604020202020204"/>
+                      </a:endParaRPr>
                     </a:p>
                   </a:txBody>
                   <a:tcPr marL="9525" marR="9525" marT="68580" marB="68580">
@@ -25370,6 +25460,17 @@
                         </a:rPr>
                         <a:t>right</a:t>
                       </a:r>
+                      <a:endParaRPr lang="en-MY" sz="1600" b="0" i="0" u="none" strike="noStrike" cap="none" dirty="0">
+                        <a:solidFill>
+                          <a:schemeClr val="accent4">
+                            <a:lumMod val="75000"/>
+                          </a:schemeClr>
+                        </a:solidFill>
+                        <a:latin typeface="Arial" panose="020B0604020202020204"/>
+                        <a:ea typeface="Times New Roman" panose="02020603050405020304" pitchFamily="18" charset="0"/>
+                        <a:cs typeface="Arial" panose="020B0604020202020204"/>
+                        <a:sym typeface="Arial" panose="020B0604020202020204"/>
+                      </a:endParaRPr>
                     </a:p>
                   </a:txBody>
                   <a:tcPr marL="9525" marR="9525" marT="68580" marB="68580">
@@ -25409,6 +25510,15 @@
                         </a:rPr>
                         <a:t>EM = 0</a:t>
                       </a:r>
+                      <a:endParaRPr lang="en-MY" sz="1600" b="0" i="0" u="none" strike="noStrike" cap="none">
+                        <a:solidFill>
+                          <a:srgbClr val="000000"/>
+                        </a:solidFill>
+                        <a:latin typeface="Arial" panose="020B0604020202020204"/>
+                        <a:ea typeface="Times New Roman" panose="02020603050405020304" pitchFamily="18" charset="0"/>
+                        <a:cs typeface="Arial" panose="020B0604020202020204"/>
+                        <a:sym typeface="Arial" panose="020B0604020202020204"/>
+                      </a:endParaRPr>
                     </a:p>
                   </a:txBody>
                   <a:tcPr marL="9525" marR="9525" marT="68580" marB="68580">
@@ -25448,17 +25558,21 @@
                         </a:rPr>
                         <a:t>Missing modifier, correct spatial concept</a:t>
                       </a:r>
+                      <a:endParaRPr lang="en-MY" sz="1600" b="0" i="0" u="none" strike="noStrike" cap="none" dirty="0">
+                        <a:solidFill>
+                          <a:srgbClr val="000000"/>
+                        </a:solidFill>
+                        <a:latin typeface="Arial" panose="020B0604020202020204"/>
+                        <a:ea typeface="Times New Roman" panose="02020603050405020304" pitchFamily="18" charset="0"/>
+                        <a:cs typeface="Arial" panose="020B0604020202020204"/>
+                        <a:sym typeface="Arial" panose="020B0604020202020204"/>
+                      </a:endParaRPr>
                     </a:p>
                   </a:txBody>
                   <a:tcPr marL="9525" marR="9525" marT="68580" marB="68580">
                     <a:noFill/>
                   </a:tcPr>
                 </a:tc>
-                <a:extLst>
-                  <a:ext uri="{0D108BD9-81ED-4DB2-BD59-A6C34878D82A}">
-                    <a16:rowId xmlns:a16="http://schemas.microsoft.com/office/drawing/2014/main" val="1667755524"/>
-                  </a:ext>
-                </a:extLst>
               </a:tr>
               <a:tr h="0">
                 <a:tc>
@@ -25508,6 +25622,17 @@
                         </a:rPr>
                         <a:t>MRI</a:t>
                       </a:r>
+                      <a:endParaRPr lang="en-MY" sz="1600" b="0" i="0" u="none" strike="noStrike" cap="none" dirty="0">
+                        <a:solidFill>
+                          <a:schemeClr val="accent4">
+                            <a:lumMod val="75000"/>
+                          </a:schemeClr>
+                        </a:solidFill>
+                        <a:latin typeface="Arial" panose="020B0604020202020204"/>
+                        <a:ea typeface="Times New Roman" panose="02020603050405020304" pitchFamily="18" charset="0"/>
+                        <a:cs typeface="Arial" panose="020B0604020202020204"/>
+                        <a:sym typeface="Arial" panose="020B0604020202020204"/>
+                      </a:endParaRPr>
                     </a:p>
                   </a:txBody>
                   <a:tcPr marL="9525" marR="9525" marT="68580" marB="68580">
@@ -25558,6 +25683,17 @@
                         </a:rPr>
                         <a:t>MRI</a:t>
                       </a:r>
+                      <a:endParaRPr lang="en-MY" sz="1600" b="0" i="0" u="none" strike="noStrike" cap="none" dirty="0">
+                        <a:solidFill>
+                          <a:schemeClr val="accent4">
+                            <a:lumMod val="75000"/>
+                          </a:schemeClr>
+                        </a:solidFill>
+                        <a:latin typeface="Arial" panose="020B0604020202020204"/>
+                        <a:ea typeface="Times New Roman" panose="02020603050405020304" pitchFamily="18" charset="0"/>
+                        <a:cs typeface="Arial" panose="020B0604020202020204"/>
+                        <a:sym typeface="Arial" panose="020B0604020202020204"/>
+                      </a:endParaRPr>
                     </a:p>
                   </a:txBody>
                   <a:tcPr marL="9525" marR="9525" marT="68580" marB="68580">
@@ -25606,6 +25742,15 @@
                         </a:rPr>
                         <a:t>EM = 0</a:t>
                       </a:r>
+                      <a:endParaRPr lang="en-MY" sz="1600" b="0" i="0" u="none" strike="noStrike" cap="none">
+                        <a:solidFill>
+                          <a:srgbClr val="000000"/>
+                        </a:solidFill>
+                        <a:latin typeface="Arial" panose="020B0604020202020204"/>
+                        <a:ea typeface="Times New Roman" panose="02020603050405020304" pitchFamily="18" charset="0"/>
+                        <a:cs typeface="Arial" panose="020B0604020202020204"/>
+                        <a:sym typeface="Arial" panose="020B0604020202020204"/>
+                      </a:endParaRPr>
                     </a:p>
                   </a:txBody>
                   <a:tcPr marL="9525" marR="9525" marT="68580" marB="68580">
@@ -25654,6 +25799,15 @@
                         </a:rPr>
                         <a:t>Correct modality, missing specific subtype</a:t>
                       </a:r>
+                      <a:endParaRPr lang="en-MY" sz="1600" b="0" i="0" u="none" strike="noStrike" cap="none" dirty="0">
+                        <a:solidFill>
+                          <a:srgbClr val="000000"/>
+                        </a:solidFill>
+                        <a:latin typeface="Arial" panose="020B0604020202020204"/>
+                        <a:ea typeface="Times New Roman" panose="02020603050405020304" pitchFamily="18" charset="0"/>
+                        <a:cs typeface="Arial" panose="020B0604020202020204"/>
+                        <a:sym typeface="Arial" panose="020B0604020202020204"/>
+                      </a:endParaRPr>
                     </a:p>
                   </a:txBody>
                   <a:tcPr marL="9525" marR="9525" marT="68580" marB="68580">
@@ -25669,11 +25823,6 @@
                     <a:noFill/>
                   </a:tcPr>
                 </a:tc>
-                <a:extLst>
-                  <a:ext uri="{0D108BD9-81ED-4DB2-BD59-A6C34878D82A}">
-                    <a16:rowId xmlns:a16="http://schemas.microsoft.com/office/drawing/2014/main" val="3919260599"/>
-                  </a:ext>
-                </a:extLst>
               </a:tr>
             </a:tbl>
           </a:graphicData>
@@ -25681,13 +25830,7 @@
       </p:graphicFrame>
       <p:sp>
         <p:nvSpPr>
-          <p:cNvPr id="7" name="文本框 6">
-            <a:extLst>
-              <a:ext uri="{FF2B5EF4-FFF2-40B4-BE49-F238E27FC236}">
-                <a16:creationId xmlns:a16="http://schemas.microsoft.com/office/drawing/2014/main" id="{9C9E8118-2D27-3A2F-D592-F4F584AC9092}"/>
-              </a:ext>
-            </a:extLst>
-          </p:cNvPr>
+          <p:cNvPr id="7" name="文本框 6"/>
           <p:cNvSpPr txBox="1"/>
           <p:nvPr/>
         </p:nvSpPr>
@@ -25772,6 +25915,7 @@
               <a:rPr kumimoji="1" lang="en-MY" altLang="zh-CN" sz="1800" dirty="0"/>
               <a:t>strict criteria </a:t>
             </a:r>
+            <a:endParaRPr kumimoji="1" lang="en-MY" altLang="zh-CN" sz="1800" dirty="0"/>
           </a:p>
           <a:p>
             <a:endParaRPr kumimoji="1" lang="en-MY" altLang="zh-CN" sz="1800" dirty="0"/>
@@ -25876,11 +26020,6 @@
         </p:txBody>
       </p:sp>
     </p:spTree>
-    <p:extLst>
-      <p:ext uri="{BB962C8B-B14F-4D97-AF65-F5344CB8AC3E}">
-        <p14:creationId xmlns:p14="http://schemas.microsoft.com/office/powerpoint/2010/main" val="480485656"/>
-      </p:ext>
-    </p:extLst>
   </p:cSld>
   <p:clrMapOvr>
     <a:masterClrMapping/>
@@ -25912,7 +26051,7 @@
           <p:nvPr/>
         </p:nvPicPr>
         <p:blipFill rotWithShape="1">
-          <a:blip r:embed="rId3"/>
+          <a:blip r:embed="rId1"/>
           <a:srcRect/>
           <a:stretch>
             <a:fillRect/>
@@ -26000,13 +26139,7 @@
         <p:nvGraphicFramePr>
           <p:cNvPr id="12" name="图示 11"/>
           <p:cNvGraphicFramePr/>
-          <p:nvPr>
-            <p:extLst>
-              <p:ext uri="{D42A27DB-BD31-4B8C-83A1-F6EECF244321}">
-                <p14:modId xmlns:p14="http://schemas.microsoft.com/office/powerpoint/2010/main" val="4122345838"/>
-              </p:ext>
-            </p:extLst>
-          </p:nvPr>
+          <p:nvPr/>
         </p:nvGraphicFramePr>
         <p:xfrm>
           <a:off x="3457575" y="1061085"/>
@@ -26014,27 +26147,15 @@
         </p:xfrm>
         <a:graphic>
           <a:graphicData uri="http://schemas.openxmlformats.org/drawingml/2006/diagram">
-            <dgm:relIds xmlns:dgm="http://schemas.openxmlformats.org/drawingml/2006/diagram" xmlns:r="http://schemas.openxmlformats.org/officeDocument/2006/relationships" r:dm="rId4" r:lo="rId5" r:qs="rId6" r:cs="rId7"/>
+            <dgm:relIds xmlns:dgm="http://schemas.openxmlformats.org/drawingml/2006/diagram" xmlns:r="http://schemas.openxmlformats.org/officeDocument/2006/relationships" r:dm="rId2" r:lo="rId3" r:qs="rId4" r:cs="rId5"/>
           </a:graphicData>
         </a:graphic>
       </p:graphicFrame>
       <p:graphicFrame>
         <p:nvGraphicFramePr>
-          <p:cNvPr id="3" name="图示 2">
-            <a:extLst>
-              <a:ext uri="{FF2B5EF4-FFF2-40B4-BE49-F238E27FC236}">
-                <a16:creationId xmlns:a16="http://schemas.microsoft.com/office/drawing/2014/main" id="{AA224BD7-D89D-D829-6C4D-A3BEACB6D1D5}"/>
-              </a:ext>
-            </a:extLst>
-          </p:cNvPr>
+          <p:cNvPr id="3" name="图示 2"/>
           <p:cNvGraphicFramePr/>
-          <p:nvPr>
-            <p:extLst>
-              <p:ext uri="{D42A27DB-BD31-4B8C-83A1-F6EECF244321}">
-                <p14:modId xmlns:p14="http://schemas.microsoft.com/office/powerpoint/2010/main" val="2387018818"/>
-              </p:ext>
-            </p:extLst>
-          </p:nvPr>
+          <p:nvPr/>
         </p:nvGraphicFramePr>
         <p:xfrm>
           <a:off x="899513" y="1061085"/>
@@ -26042,7 +26163,7 @@
         </p:xfrm>
         <a:graphic>
           <a:graphicData uri="http://schemas.openxmlformats.org/drawingml/2006/diagram">
-            <dgm:relIds xmlns:dgm="http://schemas.openxmlformats.org/drawingml/2006/diagram" xmlns:r="http://schemas.openxmlformats.org/officeDocument/2006/relationships" r:dm="rId9" r:lo="rId10" r:qs="rId11" r:cs="rId12"/>
+            <dgm:relIds xmlns:dgm="http://schemas.openxmlformats.org/drawingml/2006/diagram" xmlns:r="http://schemas.openxmlformats.org/officeDocument/2006/relationships" r:dm="rId7" r:lo="rId8" r:qs="rId9" r:cs="rId10"/>
           </a:graphicData>
         </a:graphic>
       </p:graphicFrame>
@@ -26078,7 +26199,7 @@
           <p:nvPr/>
         </p:nvPicPr>
         <p:blipFill rotWithShape="1">
-          <a:blip r:embed="rId3"/>
+          <a:blip r:embed="rId1"/>
           <a:srcRect b="8619"/>
           <a:stretch>
             <a:fillRect/>
@@ -26208,7 +26329,7 @@
           <p:nvPr/>
         </p:nvPicPr>
         <p:blipFill rotWithShape="1">
-          <a:blip r:embed="rId3"/>
+          <a:blip r:embed="rId1"/>
           <a:srcRect/>
           <a:stretch>
             <a:fillRect/>
@@ -26281,6 +26402,11 @@
               </a:rPr>
               <a:t> Introduction</a:t>
             </a:r>
+            <a:endParaRPr lang="en-US" altLang="zh-CN" sz="3600" b="1" dirty="0">
+              <a:solidFill>
+                <a:schemeClr val="bg1"/>
+              </a:solidFill>
+            </a:endParaRPr>
           </a:p>
         </p:txBody>
       </p:sp>
@@ -26291,7 +26417,7 @@
           <p:nvPr/>
         </p:nvPicPr>
         <p:blipFill>
-          <a:blip r:embed="rId4"/>
+          <a:blip r:embed="rId2"/>
           <a:stretch>
             <a:fillRect/>
           </a:stretch>
@@ -26355,6 +26481,13 @@
               </a:rPr>
               <a:t>"understanding medical images"</a:t>
             </a:r>
+            <a:endParaRPr lang="en-US" altLang="zh-CN" sz="2400" b="1" i="0" dirty="0">
+              <a:solidFill>
+                <a:srgbClr val="2E3033"/>
+              </a:solidFill>
+              <a:latin typeface="Arial" panose="020B0604020202020204"/>
+              <a:ea typeface="Arial" panose="020B0604020202020204"/>
+            </a:endParaRPr>
           </a:p>
         </p:txBody>
       </p:sp>
@@ -26457,6 +26590,13 @@
               </a:rPr>
               <a:t>？</a:t>
             </a:r>
+            <a:endParaRPr lang="zh-CN" altLang="en-US" sz="2800" b="0" i="0" dirty="0">
+              <a:solidFill>
+                <a:srgbClr val="000000"/>
+              </a:solidFill>
+              <a:latin typeface="Arial" panose="020B0604020202020204"/>
+              <a:ea typeface="Arial" panose="020B0604020202020204"/>
+            </a:endParaRPr>
           </a:p>
         </p:txBody>
       </p:sp>
@@ -26492,7 +26632,7 @@
           <p:nvPr/>
         </p:nvPicPr>
         <p:blipFill rotWithShape="1">
-          <a:blip r:embed="rId3"/>
+          <a:blip r:embed="rId1"/>
           <a:srcRect/>
           <a:stretch>
             <a:fillRect/>
@@ -26565,6 +26705,11 @@
               </a:rPr>
               <a:t> RQs/ROs</a:t>
             </a:r>
+            <a:endParaRPr lang="en-US" altLang="zh-CN" sz="3600" b="1" dirty="0">
+              <a:solidFill>
+                <a:schemeClr val="bg1"/>
+              </a:solidFill>
+            </a:endParaRPr>
           </a:p>
         </p:txBody>
       </p:sp>
@@ -26648,6 +26793,11 @@
               </a:rPr>
               <a:t>that we choose to compare performs better on closed-ended questions in radiology and how large is the performance gap?</a:t>
             </a:r>
+            <a:endParaRPr lang="en-MY" altLang="zh-CN" dirty="0">
+              <a:solidFill>
+                <a:schemeClr val="tx1"/>
+              </a:solidFill>
+            </a:endParaRPr>
           </a:p>
         </p:txBody>
       </p:sp>
@@ -26723,6 +26873,11 @@
               </a:rPr>
               <a:t>do generative VLMs perform on open-ended medical questions, and what is the risk of hallucinated answers?</a:t>
             </a:r>
+            <a:endParaRPr lang="en-MY" altLang="zh-CN" dirty="0">
+              <a:solidFill>
+                <a:schemeClr val="tx1"/>
+              </a:solidFill>
+            </a:endParaRPr>
           </a:p>
         </p:txBody>
       </p:sp>
@@ -26797,6 +26952,11 @@
               </a:rPr>
               <a:t>and critically discuss the gap of these two model.</a:t>
             </a:r>
+            <a:endParaRPr lang="en-MY" altLang="zh-CN" dirty="0">
+              <a:solidFill>
+                <a:schemeClr val="tx1"/>
+              </a:solidFill>
+            </a:endParaRPr>
           </a:p>
         </p:txBody>
       </p:sp>
@@ -26925,6 +27085,7 @@
               <a:rPr lang="en-US" altLang="zh-CN" sz="1800" b="1"/>
               <a:t>RQs</a:t>
             </a:r>
+            <a:endParaRPr lang="en-US" altLang="zh-CN" sz="1800" b="1"/>
           </a:p>
         </p:txBody>
       </p:sp>
@@ -26954,6 +27115,7 @@
               <a:rPr lang="en-US" altLang="zh-CN" sz="1800" b="1"/>
               <a:t>ROs</a:t>
             </a:r>
+            <a:endParaRPr lang="en-US" altLang="zh-CN" sz="1800" b="1"/>
           </a:p>
         </p:txBody>
       </p:sp>
@@ -27165,6 +27327,10 @@
               </a:rPr>
               <a:t>Vocabulary construction</a:t>
             </a:r>
+            <a:endParaRPr lang="en-US" altLang="zh-CN" sz="2800">
+              <a:latin typeface="Arial Unicode MS" panose="020B0604020202020204" charset="-122"/>
+              <a:ea typeface="Arial Unicode MS" panose="020B0604020202020204" charset="-122"/>
+            </a:endParaRPr>
           </a:p>
           <a:p>
             <a:pPr marL="457200" indent="-457200" defTabSz="266700">
@@ -27181,6 +27347,10 @@
               </a:rPr>
               <a:t>Answer mapping </a:t>
             </a:r>
+            <a:endParaRPr lang="en-US" altLang="zh-CN" sz="2800">
+              <a:latin typeface="Arial Unicode MS" panose="020B0604020202020204" charset="-122"/>
+              <a:ea typeface="Arial Unicode MS" panose="020B0604020202020204" charset="-122"/>
+            </a:endParaRPr>
           </a:p>
         </p:txBody>
       </p:sp>
@@ -27191,7 +27361,7 @@
           <p:nvPr/>
         </p:nvPicPr>
         <p:blipFill rotWithShape="1">
-          <a:blip r:embed="rId3"/>
+          <a:blip r:embed="rId1"/>
           <a:srcRect/>
           <a:stretch>
             <a:fillRect/>
@@ -27273,6 +27443,12 @@
               </a:rPr>
               <a:t>architecture</a:t>
             </a:r>
+            <a:endParaRPr lang="en-US" altLang="zh-CN" sz="3600" b="1" dirty="0">
+              <a:solidFill>
+                <a:schemeClr val="bg1"/>
+              </a:solidFill>
+              <a:ea typeface="宋体" panose="02010600030101010101" pitchFamily="2" charset="-122"/>
+            </a:endParaRPr>
           </a:p>
         </p:txBody>
       </p:sp>
@@ -27285,7 +27461,7 @@
           <p:nvPr/>
         </p:nvPicPr>
         <p:blipFill>
-          <a:blip r:embed="rId4"/>
+          <a:blip r:embed="rId2"/>
           <a:srcRect l="8260"/>
           <a:stretch>
             <a:fillRect/>
@@ -27356,6 +27532,11 @@
               </a:rPr>
               <a:t>70%</a:t>
             </a:r>
+            <a:endParaRPr lang="en-US" altLang="zh-CN" sz="3600" b="1">
+              <a:solidFill>
+                <a:schemeClr val="tx1"/>
+              </a:solidFill>
+            </a:endParaRPr>
           </a:p>
         </p:txBody>
       </p:sp>
@@ -27413,6 +27594,11 @@
               </a:rPr>
               <a:t>15%</a:t>
             </a:r>
+            <a:endParaRPr lang="en-US" altLang="zh-CN" sz="3200" b="1">
+              <a:solidFill>
+                <a:schemeClr val="tx1"/>
+              </a:solidFill>
+            </a:endParaRPr>
           </a:p>
         </p:txBody>
       </p:sp>
@@ -27471,6 +27657,11 @@
               </a:rPr>
               <a:t>15%</a:t>
             </a:r>
+            <a:endParaRPr lang="en-US" altLang="zh-CN" sz="3200" b="1">
+              <a:solidFill>
+                <a:schemeClr val="tx1"/>
+              </a:solidFill>
+            </a:endParaRPr>
           </a:p>
         </p:txBody>
       </p:sp>
@@ -27500,6 +27691,7 @@
               <a:rPr lang="en-US" altLang="zh-CN" sz="1800"/>
               <a:t>train</a:t>
             </a:r>
+            <a:endParaRPr lang="en-US" altLang="zh-CN" sz="1800"/>
           </a:p>
         </p:txBody>
       </p:sp>
@@ -27529,6 +27721,7 @@
               <a:rPr lang="en-US" altLang="zh-CN" sz="1800"/>
               <a:t>validate</a:t>
             </a:r>
+            <a:endParaRPr lang="en-US" altLang="zh-CN" sz="1800"/>
           </a:p>
         </p:txBody>
       </p:sp>
@@ -27558,6 +27751,7 @@
               <a:rPr lang="en-US" altLang="zh-CN" sz="1800"/>
               <a:t>test</a:t>
             </a:r>
+            <a:endParaRPr lang="en-US" altLang="zh-CN" sz="1800"/>
           </a:p>
         </p:txBody>
       </p:sp>
@@ -27631,7 +27825,7 @@
           <p:nvPr/>
         </p:nvPicPr>
         <p:blipFill rotWithShape="1">
-          <a:blip r:embed="rId3"/>
+          <a:blip r:embed="rId1"/>
           <a:srcRect/>
           <a:stretch>
             <a:fillRect/>
@@ -27713,6 +27907,12 @@
               </a:rPr>
               <a:t>architecture</a:t>
             </a:r>
+            <a:endParaRPr lang="en-US" altLang="zh-CN" sz="3600" b="1" dirty="0">
+              <a:solidFill>
+                <a:schemeClr val="bg1"/>
+              </a:solidFill>
+              <a:ea typeface="宋体" panose="02010600030101010101" pitchFamily="2" charset="-122"/>
+            </a:endParaRPr>
           </a:p>
         </p:txBody>
       </p:sp>
@@ -27745,6 +27945,7 @@
               <a:rPr lang="en-US" altLang="zh-CN" b="1"/>
               <a:t>B. Data Transformation and Loading</a:t>
             </a:r>
+            <a:endParaRPr lang="en-US" altLang="zh-CN" b="1"/>
           </a:p>
         </p:txBody>
       </p:sp>
@@ -27810,7 +28011,7 @@
             <p:nvPr/>
           </p:nvPicPr>
           <p:blipFill>
-            <a:blip r:embed="rId4"/>
+            <a:blip r:embed="rId2"/>
             <a:stretch>
               <a:fillRect/>
             </a:stretch>
@@ -27834,7 +28035,7 @@
             <p:nvPr/>
           </p:nvPicPr>
           <p:blipFill>
-            <a:blip r:embed="rId5"/>
+            <a:blip r:embed="rId3"/>
             <a:stretch>
               <a:fillRect/>
             </a:stretch>
@@ -27905,6 +28106,11 @@
               </a:rPr>
               <a:t>max_seq_len=25</a:t>
             </a:r>
+            <a:endParaRPr lang="en-US" altLang="zh-CN">
+              <a:solidFill>
+                <a:schemeClr val="tx1"/>
+              </a:solidFill>
+            </a:endParaRPr>
           </a:p>
         </p:txBody>
       </p:sp>
@@ -27975,6 +28181,7 @@
               <a:rPr lang="en-US" altLang="zh-CN" b="1"/>
               <a:t>C. Model Building(MedVQA_ResNet_LSTM)</a:t>
             </a:r>
+            <a:endParaRPr lang="en-US" altLang="zh-CN" b="1"/>
           </a:p>
         </p:txBody>
       </p:sp>
@@ -28008,6 +28215,11 @@
               </a:rPr>
               <a:t>1. Image transformations</a:t>
             </a:r>
+            <a:endParaRPr lang="en-US" altLang="zh-CN" sz="1600">
+              <a:latin typeface="Arial" panose="020B0604020202020204" pitchFamily="34" charset="0"/>
+              <a:ea typeface="Times New Roman" panose="02020603050405020304"/>
+              <a:cs typeface="Arial" panose="020B0604020202020204" pitchFamily="34" charset="0"/>
+            </a:endParaRPr>
           </a:p>
         </p:txBody>
       </p:sp>
@@ -28020,7 +28232,7 @@
           <p:nvPr/>
         </p:nvPicPr>
         <p:blipFill>
-          <a:blip r:embed="rId6"/>
+          <a:blip r:embed="rId4"/>
           <a:stretch>
             <a:fillRect/>
           </a:stretch>
@@ -28064,6 +28276,10 @@
               </a:rPr>
               <a:t>batch = 32</a:t>
             </a:r>
+            <a:endParaRPr lang="en-US" altLang="zh-CN" sz="1600">
+              <a:latin typeface="Times New Roman" panose="02020603050405020304"/>
+              <a:ea typeface="Times New Roman" panose="02020603050405020304"/>
+            </a:endParaRPr>
           </a:p>
           <a:p>
             <a:pPr defTabSz="266700"/>
@@ -28090,7 +28306,7 @@
           <p:nvPr/>
         </p:nvPicPr>
         <p:blipFill>
-          <a:blip r:embed="rId7"/>
+          <a:blip r:embed="rId5"/>
           <a:stretch>
             <a:fillRect/>
           </a:stretch>
@@ -28137,7 +28353,7 @@
           <p:nvPr/>
         </p:nvPicPr>
         <p:blipFill rotWithShape="1">
-          <a:blip r:embed="rId3"/>
+          <a:blip r:embed="rId1"/>
           <a:srcRect/>
           <a:stretch>
             <a:fillRect/>
@@ -28219,6 +28435,12 @@
               </a:rPr>
               <a:t>architecture</a:t>
             </a:r>
+            <a:endParaRPr lang="en-US" altLang="zh-CN" sz="3600" b="1" dirty="0">
+              <a:solidFill>
+                <a:schemeClr val="bg1"/>
+              </a:solidFill>
+              <a:ea typeface="宋体" panose="02010600030101010101" pitchFamily="2" charset="-122"/>
+            </a:endParaRPr>
           </a:p>
         </p:txBody>
       </p:sp>
@@ -28251,6 +28473,7 @@
               <a:rPr lang="en-US" altLang="zh-CN" b="1"/>
               <a:t>D. Training Pipeline</a:t>
             </a:r>
+            <a:endParaRPr lang="en-US" altLang="zh-CN" b="1"/>
           </a:p>
         </p:txBody>
       </p:sp>
@@ -28263,7 +28486,7 @@
           <p:nvPr/>
         </p:nvPicPr>
         <p:blipFill>
-          <a:blip r:embed="rId4"/>
+          <a:blip r:embed="rId2"/>
           <a:stretch>
             <a:fillRect/>
           </a:stretch>
@@ -28308,6 +28531,11 @@
               </a:rPr>
               <a:t>1. training stage</a:t>
             </a:r>
+            <a:endParaRPr lang="en-US" altLang="zh-CN" sz="3200">
+              <a:latin typeface="Arial" panose="020B0604020202020204" pitchFamily="34" charset="0"/>
+              <a:ea typeface="Times New Roman" panose="02020603050405020304"/>
+              <a:cs typeface="Arial" panose="020B0604020202020204" pitchFamily="34" charset="0"/>
+            </a:endParaRPr>
           </a:p>
         </p:txBody>
       </p:sp>
@@ -28341,6 +28569,11 @@
               </a:rPr>
               <a:t>2. validation stage</a:t>
             </a:r>
+            <a:endParaRPr lang="en-US" altLang="zh-CN" sz="3200">
+              <a:latin typeface="Arial" panose="020B0604020202020204" pitchFamily="34" charset="0"/>
+              <a:ea typeface="Times New Roman" panose="02020603050405020304"/>
+              <a:cs typeface="Arial" panose="020B0604020202020204" pitchFamily="34" charset="0"/>
+            </a:endParaRPr>
           </a:p>
         </p:txBody>
       </p:sp>
@@ -28393,6 +28626,11 @@
               </a:rPr>
               <a:t>all batch procceed</a:t>
             </a:r>
+            <a:endParaRPr lang="en-US" altLang="zh-CN" sz="2400">
+              <a:latin typeface="Arial" panose="020B0604020202020204" pitchFamily="34" charset="0"/>
+              <a:ea typeface="Times New Roman" panose="02020603050405020304"/>
+              <a:cs typeface="Arial" panose="020B0604020202020204" pitchFamily="34" charset="0"/>
+            </a:endParaRPr>
           </a:p>
         </p:txBody>
       </p:sp>
@@ -28650,6 +28888,11 @@
               </a:rPr>
               <a:t>3. early stop mechanism</a:t>
             </a:r>
+            <a:endParaRPr lang="en-US" altLang="zh-CN" sz="3200">
+              <a:latin typeface="Arial" panose="020B0604020202020204" pitchFamily="34" charset="0"/>
+              <a:ea typeface="Times New Roman" panose="02020603050405020304"/>
+              <a:cs typeface="Arial" panose="020B0604020202020204" pitchFamily="34" charset="0"/>
+            </a:endParaRPr>
           </a:p>
         </p:txBody>
       </p:sp>
@@ -28702,6 +28945,11 @@
               </a:rPr>
               <a:t>patience check</a:t>
             </a:r>
+            <a:endParaRPr lang="en-US" altLang="zh-CN" sz="2400">
+              <a:latin typeface="Arial" panose="020B0604020202020204" pitchFamily="34" charset="0"/>
+              <a:ea typeface="宋体" panose="02010600030101010101" pitchFamily="2" charset="-122"/>
+              <a:cs typeface="Arial" panose="020B0604020202020204" pitchFamily="34" charset="0"/>
+            </a:endParaRPr>
           </a:p>
         </p:txBody>
       </p:sp>
@@ -28828,7 +29076,7 @@
           <p:nvPr/>
         </p:nvPicPr>
         <p:blipFill rotWithShape="1">
-          <a:blip r:embed="rId3"/>
+          <a:blip r:embed="rId1"/>
           <a:srcRect/>
           <a:stretch>
             <a:fillRect/>
@@ -28910,18 +29158,18 @@
               </a:rPr>
               <a:t>rchitecture</a:t>
             </a:r>
+            <a:endParaRPr lang="en-US" altLang="zh-CN" sz="3600" b="1" dirty="0">
+              <a:solidFill>
+                <a:schemeClr val="bg1"/>
+              </a:solidFill>
+              <a:ea typeface="宋体" panose="02010600030101010101" pitchFamily="2" charset="-122"/>
+            </a:endParaRPr>
           </a:p>
         </p:txBody>
       </p:sp>
       <p:sp>
         <p:nvSpPr>
-          <p:cNvPr id="3" name="文本框 2">
-            <a:extLst>
-              <a:ext uri="{FF2B5EF4-FFF2-40B4-BE49-F238E27FC236}">
-                <a16:creationId xmlns:a16="http://schemas.microsoft.com/office/drawing/2014/main" id="{F8EF1592-A89F-AFA4-4F24-9DEC3787F02B}"/>
-              </a:ext>
-            </a:extLst>
-          </p:cNvPr>
+          <p:cNvPr id="3" name="文本框 2"/>
           <p:cNvSpPr txBox="1"/>
           <p:nvPr/>
         </p:nvSpPr>
@@ -28965,20 +29213,14 @@
       </p:sp>
       <p:pic>
         <p:nvPicPr>
-          <p:cNvPr id="4" name="Picture 1" descr="A diagram of a model&#10;&#10;AI-generated content may be incorrect.">
-            <a:extLst>
-              <a:ext uri="{FF2B5EF4-FFF2-40B4-BE49-F238E27FC236}">
-                <a16:creationId xmlns:a16="http://schemas.microsoft.com/office/drawing/2014/main" id="{C89C81E8-7A65-E444-4747-A4092AD60234}"/>
-              </a:ext>
-            </a:extLst>
-          </p:cNvPr>
+          <p:cNvPr id="4" name="Picture 1" descr="A diagram of a model&#10;&#10;AI-generated content may be incorrect."/>
           <p:cNvPicPr>
             <a:picLocks noChangeAspect="1"/>
           </p:cNvPicPr>
           <p:nvPr/>
         </p:nvPicPr>
         <p:blipFill>
-          <a:blip r:embed="rId4"/>
+          <a:blip r:embed="rId2"/>
           <a:srcRect t="8929" r="23509" b="24396"/>
           <a:stretch>
             <a:fillRect/>
@@ -28999,13 +29241,7 @@
       </p:pic>
       <p:sp>
         <p:nvSpPr>
-          <p:cNvPr id="5" name="文本框 4">
-            <a:extLst>
-              <a:ext uri="{FF2B5EF4-FFF2-40B4-BE49-F238E27FC236}">
-                <a16:creationId xmlns:a16="http://schemas.microsoft.com/office/drawing/2014/main" id="{4B419AED-7B59-B540-9427-F77EF2B43648}"/>
-              </a:ext>
-            </a:extLst>
-          </p:cNvPr>
+          <p:cNvPr id="5" name="文本框 4"/>
           <p:cNvSpPr txBox="1"/>
           <p:nvPr/>
         </p:nvSpPr>
@@ -29035,6 +29271,13 @@
               </a:rPr>
               <a:t>Key Components: </a:t>
             </a:r>
+            <a:endParaRPr kumimoji="1" lang="en-US" altLang="zh-CN" sz="1800" b="1" dirty="0">
+              <a:solidFill>
+                <a:schemeClr val="accent4">
+                  <a:lumMod val="75000"/>
+                </a:schemeClr>
+              </a:solidFill>
+            </a:endParaRPr>
           </a:p>
           <a:p>
             <a:endParaRPr kumimoji="1" lang="en-US" altLang="zh-CN" sz="1800" b="1" dirty="0"/>
@@ -29048,6 +29291,7 @@
               <a:rPr lang="en-MY" altLang="zh-CN" dirty="0"/>
               <a:t>(frozen) : outputs 512-d image feature vectors.</a:t>
             </a:r>
+            <a:endParaRPr lang="en-MY" altLang="zh-CN" dirty="0"/>
           </a:p>
           <a:p>
             <a:endParaRPr lang="en-MY" altLang="zh-CN" dirty="0"/>
@@ -29109,6 +29353,7 @@
               <a:rPr lang="en-MY" altLang="zh-CN" dirty="0"/>
               <a:t>.</a:t>
             </a:r>
+            <a:endParaRPr lang="en-MY" altLang="zh-CN" dirty="0"/>
           </a:p>
           <a:p>
             <a:endParaRPr lang="en-MY" altLang="zh-CN" dirty="0"/>
@@ -29122,6 +29367,7 @@
               <a:rPr lang="en-MY" altLang="zh-CN" dirty="0"/>
               <a:t>(frozen) : receives concatenated visual prefixes and question embeddings for answer generation.</a:t>
             </a:r>
+            <a:endParaRPr lang="en-MY" altLang="zh-CN" dirty="0"/>
           </a:p>
           <a:p>
             <a:endParaRPr kumimoji="1" lang="zh-CN" altLang="en-US" sz="1800" b="1" dirty="0"/>
@@ -29141,13 +29387,7 @@
   <p:cSld>
     <p:spTree>
       <p:nvGrpSpPr>
-        <p:cNvPr id="1" name="Shape 77">
-          <a:extLst>
-            <a:ext uri="{FF2B5EF4-FFF2-40B4-BE49-F238E27FC236}">
-              <a16:creationId xmlns:a16="http://schemas.microsoft.com/office/drawing/2014/main" id="{02505688-9CD8-29A7-7F72-2D2BCD98F6E6}"/>
-            </a:ext>
-          </a:extLst>
-        </p:cNvPr>
+        <p:cNvPr id="1" name="Shape 77"/>
         <p:cNvGrpSpPr/>
         <p:nvPr/>
       </p:nvGrpSpPr>
@@ -29161,18 +29401,12 @@
       </p:grpSpPr>
       <p:pic>
         <p:nvPicPr>
-          <p:cNvPr id="78" name="Google Shape;78;p2">
-            <a:extLst>
-              <a:ext uri="{FF2B5EF4-FFF2-40B4-BE49-F238E27FC236}">
-                <a16:creationId xmlns:a16="http://schemas.microsoft.com/office/drawing/2014/main" id="{3321D368-ABF7-E31A-BA65-5DB3FC1B9095}"/>
-              </a:ext>
-            </a:extLst>
-          </p:cNvPr>
+          <p:cNvPr id="78" name="Google Shape;78;p2"/>
           <p:cNvPicPr preferRelativeResize="0"/>
           <p:nvPr/>
         </p:nvPicPr>
         <p:blipFill rotWithShape="1">
-          <a:blip r:embed="rId3"/>
+          <a:blip r:embed="rId1"/>
           <a:srcRect/>
           <a:stretch>
             <a:fillRect/>
@@ -29194,13 +29428,7 @@
       </p:pic>
       <p:sp>
         <p:nvSpPr>
-          <p:cNvPr id="79" name="Google Shape;79;p2">
-            <a:extLst>
-              <a:ext uri="{FF2B5EF4-FFF2-40B4-BE49-F238E27FC236}">
-                <a16:creationId xmlns:a16="http://schemas.microsoft.com/office/drawing/2014/main" id="{ACAC9775-BF7E-1117-D07A-8CF97B132469}"/>
-              </a:ext>
-            </a:extLst>
-          </p:cNvPr>
+          <p:cNvPr id="79" name="Google Shape;79;p2"/>
           <p:cNvSpPr txBox="1">
             <a:spLocks noGrp="1"/>
           </p:cNvSpPr>
@@ -29260,26 +29488,20 @@
               </a:rPr>
               <a:t>rchitecture</a:t>
             </a:r>
+            <a:endParaRPr lang="en-US" altLang="zh-CN" sz="3600" b="1" dirty="0">
+              <a:solidFill>
+                <a:schemeClr val="bg1"/>
+              </a:solidFill>
+              <a:ea typeface="宋体" panose="02010600030101010101" pitchFamily="2" charset="-122"/>
+            </a:endParaRPr>
           </a:p>
         </p:txBody>
       </p:sp>
       <p:graphicFrame>
         <p:nvGraphicFramePr>
-          <p:cNvPr id="2" name="表格 1">
-            <a:extLst>
-              <a:ext uri="{FF2B5EF4-FFF2-40B4-BE49-F238E27FC236}">
-                <a16:creationId xmlns:a16="http://schemas.microsoft.com/office/drawing/2014/main" id="{0FF46A87-667C-4C23-DBE3-CF2F567D4DDB}"/>
-              </a:ext>
-            </a:extLst>
-          </p:cNvPr>
+          <p:cNvPr id="2" name="表格 1"/>
           <p:cNvGraphicFramePr/>
-          <p:nvPr>
-            <p:extLst>
-              <p:ext uri="{D42A27DB-BD31-4B8C-83A1-F6EECF244321}">
-                <p14:modId xmlns:p14="http://schemas.microsoft.com/office/powerpoint/2010/main" val="215876031"/>
-              </p:ext>
-            </p:extLst>
-          </p:nvPr>
+          <p:nvPr/>
         </p:nvGraphicFramePr>
         <p:xfrm>
           <a:off x="167956" y="1259090"/>
@@ -29290,27 +29512,9 @@
             <a:tbl>
               <a:tblPr/>
               <a:tblGrid>
-                <a:gridCol w="2402205">
-                  <a:extLst>
-                    <a:ext uri="{9D8B030D-6E8A-4147-A177-3AD203B41FA5}">
-                      <a16:colId xmlns:a16="http://schemas.microsoft.com/office/drawing/2014/main" val="20000"/>
-                    </a:ext>
-                  </a:extLst>
-                </a:gridCol>
-                <a:gridCol w="1860550">
-                  <a:extLst>
-                    <a:ext uri="{9D8B030D-6E8A-4147-A177-3AD203B41FA5}">
-                      <a16:colId xmlns:a16="http://schemas.microsoft.com/office/drawing/2014/main" val="20001"/>
-                    </a:ext>
-                  </a:extLst>
-                </a:gridCol>
-                <a:gridCol w="4545330">
-                  <a:extLst>
-                    <a:ext uri="{9D8B030D-6E8A-4147-A177-3AD203B41FA5}">
-                      <a16:colId xmlns:a16="http://schemas.microsoft.com/office/drawing/2014/main" val="20002"/>
-                    </a:ext>
-                  </a:extLst>
-                </a:gridCol>
+                <a:gridCol w="2402205"/>
+                <a:gridCol w="1860550"/>
+                <a:gridCol w="4545330"/>
               </a:tblGrid>
               <a:tr h="0">
                 <a:tc>
@@ -29318,7 +29522,7 @@
                     <a:bodyPr/>
                     <a:lstStyle/>
                     <a:p>
-                      <a:pPr marL="241200" algn="l">
+                      <a:pPr marL="241300" algn="l">
                         <a:lnSpc>
                           <a:spcPts val="1875"/>
                         </a:lnSpc>
@@ -29438,6 +29642,14 @@
                         </a:rPr>
                         <a:t>Focus</a:t>
                       </a:r>
+                      <a:endParaRPr lang="en-US" altLang="zh-CN" sz="1600" b="1" i="0" dirty="0">
+                        <a:solidFill>
+                          <a:srgbClr val="0F1115"/>
+                        </a:solidFill>
+                        <a:latin typeface="Arial" panose="020B0604020202020204" pitchFamily="34" charset="0"/>
+                        <a:ea typeface="quote-cjk-patch"/>
+                        <a:cs typeface="Arial" panose="020B0604020202020204" pitchFamily="34" charset="0"/>
+                      </a:endParaRPr>
                     </a:p>
                   </a:txBody>
                   <a:tcPr marL="152717" marR="152717" marT="95567" marB="95567" anchor="ctr">
@@ -29461,11 +29673,6 @@
                     </a:solidFill>
                   </a:tcPr>
                 </a:tc>
-                <a:extLst>
-                  <a:ext uri="{0D108BD9-81ED-4DB2-BD59-A6C34878D82A}">
-                    <a16:rowId xmlns:a16="http://schemas.microsoft.com/office/drawing/2014/main" val="10000"/>
-                  </a:ext>
-                </a:extLst>
               </a:tr>
               <a:tr h="0">
                 <a:tc>
@@ -29473,7 +29680,7 @@
                     <a:bodyPr/>
                     <a:lstStyle/>
                     <a:p>
-                      <a:pPr marL="241200">
+                      <a:pPr marL="241300">
                         <a:lnSpc>
                           <a:spcPts val="1875"/>
                         </a:lnSpc>
@@ -29536,6 +29743,14 @@
                         </a:rPr>
                         <a:t>Closed</a:t>
                       </a:r>
+                      <a:endParaRPr lang="en-US" altLang="zh-CN" sz="1600" b="0" i="0" dirty="0">
+                        <a:solidFill>
+                          <a:srgbClr val="0F1115"/>
+                        </a:solidFill>
+                        <a:latin typeface="Arial" panose="020B0604020202020204" pitchFamily="34" charset="0"/>
+                        <a:ea typeface="quote-cjk-patch"/>
+                        <a:cs typeface="Arial" panose="020B0604020202020204" pitchFamily="34" charset="0"/>
+                      </a:endParaRPr>
                     </a:p>
                   </a:txBody>
                   <a:tcPr marL="152717" marR="152717" marT="95567" marB="95567" anchor="ctr">
@@ -29609,11 +29824,6 @@
                     <a:noFill/>
                   </a:tcPr>
                 </a:tc>
-                <a:extLst>
-                  <a:ext uri="{0D108BD9-81ED-4DB2-BD59-A6C34878D82A}">
-                    <a16:rowId xmlns:a16="http://schemas.microsoft.com/office/drawing/2014/main" val="10001"/>
-                  </a:ext>
-                </a:extLst>
               </a:tr>
               <a:tr h="0">
                 <a:tc>
@@ -29621,7 +29831,7 @@
                     <a:bodyPr/>
                     <a:lstStyle/>
                     <a:p>
-                      <a:pPr marL="241200">
+                      <a:pPr marL="241300">
                         <a:lnSpc>
                           <a:spcPts val="1875"/>
                         </a:lnSpc>
@@ -29765,11 +29975,6 @@
                     <a:noFill/>
                   </a:tcPr>
                 </a:tc>
-                <a:extLst>
-                  <a:ext uri="{0D108BD9-81ED-4DB2-BD59-A6C34878D82A}">
-                    <a16:rowId xmlns:a16="http://schemas.microsoft.com/office/drawing/2014/main" val="10002"/>
-                  </a:ext>
-                </a:extLst>
               </a:tr>
               <a:tr h="0">
                 <a:tc>
@@ -29777,7 +29982,7 @@
                     <a:bodyPr/>
                     <a:lstStyle/>
                     <a:p>
-                      <a:pPr marL="241200">
+                      <a:pPr marL="241300">
                         <a:lnSpc>
                           <a:spcPts val="1875"/>
                         </a:lnSpc>
@@ -29921,11 +30126,6 @@
                     <a:noFill/>
                   </a:tcPr>
                 </a:tc>
-                <a:extLst>
-                  <a:ext uri="{0D108BD9-81ED-4DB2-BD59-A6C34878D82A}">
-                    <a16:rowId xmlns:a16="http://schemas.microsoft.com/office/drawing/2014/main" val="10003"/>
-                  </a:ext>
-                </a:extLst>
               </a:tr>
             </a:tbl>
           </a:graphicData>
@@ -29933,13 +30133,7 @@
       </p:graphicFrame>
       <p:sp>
         <p:nvSpPr>
-          <p:cNvPr id="14" name="文本框 13">
-            <a:extLst>
-              <a:ext uri="{FF2B5EF4-FFF2-40B4-BE49-F238E27FC236}">
-                <a16:creationId xmlns:a16="http://schemas.microsoft.com/office/drawing/2014/main" id="{6E41E787-149F-88A8-CB30-3BD1B4F69F97}"/>
-              </a:ext>
-            </a:extLst>
-          </p:cNvPr>
+          <p:cNvPr id="14" name="文本框 13"/>
           <p:cNvSpPr txBox="1"/>
           <p:nvPr/>
         </p:nvSpPr>
@@ -30001,18 +30195,22 @@
               </a:rPr>
               <a:t>for Open-end questions ?</a:t>
             </a:r>
+            <a:endParaRPr lang="en-US" altLang="zh-CN" sz="1600" b="0" i="0" dirty="0">
+              <a:solidFill>
+                <a:schemeClr val="accent4">
+                  <a:lumMod val="75000"/>
+                </a:schemeClr>
+              </a:solidFill>
+              <a:latin typeface="Arial" panose="020B0604020202020204" pitchFamily="34" charset="0"/>
+              <a:ea typeface="quote-cjk-patch"/>
+              <a:cs typeface="Arial" panose="020B0604020202020204" pitchFamily="34" charset="0"/>
+            </a:endParaRPr>
           </a:p>
         </p:txBody>
       </p:sp>
       <p:sp>
         <p:nvSpPr>
-          <p:cNvPr id="3" name="文本框 2">
-            <a:extLst>
-              <a:ext uri="{FF2B5EF4-FFF2-40B4-BE49-F238E27FC236}">
-                <a16:creationId xmlns:a16="http://schemas.microsoft.com/office/drawing/2014/main" id="{DF7B8D29-E965-BBE8-A2B3-B26B196ABDC7}"/>
-              </a:ext>
-            </a:extLst>
-          </p:cNvPr>
+          <p:cNvPr id="3" name="文本框 2"/>
           <p:cNvSpPr txBox="1"/>
           <p:nvPr/>
         </p:nvSpPr>
@@ -30054,23 +30252,11 @@
       </p:sp>
       <p:graphicFrame>
         <p:nvGraphicFramePr>
-          <p:cNvPr id="4" name="表格 3">
-            <a:extLst>
-              <a:ext uri="{FF2B5EF4-FFF2-40B4-BE49-F238E27FC236}">
-                <a16:creationId xmlns:a16="http://schemas.microsoft.com/office/drawing/2014/main" id="{05C14AD2-7B77-46B7-E1A8-7FA2519EC0E8}"/>
-              </a:ext>
-            </a:extLst>
-          </p:cNvPr>
+          <p:cNvPr id="4" name="表格 3"/>
           <p:cNvGraphicFramePr>
             <a:graphicFrameLocks noGrp="1"/>
           </p:cNvGraphicFramePr>
-          <p:nvPr>
-            <p:extLst>
-              <p:ext uri="{D42A27DB-BD31-4B8C-83A1-F6EECF244321}">
-                <p14:modId xmlns:p14="http://schemas.microsoft.com/office/powerpoint/2010/main" val="3511765798"/>
-              </p:ext>
-            </p:extLst>
-          </p:nvPr>
+          <p:nvPr/>
         </p:nvGraphicFramePr>
         <p:xfrm>
           <a:off x="167955" y="3564903"/>
@@ -30083,34 +30269,10 @@
                 <a:tableStyleId>{5C22544A-7EE6-4342-B048-85BDC9FD1C3A}</a:tableStyleId>
               </a:tblPr>
               <a:tblGrid>
-                <a:gridCol w="2227848">
-                  <a:extLst>
-                    <a:ext uri="{9D8B030D-6E8A-4147-A177-3AD203B41FA5}">
-                      <a16:colId xmlns:a16="http://schemas.microsoft.com/office/drawing/2014/main" val="3020301841"/>
-                    </a:ext>
-                  </a:extLst>
-                </a:gridCol>
-                <a:gridCol w="2217405">
-                  <a:extLst>
-                    <a:ext uri="{9D8B030D-6E8A-4147-A177-3AD203B41FA5}">
-                      <a16:colId xmlns:a16="http://schemas.microsoft.com/office/drawing/2014/main" val="277210204"/>
-                    </a:ext>
-                  </a:extLst>
-                </a:gridCol>
-                <a:gridCol w="2295592">
-                  <a:extLst>
-                    <a:ext uri="{9D8B030D-6E8A-4147-A177-3AD203B41FA5}">
-                      <a16:colId xmlns:a16="http://schemas.microsoft.com/office/drawing/2014/main" val="1413454032"/>
-                    </a:ext>
-                  </a:extLst>
-                </a:gridCol>
-                <a:gridCol w="2170545">
-                  <a:extLst>
-                    <a:ext uri="{9D8B030D-6E8A-4147-A177-3AD203B41FA5}">
-                      <a16:colId xmlns:a16="http://schemas.microsoft.com/office/drawing/2014/main" val="1423490395"/>
-                    </a:ext>
-                  </a:extLst>
-                </a:gridCol>
+                <a:gridCol w="2227848"/>
+                <a:gridCol w="2217405"/>
+                <a:gridCol w="2295592"/>
+                <a:gridCol w="2170545"/>
               </a:tblGrid>
               <a:tr h="391186">
                 <a:tc>
@@ -30216,11 +30378,6 @@
                     <a:noFill/>
                   </a:tcPr>
                 </a:tc>
-                <a:extLst>
-                  <a:ext uri="{0D108BD9-81ED-4DB2-BD59-A6C34878D82A}">
-                    <a16:rowId xmlns:a16="http://schemas.microsoft.com/office/drawing/2014/main" val="1815192281"/>
-                  </a:ext>
-                </a:extLst>
               </a:tr>
               <a:tr h="163329">
                 <a:tc>
@@ -30365,11 +30522,6 @@
                     <a:noFill/>
                   </a:tcPr>
                 </a:tc>
-                <a:extLst>
-                  <a:ext uri="{0D108BD9-81ED-4DB2-BD59-A6C34878D82A}">
-                    <a16:rowId xmlns:a16="http://schemas.microsoft.com/office/drawing/2014/main" val="3083346657"/>
-                  </a:ext>
-                </a:extLst>
               </a:tr>
             </a:tbl>
           </a:graphicData>
@@ -30377,13 +30529,7 @@
       </p:graphicFrame>
       <p:grpSp>
         <p:nvGrpSpPr>
-          <p:cNvPr id="9" name="组合 8">
-            <a:extLst>
-              <a:ext uri="{FF2B5EF4-FFF2-40B4-BE49-F238E27FC236}">
-                <a16:creationId xmlns:a16="http://schemas.microsoft.com/office/drawing/2014/main" id="{3A416A75-D419-911C-6475-10491087D0A3}"/>
-              </a:ext>
-            </a:extLst>
-          </p:cNvPr>
+          <p:cNvPr id="9" name="组合 8"/>
           <p:cNvGrpSpPr/>
           <p:nvPr/>
         </p:nvGrpSpPr>
@@ -30397,13 +30543,7 @@
         </p:grpSpPr>
         <p:sp>
           <p:nvSpPr>
-            <p:cNvPr id="5" name="圆角矩形 4">
-              <a:extLst>
-                <a:ext uri="{FF2B5EF4-FFF2-40B4-BE49-F238E27FC236}">
-                  <a16:creationId xmlns:a16="http://schemas.microsoft.com/office/drawing/2014/main" id="{D0CFD8D7-327B-65BD-7CD4-7452AFD86BC9}"/>
-                </a:ext>
-              </a:extLst>
-            </p:cNvPr>
+            <p:cNvPr id="5" name="圆角矩形 4"/>
             <p:cNvSpPr/>
             <p:nvPr/>
           </p:nvSpPr>
@@ -30452,13 +30592,7 @@
         </p:sp>
         <p:sp>
           <p:nvSpPr>
-            <p:cNvPr id="6" name="五边形 5">
-              <a:extLst>
-                <a:ext uri="{FF2B5EF4-FFF2-40B4-BE49-F238E27FC236}">
-                  <a16:creationId xmlns:a16="http://schemas.microsoft.com/office/drawing/2014/main" id="{D92E2C67-025F-8F23-3FDA-E544D8BFA2FF}"/>
-                </a:ext>
-              </a:extLst>
-            </p:cNvPr>
+            <p:cNvPr id="6" name="五边形 5"/>
             <p:cNvSpPr/>
             <p:nvPr/>
           </p:nvSpPr>
@@ -30512,13 +30646,7 @@
         </p:sp>
         <p:sp>
           <p:nvSpPr>
-            <p:cNvPr id="7" name="五边形 6">
-              <a:extLst>
-                <a:ext uri="{FF2B5EF4-FFF2-40B4-BE49-F238E27FC236}">
-                  <a16:creationId xmlns:a16="http://schemas.microsoft.com/office/drawing/2014/main" id="{2C9A46C8-C60E-D6B4-111E-13CC73D5F850}"/>
-                </a:ext>
-              </a:extLst>
-            </p:cNvPr>
+            <p:cNvPr id="7" name="五边形 6"/>
             <p:cNvSpPr/>
             <p:nvPr/>
           </p:nvSpPr>
@@ -30572,13 +30700,7 @@
         </p:sp>
         <p:sp>
           <p:nvSpPr>
-            <p:cNvPr id="8" name="五边形 7">
-              <a:extLst>
-                <a:ext uri="{FF2B5EF4-FFF2-40B4-BE49-F238E27FC236}">
-                  <a16:creationId xmlns:a16="http://schemas.microsoft.com/office/drawing/2014/main" id="{F1995657-48BA-E296-48F5-1204C3095EC7}"/>
-                </a:ext>
-              </a:extLst>
-            </p:cNvPr>
+            <p:cNvPr id="8" name="五边形 7"/>
             <p:cNvSpPr/>
             <p:nvPr/>
           </p:nvSpPr>
@@ -30633,13 +30755,7 @@
       </p:grpSp>
       <p:grpSp>
         <p:nvGrpSpPr>
-          <p:cNvPr id="13" name="组合 12">
-            <a:extLst>
-              <a:ext uri="{FF2B5EF4-FFF2-40B4-BE49-F238E27FC236}">
-                <a16:creationId xmlns:a16="http://schemas.microsoft.com/office/drawing/2014/main" id="{5B78E976-8BE3-1519-D149-29D9244C7155}"/>
-              </a:ext>
-            </a:extLst>
-          </p:cNvPr>
+          <p:cNvPr id="13" name="组合 12"/>
           <p:cNvGrpSpPr/>
           <p:nvPr/>
         </p:nvGrpSpPr>
@@ -30653,13 +30769,7 @@
         </p:grpSpPr>
         <p:sp>
           <p:nvSpPr>
-            <p:cNvPr id="11" name="圆角矩形 10">
-              <a:extLst>
-                <a:ext uri="{FF2B5EF4-FFF2-40B4-BE49-F238E27FC236}">
-                  <a16:creationId xmlns:a16="http://schemas.microsoft.com/office/drawing/2014/main" id="{ECBDDE16-601F-1D19-E4D5-8751F8DA01F7}"/>
-                </a:ext>
-              </a:extLst>
-            </p:cNvPr>
+            <p:cNvPr id="11" name="圆角矩形 10"/>
             <p:cNvSpPr/>
             <p:nvPr/>
           </p:nvSpPr>
@@ -30713,13 +30823,7 @@
         </p:sp>
         <p:sp>
           <p:nvSpPr>
-            <p:cNvPr id="10" name="文本框 9">
-              <a:extLst>
-                <a:ext uri="{FF2B5EF4-FFF2-40B4-BE49-F238E27FC236}">
-                  <a16:creationId xmlns:a16="http://schemas.microsoft.com/office/drawing/2014/main" id="{D405A2FE-7B98-8EF2-F33E-61C19091030B}"/>
-                </a:ext>
-              </a:extLst>
-            </p:cNvPr>
+            <p:cNvPr id="10" name="文本框 9"/>
             <p:cNvSpPr txBox="1"/>
             <p:nvPr/>
           </p:nvSpPr>
@@ -30764,11 +30868,6 @@
         </p:sp>
       </p:grpSp>
     </p:spTree>
-    <p:extLst>
-      <p:ext uri="{BB962C8B-B14F-4D97-AF65-F5344CB8AC3E}">
-        <p14:creationId xmlns:p14="http://schemas.microsoft.com/office/powerpoint/2010/main" val="2745830858"/>
-      </p:ext>
-    </p:extLst>
   </p:cSld>
   <p:clrMapOvr>
     <a:masterClrMapping/>
@@ -30800,7 +30899,7 @@
           <p:nvPr/>
         </p:nvPicPr>
         <p:blipFill rotWithShape="1">
-          <a:blip r:embed="rId3"/>
+          <a:blip r:embed="rId1"/>
           <a:srcRect/>
           <a:stretch>
             <a:fillRect/>
@@ -30882,6 +30981,12 @@
               </a:rPr>
               <a:t>rchitecture</a:t>
             </a:r>
+            <a:endParaRPr lang="en-US" altLang="zh-CN" sz="3600" b="1" dirty="0">
+              <a:solidFill>
+                <a:schemeClr val="bg1"/>
+              </a:solidFill>
+              <a:ea typeface="宋体" panose="02010600030101010101" pitchFamily="2" charset="-122"/>
+            </a:endParaRPr>
           </a:p>
         </p:txBody>
       </p:sp>
@@ -30930,6 +31035,16 @@
               </a:rPr>
               <a:t>Internal Comparison:</a:t>
             </a:r>
+            <a:endParaRPr lang="en-US" altLang="zh-CN" sz="2300" b="1" dirty="0">
+              <a:solidFill>
+                <a:schemeClr val="accent4">
+                  <a:lumMod val="75000"/>
+                </a:schemeClr>
+              </a:solidFill>
+              <a:latin typeface="Arial" panose="020B0604020202020204" pitchFamily="34" charset="0"/>
+              <a:ea typeface="quote-cjk-patch"/>
+              <a:cs typeface="Arial" panose="020B0604020202020204" pitchFamily="34" charset="0"/>
+            </a:endParaRPr>
           </a:p>
           <a:p>
             <a:pPr marL="0" indent="0">
@@ -30956,9 +31071,17 @@
               </a:rPr>
               <a:t> Comparison with baseline model (classifier), Focusing on:</a:t>
             </a:r>
+            <a:endParaRPr lang="en-US" altLang="zh-CN" sz="1600" b="0" i="0" dirty="0">
+              <a:solidFill>
+                <a:srgbClr val="0F1115"/>
+              </a:solidFill>
+              <a:latin typeface="Arial" panose="020B0604020202020204" pitchFamily="34" charset="0"/>
+              <a:ea typeface="quote-cjk-patch"/>
+              <a:cs typeface="Arial" panose="020B0604020202020204" pitchFamily="34" charset="0"/>
+            </a:endParaRPr>
           </a:p>
           <a:p>
-            <a:pPr marL="576000" lvl="3" indent="-285750">
+            <a:pPr marL="575945" lvl="3" indent="-285750">
               <a:lnSpc>
                 <a:spcPct val="150000"/>
               </a:lnSpc>
@@ -30968,7 +31091,7 @@
               <a:spcAft>
                 <a:spcPct val="0"/>
               </a:spcAft>
-              <a:buFont typeface="Wingdings" pitchFamily="2" charset="2"/>
+              <a:buFont typeface="Wingdings" panose="05000000000000000000" pitchFamily="2" charset="2"/>
               <a:buChar char="n"/>
             </a:pPr>
             <a:r>
@@ -30981,6 +31104,13 @@
               </a:rPr>
               <a:t>How about the gap of performance for closed questions?</a:t>
             </a:r>
+            <a:endParaRPr lang="en-US" altLang="zh-CN" sz="1600" dirty="0">
+              <a:solidFill>
+                <a:srgbClr val="0F1115"/>
+              </a:solidFill>
+              <a:latin typeface="Arial" panose="020B0604020202020204" pitchFamily="34" charset="0"/>
+              <a:cs typeface="Arial" panose="020B0604020202020204" pitchFamily="34" charset="0"/>
+            </a:endParaRPr>
           </a:p>
           <a:p>
             <a:pPr marL="0" indent="0">
@@ -31007,6 +31137,16 @@
               </a:rPr>
               <a:t>External Comparison:</a:t>
             </a:r>
+            <a:endParaRPr lang="en-US" altLang="zh-CN" sz="2300" b="1" dirty="0">
+              <a:solidFill>
+                <a:schemeClr val="accent4">
+                  <a:lumMod val="75000"/>
+                </a:schemeClr>
+              </a:solidFill>
+              <a:latin typeface="Arial" panose="020B0604020202020204" pitchFamily="34" charset="0"/>
+              <a:ea typeface="quote-cjk-patch"/>
+              <a:cs typeface="Arial" panose="020B0604020202020204" pitchFamily="34" charset="0"/>
+            </a:endParaRPr>
           </a:p>
           <a:p>
             <a:pPr marL="0" indent="0">
@@ -31077,9 +31217,17 @@
               </a:rPr>
               <a:t> on:</a:t>
             </a:r>
+            <a:endParaRPr lang="en-US" altLang="zh-CN" sz="1600" b="0" i="0" dirty="0">
+              <a:solidFill>
+                <a:srgbClr val="0F1115"/>
+              </a:solidFill>
+              <a:latin typeface="Arial" panose="020B0604020202020204" pitchFamily="34" charset="0"/>
+              <a:ea typeface="quote-cjk-patch"/>
+              <a:cs typeface="Arial" panose="020B0604020202020204" pitchFamily="34" charset="0"/>
+            </a:endParaRPr>
           </a:p>
           <a:p>
-            <a:pPr marL="576000" lvl="3" indent="-285750">
+            <a:pPr marL="575945" lvl="3" indent="-285750">
               <a:lnSpc>
                 <a:spcPct val="150000"/>
               </a:lnSpc>
@@ -31089,7 +31237,7 @@
               <a:spcAft>
                 <a:spcPct val="0"/>
               </a:spcAft>
-              <a:buFont typeface="Wingdings" pitchFamily="2" charset="2"/>
+              <a:buFont typeface="Wingdings" panose="05000000000000000000" pitchFamily="2" charset="2"/>
               <a:buChar char="n"/>
             </a:pPr>
             <a:r>
@@ -31125,9 +31273,17 @@
               </a:rPr>
               <a:t> et al. ?</a:t>
             </a:r>
+            <a:endParaRPr lang="en-US" altLang="zh-CN" sz="1600" i="0" dirty="0">
+              <a:solidFill>
+                <a:srgbClr val="0F1115"/>
+              </a:solidFill>
+              <a:latin typeface="Arial" panose="020B0604020202020204" pitchFamily="34" charset="0"/>
+              <a:ea typeface="quote-cjk-patch"/>
+              <a:cs typeface="Arial" panose="020B0604020202020204" pitchFamily="34" charset="0"/>
+            </a:endParaRPr>
           </a:p>
           <a:p>
-            <a:pPr marL="576000" lvl="3" indent="-285750">
+            <a:pPr marL="575945" lvl="3" indent="-285750">
               <a:lnSpc>
                 <a:spcPct val="150000"/>
               </a:lnSpc>
@@ -31137,7 +31293,7 @@
               <a:spcAft>
                 <a:spcPct val="0"/>
               </a:spcAft>
-              <a:buFont typeface="Wingdings" pitchFamily="2" charset="2"/>
+              <a:buFont typeface="Wingdings" panose="05000000000000000000" pitchFamily="2" charset="2"/>
               <a:buChar char="n"/>
             </a:pPr>
             <a:r>
@@ -31194,14 +31350,14 @@
 </file>
 
 <file path=ppt/tags/tag1.xml><?xml version="1.0" encoding="utf-8"?>
-<p:tagLst xmlns:a="http://schemas.openxmlformats.org/drawingml/2006/main" xmlns:r="http://schemas.openxmlformats.org/officeDocument/2006/relationships" xmlns:p="http://schemas.openxmlformats.org/presentationml/2006/main">
+<p:tagLst xmlns:p="http://schemas.openxmlformats.org/presentationml/2006/main">
   <p:tag name="TABLE_ENDDRAG_ORIGIN_RECT" val="461*148"/>
   <p:tag name="TABLE_ENDDRAG_RECT" val="202*60*461*148"/>
 </p:tagLst>
 </file>
 
 <file path=ppt/tags/tag2.xml><?xml version="1.0" encoding="utf-8"?>
-<p:tagLst xmlns:a="http://schemas.openxmlformats.org/drawingml/2006/main" xmlns:r="http://schemas.openxmlformats.org/officeDocument/2006/relationships" xmlns:p="http://schemas.openxmlformats.org/presentationml/2006/main">
+<p:tagLst xmlns:p="http://schemas.openxmlformats.org/presentationml/2006/main">
   <p:tag name="TABLE_ENDDRAG_ORIGIN_RECT" val="581*188"/>
   <p:tag name="TABLE_ENDDRAG_RECT" val="44*219*581*188"/>
 </p:tagLst>
@@ -31483,8 +31639,6 @@
       </a:bgFillStyleLst>
     </a:fmtScheme>
   </a:themeElements>
-  <a:objectDefaults/>
-  <a:extraClrSchemeLst/>
   <a:extLst>
     <a:ext uri="{05A4C25C-085E-4340-85A3-A5531E510DB2}">
       <thm15:themeFamily xmlns:thm15="http://schemas.microsoft.com/office/thememl/2012/main" name="Office Theme" id="{62F939B6-93AF-4DB8-9C6B-D6C7DFDC589F}" vid="{4A3C46E8-61CC-4603-A589-7422A47A8E4A}"/>
@@ -31769,8 +31923,6 @@
       </a:bgFillStyleLst>
     </a:fmtScheme>
   </a:themeElements>
-  <a:objectDefaults/>
-  <a:extraClrSchemeLst/>
   <a:extLst>
     <a:ext uri="{05A4C25C-085E-4340-85A3-A5531E510DB2}">
       <thm15:themeFamily xmlns:thm15="http://schemas.microsoft.com/office/thememl/2012/main" name="Office Theme" id="{62F939B6-93AF-4DB8-9C6B-D6C7DFDC589F}" vid="{4A3C46E8-61CC-4603-A589-7422A47A8E4A}"/>
@@ -32055,8 +32207,6 @@
       </a:bgFillStyleLst>
     </a:fmtScheme>
   </a:themeElements>
-  <a:objectDefaults/>
-  <a:extraClrSchemeLst/>
   <a:extLst>
     <a:ext uri="{05A4C25C-085E-4340-85A3-A5531E510DB2}">
       <thm15:themeFamily xmlns:thm15="http://schemas.microsoft.com/office/thememl/2012/main" name="Office Theme" id="{62F939B6-93AF-4DB8-9C6B-D6C7DFDC589F}" vid="{4A3C46E8-61CC-4603-A589-7422A47A8E4A}"/>
